--- a/operating_system/ghOSt/ghOSt.pptx
+++ b/operating_system/ghOSt/ghOSt.pptx
@@ -12,15 +12,12 @@
     <p:sldId id="265" r:id="rId6"/>
     <p:sldId id="266" r:id="rId7"/>
     <p:sldId id="267" r:id="rId8"/>
-    <p:sldId id="268" r:id="rId9"/>
+    <p:sldId id="277" r:id="rId9"/>
     <p:sldId id="269" r:id="rId10"/>
     <p:sldId id="270" r:id="rId11"/>
     <p:sldId id="271" r:id="rId12"/>
-    <p:sldId id="272" r:id="rId13"/>
-    <p:sldId id="273" r:id="rId14"/>
-    <p:sldId id="274" r:id="rId15"/>
-    <p:sldId id="275" r:id="rId16"/>
-    <p:sldId id="276" r:id="rId17"/>
+    <p:sldId id="279" r:id="rId13"/>
+    <p:sldId id="278" r:id="rId14"/>
   </p:sldIdLst>
   <p:sldSz cx="12192000" cy="6858000"/>
   <p:notesSz cx="6858000" cy="9144000"/>
@@ -258,7 +255,7 @@
           <a:p>
             <a:fld id="{D2C610EC-66C9-CB43-8861-5B5E0416F5DC}" type="datetimeFigureOut">
               <a:rPr lang="en-US" altLang="ko-Kore-KR"/>
-              <a:t>2023. 12. 27.</a:t>
+              <a:t>12/27/23</a:t>
             </a:fld>
             <a:endParaRPr kumimoji="1" lang="ko-Kore-KR" altLang="en-US"/>
           </a:p>
@@ -428,7 +425,7 @@
           <a:p>
             <a:fld id="{D2C610EC-66C9-CB43-8861-5B5E0416F5DC}" type="datetimeFigureOut">
               <a:rPr lang="en-US" altLang="ko-Kore-KR"/>
-              <a:t>2023. 12. 27.</a:t>
+              <a:t>12/27/23</a:t>
             </a:fld>
             <a:endParaRPr kumimoji="1" lang="ko-Kore-KR" altLang="en-US"/>
           </a:p>
@@ -608,7 +605,7 @@
           <a:p>
             <a:fld id="{D2C610EC-66C9-CB43-8861-5B5E0416F5DC}" type="datetimeFigureOut">
               <a:rPr lang="en-US" altLang="ko-Kore-KR"/>
-              <a:t>2023. 12. 27.</a:t>
+              <a:t>12/27/23</a:t>
             </a:fld>
             <a:endParaRPr kumimoji="1" lang="ko-Kore-KR" altLang="en-US"/>
           </a:p>
@@ -778,7 +775,7 @@
           <a:p>
             <a:fld id="{D2C610EC-66C9-CB43-8861-5B5E0416F5DC}" type="datetimeFigureOut">
               <a:rPr lang="en-US" altLang="ko-Kore-KR"/>
-              <a:t>2023. 12. 27.</a:t>
+              <a:t>12/27/23</a:t>
             </a:fld>
             <a:endParaRPr kumimoji="1" lang="ko-Kore-KR" altLang="en-US"/>
           </a:p>
@@ -1024,7 +1021,7 @@
           <a:p>
             <a:fld id="{D2C610EC-66C9-CB43-8861-5B5E0416F5DC}" type="datetimeFigureOut">
               <a:rPr lang="en-US" altLang="ko-Kore-KR"/>
-              <a:t>2023. 12. 27.</a:t>
+              <a:t>12/27/23</a:t>
             </a:fld>
             <a:endParaRPr kumimoji="1" lang="ko-Kore-KR" altLang="en-US"/>
           </a:p>
@@ -1256,7 +1253,7 @@
           <a:p>
             <a:fld id="{D2C610EC-66C9-CB43-8861-5B5E0416F5DC}" type="datetimeFigureOut">
               <a:rPr lang="en-US" altLang="ko-Kore-KR"/>
-              <a:t>2023. 12. 27.</a:t>
+              <a:t>12/27/23</a:t>
             </a:fld>
             <a:endParaRPr kumimoji="1" lang="ko-Kore-KR" altLang="en-US"/>
           </a:p>
@@ -1623,7 +1620,7 @@
           <a:p>
             <a:fld id="{D2C610EC-66C9-CB43-8861-5B5E0416F5DC}" type="datetimeFigureOut">
               <a:rPr lang="en-US" altLang="ko-Kore-KR"/>
-              <a:t>2023. 12. 27.</a:t>
+              <a:t>12/27/23</a:t>
             </a:fld>
             <a:endParaRPr kumimoji="1" lang="ko-Kore-KR" altLang="en-US"/>
           </a:p>
@@ -1741,7 +1738,7 @@
           <a:p>
             <a:fld id="{D2C610EC-66C9-CB43-8861-5B5E0416F5DC}" type="datetimeFigureOut">
               <a:rPr lang="en-US" altLang="ko-Kore-KR"/>
-              <a:t>2023. 12. 27.</a:t>
+              <a:t>12/27/23</a:t>
             </a:fld>
             <a:endParaRPr kumimoji="1" lang="ko-Kore-KR" altLang="en-US"/>
           </a:p>
@@ -1836,7 +1833,7 @@
           <a:p>
             <a:fld id="{D2C610EC-66C9-CB43-8861-5B5E0416F5DC}" type="datetimeFigureOut">
               <a:rPr lang="en-US" altLang="ko-Kore-KR"/>
-              <a:t>2023. 12. 27.</a:t>
+              <a:t>12/27/23</a:t>
             </a:fld>
             <a:endParaRPr kumimoji="1" lang="ko-Kore-KR" altLang="en-US"/>
           </a:p>
@@ -2113,7 +2110,7 @@
           <a:p>
             <a:fld id="{D2C610EC-66C9-CB43-8861-5B5E0416F5DC}" type="datetimeFigureOut">
               <a:rPr lang="en-US" altLang="ko-Kore-KR"/>
-              <a:t>2023. 12. 27.</a:t>
+              <a:t>12/27/23</a:t>
             </a:fld>
             <a:endParaRPr kumimoji="1" lang="ko-Kore-KR" altLang="en-US"/>
           </a:p>
@@ -2370,7 +2367,7 @@
           <a:p>
             <a:fld id="{D2C610EC-66C9-CB43-8861-5B5E0416F5DC}" type="datetimeFigureOut">
               <a:rPr lang="en-US" altLang="ko-Kore-KR"/>
-              <a:t>2023. 12. 27.</a:t>
+              <a:t>12/27/23</a:t>
             </a:fld>
             <a:endParaRPr kumimoji="1" lang="ko-Kore-KR" altLang="en-US"/>
           </a:p>
@@ -2583,7 +2580,7 @@
           <a:p>
             <a:fld id="{D2C610EC-66C9-CB43-8861-5B5E0416F5DC}" type="datetimeFigureOut">
               <a:rPr lang="en-US" altLang="ko-Kore-KR"/>
-              <a:t>2023. 12. 27.</a:t>
+              <a:t>12/27/23</a:t>
             </a:fld>
             <a:endParaRPr kumimoji="1" lang="ko-Kore-KR" altLang="en-US"/>
           </a:p>
@@ -3092,13 +3089,13 @@
   <p:clrMapOvr>
     <a:masterClrMapping/>
   </p:clrMapOvr>
-  <mc:AlternateContent xmlns:mc="http://schemas.openxmlformats.org/markup-compatibility/2006">
-    <mc:Choice xmlns:p159="http://schemas.microsoft.com/office/powerpoint/2015/09/main" Requires="p159">
+  <mc:AlternateContent xmlns:mc="http://schemas.openxmlformats.org/markup-compatibility/2006" xmlns:p159="http://schemas.microsoft.com/office/powerpoint/2015/09/main">
+    <mc:Choice Requires="p159">
       <p:transition spd="slow" advClick="0">
         <p159:morph option="byObject"/>
       </p:transition>
     </mc:Choice>
-    <mc:Fallback>
+    <mc:Fallback xmlns="">
       <p:transition spd="slow" advClick="0">
         <p:fade/>
       </p:transition>
@@ -4525,13 +4522,13 @@
   <p:clrMapOvr>
     <a:masterClrMapping/>
   </p:clrMapOvr>
-  <mc:AlternateContent xmlns:mc="http://schemas.openxmlformats.org/markup-compatibility/2006">
-    <mc:Choice xmlns:p159="http://schemas.microsoft.com/office/powerpoint/2015/09/main" Requires="p159">
+  <mc:AlternateContent xmlns:mc="http://schemas.openxmlformats.org/markup-compatibility/2006" xmlns:p159="http://schemas.microsoft.com/office/powerpoint/2015/09/main">
+    <mc:Choice Requires="p159">
       <p:transition spd="slow" advClick="0">
         <p159:morph option="byObject"/>
       </p:transition>
     </mc:Choice>
-    <mc:Fallback>
+    <mc:Fallback xmlns="">
       <p:transition spd="slow" advClick="0">
         <p:fade/>
       </p:transition>
@@ -5407,13 +5404,13 @@
   <p:clrMapOvr>
     <a:masterClrMapping/>
   </p:clrMapOvr>
-  <mc:AlternateContent xmlns:mc="http://schemas.openxmlformats.org/markup-compatibility/2006">
-    <mc:Choice xmlns:p159="http://schemas.microsoft.com/office/powerpoint/2015/09/main" Requires="p159">
+  <mc:AlternateContent xmlns:mc="http://schemas.openxmlformats.org/markup-compatibility/2006" xmlns:p159="http://schemas.microsoft.com/office/powerpoint/2015/09/main">
+    <mc:Choice Requires="p159">
       <p:transition spd="slow" advClick="0">
         <p159:morph option="byObject"/>
       </p:transition>
     </mc:Choice>
-    <mc:Fallback>
+    <mc:Fallback xmlns="">
       <p:transition spd="slow" advClick="0">
         <p:fade/>
       </p:transition>
@@ -5453,7 +5450,7 @@
         </p:nvSpPr>
         <p:spPr>
           <a:xfrm>
-            <a:off x="-5640930" y="-6126470"/>
+            <a:off x="-12944055" y="-8485622"/>
             <a:ext cx="6649080" cy="523220"/>
           </a:xfrm>
           <a:prstGeom prst="rect">
@@ -5500,7 +5497,7 @@
         </p:nvSpPr>
         <p:spPr>
           <a:xfrm>
-            <a:off x="-5114701" y="-6792335"/>
+            <a:off x="-12417826" y="-9151487"/>
             <a:ext cx="5416902" cy="1895475"/>
           </a:xfrm>
           <a:prstGeom prst="ellipse">
@@ -5552,7 +5549,7 @@
         </p:nvSpPr>
         <p:spPr>
           <a:xfrm>
-            <a:off x="-9547571" y="-10922244"/>
+            <a:off x="-16850696" y="-13281396"/>
             <a:ext cx="3470478" cy="3347761"/>
           </a:xfrm>
           <a:prstGeom prst="ellipse">
@@ -5608,7 +5605,7 @@
         </p:nvCxnSpPr>
         <p:spPr>
           <a:xfrm rot="16200000" flipH="1">
-            <a:off x="-6960094" y="-7689990"/>
+            <a:off x="-14263219" y="-10049142"/>
             <a:ext cx="2220154" cy="1470632"/>
           </a:xfrm>
           <a:prstGeom prst="curvedConnector2">
@@ -5649,7 +5646,7 @@
         </p:nvSpPr>
         <p:spPr>
           <a:xfrm>
-            <a:off x="-9144874" y="-8897922"/>
+            <a:off x="-16447999" y="-11257074"/>
             <a:ext cx="9015787" cy="1323439"/>
           </a:xfrm>
           <a:prstGeom prst="rect">
@@ -5708,7 +5705,7 @@
         </p:nvSpPr>
         <p:spPr>
           <a:xfrm>
-            <a:off x="-2665069" y="-3899531"/>
+            <a:off x="-9968194" y="-6258683"/>
             <a:ext cx="6649080" cy="954107"/>
           </a:xfrm>
           <a:prstGeom prst="rect">
@@ -5760,7 +5757,7 @@
         </p:nvSpPr>
         <p:spPr>
           <a:xfrm>
-            <a:off x="-2048980" y="-4376322"/>
+            <a:off x="-9352105" y="-6735474"/>
             <a:ext cx="5416902" cy="1895475"/>
           </a:xfrm>
           <a:prstGeom prst="ellipse">
@@ -5816,7 +5813,7 @@
         </p:nvCxnSpPr>
         <p:spPr>
           <a:xfrm rot="16200000" flipH="1">
-            <a:off x="-2230034" y="-5073077"/>
+            <a:off x="-9533159" y="-7432229"/>
             <a:ext cx="798124" cy="1150557"/>
           </a:xfrm>
           <a:prstGeom prst="curvedConnector3">
@@ -5863,7 +5860,7 @@
         </p:nvCxnSpPr>
         <p:spPr>
           <a:xfrm rot="16200000" flipH="1">
-            <a:off x="864387" y="-2685764"/>
+            <a:off x="-6438738" y="-5044916"/>
             <a:ext cx="542943" cy="952775"/>
           </a:xfrm>
           <a:prstGeom prst="curvedConnector3">
@@ -5906,7 +5903,7 @@
         </p:nvSpPr>
         <p:spPr>
           <a:xfrm>
-            <a:off x="3147014" y="910426"/>
+            <a:off x="-4156111" y="-1448726"/>
             <a:ext cx="7214942" cy="1384995"/>
           </a:xfrm>
           <a:prstGeom prst="rect">
@@ -5948,7 +5945,7 @@
         </p:nvSpPr>
         <p:spPr>
           <a:xfrm>
-            <a:off x="818959" y="-2215490"/>
+            <a:off x="-6484166" y="-4574642"/>
             <a:ext cx="5416902" cy="1895475"/>
           </a:xfrm>
           <a:prstGeom prst="ellipse">
@@ -6000,7 +5997,7 @@
         </p:nvSpPr>
         <p:spPr>
           <a:xfrm>
-            <a:off x="2999232" y="346418"/>
+            <a:off x="-4303893" y="-2012734"/>
             <a:ext cx="7510506" cy="2356551"/>
           </a:xfrm>
           <a:prstGeom prst="ellipse">
@@ -6056,7 +6053,7 @@
         </p:nvCxnSpPr>
         <p:spPr>
           <a:xfrm rot="16200000" flipH="1">
-            <a:off x="3307494" y="-100099"/>
+            <a:off x="-3995631" y="-2459251"/>
             <a:ext cx="1011542" cy="571710"/>
           </a:xfrm>
           <a:prstGeom prst="curvedConnector3">
@@ -6099,7 +6096,7 @@
         </p:nvSpPr>
         <p:spPr>
           <a:xfrm>
-            <a:off x="43382" y="-1483518"/>
+            <a:off x="-7259743" y="-3842670"/>
             <a:ext cx="6649080" cy="523220"/>
           </a:xfrm>
           <a:prstGeom prst="rect">
@@ -6127,6 +6124,59 @@
           </a:p>
         </p:txBody>
       </p:sp>
+      <p:sp>
+        <p:nvSpPr>
+          <p:cNvPr id="4" name="TextBox 3">
+            <a:extLst>
+              <a:ext uri="{FF2B5EF4-FFF2-40B4-BE49-F238E27FC236}">
+                <a16:creationId xmlns:a16="http://schemas.microsoft.com/office/drawing/2014/main" id="{09069384-6BDF-4AB8-9E82-55B8B48224F5}"/>
+              </a:ext>
+            </a:extLst>
+          </p:cNvPr>
+          <p:cNvSpPr txBox="1"/>
+          <p:nvPr/>
+        </p:nvSpPr>
+        <p:spPr>
+          <a:xfrm>
+            <a:off x="368265" y="1133427"/>
+            <a:ext cx="7214942" cy="1384995"/>
+          </a:xfrm>
+          <a:prstGeom prst="rect">
+            <a:avLst/>
+          </a:prstGeom>
+          <a:noFill/>
+        </p:spPr>
+        <p:txBody>
+          <a:bodyPr wrap="square" rtlCol="0">
+            <a:spAutoFit/>
+          </a:bodyPr>
+          <a:lstStyle/>
+          <a:p>
+            <a:pPr algn="ctr"/>
+            <a:r>
+              <a:rPr kumimoji="1" lang="en-US" altLang="ko-Kore-KR" sz="2800">
+                <a:cs typeface="Microsoft Himalaya" pitchFamily="2" charset="0"/>
+              </a:rPr>
+              <a:t>Also, scheduling designs that were previously </a:t>
+            </a:r>
+            <a:r>
+              <a:rPr kumimoji="1" lang="en-US" altLang="ko-KR" sz="2800">
+                <a:cs typeface="Microsoft Himalaya" pitchFamily="2" charset="0"/>
+              </a:rPr>
+              <a:t>unused because they did not fit into the general kernel </a:t>
+            </a:r>
+            <a:r>
+              <a:rPr kumimoji="1" lang="en-US" altLang="ko-Kore-KR" sz="2800">
+                <a:cs typeface="Microsoft Himalaya" pitchFamily="2" charset="0"/>
+              </a:rPr>
+              <a:t>can be used in the userspace!!</a:t>
+            </a:r>
+            <a:endParaRPr kumimoji="1" lang="ko-Kore-KR" altLang="en-US" sz="2800">
+              <a:cs typeface="Microsoft Himalaya" pitchFamily="2" charset="0"/>
+            </a:endParaRPr>
+          </a:p>
+        </p:txBody>
+      </p:sp>
       <p:cxnSp>
         <p:nvCxnSpPr>
           <p:cNvPr id="15" name="구부러진 연결선[U] 14">
@@ -6145,8 +6195,8 @@
         </p:nvCxnSpPr>
         <p:spPr>
           <a:xfrm rot="16200000" flipH="1">
-            <a:off x="10060549" y="1707161"/>
-            <a:ext cx="497244" cy="1798642"/>
+            <a:off x="2774605" y="-669173"/>
+            <a:ext cx="501569" cy="1837329"/>
           </a:xfrm>
           <a:prstGeom prst="curvedConnector3">
             <a:avLst>
@@ -6188,7 +6238,7 @@
         </p:nvSpPr>
         <p:spPr>
           <a:xfrm>
-            <a:off x="7264438" y="2855104"/>
+            <a:off x="0" y="500277"/>
             <a:ext cx="7888107" cy="2599856"/>
           </a:xfrm>
           <a:prstGeom prst="ellipse">
@@ -6226,216 +6276,23 @@
           </a:p>
         </p:txBody>
       </p:sp>
-      <p:cxnSp>
-        <p:nvCxnSpPr>
-          <p:cNvPr id="21" name="구부러진 연결선[U] 20">
-            <a:extLst>
-              <a:ext uri="{FF2B5EF4-FFF2-40B4-BE49-F238E27FC236}">
-                <a16:creationId xmlns:a16="http://schemas.microsoft.com/office/drawing/2014/main" id="{3981B12A-14F8-075F-3799-D8B80E98DAA2}"/>
-              </a:ext>
-            </a:extLst>
-          </p:cNvPr>
-          <p:cNvCxnSpPr>
-            <a:cxnSpLocks/>
-            <a:stCxn id="12" idx="5"/>
-            <a:endCxn id="24" idx="0"/>
-          </p:cNvCxnSpPr>
-          <p:nvPr/>
-        </p:nvCxnSpPr>
-        <p:spPr>
-          <a:xfrm rot="5400000">
-            <a:off x="5476996" y="222178"/>
-            <a:ext cx="1797172" cy="6068537"/>
-          </a:xfrm>
-          <a:prstGeom prst="curvedConnector3">
-            <a:avLst>
-              <a:gd name="adj1" fmla="val 50000"/>
-            </a:avLst>
-          </a:prstGeom>
-          <a:ln w="12700">
-            <a:solidFill>
-              <a:schemeClr val="tx1"/>
-            </a:solidFill>
-          </a:ln>
-        </p:spPr>
-        <p:style>
-          <a:lnRef idx="1">
-            <a:schemeClr val="accent1"/>
-          </a:lnRef>
-          <a:fillRef idx="0">
-            <a:schemeClr val="accent1"/>
-          </a:fillRef>
-          <a:effectRef idx="0">
-            <a:schemeClr val="accent1"/>
-          </a:effectRef>
-          <a:fontRef idx="minor">
-            <a:schemeClr val="tx1"/>
-          </a:fontRef>
-        </p:style>
-      </p:cxnSp>
-      <p:sp>
-        <p:nvSpPr>
-          <p:cNvPr id="23" name="TextBox 22">
-            <a:extLst>
-              <a:ext uri="{FF2B5EF4-FFF2-40B4-BE49-F238E27FC236}">
-                <a16:creationId xmlns:a16="http://schemas.microsoft.com/office/drawing/2014/main" id="{70AC99CD-BCF5-39E7-50B9-56D1659F9F62}"/>
-              </a:ext>
-            </a:extLst>
-          </p:cNvPr>
-          <p:cNvSpPr txBox="1"/>
-          <p:nvPr/>
-        </p:nvSpPr>
-        <p:spPr>
-          <a:xfrm>
-            <a:off x="96601" y="4797967"/>
-            <a:ext cx="6542642" cy="954107"/>
-          </a:xfrm>
-          <a:prstGeom prst="rect">
-            <a:avLst/>
-          </a:prstGeom>
-          <a:noFill/>
-        </p:spPr>
-        <p:txBody>
-          <a:bodyPr wrap="square" rtlCol="0">
-            <a:spAutoFit/>
-          </a:bodyPr>
-          <a:lstStyle/>
-          <a:p>
-            <a:pPr algn="ctr"/>
-            <a:r>
-              <a:rPr kumimoji="1" lang="en-US" altLang="ko-Kore-KR" sz="2800">
-                <a:cs typeface="Microsoft Himalaya" pitchFamily="2" charset="0"/>
-              </a:rPr>
-              <a:t>Then what is a difference compared to the previous works? What is a new insight?</a:t>
-            </a:r>
-            <a:endParaRPr kumimoji="1" lang="ko-Kore-KR" altLang="en-US" sz="2800">
-              <a:cs typeface="Microsoft Himalaya" pitchFamily="2" charset="0"/>
-            </a:endParaRPr>
-          </a:p>
-        </p:txBody>
-      </p:sp>
-      <p:sp>
-        <p:nvSpPr>
-          <p:cNvPr id="24" name="타원 23">
-            <a:extLst>
-              <a:ext uri="{FF2B5EF4-FFF2-40B4-BE49-F238E27FC236}">
-                <a16:creationId xmlns:a16="http://schemas.microsoft.com/office/drawing/2014/main" id="{DFBDA096-6D68-0266-3608-1A4506D9F7B7}"/>
-              </a:ext>
-            </a:extLst>
-          </p:cNvPr>
-          <p:cNvSpPr/>
-          <p:nvPr/>
-        </p:nvSpPr>
-        <p:spPr>
-          <a:xfrm>
-            <a:off x="43382" y="4155032"/>
-            <a:ext cx="6595861" cy="2144800"/>
-          </a:xfrm>
-          <a:prstGeom prst="ellipse">
-            <a:avLst/>
-          </a:prstGeom>
-          <a:noFill/>
-          <a:ln w="19050">
-            <a:solidFill>
-              <a:schemeClr val="tx1"/>
-            </a:solidFill>
-          </a:ln>
-        </p:spPr>
-        <p:style>
-          <a:lnRef idx="2">
-            <a:schemeClr val="accent1">
-              <a:shade val="15000"/>
-            </a:schemeClr>
-          </a:lnRef>
-          <a:fillRef idx="1">
-            <a:schemeClr val="accent1"/>
-          </a:fillRef>
-          <a:effectRef idx="0">
-            <a:schemeClr val="accent1"/>
-          </a:effectRef>
-          <a:fontRef idx="minor">
-            <a:schemeClr val="lt1"/>
-          </a:fontRef>
-        </p:style>
-        <p:txBody>
-          <a:bodyPr rtlCol="0" anchor="ctr"/>
-          <a:lstStyle/>
-          <a:p>
-            <a:pPr algn="ctr"/>
-            <a:endParaRPr kumimoji="1" lang="ko-Kore-KR" altLang="en-US"/>
-          </a:p>
-        </p:txBody>
-      </p:sp>
-      <p:sp>
-        <p:nvSpPr>
-          <p:cNvPr id="28" name="TextBox 27">
-            <a:extLst>
-              <a:ext uri="{FF2B5EF4-FFF2-40B4-BE49-F238E27FC236}">
-                <a16:creationId xmlns:a16="http://schemas.microsoft.com/office/drawing/2014/main" id="{42F95F63-BD9E-8829-144E-4D4B69B30108}"/>
-              </a:ext>
-            </a:extLst>
-          </p:cNvPr>
-          <p:cNvSpPr txBox="1"/>
-          <p:nvPr/>
-        </p:nvSpPr>
-        <p:spPr>
-          <a:xfrm>
-            <a:off x="7716912" y="3462534"/>
-            <a:ext cx="7214942" cy="1384995"/>
-          </a:xfrm>
-          <a:prstGeom prst="rect">
-            <a:avLst/>
-          </a:prstGeom>
-          <a:noFill/>
-        </p:spPr>
-        <p:txBody>
-          <a:bodyPr wrap="square" rtlCol="0">
-            <a:spAutoFit/>
-          </a:bodyPr>
-          <a:lstStyle/>
-          <a:p>
-            <a:pPr algn="ctr"/>
-            <a:r>
-              <a:rPr kumimoji="1" lang="en-US" altLang="ko-Kore-KR" sz="2800">
-                <a:cs typeface="Microsoft Himalaya" pitchFamily="2" charset="0"/>
-              </a:rPr>
-              <a:t>Also, scheduling designs that were previously </a:t>
-            </a:r>
-            <a:r>
-              <a:rPr kumimoji="1" lang="en-US" altLang="ko-KR" sz="2800">
-                <a:cs typeface="Microsoft Himalaya" pitchFamily="2" charset="0"/>
-              </a:rPr>
-              <a:t>unused because they did not fit into the general kernel </a:t>
-            </a:r>
-            <a:r>
-              <a:rPr kumimoji="1" lang="en-US" altLang="ko-Kore-KR" sz="2800">
-                <a:cs typeface="Microsoft Himalaya" pitchFamily="2" charset="0"/>
-              </a:rPr>
-              <a:t>can be used in the userspace!!</a:t>
-            </a:r>
-            <a:endParaRPr kumimoji="1" lang="ko-Kore-KR" altLang="en-US" sz="2800">
-              <a:cs typeface="Microsoft Himalaya" pitchFamily="2" charset="0"/>
-            </a:endParaRPr>
-          </a:p>
-        </p:txBody>
-      </p:sp>
     </p:spTree>
     <p:extLst>
       <p:ext uri="{BB962C8B-B14F-4D97-AF65-F5344CB8AC3E}">
-        <p14:creationId xmlns:p14="http://schemas.microsoft.com/office/powerpoint/2010/main" val="839491296"/>
+        <p14:creationId xmlns:p14="http://schemas.microsoft.com/office/powerpoint/2010/main" val="31269560"/>
       </p:ext>
     </p:extLst>
   </p:cSld>
   <p:clrMapOvr>
     <a:masterClrMapping/>
   </p:clrMapOvr>
-  <mc:AlternateContent xmlns:mc="http://schemas.openxmlformats.org/markup-compatibility/2006">
-    <mc:Choice xmlns:p159="http://schemas.microsoft.com/office/powerpoint/2015/09/main" Requires="p159">
+  <mc:AlternateContent xmlns:mc="http://schemas.openxmlformats.org/markup-compatibility/2006" xmlns:p159="http://schemas.microsoft.com/office/powerpoint/2015/09/main">
+    <mc:Choice Requires="p159">
       <p:transition spd="slow" advClick="0">
         <p159:morph option="byObject"/>
       </p:transition>
     </mc:Choice>
-    <mc:Fallback>
+    <mc:Fallback xmlns="">
       <p:transition spd="slow" advClick="0">
         <p:fade/>
       </p:transition>
@@ -6475,7 +6332,7 @@
         </p:nvSpPr>
         <p:spPr>
           <a:xfrm>
-            <a:off x="-2926305" y="-9841220"/>
+            <a:off x="-12944055" y="-8485622"/>
             <a:ext cx="6649080" cy="523220"/>
           </a:xfrm>
           <a:prstGeom prst="rect">
@@ -6522,7 +6379,7 @@
         </p:nvSpPr>
         <p:spPr>
           <a:xfrm>
-            <a:off x="-2400076" y="-10507085"/>
+            <a:off x="-12417826" y="-9151487"/>
             <a:ext cx="5416902" cy="1895475"/>
           </a:xfrm>
           <a:prstGeom prst="ellipse">
@@ -6574,7 +6431,7 @@
         </p:nvSpPr>
         <p:spPr>
           <a:xfrm>
-            <a:off x="-6832946" y="-14636994"/>
+            <a:off x="-16850696" y="-13281396"/>
             <a:ext cx="3470478" cy="3347761"/>
           </a:xfrm>
           <a:prstGeom prst="ellipse">
@@ -6630,7 +6487,7 @@
         </p:nvCxnSpPr>
         <p:spPr>
           <a:xfrm rot="16200000" flipH="1">
-            <a:off x="-4245469" y="-11404740"/>
+            <a:off x="-14263219" y="-10049142"/>
             <a:ext cx="2220154" cy="1470632"/>
           </a:xfrm>
           <a:prstGeom prst="curvedConnector2">
@@ -6671,7 +6528,7 @@
         </p:nvSpPr>
         <p:spPr>
           <a:xfrm>
-            <a:off x="-6430249" y="-12612672"/>
+            <a:off x="-16447999" y="-11257074"/>
             <a:ext cx="9015787" cy="1323439"/>
           </a:xfrm>
           <a:prstGeom prst="rect">
@@ -6730,7 +6587,7 @@
         </p:nvSpPr>
         <p:spPr>
           <a:xfrm>
-            <a:off x="49556" y="-7614281"/>
+            <a:off x="-9968194" y="-6258683"/>
             <a:ext cx="6649080" cy="954107"/>
           </a:xfrm>
           <a:prstGeom prst="rect">
@@ -6782,7 +6639,7 @@
         </p:nvSpPr>
         <p:spPr>
           <a:xfrm>
-            <a:off x="665645" y="-8091072"/>
+            <a:off x="-9352105" y="-6735474"/>
             <a:ext cx="5416902" cy="1895475"/>
           </a:xfrm>
           <a:prstGeom prst="ellipse">
@@ -6838,7 +6695,7 @@
         </p:nvCxnSpPr>
         <p:spPr>
           <a:xfrm rot="16200000" flipH="1">
-            <a:off x="484591" y="-8787827"/>
+            <a:off x="-9533159" y="-7432229"/>
             <a:ext cx="798124" cy="1150557"/>
           </a:xfrm>
           <a:prstGeom prst="curvedConnector3">
@@ -6885,7 +6742,7 @@
         </p:nvCxnSpPr>
         <p:spPr>
           <a:xfrm rot="16200000" flipH="1">
-            <a:off x="3579012" y="-6400514"/>
+            <a:off x="-6438738" y="-5044916"/>
             <a:ext cx="542943" cy="952775"/>
           </a:xfrm>
           <a:prstGeom prst="curvedConnector3">
@@ -6928,7 +6785,7 @@
         </p:nvSpPr>
         <p:spPr>
           <a:xfrm>
-            <a:off x="5861639" y="-2804324"/>
+            <a:off x="-4156111" y="-1448726"/>
             <a:ext cx="7214942" cy="1384995"/>
           </a:xfrm>
           <a:prstGeom prst="rect">
@@ -6970,7 +6827,7 @@
         </p:nvSpPr>
         <p:spPr>
           <a:xfrm>
-            <a:off x="3533584" y="-5930240"/>
+            <a:off x="-6484166" y="-4574642"/>
             <a:ext cx="5416902" cy="1895475"/>
           </a:xfrm>
           <a:prstGeom prst="ellipse">
@@ -7022,7 +6879,7 @@
         </p:nvSpPr>
         <p:spPr>
           <a:xfrm>
-            <a:off x="5713857" y="-3368332"/>
+            <a:off x="-4303893" y="-2012734"/>
             <a:ext cx="7510506" cy="2356551"/>
           </a:xfrm>
           <a:prstGeom prst="ellipse">
@@ -7078,7 +6935,7 @@
         </p:nvCxnSpPr>
         <p:spPr>
           <a:xfrm rot="16200000" flipH="1">
-            <a:off x="6022119" y="-3814849"/>
+            <a:off x="-3995631" y="-2459251"/>
             <a:ext cx="1011542" cy="571710"/>
           </a:xfrm>
           <a:prstGeom prst="curvedConnector3">
@@ -7121,7 +6978,7 @@
         </p:nvSpPr>
         <p:spPr>
           <a:xfrm>
-            <a:off x="2758007" y="-5198268"/>
+            <a:off x="-7259743" y="-3842670"/>
             <a:ext cx="6649080" cy="523220"/>
           </a:xfrm>
           <a:prstGeom prst="rect">
@@ -7149,6 +7006,59 @@
           </a:p>
         </p:txBody>
       </p:sp>
+      <p:sp>
+        <p:nvSpPr>
+          <p:cNvPr id="4" name="TextBox 3">
+            <a:extLst>
+              <a:ext uri="{FF2B5EF4-FFF2-40B4-BE49-F238E27FC236}">
+                <a16:creationId xmlns:a16="http://schemas.microsoft.com/office/drawing/2014/main" id="{09069384-6BDF-4AB8-9E82-55B8B48224F5}"/>
+              </a:ext>
+            </a:extLst>
+          </p:cNvPr>
+          <p:cNvSpPr txBox="1"/>
+          <p:nvPr/>
+        </p:nvSpPr>
+        <p:spPr>
+          <a:xfrm>
+            <a:off x="368265" y="1133427"/>
+            <a:ext cx="7214942" cy="1384995"/>
+          </a:xfrm>
+          <a:prstGeom prst="rect">
+            <a:avLst/>
+          </a:prstGeom>
+          <a:noFill/>
+        </p:spPr>
+        <p:txBody>
+          <a:bodyPr wrap="square" rtlCol="0">
+            <a:spAutoFit/>
+          </a:bodyPr>
+          <a:lstStyle/>
+          <a:p>
+            <a:pPr algn="ctr"/>
+            <a:r>
+              <a:rPr kumimoji="1" lang="en-US" altLang="ko-Kore-KR" sz="2800">
+                <a:cs typeface="Microsoft Himalaya" pitchFamily="2" charset="0"/>
+              </a:rPr>
+              <a:t>Also, scheduling designs that were previously </a:t>
+            </a:r>
+            <a:r>
+              <a:rPr kumimoji="1" lang="en-US" altLang="ko-KR" sz="2800">
+                <a:cs typeface="Microsoft Himalaya" pitchFamily="2" charset="0"/>
+              </a:rPr>
+              <a:t>unused because they did not fit into the general kernel </a:t>
+            </a:r>
+            <a:r>
+              <a:rPr kumimoji="1" lang="en-US" altLang="ko-Kore-KR" sz="2800">
+                <a:cs typeface="Microsoft Himalaya" pitchFamily="2" charset="0"/>
+              </a:rPr>
+              <a:t>can be used in the userspace!!</a:t>
+            </a:r>
+            <a:endParaRPr kumimoji="1" lang="ko-Kore-KR" altLang="en-US" sz="2800">
+              <a:cs typeface="Microsoft Himalaya" pitchFamily="2" charset="0"/>
+            </a:endParaRPr>
+          </a:p>
+        </p:txBody>
+      </p:sp>
       <p:cxnSp>
         <p:nvCxnSpPr>
           <p:cNvPr id="15" name="구부러진 연결선[U] 14">
@@ -7167,8 +7077,8 @@
         </p:nvCxnSpPr>
         <p:spPr>
           <a:xfrm rot="16200000" flipH="1">
-            <a:off x="12319311" y="-1551726"/>
-            <a:ext cx="899016" cy="1288688"/>
+            <a:off x="2774605" y="-669173"/>
+            <a:ext cx="501569" cy="1837329"/>
           </a:xfrm>
           <a:prstGeom prst="curvedConnector3">
             <a:avLst>
@@ -7210,7 +7120,7 @@
         </p:nvSpPr>
         <p:spPr>
           <a:xfrm>
-            <a:off x="9469109" y="-457874"/>
+            <a:off x="0" y="500277"/>
             <a:ext cx="7888107" cy="2599856"/>
           </a:xfrm>
           <a:prstGeom prst="ellipse">
@@ -7248,59 +7158,12 @@
           </a:p>
         </p:txBody>
       </p:sp>
-      <p:cxnSp>
-        <p:nvCxnSpPr>
-          <p:cNvPr id="21" name="구부러진 연결선[U] 20">
-            <a:extLst>
-              <a:ext uri="{FF2B5EF4-FFF2-40B4-BE49-F238E27FC236}">
-                <a16:creationId xmlns:a16="http://schemas.microsoft.com/office/drawing/2014/main" id="{3981B12A-14F8-075F-3799-D8B80E98DAA2}"/>
-              </a:ext>
-            </a:extLst>
-          </p:cNvPr>
-          <p:cNvCxnSpPr>
-            <a:cxnSpLocks/>
-            <a:stCxn id="12" idx="5"/>
-            <a:endCxn id="24" idx="0"/>
-          </p:cNvCxnSpPr>
-          <p:nvPr/>
-        </p:nvCxnSpPr>
-        <p:spPr>
-          <a:xfrm rot="5400000">
-            <a:off x="8191621" y="-3492572"/>
-            <a:ext cx="1797172" cy="6068537"/>
-          </a:xfrm>
-          <a:prstGeom prst="curvedConnector3">
-            <a:avLst>
-              <a:gd name="adj1" fmla="val 50000"/>
-            </a:avLst>
-          </a:prstGeom>
-          <a:ln w="12700">
-            <a:solidFill>
-              <a:schemeClr val="tx1"/>
-            </a:solidFill>
-          </a:ln>
-        </p:spPr>
-        <p:style>
-          <a:lnRef idx="1">
-            <a:schemeClr val="accent1"/>
-          </a:lnRef>
-          <a:fillRef idx="0">
-            <a:schemeClr val="accent1"/>
-          </a:fillRef>
-          <a:effectRef idx="0">
-            <a:schemeClr val="accent1"/>
-          </a:effectRef>
-          <a:fontRef idx="minor">
-            <a:schemeClr val="tx1"/>
-          </a:fontRef>
-        </p:style>
-      </p:cxnSp>
-      <p:sp>
-        <p:nvSpPr>
-          <p:cNvPr id="23" name="TextBox 22">
-            <a:extLst>
-              <a:ext uri="{FF2B5EF4-FFF2-40B4-BE49-F238E27FC236}">
-                <a16:creationId xmlns:a16="http://schemas.microsoft.com/office/drawing/2014/main" id="{70AC99CD-BCF5-39E7-50B9-56D1659F9F62}"/>
+      <p:sp>
+        <p:nvSpPr>
+          <p:cNvPr id="18" name="TextBox 17">
+            <a:extLst>
+              <a:ext uri="{FF2B5EF4-FFF2-40B4-BE49-F238E27FC236}">
+                <a16:creationId xmlns:a16="http://schemas.microsoft.com/office/drawing/2014/main" id="{4EF28DD6-7793-8D9A-044F-B978D4AF4B34}"/>
               </a:ext>
             </a:extLst>
           </p:cNvPr>
@@ -7309,8 +7172,8 @@
         </p:nvSpPr>
         <p:spPr>
           <a:xfrm>
-            <a:off x="2811226" y="1083217"/>
-            <a:ext cx="6542642" cy="954107"/>
+            <a:off x="3975736" y="4213777"/>
+            <a:ext cx="5038928" cy="954107"/>
           </a:xfrm>
           <a:prstGeom prst="rect">
             <a:avLst/>
@@ -7328,7 +7191,7 @@
               <a:rPr kumimoji="1" lang="en-US" altLang="ko-Kore-KR" sz="2800">
                 <a:cs typeface="Microsoft Himalaya" pitchFamily="2" charset="0"/>
               </a:rPr>
-              <a:t>Then what is a difference compared to the previous works? What is a new insight?</a:t>
+              <a:t>But… is this a new insight the ghOSt want to tell us? </a:t>
             </a:r>
             <a:endParaRPr kumimoji="1" lang="ko-Kore-KR" altLang="en-US" sz="2800">
               <a:cs typeface="Microsoft Himalaya" pitchFamily="2" charset="0"/>
@@ -7338,10 +7201,10 @@
       </p:sp>
       <p:sp>
         <p:nvSpPr>
-          <p:cNvPr id="24" name="타원 23">
-            <a:extLst>
-              <a:ext uri="{FF2B5EF4-FFF2-40B4-BE49-F238E27FC236}">
-                <a16:creationId xmlns:a16="http://schemas.microsoft.com/office/drawing/2014/main" id="{DFBDA096-6D68-0266-3608-1A4506D9F7B7}"/>
+          <p:cNvPr id="19" name="타원 18">
+            <a:extLst>
+              <a:ext uri="{FF2B5EF4-FFF2-40B4-BE49-F238E27FC236}">
+                <a16:creationId xmlns:a16="http://schemas.microsoft.com/office/drawing/2014/main" id="{FA0DF77A-7B58-7DE1-8A3E-0A5DA271ECE9}"/>
               </a:ext>
             </a:extLst>
           </p:cNvPr>
@@ -7350,8 +7213,8 @@
         </p:nvSpPr>
         <p:spPr>
           <a:xfrm>
-            <a:off x="2758007" y="440282"/>
-            <a:ext cx="6595861" cy="2144800"/>
+            <a:off x="2527937" y="3982278"/>
+            <a:ext cx="8103704" cy="1417106"/>
           </a:xfrm>
           <a:prstGeom prst="ellipse">
             <a:avLst/>
@@ -7388,1468 +7251,26 @@
           </a:p>
         </p:txBody>
       </p:sp>
-      <p:sp>
-        <p:nvSpPr>
-          <p:cNvPr id="28" name="TextBox 27">
-            <a:extLst>
-              <a:ext uri="{FF2B5EF4-FFF2-40B4-BE49-F238E27FC236}">
-                <a16:creationId xmlns:a16="http://schemas.microsoft.com/office/drawing/2014/main" id="{42F95F63-BD9E-8829-144E-4D4B69B30108}"/>
-              </a:ext>
-            </a:extLst>
-          </p:cNvPr>
-          <p:cNvSpPr txBox="1"/>
-          <p:nvPr/>
-        </p:nvSpPr>
-        <p:spPr>
-          <a:xfrm>
-            <a:off x="9921583" y="149556"/>
-            <a:ext cx="7214942" cy="1384995"/>
-          </a:xfrm>
-          <a:prstGeom prst="rect">
-            <a:avLst/>
-          </a:prstGeom>
-          <a:noFill/>
-        </p:spPr>
-        <p:txBody>
-          <a:bodyPr wrap="square" rtlCol="0">
-            <a:spAutoFit/>
-          </a:bodyPr>
-          <a:lstStyle/>
-          <a:p>
-            <a:pPr algn="ctr"/>
-            <a:r>
-              <a:rPr kumimoji="1" lang="en-US" altLang="ko-Kore-KR" sz="2800">
-                <a:cs typeface="Microsoft Himalaya" pitchFamily="2" charset="0"/>
-              </a:rPr>
-              <a:t>Also, scheduling designs that were previously </a:t>
-            </a:r>
-            <a:r>
-              <a:rPr kumimoji="1" lang="en-US" altLang="ko-KR" sz="2800">
-                <a:cs typeface="Microsoft Himalaya" pitchFamily="2" charset="0"/>
-              </a:rPr>
-              <a:t>unused because they did not fit into the general kernel </a:t>
-            </a:r>
-            <a:r>
-              <a:rPr kumimoji="1" lang="en-US" altLang="ko-Kore-KR" sz="2800">
-                <a:cs typeface="Microsoft Himalaya" pitchFamily="2" charset="0"/>
-              </a:rPr>
-              <a:t>can be used in the userspace!!</a:t>
-            </a:r>
-            <a:endParaRPr kumimoji="1" lang="ko-Kore-KR" altLang="en-US" sz="2800">
-              <a:cs typeface="Microsoft Himalaya" pitchFamily="2" charset="0"/>
-            </a:endParaRPr>
-          </a:p>
-        </p:txBody>
-      </p:sp>
-    </p:spTree>
-    <p:extLst>
-      <p:ext uri="{BB962C8B-B14F-4D97-AF65-F5344CB8AC3E}">
-        <p14:creationId xmlns:p14="http://schemas.microsoft.com/office/powerpoint/2010/main" val="3191086745"/>
-      </p:ext>
-    </p:extLst>
-  </p:cSld>
-  <p:clrMapOvr>
-    <a:masterClrMapping/>
-  </p:clrMapOvr>
-  <mc:AlternateContent xmlns:mc="http://schemas.openxmlformats.org/markup-compatibility/2006">
-    <mc:Choice xmlns:p159="http://schemas.microsoft.com/office/powerpoint/2015/09/main" Requires="p159">
-      <p:transition spd="slow" advClick="0">
-        <p159:morph option="byObject"/>
-      </p:transition>
-    </mc:Choice>
-    <mc:Fallback>
-      <p:transition spd="slow" advClick="0">
-        <p:fade/>
-      </p:transition>
-    </mc:Fallback>
-  </mc:AlternateContent>
-</p:sld>
-</file>
-
-<file path=ppt/slides/slide14.xml><?xml version="1.0" encoding="utf-8"?>
-<p:sld xmlns:a="http://schemas.openxmlformats.org/drawingml/2006/main" xmlns:r="http://schemas.openxmlformats.org/officeDocument/2006/relationships" xmlns:p="http://schemas.openxmlformats.org/presentationml/2006/main">
-  <p:cSld>
-    <p:spTree>
-      <p:nvGrpSpPr>
-        <p:cNvPr id="1" name=""/>
-        <p:cNvGrpSpPr/>
-        <p:nvPr/>
-      </p:nvGrpSpPr>
-      <p:grpSpPr>
-        <a:xfrm>
-          <a:off x="0" y="0"/>
-          <a:ext cx="0" cy="0"/>
-          <a:chOff x="0" y="0"/>
-          <a:chExt cx="0" cy="0"/>
-        </a:xfrm>
-      </p:grpSpPr>
-      <p:sp>
-        <p:nvSpPr>
-          <p:cNvPr id="7" name="TextBox 6">
-            <a:extLst>
-              <a:ext uri="{FF2B5EF4-FFF2-40B4-BE49-F238E27FC236}">
-                <a16:creationId xmlns:a16="http://schemas.microsoft.com/office/drawing/2014/main" id="{7432CD06-269D-8519-0178-61F8107F3434}"/>
-              </a:ext>
-            </a:extLst>
-          </p:cNvPr>
-          <p:cNvSpPr txBox="1"/>
-          <p:nvPr/>
-        </p:nvSpPr>
-        <p:spPr>
-          <a:xfrm>
-            <a:off x="-2926305" y="-9841220"/>
-            <a:ext cx="6649080" cy="523220"/>
-          </a:xfrm>
-          <a:prstGeom prst="rect">
-            <a:avLst/>
-          </a:prstGeom>
-          <a:noFill/>
-        </p:spPr>
-        <p:txBody>
-          <a:bodyPr wrap="square" rtlCol="0">
-            <a:spAutoFit/>
-          </a:bodyPr>
-          <a:lstStyle/>
-          <a:p>
-            <a:pPr algn="ctr"/>
-            <a:r>
-              <a:rPr kumimoji="1" lang="en-US" altLang="ko-Kore-KR" sz="2800">
-                <a:ea typeface="Microsoft Himalaya" pitchFamily="2" charset="0"/>
-                <a:cs typeface="Microsoft Himalaya" pitchFamily="2" charset="0"/>
-              </a:rPr>
-              <a:t>What is a purpose of the paper?</a:t>
-            </a:r>
-            <a:endParaRPr kumimoji="1" lang="ko-Kore-KR" altLang="en-US" sz="2800">
-              <a:solidFill>
-                <a:schemeClr val="bg1">
-                  <a:alpha val="0"/>
-                </a:schemeClr>
-              </a:solidFill>
-              <a:cs typeface="Microsoft Himalaya" pitchFamily="2" charset="0"/>
-            </a:endParaRPr>
-          </a:p>
-        </p:txBody>
-      </p:sp>
-      <p:sp>
-        <p:nvSpPr>
-          <p:cNvPr id="6" name="타원 5">
-            <a:extLst>
-              <a:ext uri="{FF2B5EF4-FFF2-40B4-BE49-F238E27FC236}">
-                <a16:creationId xmlns:a16="http://schemas.microsoft.com/office/drawing/2014/main" id="{2EE2381A-BA90-6CCC-E30D-9B8CB7883D9B}"/>
-              </a:ext>
-            </a:extLst>
-          </p:cNvPr>
-          <p:cNvSpPr/>
-          <p:nvPr/>
-        </p:nvSpPr>
-        <p:spPr>
-          <a:xfrm>
-            <a:off x="-2400076" y="-10507085"/>
-            <a:ext cx="5416902" cy="1895475"/>
-          </a:xfrm>
-          <a:prstGeom prst="ellipse">
-            <a:avLst/>
-          </a:prstGeom>
-          <a:noFill/>
-          <a:ln w="19050">
-            <a:solidFill>
-              <a:schemeClr val="tx1"/>
-            </a:solidFill>
-          </a:ln>
-        </p:spPr>
-        <p:style>
-          <a:lnRef idx="2">
-            <a:schemeClr val="accent1">
-              <a:shade val="15000"/>
-            </a:schemeClr>
-          </a:lnRef>
-          <a:fillRef idx="1">
-            <a:schemeClr val="accent1"/>
-          </a:fillRef>
-          <a:effectRef idx="0">
-            <a:schemeClr val="accent1"/>
-          </a:effectRef>
-          <a:fontRef idx="minor">
-            <a:schemeClr val="lt1"/>
-          </a:fontRef>
-        </p:style>
-        <p:txBody>
-          <a:bodyPr rtlCol="0" anchor="ctr"/>
-          <a:lstStyle/>
-          <a:p>
-            <a:pPr algn="ctr"/>
-            <a:endParaRPr kumimoji="1" lang="ko-Kore-KR" altLang="en-US"/>
-          </a:p>
-        </p:txBody>
-      </p:sp>
-      <p:sp>
-        <p:nvSpPr>
-          <p:cNvPr id="2" name="타원 1">
-            <a:extLst>
-              <a:ext uri="{FF2B5EF4-FFF2-40B4-BE49-F238E27FC236}">
-                <a16:creationId xmlns:a16="http://schemas.microsoft.com/office/drawing/2014/main" id="{3537091F-D64C-D90A-CCA1-057FC775DC84}"/>
-              </a:ext>
-            </a:extLst>
-          </p:cNvPr>
-          <p:cNvSpPr/>
-          <p:nvPr/>
-        </p:nvSpPr>
-        <p:spPr>
-          <a:xfrm>
-            <a:off x="-6832946" y="-14636994"/>
-            <a:ext cx="3470478" cy="3347761"/>
-          </a:xfrm>
-          <a:prstGeom prst="ellipse">
-            <a:avLst/>
-          </a:prstGeom>
-          <a:noFill/>
-          <a:ln w="19050">
-            <a:solidFill>
-              <a:schemeClr val="tx1"/>
-            </a:solidFill>
-          </a:ln>
-        </p:spPr>
-        <p:style>
-          <a:lnRef idx="2">
-            <a:schemeClr val="accent1">
-              <a:shade val="15000"/>
-            </a:schemeClr>
-          </a:lnRef>
-          <a:fillRef idx="1">
-            <a:schemeClr val="accent1"/>
-          </a:fillRef>
-          <a:effectRef idx="0">
-            <a:schemeClr val="accent1"/>
-          </a:effectRef>
-          <a:fontRef idx="minor">
-            <a:schemeClr val="lt1"/>
-          </a:fontRef>
-        </p:style>
-        <p:txBody>
-          <a:bodyPr rtlCol="0" anchor="ctr"/>
-          <a:lstStyle/>
-          <a:p>
-            <a:pPr algn="ctr"/>
-            <a:endParaRPr kumimoji="1" lang="ko-Kore-KR" altLang="en-US"/>
-          </a:p>
-        </p:txBody>
-      </p:sp>
       <p:cxnSp>
         <p:nvCxnSpPr>
-          <p:cNvPr id="14" name="구부러진 연결선[U] 13">
-            <a:extLst>
-              <a:ext uri="{FF2B5EF4-FFF2-40B4-BE49-F238E27FC236}">
-                <a16:creationId xmlns:a16="http://schemas.microsoft.com/office/drawing/2014/main" id="{2B954181-AE35-70DB-E680-6B87963413D4}"/>
+          <p:cNvPr id="20" name="구부러진 연결선[U] 19">
+            <a:extLst>
+              <a:ext uri="{FF2B5EF4-FFF2-40B4-BE49-F238E27FC236}">
+                <a16:creationId xmlns:a16="http://schemas.microsoft.com/office/drawing/2014/main" id="{19A5D647-6532-DA56-118D-A70386D6DBB1}"/>
               </a:ext>
             </a:extLst>
           </p:cNvPr>
           <p:cNvCxnSpPr>
             <a:cxnSpLocks/>
-            <a:stCxn id="2" idx="5"/>
-            <a:endCxn id="6" idx="2"/>
+            <a:stCxn id="16" idx="4"/>
+            <a:endCxn id="19" idx="0"/>
           </p:cNvCxnSpPr>
           <p:nvPr/>
         </p:nvCxnSpPr>
         <p:spPr>
           <a:xfrm rot="16200000" flipH="1">
-            <a:off x="-4245469" y="-11404740"/>
-            <a:ext cx="2220154" cy="1470632"/>
-          </a:xfrm>
-          <a:prstGeom prst="curvedConnector2">
-            <a:avLst/>
-          </a:prstGeom>
-          <a:ln w="12700">
-            <a:solidFill>
-              <a:schemeClr val="tx1"/>
-            </a:solidFill>
-          </a:ln>
-        </p:spPr>
-        <p:style>
-          <a:lnRef idx="1">
-            <a:schemeClr val="accent1"/>
-          </a:lnRef>
-          <a:fillRef idx="0">
-            <a:schemeClr val="accent1"/>
-          </a:fillRef>
-          <a:effectRef idx="0">
-            <a:schemeClr val="accent1"/>
-          </a:effectRef>
-          <a:fontRef idx="minor">
-            <a:schemeClr val="tx1"/>
-          </a:fontRef>
-        </p:style>
-      </p:cxnSp>
-      <p:sp>
-        <p:nvSpPr>
-          <p:cNvPr id="25" name="TextBox 24">
-            <a:extLst>
-              <a:ext uri="{FF2B5EF4-FFF2-40B4-BE49-F238E27FC236}">
-                <a16:creationId xmlns:a16="http://schemas.microsoft.com/office/drawing/2014/main" id="{758AC1A2-CDC9-B7E3-EBE8-BCC2D5E5D2B1}"/>
-              </a:ext>
-            </a:extLst>
-          </p:cNvPr>
-          <p:cNvSpPr txBox="1"/>
-          <p:nvPr/>
-        </p:nvSpPr>
-        <p:spPr>
-          <a:xfrm>
-            <a:off x="-6430249" y="-12612672"/>
-            <a:ext cx="9015787" cy="1323439"/>
-          </a:xfrm>
-          <a:prstGeom prst="rect">
-            <a:avLst/>
-          </a:prstGeom>
-          <a:noFill/>
-        </p:spPr>
-        <p:txBody>
-          <a:bodyPr wrap="square" rtlCol="0">
-            <a:spAutoFit/>
-          </a:bodyPr>
-          <a:lstStyle/>
-          <a:p>
-            <a:pPr algn="ctr"/>
-            <a:r>
-              <a:rPr kumimoji="1" lang="en-US" altLang="ko-Kore-KR" sz="4000">
-                <a:ea typeface="Microsoft Himalaya" pitchFamily="2" charset="0"/>
-                <a:cs typeface="Microsoft Himalaya" pitchFamily="2" charset="0"/>
-              </a:rPr>
-              <a:t>ghOSt</a:t>
-            </a:r>
-            <a:r>
-              <a:rPr kumimoji="1" lang="en-US" altLang="ko-Kore-KR" sz="4000">
-                <a:solidFill>
-                  <a:schemeClr val="bg1">
-                    <a:alpha val="0"/>
-                  </a:schemeClr>
-                </a:solidFill>
-                <a:ea typeface="Microsoft Himalaya" pitchFamily="2" charset="0"/>
-                <a:cs typeface="Microsoft Himalaya" pitchFamily="2" charset="0"/>
-              </a:rPr>
-              <a:t>: Fast &amp; Flexible User-space Delegation of Linux Scheduling </a:t>
-            </a:r>
-            <a:endParaRPr kumimoji="1" lang="ko-Kore-KR" altLang="en-US" sz="4000">
-              <a:solidFill>
-                <a:schemeClr val="bg1">
-                  <a:alpha val="0"/>
-                </a:schemeClr>
-              </a:solidFill>
-              <a:cs typeface="Microsoft Himalaya" pitchFamily="2" charset="0"/>
-            </a:endParaRPr>
-          </a:p>
-        </p:txBody>
-      </p:sp>
-      <p:sp>
-        <p:nvSpPr>
-          <p:cNvPr id="5" name="TextBox 4">
-            <a:extLst>
-              <a:ext uri="{FF2B5EF4-FFF2-40B4-BE49-F238E27FC236}">
-                <a16:creationId xmlns:a16="http://schemas.microsoft.com/office/drawing/2014/main" id="{6654DD5B-363D-007E-134A-CB95D8023FE8}"/>
-              </a:ext>
-            </a:extLst>
-          </p:cNvPr>
-          <p:cNvSpPr txBox="1"/>
-          <p:nvPr/>
-        </p:nvSpPr>
-        <p:spPr>
-          <a:xfrm>
-            <a:off x="49556" y="-7614281"/>
-            <a:ext cx="6649080" cy="954107"/>
-          </a:xfrm>
-          <a:prstGeom prst="rect">
-            <a:avLst/>
-          </a:prstGeom>
-          <a:noFill/>
-        </p:spPr>
-        <p:txBody>
-          <a:bodyPr wrap="square" rtlCol="0">
-            <a:spAutoFit/>
-          </a:bodyPr>
-          <a:lstStyle/>
-          <a:p>
-            <a:pPr algn="ctr"/>
-            <a:r>
-              <a:rPr kumimoji="1" lang="en-US" altLang="ko-Kore-KR" sz="2800">
-                <a:ea typeface="Microsoft Himalaya" pitchFamily="2" charset="0"/>
-                <a:cs typeface="Microsoft Himalaya" pitchFamily="2" charset="0"/>
-              </a:rPr>
-              <a:t>Delegating kernel scheduling</a:t>
-            </a:r>
-          </a:p>
-          <a:p>
-            <a:pPr algn="ctr"/>
-            <a:r>
-              <a:rPr kumimoji="1" lang="en-US" altLang="ko-Kore-KR" sz="2800">
-                <a:ea typeface="Microsoft Himalaya" pitchFamily="2" charset="0"/>
-                <a:cs typeface="Microsoft Himalaya" pitchFamily="2" charset="0"/>
-              </a:rPr>
-              <a:t>to userspace code </a:t>
-            </a:r>
-            <a:endParaRPr kumimoji="1" lang="ko-Kore-KR" altLang="en-US" sz="2800">
-              <a:cs typeface="Microsoft Himalaya" pitchFamily="2" charset="0"/>
-            </a:endParaRPr>
-          </a:p>
-        </p:txBody>
-      </p:sp>
-      <p:sp>
-        <p:nvSpPr>
-          <p:cNvPr id="8" name="타원 7">
-            <a:extLst>
-              <a:ext uri="{FF2B5EF4-FFF2-40B4-BE49-F238E27FC236}">
-                <a16:creationId xmlns:a16="http://schemas.microsoft.com/office/drawing/2014/main" id="{CCA7A6FF-A5C1-EE13-DAB5-2A47607E4AA0}"/>
-              </a:ext>
-            </a:extLst>
-          </p:cNvPr>
-          <p:cNvSpPr/>
-          <p:nvPr/>
-        </p:nvSpPr>
-        <p:spPr>
-          <a:xfrm>
-            <a:off x="665645" y="-8091072"/>
-            <a:ext cx="5416902" cy="1895475"/>
-          </a:xfrm>
-          <a:prstGeom prst="ellipse">
-            <a:avLst/>
-          </a:prstGeom>
-          <a:noFill/>
-          <a:ln w="19050">
-            <a:solidFill>
-              <a:schemeClr val="tx1"/>
-            </a:solidFill>
-          </a:ln>
-        </p:spPr>
-        <p:style>
-          <a:lnRef idx="2">
-            <a:schemeClr val="accent1">
-              <a:shade val="15000"/>
-            </a:schemeClr>
-          </a:lnRef>
-          <a:fillRef idx="1">
-            <a:schemeClr val="accent1"/>
-          </a:fillRef>
-          <a:effectRef idx="0">
-            <a:schemeClr val="accent1"/>
-          </a:effectRef>
-          <a:fontRef idx="minor">
-            <a:schemeClr val="lt1"/>
-          </a:fontRef>
-        </p:style>
-        <p:txBody>
-          <a:bodyPr rtlCol="0" anchor="ctr"/>
-          <a:lstStyle/>
-          <a:p>
-            <a:pPr algn="ctr"/>
-            <a:endParaRPr kumimoji="1" lang="ko-Kore-KR" altLang="en-US"/>
-          </a:p>
-        </p:txBody>
-      </p:sp>
-      <p:cxnSp>
-        <p:nvCxnSpPr>
-          <p:cNvPr id="9" name="구부러진 연결선[U] 8">
-            <a:extLst>
-              <a:ext uri="{FF2B5EF4-FFF2-40B4-BE49-F238E27FC236}">
-                <a16:creationId xmlns:a16="http://schemas.microsoft.com/office/drawing/2014/main" id="{068EEA84-621C-4582-DC0F-D62A6F3062A3}"/>
-              </a:ext>
-            </a:extLst>
-          </p:cNvPr>
-          <p:cNvCxnSpPr>
-            <a:cxnSpLocks/>
-            <a:stCxn id="6" idx="4"/>
-            <a:endCxn id="8" idx="1"/>
-          </p:cNvCxnSpPr>
-          <p:nvPr/>
-        </p:nvCxnSpPr>
-        <p:spPr>
-          <a:xfrm rot="16200000" flipH="1">
-            <a:off x="484591" y="-8787827"/>
-            <a:ext cx="798124" cy="1150557"/>
-          </a:xfrm>
-          <a:prstGeom prst="curvedConnector3">
-            <a:avLst>
-              <a:gd name="adj1" fmla="val 50000"/>
-            </a:avLst>
-          </a:prstGeom>
-          <a:ln w="12700">
-            <a:solidFill>
-              <a:schemeClr val="tx1"/>
-            </a:solidFill>
-          </a:ln>
-        </p:spPr>
-        <p:style>
-          <a:lnRef idx="1">
-            <a:schemeClr val="accent1"/>
-          </a:lnRef>
-          <a:fillRef idx="0">
-            <a:schemeClr val="accent1"/>
-          </a:fillRef>
-          <a:effectRef idx="0">
-            <a:schemeClr val="accent1"/>
-          </a:effectRef>
-          <a:fontRef idx="minor">
-            <a:schemeClr val="tx1"/>
-          </a:fontRef>
-        </p:style>
-      </p:cxnSp>
-      <p:cxnSp>
-        <p:nvCxnSpPr>
-          <p:cNvPr id="3" name="구부러진 연결선[U] 2">
-            <a:extLst>
-              <a:ext uri="{FF2B5EF4-FFF2-40B4-BE49-F238E27FC236}">
-                <a16:creationId xmlns:a16="http://schemas.microsoft.com/office/drawing/2014/main" id="{AC3F9A48-1A19-F6C7-B3C2-CDA39B862C08}"/>
-              </a:ext>
-            </a:extLst>
-          </p:cNvPr>
-          <p:cNvCxnSpPr>
-            <a:cxnSpLocks/>
-            <a:stCxn id="8" idx="4"/>
-            <a:endCxn id="11" idx="1"/>
-          </p:cNvCxnSpPr>
-          <p:nvPr/>
-        </p:nvCxnSpPr>
-        <p:spPr>
-          <a:xfrm rot="16200000" flipH="1">
-            <a:off x="3579012" y="-6400514"/>
-            <a:ext cx="542943" cy="952775"/>
-          </a:xfrm>
-          <a:prstGeom prst="curvedConnector3">
-            <a:avLst>
-              <a:gd name="adj1" fmla="val 50000"/>
-            </a:avLst>
-          </a:prstGeom>
-          <a:ln w="12700">
-            <a:solidFill>
-              <a:schemeClr val="tx1"/>
-            </a:solidFill>
-          </a:ln>
-        </p:spPr>
-        <p:style>
-          <a:lnRef idx="1">
-            <a:schemeClr val="accent1"/>
-          </a:lnRef>
-          <a:fillRef idx="0">
-            <a:schemeClr val="accent1"/>
-          </a:fillRef>
-          <a:effectRef idx="0">
-            <a:schemeClr val="accent1"/>
-          </a:effectRef>
-          <a:fontRef idx="minor">
-            <a:schemeClr val="tx1"/>
-          </a:fontRef>
-        </p:style>
-      </p:cxnSp>
-      <p:sp>
-        <p:nvSpPr>
-          <p:cNvPr id="10" name="TextBox 9">
-            <a:extLst>
-              <a:ext uri="{FF2B5EF4-FFF2-40B4-BE49-F238E27FC236}">
-                <a16:creationId xmlns:a16="http://schemas.microsoft.com/office/drawing/2014/main" id="{D2C2F8E5-4B8F-C384-0BD1-F8CC7DBBFE31}"/>
-              </a:ext>
-            </a:extLst>
-          </p:cNvPr>
-          <p:cNvSpPr txBox="1"/>
-          <p:nvPr/>
-        </p:nvSpPr>
-        <p:spPr>
-          <a:xfrm>
-            <a:off x="5861639" y="-2804324"/>
-            <a:ext cx="7214942" cy="1384995"/>
-          </a:xfrm>
-          <a:prstGeom prst="rect">
-            <a:avLst/>
-          </a:prstGeom>
-          <a:noFill/>
-        </p:spPr>
-        <p:txBody>
-          <a:bodyPr wrap="square" rtlCol="0">
-            <a:spAutoFit/>
-          </a:bodyPr>
-          <a:lstStyle/>
-          <a:p>
-            <a:pPr algn="ctr"/>
-            <a:r>
-              <a:rPr kumimoji="1" lang="en-US" altLang="ko-Kore-KR" sz="2800">
-                <a:ea typeface="Microsoft Himalaya" pitchFamily="2" charset="0"/>
-                <a:cs typeface="Microsoft Himalaya" pitchFamily="2" charset="0"/>
-              </a:rPr>
-              <a:t>Because it means that applications can be implemented leveraging the powerful features of the kernel scheduler!!!</a:t>
-            </a:r>
-            <a:endParaRPr kumimoji="1" lang="ko-Kore-KR" altLang="en-US" sz="2800">
-              <a:cs typeface="Microsoft Himalaya" pitchFamily="2" charset="0"/>
-            </a:endParaRPr>
-          </a:p>
-        </p:txBody>
-      </p:sp>
-      <p:sp>
-        <p:nvSpPr>
-          <p:cNvPr id="11" name="타원 10">
-            <a:extLst>
-              <a:ext uri="{FF2B5EF4-FFF2-40B4-BE49-F238E27FC236}">
-                <a16:creationId xmlns:a16="http://schemas.microsoft.com/office/drawing/2014/main" id="{553EEAA2-6F2C-9BFD-E1DC-B64CC11A8B05}"/>
-              </a:ext>
-            </a:extLst>
-          </p:cNvPr>
-          <p:cNvSpPr/>
-          <p:nvPr/>
-        </p:nvSpPr>
-        <p:spPr>
-          <a:xfrm>
-            <a:off x="3533584" y="-5930240"/>
-            <a:ext cx="5416902" cy="1895475"/>
-          </a:xfrm>
-          <a:prstGeom prst="ellipse">
-            <a:avLst/>
-          </a:prstGeom>
-          <a:noFill/>
-          <a:ln w="19050">
-            <a:solidFill>
-              <a:schemeClr val="tx1"/>
-            </a:solidFill>
-          </a:ln>
-        </p:spPr>
-        <p:style>
-          <a:lnRef idx="2">
-            <a:schemeClr val="accent1">
-              <a:shade val="15000"/>
-            </a:schemeClr>
-          </a:lnRef>
-          <a:fillRef idx="1">
-            <a:schemeClr val="accent1"/>
-          </a:fillRef>
-          <a:effectRef idx="0">
-            <a:schemeClr val="accent1"/>
-          </a:effectRef>
-          <a:fontRef idx="minor">
-            <a:schemeClr val="lt1"/>
-          </a:fontRef>
-        </p:style>
-        <p:txBody>
-          <a:bodyPr rtlCol="0" anchor="ctr"/>
-          <a:lstStyle/>
-          <a:p>
-            <a:pPr algn="ctr"/>
-            <a:endParaRPr kumimoji="1" lang="ko-Kore-KR" altLang="en-US"/>
-          </a:p>
-        </p:txBody>
-      </p:sp>
-      <p:sp>
-        <p:nvSpPr>
-          <p:cNvPr id="12" name="타원 11">
-            <a:extLst>
-              <a:ext uri="{FF2B5EF4-FFF2-40B4-BE49-F238E27FC236}">
-                <a16:creationId xmlns:a16="http://schemas.microsoft.com/office/drawing/2014/main" id="{98BE3455-7E7C-98E6-2F4D-8656076DB122}"/>
-              </a:ext>
-            </a:extLst>
-          </p:cNvPr>
-          <p:cNvSpPr/>
-          <p:nvPr/>
-        </p:nvSpPr>
-        <p:spPr>
-          <a:xfrm>
-            <a:off x="5713857" y="-3368332"/>
-            <a:ext cx="7510506" cy="2356551"/>
-          </a:xfrm>
-          <a:prstGeom prst="ellipse">
-            <a:avLst/>
-          </a:prstGeom>
-          <a:noFill/>
-          <a:ln w="19050">
-            <a:solidFill>
-              <a:schemeClr val="tx1"/>
-            </a:solidFill>
-          </a:ln>
-        </p:spPr>
-        <p:style>
-          <a:lnRef idx="2">
-            <a:schemeClr val="accent1">
-              <a:shade val="15000"/>
-            </a:schemeClr>
-          </a:lnRef>
-          <a:fillRef idx="1">
-            <a:schemeClr val="accent1"/>
-          </a:fillRef>
-          <a:effectRef idx="0">
-            <a:schemeClr val="accent1"/>
-          </a:effectRef>
-          <a:fontRef idx="minor">
-            <a:schemeClr val="lt1"/>
-          </a:fontRef>
-        </p:style>
-        <p:txBody>
-          <a:bodyPr rtlCol="0" anchor="ctr"/>
-          <a:lstStyle/>
-          <a:p>
-            <a:pPr algn="ctr"/>
-            <a:endParaRPr kumimoji="1" lang="ko-Kore-KR" altLang="en-US"/>
-          </a:p>
-        </p:txBody>
-      </p:sp>
-      <p:cxnSp>
-        <p:nvCxnSpPr>
-          <p:cNvPr id="13" name="구부러진 연결선[U] 12">
-            <a:extLst>
-              <a:ext uri="{FF2B5EF4-FFF2-40B4-BE49-F238E27FC236}">
-                <a16:creationId xmlns:a16="http://schemas.microsoft.com/office/drawing/2014/main" id="{8D73709C-867B-5C3D-0744-BD01319122DC}"/>
-              </a:ext>
-            </a:extLst>
-          </p:cNvPr>
-          <p:cNvCxnSpPr>
-            <a:cxnSpLocks/>
-            <a:stCxn id="11" idx="4"/>
-            <a:endCxn id="12" idx="1"/>
-          </p:cNvCxnSpPr>
-          <p:nvPr/>
-        </p:nvCxnSpPr>
-        <p:spPr>
-          <a:xfrm rot="16200000" flipH="1">
-            <a:off x="6022119" y="-3814849"/>
-            <a:ext cx="1011542" cy="571710"/>
-          </a:xfrm>
-          <a:prstGeom prst="curvedConnector3">
-            <a:avLst>
-              <a:gd name="adj1" fmla="val 50000"/>
-            </a:avLst>
-          </a:prstGeom>
-          <a:ln w="12700">
-            <a:solidFill>
-              <a:schemeClr val="tx1"/>
-            </a:solidFill>
-          </a:ln>
-        </p:spPr>
-        <p:style>
-          <a:lnRef idx="1">
-            <a:schemeClr val="accent1"/>
-          </a:lnRef>
-          <a:fillRef idx="0">
-            <a:schemeClr val="accent1"/>
-          </a:fillRef>
-          <a:effectRef idx="0">
-            <a:schemeClr val="accent1"/>
-          </a:effectRef>
-          <a:fontRef idx="minor">
-            <a:schemeClr val="tx1"/>
-          </a:fontRef>
-        </p:style>
-      </p:cxnSp>
-      <p:sp>
-        <p:nvSpPr>
-          <p:cNvPr id="17" name="TextBox 16">
-            <a:extLst>
-              <a:ext uri="{FF2B5EF4-FFF2-40B4-BE49-F238E27FC236}">
-                <a16:creationId xmlns:a16="http://schemas.microsoft.com/office/drawing/2014/main" id="{2461D2E0-27C3-B02E-68FA-2F27E0718AE4}"/>
-              </a:ext>
-            </a:extLst>
-          </p:cNvPr>
-          <p:cNvSpPr txBox="1"/>
-          <p:nvPr/>
-        </p:nvSpPr>
-        <p:spPr>
-          <a:xfrm>
-            <a:off x="2758007" y="-5198268"/>
-            <a:ext cx="6649080" cy="523220"/>
-          </a:xfrm>
-          <a:prstGeom prst="rect">
-            <a:avLst/>
-          </a:prstGeom>
-          <a:noFill/>
-        </p:spPr>
-        <p:txBody>
-          <a:bodyPr wrap="square" rtlCol="0">
-            <a:spAutoFit/>
-          </a:bodyPr>
-          <a:lstStyle/>
-          <a:p>
-            <a:pPr algn="ctr"/>
-            <a:r>
-              <a:rPr kumimoji="1" lang="en-US" altLang="ko-Kore-KR" sz="2800">
-                <a:ea typeface="Microsoft Himalaya" pitchFamily="2" charset="0"/>
-                <a:cs typeface="Microsoft Himalaya" pitchFamily="2" charset="0"/>
-              </a:rPr>
-              <a:t>Why is that important?</a:t>
-            </a:r>
-            <a:endParaRPr kumimoji="1" lang="ko-Kore-KR" altLang="en-US" sz="2800">
-              <a:cs typeface="Microsoft Himalaya" pitchFamily="2" charset="0"/>
-            </a:endParaRPr>
-          </a:p>
-        </p:txBody>
-      </p:sp>
-      <p:cxnSp>
-        <p:nvCxnSpPr>
-          <p:cNvPr id="15" name="구부러진 연결선[U] 14">
-            <a:extLst>
-              <a:ext uri="{FF2B5EF4-FFF2-40B4-BE49-F238E27FC236}">
-                <a16:creationId xmlns:a16="http://schemas.microsoft.com/office/drawing/2014/main" id="{86EB4F29-36E1-ABFE-5C78-E34AEC8E26C2}"/>
-              </a:ext>
-            </a:extLst>
-          </p:cNvPr>
-          <p:cNvCxnSpPr>
-            <a:cxnSpLocks/>
-            <a:stCxn id="12" idx="5"/>
-            <a:endCxn id="16" idx="0"/>
-          </p:cNvCxnSpPr>
-          <p:nvPr/>
-        </p:nvCxnSpPr>
-        <p:spPr>
-          <a:xfrm rot="16200000" flipH="1">
-            <a:off x="12319311" y="-1551726"/>
-            <a:ext cx="899016" cy="1288688"/>
-          </a:xfrm>
-          <a:prstGeom prst="curvedConnector3">
-            <a:avLst>
-              <a:gd name="adj1" fmla="val 50000"/>
-            </a:avLst>
-          </a:prstGeom>
-          <a:ln w="12700">
-            <a:solidFill>
-              <a:schemeClr val="tx1"/>
-            </a:solidFill>
-          </a:ln>
-        </p:spPr>
-        <p:style>
-          <a:lnRef idx="1">
-            <a:schemeClr val="accent1"/>
-          </a:lnRef>
-          <a:fillRef idx="0">
-            <a:schemeClr val="accent1"/>
-          </a:fillRef>
-          <a:effectRef idx="0">
-            <a:schemeClr val="accent1"/>
-          </a:effectRef>
-          <a:fontRef idx="minor">
-            <a:schemeClr val="tx1"/>
-          </a:fontRef>
-        </p:style>
-      </p:cxnSp>
-      <p:sp>
-        <p:nvSpPr>
-          <p:cNvPr id="16" name="타원 15">
-            <a:extLst>
-              <a:ext uri="{FF2B5EF4-FFF2-40B4-BE49-F238E27FC236}">
-                <a16:creationId xmlns:a16="http://schemas.microsoft.com/office/drawing/2014/main" id="{C2E7E2C8-45E7-5C28-C930-10DEF0105BBC}"/>
-              </a:ext>
-            </a:extLst>
-          </p:cNvPr>
-          <p:cNvSpPr/>
-          <p:nvPr/>
-        </p:nvSpPr>
-        <p:spPr>
-          <a:xfrm>
-            <a:off x="9469109" y="-457874"/>
-            <a:ext cx="7888107" cy="2599856"/>
-          </a:xfrm>
-          <a:prstGeom prst="ellipse">
-            <a:avLst/>
-          </a:prstGeom>
-          <a:noFill/>
-          <a:ln w="19050">
-            <a:solidFill>
-              <a:schemeClr val="tx1"/>
-            </a:solidFill>
-          </a:ln>
-        </p:spPr>
-        <p:style>
-          <a:lnRef idx="2">
-            <a:schemeClr val="accent1">
-              <a:shade val="15000"/>
-            </a:schemeClr>
-          </a:lnRef>
-          <a:fillRef idx="1">
-            <a:schemeClr val="accent1"/>
-          </a:fillRef>
-          <a:effectRef idx="0">
-            <a:schemeClr val="accent1"/>
-          </a:effectRef>
-          <a:fontRef idx="minor">
-            <a:schemeClr val="lt1"/>
-          </a:fontRef>
-        </p:style>
-        <p:txBody>
-          <a:bodyPr rtlCol="0" anchor="ctr"/>
-          <a:lstStyle/>
-          <a:p>
-            <a:pPr algn="ctr"/>
-            <a:endParaRPr kumimoji="1" lang="ko-Kore-KR" altLang="en-US"/>
-          </a:p>
-        </p:txBody>
-      </p:sp>
-      <p:cxnSp>
-        <p:nvCxnSpPr>
-          <p:cNvPr id="21" name="구부러진 연결선[U] 20">
-            <a:extLst>
-              <a:ext uri="{FF2B5EF4-FFF2-40B4-BE49-F238E27FC236}">
-                <a16:creationId xmlns:a16="http://schemas.microsoft.com/office/drawing/2014/main" id="{3981B12A-14F8-075F-3799-D8B80E98DAA2}"/>
-              </a:ext>
-            </a:extLst>
-          </p:cNvPr>
-          <p:cNvCxnSpPr>
-            <a:cxnSpLocks/>
-            <a:stCxn id="12" idx="5"/>
-            <a:endCxn id="24" idx="0"/>
-          </p:cNvCxnSpPr>
-          <p:nvPr/>
-        </p:nvCxnSpPr>
-        <p:spPr>
-          <a:xfrm rot="5400000">
-            <a:off x="8191621" y="-3492572"/>
-            <a:ext cx="1797172" cy="6068537"/>
-          </a:xfrm>
-          <a:prstGeom prst="curvedConnector3">
-            <a:avLst>
-              <a:gd name="adj1" fmla="val 50000"/>
-            </a:avLst>
-          </a:prstGeom>
-          <a:ln w="12700">
-            <a:solidFill>
-              <a:schemeClr val="tx1"/>
-            </a:solidFill>
-          </a:ln>
-        </p:spPr>
-        <p:style>
-          <a:lnRef idx="1">
-            <a:schemeClr val="accent1"/>
-          </a:lnRef>
-          <a:fillRef idx="0">
-            <a:schemeClr val="accent1"/>
-          </a:fillRef>
-          <a:effectRef idx="0">
-            <a:schemeClr val="accent1"/>
-          </a:effectRef>
-          <a:fontRef idx="minor">
-            <a:schemeClr val="tx1"/>
-          </a:fontRef>
-        </p:style>
-      </p:cxnSp>
-      <p:sp>
-        <p:nvSpPr>
-          <p:cNvPr id="23" name="TextBox 22">
-            <a:extLst>
-              <a:ext uri="{FF2B5EF4-FFF2-40B4-BE49-F238E27FC236}">
-                <a16:creationId xmlns:a16="http://schemas.microsoft.com/office/drawing/2014/main" id="{70AC99CD-BCF5-39E7-50B9-56D1659F9F62}"/>
-              </a:ext>
-            </a:extLst>
-          </p:cNvPr>
-          <p:cNvSpPr txBox="1"/>
-          <p:nvPr/>
-        </p:nvSpPr>
-        <p:spPr>
-          <a:xfrm>
-            <a:off x="2811226" y="1083217"/>
-            <a:ext cx="6542642" cy="954107"/>
-          </a:xfrm>
-          <a:prstGeom prst="rect">
-            <a:avLst/>
-          </a:prstGeom>
-          <a:noFill/>
-        </p:spPr>
-        <p:txBody>
-          <a:bodyPr wrap="square" rtlCol="0">
-            <a:spAutoFit/>
-          </a:bodyPr>
-          <a:lstStyle/>
-          <a:p>
-            <a:pPr algn="ctr"/>
-            <a:r>
-              <a:rPr kumimoji="1" lang="en-US" altLang="ko-Kore-KR" sz="2800">
-                <a:cs typeface="Microsoft Himalaya" pitchFamily="2" charset="0"/>
-              </a:rPr>
-              <a:t>Then what is a difference compared to the previous works? What is a new insight?</a:t>
-            </a:r>
-            <a:endParaRPr kumimoji="1" lang="ko-Kore-KR" altLang="en-US" sz="2800">
-              <a:cs typeface="Microsoft Himalaya" pitchFamily="2" charset="0"/>
-            </a:endParaRPr>
-          </a:p>
-        </p:txBody>
-      </p:sp>
-      <p:sp>
-        <p:nvSpPr>
-          <p:cNvPr id="24" name="타원 23">
-            <a:extLst>
-              <a:ext uri="{FF2B5EF4-FFF2-40B4-BE49-F238E27FC236}">
-                <a16:creationId xmlns:a16="http://schemas.microsoft.com/office/drawing/2014/main" id="{DFBDA096-6D68-0266-3608-1A4506D9F7B7}"/>
-              </a:ext>
-            </a:extLst>
-          </p:cNvPr>
-          <p:cNvSpPr/>
-          <p:nvPr/>
-        </p:nvSpPr>
-        <p:spPr>
-          <a:xfrm>
-            <a:off x="2758007" y="440282"/>
-            <a:ext cx="6595861" cy="2144800"/>
-          </a:xfrm>
-          <a:prstGeom prst="ellipse">
-            <a:avLst/>
-          </a:prstGeom>
-          <a:noFill/>
-          <a:ln w="19050">
-            <a:solidFill>
-              <a:schemeClr val="tx1"/>
-            </a:solidFill>
-          </a:ln>
-        </p:spPr>
-        <p:style>
-          <a:lnRef idx="2">
-            <a:schemeClr val="accent1">
-              <a:shade val="15000"/>
-            </a:schemeClr>
-          </a:lnRef>
-          <a:fillRef idx="1">
-            <a:schemeClr val="accent1"/>
-          </a:fillRef>
-          <a:effectRef idx="0">
-            <a:schemeClr val="accent1"/>
-          </a:effectRef>
-          <a:fontRef idx="minor">
-            <a:schemeClr val="lt1"/>
-          </a:fontRef>
-        </p:style>
-        <p:txBody>
-          <a:bodyPr rtlCol="0" anchor="ctr"/>
-          <a:lstStyle/>
-          <a:p>
-            <a:pPr algn="ctr"/>
-            <a:endParaRPr kumimoji="1" lang="ko-Kore-KR" altLang="en-US"/>
-          </a:p>
-        </p:txBody>
-      </p:sp>
-      <p:sp>
-        <p:nvSpPr>
-          <p:cNvPr id="28" name="TextBox 27">
-            <a:extLst>
-              <a:ext uri="{FF2B5EF4-FFF2-40B4-BE49-F238E27FC236}">
-                <a16:creationId xmlns:a16="http://schemas.microsoft.com/office/drawing/2014/main" id="{42F95F63-BD9E-8829-144E-4D4B69B30108}"/>
-              </a:ext>
-            </a:extLst>
-          </p:cNvPr>
-          <p:cNvSpPr txBox="1"/>
-          <p:nvPr/>
-        </p:nvSpPr>
-        <p:spPr>
-          <a:xfrm>
-            <a:off x="9921583" y="149556"/>
-            <a:ext cx="7214942" cy="1384995"/>
-          </a:xfrm>
-          <a:prstGeom prst="rect">
-            <a:avLst/>
-          </a:prstGeom>
-          <a:noFill/>
-        </p:spPr>
-        <p:txBody>
-          <a:bodyPr wrap="square" rtlCol="0">
-            <a:spAutoFit/>
-          </a:bodyPr>
-          <a:lstStyle/>
-          <a:p>
-            <a:pPr algn="ctr"/>
-            <a:r>
-              <a:rPr kumimoji="1" lang="en-US" altLang="ko-Kore-KR" sz="2800">
-                <a:cs typeface="Microsoft Himalaya" pitchFamily="2" charset="0"/>
-              </a:rPr>
-              <a:t>Also, scheduling designs that were previously </a:t>
-            </a:r>
-            <a:r>
-              <a:rPr kumimoji="1" lang="en-US" altLang="ko-KR" sz="2800">
-                <a:cs typeface="Microsoft Himalaya" pitchFamily="2" charset="0"/>
-              </a:rPr>
-              <a:t>unused because they did not fit into the general kernel </a:t>
-            </a:r>
-            <a:r>
-              <a:rPr kumimoji="1" lang="en-US" altLang="ko-Kore-KR" sz="2800">
-                <a:cs typeface="Microsoft Himalaya" pitchFamily="2" charset="0"/>
-              </a:rPr>
-              <a:t>can be used in the userspace!!</a:t>
-            </a:r>
-            <a:endParaRPr kumimoji="1" lang="ko-Kore-KR" altLang="en-US" sz="2800">
-              <a:cs typeface="Microsoft Himalaya" pitchFamily="2" charset="0"/>
-            </a:endParaRPr>
-          </a:p>
-        </p:txBody>
-      </p:sp>
-      <p:sp>
-        <p:nvSpPr>
-          <p:cNvPr id="4" name="TextBox 3">
-            <a:extLst>
-              <a:ext uri="{FF2B5EF4-FFF2-40B4-BE49-F238E27FC236}">
-                <a16:creationId xmlns:a16="http://schemas.microsoft.com/office/drawing/2014/main" id="{413642B1-DE90-A0AC-E3E8-740C0B9285FD}"/>
-              </a:ext>
-            </a:extLst>
-          </p:cNvPr>
-          <p:cNvSpPr txBox="1"/>
-          <p:nvPr/>
-        </p:nvSpPr>
-        <p:spPr>
-          <a:xfrm>
-            <a:off x="-726707" y="3035256"/>
-            <a:ext cx="6542642" cy="523220"/>
-          </a:xfrm>
-          <a:prstGeom prst="rect">
-            <a:avLst/>
-          </a:prstGeom>
-          <a:noFill/>
-        </p:spPr>
-        <p:txBody>
-          <a:bodyPr wrap="square" rtlCol="0">
-            <a:spAutoFit/>
-          </a:bodyPr>
-          <a:lstStyle/>
-          <a:p>
-            <a:pPr algn="ctr"/>
-            <a:r>
-              <a:rPr kumimoji="1" lang="en-US" altLang="ko-Kore-KR" sz="2800">
-                <a:cs typeface="Microsoft Himalaya" pitchFamily="2" charset="0"/>
-              </a:rPr>
-              <a:t>previous works</a:t>
-            </a:r>
-            <a:endParaRPr kumimoji="1" lang="ko-Kore-KR" altLang="en-US" sz="2800">
-              <a:cs typeface="Microsoft Himalaya" pitchFamily="2" charset="0"/>
-            </a:endParaRPr>
-          </a:p>
-        </p:txBody>
-      </p:sp>
-      <p:sp>
-        <p:nvSpPr>
-          <p:cNvPr id="18" name="타원 17">
-            <a:extLst>
-              <a:ext uri="{FF2B5EF4-FFF2-40B4-BE49-F238E27FC236}">
-                <a16:creationId xmlns:a16="http://schemas.microsoft.com/office/drawing/2014/main" id="{808B30FF-11AF-85CD-FE7D-94A480C567BF}"/>
-              </a:ext>
-            </a:extLst>
-          </p:cNvPr>
-          <p:cNvSpPr/>
-          <p:nvPr/>
-        </p:nvSpPr>
-        <p:spPr>
-          <a:xfrm>
-            <a:off x="762356" y="2753924"/>
-            <a:ext cx="3564516" cy="1105695"/>
-          </a:xfrm>
-          <a:prstGeom prst="ellipse">
-            <a:avLst/>
-          </a:prstGeom>
-          <a:noFill/>
-          <a:ln w="19050">
-            <a:solidFill>
-              <a:schemeClr val="tx1"/>
-            </a:solidFill>
-          </a:ln>
-        </p:spPr>
-        <p:style>
-          <a:lnRef idx="2">
-            <a:schemeClr val="accent1">
-              <a:shade val="15000"/>
-            </a:schemeClr>
-          </a:lnRef>
-          <a:fillRef idx="1">
-            <a:schemeClr val="accent1"/>
-          </a:fillRef>
-          <a:effectRef idx="0">
-            <a:schemeClr val="accent1"/>
-          </a:effectRef>
-          <a:fontRef idx="minor">
-            <a:schemeClr val="lt1"/>
-          </a:fontRef>
-        </p:style>
-        <p:txBody>
-          <a:bodyPr rtlCol="0" anchor="ctr"/>
-          <a:lstStyle/>
-          <a:p>
-            <a:pPr algn="ctr"/>
-            <a:endParaRPr kumimoji="1" lang="ko-Kore-KR" altLang="en-US"/>
-          </a:p>
-        </p:txBody>
-      </p:sp>
-      <p:sp>
-        <p:nvSpPr>
-          <p:cNvPr id="19" name="TextBox 18">
-            <a:extLst>
-              <a:ext uri="{FF2B5EF4-FFF2-40B4-BE49-F238E27FC236}">
-                <a16:creationId xmlns:a16="http://schemas.microsoft.com/office/drawing/2014/main" id="{13B4728B-D893-F31E-2FC0-2BEACB53F2CF}"/>
-              </a:ext>
-            </a:extLst>
-          </p:cNvPr>
-          <p:cNvSpPr txBox="1"/>
-          <p:nvPr/>
-        </p:nvSpPr>
-        <p:spPr>
-          <a:xfrm>
-            <a:off x="-1555052" y="4455056"/>
-            <a:ext cx="6542642" cy="523220"/>
-          </a:xfrm>
-          <a:prstGeom prst="rect">
-            <a:avLst/>
-          </a:prstGeom>
-          <a:noFill/>
-        </p:spPr>
-        <p:txBody>
-          <a:bodyPr wrap="square" rtlCol="0">
-            <a:spAutoFit/>
-          </a:bodyPr>
-          <a:lstStyle/>
-          <a:p>
-            <a:pPr algn="ctr"/>
-            <a:r>
-              <a:rPr kumimoji="1" lang="en-US" altLang="ko-Kore-KR" sz="2800">
-                <a:cs typeface="Microsoft Himalaya" pitchFamily="2" charset="0"/>
-              </a:rPr>
-              <a:t>Shinjuku (NSDI’19)</a:t>
-            </a:r>
-          </a:p>
-        </p:txBody>
-      </p:sp>
-      <p:sp>
-        <p:nvSpPr>
-          <p:cNvPr id="20" name="TextBox 19">
-            <a:extLst>
-              <a:ext uri="{FF2B5EF4-FFF2-40B4-BE49-F238E27FC236}">
-                <a16:creationId xmlns:a16="http://schemas.microsoft.com/office/drawing/2014/main" id="{67BA68B8-A94F-A602-4C55-253F82E7F21E}"/>
-              </a:ext>
-            </a:extLst>
-          </p:cNvPr>
-          <p:cNvSpPr txBox="1"/>
-          <p:nvPr/>
-        </p:nvSpPr>
-        <p:spPr>
-          <a:xfrm>
-            <a:off x="1991683" y="4432184"/>
-            <a:ext cx="6542642" cy="523220"/>
-          </a:xfrm>
-          <a:prstGeom prst="rect">
-            <a:avLst/>
-          </a:prstGeom>
-          <a:noFill/>
-        </p:spPr>
-        <p:txBody>
-          <a:bodyPr wrap="square" rtlCol="0">
-            <a:spAutoFit/>
-          </a:bodyPr>
-          <a:lstStyle/>
-          <a:p>
-            <a:pPr algn="ctr"/>
-            <a:r>
-              <a:rPr kumimoji="1" lang="en-US" altLang="ko-Kore-KR" sz="2800">
-                <a:cs typeface="Microsoft Himalaya" pitchFamily="2" charset="0"/>
-              </a:rPr>
-              <a:t>Shenango (NSDI’19)</a:t>
-            </a:r>
-          </a:p>
-        </p:txBody>
-      </p:sp>
-      <p:sp>
-        <p:nvSpPr>
-          <p:cNvPr id="22" name="타원 21">
-            <a:extLst>
-              <a:ext uri="{FF2B5EF4-FFF2-40B4-BE49-F238E27FC236}">
-                <a16:creationId xmlns:a16="http://schemas.microsoft.com/office/drawing/2014/main" id="{9AA8102E-04EA-E7B6-D929-BFC4EAF728FF}"/>
-              </a:ext>
-            </a:extLst>
-          </p:cNvPr>
-          <p:cNvSpPr/>
-          <p:nvPr/>
-        </p:nvSpPr>
-        <p:spPr>
-          <a:xfrm>
-            <a:off x="3633531" y="4178999"/>
-            <a:ext cx="3258946" cy="1029590"/>
-          </a:xfrm>
-          <a:prstGeom prst="ellipse">
-            <a:avLst/>
-          </a:prstGeom>
-          <a:noFill/>
-          <a:ln w="19050">
-            <a:solidFill>
-              <a:schemeClr val="tx1"/>
-            </a:solidFill>
-          </a:ln>
-        </p:spPr>
-        <p:style>
-          <a:lnRef idx="2">
-            <a:schemeClr val="accent1">
-              <a:shade val="15000"/>
-            </a:schemeClr>
-          </a:lnRef>
-          <a:fillRef idx="1">
-            <a:schemeClr val="accent1"/>
-          </a:fillRef>
-          <a:effectRef idx="0">
-            <a:schemeClr val="accent1"/>
-          </a:effectRef>
-          <a:fontRef idx="minor">
-            <a:schemeClr val="lt1"/>
-          </a:fontRef>
-        </p:style>
-        <p:txBody>
-          <a:bodyPr rtlCol="0" anchor="ctr"/>
-          <a:lstStyle/>
-          <a:p>
-            <a:pPr algn="ctr"/>
-            <a:endParaRPr kumimoji="1" lang="ko-Kore-KR" altLang="en-US"/>
-          </a:p>
-        </p:txBody>
-      </p:sp>
-      <p:sp>
-        <p:nvSpPr>
-          <p:cNvPr id="26" name="타원 25">
-            <a:extLst>
-              <a:ext uri="{FF2B5EF4-FFF2-40B4-BE49-F238E27FC236}">
-                <a16:creationId xmlns:a16="http://schemas.microsoft.com/office/drawing/2014/main" id="{84DE6692-7AFC-9830-FDF1-15B3F0377BB3}"/>
-              </a:ext>
-            </a:extLst>
-          </p:cNvPr>
-          <p:cNvSpPr/>
-          <p:nvPr/>
-        </p:nvSpPr>
-        <p:spPr>
-          <a:xfrm>
-            <a:off x="86796" y="4251245"/>
-            <a:ext cx="3258946" cy="1029590"/>
-          </a:xfrm>
-          <a:prstGeom prst="ellipse">
-            <a:avLst/>
-          </a:prstGeom>
-          <a:noFill/>
-          <a:ln w="19050">
-            <a:solidFill>
-              <a:schemeClr val="tx1"/>
-            </a:solidFill>
-          </a:ln>
-        </p:spPr>
-        <p:style>
-          <a:lnRef idx="2">
-            <a:schemeClr val="accent1">
-              <a:shade val="15000"/>
-            </a:schemeClr>
-          </a:lnRef>
-          <a:fillRef idx="1">
-            <a:schemeClr val="accent1"/>
-          </a:fillRef>
-          <a:effectRef idx="0">
-            <a:schemeClr val="accent1"/>
-          </a:effectRef>
-          <a:fontRef idx="minor">
-            <a:schemeClr val="lt1"/>
-          </a:fontRef>
-        </p:style>
-        <p:txBody>
-          <a:bodyPr rtlCol="0" anchor="ctr"/>
-          <a:lstStyle/>
-          <a:p>
-            <a:pPr algn="ctr"/>
-            <a:endParaRPr kumimoji="1" lang="ko-Kore-KR" altLang="en-US"/>
-          </a:p>
-        </p:txBody>
-      </p:sp>
-      <p:cxnSp>
-        <p:nvCxnSpPr>
-          <p:cNvPr id="27" name="구부러진 연결선[U] 26">
-            <a:extLst>
-              <a:ext uri="{FF2B5EF4-FFF2-40B4-BE49-F238E27FC236}">
-                <a16:creationId xmlns:a16="http://schemas.microsoft.com/office/drawing/2014/main" id="{D1E2C9BC-5DCA-0123-262E-7CA54EEF194C}"/>
-              </a:ext>
-            </a:extLst>
-          </p:cNvPr>
-          <p:cNvCxnSpPr>
-            <a:cxnSpLocks/>
-            <a:stCxn id="24" idx="3"/>
-            <a:endCxn id="18" idx="0"/>
-          </p:cNvCxnSpPr>
-          <p:nvPr/>
-        </p:nvCxnSpPr>
-        <p:spPr>
-          <a:xfrm rot="5400000">
-            <a:off x="2892811" y="1922786"/>
-            <a:ext cx="482941" cy="1179334"/>
-          </a:xfrm>
-          <a:prstGeom prst="curvedConnector3">
-            <a:avLst>
-              <a:gd name="adj1" fmla="val 50000"/>
-            </a:avLst>
-          </a:prstGeom>
-          <a:ln w="12700">
-            <a:solidFill>
-              <a:schemeClr val="tx1"/>
-            </a:solidFill>
-          </a:ln>
-        </p:spPr>
-        <p:style>
-          <a:lnRef idx="1">
-            <a:schemeClr val="accent1"/>
-          </a:lnRef>
-          <a:fillRef idx="0">
-            <a:schemeClr val="accent1"/>
-          </a:fillRef>
-          <a:effectRef idx="0">
-            <a:schemeClr val="accent1"/>
-          </a:effectRef>
-          <a:fontRef idx="minor">
-            <a:schemeClr val="tx1"/>
-          </a:fontRef>
-        </p:style>
-      </p:cxnSp>
-      <p:cxnSp>
-        <p:nvCxnSpPr>
-          <p:cNvPr id="31" name="구부러진 연결선[U] 30">
-            <a:extLst>
-              <a:ext uri="{FF2B5EF4-FFF2-40B4-BE49-F238E27FC236}">
-                <a16:creationId xmlns:a16="http://schemas.microsoft.com/office/drawing/2014/main" id="{2CFE5135-484E-47B7-3A78-437727BE815A}"/>
-              </a:ext>
-            </a:extLst>
-          </p:cNvPr>
-          <p:cNvCxnSpPr>
-            <a:cxnSpLocks/>
-            <a:stCxn id="18" idx="4"/>
-            <a:endCxn id="26" idx="0"/>
-          </p:cNvCxnSpPr>
-          <p:nvPr/>
-        </p:nvCxnSpPr>
-        <p:spPr>
-          <a:xfrm rot="5400000">
-            <a:off x="1934629" y="3641260"/>
-            <a:ext cx="391626" cy="828345"/>
-          </a:xfrm>
-          <a:prstGeom prst="curvedConnector3">
-            <a:avLst>
-              <a:gd name="adj1" fmla="val 50000"/>
-            </a:avLst>
-          </a:prstGeom>
-          <a:ln w="12700">
-            <a:solidFill>
-              <a:schemeClr val="tx1"/>
-            </a:solidFill>
-          </a:ln>
-        </p:spPr>
-        <p:style>
-          <a:lnRef idx="1">
-            <a:schemeClr val="accent1"/>
-          </a:lnRef>
-          <a:fillRef idx="0">
-            <a:schemeClr val="accent1"/>
-          </a:fillRef>
-          <a:effectRef idx="0">
-            <a:schemeClr val="accent1"/>
-          </a:effectRef>
-          <a:fontRef idx="minor">
-            <a:schemeClr val="tx1"/>
-          </a:fontRef>
-        </p:style>
-      </p:cxnSp>
-      <p:cxnSp>
-        <p:nvCxnSpPr>
-          <p:cNvPr id="34" name="구부러진 연결선[U] 33">
-            <a:extLst>
-              <a:ext uri="{FF2B5EF4-FFF2-40B4-BE49-F238E27FC236}">
-                <a16:creationId xmlns:a16="http://schemas.microsoft.com/office/drawing/2014/main" id="{3DCA4F68-A27C-B998-440E-4482EA610393}"/>
-              </a:ext>
-            </a:extLst>
-          </p:cNvPr>
-          <p:cNvCxnSpPr>
-            <a:cxnSpLocks/>
-            <a:stCxn id="18" idx="4"/>
-            <a:endCxn id="22" idx="0"/>
-          </p:cNvCxnSpPr>
-          <p:nvPr/>
-        </p:nvCxnSpPr>
-        <p:spPr>
-          <a:xfrm rot="16200000" flipH="1">
-            <a:off x="3744119" y="2660114"/>
-            <a:ext cx="319380" cy="2718390"/>
+            <a:off x="4820849" y="2223337"/>
+            <a:ext cx="882145" cy="2635735"/>
           </a:xfrm>
           <a:prstGeom prst="curvedConnector3">
             <a:avLst>
@@ -8880,2892 +7301,20 @@
     </p:spTree>
     <p:extLst>
       <p:ext uri="{BB962C8B-B14F-4D97-AF65-F5344CB8AC3E}">
-        <p14:creationId xmlns:p14="http://schemas.microsoft.com/office/powerpoint/2010/main" val="3477095768"/>
+        <p14:creationId xmlns:p14="http://schemas.microsoft.com/office/powerpoint/2010/main" val="2210095152"/>
       </p:ext>
     </p:extLst>
   </p:cSld>
   <p:clrMapOvr>
     <a:masterClrMapping/>
   </p:clrMapOvr>
-  <mc:AlternateContent xmlns:mc="http://schemas.openxmlformats.org/markup-compatibility/2006">
-    <mc:Choice xmlns:p159="http://schemas.microsoft.com/office/powerpoint/2015/09/main" Requires="p159">
+  <mc:AlternateContent xmlns:mc="http://schemas.openxmlformats.org/markup-compatibility/2006" xmlns:p159="http://schemas.microsoft.com/office/powerpoint/2015/09/main">
+    <mc:Choice Requires="p159">
       <p:transition spd="slow" advClick="0">
         <p159:morph option="byObject"/>
       </p:transition>
     </mc:Choice>
-    <mc:Fallback>
-      <p:transition spd="slow" advClick="0">
-        <p:fade/>
-      </p:transition>
-    </mc:Fallback>
-  </mc:AlternateContent>
-</p:sld>
-</file>
-
-<file path=ppt/slides/slide15.xml><?xml version="1.0" encoding="utf-8"?>
-<p:sld xmlns:a="http://schemas.openxmlformats.org/drawingml/2006/main" xmlns:r="http://schemas.openxmlformats.org/officeDocument/2006/relationships" xmlns:p="http://schemas.openxmlformats.org/presentationml/2006/main">
-  <p:cSld>
-    <p:spTree>
-      <p:nvGrpSpPr>
-        <p:cNvPr id="1" name=""/>
-        <p:cNvGrpSpPr/>
-        <p:nvPr/>
-      </p:nvGrpSpPr>
-      <p:grpSpPr>
-        <a:xfrm>
-          <a:off x="0" y="0"/>
-          <a:ext cx="0" cy="0"/>
-          <a:chOff x="0" y="0"/>
-          <a:chExt cx="0" cy="0"/>
-        </a:xfrm>
-      </p:grpSpPr>
-      <p:sp>
-        <p:nvSpPr>
-          <p:cNvPr id="7" name="TextBox 6">
-            <a:extLst>
-              <a:ext uri="{FF2B5EF4-FFF2-40B4-BE49-F238E27FC236}">
-                <a16:creationId xmlns:a16="http://schemas.microsoft.com/office/drawing/2014/main" id="{7432CD06-269D-8519-0178-61F8107F3434}"/>
-              </a:ext>
-            </a:extLst>
-          </p:cNvPr>
-          <p:cNvSpPr txBox="1"/>
-          <p:nvPr/>
-        </p:nvSpPr>
-        <p:spPr>
-          <a:xfrm>
-            <a:off x="-2926305" y="-9841220"/>
-            <a:ext cx="6649080" cy="523220"/>
-          </a:xfrm>
-          <a:prstGeom prst="rect">
-            <a:avLst/>
-          </a:prstGeom>
-          <a:noFill/>
-        </p:spPr>
-        <p:txBody>
-          <a:bodyPr wrap="square" rtlCol="0">
-            <a:spAutoFit/>
-          </a:bodyPr>
-          <a:lstStyle/>
-          <a:p>
-            <a:pPr algn="ctr"/>
-            <a:r>
-              <a:rPr kumimoji="1" lang="en-US" altLang="ko-Kore-KR" sz="2800">
-                <a:ea typeface="Microsoft Himalaya" pitchFamily="2" charset="0"/>
-                <a:cs typeface="Microsoft Himalaya" pitchFamily="2" charset="0"/>
-              </a:rPr>
-              <a:t>What is a purpose of the paper?</a:t>
-            </a:r>
-            <a:endParaRPr kumimoji="1" lang="ko-Kore-KR" altLang="en-US" sz="2800">
-              <a:solidFill>
-                <a:schemeClr val="bg1">
-                  <a:alpha val="0"/>
-                </a:schemeClr>
-              </a:solidFill>
-              <a:cs typeface="Microsoft Himalaya" pitchFamily="2" charset="0"/>
-            </a:endParaRPr>
-          </a:p>
-        </p:txBody>
-      </p:sp>
-      <p:sp>
-        <p:nvSpPr>
-          <p:cNvPr id="6" name="타원 5">
-            <a:extLst>
-              <a:ext uri="{FF2B5EF4-FFF2-40B4-BE49-F238E27FC236}">
-                <a16:creationId xmlns:a16="http://schemas.microsoft.com/office/drawing/2014/main" id="{2EE2381A-BA90-6CCC-E30D-9B8CB7883D9B}"/>
-              </a:ext>
-            </a:extLst>
-          </p:cNvPr>
-          <p:cNvSpPr/>
-          <p:nvPr/>
-        </p:nvSpPr>
-        <p:spPr>
-          <a:xfrm>
-            <a:off x="-2400076" y="-10507085"/>
-            <a:ext cx="5416902" cy="1895475"/>
-          </a:xfrm>
-          <a:prstGeom prst="ellipse">
-            <a:avLst/>
-          </a:prstGeom>
-          <a:noFill/>
-          <a:ln w="19050">
-            <a:solidFill>
-              <a:schemeClr val="tx1"/>
-            </a:solidFill>
-          </a:ln>
-        </p:spPr>
-        <p:style>
-          <a:lnRef idx="2">
-            <a:schemeClr val="accent1">
-              <a:shade val="15000"/>
-            </a:schemeClr>
-          </a:lnRef>
-          <a:fillRef idx="1">
-            <a:schemeClr val="accent1"/>
-          </a:fillRef>
-          <a:effectRef idx="0">
-            <a:schemeClr val="accent1"/>
-          </a:effectRef>
-          <a:fontRef idx="minor">
-            <a:schemeClr val="lt1"/>
-          </a:fontRef>
-        </p:style>
-        <p:txBody>
-          <a:bodyPr rtlCol="0" anchor="ctr"/>
-          <a:lstStyle/>
-          <a:p>
-            <a:pPr algn="ctr"/>
-            <a:endParaRPr kumimoji="1" lang="ko-Kore-KR" altLang="en-US"/>
-          </a:p>
-        </p:txBody>
-      </p:sp>
-      <p:sp>
-        <p:nvSpPr>
-          <p:cNvPr id="2" name="타원 1">
-            <a:extLst>
-              <a:ext uri="{FF2B5EF4-FFF2-40B4-BE49-F238E27FC236}">
-                <a16:creationId xmlns:a16="http://schemas.microsoft.com/office/drawing/2014/main" id="{3537091F-D64C-D90A-CCA1-057FC775DC84}"/>
-              </a:ext>
-            </a:extLst>
-          </p:cNvPr>
-          <p:cNvSpPr/>
-          <p:nvPr/>
-        </p:nvSpPr>
-        <p:spPr>
-          <a:xfrm>
-            <a:off x="-6832946" y="-14636994"/>
-            <a:ext cx="3470478" cy="3347761"/>
-          </a:xfrm>
-          <a:prstGeom prst="ellipse">
-            <a:avLst/>
-          </a:prstGeom>
-          <a:noFill/>
-          <a:ln w="19050">
-            <a:solidFill>
-              <a:schemeClr val="tx1"/>
-            </a:solidFill>
-          </a:ln>
-        </p:spPr>
-        <p:style>
-          <a:lnRef idx="2">
-            <a:schemeClr val="accent1">
-              <a:shade val="15000"/>
-            </a:schemeClr>
-          </a:lnRef>
-          <a:fillRef idx="1">
-            <a:schemeClr val="accent1"/>
-          </a:fillRef>
-          <a:effectRef idx="0">
-            <a:schemeClr val="accent1"/>
-          </a:effectRef>
-          <a:fontRef idx="minor">
-            <a:schemeClr val="lt1"/>
-          </a:fontRef>
-        </p:style>
-        <p:txBody>
-          <a:bodyPr rtlCol="0" anchor="ctr"/>
-          <a:lstStyle/>
-          <a:p>
-            <a:pPr algn="ctr"/>
-            <a:endParaRPr kumimoji="1" lang="ko-Kore-KR" altLang="en-US"/>
-          </a:p>
-        </p:txBody>
-      </p:sp>
-      <p:cxnSp>
-        <p:nvCxnSpPr>
-          <p:cNvPr id="14" name="구부러진 연결선[U] 13">
-            <a:extLst>
-              <a:ext uri="{FF2B5EF4-FFF2-40B4-BE49-F238E27FC236}">
-                <a16:creationId xmlns:a16="http://schemas.microsoft.com/office/drawing/2014/main" id="{2B954181-AE35-70DB-E680-6B87963413D4}"/>
-              </a:ext>
-            </a:extLst>
-          </p:cNvPr>
-          <p:cNvCxnSpPr>
-            <a:cxnSpLocks/>
-            <a:stCxn id="2" idx="5"/>
-            <a:endCxn id="6" idx="2"/>
-          </p:cNvCxnSpPr>
-          <p:nvPr/>
-        </p:nvCxnSpPr>
-        <p:spPr>
-          <a:xfrm rot="16200000" flipH="1">
-            <a:off x="-4245469" y="-11404740"/>
-            <a:ext cx="2220154" cy="1470632"/>
-          </a:xfrm>
-          <a:prstGeom prst="curvedConnector2">
-            <a:avLst/>
-          </a:prstGeom>
-          <a:ln w="12700">
-            <a:solidFill>
-              <a:schemeClr val="tx1"/>
-            </a:solidFill>
-          </a:ln>
-        </p:spPr>
-        <p:style>
-          <a:lnRef idx="1">
-            <a:schemeClr val="accent1"/>
-          </a:lnRef>
-          <a:fillRef idx="0">
-            <a:schemeClr val="accent1"/>
-          </a:fillRef>
-          <a:effectRef idx="0">
-            <a:schemeClr val="accent1"/>
-          </a:effectRef>
-          <a:fontRef idx="minor">
-            <a:schemeClr val="tx1"/>
-          </a:fontRef>
-        </p:style>
-      </p:cxnSp>
-      <p:sp>
-        <p:nvSpPr>
-          <p:cNvPr id="25" name="TextBox 24">
-            <a:extLst>
-              <a:ext uri="{FF2B5EF4-FFF2-40B4-BE49-F238E27FC236}">
-                <a16:creationId xmlns:a16="http://schemas.microsoft.com/office/drawing/2014/main" id="{758AC1A2-CDC9-B7E3-EBE8-BCC2D5E5D2B1}"/>
-              </a:ext>
-            </a:extLst>
-          </p:cNvPr>
-          <p:cNvSpPr txBox="1"/>
-          <p:nvPr/>
-        </p:nvSpPr>
-        <p:spPr>
-          <a:xfrm>
-            <a:off x="-6430249" y="-12612672"/>
-            <a:ext cx="9015787" cy="1323439"/>
-          </a:xfrm>
-          <a:prstGeom prst="rect">
-            <a:avLst/>
-          </a:prstGeom>
-          <a:noFill/>
-        </p:spPr>
-        <p:txBody>
-          <a:bodyPr wrap="square" rtlCol="0">
-            <a:spAutoFit/>
-          </a:bodyPr>
-          <a:lstStyle/>
-          <a:p>
-            <a:pPr algn="ctr"/>
-            <a:r>
-              <a:rPr kumimoji="1" lang="en-US" altLang="ko-Kore-KR" sz="4000">
-                <a:ea typeface="Microsoft Himalaya" pitchFamily="2" charset="0"/>
-                <a:cs typeface="Microsoft Himalaya" pitchFamily="2" charset="0"/>
-              </a:rPr>
-              <a:t>ghOSt</a:t>
-            </a:r>
-            <a:r>
-              <a:rPr kumimoji="1" lang="en-US" altLang="ko-Kore-KR" sz="4000">
-                <a:solidFill>
-                  <a:schemeClr val="bg1">
-                    <a:alpha val="0"/>
-                  </a:schemeClr>
-                </a:solidFill>
-                <a:ea typeface="Microsoft Himalaya" pitchFamily="2" charset="0"/>
-                <a:cs typeface="Microsoft Himalaya" pitchFamily="2" charset="0"/>
-              </a:rPr>
-              <a:t>: Fast &amp; Flexible User-space Delegation of Linux Scheduling </a:t>
-            </a:r>
-            <a:endParaRPr kumimoji="1" lang="ko-Kore-KR" altLang="en-US" sz="4000">
-              <a:solidFill>
-                <a:schemeClr val="bg1">
-                  <a:alpha val="0"/>
-                </a:schemeClr>
-              </a:solidFill>
-              <a:cs typeface="Microsoft Himalaya" pitchFamily="2" charset="0"/>
-            </a:endParaRPr>
-          </a:p>
-        </p:txBody>
-      </p:sp>
-      <p:sp>
-        <p:nvSpPr>
-          <p:cNvPr id="5" name="TextBox 4">
-            <a:extLst>
-              <a:ext uri="{FF2B5EF4-FFF2-40B4-BE49-F238E27FC236}">
-                <a16:creationId xmlns:a16="http://schemas.microsoft.com/office/drawing/2014/main" id="{6654DD5B-363D-007E-134A-CB95D8023FE8}"/>
-              </a:ext>
-            </a:extLst>
-          </p:cNvPr>
-          <p:cNvSpPr txBox="1"/>
-          <p:nvPr/>
-        </p:nvSpPr>
-        <p:spPr>
-          <a:xfrm>
-            <a:off x="49556" y="-7614281"/>
-            <a:ext cx="6649080" cy="954107"/>
-          </a:xfrm>
-          <a:prstGeom prst="rect">
-            <a:avLst/>
-          </a:prstGeom>
-          <a:noFill/>
-        </p:spPr>
-        <p:txBody>
-          <a:bodyPr wrap="square" rtlCol="0">
-            <a:spAutoFit/>
-          </a:bodyPr>
-          <a:lstStyle/>
-          <a:p>
-            <a:pPr algn="ctr"/>
-            <a:r>
-              <a:rPr kumimoji="1" lang="en-US" altLang="ko-Kore-KR" sz="2800">
-                <a:ea typeface="Microsoft Himalaya" pitchFamily="2" charset="0"/>
-                <a:cs typeface="Microsoft Himalaya" pitchFamily="2" charset="0"/>
-              </a:rPr>
-              <a:t>Delegating kernel scheduling</a:t>
-            </a:r>
-          </a:p>
-          <a:p>
-            <a:pPr algn="ctr"/>
-            <a:r>
-              <a:rPr kumimoji="1" lang="en-US" altLang="ko-Kore-KR" sz="2800">
-                <a:ea typeface="Microsoft Himalaya" pitchFamily="2" charset="0"/>
-                <a:cs typeface="Microsoft Himalaya" pitchFamily="2" charset="0"/>
-              </a:rPr>
-              <a:t>to userspace code </a:t>
-            </a:r>
-            <a:endParaRPr kumimoji="1" lang="ko-Kore-KR" altLang="en-US" sz="2800">
-              <a:cs typeface="Microsoft Himalaya" pitchFamily="2" charset="0"/>
-            </a:endParaRPr>
-          </a:p>
-        </p:txBody>
-      </p:sp>
-      <p:sp>
-        <p:nvSpPr>
-          <p:cNvPr id="8" name="타원 7">
-            <a:extLst>
-              <a:ext uri="{FF2B5EF4-FFF2-40B4-BE49-F238E27FC236}">
-                <a16:creationId xmlns:a16="http://schemas.microsoft.com/office/drawing/2014/main" id="{CCA7A6FF-A5C1-EE13-DAB5-2A47607E4AA0}"/>
-              </a:ext>
-            </a:extLst>
-          </p:cNvPr>
-          <p:cNvSpPr/>
-          <p:nvPr/>
-        </p:nvSpPr>
-        <p:spPr>
-          <a:xfrm>
-            <a:off x="665645" y="-8091072"/>
-            <a:ext cx="5416902" cy="1895475"/>
-          </a:xfrm>
-          <a:prstGeom prst="ellipse">
-            <a:avLst/>
-          </a:prstGeom>
-          <a:noFill/>
-          <a:ln w="19050">
-            <a:solidFill>
-              <a:schemeClr val="tx1"/>
-            </a:solidFill>
-          </a:ln>
-        </p:spPr>
-        <p:style>
-          <a:lnRef idx="2">
-            <a:schemeClr val="accent1">
-              <a:shade val="15000"/>
-            </a:schemeClr>
-          </a:lnRef>
-          <a:fillRef idx="1">
-            <a:schemeClr val="accent1"/>
-          </a:fillRef>
-          <a:effectRef idx="0">
-            <a:schemeClr val="accent1"/>
-          </a:effectRef>
-          <a:fontRef idx="minor">
-            <a:schemeClr val="lt1"/>
-          </a:fontRef>
-        </p:style>
-        <p:txBody>
-          <a:bodyPr rtlCol="0" anchor="ctr"/>
-          <a:lstStyle/>
-          <a:p>
-            <a:pPr algn="ctr"/>
-            <a:endParaRPr kumimoji="1" lang="ko-Kore-KR" altLang="en-US"/>
-          </a:p>
-        </p:txBody>
-      </p:sp>
-      <p:cxnSp>
-        <p:nvCxnSpPr>
-          <p:cNvPr id="9" name="구부러진 연결선[U] 8">
-            <a:extLst>
-              <a:ext uri="{FF2B5EF4-FFF2-40B4-BE49-F238E27FC236}">
-                <a16:creationId xmlns:a16="http://schemas.microsoft.com/office/drawing/2014/main" id="{068EEA84-621C-4582-DC0F-D62A6F3062A3}"/>
-              </a:ext>
-            </a:extLst>
-          </p:cNvPr>
-          <p:cNvCxnSpPr>
-            <a:cxnSpLocks/>
-            <a:stCxn id="6" idx="4"/>
-            <a:endCxn id="8" idx="1"/>
-          </p:cNvCxnSpPr>
-          <p:nvPr/>
-        </p:nvCxnSpPr>
-        <p:spPr>
-          <a:xfrm rot="16200000" flipH="1">
-            <a:off x="484591" y="-8787827"/>
-            <a:ext cx="798124" cy="1150557"/>
-          </a:xfrm>
-          <a:prstGeom prst="curvedConnector3">
-            <a:avLst>
-              <a:gd name="adj1" fmla="val 50000"/>
-            </a:avLst>
-          </a:prstGeom>
-          <a:ln w="12700">
-            <a:solidFill>
-              <a:schemeClr val="tx1"/>
-            </a:solidFill>
-          </a:ln>
-        </p:spPr>
-        <p:style>
-          <a:lnRef idx="1">
-            <a:schemeClr val="accent1"/>
-          </a:lnRef>
-          <a:fillRef idx="0">
-            <a:schemeClr val="accent1"/>
-          </a:fillRef>
-          <a:effectRef idx="0">
-            <a:schemeClr val="accent1"/>
-          </a:effectRef>
-          <a:fontRef idx="minor">
-            <a:schemeClr val="tx1"/>
-          </a:fontRef>
-        </p:style>
-      </p:cxnSp>
-      <p:cxnSp>
-        <p:nvCxnSpPr>
-          <p:cNvPr id="3" name="구부러진 연결선[U] 2">
-            <a:extLst>
-              <a:ext uri="{FF2B5EF4-FFF2-40B4-BE49-F238E27FC236}">
-                <a16:creationId xmlns:a16="http://schemas.microsoft.com/office/drawing/2014/main" id="{AC3F9A48-1A19-F6C7-B3C2-CDA39B862C08}"/>
-              </a:ext>
-            </a:extLst>
-          </p:cNvPr>
-          <p:cNvCxnSpPr>
-            <a:cxnSpLocks/>
-            <a:stCxn id="8" idx="4"/>
-            <a:endCxn id="11" idx="1"/>
-          </p:cNvCxnSpPr>
-          <p:nvPr/>
-        </p:nvCxnSpPr>
-        <p:spPr>
-          <a:xfrm rot="16200000" flipH="1">
-            <a:off x="3579012" y="-6400514"/>
-            <a:ext cx="542943" cy="952775"/>
-          </a:xfrm>
-          <a:prstGeom prst="curvedConnector3">
-            <a:avLst>
-              <a:gd name="adj1" fmla="val 50000"/>
-            </a:avLst>
-          </a:prstGeom>
-          <a:ln w="12700">
-            <a:solidFill>
-              <a:schemeClr val="tx1"/>
-            </a:solidFill>
-          </a:ln>
-        </p:spPr>
-        <p:style>
-          <a:lnRef idx="1">
-            <a:schemeClr val="accent1"/>
-          </a:lnRef>
-          <a:fillRef idx="0">
-            <a:schemeClr val="accent1"/>
-          </a:fillRef>
-          <a:effectRef idx="0">
-            <a:schemeClr val="accent1"/>
-          </a:effectRef>
-          <a:fontRef idx="minor">
-            <a:schemeClr val="tx1"/>
-          </a:fontRef>
-        </p:style>
-      </p:cxnSp>
-      <p:sp>
-        <p:nvSpPr>
-          <p:cNvPr id="10" name="TextBox 9">
-            <a:extLst>
-              <a:ext uri="{FF2B5EF4-FFF2-40B4-BE49-F238E27FC236}">
-                <a16:creationId xmlns:a16="http://schemas.microsoft.com/office/drawing/2014/main" id="{D2C2F8E5-4B8F-C384-0BD1-F8CC7DBBFE31}"/>
-              </a:ext>
-            </a:extLst>
-          </p:cNvPr>
-          <p:cNvSpPr txBox="1"/>
-          <p:nvPr/>
-        </p:nvSpPr>
-        <p:spPr>
-          <a:xfrm>
-            <a:off x="5861639" y="-2804324"/>
-            <a:ext cx="7214942" cy="1384995"/>
-          </a:xfrm>
-          <a:prstGeom prst="rect">
-            <a:avLst/>
-          </a:prstGeom>
-          <a:noFill/>
-        </p:spPr>
-        <p:txBody>
-          <a:bodyPr wrap="square" rtlCol="0">
-            <a:spAutoFit/>
-          </a:bodyPr>
-          <a:lstStyle/>
-          <a:p>
-            <a:pPr algn="ctr"/>
-            <a:r>
-              <a:rPr kumimoji="1" lang="en-US" altLang="ko-Kore-KR" sz="2800">
-                <a:ea typeface="Microsoft Himalaya" pitchFamily="2" charset="0"/>
-                <a:cs typeface="Microsoft Himalaya" pitchFamily="2" charset="0"/>
-              </a:rPr>
-              <a:t>Because it means that applications can be implemented leveraging the powerful features of the kernel scheduler!!!</a:t>
-            </a:r>
-            <a:endParaRPr kumimoji="1" lang="ko-Kore-KR" altLang="en-US" sz="2800">
-              <a:cs typeface="Microsoft Himalaya" pitchFamily="2" charset="0"/>
-            </a:endParaRPr>
-          </a:p>
-        </p:txBody>
-      </p:sp>
-      <p:sp>
-        <p:nvSpPr>
-          <p:cNvPr id="11" name="타원 10">
-            <a:extLst>
-              <a:ext uri="{FF2B5EF4-FFF2-40B4-BE49-F238E27FC236}">
-                <a16:creationId xmlns:a16="http://schemas.microsoft.com/office/drawing/2014/main" id="{553EEAA2-6F2C-9BFD-E1DC-B64CC11A8B05}"/>
-              </a:ext>
-            </a:extLst>
-          </p:cNvPr>
-          <p:cNvSpPr/>
-          <p:nvPr/>
-        </p:nvSpPr>
-        <p:spPr>
-          <a:xfrm>
-            <a:off x="3533584" y="-5930240"/>
-            <a:ext cx="5416902" cy="1895475"/>
-          </a:xfrm>
-          <a:prstGeom prst="ellipse">
-            <a:avLst/>
-          </a:prstGeom>
-          <a:noFill/>
-          <a:ln w="19050">
-            <a:solidFill>
-              <a:schemeClr val="tx1"/>
-            </a:solidFill>
-          </a:ln>
-        </p:spPr>
-        <p:style>
-          <a:lnRef idx="2">
-            <a:schemeClr val="accent1">
-              <a:shade val="15000"/>
-            </a:schemeClr>
-          </a:lnRef>
-          <a:fillRef idx="1">
-            <a:schemeClr val="accent1"/>
-          </a:fillRef>
-          <a:effectRef idx="0">
-            <a:schemeClr val="accent1"/>
-          </a:effectRef>
-          <a:fontRef idx="minor">
-            <a:schemeClr val="lt1"/>
-          </a:fontRef>
-        </p:style>
-        <p:txBody>
-          <a:bodyPr rtlCol="0" anchor="ctr"/>
-          <a:lstStyle/>
-          <a:p>
-            <a:pPr algn="ctr"/>
-            <a:endParaRPr kumimoji="1" lang="ko-Kore-KR" altLang="en-US"/>
-          </a:p>
-        </p:txBody>
-      </p:sp>
-      <p:sp>
-        <p:nvSpPr>
-          <p:cNvPr id="12" name="타원 11">
-            <a:extLst>
-              <a:ext uri="{FF2B5EF4-FFF2-40B4-BE49-F238E27FC236}">
-                <a16:creationId xmlns:a16="http://schemas.microsoft.com/office/drawing/2014/main" id="{98BE3455-7E7C-98E6-2F4D-8656076DB122}"/>
-              </a:ext>
-            </a:extLst>
-          </p:cNvPr>
-          <p:cNvSpPr/>
-          <p:nvPr/>
-        </p:nvSpPr>
-        <p:spPr>
-          <a:xfrm>
-            <a:off x="5713857" y="-3368332"/>
-            <a:ext cx="7510506" cy="2356551"/>
-          </a:xfrm>
-          <a:prstGeom prst="ellipse">
-            <a:avLst/>
-          </a:prstGeom>
-          <a:noFill/>
-          <a:ln w="19050">
-            <a:solidFill>
-              <a:schemeClr val="tx1"/>
-            </a:solidFill>
-          </a:ln>
-        </p:spPr>
-        <p:style>
-          <a:lnRef idx="2">
-            <a:schemeClr val="accent1">
-              <a:shade val="15000"/>
-            </a:schemeClr>
-          </a:lnRef>
-          <a:fillRef idx="1">
-            <a:schemeClr val="accent1"/>
-          </a:fillRef>
-          <a:effectRef idx="0">
-            <a:schemeClr val="accent1"/>
-          </a:effectRef>
-          <a:fontRef idx="minor">
-            <a:schemeClr val="lt1"/>
-          </a:fontRef>
-        </p:style>
-        <p:txBody>
-          <a:bodyPr rtlCol="0" anchor="ctr"/>
-          <a:lstStyle/>
-          <a:p>
-            <a:pPr algn="ctr"/>
-            <a:endParaRPr kumimoji="1" lang="ko-Kore-KR" altLang="en-US"/>
-          </a:p>
-        </p:txBody>
-      </p:sp>
-      <p:cxnSp>
-        <p:nvCxnSpPr>
-          <p:cNvPr id="13" name="구부러진 연결선[U] 12">
-            <a:extLst>
-              <a:ext uri="{FF2B5EF4-FFF2-40B4-BE49-F238E27FC236}">
-                <a16:creationId xmlns:a16="http://schemas.microsoft.com/office/drawing/2014/main" id="{8D73709C-867B-5C3D-0744-BD01319122DC}"/>
-              </a:ext>
-            </a:extLst>
-          </p:cNvPr>
-          <p:cNvCxnSpPr>
-            <a:cxnSpLocks/>
-            <a:stCxn id="11" idx="4"/>
-            <a:endCxn id="12" idx="1"/>
-          </p:cNvCxnSpPr>
-          <p:nvPr/>
-        </p:nvCxnSpPr>
-        <p:spPr>
-          <a:xfrm rot="16200000" flipH="1">
-            <a:off x="6022119" y="-3814849"/>
-            <a:ext cx="1011542" cy="571710"/>
-          </a:xfrm>
-          <a:prstGeom prst="curvedConnector3">
-            <a:avLst>
-              <a:gd name="adj1" fmla="val 50000"/>
-            </a:avLst>
-          </a:prstGeom>
-          <a:ln w="12700">
-            <a:solidFill>
-              <a:schemeClr val="tx1"/>
-            </a:solidFill>
-          </a:ln>
-        </p:spPr>
-        <p:style>
-          <a:lnRef idx="1">
-            <a:schemeClr val="accent1"/>
-          </a:lnRef>
-          <a:fillRef idx="0">
-            <a:schemeClr val="accent1"/>
-          </a:fillRef>
-          <a:effectRef idx="0">
-            <a:schemeClr val="accent1"/>
-          </a:effectRef>
-          <a:fontRef idx="minor">
-            <a:schemeClr val="tx1"/>
-          </a:fontRef>
-        </p:style>
-      </p:cxnSp>
-      <p:sp>
-        <p:nvSpPr>
-          <p:cNvPr id="17" name="TextBox 16">
-            <a:extLst>
-              <a:ext uri="{FF2B5EF4-FFF2-40B4-BE49-F238E27FC236}">
-                <a16:creationId xmlns:a16="http://schemas.microsoft.com/office/drawing/2014/main" id="{2461D2E0-27C3-B02E-68FA-2F27E0718AE4}"/>
-              </a:ext>
-            </a:extLst>
-          </p:cNvPr>
-          <p:cNvSpPr txBox="1"/>
-          <p:nvPr/>
-        </p:nvSpPr>
-        <p:spPr>
-          <a:xfrm>
-            <a:off x="2758007" y="-5198268"/>
-            <a:ext cx="6649080" cy="523220"/>
-          </a:xfrm>
-          <a:prstGeom prst="rect">
-            <a:avLst/>
-          </a:prstGeom>
-          <a:noFill/>
-        </p:spPr>
-        <p:txBody>
-          <a:bodyPr wrap="square" rtlCol="0">
-            <a:spAutoFit/>
-          </a:bodyPr>
-          <a:lstStyle/>
-          <a:p>
-            <a:pPr algn="ctr"/>
-            <a:r>
-              <a:rPr kumimoji="1" lang="en-US" altLang="ko-Kore-KR" sz="2800">
-                <a:ea typeface="Microsoft Himalaya" pitchFamily="2" charset="0"/>
-                <a:cs typeface="Microsoft Himalaya" pitchFamily="2" charset="0"/>
-              </a:rPr>
-              <a:t>Why is that important?</a:t>
-            </a:r>
-            <a:endParaRPr kumimoji="1" lang="ko-Kore-KR" altLang="en-US" sz="2800">
-              <a:cs typeface="Microsoft Himalaya" pitchFamily="2" charset="0"/>
-            </a:endParaRPr>
-          </a:p>
-        </p:txBody>
-      </p:sp>
-      <p:cxnSp>
-        <p:nvCxnSpPr>
-          <p:cNvPr id="15" name="구부러진 연결선[U] 14">
-            <a:extLst>
-              <a:ext uri="{FF2B5EF4-FFF2-40B4-BE49-F238E27FC236}">
-                <a16:creationId xmlns:a16="http://schemas.microsoft.com/office/drawing/2014/main" id="{86EB4F29-36E1-ABFE-5C78-E34AEC8E26C2}"/>
-              </a:ext>
-            </a:extLst>
-          </p:cNvPr>
-          <p:cNvCxnSpPr>
-            <a:cxnSpLocks/>
-            <a:stCxn id="12" idx="5"/>
-            <a:endCxn id="16" idx="0"/>
-          </p:cNvCxnSpPr>
-          <p:nvPr/>
-        </p:nvCxnSpPr>
-        <p:spPr>
-          <a:xfrm rot="16200000" flipH="1">
-            <a:off x="12319311" y="-1551726"/>
-            <a:ext cx="899016" cy="1288688"/>
-          </a:xfrm>
-          <a:prstGeom prst="curvedConnector3">
-            <a:avLst>
-              <a:gd name="adj1" fmla="val 50000"/>
-            </a:avLst>
-          </a:prstGeom>
-          <a:ln w="12700">
-            <a:solidFill>
-              <a:schemeClr val="tx1"/>
-            </a:solidFill>
-          </a:ln>
-        </p:spPr>
-        <p:style>
-          <a:lnRef idx="1">
-            <a:schemeClr val="accent1"/>
-          </a:lnRef>
-          <a:fillRef idx="0">
-            <a:schemeClr val="accent1"/>
-          </a:fillRef>
-          <a:effectRef idx="0">
-            <a:schemeClr val="accent1"/>
-          </a:effectRef>
-          <a:fontRef idx="minor">
-            <a:schemeClr val="tx1"/>
-          </a:fontRef>
-        </p:style>
-      </p:cxnSp>
-      <p:sp>
-        <p:nvSpPr>
-          <p:cNvPr id="16" name="타원 15">
-            <a:extLst>
-              <a:ext uri="{FF2B5EF4-FFF2-40B4-BE49-F238E27FC236}">
-                <a16:creationId xmlns:a16="http://schemas.microsoft.com/office/drawing/2014/main" id="{C2E7E2C8-45E7-5C28-C930-10DEF0105BBC}"/>
-              </a:ext>
-            </a:extLst>
-          </p:cNvPr>
-          <p:cNvSpPr/>
-          <p:nvPr/>
-        </p:nvSpPr>
-        <p:spPr>
-          <a:xfrm>
-            <a:off x="9469109" y="-457874"/>
-            <a:ext cx="7888107" cy="2599856"/>
-          </a:xfrm>
-          <a:prstGeom prst="ellipse">
-            <a:avLst/>
-          </a:prstGeom>
-          <a:noFill/>
-          <a:ln w="19050">
-            <a:solidFill>
-              <a:schemeClr val="tx1"/>
-            </a:solidFill>
-          </a:ln>
-        </p:spPr>
-        <p:style>
-          <a:lnRef idx="2">
-            <a:schemeClr val="accent1">
-              <a:shade val="15000"/>
-            </a:schemeClr>
-          </a:lnRef>
-          <a:fillRef idx="1">
-            <a:schemeClr val="accent1"/>
-          </a:fillRef>
-          <a:effectRef idx="0">
-            <a:schemeClr val="accent1"/>
-          </a:effectRef>
-          <a:fontRef idx="minor">
-            <a:schemeClr val="lt1"/>
-          </a:fontRef>
-        </p:style>
-        <p:txBody>
-          <a:bodyPr rtlCol="0" anchor="ctr"/>
-          <a:lstStyle/>
-          <a:p>
-            <a:pPr algn="ctr"/>
-            <a:endParaRPr kumimoji="1" lang="ko-Kore-KR" altLang="en-US"/>
-          </a:p>
-        </p:txBody>
-      </p:sp>
-      <p:cxnSp>
-        <p:nvCxnSpPr>
-          <p:cNvPr id="21" name="구부러진 연결선[U] 20">
-            <a:extLst>
-              <a:ext uri="{FF2B5EF4-FFF2-40B4-BE49-F238E27FC236}">
-                <a16:creationId xmlns:a16="http://schemas.microsoft.com/office/drawing/2014/main" id="{3981B12A-14F8-075F-3799-D8B80E98DAA2}"/>
-              </a:ext>
-            </a:extLst>
-          </p:cNvPr>
-          <p:cNvCxnSpPr>
-            <a:cxnSpLocks/>
-            <a:stCxn id="12" idx="5"/>
-            <a:endCxn id="24" idx="0"/>
-          </p:cNvCxnSpPr>
-          <p:nvPr/>
-        </p:nvCxnSpPr>
-        <p:spPr>
-          <a:xfrm rot="5400000">
-            <a:off x="8191621" y="-3492572"/>
-            <a:ext cx="1797172" cy="6068537"/>
-          </a:xfrm>
-          <a:prstGeom prst="curvedConnector3">
-            <a:avLst>
-              <a:gd name="adj1" fmla="val 50000"/>
-            </a:avLst>
-          </a:prstGeom>
-          <a:ln w="12700">
-            <a:solidFill>
-              <a:schemeClr val="tx1"/>
-            </a:solidFill>
-          </a:ln>
-        </p:spPr>
-        <p:style>
-          <a:lnRef idx="1">
-            <a:schemeClr val="accent1"/>
-          </a:lnRef>
-          <a:fillRef idx="0">
-            <a:schemeClr val="accent1"/>
-          </a:fillRef>
-          <a:effectRef idx="0">
-            <a:schemeClr val="accent1"/>
-          </a:effectRef>
-          <a:fontRef idx="minor">
-            <a:schemeClr val="tx1"/>
-          </a:fontRef>
-        </p:style>
-      </p:cxnSp>
-      <p:sp>
-        <p:nvSpPr>
-          <p:cNvPr id="23" name="TextBox 22">
-            <a:extLst>
-              <a:ext uri="{FF2B5EF4-FFF2-40B4-BE49-F238E27FC236}">
-                <a16:creationId xmlns:a16="http://schemas.microsoft.com/office/drawing/2014/main" id="{70AC99CD-BCF5-39E7-50B9-56D1659F9F62}"/>
-              </a:ext>
-            </a:extLst>
-          </p:cNvPr>
-          <p:cNvSpPr txBox="1"/>
-          <p:nvPr/>
-        </p:nvSpPr>
-        <p:spPr>
-          <a:xfrm>
-            <a:off x="2811226" y="1083217"/>
-            <a:ext cx="6542642" cy="954107"/>
-          </a:xfrm>
-          <a:prstGeom prst="rect">
-            <a:avLst/>
-          </a:prstGeom>
-          <a:noFill/>
-        </p:spPr>
-        <p:txBody>
-          <a:bodyPr wrap="square" rtlCol="0">
-            <a:spAutoFit/>
-          </a:bodyPr>
-          <a:lstStyle/>
-          <a:p>
-            <a:pPr algn="ctr"/>
-            <a:r>
-              <a:rPr kumimoji="1" lang="en-US" altLang="ko-Kore-KR" sz="2800">
-                <a:cs typeface="Microsoft Himalaya" pitchFamily="2" charset="0"/>
-              </a:rPr>
-              <a:t>Then what is a difference compared to the previous works? What is a new insight?</a:t>
-            </a:r>
-            <a:endParaRPr kumimoji="1" lang="ko-Kore-KR" altLang="en-US" sz="2800">
-              <a:cs typeface="Microsoft Himalaya" pitchFamily="2" charset="0"/>
-            </a:endParaRPr>
-          </a:p>
-        </p:txBody>
-      </p:sp>
-      <p:sp>
-        <p:nvSpPr>
-          <p:cNvPr id="24" name="타원 23">
-            <a:extLst>
-              <a:ext uri="{FF2B5EF4-FFF2-40B4-BE49-F238E27FC236}">
-                <a16:creationId xmlns:a16="http://schemas.microsoft.com/office/drawing/2014/main" id="{DFBDA096-6D68-0266-3608-1A4506D9F7B7}"/>
-              </a:ext>
-            </a:extLst>
-          </p:cNvPr>
-          <p:cNvSpPr/>
-          <p:nvPr/>
-        </p:nvSpPr>
-        <p:spPr>
-          <a:xfrm>
-            <a:off x="2758007" y="440282"/>
-            <a:ext cx="6595861" cy="2144800"/>
-          </a:xfrm>
-          <a:prstGeom prst="ellipse">
-            <a:avLst/>
-          </a:prstGeom>
-          <a:noFill/>
-          <a:ln w="19050">
-            <a:solidFill>
-              <a:schemeClr val="tx1"/>
-            </a:solidFill>
-          </a:ln>
-        </p:spPr>
-        <p:style>
-          <a:lnRef idx="2">
-            <a:schemeClr val="accent1">
-              <a:shade val="15000"/>
-            </a:schemeClr>
-          </a:lnRef>
-          <a:fillRef idx="1">
-            <a:schemeClr val="accent1"/>
-          </a:fillRef>
-          <a:effectRef idx="0">
-            <a:schemeClr val="accent1"/>
-          </a:effectRef>
-          <a:fontRef idx="minor">
-            <a:schemeClr val="lt1"/>
-          </a:fontRef>
-        </p:style>
-        <p:txBody>
-          <a:bodyPr rtlCol="0" anchor="ctr"/>
-          <a:lstStyle/>
-          <a:p>
-            <a:pPr algn="ctr"/>
-            <a:endParaRPr kumimoji="1" lang="ko-Kore-KR" altLang="en-US"/>
-          </a:p>
-        </p:txBody>
-      </p:sp>
-      <p:sp>
-        <p:nvSpPr>
-          <p:cNvPr id="28" name="TextBox 27">
-            <a:extLst>
-              <a:ext uri="{FF2B5EF4-FFF2-40B4-BE49-F238E27FC236}">
-                <a16:creationId xmlns:a16="http://schemas.microsoft.com/office/drawing/2014/main" id="{42F95F63-BD9E-8829-144E-4D4B69B30108}"/>
-              </a:ext>
-            </a:extLst>
-          </p:cNvPr>
-          <p:cNvSpPr txBox="1"/>
-          <p:nvPr/>
-        </p:nvSpPr>
-        <p:spPr>
-          <a:xfrm>
-            <a:off x="9921583" y="149556"/>
-            <a:ext cx="7214942" cy="1384995"/>
-          </a:xfrm>
-          <a:prstGeom prst="rect">
-            <a:avLst/>
-          </a:prstGeom>
-          <a:noFill/>
-        </p:spPr>
-        <p:txBody>
-          <a:bodyPr wrap="square" rtlCol="0">
-            <a:spAutoFit/>
-          </a:bodyPr>
-          <a:lstStyle/>
-          <a:p>
-            <a:pPr algn="ctr"/>
-            <a:r>
-              <a:rPr kumimoji="1" lang="en-US" altLang="ko-Kore-KR" sz="2800">
-                <a:cs typeface="Microsoft Himalaya" pitchFamily="2" charset="0"/>
-              </a:rPr>
-              <a:t>Also, scheduling designs that were previously </a:t>
-            </a:r>
-            <a:r>
-              <a:rPr kumimoji="1" lang="en-US" altLang="ko-KR" sz="2800">
-                <a:cs typeface="Microsoft Himalaya" pitchFamily="2" charset="0"/>
-              </a:rPr>
-              <a:t>unused because they did not fit into the general kernel </a:t>
-            </a:r>
-            <a:r>
-              <a:rPr kumimoji="1" lang="en-US" altLang="ko-Kore-KR" sz="2800">
-                <a:cs typeface="Microsoft Himalaya" pitchFamily="2" charset="0"/>
-              </a:rPr>
-              <a:t>can be used in the userspace!!</a:t>
-            </a:r>
-            <a:endParaRPr kumimoji="1" lang="ko-Kore-KR" altLang="en-US" sz="2800">
-              <a:cs typeface="Microsoft Himalaya" pitchFamily="2" charset="0"/>
-            </a:endParaRPr>
-          </a:p>
-        </p:txBody>
-      </p:sp>
-      <p:sp>
-        <p:nvSpPr>
-          <p:cNvPr id="4" name="TextBox 3">
-            <a:extLst>
-              <a:ext uri="{FF2B5EF4-FFF2-40B4-BE49-F238E27FC236}">
-                <a16:creationId xmlns:a16="http://schemas.microsoft.com/office/drawing/2014/main" id="{413642B1-DE90-A0AC-E3E8-740C0B9285FD}"/>
-              </a:ext>
-            </a:extLst>
-          </p:cNvPr>
-          <p:cNvSpPr txBox="1"/>
-          <p:nvPr/>
-        </p:nvSpPr>
-        <p:spPr>
-          <a:xfrm>
-            <a:off x="-726707" y="3035256"/>
-            <a:ext cx="6542642" cy="523220"/>
-          </a:xfrm>
-          <a:prstGeom prst="rect">
-            <a:avLst/>
-          </a:prstGeom>
-          <a:noFill/>
-        </p:spPr>
-        <p:txBody>
-          <a:bodyPr wrap="square" rtlCol="0">
-            <a:spAutoFit/>
-          </a:bodyPr>
-          <a:lstStyle/>
-          <a:p>
-            <a:pPr algn="ctr"/>
-            <a:r>
-              <a:rPr kumimoji="1" lang="en-US" altLang="ko-Kore-KR" sz="2800">
-                <a:cs typeface="Microsoft Himalaya" pitchFamily="2" charset="0"/>
-              </a:rPr>
-              <a:t>previous works</a:t>
-            </a:r>
-            <a:endParaRPr kumimoji="1" lang="ko-Kore-KR" altLang="en-US" sz="2800">
-              <a:cs typeface="Microsoft Himalaya" pitchFamily="2" charset="0"/>
-            </a:endParaRPr>
-          </a:p>
-        </p:txBody>
-      </p:sp>
-      <p:sp>
-        <p:nvSpPr>
-          <p:cNvPr id="18" name="타원 17">
-            <a:extLst>
-              <a:ext uri="{FF2B5EF4-FFF2-40B4-BE49-F238E27FC236}">
-                <a16:creationId xmlns:a16="http://schemas.microsoft.com/office/drawing/2014/main" id="{808B30FF-11AF-85CD-FE7D-94A480C567BF}"/>
-              </a:ext>
-            </a:extLst>
-          </p:cNvPr>
-          <p:cNvSpPr/>
-          <p:nvPr/>
-        </p:nvSpPr>
-        <p:spPr>
-          <a:xfrm>
-            <a:off x="762356" y="2753924"/>
-            <a:ext cx="3564516" cy="1105695"/>
-          </a:xfrm>
-          <a:prstGeom prst="ellipse">
-            <a:avLst/>
-          </a:prstGeom>
-          <a:noFill/>
-          <a:ln w="19050">
-            <a:solidFill>
-              <a:schemeClr val="tx1"/>
-            </a:solidFill>
-          </a:ln>
-        </p:spPr>
-        <p:style>
-          <a:lnRef idx="2">
-            <a:schemeClr val="accent1">
-              <a:shade val="15000"/>
-            </a:schemeClr>
-          </a:lnRef>
-          <a:fillRef idx="1">
-            <a:schemeClr val="accent1"/>
-          </a:fillRef>
-          <a:effectRef idx="0">
-            <a:schemeClr val="accent1"/>
-          </a:effectRef>
-          <a:fontRef idx="minor">
-            <a:schemeClr val="lt1"/>
-          </a:fontRef>
-        </p:style>
-        <p:txBody>
-          <a:bodyPr rtlCol="0" anchor="ctr"/>
-          <a:lstStyle/>
-          <a:p>
-            <a:pPr algn="ctr"/>
-            <a:endParaRPr kumimoji="1" lang="ko-Kore-KR" altLang="en-US"/>
-          </a:p>
-        </p:txBody>
-      </p:sp>
-      <p:sp>
-        <p:nvSpPr>
-          <p:cNvPr id="19" name="TextBox 18">
-            <a:extLst>
-              <a:ext uri="{FF2B5EF4-FFF2-40B4-BE49-F238E27FC236}">
-                <a16:creationId xmlns:a16="http://schemas.microsoft.com/office/drawing/2014/main" id="{13B4728B-D893-F31E-2FC0-2BEACB53F2CF}"/>
-              </a:ext>
-            </a:extLst>
-          </p:cNvPr>
-          <p:cNvSpPr txBox="1"/>
-          <p:nvPr/>
-        </p:nvSpPr>
-        <p:spPr>
-          <a:xfrm>
-            <a:off x="-1555052" y="4455056"/>
-            <a:ext cx="6542642" cy="523220"/>
-          </a:xfrm>
-          <a:prstGeom prst="rect">
-            <a:avLst/>
-          </a:prstGeom>
-          <a:noFill/>
-        </p:spPr>
-        <p:txBody>
-          <a:bodyPr wrap="square" rtlCol="0">
-            <a:spAutoFit/>
-          </a:bodyPr>
-          <a:lstStyle/>
-          <a:p>
-            <a:pPr algn="ctr"/>
-            <a:r>
-              <a:rPr kumimoji="1" lang="en-US" altLang="ko-Kore-KR" sz="2800">
-                <a:cs typeface="Microsoft Himalaya" pitchFamily="2" charset="0"/>
-              </a:rPr>
-              <a:t>Shinjuku (NSDI’19)</a:t>
-            </a:r>
-          </a:p>
-        </p:txBody>
-      </p:sp>
-      <p:sp>
-        <p:nvSpPr>
-          <p:cNvPr id="20" name="TextBox 19">
-            <a:extLst>
-              <a:ext uri="{FF2B5EF4-FFF2-40B4-BE49-F238E27FC236}">
-                <a16:creationId xmlns:a16="http://schemas.microsoft.com/office/drawing/2014/main" id="{67BA68B8-A94F-A602-4C55-253F82E7F21E}"/>
-              </a:ext>
-            </a:extLst>
-          </p:cNvPr>
-          <p:cNvSpPr txBox="1"/>
-          <p:nvPr/>
-        </p:nvSpPr>
-        <p:spPr>
-          <a:xfrm>
-            <a:off x="1991683" y="4432184"/>
-            <a:ext cx="6542642" cy="523220"/>
-          </a:xfrm>
-          <a:prstGeom prst="rect">
-            <a:avLst/>
-          </a:prstGeom>
-          <a:noFill/>
-        </p:spPr>
-        <p:txBody>
-          <a:bodyPr wrap="square" rtlCol="0">
-            <a:spAutoFit/>
-          </a:bodyPr>
-          <a:lstStyle/>
-          <a:p>
-            <a:pPr algn="ctr"/>
-            <a:r>
-              <a:rPr kumimoji="1" lang="en-US" altLang="ko-Kore-KR" sz="2800">
-                <a:cs typeface="Microsoft Himalaya" pitchFamily="2" charset="0"/>
-              </a:rPr>
-              <a:t>Shenango (NSDI’19)</a:t>
-            </a:r>
-          </a:p>
-        </p:txBody>
-      </p:sp>
-      <p:sp>
-        <p:nvSpPr>
-          <p:cNvPr id="22" name="타원 21">
-            <a:extLst>
-              <a:ext uri="{FF2B5EF4-FFF2-40B4-BE49-F238E27FC236}">
-                <a16:creationId xmlns:a16="http://schemas.microsoft.com/office/drawing/2014/main" id="{9AA8102E-04EA-E7B6-D929-BFC4EAF728FF}"/>
-              </a:ext>
-            </a:extLst>
-          </p:cNvPr>
-          <p:cNvSpPr/>
-          <p:nvPr/>
-        </p:nvSpPr>
-        <p:spPr>
-          <a:xfrm>
-            <a:off x="3633531" y="4178999"/>
-            <a:ext cx="3258946" cy="1029590"/>
-          </a:xfrm>
-          <a:prstGeom prst="ellipse">
-            <a:avLst/>
-          </a:prstGeom>
-          <a:noFill/>
-          <a:ln w="19050">
-            <a:solidFill>
-              <a:schemeClr val="tx1"/>
-            </a:solidFill>
-          </a:ln>
-        </p:spPr>
-        <p:style>
-          <a:lnRef idx="2">
-            <a:schemeClr val="accent1">
-              <a:shade val="15000"/>
-            </a:schemeClr>
-          </a:lnRef>
-          <a:fillRef idx="1">
-            <a:schemeClr val="accent1"/>
-          </a:fillRef>
-          <a:effectRef idx="0">
-            <a:schemeClr val="accent1"/>
-          </a:effectRef>
-          <a:fontRef idx="minor">
-            <a:schemeClr val="lt1"/>
-          </a:fontRef>
-        </p:style>
-        <p:txBody>
-          <a:bodyPr rtlCol="0" anchor="ctr"/>
-          <a:lstStyle/>
-          <a:p>
-            <a:pPr algn="ctr"/>
-            <a:endParaRPr kumimoji="1" lang="ko-Kore-KR" altLang="en-US"/>
-          </a:p>
-        </p:txBody>
-      </p:sp>
-      <p:sp>
-        <p:nvSpPr>
-          <p:cNvPr id="26" name="타원 25">
-            <a:extLst>
-              <a:ext uri="{FF2B5EF4-FFF2-40B4-BE49-F238E27FC236}">
-                <a16:creationId xmlns:a16="http://schemas.microsoft.com/office/drawing/2014/main" id="{84DE6692-7AFC-9830-FDF1-15B3F0377BB3}"/>
-              </a:ext>
-            </a:extLst>
-          </p:cNvPr>
-          <p:cNvSpPr/>
-          <p:nvPr/>
-        </p:nvSpPr>
-        <p:spPr>
-          <a:xfrm>
-            <a:off x="86796" y="4251245"/>
-            <a:ext cx="3258946" cy="1029590"/>
-          </a:xfrm>
-          <a:prstGeom prst="ellipse">
-            <a:avLst/>
-          </a:prstGeom>
-          <a:noFill/>
-          <a:ln w="19050">
-            <a:solidFill>
-              <a:schemeClr val="tx1"/>
-            </a:solidFill>
-          </a:ln>
-        </p:spPr>
-        <p:style>
-          <a:lnRef idx="2">
-            <a:schemeClr val="accent1">
-              <a:shade val="15000"/>
-            </a:schemeClr>
-          </a:lnRef>
-          <a:fillRef idx="1">
-            <a:schemeClr val="accent1"/>
-          </a:fillRef>
-          <a:effectRef idx="0">
-            <a:schemeClr val="accent1"/>
-          </a:effectRef>
-          <a:fontRef idx="minor">
-            <a:schemeClr val="lt1"/>
-          </a:fontRef>
-        </p:style>
-        <p:txBody>
-          <a:bodyPr rtlCol="0" anchor="ctr"/>
-          <a:lstStyle/>
-          <a:p>
-            <a:pPr algn="ctr"/>
-            <a:endParaRPr kumimoji="1" lang="ko-Kore-KR" altLang="en-US"/>
-          </a:p>
-        </p:txBody>
-      </p:sp>
-      <p:cxnSp>
-        <p:nvCxnSpPr>
-          <p:cNvPr id="27" name="구부러진 연결선[U] 26">
-            <a:extLst>
-              <a:ext uri="{FF2B5EF4-FFF2-40B4-BE49-F238E27FC236}">
-                <a16:creationId xmlns:a16="http://schemas.microsoft.com/office/drawing/2014/main" id="{D1E2C9BC-5DCA-0123-262E-7CA54EEF194C}"/>
-              </a:ext>
-            </a:extLst>
-          </p:cNvPr>
-          <p:cNvCxnSpPr>
-            <a:cxnSpLocks/>
-            <a:stCxn id="24" idx="3"/>
-            <a:endCxn id="18" idx="0"/>
-          </p:cNvCxnSpPr>
-          <p:nvPr/>
-        </p:nvCxnSpPr>
-        <p:spPr>
-          <a:xfrm rot="5400000">
-            <a:off x="2892811" y="1922786"/>
-            <a:ext cx="482941" cy="1179334"/>
-          </a:xfrm>
-          <a:prstGeom prst="curvedConnector3">
-            <a:avLst>
-              <a:gd name="adj1" fmla="val 50000"/>
-            </a:avLst>
-          </a:prstGeom>
-          <a:ln w="12700">
-            <a:solidFill>
-              <a:schemeClr val="tx1"/>
-            </a:solidFill>
-          </a:ln>
-        </p:spPr>
-        <p:style>
-          <a:lnRef idx="1">
-            <a:schemeClr val="accent1"/>
-          </a:lnRef>
-          <a:fillRef idx="0">
-            <a:schemeClr val="accent1"/>
-          </a:fillRef>
-          <a:effectRef idx="0">
-            <a:schemeClr val="accent1"/>
-          </a:effectRef>
-          <a:fontRef idx="minor">
-            <a:schemeClr val="tx1"/>
-          </a:fontRef>
-        </p:style>
-      </p:cxnSp>
-      <p:cxnSp>
-        <p:nvCxnSpPr>
-          <p:cNvPr id="31" name="구부러진 연결선[U] 30">
-            <a:extLst>
-              <a:ext uri="{FF2B5EF4-FFF2-40B4-BE49-F238E27FC236}">
-                <a16:creationId xmlns:a16="http://schemas.microsoft.com/office/drawing/2014/main" id="{2CFE5135-484E-47B7-3A78-437727BE815A}"/>
-              </a:ext>
-            </a:extLst>
-          </p:cNvPr>
-          <p:cNvCxnSpPr>
-            <a:cxnSpLocks/>
-            <a:stCxn id="18" idx="4"/>
-            <a:endCxn id="26" idx="0"/>
-          </p:cNvCxnSpPr>
-          <p:nvPr/>
-        </p:nvCxnSpPr>
-        <p:spPr>
-          <a:xfrm rot="5400000">
-            <a:off x="1934629" y="3641260"/>
-            <a:ext cx="391626" cy="828345"/>
-          </a:xfrm>
-          <a:prstGeom prst="curvedConnector3">
-            <a:avLst>
-              <a:gd name="adj1" fmla="val 50000"/>
-            </a:avLst>
-          </a:prstGeom>
-          <a:ln w="12700">
-            <a:solidFill>
-              <a:schemeClr val="tx1"/>
-            </a:solidFill>
-          </a:ln>
-        </p:spPr>
-        <p:style>
-          <a:lnRef idx="1">
-            <a:schemeClr val="accent1"/>
-          </a:lnRef>
-          <a:fillRef idx="0">
-            <a:schemeClr val="accent1"/>
-          </a:fillRef>
-          <a:effectRef idx="0">
-            <a:schemeClr val="accent1"/>
-          </a:effectRef>
-          <a:fontRef idx="minor">
-            <a:schemeClr val="tx1"/>
-          </a:fontRef>
-        </p:style>
-      </p:cxnSp>
-      <p:cxnSp>
-        <p:nvCxnSpPr>
-          <p:cNvPr id="34" name="구부러진 연결선[U] 33">
-            <a:extLst>
-              <a:ext uri="{FF2B5EF4-FFF2-40B4-BE49-F238E27FC236}">
-                <a16:creationId xmlns:a16="http://schemas.microsoft.com/office/drawing/2014/main" id="{3DCA4F68-A27C-B998-440E-4482EA610393}"/>
-              </a:ext>
-            </a:extLst>
-          </p:cNvPr>
-          <p:cNvCxnSpPr>
-            <a:cxnSpLocks/>
-            <a:stCxn id="18" idx="4"/>
-            <a:endCxn id="22" idx="0"/>
-          </p:cNvCxnSpPr>
-          <p:nvPr/>
-        </p:nvCxnSpPr>
-        <p:spPr>
-          <a:xfrm rot="16200000" flipH="1">
-            <a:off x="3744119" y="2660114"/>
-            <a:ext cx="319380" cy="2718390"/>
-          </a:xfrm>
-          <a:prstGeom prst="curvedConnector3">
-            <a:avLst>
-              <a:gd name="adj1" fmla="val 50000"/>
-            </a:avLst>
-          </a:prstGeom>
-          <a:ln w="12700">
-            <a:solidFill>
-              <a:schemeClr val="tx1"/>
-            </a:solidFill>
-          </a:ln>
-        </p:spPr>
-        <p:style>
-          <a:lnRef idx="1">
-            <a:schemeClr val="accent1"/>
-          </a:lnRef>
-          <a:fillRef idx="0">
-            <a:schemeClr val="accent1"/>
-          </a:fillRef>
-          <a:effectRef idx="0">
-            <a:schemeClr val="accent1"/>
-          </a:effectRef>
-          <a:fontRef idx="minor">
-            <a:schemeClr val="tx1"/>
-          </a:fontRef>
-        </p:style>
-      </p:cxnSp>
-    </p:spTree>
-    <p:extLst>
-      <p:ext uri="{BB962C8B-B14F-4D97-AF65-F5344CB8AC3E}">
-        <p14:creationId xmlns:p14="http://schemas.microsoft.com/office/powerpoint/2010/main" val="1212299856"/>
-      </p:ext>
-    </p:extLst>
-  </p:cSld>
-  <p:clrMapOvr>
-    <a:masterClrMapping/>
-  </p:clrMapOvr>
-  <mc:AlternateContent xmlns:mc="http://schemas.openxmlformats.org/markup-compatibility/2006">
-    <mc:Choice xmlns:p159="http://schemas.microsoft.com/office/powerpoint/2015/09/main" Requires="p159">
-      <p:transition spd="slow" advClick="0">
-        <p159:morph option="byObject"/>
-      </p:transition>
-    </mc:Choice>
-    <mc:Fallback>
-      <p:transition spd="slow" advClick="0">
-        <p:fade/>
-      </p:transition>
-    </mc:Fallback>
-  </mc:AlternateContent>
-</p:sld>
-</file>
-
-<file path=ppt/slides/slide16.xml><?xml version="1.0" encoding="utf-8"?>
-<p:sld xmlns:a="http://schemas.openxmlformats.org/drawingml/2006/main" xmlns:r="http://schemas.openxmlformats.org/officeDocument/2006/relationships" xmlns:p="http://schemas.openxmlformats.org/presentationml/2006/main">
-  <p:cSld>
-    <p:spTree>
-      <p:nvGrpSpPr>
-        <p:cNvPr id="1" name=""/>
-        <p:cNvGrpSpPr/>
-        <p:nvPr/>
-      </p:nvGrpSpPr>
-      <p:grpSpPr>
-        <a:xfrm>
-          <a:off x="0" y="0"/>
-          <a:ext cx="0" cy="0"/>
-          <a:chOff x="0" y="0"/>
-          <a:chExt cx="0" cy="0"/>
-        </a:xfrm>
-      </p:grpSpPr>
-      <p:sp>
-        <p:nvSpPr>
-          <p:cNvPr id="7" name="TextBox 6">
-            <a:extLst>
-              <a:ext uri="{FF2B5EF4-FFF2-40B4-BE49-F238E27FC236}">
-                <a16:creationId xmlns:a16="http://schemas.microsoft.com/office/drawing/2014/main" id="{7432CD06-269D-8519-0178-61F8107F3434}"/>
-              </a:ext>
-            </a:extLst>
-          </p:cNvPr>
-          <p:cNvSpPr txBox="1"/>
-          <p:nvPr/>
-        </p:nvSpPr>
-        <p:spPr>
-          <a:xfrm>
-            <a:off x="274095" y="-12421134"/>
-            <a:ext cx="6649080" cy="523220"/>
-          </a:xfrm>
-          <a:prstGeom prst="rect">
-            <a:avLst/>
-          </a:prstGeom>
-          <a:noFill/>
-        </p:spPr>
-        <p:txBody>
-          <a:bodyPr wrap="square" rtlCol="0">
-            <a:spAutoFit/>
-          </a:bodyPr>
-          <a:lstStyle/>
-          <a:p>
-            <a:pPr algn="ctr"/>
-            <a:r>
-              <a:rPr kumimoji="1" lang="en-US" altLang="ko-Kore-KR" sz="2800">
-                <a:ea typeface="Microsoft Himalaya" pitchFamily="2" charset="0"/>
-                <a:cs typeface="Microsoft Himalaya" pitchFamily="2" charset="0"/>
-              </a:rPr>
-              <a:t>What is a purpose of the paper?</a:t>
-            </a:r>
-            <a:endParaRPr kumimoji="1" lang="ko-Kore-KR" altLang="en-US" sz="2800">
-              <a:solidFill>
-                <a:schemeClr val="bg1">
-                  <a:alpha val="0"/>
-                </a:schemeClr>
-              </a:solidFill>
-              <a:cs typeface="Microsoft Himalaya" pitchFamily="2" charset="0"/>
-            </a:endParaRPr>
-          </a:p>
-        </p:txBody>
-      </p:sp>
-      <p:sp>
-        <p:nvSpPr>
-          <p:cNvPr id="6" name="타원 5">
-            <a:extLst>
-              <a:ext uri="{FF2B5EF4-FFF2-40B4-BE49-F238E27FC236}">
-                <a16:creationId xmlns:a16="http://schemas.microsoft.com/office/drawing/2014/main" id="{2EE2381A-BA90-6CCC-E30D-9B8CB7883D9B}"/>
-              </a:ext>
-            </a:extLst>
-          </p:cNvPr>
-          <p:cNvSpPr/>
-          <p:nvPr/>
-        </p:nvSpPr>
-        <p:spPr>
-          <a:xfrm>
-            <a:off x="800324" y="-13086999"/>
-            <a:ext cx="5416902" cy="1895475"/>
-          </a:xfrm>
-          <a:prstGeom prst="ellipse">
-            <a:avLst/>
-          </a:prstGeom>
-          <a:noFill/>
-          <a:ln w="19050">
-            <a:solidFill>
-              <a:schemeClr val="tx1"/>
-            </a:solidFill>
-          </a:ln>
-        </p:spPr>
-        <p:style>
-          <a:lnRef idx="2">
-            <a:schemeClr val="accent1">
-              <a:shade val="15000"/>
-            </a:schemeClr>
-          </a:lnRef>
-          <a:fillRef idx="1">
-            <a:schemeClr val="accent1"/>
-          </a:fillRef>
-          <a:effectRef idx="0">
-            <a:schemeClr val="accent1"/>
-          </a:effectRef>
-          <a:fontRef idx="minor">
-            <a:schemeClr val="lt1"/>
-          </a:fontRef>
-        </p:style>
-        <p:txBody>
-          <a:bodyPr rtlCol="0" anchor="ctr"/>
-          <a:lstStyle/>
-          <a:p>
-            <a:pPr algn="ctr"/>
-            <a:endParaRPr kumimoji="1" lang="ko-Kore-KR" altLang="en-US"/>
-          </a:p>
-        </p:txBody>
-      </p:sp>
-      <p:sp>
-        <p:nvSpPr>
-          <p:cNvPr id="2" name="타원 1">
-            <a:extLst>
-              <a:ext uri="{FF2B5EF4-FFF2-40B4-BE49-F238E27FC236}">
-                <a16:creationId xmlns:a16="http://schemas.microsoft.com/office/drawing/2014/main" id="{3537091F-D64C-D90A-CCA1-057FC775DC84}"/>
-              </a:ext>
-            </a:extLst>
-          </p:cNvPr>
-          <p:cNvSpPr/>
-          <p:nvPr/>
-        </p:nvSpPr>
-        <p:spPr>
-          <a:xfrm>
-            <a:off x="-3632546" y="-17216908"/>
-            <a:ext cx="3470478" cy="3347761"/>
-          </a:xfrm>
-          <a:prstGeom prst="ellipse">
-            <a:avLst/>
-          </a:prstGeom>
-          <a:noFill/>
-          <a:ln w="19050">
-            <a:solidFill>
-              <a:schemeClr val="tx1"/>
-            </a:solidFill>
-          </a:ln>
-        </p:spPr>
-        <p:style>
-          <a:lnRef idx="2">
-            <a:schemeClr val="accent1">
-              <a:shade val="15000"/>
-            </a:schemeClr>
-          </a:lnRef>
-          <a:fillRef idx="1">
-            <a:schemeClr val="accent1"/>
-          </a:fillRef>
-          <a:effectRef idx="0">
-            <a:schemeClr val="accent1"/>
-          </a:effectRef>
-          <a:fontRef idx="minor">
-            <a:schemeClr val="lt1"/>
-          </a:fontRef>
-        </p:style>
-        <p:txBody>
-          <a:bodyPr rtlCol="0" anchor="ctr"/>
-          <a:lstStyle/>
-          <a:p>
-            <a:pPr algn="ctr"/>
-            <a:endParaRPr kumimoji="1" lang="ko-Kore-KR" altLang="en-US"/>
-          </a:p>
-        </p:txBody>
-      </p:sp>
-      <p:cxnSp>
-        <p:nvCxnSpPr>
-          <p:cNvPr id="14" name="구부러진 연결선[U] 13">
-            <a:extLst>
-              <a:ext uri="{FF2B5EF4-FFF2-40B4-BE49-F238E27FC236}">
-                <a16:creationId xmlns:a16="http://schemas.microsoft.com/office/drawing/2014/main" id="{2B954181-AE35-70DB-E680-6B87963413D4}"/>
-              </a:ext>
-            </a:extLst>
-          </p:cNvPr>
-          <p:cNvCxnSpPr>
-            <a:cxnSpLocks/>
-            <a:stCxn id="2" idx="5"/>
-            <a:endCxn id="6" idx="2"/>
-          </p:cNvCxnSpPr>
-          <p:nvPr/>
-        </p:nvCxnSpPr>
-        <p:spPr>
-          <a:xfrm rot="16200000" flipH="1">
-            <a:off x="-1045069" y="-13984654"/>
-            <a:ext cx="2220154" cy="1470632"/>
-          </a:xfrm>
-          <a:prstGeom prst="curvedConnector2">
-            <a:avLst/>
-          </a:prstGeom>
-          <a:ln w="12700">
-            <a:solidFill>
-              <a:schemeClr val="tx1"/>
-            </a:solidFill>
-          </a:ln>
-        </p:spPr>
-        <p:style>
-          <a:lnRef idx="1">
-            <a:schemeClr val="accent1"/>
-          </a:lnRef>
-          <a:fillRef idx="0">
-            <a:schemeClr val="accent1"/>
-          </a:fillRef>
-          <a:effectRef idx="0">
-            <a:schemeClr val="accent1"/>
-          </a:effectRef>
-          <a:fontRef idx="minor">
-            <a:schemeClr val="tx1"/>
-          </a:fontRef>
-        </p:style>
-      </p:cxnSp>
-      <p:sp>
-        <p:nvSpPr>
-          <p:cNvPr id="25" name="TextBox 24">
-            <a:extLst>
-              <a:ext uri="{FF2B5EF4-FFF2-40B4-BE49-F238E27FC236}">
-                <a16:creationId xmlns:a16="http://schemas.microsoft.com/office/drawing/2014/main" id="{758AC1A2-CDC9-B7E3-EBE8-BCC2D5E5D2B1}"/>
-              </a:ext>
-            </a:extLst>
-          </p:cNvPr>
-          <p:cNvSpPr txBox="1"/>
-          <p:nvPr/>
-        </p:nvSpPr>
-        <p:spPr>
-          <a:xfrm>
-            <a:off x="-3229849" y="-15192586"/>
-            <a:ext cx="9015787" cy="1323439"/>
-          </a:xfrm>
-          <a:prstGeom prst="rect">
-            <a:avLst/>
-          </a:prstGeom>
-          <a:noFill/>
-        </p:spPr>
-        <p:txBody>
-          <a:bodyPr wrap="square" rtlCol="0">
-            <a:spAutoFit/>
-          </a:bodyPr>
-          <a:lstStyle/>
-          <a:p>
-            <a:pPr algn="ctr"/>
-            <a:r>
-              <a:rPr kumimoji="1" lang="en-US" altLang="ko-Kore-KR" sz="4000">
-                <a:ea typeface="Microsoft Himalaya" pitchFamily="2" charset="0"/>
-                <a:cs typeface="Microsoft Himalaya" pitchFamily="2" charset="0"/>
-              </a:rPr>
-              <a:t>ghOSt</a:t>
-            </a:r>
-            <a:r>
-              <a:rPr kumimoji="1" lang="en-US" altLang="ko-Kore-KR" sz="4000">
-                <a:solidFill>
-                  <a:schemeClr val="bg1">
-                    <a:alpha val="0"/>
-                  </a:schemeClr>
-                </a:solidFill>
-                <a:ea typeface="Microsoft Himalaya" pitchFamily="2" charset="0"/>
-                <a:cs typeface="Microsoft Himalaya" pitchFamily="2" charset="0"/>
-              </a:rPr>
-              <a:t>: Fast &amp; Flexible User-space Delegation of Linux Scheduling </a:t>
-            </a:r>
-            <a:endParaRPr kumimoji="1" lang="ko-Kore-KR" altLang="en-US" sz="4000">
-              <a:solidFill>
-                <a:schemeClr val="bg1">
-                  <a:alpha val="0"/>
-                </a:schemeClr>
-              </a:solidFill>
-              <a:cs typeface="Microsoft Himalaya" pitchFamily="2" charset="0"/>
-            </a:endParaRPr>
-          </a:p>
-        </p:txBody>
-      </p:sp>
-      <p:sp>
-        <p:nvSpPr>
-          <p:cNvPr id="5" name="TextBox 4">
-            <a:extLst>
-              <a:ext uri="{FF2B5EF4-FFF2-40B4-BE49-F238E27FC236}">
-                <a16:creationId xmlns:a16="http://schemas.microsoft.com/office/drawing/2014/main" id="{6654DD5B-363D-007E-134A-CB95D8023FE8}"/>
-              </a:ext>
-            </a:extLst>
-          </p:cNvPr>
-          <p:cNvSpPr txBox="1"/>
-          <p:nvPr/>
-        </p:nvSpPr>
-        <p:spPr>
-          <a:xfrm>
-            <a:off x="3249956" y="-10194195"/>
-            <a:ext cx="6649080" cy="954107"/>
-          </a:xfrm>
-          <a:prstGeom prst="rect">
-            <a:avLst/>
-          </a:prstGeom>
-          <a:noFill/>
-        </p:spPr>
-        <p:txBody>
-          <a:bodyPr wrap="square" rtlCol="0">
-            <a:spAutoFit/>
-          </a:bodyPr>
-          <a:lstStyle/>
-          <a:p>
-            <a:pPr algn="ctr"/>
-            <a:r>
-              <a:rPr kumimoji="1" lang="en-US" altLang="ko-Kore-KR" sz="2800">
-                <a:ea typeface="Microsoft Himalaya" pitchFamily="2" charset="0"/>
-                <a:cs typeface="Microsoft Himalaya" pitchFamily="2" charset="0"/>
-              </a:rPr>
-              <a:t>Delegating kernel scheduling</a:t>
-            </a:r>
-          </a:p>
-          <a:p>
-            <a:pPr algn="ctr"/>
-            <a:r>
-              <a:rPr kumimoji="1" lang="en-US" altLang="ko-Kore-KR" sz="2800">
-                <a:ea typeface="Microsoft Himalaya" pitchFamily="2" charset="0"/>
-                <a:cs typeface="Microsoft Himalaya" pitchFamily="2" charset="0"/>
-              </a:rPr>
-              <a:t>to userspace code </a:t>
-            </a:r>
-            <a:endParaRPr kumimoji="1" lang="ko-Kore-KR" altLang="en-US" sz="2800">
-              <a:cs typeface="Microsoft Himalaya" pitchFamily="2" charset="0"/>
-            </a:endParaRPr>
-          </a:p>
-        </p:txBody>
-      </p:sp>
-      <p:sp>
-        <p:nvSpPr>
-          <p:cNvPr id="8" name="타원 7">
-            <a:extLst>
-              <a:ext uri="{FF2B5EF4-FFF2-40B4-BE49-F238E27FC236}">
-                <a16:creationId xmlns:a16="http://schemas.microsoft.com/office/drawing/2014/main" id="{CCA7A6FF-A5C1-EE13-DAB5-2A47607E4AA0}"/>
-              </a:ext>
-            </a:extLst>
-          </p:cNvPr>
-          <p:cNvSpPr/>
-          <p:nvPr/>
-        </p:nvSpPr>
-        <p:spPr>
-          <a:xfrm>
-            <a:off x="3866045" y="-10670986"/>
-            <a:ext cx="5416902" cy="1895475"/>
-          </a:xfrm>
-          <a:prstGeom prst="ellipse">
-            <a:avLst/>
-          </a:prstGeom>
-          <a:noFill/>
-          <a:ln w="19050">
-            <a:solidFill>
-              <a:schemeClr val="tx1"/>
-            </a:solidFill>
-          </a:ln>
-        </p:spPr>
-        <p:style>
-          <a:lnRef idx="2">
-            <a:schemeClr val="accent1">
-              <a:shade val="15000"/>
-            </a:schemeClr>
-          </a:lnRef>
-          <a:fillRef idx="1">
-            <a:schemeClr val="accent1"/>
-          </a:fillRef>
-          <a:effectRef idx="0">
-            <a:schemeClr val="accent1"/>
-          </a:effectRef>
-          <a:fontRef idx="minor">
-            <a:schemeClr val="lt1"/>
-          </a:fontRef>
-        </p:style>
-        <p:txBody>
-          <a:bodyPr rtlCol="0" anchor="ctr"/>
-          <a:lstStyle/>
-          <a:p>
-            <a:pPr algn="ctr"/>
-            <a:endParaRPr kumimoji="1" lang="ko-Kore-KR" altLang="en-US"/>
-          </a:p>
-        </p:txBody>
-      </p:sp>
-      <p:cxnSp>
-        <p:nvCxnSpPr>
-          <p:cNvPr id="9" name="구부러진 연결선[U] 8">
-            <a:extLst>
-              <a:ext uri="{FF2B5EF4-FFF2-40B4-BE49-F238E27FC236}">
-                <a16:creationId xmlns:a16="http://schemas.microsoft.com/office/drawing/2014/main" id="{068EEA84-621C-4582-DC0F-D62A6F3062A3}"/>
-              </a:ext>
-            </a:extLst>
-          </p:cNvPr>
-          <p:cNvCxnSpPr>
-            <a:cxnSpLocks/>
-            <a:stCxn id="6" idx="4"/>
-            <a:endCxn id="8" idx="1"/>
-          </p:cNvCxnSpPr>
-          <p:nvPr/>
-        </p:nvCxnSpPr>
-        <p:spPr>
-          <a:xfrm rot="16200000" flipH="1">
-            <a:off x="3684991" y="-11367741"/>
-            <a:ext cx="798124" cy="1150557"/>
-          </a:xfrm>
-          <a:prstGeom prst="curvedConnector3">
-            <a:avLst>
-              <a:gd name="adj1" fmla="val 50000"/>
-            </a:avLst>
-          </a:prstGeom>
-          <a:ln w="12700">
-            <a:solidFill>
-              <a:schemeClr val="tx1"/>
-            </a:solidFill>
-          </a:ln>
-        </p:spPr>
-        <p:style>
-          <a:lnRef idx="1">
-            <a:schemeClr val="accent1"/>
-          </a:lnRef>
-          <a:fillRef idx="0">
-            <a:schemeClr val="accent1"/>
-          </a:fillRef>
-          <a:effectRef idx="0">
-            <a:schemeClr val="accent1"/>
-          </a:effectRef>
-          <a:fontRef idx="minor">
-            <a:schemeClr val="tx1"/>
-          </a:fontRef>
-        </p:style>
-      </p:cxnSp>
-      <p:cxnSp>
-        <p:nvCxnSpPr>
-          <p:cNvPr id="3" name="구부러진 연결선[U] 2">
-            <a:extLst>
-              <a:ext uri="{FF2B5EF4-FFF2-40B4-BE49-F238E27FC236}">
-                <a16:creationId xmlns:a16="http://schemas.microsoft.com/office/drawing/2014/main" id="{AC3F9A48-1A19-F6C7-B3C2-CDA39B862C08}"/>
-              </a:ext>
-            </a:extLst>
-          </p:cNvPr>
-          <p:cNvCxnSpPr>
-            <a:cxnSpLocks/>
-            <a:stCxn id="8" idx="4"/>
-            <a:endCxn id="11" idx="1"/>
-          </p:cNvCxnSpPr>
-          <p:nvPr/>
-        </p:nvCxnSpPr>
-        <p:spPr>
-          <a:xfrm rot="16200000" flipH="1">
-            <a:off x="6779412" y="-8980428"/>
-            <a:ext cx="542943" cy="952775"/>
-          </a:xfrm>
-          <a:prstGeom prst="curvedConnector3">
-            <a:avLst>
-              <a:gd name="adj1" fmla="val 50000"/>
-            </a:avLst>
-          </a:prstGeom>
-          <a:ln w="12700">
-            <a:solidFill>
-              <a:schemeClr val="tx1"/>
-            </a:solidFill>
-          </a:ln>
-        </p:spPr>
-        <p:style>
-          <a:lnRef idx="1">
-            <a:schemeClr val="accent1"/>
-          </a:lnRef>
-          <a:fillRef idx="0">
-            <a:schemeClr val="accent1"/>
-          </a:fillRef>
-          <a:effectRef idx="0">
-            <a:schemeClr val="accent1"/>
-          </a:effectRef>
-          <a:fontRef idx="minor">
-            <a:schemeClr val="tx1"/>
-          </a:fontRef>
-        </p:style>
-      </p:cxnSp>
-      <p:sp>
-        <p:nvSpPr>
-          <p:cNvPr id="10" name="TextBox 9">
-            <a:extLst>
-              <a:ext uri="{FF2B5EF4-FFF2-40B4-BE49-F238E27FC236}">
-                <a16:creationId xmlns:a16="http://schemas.microsoft.com/office/drawing/2014/main" id="{D2C2F8E5-4B8F-C384-0BD1-F8CC7DBBFE31}"/>
-              </a:ext>
-            </a:extLst>
-          </p:cNvPr>
-          <p:cNvSpPr txBox="1"/>
-          <p:nvPr/>
-        </p:nvSpPr>
-        <p:spPr>
-          <a:xfrm>
-            <a:off x="9062039" y="-5384238"/>
-            <a:ext cx="7214942" cy="1384995"/>
-          </a:xfrm>
-          <a:prstGeom prst="rect">
-            <a:avLst/>
-          </a:prstGeom>
-          <a:noFill/>
-        </p:spPr>
-        <p:txBody>
-          <a:bodyPr wrap="square" rtlCol="0">
-            <a:spAutoFit/>
-          </a:bodyPr>
-          <a:lstStyle/>
-          <a:p>
-            <a:pPr algn="ctr"/>
-            <a:r>
-              <a:rPr kumimoji="1" lang="en-US" altLang="ko-Kore-KR" sz="2800">
-                <a:ea typeface="Microsoft Himalaya" pitchFamily="2" charset="0"/>
-                <a:cs typeface="Microsoft Himalaya" pitchFamily="2" charset="0"/>
-              </a:rPr>
-              <a:t>Because it means that applications can be implemented leveraging the powerful features of the kernel scheduler!!!</a:t>
-            </a:r>
-            <a:endParaRPr kumimoji="1" lang="ko-Kore-KR" altLang="en-US" sz="2800">
-              <a:cs typeface="Microsoft Himalaya" pitchFamily="2" charset="0"/>
-            </a:endParaRPr>
-          </a:p>
-        </p:txBody>
-      </p:sp>
-      <p:sp>
-        <p:nvSpPr>
-          <p:cNvPr id="11" name="타원 10">
-            <a:extLst>
-              <a:ext uri="{FF2B5EF4-FFF2-40B4-BE49-F238E27FC236}">
-                <a16:creationId xmlns:a16="http://schemas.microsoft.com/office/drawing/2014/main" id="{553EEAA2-6F2C-9BFD-E1DC-B64CC11A8B05}"/>
-              </a:ext>
-            </a:extLst>
-          </p:cNvPr>
-          <p:cNvSpPr/>
-          <p:nvPr/>
-        </p:nvSpPr>
-        <p:spPr>
-          <a:xfrm>
-            <a:off x="6733984" y="-8510154"/>
-            <a:ext cx="5416902" cy="1895475"/>
-          </a:xfrm>
-          <a:prstGeom prst="ellipse">
-            <a:avLst/>
-          </a:prstGeom>
-          <a:noFill/>
-          <a:ln w="19050">
-            <a:solidFill>
-              <a:schemeClr val="tx1"/>
-            </a:solidFill>
-          </a:ln>
-        </p:spPr>
-        <p:style>
-          <a:lnRef idx="2">
-            <a:schemeClr val="accent1">
-              <a:shade val="15000"/>
-            </a:schemeClr>
-          </a:lnRef>
-          <a:fillRef idx="1">
-            <a:schemeClr val="accent1"/>
-          </a:fillRef>
-          <a:effectRef idx="0">
-            <a:schemeClr val="accent1"/>
-          </a:effectRef>
-          <a:fontRef idx="minor">
-            <a:schemeClr val="lt1"/>
-          </a:fontRef>
-        </p:style>
-        <p:txBody>
-          <a:bodyPr rtlCol="0" anchor="ctr"/>
-          <a:lstStyle/>
-          <a:p>
-            <a:pPr algn="ctr"/>
-            <a:endParaRPr kumimoji="1" lang="ko-Kore-KR" altLang="en-US"/>
-          </a:p>
-        </p:txBody>
-      </p:sp>
-      <p:sp>
-        <p:nvSpPr>
-          <p:cNvPr id="12" name="타원 11">
-            <a:extLst>
-              <a:ext uri="{FF2B5EF4-FFF2-40B4-BE49-F238E27FC236}">
-                <a16:creationId xmlns:a16="http://schemas.microsoft.com/office/drawing/2014/main" id="{98BE3455-7E7C-98E6-2F4D-8656076DB122}"/>
-              </a:ext>
-            </a:extLst>
-          </p:cNvPr>
-          <p:cNvSpPr/>
-          <p:nvPr/>
-        </p:nvSpPr>
-        <p:spPr>
-          <a:xfrm>
-            <a:off x="8914257" y="-5948246"/>
-            <a:ext cx="7510506" cy="2356551"/>
-          </a:xfrm>
-          <a:prstGeom prst="ellipse">
-            <a:avLst/>
-          </a:prstGeom>
-          <a:noFill/>
-          <a:ln w="19050">
-            <a:solidFill>
-              <a:schemeClr val="tx1"/>
-            </a:solidFill>
-          </a:ln>
-        </p:spPr>
-        <p:style>
-          <a:lnRef idx="2">
-            <a:schemeClr val="accent1">
-              <a:shade val="15000"/>
-            </a:schemeClr>
-          </a:lnRef>
-          <a:fillRef idx="1">
-            <a:schemeClr val="accent1"/>
-          </a:fillRef>
-          <a:effectRef idx="0">
-            <a:schemeClr val="accent1"/>
-          </a:effectRef>
-          <a:fontRef idx="minor">
-            <a:schemeClr val="lt1"/>
-          </a:fontRef>
-        </p:style>
-        <p:txBody>
-          <a:bodyPr rtlCol="0" anchor="ctr"/>
-          <a:lstStyle/>
-          <a:p>
-            <a:pPr algn="ctr"/>
-            <a:endParaRPr kumimoji="1" lang="ko-Kore-KR" altLang="en-US"/>
-          </a:p>
-        </p:txBody>
-      </p:sp>
-      <p:cxnSp>
-        <p:nvCxnSpPr>
-          <p:cNvPr id="13" name="구부러진 연결선[U] 12">
-            <a:extLst>
-              <a:ext uri="{FF2B5EF4-FFF2-40B4-BE49-F238E27FC236}">
-                <a16:creationId xmlns:a16="http://schemas.microsoft.com/office/drawing/2014/main" id="{8D73709C-867B-5C3D-0744-BD01319122DC}"/>
-              </a:ext>
-            </a:extLst>
-          </p:cNvPr>
-          <p:cNvCxnSpPr>
-            <a:cxnSpLocks/>
-            <a:stCxn id="11" idx="4"/>
-            <a:endCxn id="12" idx="1"/>
-          </p:cNvCxnSpPr>
-          <p:nvPr/>
-        </p:nvCxnSpPr>
-        <p:spPr>
-          <a:xfrm rot="16200000" flipH="1">
-            <a:off x="9222519" y="-6394763"/>
-            <a:ext cx="1011542" cy="571710"/>
-          </a:xfrm>
-          <a:prstGeom prst="curvedConnector3">
-            <a:avLst>
-              <a:gd name="adj1" fmla="val 50000"/>
-            </a:avLst>
-          </a:prstGeom>
-          <a:ln w="12700">
-            <a:solidFill>
-              <a:schemeClr val="tx1"/>
-            </a:solidFill>
-          </a:ln>
-        </p:spPr>
-        <p:style>
-          <a:lnRef idx="1">
-            <a:schemeClr val="accent1"/>
-          </a:lnRef>
-          <a:fillRef idx="0">
-            <a:schemeClr val="accent1"/>
-          </a:fillRef>
-          <a:effectRef idx="0">
-            <a:schemeClr val="accent1"/>
-          </a:effectRef>
-          <a:fontRef idx="minor">
-            <a:schemeClr val="tx1"/>
-          </a:fontRef>
-        </p:style>
-      </p:cxnSp>
-      <p:sp>
-        <p:nvSpPr>
-          <p:cNvPr id="17" name="TextBox 16">
-            <a:extLst>
-              <a:ext uri="{FF2B5EF4-FFF2-40B4-BE49-F238E27FC236}">
-                <a16:creationId xmlns:a16="http://schemas.microsoft.com/office/drawing/2014/main" id="{2461D2E0-27C3-B02E-68FA-2F27E0718AE4}"/>
-              </a:ext>
-            </a:extLst>
-          </p:cNvPr>
-          <p:cNvSpPr txBox="1"/>
-          <p:nvPr/>
-        </p:nvSpPr>
-        <p:spPr>
-          <a:xfrm>
-            <a:off x="5958407" y="-7778182"/>
-            <a:ext cx="6649080" cy="523220"/>
-          </a:xfrm>
-          <a:prstGeom prst="rect">
-            <a:avLst/>
-          </a:prstGeom>
-          <a:noFill/>
-        </p:spPr>
-        <p:txBody>
-          <a:bodyPr wrap="square" rtlCol="0">
-            <a:spAutoFit/>
-          </a:bodyPr>
-          <a:lstStyle/>
-          <a:p>
-            <a:pPr algn="ctr"/>
-            <a:r>
-              <a:rPr kumimoji="1" lang="en-US" altLang="ko-Kore-KR" sz="2800">
-                <a:ea typeface="Microsoft Himalaya" pitchFamily="2" charset="0"/>
-                <a:cs typeface="Microsoft Himalaya" pitchFamily="2" charset="0"/>
-              </a:rPr>
-              <a:t>Why is that important?</a:t>
-            </a:r>
-            <a:endParaRPr kumimoji="1" lang="ko-Kore-KR" altLang="en-US" sz="2800">
-              <a:cs typeface="Microsoft Himalaya" pitchFamily="2" charset="0"/>
-            </a:endParaRPr>
-          </a:p>
-        </p:txBody>
-      </p:sp>
-      <p:cxnSp>
-        <p:nvCxnSpPr>
-          <p:cNvPr id="15" name="구부러진 연결선[U] 14">
-            <a:extLst>
-              <a:ext uri="{FF2B5EF4-FFF2-40B4-BE49-F238E27FC236}">
-                <a16:creationId xmlns:a16="http://schemas.microsoft.com/office/drawing/2014/main" id="{86EB4F29-36E1-ABFE-5C78-E34AEC8E26C2}"/>
-              </a:ext>
-            </a:extLst>
-          </p:cNvPr>
-          <p:cNvCxnSpPr>
-            <a:cxnSpLocks/>
-            <a:stCxn id="12" idx="5"/>
-            <a:endCxn id="16" idx="0"/>
-          </p:cNvCxnSpPr>
-          <p:nvPr/>
-        </p:nvCxnSpPr>
-        <p:spPr>
-          <a:xfrm rot="16200000" flipH="1">
-            <a:off x="15519711" y="-4131640"/>
-            <a:ext cx="899016" cy="1288688"/>
-          </a:xfrm>
-          <a:prstGeom prst="curvedConnector3">
-            <a:avLst>
-              <a:gd name="adj1" fmla="val 50000"/>
-            </a:avLst>
-          </a:prstGeom>
-          <a:ln w="12700">
-            <a:solidFill>
-              <a:schemeClr val="tx1"/>
-            </a:solidFill>
-          </a:ln>
-        </p:spPr>
-        <p:style>
-          <a:lnRef idx="1">
-            <a:schemeClr val="accent1"/>
-          </a:lnRef>
-          <a:fillRef idx="0">
-            <a:schemeClr val="accent1"/>
-          </a:fillRef>
-          <a:effectRef idx="0">
-            <a:schemeClr val="accent1"/>
-          </a:effectRef>
-          <a:fontRef idx="minor">
-            <a:schemeClr val="tx1"/>
-          </a:fontRef>
-        </p:style>
-      </p:cxnSp>
-      <p:sp>
-        <p:nvSpPr>
-          <p:cNvPr id="16" name="타원 15">
-            <a:extLst>
-              <a:ext uri="{FF2B5EF4-FFF2-40B4-BE49-F238E27FC236}">
-                <a16:creationId xmlns:a16="http://schemas.microsoft.com/office/drawing/2014/main" id="{C2E7E2C8-45E7-5C28-C930-10DEF0105BBC}"/>
-              </a:ext>
-            </a:extLst>
-          </p:cNvPr>
-          <p:cNvSpPr/>
-          <p:nvPr/>
-        </p:nvSpPr>
-        <p:spPr>
-          <a:xfrm>
-            <a:off x="12669509" y="-3037788"/>
-            <a:ext cx="7888107" cy="2599856"/>
-          </a:xfrm>
-          <a:prstGeom prst="ellipse">
-            <a:avLst/>
-          </a:prstGeom>
-          <a:noFill/>
-          <a:ln w="19050">
-            <a:solidFill>
-              <a:schemeClr val="tx1"/>
-            </a:solidFill>
-          </a:ln>
-        </p:spPr>
-        <p:style>
-          <a:lnRef idx="2">
-            <a:schemeClr val="accent1">
-              <a:shade val="15000"/>
-            </a:schemeClr>
-          </a:lnRef>
-          <a:fillRef idx="1">
-            <a:schemeClr val="accent1"/>
-          </a:fillRef>
-          <a:effectRef idx="0">
-            <a:schemeClr val="accent1"/>
-          </a:effectRef>
-          <a:fontRef idx="minor">
-            <a:schemeClr val="lt1"/>
-          </a:fontRef>
-        </p:style>
-        <p:txBody>
-          <a:bodyPr rtlCol="0" anchor="ctr"/>
-          <a:lstStyle/>
-          <a:p>
-            <a:pPr algn="ctr"/>
-            <a:endParaRPr kumimoji="1" lang="ko-Kore-KR" altLang="en-US"/>
-          </a:p>
-        </p:txBody>
-      </p:sp>
-      <p:cxnSp>
-        <p:nvCxnSpPr>
-          <p:cNvPr id="21" name="구부러진 연결선[U] 20">
-            <a:extLst>
-              <a:ext uri="{FF2B5EF4-FFF2-40B4-BE49-F238E27FC236}">
-                <a16:creationId xmlns:a16="http://schemas.microsoft.com/office/drawing/2014/main" id="{3981B12A-14F8-075F-3799-D8B80E98DAA2}"/>
-              </a:ext>
-            </a:extLst>
-          </p:cNvPr>
-          <p:cNvCxnSpPr>
-            <a:cxnSpLocks/>
-            <a:stCxn id="12" idx="5"/>
-            <a:endCxn id="24" idx="0"/>
-          </p:cNvCxnSpPr>
-          <p:nvPr/>
-        </p:nvCxnSpPr>
-        <p:spPr>
-          <a:xfrm rot="5400000">
-            <a:off x="11392021" y="-6072486"/>
-            <a:ext cx="1797172" cy="6068537"/>
-          </a:xfrm>
-          <a:prstGeom prst="curvedConnector3">
-            <a:avLst>
-              <a:gd name="adj1" fmla="val 50000"/>
-            </a:avLst>
-          </a:prstGeom>
-          <a:ln w="12700">
-            <a:solidFill>
-              <a:schemeClr val="tx1"/>
-            </a:solidFill>
-          </a:ln>
-        </p:spPr>
-        <p:style>
-          <a:lnRef idx="1">
-            <a:schemeClr val="accent1"/>
-          </a:lnRef>
-          <a:fillRef idx="0">
-            <a:schemeClr val="accent1"/>
-          </a:fillRef>
-          <a:effectRef idx="0">
-            <a:schemeClr val="accent1"/>
-          </a:effectRef>
-          <a:fontRef idx="minor">
-            <a:schemeClr val="tx1"/>
-          </a:fontRef>
-        </p:style>
-      </p:cxnSp>
-      <p:sp>
-        <p:nvSpPr>
-          <p:cNvPr id="23" name="TextBox 22">
-            <a:extLst>
-              <a:ext uri="{FF2B5EF4-FFF2-40B4-BE49-F238E27FC236}">
-                <a16:creationId xmlns:a16="http://schemas.microsoft.com/office/drawing/2014/main" id="{70AC99CD-BCF5-39E7-50B9-56D1659F9F62}"/>
-              </a:ext>
-            </a:extLst>
-          </p:cNvPr>
-          <p:cNvSpPr txBox="1"/>
-          <p:nvPr/>
-        </p:nvSpPr>
-        <p:spPr>
-          <a:xfrm>
-            <a:off x="6011626" y="-1496697"/>
-            <a:ext cx="6542642" cy="954107"/>
-          </a:xfrm>
-          <a:prstGeom prst="rect">
-            <a:avLst/>
-          </a:prstGeom>
-          <a:noFill/>
-        </p:spPr>
-        <p:txBody>
-          <a:bodyPr wrap="square" rtlCol="0">
-            <a:spAutoFit/>
-          </a:bodyPr>
-          <a:lstStyle/>
-          <a:p>
-            <a:pPr algn="ctr"/>
-            <a:r>
-              <a:rPr kumimoji="1" lang="en-US" altLang="ko-Kore-KR" sz="2800">
-                <a:cs typeface="Microsoft Himalaya" pitchFamily="2" charset="0"/>
-              </a:rPr>
-              <a:t>Then what is a difference compared to the previous works? What is a new insight?</a:t>
-            </a:r>
-            <a:endParaRPr kumimoji="1" lang="ko-Kore-KR" altLang="en-US" sz="2800">
-              <a:cs typeface="Microsoft Himalaya" pitchFamily="2" charset="0"/>
-            </a:endParaRPr>
-          </a:p>
-        </p:txBody>
-      </p:sp>
-      <p:sp>
-        <p:nvSpPr>
-          <p:cNvPr id="24" name="타원 23">
-            <a:extLst>
-              <a:ext uri="{FF2B5EF4-FFF2-40B4-BE49-F238E27FC236}">
-                <a16:creationId xmlns:a16="http://schemas.microsoft.com/office/drawing/2014/main" id="{DFBDA096-6D68-0266-3608-1A4506D9F7B7}"/>
-              </a:ext>
-            </a:extLst>
-          </p:cNvPr>
-          <p:cNvSpPr/>
-          <p:nvPr/>
-        </p:nvSpPr>
-        <p:spPr>
-          <a:xfrm>
-            <a:off x="5958407" y="-2139632"/>
-            <a:ext cx="6595861" cy="2144800"/>
-          </a:xfrm>
-          <a:prstGeom prst="ellipse">
-            <a:avLst/>
-          </a:prstGeom>
-          <a:noFill/>
-          <a:ln w="19050">
-            <a:solidFill>
-              <a:schemeClr val="tx1"/>
-            </a:solidFill>
-          </a:ln>
-        </p:spPr>
-        <p:style>
-          <a:lnRef idx="2">
-            <a:schemeClr val="accent1">
-              <a:shade val="15000"/>
-            </a:schemeClr>
-          </a:lnRef>
-          <a:fillRef idx="1">
-            <a:schemeClr val="accent1"/>
-          </a:fillRef>
-          <a:effectRef idx="0">
-            <a:schemeClr val="accent1"/>
-          </a:effectRef>
-          <a:fontRef idx="minor">
-            <a:schemeClr val="lt1"/>
-          </a:fontRef>
-        </p:style>
-        <p:txBody>
-          <a:bodyPr rtlCol="0" anchor="ctr"/>
-          <a:lstStyle/>
-          <a:p>
-            <a:pPr algn="ctr"/>
-            <a:endParaRPr kumimoji="1" lang="ko-Kore-KR" altLang="en-US"/>
-          </a:p>
-        </p:txBody>
-      </p:sp>
-      <p:sp>
-        <p:nvSpPr>
-          <p:cNvPr id="28" name="TextBox 27">
-            <a:extLst>
-              <a:ext uri="{FF2B5EF4-FFF2-40B4-BE49-F238E27FC236}">
-                <a16:creationId xmlns:a16="http://schemas.microsoft.com/office/drawing/2014/main" id="{42F95F63-BD9E-8829-144E-4D4B69B30108}"/>
-              </a:ext>
-            </a:extLst>
-          </p:cNvPr>
-          <p:cNvSpPr txBox="1"/>
-          <p:nvPr/>
-        </p:nvSpPr>
-        <p:spPr>
-          <a:xfrm>
-            <a:off x="13121983" y="-2430358"/>
-            <a:ext cx="7214942" cy="1384995"/>
-          </a:xfrm>
-          <a:prstGeom prst="rect">
-            <a:avLst/>
-          </a:prstGeom>
-          <a:noFill/>
-        </p:spPr>
-        <p:txBody>
-          <a:bodyPr wrap="square" rtlCol="0">
-            <a:spAutoFit/>
-          </a:bodyPr>
-          <a:lstStyle/>
-          <a:p>
-            <a:pPr algn="ctr"/>
-            <a:r>
-              <a:rPr kumimoji="1" lang="en-US" altLang="ko-Kore-KR" sz="2800">
-                <a:cs typeface="Microsoft Himalaya" pitchFamily="2" charset="0"/>
-              </a:rPr>
-              <a:t>Also, scheduling designs that were previously </a:t>
-            </a:r>
-            <a:r>
-              <a:rPr kumimoji="1" lang="en-US" altLang="ko-KR" sz="2800">
-                <a:cs typeface="Microsoft Himalaya" pitchFamily="2" charset="0"/>
-              </a:rPr>
-              <a:t>unused because they did not fit into the general kernel </a:t>
-            </a:r>
-            <a:r>
-              <a:rPr kumimoji="1" lang="en-US" altLang="ko-Kore-KR" sz="2800">
-                <a:cs typeface="Microsoft Himalaya" pitchFamily="2" charset="0"/>
-              </a:rPr>
-              <a:t>can be used in the userspace!!</a:t>
-            </a:r>
-            <a:endParaRPr kumimoji="1" lang="ko-Kore-KR" altLang="en-US" sz="2800">
-              <a:cs typeface="Microsoft Himalaya" pitchFamily="2" charset="0"/>
-            </a:endParaRPr>
-          </a:p>
-        </p:txBody>
-      </p:sp>
-      <p:sp>
-        <p:nvSpPr>
-          <p:cNvPr id="4" name="TextBox 3">
-            <a:extLst>
-              <a:ext uri="{FF2B5EF4-FFF2-40B4-BE49-F238E27FC236}">
-                <a16:creationId xmlns:a16="http://schemas.microsoft.com/office/drawing/2014/main" id="{413642B1-DE90-A0AC-E3E8-740C0B9285FD}"/>
-              </a:ext>
-            </a:extLst>
-          </p:cNvPr>
-          <p:cNvSpPr txBox="1"/>
-          <p:nvPr/>
-        </p:nvSpPr>
-        <p:spPr>
-          <a:xfrm>
-            <a:off x="2473693" y="455342"/>
-            <a:ext cx="6542642" cy="523220"/>
-          </a:xfrm>
-          <a:prstGeom prst="rect">
-            <a:avLst/>
-          </a:prstGeom>
-          <a:noFill/>
-        </p:spPr>
-        <p:txBody>
-          <a:bodyPr wrap="square" rtlCol="0">
-            <a:spAutoFit/>
-          </a:bodyPr>
-          <a:lstStyle/>
-          <a:p>
-            <a:pPr algn="ctr"/>
-            <a:r>
-              <a:rPr kumimoji="1" lang="en-US" altLang="ko-Kore-KR" sz="2800">
-                <a:cs typeface="Microsoft Himalaya" pitchFamily="2" charset="0"/>
-              </a:rPr>
-              <a:t>previous works</a:t>
-            </a:r>
-            <a:endParaRPr kumimoji="1" lang="ko-Kore-KR" altLang="en-US" sz="2800">
-              <a:cs typeface="Microsoft Himalaya" pitchFamily="2" charset="0"/>
-            </a:endParaRPr>
-          </a:p>
-        </p:txBody>
-      </p:sp>
-      <p:sp>
-        <p:nvSpPr>
-          <p:cNvPr id="18" name="타원 17">
-            <a:extLst>
-              <a:ext uri="{FF2B5EF4-FFF2-40B4-BE49-F238E27FC236}">
-                <a16:creationId xmlns:a16="http://schemas.microsoft.com/office/drawing/2014/main" id="{808B30FF-11AF-85CD-FE7D-94A480C567BF}"/>
-              </a:ext>
-            </a:extLst>
-          </p:cNvPr>
-          <p:cNvSpPr/>
-          <p:nvPr/>
-        </p:nvSpPr>
-        <p:spPr>
-          <a:xfrm>
-            <a:off x="3962756" y="174010"/>
-            <a:ext cx="3564516" cy="1105695"/>
-          </a:xfrm>
-          <a:prstGeom prst="ellipse">
-            <a:avLst/>
-          </a:prstGeom>
-          <a:noFill/>
-          <a:ln w="19050">
-            <a:solidFill>
-              <a:schemeClr val="tx1"/>
-            </a:solidFill>
-          </a:ln>
-        </p:spPr>
-        <p:style>
-          <a:lnRef idx="2">
-            <a:schemeClr val="accent1">
-              <a:shade val="15000"/>
-            </a:schemeClr>
-          </a:lnRef>
-          <a:fillRef idx="1">
-            <a:schemeClr val="accent1"/>
-          </a:fillRef>
-          <a:effectRef idx="0">
-            <a:schemeClr val="accent1"/>
-          </a:effectRef>
-          <a:fontRef idx="minor">
-            <a:schemeClr val="lt1"/>
-          </a:fontRef>
-        </p:style>
-        <p:txBody>
-          <a:bodyPr rtlCol="0" anchor="ctr"/>
-          <a:lstStyle/>
-          <a:p>
-            <a:pPr algn="ctr"/>
-            <a:endParaRPr kumimoji="1" lang="ko-Kore-KR" altLang="en-US"/>
-          </a:p>
-        </p:txBody>
-      </p:sp>
-      <p:sp>
-        <p:nvSpPr>
-          <p:cNvPr id="19" name="TextBox 18">
-            <a:extLst>
-              <a:ext uri="{FF2B5EF4-FFF2-40B4-BE49-F238E27FC236}">
-                <a16:creationId xmlns:a16="http://schemas.microsoft.com/office/drawing/2014/main" id="{13B4728B-D893-F31E-2FC0-2BEACB53F2CF}"/>
-              </a:ext>
-            </a:extLst>
-          </p:cNvPr>
-          <p:cNvSpPr txBox="1"/>
-          <p:nvPr/>
-        </p:nvSpPr>
-        <p:spPr>
-          <a:xfrm>
-            <a:off x="1645348" y="1875142"/>
-            <a:ext cx="6542642" cy="523220"/>
-          </a:xfrm>
-          <a:prstGeom prst="rect">
-            <a:avLst/>
-          </a:prstGeom>
-          <a:noFill/>
-        </p:spPr>
-        <p:txBody>
-          <a:bodyPr wrap="square" rtlCol="0">
-            <a:spAutoFit/>
-          </a:bodyPr>
-          <a:lstStyle/>
-          <a:p>
-            <a:pPr algn="ctr"/>
-            <a:r>
-              <a:rPr kumimoji="1" lang="en-US" altLang="ko-Kore-KR" sz="2800">
-                <a:cs typeface="Microsoft Himalaya" pitchFamily="2" charset="0"/>
-              </a:rPr>
-              <a:t>Shinjuku (NSDI’19)</a:t>
-            </a:r>
-          </a:p>
-        </p:txBody>
-      </p:sp>
-      <p:sp>
-        <p:nvSpPr>
-          <p:cNvPr id="20" name="TextBox 19">
-            <a:extLst>
-              <a:ext uri="{FF2B5EF4-FFF2-40B4-BE49-F238E27FC236}">
-                <a16:creationId xmlns:a16="http://schemas.microsoft.com/office/drawing/2014/main" id="{67BA68B8-A94F-A602-4C55-253F82E7F21E}"/>
-              </a:ext>
-            </a:extLst>
-          </p:cNvPr>
-          <p:cNvSpPr txBox="1"/>
-          <p:nvPr/>
-        </p:nvSpPr>
-        <p:spPr>
-          <a:xfrm>
-            <a:off x="5192083" y="1852270"/>
-            <a:ext cx="6542642" cy="523220"/>
-          </a:xfrm>
-          <a:prstGeom prst="rect">
-            <a:avLst/>
-          </a:prstGeom>
-          <a:noFill/>
-        </p:spPr>
-        <p:txBody>
-          <a:bodyPr wrap="square" rtlCol="0">
-            <a:spAutoFit/>
-          </a:bodyPr>
-          <a:lstStyle/>
-          <a:p>
-            <a:pPr algn="ctr"/>
-            <a:r>
-              <a:rPr kumimoji="1" lang="en-US" altLang="ko-Kore-KR" sz="2800">
-                <a:cs typeface="Microsoft Himalaya" pitchFamily="2" charset="0"/>
-              </a:rPr>
-              <a:t>Shenango (NSDI’19)</a:t>
-            </a:r>
-          </a:p>
-        </p:txBody>
-      </p:sp>
-      <p:sp>
-        <p:nvSpPr>
-          <p:cNvPr id="22" name="타원 21">
-            <a:extLst>
-              <a:ext uri="{FF2B5EF4-FFF2-40B4-BE49-F238E27FC236}">
-                <a16:creationId xmlns:a16="http://schemas.microsoft.com/office/drawing/2014/main" id="{9AA8102E-04EA-E7B6-D929-BFC4EAF728FF}"/>
-              </a:ext>
-            </a:extLst>
-          </p:cNvPr>
-          <p:cNvSpPr/>
-          <p:nvPr/>
-        </p:nvSpPr>
-        <p:spPr>
-          <a:xfrm>
-            <a:off x="6833931" y="1599085"/>
-            <a:ext cx="3258946" cy="1029590"/>
-          </a:xfrm>
-          <a:prstGeom prst="ellipse">
-            <a:avLst/>
-          </a:prstGeom>
-          <a:noFill/>
-          <a:ln w="19050">
-            <a:solidFill>
-              <a:schemeClr val="tx1"/>
-            </a:solidFill>
-          </a:ln>
-        </p:spPr>
-        <p:style>
-          <a:lnRef idx="2">
-            <a:schemeClr val="accent1">
-              <a:shade val="15000"/>
-            </a:schemeClr>
-          </a:lnRef>
-          <a:fillRef idx="1">
-            <a:schemeClr val="accent1"/>
-          </a:fillRef>
-          <a:effectRef idx="0">
-            <a:schemeClr val="accent1"/>
-          </a:effectRef>
-          <a:fontRef idx="minor">
-            <a:schemeClr val="lt1"/>
-          </a:fontRef>
-        </p:style>
-        <p:txBody>
-          <a:bodyPr rtlCol="0" anchor="ctr"/>
-          <a:lstStyle/>
-          <a:p>
-            <a:pPr algn="ctr"/>
-            <a:endParaRPr kumimoji="1" lang="ko-Kore-KR" altLang="en-US"/>
-          </a:p>
-        </p:txBody>
-      </p:sp>
-      <p:sp>
-        <p:nvSpPr>
-          <p:cNvPr id="26" name="타원 25">
-            <a:extLst>
-              <a:ext uri="{FF2B5EF4-FFF2-40B4-BE49-F238E27FC236}">
-                <a16:creationId xmlns:a16="http://schemas.microsoft.com/office/drawing/2014/main" id="{84DE6692-7AFC-9830-FDF1-15B3F0377BB3}"/>
-              </a:ext>
-            </a:extLst>
-          </p:cNvPr>
-          <p:cNvSpPr/>
-          <p:nvPr/>
-        </p:nvSpPr>
-        <p:spPr>
-          <a:xfrm>
-            <a:off x="3287196" y="1671331"/>
-            <a:ext cx="3258946" cy="1029590"/>
-          </a:xfrm>
-          <a:prstGeom prst="ellipse">
-            <a:avLst/>
-          </a:prstGeom>
-          <a:noFill/>
-          <a:ln w="19050">
-            <a:solidFill>
-              <a:schemeClr val="tx1"/>
-            </a:solidFill>
-          </a:ln>
-        </p:spPr>
-        <p:style>
-          <a:lnRef idx="2">
-            <a:schemeClr val="accent1">
-              <a:shade val="15000"/>
-            </a:schemeClr>
-          </a:lnRef>
-          <a:fillRef idx="1">
-            <a:schemeClr val="accent1"/>
-          </a:fillRef>
-          <a:effectRef idx="0">
-            <a:schemeClr val="accent1"/>
-          </a:effectRef>
-          <a:fontRef idx="minor">
-            <a:schemeClr val="lt1"/>
-          </a:fontRef>
-        </p:style>
-        <p:txBody>
-          <a:bodyPr rtlCol="0" anchor="ctr"/>
-          <a:lstStyle/>
-          <a:p>
-            <a:pPr algn="ctr"/>
-            <a:endParaRPr kumimoji="1" lang="ko-Kore-KR" altLang="en-US"/>
-          </a:p>
-        </p:txBody>
-      </p:sp>
-      <p:cxnSp>
-        <p:nvCxnSpPr>
-          <p:cNvPr id="27" name="구부러진 연결선[U] 26">
-            <a:extLst>
-              <a:ext uri="{FF2B5EF4-FFF2-40B4-BE49-F238E27FC236}">
-                <a16:creationId xmlns:a16="http://schemas.microsoft.com/office/drawing/2014/main" id="{D1E2C9BC-5DCA-0123-262E-7CA54EEF194C}"/>
-              </a:ext>
-            </a:extLst>
-          </p:cNvPr>
-          <p:cNvCxnSpPr>
-            <a:cxnSpLocks/>
-            <a:stCxn id="24" idx="3"/>
-            <a:endCxn id="18" idx="0"/>
-          </p:cNvCxnSpPr>
-          <p:nvPr/>
-        </p:nvCxnSpPr>
-        <p:spPr>
-          <a:xfrm rot="5400000">
-            <a:off x="6093211" y="-657128"/>
-            <a:ext cx="482941" cy="1179334"/>
-          </a:xfrm>
-          <a:prstGeom prst="curvedConnector3">
-            <a:avLst>
-              <a:gd name="adj1" fmla="val 50000"/>
-            </a:avLst>
-          </a:prstGeom>
-          <a:ln w="12700">
-            <a:solidFill>
-              <a:schemeClr val="tx1"/>
-            </a:solidFill>
-          </a:ln>
-        </p:spPr>
-        <p:style>
-          <a:lnRef idx="1">
-            <a:schemeClr val="accent1"/>
-          </a:lnRef>
-          <a:fillRef idx="0">
-            <a:schemeClr val="accent1"/>
-          </a:fillRef>
-          <a:effectRef idx="0">
-            <a:schemeClr val="accent1"/>
-          </a:effectRef>
-          <a:fontRef idx="minor">
-            <a:schemeClr val="tx1"/>
-          </a:fontRef>
-        </p:style>
-      </p:cxnSp>
-      <p:cxnSp>
-        <p:nvCxnSpPr>
-          <p:cNvPr id="31" name="구부러진 연결선[U] 30">
-            <a:extLst>
-              <a:ext uri="{FF2B5EF4-FFF2-40B4-BE49-F238E27FC236}">
-                <a16:creationId xmlns:a16="http://schemas.microsoft.com/office/drawing/2014/main" id="{2CFE5135-484E-47B7-3A78-437727BE815A}"/>
-              </a:ext>
-            </a:extLst>
-          </p:cNvPr>
-          <p:cNvCxnSpPr>
-            <a:cxnSpLocks/>
-            <a:stCxn id="18" idx="4"/>
-            <a:endCxn id="26" idx="0"/>
-          </p:cNvCxnSpPr>
-          <p:nvPr/>
-        </p:nvCxnSpPr>
-        <p:spPr>
-          <a:xfrm rot="5400000">
-            <a:off x="5135029" y="1061346"/>
-            <a:ext cx="391626" cy="828345"/>
-          </a:xfrm>
-          <a:prstGeom prst="curvedConnector3">
-            <a:avLst>
-              <a:gd name="adj1" fmla="val 50000"/>
-            </a:avLst>
-          </a:prstGeom>
-          <a:ln w="12700">
-            <a:solidFill>
-              <a:schemeClr val="tx1"/>
-            </a:solidFill>
-          </a:ln>
-        </p:spPr>
-        <p:style>
-          <a:lnRef idx="1">
-            <a:schemeClr val="accent1"/>
-          </a:lnRef>
-          <a:fillRef idx="0">
-            <a:schemeClr val="accent1"/>
-          </a:fillRef>
-          <a:effectRef idx="0">
-            <a:schemeClr val="accent1"/>
-          </a:effectRef>
-          <a:fontRef idx="minor">
-            <a:schemeClr val="tx1"/>
-          </a:fontRef>
-        </p:style>
-      </p:cxnSp>
-      <p:cxnSp>
-        <p:nvCxnSpPr>
-          <p:cNvPr id="34" name="구부러진 연결선[U] 33">
-            <a:extLst>
-              <a:ext uri="{FF2B5EF4-FFF2-40B4-BE49-F238E27FC236}">
-                <a16:creationId xmlns:a16="http://schemas.microsoft.com/office/drawing/2014/main" id="{3DCA4F68-A27C-B998-440E-4482EA610393}"/>
-              </a:ext>
-            </a:extLst>
-          </p:cNvPr>
-          <p:cNvCxnSpPr>
-            <a:cxnSpLocks/>
-            <a:stCxn id="18" idx="4"/>
-            <a:endCxn id="22" idx="0"/>
-          </p:cNvCxnSpPr>
-          <p:nvPr/>
-        </p:nvCxnSpPr>
-        <p:spPr>
-          <a:xfrm rot="16200000" flipH="1">
-            <a:off x="6944519" y="80200"/>
-            <a:ext cx="319380" cy="2718390"/>
-          </a:xfrm>
-          <a:prstGeom prst="curvedConnector3">
-            <a:avLst>
-              <a:gd name="adj1" fmla="val 50000"/>
-            </a:avLst>
-          </a:prstGeom>
-          <a:ln w="12700">
-            <a:solidFill>
-              <a:schemeClr val="tx1"/>
-            </a:solidFill>
-          </a:ln>
-        </p:spPr>
-        <p:style>
-          <a:lnRef idx="1">
-            <a:schemeClr val="accent1"/>
-          </a:lnRef>
-          <a:fillRef idx="0">
-            <a:schemeClr val="accent1"/>
-          </a:fillRef>
-          <a:effectRef idx="0">
-            <a:schemeClr val="accent1"/>
-          </a:effectRef>
-          <a:fontRef idx="minor">
-            <a:schemeClr val="tx1"/>
-          </a:fontRef>
-        </p:style>
-      </p:cxnSp>
-    </p:spTree>
-    <p:extLst>
-      <p:ext uri="{BB962C8B-B14F-4D97-AF65-F5344CB8AC3E}">
-        <p14:creationId xmlns:p14="http://schemas.microsoft.com/office/powerpoint/2010/main" val="2057954167"/>
-      </p:ext>
-    </p:extLst>
-  </p:cSld>
-  <p:clrMapOvr>
-    <a:masterClrMapping/>
-  </p:clrMapOvr>
-  <mc:AlternateContent xmlns:mc="http://schemas.openxmlformats.org/markup-compatibility/2006">
-    <mc:Choice xmlns:p159="http://schemas.microsoft.com/office/powerpoint/2015/09/main" Requires="p159">
-      <p:transition spd="slow" advClick="0">
-        <p159:morph option="byObject"/>
-      </p:transition>
-    </mc:Choice>
-    <mc:Fallback>
+    <mc:Fallback xmlns="">
       <p:transition spd="slow" advClick="0">
         <p:fade/>
       </p:transition>
@@ -11912,13 +7461,13 @@
   <p:clrMapOvr>
     <a:masterClrMapping/>
   </p:clrMapOvr>
-  <mc:AlternateContent xmlns:mc="http://schemas.openxmlformats.org/markup-compatibility/2006">
-    <mc:Choice xmlns:p159="http://schemas.microsoft.com/office/powerpoint/2015/09/main" Requires="p159">
+  <mc:AlternateContent xmlns:mc="http://schemas.openxmlformats.org/markup-compatibility/2006" xmlns:p159="http://schemas.microsoft.com/office/powerpoint/2015/09/main">
+    <mc:Choice Requires="p159">
       <p:transition spd="slow" advClick="0">
         <p159:morph option="byObject"/>
       </p:transition>
     </mc:Choice>
-    <mc:Fallback>
+    <mc:Fallback xmlns="">
       <p:transition spd="slow" advClick="0">
         <p:fade/>
       </p:transition>
@@ -12209,13 +7758,13 @@
   <p:clrMapOvr>
     <a:masterClrMapping/>
   </p:clrMapOvr>
-  <mc:AlternateContent xmlns:mc="http://schemas.openxmlformats.org/markup-compatibility/2006">
-    <mc:Choice xmlns:p159="http://schemas.microsoft.com/office/powerpoint/2015/09/main" Requires="p159">
+  <mc:AlternateContent xmlns:mc="http://schemas.openxmlformats.org/markup-compatibility/2006" xmlns:p159="http://schemas.microsoft.com/office/powerpoint/2015/09/main">
+    <mc:Choice Requires="p159">
       <p:transition spd="slow" advClick="0">
         <p159:morph option="byObject"/>
       </p:transition>
     </mc:Choice>
-    <mc:Fallback>
+    <mc:Fallback xmlns="">
       <p:transition spd="slow" advClick="0">
         <p:fade/>
       </p:transition>
@@ -12506,13 +8055,13 @@
   <p:clrMapOvr>
     <a:masterClrMapping/>
   </p:clrMapOvr>
-  <mc:AlternateContent xmlns:mc="http://schemas.openxmlformats.org/markup-compatibility/2006">
-    <mc:Choice xmlns:p159="http://schemas.microsoft.com/office/powerpoint/2015/09/main" Requires="p159">
+  <mc:AlternateContent xmlns:mc="http://schemas.openxmlformats.org/markup-compatibility/2006" xmlns:p159="http://schemas.microsoft.com/office/powerpoint/2015/09/main">
+    <mc:Choice Requires="p159">
       <p:transition spd="slow" advClick="0">
         <p159:morph option="byObject"/>
       </p:transition>
     </mc:Choice>
-    <mc:Fallback>
+    <mc:Fallback xmlns="">
       <p:transition spd="slow" advClick="0">
         <p:fade/>
       </p:transition>
@@ -12954,13 +8503,13 @@
   <p:clrMapOvr>
     <a:masterClrMapping/>
   </p:clrMapOvr>
-  <mc:AlternateContent xmlns:mc="http://schemas.openxmlformats.org/markup-compatibility/2006">
-    <mc:Choice xmlns:p159="http://schemas.microsoft.com/office/powerpoint/2015/09/main" Requires="p159">
+  <mc:AlternateContent xmlns:mc="http://schemas.openxmlformats.org/markup-compatibility/2006" xmlns:p159="http://schemas.microsoft.com/office/powerpoint/2015/09/main">
+    <mc:Choice Requires="p159">
       <p:transition spd="slow" advClick="0">
         <p159:morph option="byObject"/>
       </p:transition>
     </mc:Choice>
-    <mc:Fallback>
+    <mc:Fallback xmlns="">
       <p:transition spd="slow" advClick="0">
         <p:fade/>
       </p:transition>
@@ -13543,13 +9092,13 @@
   <p:clrMapOvr>
     <a:masterClrMapping/>
   </p:clrMapOvr>
-  <mc:AlternateContent xmlns:mc="http://schemas.openxmlformats.org/markup-compatibility/2006">
-    <mc:Choice xmlns:p159="http://schemas.microsoft.com/office/powerpoint/2015/09/main" Requires="p159">
+  <mc:AlternateContent xmlns:mc="http://schemas.openxmlformats.org/markup-compatibility/2006" xmlns:p159="http://schemas.microsoft.com/office/powerpoint/2015/09/main">
+    <mc:Choice Requires="p159">
       <p:transition spd="slow" advClick="0">
         <p159:morph option="byObject"/>
       </p:transition>
     </mc:Choice>
-    <mc:Fallback>
+    <mc:Fallback xmlns="">
       <p:transition spd="slow" advClick="0">
         <p:fade/>
       </p:transition>
@@ -14132,13 +9681,13 @@
   <p:clrMapOvr>
     <a:masterClrMapping/>
   </p:clrMapOvr>
-  <mc:AlternateContent xmlns:mc="http://schemas.openxmlformats.org/markup-compatibility/2006">
-    <mc:Choice xmlns:p159="http://schemas.microsoft.com/office/powerpoint/2015/09/main" Requires="p159">
+  <mc:AlternateContent xmlns:mc="http://schemas.openxmlformats.org/markup-compatibility/2006" xmlns:p159="http://schemas.microsoft.com/office/powerpoint/2015/09/main">
+    <mc:Choice Requires="p159">
       <p:transition spd="slow" advClick="0">
         <p159:morph option="byObject"/>
       </p:transition>
     </mc:Choice>
-    <mc:Fallback>
+    <mc:Fallback xmlns="">
       <p:transition spd="slow" advClick="0">
         <p:fade/>
       </p:transition>
@@ -14855,20 +10404,20 @@
     </p:spTree>
     <p:extLst>
       <p:ext uri="{BB962C8B-B14F-4D97-AF65-F5344CB8AC3E}">
-        <p14:creationId xmlns:p14="http://schemas.microsoft.com/office/powerpoint/2010/main" val="3901703106"/>
+        <p14:creationId xmlns:p14="http://schemas.microsoft.com/office/powerpoint/2010/main" val="227641495"/>
       </p:ext>
     </p:extLst>
   </p:cSld>
   <p:clrMapOvr>
     <a:masterClrMapping/>
   </p:clrMapOvr>
-  <mc:AlternateContent xmlns:mc="http://schemas.openxmlformats.org/markup-compatibility/2006">
-    <mc:Choice xmlns:p159="http://schemas.microsoft.com/office/powerpoint/2015/09/main" Requires="p159">
+  <mc:AlternateContent xmlns:mc="http://schemas.openxmlformats.org/markup-compatibility/2006" xmlns:p159="http://schemas.microsoft.com/office/powerpoint/2015/09/main">
+    <mc:Choice Requires="p159">
       <p:transition spd="slow" advClick="0">
         <p159:morph option="byObject"/>
       </p:transition>
     </mc:Choice>
-    <mc:Fallback>
+    <mc:Fallback xmlns="">
       <p:transition spd="slow" advClick="0">
         <p:fade/>
       </p:transition>
@@ -15592,13 +11141,13 @@
   <p:clrMapOvr>
     <a:masterClrMapping/>
   </p:clrMapOvr>
-  <mc:AlternateContent xmlns:mc="http://schemas.openxmlformats.org/markup-compatibility/2006">
-    <mc:Choice xmlns:p159="http://schemas.microsoft.com/office/powerpoint/2015/09/main" Requires="p159">
+  <mc:AlternateContent xmlns:mc="http://schemas.openxmlformats.org/markup-compatibility/2006" xmlns:p159="http://schemas.microsoft.com/office/powerpoint/2015/09/main">
+    <mc:Choice Requires="p159">
       <p:transition spd="slow" advClick="0">
         <p159:morph option="byObject"/>
       </p:transition>
     </mc:Choice>
-    <mc:Fallback>
+    <mc:Fallback xmlns="">
       <p:transition spd="slow" advClick="0">
         <p:fade/>
       </p:transition>

--- a/operating_system/ghOSt/ghOSt.pptx
+++ b/operating_system/ghOSt/ghOSt.pptx
@@ -18,6 +18,13 @@
     <p:sldId id="271" r:id="rId12"/>
     <p:sldId id="279" r:id="rId13"/>
     <p:sldId id="278" r:id="rId14"/>
+    <p:sldId id="280" r:id="rId15"/>
+    <p:sldId id="281" r:id="rId16"/>
+    <p:sldId id="282" r:id="rId17"/>
+    <p:sldId id="283" r:id="rId18"/>
+    <p:sldId id="284" r:id="rId19"/>
+    <p:sldId id="285" r:id="rId20"/>
+    <p:sldId id="286" r:id="rId21"/>
   </p:sldIdLst>
   <p:sldSz cx="12192000" cy="6858000"/>
   <p:notesSz cx="6858000" cy="9144000"/>
@@ -7172,8 +7179,8 @@
         </p:nvSpPr>
         <p:spPr>
           <a:xfrm>
-            <a:off x="3975736" y="4213777"/>
-            <a:ext cx="5038928" cy="954107"/>
+            <a:off x="1988877" y="4282791"/>
+            <a:ext cx="8214246" cy="1384995"/>
           </a:xfrm>
           <a:prstGeom prst="rect">
             <a:avLst/>
@@ -7191,7 +7198,7 @@
               <a:rPr kumimoji="1" lang="en-US" altLang="ko-Kore-KR" sz="2800">
                 <a:cs typeface="Microsoft Himalaya" pitchFamily="2" charset="0"/>
               </a:rPr>
-              <a:t>But… is this a new insight the ghOSt want to tell us? </a:t>
+              <a:t>Fundamentally, the ghOSt relaxes restrictions in terms of CPU virtualization, expanding user’s development design freedom</a:t>
             </a:r>
             <a:endParaRPr kumimoji="1" lang="ko-Kore-KR" altLang="en-US" sz="2800">
               <a:cs typeface="Microsoft Himalaya" pitchFamily="2" charset="0"/>
@@ -7213,8 +7220,8 @@
         </p:nvSpPr>
         <p:spPr>
           <a:xfrm>
-            <a:off x="2527937" y="3982278"/>
-            <a:ext cx="8103704" cy="1417106"/>
+            <a:off x="1371310" y="3655274"/>
+            <a:ext cx="9637823" cy="2648636"/>
           </a:xfrm>
           <a:prstGeom prst="ellipse">
             <a:avLst/>
@@ -7269,8 +7276,8 @@
         </p:nvCxnSpPr>
         <p:spPr>
           <a:xfrm rot="16200000" flipH="1">
-            <a:off x="4820849" y="2223337"/>
-            <a:ext cx="882145" cy="2635735"/>
+            <a:off x="4789568" y="2254619"/>
+            <a:ext cx="555141" cy="2246168"/>
           </a:xfrm>
           <a:prstGeom prst="curvedConnector3">
             <a:avLst>
@@ -7323,6 +7330,7678 @@
 </p:sld>
 </file>
 
+<file path=ppt/slides/slide14.xml><?xml version="1.0" encoding="utf-8"?>
+<p:sld xmlns:a="http://schemas.openxmlformats.org/drawingml/2006/main" xmlns:r="http://schemas.openxmlformats.org/officeDocument/2006/relationships" xmlns:p="http://schemas.openxmlformats.org/presentationml/2006/main">
+  <p:cSld>
+    <p:spTree>
+      <p:nvGrpSpPr>
+        <p:cNvPr id="1" name=""/>
+        <p:cNvGrpSpPr/>
+        <p:nvPr/>
+      </p:nvGrpSpPr>
+      <p:grpSpPr>
+        <a:xfrm>
+          <a:off x="0" y="0"/>
+          <a:ext cx="0" cy="0"/>
+          <a:chOff x="0" y="0"/>
+          <a:chExt cx="0" cy="0"/>
+        </a:xfrm>
+      </p:grpSpPr>
+      <p:sp>
+        <p:nvSpPr>
+          <p:cNvPr id="7" name="TextBox 6">
+            <a:extLst>
+              <a:ext uri="{FF2B5EF4-FFF2-40B4-BE49-F238E27FC236}">
+                <a16:creationId xmlns:a16="http://schemas.microsoft.com/office/drawing/2014/main" id="{7432CD06-269D-8519-0178-61F8107F3434}"/>
+              </a:ext>
+            </a:extLst>
+          </p:cNvPr>
+          <p:cNvSpPr txBox="1"/>
+          <p:nvPr/>
+        </p:nvSpPr>
+        <p:spPr>
+          <a:xfrm>
+            <a:off x="-13038277" y="-11704310"/>
+            <a:ext cx="6649080" cy="523220"/>
+          </a:xfrm>
+          <a:prstGeom prst="rect">
+            <a:avLst/>
+          </a:prstGeom>
+          <a:noFill/>
+        </p:spPr>
+        <p:txBody>
+          <a:bodyPr wrap="square" rtlCol="0">
+            <a:spAutoFit/>
+          </a:bodyPr>
+          <a:lstStyle/>
+          <a:p>
+            <a:pPr algn="ctr"/>
+            <a:r>
+              <a:rPr kumimoji="1" lang="en-US" altLang="ko-Kore-KR" sz="2800">
+                <a:ea typeface="Microsoft Himalaya" pitchFamily="2" charset="0"/>
+                <a:cs typeface="Microsoft Himalaya" pitchFamily="2" charset="0"/>
+              </a:rPr>
+              <a:t>What is a purpose of the paper?</a:t>
+            </a:r>
+            <a:endParaRPr kumimoji="1" lang="ko-Kore-KR" altLang="en-US" sz="2800">
+              <a:solidFill>
+                <a:schemeClr val="bg1">
+                  <a:alpha val="0"/>
+                </a:schemeClr>
+              </a:solidFill>
+              <a:cs typeface="Microsoft Himalaya" pitchFamily="2" charset="0"/>
+            </a:endParaRPr>
+          </a:p>
+        </p:txBody>
+      </p:sp>
+      <p:sp>
+        <p:nvSpPr>
+          <p:cNvPr id="6" name="타원 5">
+            <a:extLst>
+              <a:ext uri="{FF2B5EF4-FFF2-40B4-BE49-F238E27FC236}">
+                <a16:creationId xmlns:a16="http://schemas.microsoft.com/office/drawing/2014/main" id="{2EE2381A-BA90-6CCC-E30D-9B8CB7883D9B}"/>
+              </a:ext>
+            </a:extLst>
+          </p:cNvPr>
+          <p:cNvSpPr/>
+          <p:nvPr/>
+        </p:nvSpPr>
+        <p:spPr>
+          <a:xfrm>
+            <a:off x="-12512048" y="-12370175"/>
+            <a:ext cx="5416902" cy="1895475"/>
+          </a:xfrm>
+          <a:prstGeom prst="ellipse">
+            <a:avLst/>
+          </a:prstGeom>
+          <a:noFill/>
+          <a:ln w="19050">
+            <a:solidFill>
+              <a:schemeClr val="tx1"/>
+            </a:solidFill>
+          </a:ln>
+        </p:spPr>
+        <p:style>
+          <a:lnRef idx="2">
+            <a:schemeClr val="accent1">
+              <a:shade val="15000"/>
+            </a:schemeClr>
+          </a:lnRef>
+          <a:fillRef idx="1">
+            <a:schemeClr val="accent1"/>
+          </a:fillRef>
+          <a:effectRef idx="0">
+            <a:schemeClr val="accent1"/>
+          </a:effectRef>
+          <a:fontRef idx="minor">
+            <a:schemeClr val="lt1"/>
+          </a:fontRef>
+        </p:style>
+        <p:txBody>
+          <a:bodyPr rtlCol="0" anchor="ctr"/>
+          <a:lstStyle/>
+          <a:p>
+            <a:pPr algn="ctr"/>
+            <a:endParaRPr kumimoji="1" lang="ko-Kore-KR" altLang="en-US"/>
+          </a:p>
+        </p:txBody>
+      </p:sp>
+      <p:sp>
+        <p:nvSpPr>
+          <p:cNvPr id="2" name="타원 1">
+            <a:extLst>
+              <a:ext uri="{FF2B5EF4-FFF2-40B4-BE49-F238E27FC236}">
+                <a16:creationId xmlns:a16="http://schemas.microsoft.com/office/drawing/2014/main" id="{3537091F-D64C-D90A-CCA1-057FC775DC84}"/>
+              </a:ext>
+            </a:extLst>
+          </p:cNvPr>
+          <p:cNvSpPr/>
+          <p:nvPr/>
+        </p:nvSpPr>
+        <p:spPr>
+          <a:xfrm>
+            <a:off x="-16944918" y="-16500084"/>
+            <a:ext cx="3470478" cy="3347761"/>
+          </a:xfrm>
+          <a:prstGeom prst="ellipse">
+            <a:avLst/>
+          </a:prstGeom>
+          <a:noFill/>
+          <a:ln w="19050">
+            <a:solidFill>
+              <a:schemeClr val="tx1"/>
+            </a:solidFill>
+          </a:ln>
+        </p:spPr>
+        <p:style>
+          <a:lnRef idx="2">
+            <a:schemeClr val="accent1">
+              <a:shade val="15000"/>
+            </a:schemeClr>
+          </a:lnRef>
+          <a:fillRef idx="1">
+            <a:schemeClr val="accent1"/>
+          </a:fillRef>
+          <a:effectRef idx="0">
+            <a:schemeClr val="accent1"/>
+          </a:effectRef>
+          <a:fontRef idx="minor">
+            <a:schemeClr val="lt1"/>
+          </a:fontRef>
+        </p:style>
+        <p:txBody>
+          <a:bodyPr rtlCol="0" anchor="ctr"/>
+          <a:lstStyle/>
+          <a:p>
+            <a:pPr algn="ctr"/>
+            <a:endParaRPr kumimoji="1" lang="ko-Kore-KR" altLang="en-US"/>
+          </a:p>
+        </p:txBody>
+      </p:sp>
+      <p:cxnSp>
+        <p:nvCxnSpPr>
+          <p:cNvPr id="14" name="구부러진 연결선[U] 13">
+            <a:extLst>
+              <a:ext uri="{FF2B5EF4-FFF2-40B4-BE49-F238E27FC236}">
+                <a16:creationId xmlns:a16="http://schemas.microsoft.com/office/drawing/2014/main" id="{2B954181-AE35-70DB-E680-6B87963413D4}"/>
+              </a:ext>
+            </a:extLst>
+          </p:cNvPr>
+          <p:cNvCxnSpPr>
+            <a:cxnSpLocks/>
+            <a:stCxn id="2" idx="5"/>
+            <a:endCxn id="6" idx="2"/>
+          </p:cNvCxnSpPr>
+          <p:nvPr/>
+        </p:nvCxnSpPr>
+        <p:spPr>
+          <a:xfrm rot="16200000" flipH="1">
+            <a:off x="-14357441" y="-13267830"/>
+            <a:ext cx="2220154" cy="1470632"/>
+          </a:xfrm>
+          <a:prstGeom prst="curvedConnector2">
+            <a:avLst/>
+          </a:prstGeom>
+          <a:ln w="12700">
+            <a:solidFill>
+              <a:schemeClr val="tx1"/>
+            </a:solidFill>
+          </a:ln>
+        </p:spPr>
+        <p:style>
+          <a:lnRef idx="1">
+            <a:schemeClr val="accent1"/>
+          </a:lnRef>
+          <a:fillRef idx="0">
+            <a:schemeClr val="accent1"/>
+          </a:fillRef>
+          <a:effectRef idx="0">
+            <a:schemeClr val="accent1"/>
+          </a:effectRef>
+          <a:fontRef idx="minor">
+            <a:schemeClr val="tx1"/>
+          </a:fontRef>
+        </p:style>
+      </p:cxnSp>
+      <p:sp>
+        <p:nvSpPr>
+          <p:cNvPr id="25" name="TextBox 24">
+            <a:extLst>
+              <a:ext uri="{FF2B5EF4-FFF2-40B4-BE49-F238E27FC236}">
+                <a16:creationId xmlns:a16="http://schemas.microsoft.com/office/drawing/2014/main" id="{758AC1A2-CDC9-B7E3-EBE8-BCC2D5E5D2B1}"/>
+              </a:ext>
+            </a:extLst>
+          </p:cNvPr>
+          <p:cNvSpPr txBox="1"/>
+          <p:nvPr/>
+        </p:nvSpPr>
+        <p:spPr>
+          <a:xfrm>
+            <a:off x="-16542221" y="-14475762"/>
+            <a:ext cx="9015787" cy="1323439"/>
+          </a:xfrm>
+          <a:prstGeom prst="rect">
+            <a:avLst/>
+          </a:prstGeom>
+          <a:noFill/>
+        </p:spPr>
+        <p:txBody>
+          <a:bodyPr wrap="square" rtlCol="0">
+            <a:spAutoFit/>
+          </a:bodyPr>
+          <a:lstStyle/>
+          <a:p>
+            <a:pPr algn="ctr"/>
+            <a:r>
+              <a:rPr kumimoji="1" lang="en-US" altLang="ko-Kore-KR" sz="4000">
+                <a:ea typeface="Microsoft Himalaya" pitchFamily="2" charset="0"/>
+                <a:cs typeface="Microsoft Himalaya" pitchFamily="2" charset="0"/>
+              </a:rPr>
+              <a:t>ghOSt</a:t>
+            </a:r>
+            <a:r>
+              <a:rPr kumimoji="1" lang="en-US" altLang="ko-Kore-KR" sz="4000">
+                <a:solidFill>
+                  <a:schemeClr val="bg1">
+                    <a:alpha val="0"/>
+                  </a:schemeClr>
+                </a:solidFill>
+                <a:ea typeface="Microsoft Himalaya" pitchFamily="2" charset="0"/>
+                <a:cs typeface="Microsoft Himalaya" pitchFamily="2" charset="0"/>
+              </a:rPr>
+              <a:t>: Fast &amp; Flexible User-space Delegation of Linux Scheduling </a:t>
+            </a:r>
+            <a:endParaRPr kumimoji="1" lang="ko-Kore-KR" altLang="en-US" sz="4000">
+              <a:solidFill>
+                <a:schemeClr val="bg1">
+                  <a:alpha val="0"/>
+                </a:schemeClr>
+              </a:solidFill>
+              <a:cs typeface="Microsoft Himalaya" pitchFamily="2" charset="0"/>
+            </a:endParaRPr>
+          </a:p>
+        </p:txBody>
+      </p:sp>
+      <p:sp>
+        <p:nvSpPr>
+          <p:cNvPr id="5" name="TextBox 4">
+            <a:extLst>
+              <a:ext uri="{FF2B5EF4-FFF2-40B4-BE49-F238E27FC236}">
+                <a16:creationId xmlns:a16="http://schemas.microsoft.com/office/drawing/2014/main" id="{6654DD5B-363D-007E-134A-CB95D8023FE8}"/>
+              </a:ext>
+            </a:extLst>
+          </p:cNvPr>
+          <p:cNvSpPr txBox="1"/>
+          <p:nvPr/>
+        </p:nvSpPr>
+        <p:spPr>
+          <a:xfrm>
+            <a:off x="-10062416" y="-9477371"/>
+            <a:ext cx="6649080" cy="954107"/>
+          </a:xfrm>
+          <a:prstGeom prst="rect">
+            <a:avLst/>
+          </a:prstGeom>
+          <a:noFill/>
+        </p:spPr>
+        <p:txBody>
+          <a:bodyPr wrap="square" rtlCol="0">
+            <a:spAutoFit/>
+          </a:bodyPr>
+          <a:lstStyle/>
+          <a:p>
+            <a:pPr algn="ctr"/>
+            <a:r>
+              <a:rPr kumimoji="1" lang="en-US" altLang="ko-Kore-KR" sz="2800">
+                <a:ea typeface="Microsoft Himalaya" pitchFamily="2" charset="0"/>
+                <a:cs typeface="Microsoft Himalaya" pitchFamily="2" charset="0"/>
+              </a:rPr>
+              <a:t>Delegating kernel scheduling</a:t>
+            </a:r>
+          </a:p>
+          <a:p>
+            <a:pPr algn="ctr"/>
+            <a:r>
+              <a:rPr kumimoji="1" lang="en-US" altLang="ko-Kore-KR" sz="2800">
+                <a:ea typeface="Microsoft Himalaya" pitchFamily="2" charset="0"/>
+                <a:cs typeface="Microsoft Himalaya" pitchFamily="2" charset="0"/>
+              </a:rPr>
+              <a:t>to userspace code </a:t>
+            </a:r>
+            <a:endParaRPr kumimoji="1" lang="ko-Kore-KR" altLang="en-US" sz="2800">
+              <a:cs typeface="Microsoft Himalaya" pitchFamily="2" charset="0"/>
+            </a:endParaRPr>
+          </a:p>
+        </p:txBody>
+      </p:sp>
+      <p:sp>
+        <p:nvSpPr>
+          <p:cNvPr id="8" name="타원 7">
+            <a:extLst>
+              <a:ext uri="{FF2B5EF4-FFF2-40B4-BE49-F238E27FC236}">
+                <a16:creationId xmlns:a16="http://schemas.microsoft.com/office/drawing/2014/main" id="{CCA7A6FF-A5C1-EE13-DAB5-2A47607E4AA0}"/>
+              </a:ext>
+            </a:extLst>
+          </p:cNvPr>
+          <p:cNvSpPr/>
+          <p:nvPr/>
+        </p:nvSpPr>
+        <p:spPr>
+          <a:xfrm>
+            <a:off x="-9446327" y="-9954162"/>
+            <a:ext cx="5416902" cy="1895475"/>
+          </a:xfrm>
+          <a:prstGeom prst="ellipse">
+            <a:avLst/>
+          </a:prstGeom>
+          <a:noFill/>
+          <a:ln w="19050">
+            <a:solidFill>
+              <a:schemeClr val="tx1"/>
+            </a:solidFill>
+          </a:ln>
+        </p:spPr>
+        <p:style>
+          <a:lnRef idx="2">
+            <a:schemeClr val="accent1">
+              <a:shade val="15000"/>
+            </a:schemeClr>
+          </a:lnRef>
+          <a:fillRef idx="1">
+            <a:schemeClr val="accent1"/>
+          </a:fillRef>
+          <a:effectRef idx="0">
+            <a:schemeClr val="accent1"/>
+          </a:effectRef>
+          <a:fontRef idx="minor">
+            <a:schemeClr val="lt1"/>
+          </a:fontRef>
+        </p:style>
+        <p:txBody>
+          <a:bodyPr rtlCol="0" anchor="ctr"/>
+          <a:lstStyle/>
+          <a:p>
+            <a:pPr algn="ctr"/>
+            <a:endParaRPr kumimoji="1" lang="ko-Kore-KR" altLang="en-US"/>
+          </a:p>
+        </p:txBody>
+      </p:sp>
+      <p:cxnSp>
+        <p:nvCxnSpPr>
+          <p:cNvPr id="9" name="구부러진 연결선[U] 8">
+            <a:extLst>
+              <a:ext uri="{FF2B5EF4-FFF2-40B4-BE49-F238E27FC236}">
+                <a16:creationId xmlns:a16="http://schemas.microsoft.com/office/drawing/2014/main" id="{068EEA84-621C-4582-DC0F-D62A6F3062A3}"/>
+              </a:ext>
+            </a:extLst>
+          </p:cNvPr>
+          <p:cNvCxnSpPr>
+            <a:cxnSpLocks/>
+            <a:stCxn id="6" idx="4"/>
+            <a:endCxn id="8" idx="1"/>
+          </p:cNvCxnSpPr>
+          <p:nvPr/>
+        </p:nvCxnSpPr>
+        <p:spPr>
+          <a:xfrm rot="16200000" flipH="1">
+            <a:off x="-9627381" y="-10650917"/>
+            <a:ext cx="798124" cy="1150557"/>
+          </a:xfrm>
+          <a:prstGeom prst="curvedConnector3">
+            <a:avLst>
+              <a:gd name="adj1" fmla="val 50000"/>
+            </a:avLst>
+          </a:prstGeom>
+          <a:ln w="12700">
+            <a:solidFill>
+              <a:schemeClr val="tx1"/>
+            </a:solidFill>
+          </a:ln>
+        </p:spPr>
+        <p:style>
+          <a:lnRef idx="1">
+            <a:schemeClr val="accent1"/>
+          </a:lnRef>
+          <a:fillRef idx="0">
+            <a:schemeClr val="accent1"/>
+          </a:fillRef>
+          <a:effectRef idx="0">
+            <a:schemeClr val="accent1"/>
+          </a:effectRef>
+          <a:fontRef idx="minor">
+            <a:schemeClr val="tx1"/>
+          </a:fontRef>
+        </p:style>
+      </p:cxnSp>
+      <p:cxnSp>
+        <p:nvCxnSpPr>
+          <p:cNvPr id="3" name="구부러진 연결선[U] 2">
+            <a:extLst>
+              <a:ext uri="{FF2B5EF4-FFF2-40B4-BE49-F238E27FC236}">
+                <a16:creationId xmlns:a16="http://schemas.microsoft.com/office/drawing/2014/main" id="{AC3F9A48-1A19-F6C7-B3C2-CDA39B862C08}"/>
+              </a:ext>
+            </a:extLst>
+          </p:cNvPr>
+          <p:cNvCxnSpPr>
+            <a:cxnSpLocks/>
+            <a:stCxn id="8" idx="4"/>
+            <a:endCxn id="11" idx="1"/>
+          </p:cNvCxnSpPr>
+          <p:nvPr/>
+        </p:nvCxnSpPr>
+        <p:spPr>
+          <a:xfrm rot="16200000" flipH="1">
+            <a:off x="-6532960" y="-8263604"/>
+            <a:ext cx="542943" cy="952775"/>
+          </a:xfrm>
+          <a:prstGeom prst="curvedConnector3">
+            <a:avLst>
+              <a:gd name="adj1" fmla="val 50000"/>
+            </a:avLst>
+          </a:prstGeom>
+          <a:ln w="12700">
+            <a:solidFill>
+              <a:schemeClr val="tx1"/>
+            </a:solidFill>
+          </a:ln>
+        </p:spPr>
+        <p:style>
+          <a:lnRef idx="1">
+            <a:schemeClr val="accent1"/>
+          </a:lnRef>
+          <a:fillRef idx="0">
+            <a:schemeClr val="accent1"/>
+          </a:fillRef>
+          <a:effectRef idx="0">
+            <a:schemeClr val="accent1"/>
+          </a:effectRef>
+          <a:fontRef idx="minor">
+            <a:schemeClr val="tx1"/>
+          </a:fontRef>
+        </p:style>
+      </p:cxnSp>
+      <p:sp>
+        <p:nvSpPr>
+          <p:cNvPr id="10" name="TextBox 9">
+            <a:extLst>
+              <a:ext uri="{FF2B5EF4-FFF2-40B4-BE49-F238E27FC236}">
+                <a16:creationId xmlns:a16="http://schemas.microsoft.com/office/drawing/2014/main" id="{D2C2F8E5-4B8F-C384-0BD1-F8CC7DBBFE31}"/>
+              </a:ext>
+            </a:extLst>
+          </p:cNvPr>
+          <p:cNvSpPr txBox="1"/>
+          <p:nvPr/>
+        </p:nvSpPr>
+        <p:spPr>
+          <a:xfrm>
+            <a:off x="-4250333" y="-4667414"/>
+            <a:ext cx="7214942" cy="1384995"/>
+          </a:xfrm>
+          <a:prstGeom prst="rect">
+            <a:avLst/>
+          </a:prstGeom>
+          <a:noFill/>
+        </p:spPr>
+        <p:txBody>
+          <a:bodyPr wrap="square" rtlCol="0">
+            <a:spAutoFit/>
+          </a:bodyPr>
+          <a:lstStyle/>
+          <a:p>
+            <a:pPr algn="ctr"/>
+            <a:r>
+              <a:rPr kumimoji="1" lang="en-US" altLang="ko-Kore-KR" sz="2800">
+                <a:ea typeface="Microsoft Himalaya" pitchFamily="2" charset="0"/>
+                <a:cs typeface="Microsoft Himalaya" pitchFamily="2" charset="0"/>
+              </a:rPr>
+              <a:t>Because it means that applications can be implemented leveraging the powerful features of the kernel scheduler!!!</a:t>
+            </a:r>
+            <a:endParaRPr kumimoji="1" lang="ko-Kore-KR" altLang="en-US" sz="2800">
+              <a:cs typeface="Microsoft Himalaya" pitchFamily="2" charset="0"/>
+            </a:endParaRPr>
+          </a:p>
+        </p:txBody>
+      </p:sp>
+      <p:sp>
+        <p:nvSpPr>
+          <p:cNvPr id="11" name="타원 10">
+            <a:extLst>
+              <a:ext uri="{FF2B5EF4-FFF2-40B4-BE49-F238E27FC236}">
+                <a16:creationId xmlns:a16="http://schemas.microsoft.com/office/drawing/2014/main" id="{553EEAA2-6F2C-9BFD-E1DC-B64CC11A8B05}"/>
+              </a:ext>
+            </a:extLst>
+          </p:cNvPr>
+          <p:cNvSpPr/>
+          <p:nvPr/>
+        </p:nvSpPr>
+        <p:spPr>
+          <a:xfrm>
+            <a:off x="-6578388" y="-7793330"/>
+            <a:ext cx="5416902" cy="1895475"/>
+          </a:xfrm>
+          <a:prstGeom prst="ellipse">
+            <a:avLst/>
+          </a:prstGeom>
+          <a:noFill/>
+          <a:ln w="19050">
+            <a:solidFill>
+              <a:schemeClr val="tx1"/>
+            </a:solidFill>
+          </a:ln>
+        </p:spPr>
+        <p:style>
+          <a:lnRef idx="2">
+            <a:schemeClr val="accent1">
+              <a:shade val="15000"/>
+            </a:schemeClr>
+          </a:lnRef>
+          <a:fillRef idx="1">
+            <a:schemeClr val="accent1"/>
+          </a:fillRef>
+          <a:effectRef idx="0">
+            <a:schemeClr val="accent1"/>
+          </a:effectRef>
+          <a:fontRef idx="minor">
+            <a:schemeClr val="lt1"/>
+          </a:fontRef>
+        </p:style>
+        <p:txBody>
+          <a:bodyPr rtlCol="0" anchor="ctr"/>
+          <a:lstStyle/>
+          <a:p>
+            <a:pPr algn="ctr"/>
+            <a:endParaRPr kumimoji="1" lang="ko-Kore-KR" altLang="en-US"/>
+          </a:p>
+        </p:txBody>
+      </p:sp>
+      <p:sp>
+        <p:nvSpPr>
+          <p:cNvPr id="12" name="타원 11">
+            <a:extLst>
+              <a:ext uri="{FF2B5EF4-FFF2-40B4-BE49-F238E27FC236}">
+                <a16:creationId xmlns:a16="http://schemas.microsoft.com/office/drawing/2014/main" id="{98BE3455-7E7C-98E6-2F4D-8656076DB122}"/>
+              </a:ext>
+            </a:extLst>
+          </p:cNvPr>
+          <p:cNvSpPr/>
+          <p:nvPr/>
+        </p:nvSpPr>
+        <p:spPr>
+          <a:xfrm>
+            <a:off x="-4398115" y="-5231422"/>
+            <a:ext cx="7510506" cy="2356551"/>
+          </a:xfrm>
+          <a:prstGeom prst="ellipse">
+            <a:avLst/>
+          </a:prstGeom>
+          <a:noFill/>
+          <a:ln w="19050">
+            <a:solidFill>
+              <a:schemeClr val="tx1"/>
+            </a:solidFill>
+          </a:ln>
+        </p:spPr>
+        <p:style>
+          <a:lnRef idx="2">
+            <a:schemeClr val="accent1">
+              <a:shade val="15000"/>
+            </a:schemeClr>
+          </a:lnRef>
+          <a:fillRef idx="1">
+            <a:schemeClr val="accent1"/>
+          </a:fillRef>
+          <a:effectRef idx="0">
+            <a:schemeClr val="accent1"/>
+          </a:effectRef>
+          <a:fontRef idx="minor">
+            <a:schemeClr val="lt1"/>
+          </a:fontRef>
+        </p:style>
+        <p:txBody>
+          <a:bodyPr rtlCol="0" anchor="ctr"/>
+          <a:lstStyle/>
+          <a:p>
+            <a:pPr algn="ctr"/>
+            <a:endParaRPr kumimoji="1" lang="ko-Kore-KR" altLang="en-US"/>
+          </a:p>
+        </p:txBody>
+      </p:sp>
+      <p:cxnSp>
+        <p:nvCxnSpPr>
+          <p:cNvPr id="13" name="구부러진 연결선[U] 12">
+            <a:extLst>
+              <a:ext uri="{FF2B5EF4-FFF2-40B4-BE49-F238E27FC236}">
+                <a16:creationId xmlns:a16="http://schemas.microsoft.com/office/drawing/2014/main" id="{8D73709C-867B-5C3D-0744-BD01319122DC}"/>
+              </a:ext>
+            </a:extLst>
+          </p:cNvPr>
+          <p:cNvCxnSpPr>
+            <a:cxnSpLocks/>
+            <a:stCxn id="11" idx="4"/>
+            <a:endCxn id="12" idx="1"/>
+          </p:cNvCxnSpPr>
+          <p:nvPr/>
+        </p:nvCxnSpPr>
+        <p:spPr>
+          <a:xfrm rot="16200000" flipH="1">
+            <a:off x="-4089853" y="-5677939"/>
+            <a:ext cx="1011542" cy="571710"/>
+          </a:xfrm>
+          <a:prstGeom prst="curvedConnector3">
+            <a:avLst>
+              <a:gd name="adj1" fmla="val 50000"/>
+            </a:avLst>
+          </a:prstGeom>
+          <a:ln w="12700">
+            <a:solidFill>
+              <a:schemeClr val="tx1"/>
+            </a:solidFill>
+          </a:ln>
+        </p:spPr>
+        <p:style>
+          <a:lnRef idx="1">
+            <a:schemeClr val="accent1"/>
+          </a:lnRef>
+          <a:fillRef idx="0">
+            <a:schemeClr val="accent1"/>
+          </a:fillRef>
+          <a:effectRef idx="0">
+            <a:schemeClr val="accent1"/>
+          </a:effectRef>
+          <a:fontRef idx="minor">
+            <a:schemeClr val="tx1"/>
+          </a:fontRef>
+        </p:style>
+      </p:cxnSp>
+      <p:sp>
+        <p:nvSpPr>
+          <p:cNvPr id="17" name="TextBox 16">
+            <a:extLst>
+              <a:ext uri="{FF2B5EF4-FFF2-40B4-BE49-F238E27FC236}">
+                <a16:creationId xmlns:a16="http://schemas.microsoft.com/office/drawing/2014/main" id="{2461D2E0-27C3-B02E-68FA-2F27E0718AE4}"/>
+              </a:ext>
+            </a:extLst>
+          </p:cNvPr>
+          <p:cNvSpPr txBox="1"/>
+          <p:nvPr/>
+        </p:nvSpPr>
+        <p:spPr>
+          <a:xfrm>
+            <a:off x="-7353965" y="-7061358"/>
+            <a:ext cx="6649080" cy="523220"/>
+          </a:xfrm>
+          <a:prstGeom prst="rect">
+            <a:avLst/>
+          </a:prstGeom>
+          <a:noFill/>
+        </p:spPr>
+        <p:txBody>
+          <a:bodyPr wrap="square" rtlCol="0">
+            <a:spAutoFit/>
+          </a:bodyPr>
+          <a:lstStyle/>
+          <a:p>
+            <a:pPr algn="ctr"/>
+            <a:r>
+              <a:rPr kumimoji="1" lang="en-US" altLang="ko-Kore-KR" sz="2800">
+                <a:ea typeface="Microsoft Himalaya" pitchFamily="2" charset="0"/>
+                <a:cs typeface="Microsoft Himalaya" pitchFamily="2" charset="0"/>
+              </a:rPr>
+              <a:t>Why is that important?</a:t>
+            </a:r>
+            <a:endParaRPr kumimoji="1" lang="ko-Kore-KR" altLang="en-US" sz="2800">
+              <a:cs typeface="Microsoft Himalaya" pitchFamily="2" charset="0"/>
+            </a:endParaRPr>
+          </a:p>
+        </p:txBody>
+      </p:sp>
+      <p:sp>
+        <p:nvSpPr>
+          <p:cNvPr id="4" name="TextBox 3">
+            <a:extLst>
+              <a:ext uri="{FF2B5EF4-FFF2-40B4-BE49-F238E27FC236}">
+                <a16:creationId xmlns:a16="http://schemas.microsoft.com/office/drawing/2014/main" id="{09069384-6BDF-4AB8-9E82-55B8B48224F5}"/>
+              </a:ext>
+            </a:extLst>
+          </p:cNvPr>
+          <p:cNvSpPr txBox="1"/>
+          <p:nvPr/>
+        </p:nvSpPr>
+        <p:spPr>
+          <a:xfrm>
+            <a:off x="274043" y="-2085261"/>
+            <a:ext cx="7214942" cy="1384995"/>
+          </a:xfrm>
+          <a:prstGeom prst="rect">
+            <a:avLst/>
+          </a:prstGeom>
+          <a:noFill/>
+        </p:spPr>
+        <p:txBody>
+          <a:bodyPr wrap="square" rtlCol="0">
+            <a:spAutoFit/>
+          </a:bodyPr>
+          <a:lstStyle/>
+          <a:p>
+            <a:pPr algn="ctr"/>
+            <a:r>
+              <a:rPr kumimoji="1" lang="en-US" altLang="ko-Kore-KR" sz="2800">
+                <a:cs typeface="Microsoft Himalaya" pitchFamily="2" charset="0"/>
+              </a:rPr>
+              <a:t>Also, scheduling designs that were previously </a:t>
+            </a:r>
+            <a:r>
+              <a:rPr kumimoji="1" lang="en-US" altLang="ko-KR" sz="2800">
+                <a:cs typeface="Microsoft Himalaya" pitchFamily="2" charset="0"/>
+              </a:rPr>
+              <a:t>unused because they did not fit into the general kernel </a:t>
+            </a:r>
+            <a:r>
+              <a:rPr kumimoji="1" lang="en-US" altLang="ko-Kore-KR" sz="2800">
+                <a:cs typeface="Microsoft Himalaya" pitchFamily="2" charset="0"/>
+              </a:rPr>
+              <a:t>can be used in the userspace!!</a:t>
+            </a:r>
+            <a:endParaRPr kumimoji="1" lang="ko-Kore-KR" altLang="en-US" sz="2800">
+              <a:cs typeface="Microsoft Himalaya" pitchFamily="2" charset="0"/>
+            </a:endParaRPr>
+          </a:p>
+        </p:txBody>
+      </p:sp>
+      <p:cxnSp>
+        <p:nvCxnSpPr>
+          <p:cNvPr id="15" name="구부러진 연결선[U] 14">
+            <a:extLst>
+              <a:ext uri="{FF2B5EF4-FFF2-40B4-BE49-F238E27FC236}">
+                <a16:creationId xmlns:a16="http://schemas.microsoft.com/office/drawing/2014/main" id="{86EB4F29-36E1-ABFE-5C78-E34AEC8E26C2}"/>
+              </a:ext>
+            </a:extLst>
+          </p:cNvPr>
+          <p:cNvCxnSpPr>
+            <a:cxnSpLocks/>
+            <a:stCxn id="12" idx="5"/>
+            <a:endCxn id="16" idx="0"/>
+          </p:cNvCxnSpPr>
+          <p:nvPr/>
+        </p:nvCxnSpPr>
+        <p:spPr>
+          <a:xfrm rot="16200000" flipH="1">
+            <a:off x="2680383" y="-3887861"/>
+            <a:ext cx="501569" cy="1837329"/>
+          </a:xfrm>
+          <a:prstGeom prst="curvedConnector3">
+            <a:avLst>
+              <a:gd name="adj1" fmla="val 50000"/>
+            </a:avLst>
+          </a:prstGeom>
+          <a:ln w="12700">
+            <a:solidFill>
+              <a:schemeClr val="tx1"/>
+            </a:solidFill>
+          </a:ln>
+        </p:spPr>
+        <p:style>
+          <a:lnRef idx="1">
+            <a:schemeClr val="accent1"/>
+          </a:lnRef>
+          <a:fillRef idx="0">
+            <a:schemeClr val="accent1"/>
+          </a:fillRef>
+          <a:effectRef idx="0">
+            <a:schemeClr val="accent1"/>
+          </a:effectRef>
+          <a:fontRef idx="minor">
+            <a:schemeClr val="tx1"/>
+          </a:fontRef>
+        </p:style>
+      </p:cxnSp>
+      <p:sp>
+        <p:nvSpPr>
+          <p:cNvPr id="16" name="타원 15">
+            <a:extLst>
+              <a:ext uri="{FF2B5EF4-FFF2-40B4-BE49-F238E27FC236}">
+                <a16:creationId xmlns:a16="http://schemas.microsoft.com/office/drawing/2014/main" id="{C2E7E2C8-45E7-5C28-C930-10DEF0105BBC}"/>
+              </a:ext>
+            </a:extLst>
+          </p:cNvPr>
+          <p:cNvSpPr/>
+          <p:nvPr/>
+        </p:nvSpPr>
+        <p:spPr>
+          <a:xfrm>
+            <a:off x="-94222" y="-2718411"/>
+            <a:ext cx="7888107" cy="2599856"/>
+          </a:xfrm>
+          <a:prstGeom prst="ellipse">
+            <a:avLst/>
+          </a:prstGeom>
+          <a:noFill/>
+          <a:ln w="19050">
+            <a:solidFill>
+              <a:schemeClr val="tx1"/>
+            </a:solidFill>
+          </a:ln>
+        </p:spPr>
+        <p:style>
+          <a:lnRef idx="2">
+            <a:schemeClr val="accent1">
+              <a:shade val="15000"/>
+            </a:schemeClr>
+          </a:lnRef>
+          <a:fillRef idx="1">
+            <a:schemeClr val="accent1"/>
+          </a:fillRef>
+          <a:effectRef idx="0">
+            <a:schemeClr val="accent1"/>
+          </a:effectRef>
+          <a:fontRef idx="minor">
+            <a:schemeClr val="lt1"/>
+          </a:fontRef>
+        </p:style>
+        <p:txBody>
+          <a:bodyPr rtlCol="0" anchor="ctr"/>
+          <a:lstStyle/>
+          <a:p>
+            <a:pPr algn="ctr"/>
+            <a:endParaRPr kumimoji="1" lang="ko-Kore-KR" altLang="en-US"/>
+          </a:p>
+        </p:txBody>
+      </p:sp>
+      <p:sp>
+        <p:nvSpPr>
+          <p:cNvPr id="18" name="TextBox 17">
+            <a:extLst>
+              <a:ext uri="{FF2B5EF4-FFF2-40B4-BE49-F238E27FC236}">
+                <a16:creationId xmlns:a16="http://schemas.microsoft.com/office/drawing/2014/main" id="{4EF28DD6-7793-8D9A-044F-B978D4AF4B34}"/>
+              </a:ext>
+            </a:extLst>
+          </p:cNvPr>
+          <p:cNvSpPr txBox="1"/>
+          <p:nvPr/>
+        </p:nvSpPr>
+        <p:spPr>
+          <a:xfrm>
+            <a:off x="1894655" y="1064103"/>
+            <a:ext cx="8214246" cy="1384995"/>
+          </a:xfrm>
+          <a:prstGeom prst="rect">
+            <a:avLst/>
+          </a:prstGeom>
+          <a:noFill/>
+        </p:spPr>
+        <p:txBody>
+          <a:bodyPr wrap="square" rtlCol="0">
+            <a:spAutoFit/>
+          </a:bodyPr>
+          <a:lstStyle/>
+          <a:p>
+            <a:pPr algn="ctr"/>
+            <a:r>
+              <a:rPr kumimoji="1" lang="en-US" altLang="ko-Kore-KR" sz="2800">
+                <a:cs typeface="Microsoft Himalaya" pitchFamily="2" charset="0"/>
+              </a:rPr>
+              <a:t>Fundamentally, the ghOSt relaxes restrictions in terms of CPU virtualization, expanding user’s development design freedom</a:t>
+            </a:r>
+            <a:endParaRPr kumimoji="1" lang="ko-Kore-KR" altLang="en-US" sz="2800">
+              <a:cs typeface="Microsoft Himalaya" pitchFamily="2" charset="0"/>
+            </a:endParaRPr>
+          </a:p>
+        </p:txBody>
+      </p:sp>
+      <p:sp>
+        <p:nvSpPr>
+          <p:cNvPr id="19" name="타원 18">
+            <a:extLst>
+              <a:ext uri="{FF2B5EF4-FFF2-40B4-BE49-F238E27FC236}">
+                <a16:creationId xmlns:a16="http://schemas.microsoft.com/office/drawing/2014/main" id="{FA0DF77A-7B58-7DE1-8A3E-0A5DA271ECE9}"/>
+              </a:ext>
+            </a:extLst>
+          </p:cNvPr>
+          <p:cNvSpPr/>
+          <p:nvPr/>
+        </p:nvSpPr>
+        <p:spPr>
+          <a:xfrm>
+            <a:off x="1277088" y="436586"/>
+            <a:ext cx="9637823" cy="2648636"/>
+          </a:xfrm>
+          <a:prstGeom prst="ellipse">
+            <a:avLst/>
+          </a:prstGeom>
+          <a:noFill/>
+          <a:ln w="19050">
+            <a:solidFill>
+              <a:schemeClr val="tx1"/>
+            </a:solidFill>
+          </a:ln>
+        </p:spPr>
+        <p:style>
+          <a:lnRef idx="2">
+            <a:schemeClr val="accent1">
+              <a:shade val="15000"/>
+            </a:schemeClr>
+          </a:lnRef>
+          <a:fillRef idx="1">
+            <a:schemeClr val="accent1"/>
+          </a:fillRef>
+          <a:effectRef idx="0">
+            <a:schemeClr val="accent1"/>
+          </a:effectRef>
+          <a:fontRef idx="minor">
+            <a:schemeClr val="lt1"/>
+          </a:fontRef>
+        </p:style>
+        <p:txBody>
+          <a:bodyPr rtlCol="0" anchor="ctr"/>
+          <a:lstStyle/>
+          <a:p>
+            <a:pPr algn="ctr"/>
+            <a:endParaRPr kumimoji="1" lang="ko-Kore-KR" altLang="en-US"/>
+          </a:p>
+        </p:txBody>
+      </p:sp>
+      <p:cxnSp>
+        <p:nvCxnSpPr>
+          <p:cNvPr id="20" name="구부러진 연결선[U] 19">
+            <a:extLst>
+              <a:ext uri="{FF2B5EF4-FFF2-40B4-BE49-F238E27FC236}">
+                <a16:creationId xmlns:a16="http://schemas.microsoft.com/office/drawing/2014/main" id="{19A5D647-6532-DA56-118D-A70386D6DBB1}"/>
+              </a:ext>
+            </a:extLst>
+          </p:cNvPr>
+          <p:cNvCxnSpPr>
+            <a:cxnSpLocks/>
+            <a:stCxn id="16" idx="4"/>
+            <a:endCxn id="19" idx="0"/>
+          </p:cNvCxnSpPr>
+          <p:nvPr/>
+        </p:nvCxnSpPr>
+        <p:spPr>
+          <a:xfrm rot="16200000" flipH="1">
+            <a:off x="4695346" y="-964069"/>
+            <a:ext cx="555141" cy="2246168"/>
+          </a:xfrm>
+          <a:prstGeom prst="curvedConnector3">
+            <a:avLst>
+              <a:gd name="adj1" fmla="val 50000"/>
+            </a:avLst>
+          </a:prstGeom>
+          <a:ln w="12700">
+            <a:solidFill>
+              <a:schemeClr val="tx1"/>
+            </a:solidFill>
+          </a:ln>
+        </p:spPr>
+        <p:style>
+          <a:lnRef idx="1">
+            <a:schemeClr val="accent1"/>
+          </a:lnRef>
+          <a:fillRef idx="0">
+            <a:schemeClr val="accent1"/>
+          </a:fillRef>
+          <a:effectRef idx="0">
+            <a:schemeClr val="accent1"/>
+          </a:effectRef>
+          <a:fontRef idx="minor">
+            <a:schemeClr val="tx1"/>
+          </a:fontRef>
+        </p:style>
+      </p:cxnSp>
+    </p:spTree>
+    <p:extLst>
+      <p:ext uri="{BB962C8B-B14F-4D97-AF65-F5344CB8AC3E}">
+        <p14:creationId xmlns:p14="http://schemas.microsoft.com/office/powerpoint/2010/main" val="3755001582"/>
+      </p:ext>
+    </p:extLst>
+  </p:cSld>
+  <p:clrMapOvr>
+    <a:masterClrMapping/>
+  </p:clrMapOvr>
+  <mc:AlternateContent xmlns:mc="http://schemas.openxmlformats.org/markup-compatibility/2006" xmlns:p159="http://schemas.microsoft.com/office/powerpoint/2015/09/main">
+    <mc:Choice Requires="p159">
+      <p:transition spd="slow" advClick="0">
+        <p159:morph option="byObject"/>
+      </p:transition>
+    </mc:Choice>
+    <mc:Fallback xmlns="">
+      <p:transition spd="slow" advClick="0">
+        <p:fade/>
+      </p:transition>
+    </mc:Fallback>
+  </mc:AlternateContent>
+</p:sld>
+</file>
+
+<file path=ppt/slides/slide15.xml><?xml version="1.0" encoding="utf-8"?>
+<p:sld xmlns:a="http://schemas.openxmlformats.org/drawingml/2006/main" xmlns:r="http://schemas.openxmlformats.org/officeDocument/2006/relationships" xmlns:p="http://schemas.openxmlformats.org/presentationml/2006/main">
+  <p:cSld>
+    <p:spTree>
+      <p:nvGrpSpPr>
+        <p:cNvPr id="1" name=""/>
+        <p:cNvGrpSpPr/>
+        <p:nvPr/>
+      </p:nvGrpSpPr>
+      <p:grpSpPr>
+        <a:xfrm>
+          <a:off x="0" y="0"/>
+          <a:ext cx="0" cy="0"/>
+          <a:chOff x="0" y="0"/>
+          <a:chExt cx="0" cy="0"/>
+        </a:xfrm>
+      </p:grpSpPr>
+      <p:sp>
+        <p:nvSpPr>
+          <p:cNvPr id="7" name="TextBox 6">
+            <a:extLst>
+              <a:ext uri="{FF2B5EF4-FFF2-40B4-BE49-F238E27FC236}">
+                <a16:creationId xmlns:a16="http://schemas.microsoft.com/office/drawing/2014/main" id="{7432CD06-269D-8519-0178-61F8107F3434}"/>
+              </a:ext>
+            </a:extLst>
+          </p:cNvPr>
+          <p:cNvSpPr txBox="1"/>
+          <p:nvPr/>
+        </p:nvSpPr>
+        <p:spPr>
+          <a:xfrm>
+            <a:off x="-13038277" y="-11704310"/>
+            <a:ext cx="6649080" cy="523220"/>
+          </a:xfrm>
+          <a:prstGeom prst="rect">
+            <a:avLst/>
+          </a:prstGeom>
+          <a:noFill/>
+        </p:spPr>
+        <p:txBody>
+          <a:bodyPr wrap="square" rtlCol="0">
+            <a:spAutoFit/>
+          </a:bodyPr>
+          <a:lstStyle/>
+          <a:p>
+            <a:pPr algn="ctr"/>
+            <a:r>
+              <a:rPr kumimoji="1" lang="en-US" altLang="ko-Kore-KR" sz="2800">
+                <a:ea typeface="Microsoft Himalaya" pitchFamily="2" charset="0"/>
+                <a:cs typeface="Microsoft Himalaya" pitchFamily="2" charset="0"/>
+              </a:rPr>
+              <a:t>What is a purpose of the paper?</a:t>
+            </a:r>
+            <a:endParaRPr kumimoji="1" lang="ko-Kore-KR" altLang="en-US" sz="2800">
+              <a:solidFill>
+                <a:schemeClr val="bg1">
+                  <a:alpha val="0"/>
+                </a:schemeClr>
+              </a:solidFill>
+              <a:cs typeface="Microsoft Himalaya" pitchFamily="2" charset="0"/>
+            </a:endParaRPr>
+          </a:p>
+        </p:txBody>
+      </p:sp>
+      <p:sp>
+        <p:nvSpPr>
+          <p:cNvPr id="6" name="타원 5">
+            <a:extLst>
+              <a:ext uri="{FF2B5EF4-FFF2-40B4-BE49-F238E27FC236}">
+                <a16:creationId xmlns:a16="http://schemas.microsoft.com/office/drawing/2014/main" id="{2EE2381A-BA90-6CCC-E30D-9B8CB7883D9B}"/>
+              </a:ext>
+            </a:extLst>
+          </p:cNvPr>
+          <p:cNvSpPr/>
+          <p:nvPr/>
+        </p:nvSpPr>
+        <p:spPr>
+          <a:xfrm>
+            <a:off x="-12512048" y="-12370175"/>
+            <a:ext cx="5416902" cy="1895475"/>
+          </a:xfrm>
+          <a:prstGeom prst="ellipse">
+            <a:avLst/>
+          </a:prstGeom>
+          <a:noFill/>
+          <a:ln w="19050">
+            <a:solidFill>
+              <a:schemeClr val="tx1"/>
+            </a:solidFill>
+          </a:ln>
+        </p:spPr>
+        <p:style>
+          <a:lnRef idx="2">
+            <a:schemeClr val="accent1">
+              <a:shade val="15000"/>
+            </a:schemeClr>
+          </a:lnRef>
+          <a:fillRef idx="1">
+            <a:schemeClr val="accent1"/>
+          </a:fillRef>
+          <a:effectRef idx="0">
+            <a:schemeClr val="accent1"/>
+          </a:effectRef>
+          <a:fontRef idx="minor">
+            <a:schemeClr val="lt1"/>
+          </a:fontRef>
+        </p:style>
+        <p:txBody>
+          <a:bodyPr rtlCol="0" anchor="ctr"/>
+          <a:lstStyle/>
+          <a:p>
+            <a:pPr algn="ctr"/>
+            <a:endParaRPr kumimoji="1" lang="ko-Kore-KR" altLang="en-US"/>
+          </a:p>
+        </p:txBody>
+      </p:sp>
+      <p:sp>
+        <p:nvSpPr>
+          <p:cNvPr id="2" name="타원 1">
+            <a:extLst>
+              <a:ext uri="{FF2B5EF4-FFF2-40B4-BE49-F238E27FC236}">
+                <a16:creationId xmlns:a16="http://schemas.microsoft.com/office/drawing/2014/main" id="{3537091F-D64C-D90A-CCA1-057FC775DC84}"/>
+              </a:ext>
+            </a:extLst>
+          </p:cNvPr>
+          <p:cNvSpPr/>
+          <p:nvPr/>
+        </p:nvSpPr>
+        <p:spPr>
+          <a:xfrm>
+            <a:off x="-16944918" y="-16500084"/>
+            <a:ext cx="3470478" cy="3347761"/>
+          </a:xfrm>
+          <a:prstGeom prst="ellipse">
+            <a:avLst/>
+          </a:prstGeom>
+          <a:noFill/>
+          <a:ln w="19050">
+            <a:solidFill>
+              <a:schemeClr val="tx1"/>
+            </a:solidFill>
+          </a:ln>
+        </p:spPr>
+        <p:style>
+          <a:lnRef idx="2">
+            <a:schemeClr val="accent1">
+              <a:shade val="15000"/>
+            </a:schemeClr>
+          </a:lnRef>
+          <a:fillRef idx="1">
+            <a:schemeClr val="accent1"/>
+          </a:fillRef>
+          <a:effectRef idx="0">
+            <a:schemeClr val="accent1"/>
+          </a:effectRef>
+          <a:fontRef idx="minor">
+            <a:schemeClr val="lt1"/>
+          </a:fontRef>
+        </p:style>
+        <p:txBody>
+          <a:bodyPr rtlCol="0" anchor="ctr"/>
+          <a:lstStyle/>
+          <a:p>
+            <a:pPr algn="ctr"/>
+            <a:endParaRPr kumimoji="1" lang="ko-Kore-KR" altLang="en-US"/>
+          </a:p>
+        </p:txBody>
+      </p:sp>
+      <p:cxnSp>
+        <p:nvCxnSpPr>
+          <p:cNvPr id="14" name="구부러진 연결선[U] 13">
+            <a:extLst>
+              <a:ext uri="{FF2B5EF4-FFF2-40B4-BE49-F238E27FC236}">
+                <a16:creationId xmlns:a16="http://schemas.microsoft.com/office/drawing/2014/main" id="{2B954181-AE35-70DB-E680-6B87963413D4}"/>
+              </a:ext>
+            </a:extLst>
+          </p:cNvPr>
+          <p:cNvCxnSpPr>
+            <a:cxnSpLocks/>
+            <a:stCxn id="2" idx="5"/>
+            <a:endCxn id="6" idx="2"/>
+          </p:cNvCxnSpPr>
+          <p:nvPr/>
+        </p:nvCxnSpPr>
+        <p:spPr>
+          <a:xfrm rot="16200000" flipH="1">
+            <a:off x="-14357441" y="-13267830"/>
+            <a:ext cx="2220154" cy="1470632"/>
+          </a:xfrm>
+          <a:prstGeom prst="curvedConnector2">
+            <a:avLst/>
+          </a:prstGeom>
+          <a:ln w="12700">
+            <a:solidFill>
+              <a:schemeClr val="tx1"/>
+            </a:solidFill>
+          </a:ln>
+        </p:spPr>
+        <p:style>
+          <a:lnRef idx="1">
+            <a:schemeClr val="accent1"/>
+          </a:lnRef>
+          <a:fillRef idx="0">
+            <a:schemeClr val="accent1"/>
+          </a:fillRef>
+          <a:effectRef idx="0">
+            <a:schemeClr val="accent1"/>
+          </a:effectRef>
+          <a:fontRef idx="minor">
+            <a:schemeClr val="tx1"/>
+          </a:fontRef>
+        </p:style>
+      </p:cxnSp>
+      <p:sp>
+        <p:nvSpPr>
+          <p:cNvPr id="25" name="TextBox 24">
+            <a:extLst>
+              <a:ext uri="{FF2B5EF4-FFF2-40B4-BE49-F238E27FC236}">
+                <a16:creationId xmlns:a16="http://schemas.microsoft.com/office/drawing/2014/main" id="{758AC1A2-CDC9-B7E3-EBE8-BCC2D5E5D2B1}"/>
+              </a:ext>
+            </a:extLst>
+          </p:cNvPr>
+          <p:cNvSpPr txBox="1"/>
+          <p:nvPr/>
+        </p:nvSpPr>
+        <p:spPr>
+          <a:xfrm>
+            <a:off x="-16542221" y="-14475762"/>
+            <a:ext cx="9015787" cy="1323439"/>
+          </a:xfrm>
+          <a:prstGeom prst="rect">
+            <a:avLst/>
+          </a:prstGeom>
+          <a:noFill/>
+        </p:spPr>
+        <p:txBody>
+          <a:bodyPr wrap="square" rtlCol="0">
+            <a:spAutoFit/>
+          </a:bodyPr>
+          <a:lstStyle/>
+          <a:p>
+            <a:pPr algn="ctr"/>
+            <a:r>
+              <a:rPr kumimoji="1" lang="en-US" altLang="ko-Kore-KR" sz="4000">
+                <a:ea typeface="Microsoft Himalaya" pitchFamily="2" charset="0"/>
+                <a:cs typeface="Microsoft Himalaya" pitchFamily="2" charset="0"/>
+              </a:rPr>
+              <a:t>ghOSt</a:t>
+            </a:r>
+            <a:r>
+              <a:rPr kumimoji="1" lang="en-US" altLang="ko-Kore-KR" sz="4000">
+                <a:solidFill>
+                  <a:schemeClr val="bg1">
+                    <a:alpha val="0"/>
+                  </a:schemeClr>
+                </a:solidFill>
+                <a:ea typeface="Microsoft Himalaya" pitchFamily="2" charset="0"/>
+                <a:cs typeface="Microsoft Himalaya" pitchFamily="2" charset="0"/>
+              </a:rPr>
+              <a:t>: Fast &amp; Flexible User-space Delegation of Linux Scheduling </a:t>
+            </a:r>
+            <a:endParaRPr kumimoji="1" lang="ko-Kore-KR" altLang="en-US" sz="4000">
+              <a:solidFill>
+                <a:schemeClr val="bg1">
+                  <a:alpha val="0"/>
+                </a:schemeClr>
+              </a:solidFill>
+              <a:cs typeface="Microsoft Himalaya" pitchFamily="2" charset="0"/>
+            </a:endParaRPr>
+          </a:p>
+        </p:txBody>
+      </p:sp>
+      <p:sp>
+        <p:nvSpPr>
+          <p:cNvPr id="5" name="TextBox 4">
+            <a:extLst>
+              <a:ext uri="{FF2B5EF4-FFF2-40B4-BE49-F238E27FC236}">
+                <a16:creationId xmlns:a16="http://schemas.microsoft.com/office/drawing/2014/main" id="{6654DD5B-363D-007E-134A-CB95D8023FE8}"/>
+              </a:ext>
+            </a:extLst>
+          </p:cNvPr>
+          <p:cNvSpPr txBox="1"/>
+          <p:nvPr/>
+        </p:nvSpPr>
+        <p:spPr>
+          <a:xfrm>
+            <a:off x="-10062416" y="-9477371"/>
+            <a:ext cx="6649080" cy="954107"/>
+          </a:xfrm>
+          <a:prstGeom prst="rect">
+            <a:avLst/>
+          </a:prstGeom>
+          <a:noFill/>
+        </p:spPr>
+        <p:txBody>
+          <a:bodyPr wrap="square" rtlCol="0">
+            <a:spAutoFit/>
+          </a:bodyPr>
+          <a:lstStyle/>
+          <a:p>
+            <a:pPr algn="ctr"/>
+            <a:r>
+              <a:rPr kumimoji="1" lang="en-US" altLang="ko-Kore-KR" sz="2800">
+                <a:ea typeface="Microsoft Himalaya" pitchFamily="2" charset="0"/>
+                <a:cs typeface="Microsoft Himalaya" pitchFamily="2" charset="0"/>
+              </a:rPr>
+              <a:t>Delegating kernel scheduling</a:t>
+            </a:r>
+          </a:p>
+          <a:p>
+            <a:pPr algn="ctr"/>
+            <a:r>
+              <a:rPr kumimoji="1" lang="en-US" altLang="ko-Kore-KR" sz="2800">
+                <a:ea typeface="Microsoft Himalaya" pitchFamily="2" charset="0"/>
+                <a:cs typeface="Microsoft Himalaya" pitchFamily="2" charset="0"/>
+              </a:rPr>
+              <a:t>to userspace code </a:t>
+            </a:r>
+            <a:endParaRPr kumimoji="1" lang="ko-Kore-KR" altLang="en-US" sz="2800">
+              <a:cs typeface="Microsoft Himalaya" pitchFamily="2" charset="0"/>
+            </a:endParaRPr>
+          </a:p>
+        </p:txBody>
+      </p:sp>
+      <p:sp>
+        <p:nvSpPr>
+          <p:cNvPr id="8" name="타원 7">
+            <a:extLst>
+              <a:ext uri="{FF2B5EF4-FFF2-40B4-BE49-F238E27FC236}">
+                <a16:creationId xmlns:a16="http://schemas.microsoft.com/office/drawing/2014/main" id="{CCA7A6FF-A5C1-EE13-DAB5-2A47607E4AA0}"/>
+              </a:ext>
+            </a:extLst>
+          </p:cNvPr>
+          <p:cNvSpPr/>
+          <p:nvPr/>
+        </p:nvSpPr>
+        <p:spPr>
+          <a:xfrm>
+            <a:off x="-9446327" y="-9954162"/>
+            <a:ext cx="5416902" cy="1895475"/>
+          </a:xfrm>
+          <a:prstGeom prst="ellipse">
+            <a:avLst/>
+          </a:prstGeom>
+          <a:noFill/>
+          <a:ln w="19050">
+            <a:solidFill>
+              <a:schemeClr val="tx1"/>
+            </a:solidFill>
+          </a:ln>
+        </p:spPr>
+        <p:style>
+          <a:lnRef idx="2">
+            <a:schemeClr val="accent1">
+              <a:shade val="15000"/>
+            </a:schemeClr>
+          </a:lnRef>
+          <a:fillRef idx="1">
+            <a:schemeClr val="accent1"/>
+          </a:fillRef>
+          <a:effectRef idx="0">
+            <a:schemeClr val="accent1"/>
+          </a:effectRef>
+          <a:fontRef idx="minor">
+            <a:schemeClr val="lt1"/>
+          </a:fontRef>
+        </p:style>
+        <p:txBody>
+          <a:bodyPr rtlCol="0" anchor="ctr"/>
+          <a:lstStyle/>
+          <a:p>
+            <a:pPr algn="ctr"/>
+            <a:endParaRPr kumimoji="1" lang="ko-Kore-KR" altLang="en-US"/>
+          </a:p>
+        </p:txBody>
+      </p:sp>
+      <p:cxnSp>
+        <p:nvCxnSpPr>
+          <p:cNvPr id="9" name="구부러진 연결선[U] 8">
+            <a:extLst>
+              <a:ext uri="{FF2B5EF4-FFF2-40B4-BE49-F238E27FC236}">
+                <a16:creationId xmlns:a16="http://schemas.microsoft.com/office/drawing/2014/main" id="{068EEA84-621C-4582-DC0F-D62A6F3062A3}"/>
+              </a:ext>
+            </a:extLst>
+          </p:cNvPr>
+          <p:cNvCxnSpPr>
+            <a:cxnSpLocks/>
+            <a:stCxn id="6" idx="4"/>
+            <a:endCxn id="8" idx="1"/>
+          </p:cNvCxnSpPr>
+          <p:nvPr/>
+        </p:nvCxnSpPr>
+        <p:spPr>
+          <a:xfrm rot="16200000" flipH="1">
+            <a:off x="-9627381" y="-10650917"/>
+            <a:ext cx="798124" cy="1150557"/>
+          </a:xfrm>
+          <a:prstGeom prst="curvedConnector3">
+            <a:avLst>
+              <a:gd name="adj1" fmla="val 50000"/>
+            </a:avLst>
+          </a:prstGeom>
+          <a:ln w="12700">
+            <a:solidFill>
+              <a:schemeClr val="tx1"/>
+            </a:solidFill>
+          </a:ln>
+        </p:spPr>
+        <p:style>
+          <a:lnRef idx="1">
+            <a:schemeClr val="accent1"/>
+          </a:lnRef>
+          <a:fillRef idx="0">
+            <a:schemeClr val="accent1"/>
+          </a:fillRef>
+          <a:effectRef idx="0">
+            <a:schemeClr val="accent1"/>
+          </a:effectRef>
+          <a:fontRef idx="minor">
+            <a:schemeClr val="tx1"/>
+          </a:fontRef>
+        </p:style>
+      </p:cxnSp>
+      <p:cxnSp>
+        <p:nvCxnSpPr>
+          <p:cNvPr id="3" name="구부러진 연결선[U] 2">
+            <a:extLst>
+              <a:ext uri="{FF2B5EF4-FFF2-40B4-BE49-F238E27FC236}">
+                <a16:creationId xmlns:a16="http://schemas.microsoft.com/office/drawing/2014/main" id="{AC3F9A48-1A19-F6C7-B3C2-CDA39B862C08}"/>
+              </a:ext>
+            </a:extLst>
+          </p:cNvPr>
+          <p:cNvCxnSpPr>
+            <a:cxnSpLocks/>
+            <a:stCxn id="8" idx="4"/>
+            <a:endCxn id="11" idx="1"/>
+          </p:cNvCxnSpPr>
+          <p:nvPr/>
+        </p:nvCxnSpPr>
+        <p:spPr>
+          <a:xfrm rot="16200000" flipH="1">
+            <a:off x="-6532960" y="-8263604"/>
+            <a:ext cx="542943" cy="952775"/>
+          </a:xfrm>
+          <a:prstGeom prst="curvedConnector3">
+            <a:avLst>
+              <a:gd name="adj1" fmla="val 50000"/>
+            </a:avLst>
+          </a:prstGeom>
+          <a:ln w="12700">
+            <a:solidFill>
+              <a:schemeClr val="tx1"/>
+            </a:solidFill>
+          </a:ln>
+        </p:spPr>
+        <p:style>
+          <a:lnRef idx="1">
+            <a:schemeClr val="accent1"/>
+          </a:lnRef>
+          <a:fillRef idx="0">
+            <a:schemeClr val="accent1"/>
+          </a:fillRef>
+          <a:effectRef idx="0">
+            <a:schemeClr val="accent1"/>
+          </a:effectRef>
+          <a:fontRef idx="minor">
+            <a:schemeClr val="tx1"/>
+          </a:fontRef>
+        </p:style>
+      </p:cxnSp>
+      <p:sp>
+        <p:nvSpPr>
+          <p:cNvPr id="10" name="TextBox 9">
+            <a:extLst>
+              <a:ext uri="{FF2B5EF4-FFF2-40B4-BE49-F238E27FC236}">
+                <a16:creationId xmlns:a16="http://schemas.microsoft.com/office/drawing/2014/main" id="{D2C2F8E5-4B8F-C384-0BD1-F8CC7DBBFE31}"/>
+              </a:ext>
+            </a:extLst>
+          </p:cNvPr>
+          <p:cNvSpPr txBox="1"/>
+          <p:nvPr/>
+        </p:nvSpPr>
+        <p:spPr>
+          <a:xfrm>
+            <a:off x="-4250333" y="-4667414"/>
+            <a:ext cx="7214942" cy="1384995"/>
+          </a:xfrm>
+          <a:prstGeom prst="rect">
+            <a:avLst/>
+          </a:prstGeom>
+          <a:noFill/>
+        </p:spPr>
+        <p:txBody>
+          <a:bodyPr wrap="square" rtlCol="0">
+            <a:spAutoFit/>
+          </a:bodyPr>
+          <a:lstStyle/>
+          <a:p>
+            <a:pPr algn="ctr"/>
+            <a:r>
+              <a:rPr kumimoji="1" lang="en-US" altLang="ko-Kore-KR" sz="2800">
+                <a:ea typeface="Microsoft Himalaya" pitchFamily="2" charset="0"/>
+                <a:cs typeface="Microsoft Himalaya" pitchFamily="2" charset="0"/>
+              </a:rPr>
+              <a:t>Because it means that applications can be implemented leveraging the powerful features of the kernel scheduler!!!</a:t>
+            </a:r>
+            <a:endParaRPr kumimoji="1" lang="ko-Kore-KR" altLang="en-US" sz="2800">
+              <a:cs typeface="Microsoft Himalaya" pitchFamily="2" charset="0"/>
+            </a:endParaRPr>
+          </a:p>
+        </p:txBody>
+      </p:sp>
+      <p:sp>
+        <p:nvSpPr>
+          <p:cNvPr id="11" name="타원 10">
+            <a:extLst>
+              <a:ext uri="{FF2B5EF4-FFF2-40B4-BE49-F238E27FC236}">
+                <a16:creationId xmlns:a16="http://schemas.microsoft.com/office/drawing/2014/main" id="{553EEAA2-6F2C-9BFD-E1DC-B64CC11A8B05}"/>
+              </a:ext>
+            </a:extLst>
+          </p:cNvPr>
+          <p:cNvSpPr/>
+          <p:nvPr/>
+        </p:nvSpPr>
+        <p:spPr>
+          <a:xfrm>
+            <a:off x="-6578388" y="-7793330"/>
+            <a:ext cx="5416902" cy="1895475"/>
+          </a:xfrm>
+          <a:prstGeom prst="ellipse">
+            <a:avLst/>
+          </a:prstGeom>
+          <a:noFill/>
+          <a:ln w="19050">
+            <a:solidFill>
+              <a:schemeClr val="tx1"/>
+            </a:solidFill>
+          </a:ln>
+        </p:spPr>
+        <p:style>
+          <a:lnRef idx="2">
+            <a:schemeClr val="accent1">
+              <a:shade val="15000"/>
+            </a:schemeClr>
+          </a:lnRef>
+          <a:fillRef idx="1">
+            <a:schemeClr val="accent1"/>
+          </a:fillRef>
+          <a:effectRef idx="0">
+            <a:schemeClr val="accent1"/>
+          </a:effectRef>
+          <a:fontRef idx="minor">
+            <a:schemeClr val="lt1"/>
+          </a:fontRef>
+        </p:style>
+        <p:txBody>
+          <a:bodyPr rtlCol="0" anchor="ctr"/>
+          <a:lstStyle/>
+          <a:p>
+            <a:pPr algn="ctr"/>
+            <a:endParaRPr kumimoji="1" lang="ko-Kore-KR" altLang="en-US"/>
+          </a:p>
+        </p:txBody>
+      </p:sp>
+      <p:sp>
+        <p:nvSpPr>
+          <p:cNvPr id="12" name="타원 11">
+            <a:extLst>
+              <a:ext uri="{FF2B5EF4-FFF2-40B4-BE49-F238E27FC236}">
+                <a16:creationId xmlns:a16="http://schemas.microsoft.com/office/drawing/2014/main" id="{98BE3455-7E7C-98E6-2F4D-8656076DB122}"/>
+              </a:ext>
+            </a:extLst>
+          </p:cNvPr>
+          <p:cNvSpPr/>
+          <p:nvPr/>
+        </p:nvSpPr>
+        <p:spPr>
+          <a:xfrm>
+            <a:off x="-4398115" y="-5231422"/>
+            <a:ext cx="7510506" cy="2356551"/>
+          </a:xfrm>
+          <a:prstGeom prst="ellipse">
+            <a:avLst/>
+          </a:prstGeom>
+          <a:noFill/>
+          <a:ln w="19050">
+            <a:solidFill>
+              <a:schemeClr val="tx1"/>
+            </a:solidFill>
+          </a:ln>
+        </p:spPr>
+        <p:style>
+          <a:lnRef idx="2">
+            <a:schemeClr val="accent1">
+              <a:shade val="15000"/>
+            </a:schemeClr>
+          </a:lnRef>
+          <a:fillRef idx="1">
+            <a:schemeClr val="accent1"/>
+          </a:fillRef>
+          <a:effectRef idx="0">
+            <a:schemeClr val="accent1"/>
+          </a:effectRef>
+          <a:fontRef idx="minor">
+            <a:schemeClr val="lt1"/>
+          </a:fontRef>
+        </p:style>
+        <p:txBody>
+          <a:bodyPr rtlCol="0" anchor="ctr"/>
+          <a:lstStyle/>
+          <a:p>
+            <a:pPr algn="ctr"/>
+            <a:endParaRPr kumimoji="1" lang="ko-Kore-KR" altLang="en-US"/>
+          </a:p>
+        </p:txBody>
+      </p:sp>
+      <p:cxnSp>
+        <p:nvCxnSpPr>
+          <p:cNvPr id="13" name="구부러진 연결선[U] 12">
+            <a:extLst>
+              <a:ext uri="{FF2B5EF4-FFF2-40B4-BE49-F238E27FC236}">
+                <a16:creationId xmlns:a16="http://schemas.microsoft.com/office/drawing/2014/main" id="{8D73709C-867B-5C3D-0744-BD01319122DC}"/>
+              </a:ext>
+            </a:extLst>
+          </p:cNvPr>
+          <p:cNvCxnSpPr>
+            <a:cxnSpLocks/>
+            <a:stCxn id="11" idx="4"/>
+            <a:endCxn id="12" idx="1"/>
+          </p:cNvCxnSpPr>
+          <p:nvPr/>
+        </p:nvCxnSpPr>
+        <p:spPr>
+          <a:xfrm rot="16200000" flipH="1">
+            <a:off x="-4089853" y="-5677939"/>
+            <a:ext cx="1011542" cy="571710"/>
+          </a:xfrm>
+          <a:prstGeom prst="curvedConnector3">
+            <a:avLst>
+              <a:gd name="adj1" fmla="val 50000"/>
+            </a:avLst>
+          </a:prstGeom>
+          <a:ln w="12700">
+            <a:solidFill>
+              <a:schemeClr val="tx1"/>
+            </a:solidFill>
+          </a:ln>
+        </p:spPr>
+        <p:style>
+          <a:lnRef idx="1">
+            <a:schemeClr val="accent1"/>
+          </a:lnRef>
+          <a:fillRef idx="0">
+            <a:schemeClr val="accent1"/>
+          </a:fillRef>
+          <a:effectRef idx="0">
+            <a:schemeClr val="accent1"/>
+          </a:effectRef>
+          <a:fontRef idx="minor">
+            <a:schemeClr val="tx1"/>
+          </a:fontRef>
+        </p:style>
+      </p:cxnSp>
+      <p:sp>
+        <p:nvSpPr>
+          <p:cNvPr id="17" name="TextBox 16">
+            <a:extLst>
+              <a:ext uri="{FF2B5EF4-FFF2-40B4-BE49-F238E27FC236}">
+                <a16:creationId xmlns:a16="http://schemas.microsoft.com/office/drawing/2014/main" id="{2461D2E0-27C3-B02E-68FA-2F27E0718AE4}"/>
+              </a:ext>
+            </a:extLst>
+          </p:cNvPr>
+          <p:cNvSpPr txBox="1"/>
+          <p:nvPr/>
+        </p:nvSpPr>
+        <p:spPr>
+          <a:xfrm>
+            <a:off x="-7353965" y="-7061358"/>
+            <a:ext cx="6649080" cy="523220"/>
+          </a:xfrm>
+          <a:prstGeom prst="rect">
+            <a:avLst/>
+          </a:prstGeom>
+          <a:noFill/>
+        </p:spPr>
+        <p:txBody>
+          <a:bodyPr wrap="square" rtlCol="0">
+            <a:spAutoFit/>
+          </a:bodyPr>
+          <a:lstStyle/>
+          <a:p>
+            <a:pPr algn="ctr"/>
+            <a:r>
+              <a:rPr kumimoji="1" lang="en-US" altLang="ko-Kore-KR" sz="2800">
+                <a:ea typeface="Microsoft Himalaya" pitchFamily="2" charset="0"/>
+                <a:cs typeface="Microsoft Himalaya" pitchFamily="2" charset="0"/>
+              </a:rPr>
+              <a:t>Why is that important?</a:t>
+            </a:r>
+            <a:endParaRPr kumimoji="1" lang="ko-Kore-KR" altLang="en-US" sz="2800">
+              <a:cs typeface="Microsoft Himalaya" pitchFamily="2" charset="0"/>
+            </a:endParaRPr>
+          </a:p>
+        </p:txBody>
+      </p:sp>
+      <p:sp>
+        <p:nvSpPr>
+          <p:cNvPr id="4" name="TextBox 3">
+            <a:extLst>
+              <a:ext uri="{FF2B5EF4-FFF2-40B4-BE49-F238E27FC236}">
+                <a16:creationId xmlns:a16="http://schemas.microsoft.com/office/drawing/2014/main" id="{09069384-6BDF-4AB8-9E82-55B8B48224F5}"/>
+              </a:ext>
+            </a:extLst>
+          </p:cNvPr>
+          <p:cNvSpPr txBox="1"/>
+          <p:nvPr/>
+        </p:nvSpPr>
+        <p:spPr>
+          <a:xfrm>
+            <a:off x="274043" y="-2085261"/>
+            <a:ext cx="7214942" cy="1384995"/>
+          </a:xfrm>
+          <a:prstGeom prst="rect">
+            <a:avLst/>
+          </a:prstGeom>
+          <a:noFill/>
+        </p:spPr>
+        <p:txBody>
+          <a:bodyPr wrap="square" rtlCol="0">
+            <a:spAutoFit/>
+          </a:bodyPr>
+          <a:lstStyle/>
+          <a:p>
+            <a:pPr algn="ctr"/>
+            <a:r>
+              <a:rPr kumimoji="1" lang="en-US" altLang="ko-Kore-KR" sz="2800">
+                <a:cs typeface="Microsoft Himalaya" pitchFamily="2" charset="0"/>
+              </a:rPr>
+              <a:t>Also, scheduling designs that were previously </a:t>
+            </a:r>
+            <a:r>
+              <a:rPr kumimoji="1" lang="en-US" altLang="ko-KR" sz="2800">
+                <a:cs typeface="Microsoft Himalaya" pitchFamily="2" charset="0"/>
+              </a:rPr>
+              <a:t>unused because they did not fit into the general kernel </a:t>
+            </a:r>
+            <a:r>
+              <a:rPr kumimoji="1" lang="en-US" altLang="ko-Kore-KR" sz="2800">
+                <a:cs typeface="Microsoft Himalaya" pitchFamily="2" charset="0"/>
+              </a:rPr>
+              <a:t>can be used in the userspace!!</a:t>
+            </a:r>
+            <a:endParaRPr kumimoji="1" lang="ko-Kore-KR" altLang="en-US" sz="2800">
+              <a:cs typeface="Microsoft Himalaya" pitchFamily="2" charset="0"/>
+            </a:endParaRPr>
+          </a:p>
+        </p:txBody>
+      </p:sp>
+      <p:cxnSp>
+        <p:nvCxnSpPr>
+          <p:cNvPr id="15" name="구부러진 연결선[U] 14">
+            <a:extLst>
+              <a:ext uri="{FF2B5EF4-FFF2-40B4-BE49-F238E27FC236}">
+                <a16:creationId xmlns:a16="http://schemas.microsoft.com/office/drawing/2014/main" id="{86EB4F29-36E1-ABFE-5C78-E34AEC8E26C2}"/>
+              </a:ext>
+            </a:extLst>
+          </p:cNvPr>
+          <p:cNvCxnSpPr>
+            <a:cxnSpLocks/>
+            <a:stCxn id="12" idx="5"/>
+            <a:endCxn id="16" idx="0"/>
+          </p:cNvCxnSpPr>
+          <p:nvPr/>
+        </p:nvCxnSpPr>
+        <p:spPr>
+          <a:xfrm rot="16200000" flipH="1">
+            <a:off x="2680383" y="-3887861"/>
+            <a:ext cx="501569" cy="1837329"/>
+          </a:xfrm>
+          <a:prstGeom prst="curvedConnector3">
+            <a:avLst>
+              <a:gd name="adj1" fmla="val 50000"/>
+            </a:avLst>
+          </a:prstGeom>
+          <a:ln w="12700">
+            <a:solidFill>
+              <a:schemeClr val="tx1"/>
+            </a:solidFill>
+          </a:ln>
+        </p:spPr>
+        <p:style>
+          <a:lnRef idx="1">
+            <a:schemeClr val="accent1"/>
+          </a:lnRef>
+          <a:fillRef idx="0">
+            <a:schemeClr val="accent1"/>
+          </a:fillRef>
+          <a:effectRef idx="0">
+            <a:schemeClr val="accent1"/>
+          </a:effectRef>
+          <a:fontRef idx="minor">
+            <a:schemeClr val="tx1"/>
+          </a:fontRef>
+        </p:style>
+      </p:cxnSp>
+      <p:sp>
+        <p:nvSpPr>
+          <p:cNvPr id="16" name="타원 15">
+            <a:extLst>
+              <a:ext uri="{FF2B5EF4-FFF2-40B4-BE49-F238E27FC236}">
+                <a16:creationId xmlns:a16="http://schemas.microsoft.com/office/drawing/2014/main" id="{C2E7E2C8-45E7-5C28-C930-10DEF0105BBC}"/>
+              </a:ext>
+            </a:extLst>
+          </p:cNvPr>
+          <p:cNvSpPr/>
+          <p:nvPr/>
+        </p:nvSpPr>
+        <p:spPr>
+          <a:xfrm>
+            <a:off x="-94222" y="-2718411"/>
+            <a:ext cx="7888107" cy="2599856"/>
+          </a:xfrm>
+          <a:prstGeom prst="ellipse">
+            <a:avLst/>
+          </a:prstGeom>
+          <a:noFill/>
+          <a:ln w="19050">
+            <a:solidFill>
+              <a:schemeClr val="tx1"/>
+            </a:solidFill>
+          </a:ln>
+        </p:spPr>
+        <p:style>
+          <a:lnRef idx="2">
+            <a:schemeClr val="accent1">
+              <a:shade val="15000"/>
+            </a:schemeClr>
+          </a:lnRef>
+          <a:fillRef idx="1">
+            <a:schemeClr val="accent1"/>
+          </a:fillRef>
+          <a:effectRef idx="0">
+            <a:schemeClr val="accent1"/>
+          </a:effectRef>
+          <a:fontRef idx="minor">
+            <a:schemeClr val="lt1"/>
+          </a:fontRef>
+        </p:style>
+        <p:txBody>
+          <a:bodyPr rtlCol="0" anchor="ctr"/>
+          <a:lstStyle/>
+          <a:p>
+            <a:pPr algn="ctr"/>
+            <a:endParaRPr kumimoji="1" lang="ko-Kore-KR" altLang="en-US"/>
+          </a:p>
+        </p:txBody>
+      </p:sp>
+      <p:sp>
+        <p:nvSpPr>
+          <p:cNvPr id="18" name="TextBox 17">
+            <a:extLst>
+              <a:ext uri="{FF2B5EF4-FFF2-40B4-BE49-F238E27FC236}">
+                <a16:creationId xmlns:a16="http://schemas.microsoft.com/office/drawing/2014/main" id="{4EF28DD6-7793-8D9A-044F-B978D4AF4B34}"/>
+              </a:ext>
+            </a:extLst>
+          </p:cNvPr>
+          <p:cNvSpPr txBox="1"/>
+          <p:nvPr/>
+        </p:nvSpPr>
+        <p:spPr>
+          <a:xfrm>
+            <a:off x="1894655" y="1064103"/>
+            <a:ext cx="8214246" cy="1384995"/>
+          </a:xfrm>
+          <a:prstGeom prst="rect">
+            <a:avLst/>
+          </a:prstGeom>
+          <a:noFill/>
+        </p:spPr>
+        <p:txBody>
+          <a:bodyPr wrap="square" rtlCol="0">
+            <a:spAutoFit/>
+          </a:bodyPr>
+          <a:lstStyle/>
+          <a:p>
+            <a:pPr algn="ctr"/>
+            <a:r>
+              <a:rPr kumimoji="1" lang="en-US" altLang="ko-Kore-KR" sz="2800">
+                <a:cs typeface="Microsoft Himalaya" pitchFamily="2" charset="0"/>
+              </a:rPr>
+              <a:t>Fundamentally, the ghOSt relaxes restrictions in terms of CPU virtualization, expanding user’s development design freedom</a:t>
+            </a:r>
+            <a:endParaRPr kumimoji="1" lang="ko-Kore-KR" altLang="en-US" sz="2800">
+              <a:cs typeface="Microsoft Himalaya" pitchFamily="2" charset="0"/>
+            </a:endParaRPr>
+          </a:p>
+        </p:txBody>
+      </p:sp>
+      <p:sp>
+        <p:nvSpPr>
+          <p:cNvPr id="19" name="타원 18">
+            <a:extLst>
+              <a:ext uri="{FF2B5EF4-FFF2-40B4-BE49-F238E27FC236}">
+                <a16:creationId xmlns:a16="http://schemas.microsoft.com/office/drawing/2014/main" id="{FA0DF77A-7B58-7DE1-8A3E-0A5DA271ECE9}"/>
+              </a:ext>
+            </a:extLst>
+          </p:cNvPr>
+          <p:cNvSpPr/>
+          <p:nvPr/>
+        </p:nvSpPr>
+        <p:spPr>
+          <a:xfrm>
+            <a:off x="1277088" y="436586"/>
+            <a:ext cx="9637823" cy="2648636"/>
+          </a:xfrm>
+          <a:prstGeom prst="ellipse">
+            <a:avLst/>
+          </a:prstGeom>
+          <a:noFill/>
+          <a:ln w="19050">
+            <a:solidFill>
+              <a:schemeClr val="tx1"/>
+            </a:solidFill>
+          </a:ln>
+        </p:spPr>
+        <p:style>
+          <a:lnRef idx="2">
+            <a:schemeClr val="accent1">
+              <a:shade val="15000"/>
+            </a:schemeClr>
+          </a:lnRef>
+          <a:fillRef idx="1">
+            <a:schemeClr val="accent1"/>
+          </a:fillRef>
+          <a:effectRef idx="0">
+            <a:schemeClr val="accent1"/>
+          </a:effectRef>
+          <a:fontRef idx="minor">
+            <a:schemeClr val="lt1"/>
+          </a:fontRef>
+        </p:style>
+        <p:txBody>
+          <a:bodyPr rtlCol="0" anchor="ctr"/>
+          <a:lstStyle/>
+          <a:p>
+            <a:pPr algn="ctr"/>
+            <a:endParaRPr kumimoji="1" lang="ko-Kore-KR" altLang="en-US"/>
+          </a:p>
+        </p:txBody>
+      </p:sp>
+      <p:cxnSp>
+        <p:nvCxnSpPr>
+          <p:cNvPr id="20" name="구부러진 연결선[U] 19">
+            <a:extLst>
+              <a:ext uri="{FF2B5EF4-FFF2-40B4-BE49-F238E27FC236}">
+                <a16:creationId xmlns:a16="http://schemas.microsoft.com/office/drawing/2014/main" id="{19A5D647-6532-DA56-118D-A70386D6DBB1}"/>
+              </a:ext>
+            </a:extLst>
+          </p:cNvPr>
+          <p:cNvCxnSpPr>
+            <a:cxnSpLocks/>
+            <a:stCxn id="16" idx="4"/>
+            <a:endCxn id="19" idx="0"/>
+          </p:cNvCxnSpPr>
+          <p:nvPr/>
+        </p:nvCxnSpPr>
+        <p:spPr>
+          <a:xfrm rot="16200000" flipH="1">
+            <a:off x="4695346" y="-964069"/>
+            <a:ext cx="555141" cy="2246168"/>
+          </a:xfrm>
+          <a:prstGeom prst="curvedConnector3">
+            <a:avLst>
+              <a:gd name="adj1" fmla="val 50000"/>
+            </a:avLst>
+          </a:prstGeom>
+          <a:ln w="12700">
+            <a:solidFill>
+              <a:schemeClr val="tx1"/>
+            </a:solidFill>
+          </a:ln>
+        </p:spPr>
+        <p:style>
+          <a:lnRef idx="1">
+            <a:schemeClr val="accent1"/>
+          </a:lnRef>
+          <a:fillRef idx="0">
+            <a:schemeClr val="accent1"/>
+          </a:fillRef>
+          <a:effectRef idx="0">
+            <a:schemeClr val="accent1"/>
+          </a:effectRef>
+          <a:fontRef idx="minor">
+            <a:schemeClr val="tx1"/>
+          </a:fontRef>
+        </p:style>
+      </p:cxnSp>
+      <p:sp>
+        <p:nvSpPr>
+          <p:cNvPr id="21" name="TextBox 20">
+            <a:extLst>
+              <a:ext uri="{FF2B5EF4-FFF2-40B4-BE49-F238E27FC236}">
+                <a16:creationId xmlns:a16="http://schemas.microsoft.com/office/drawing/2014/main" id="{A8F0A1E5-1099-7203-EF65-828FC6C9B5A6}"/>
+              </a:ext>
+            </a:extLst>
+          </p:cNvPr>
+          <p:cNvSpPr txBox="1"/>
+          <p:nvPr/>
+        </p:nvSpPr>
+        <p:spPr>
+          <a:xfrm>
+            <a:off x="1807694" y="3982536"/>
+            <a:ext cx="8214246" cy="523220"/>
+          </a:xfrm>
+          <a:prstGeom prst="rect">
+            <a:avLst/>
+          </a:prstGeom>
+          <a:noFill/>
+        </p:spPr>
+        <p:txBody>
+          <a:bodyPr wrap="square" rtlCol="0">
+            <a:spAutoFit/>
+          </a:bodyPr>
+          <a:lstStyle/>
+          <a:p>
+            <a:pPr algn="ctr"/>
+            <a:r>
+              <a:rPr kumimoji="1" lang="en-US" altLang="ko-Kore-KR" sz="2800">
+                <a:cs typeface="Microsoft Himalaya" pitchFamily="2" charset="0"/>
+              </a:rPr>
+              <a:t>Then, is a new insight presented by ghOSt? </a:t>
+            </a:r>
+            <a:endParaRPr kumimoji="1" lang="ko-Kore-KR" altLang="en-US" sz="2800">
+              <a:cs typeface="Microsoft Himalaya" pitchFamily="2" charset="0"/>
+            </a:endParaRPr>
+          </a:p>
+        </p:txBody>
+      </p:sp>
+      <p:sp>
+        <p:nvSpPr>
+          <p:cNvPr id="22" name="타원 21">
+            <a:extLst>
+              <a:ext uri="{FF2B5EF4-FFF2-40B4-BE49-F238E27FC236}">
+                <a16:creationId xmlns:a16="http://schemas.microsoft.com/office/drawing/2014/main" id="{4C508DF5-D81D-1B29-3261-B9B15C155BE4}"/>
+              </a:ext>
+            </a:extLst>
+          </p:cNvPr>
+          <p:cNvSpPr/>
+          <p:nvPr/>
+        </p:nvSpPr>
+        <p:spPr>
+          <a:xfrm>
+            <a:off x="1949921" y="3712739"/>
+            <a:ext cx="7846783" cy="1129346"/>
+          </a:xfrm>
+          <a:prstGeom prst="ellipse">
+            <a:avLst/>
+          </a:prstGeom>
+          <a:noFill/>
+          <a:ln w="19050">
+            <a:solidFill>
+              <a:schemeClr val="tx1"/>
+            </a:solidFill>
+          </a:ln>
+        </p:spPr>
+        <p:style>
+          <a:lnRef idx="2">
+            <a:schemeClr val="accent1">
+              <a:shade val="15000"/>
+            </a:schemeClr>
+          </a:lnRef>
+          <a:fillRef idx="1">
+            <a:schemeClr val="accent1"/>
+          </a:fillRef>
+          <a:effectRef idx="0">
+            <a:schemeClr val="accent1"/>
+          </a:effectRef>
+          <a:fontRef idx="minor">
+            <a:schemeClr val="lt1"/>
+          </a:fontRef>
+        </p:style>
+        <p:txBody>
+          <a:bodyPr rtlCol="0" anchor="ctr"/>
+          <a:lstStyle/>
+          <a:p>
+            <a:pPr algn="ctr"/>
+            <a:endParaRPr kumimoji="1" lang="ko-Kore-KR" altLang="en-US"/>
+          </a:p>
+        </p:txBody>
+      </p:sp>
+      <p:cxnSp>
+        <p:nvCxnSpPr>
+          <p:cNvPr id="23" name="구부러진 연결선[U] 22">
+            <a:extLst>
+              <a:ext uri="{FF2B5EF4-FFF2-40B4-BE49-F238E27FC236}">
+                <a16:creationId xmlns:a16="http://schemas.microsoft.com/office/drawing/2014/main" id="{76975E94-9776-4206-E3F2-A9C416308400}"/>
+              </a:ext>
+            </a:extLst>
+          </p:cNvPr>
+          <p:cNvCxnSpPr>
+            <a:cxnSpLocks/>
+            <a:stCxn id="19" idx="4"/>
+            <a:endCxn id="22" idx="0"/>
+          </p:cNvCxnSpPr>
+          <p:nvPr/>
+        </p:nvCxnSpPr>
+        <p:spPr>
+          <a:xfrm rot="5400000">
+            <a:off x="5670899" y="3287637"/>
+            <a:ext cx="627517" cy="222687"/>
+          </a:xfrm>
+          <a:prstGeom prst="curvedConnector3">
+            <a:avLst>
+              <a:gd name="adj1" fmla="val 50000"/>
+            </a:avLst>
+          </a:prstGeom>
+          <a:ln w="12700">
+            <a:solidFill>
+              <a:schemeClr val="tx1"/>
+            </a:solidFill>
+          </a:ln>
+        </p:spPr>
+        <p:style>
+          <a:lnRef idx="1">
+            <a:schemeClr val="accent1"/>
+          </a:lnRef>
+          <a:fillRef idx="0">
+            <a:schemeClr val="accent1"/>
+          </a:fillRef>
+          <a:effectRef idx="0">
+            <a:schemeClr val="accent1"/>
+          </a:effectRef>
+          <a:fontRef idx="minor">
+            <a:schemeClr val="tx1"/>
+          </a:fontRef>
+        </p:style>
+      </p:cxnSp>
+    </p:spTree>
+    <p:extLst>
+      <p:ext uri="{BB962C8B-B14F-4D97-AF65-F5344CB8AC3E}">
+        <p14:creationId xmlns:p14="http://schemas.microsoft.com/office/powerpoint/2010/main" val="449896217"/>
+      </p:ext>
+    </p:extLst>
+  </p:cSld>
+  <p:clrMapOvr>
+    <a:masterClrMapping/>
+  </p:clrMapOvr>
+  <mc:AlternateContent xmlns:mc="http://schemas.openxmlformats.org/markup-compatibility/2006" xmlns:p159="http://schemas.microsoft.com/office/powerpoint/2015/09/main">
+    <mc:Choice Requires="p159">
+      <p:transition spd="slow" advClick="0">
+        <p159:morph option="byObject"/>
+      </p:transition>
+    </mc:Choice>
+    <mc:Fallback xmlns="">
+      <p:transition spd="slow" advClick="0">
+        <p:fade/>
+      </p:transition>
+    </mc:Fallback>
+  </mc:AlternateContent>
+</p:sld>
+</file>
+
+<file path=ppt/slides/slide16.xml><?xml version="1.0" encoding="utf-8"?>
+<p:sld xmlns:a="http://schemas.openxmlformats.org/drawingml/2006/main" xmlns:r="http://schemas.openxmlformats.org/officeDocument/2006/relationships" xmlns:p="http://schemas.openxmlformats.org/presentationml/2006/main">
+  <p:cSld>
+    <p:spTree>
+      <p:nvGrpSpPr>
+        <p:cNvPr id="1" name=""/>
+        <p:cNvGrpSpPr/>
+        <p:nvPr/>
+      </p:nvGrpSpPr>
+      <p:grpSpPr>
+        <a:xfrm>
+          <a:off x="0" y="0"/>
+          <a:ext cx="0" cy="0"/>
+          <a:chOff x="0" y="0"/>
+          <a:chExt cx="0" cy="0"/>
+        </a:xfrm>
+      </p:grpSpPr>
+      <p:sp>
+        <p:nvSpPr>
+          <p:cNvPr id="7" name="TextBox 6">
+            <a:extLst>
+              <a:ext uri="{FF2B5EF4-FFF2-40B4-BE49-F238E27FC236}">
+                <a16:creationId xmlns:a16="http://schemas.microsoft.com/office/drawing/2014/main" id="{7432CD06-269D-8519-0178-61F8107F3434}"/>
+              </a:ext>
+            </a:extLst>
+          </p:cNvPr>
+          <p:cNvSpPr txBox="1"/>
+          <p:nvPr/>
+        </p:nvSpPr>
+        <p:spPr>
+          <a:xfrm>
+            <a:off x="-13038277" y="-11704310"/>
+            <a:ext cx="6649080" cy="523220"/>
+          </a:xfrm>
+          <a:prstGeom prst="rect">
+            <a:avLst/>
+          </a:prstGeom>
+          <a:noFill/>
+        </p:spPr>
+        <p:txBody>
+          <a:bodyPr wrap="square" rtlCol="0">
+            <a:spAutoFit/>
+          </a:bodyPr>
+          <a:lstStyle/>
+          <a:p>
+            <a:pPr algn="ctr"/>
+            <a:r>
+              <a:rPr kumimoji="1" lang="en-US" altLang="ko-Kore-KR" sz="2800">
+                <a:ea typeface="Microsoft Himalaya" pitchFamily="2" charset="0"/>
+                <a:cs typeface="Microsoft Himalaya" pitchFamily="2" charset="0"/>
+              </a:rPr>
+              <a:t>What is a purpose of the paper?</a:t>
+            </a:r>
+            <a:endParaRPr kumimoji="1" lang="ko-Kore-KR" altLang="en-US" sz="2800">
+              <a:solidFill>
+                <a:schemeClr val="bg1">
+                  <a:alpha val="0"/>
+                </a:schemeClr>
+              </a:solidFill>
+              <a:cs typeface="Microsoft Himalaya" pitchFamily="2" charset="0"/>
+            </a:endParaRPr>
+          </a:p>
+        </p:txBody>
+      </p:sp>
+      <p:sp>
+        <p:nvSpPr>
+          <p:cNvPr id="6" name="타원 5">
+            <a:extLst>
+              <a:ext uri="{FF2B5EF4-FFF2-40B4-BE49-F238E27FC236}">
+                <a16:creationId xmlns:a16="http://schemas.microsoft.com/office/drawing/2014/main" id="{2EE2381A-BA90-6CCC-E30D-9B8CB7883D9B}"/>
+              </a:ext>
+            </a:extLst>
+          </p:cNvPr>
+          <p:cNvSpPr/>
+          <p:nvPr/>
+        </p:nvSpPr>
+        <p:spPr>
+          <a:xfrm>
+            <a:off x="-12512048" y="-12370175"/>
+            <a:ext cx="5416902" cy="1895475"/>
+          </a:xfrm>
+          <a:prstGeom prst="ellipse">
+            <a:avLst/>
+          </a:prstGeom>
+          <a:noFill/>
+          <a:ln w="19050">
+            <a:solidFill>
+              <a:schemeClr val="tx1"/>
+            </a:solidFill>
+          </a:ln>
+        </p:spPr>
+        <p:style>
+          <a:lnRef idx="2">
+            <a:schemeClr val="accent1">
+              <a:shade val="15000"/>
+            </a:schemeClr>
+          </a:lnRef>
+          <a:fillRef idx="1">
+            <a:schemeClr val="accent1"/>
+          </a:fillRef>
+          <a:effectRef idx="0">
+            <a:schemeClr val="accent1"/>
+          </a:effectRef>
+          <a:fontRef idx="minor">
+            <a:schemeClr val="lt1"/>
+          </a:fontRef>
+        </p:style>
+        <p:txBody>
+          <a:bodyPr rtlCol="0" anchor="ctr"/>
+          <a:lstStyle/>
+          <a:p>
+            <a:pPr algn="ctr"/>
+            <a:endParaRPr kumimoji="1" lang="ko-Kore-KR" altLang="en-US"/>
+          </a:p>
+        </p:txBody>
+      </p:sp>
+      <p:sp>
+        <p:nvSpPr>
+          <p:cNvPr id="2" name="타원 1">
+            <a:extLst>
+              <a:ext uri="{FF2B5EF4-FFF2-40B4-BE49-F238E27FC236}">
+                <a16:creationId xmlns:a16="http://schemas.microsoft.com/office/drawing/2014/main" id="{3537091F-D64C-D90A-CCA1-057FC775DC84}"/>
+              </a:ext>
+            </a:extLst>
+          </p:cNvPr>
+          <p:cNvSpPr/>
+          <p:nvPr/>
+        </p:nvSpPr>
+        <p:spPr>
+          <a:xfrm>
+            <a:off x="-16944918" y="-16500084"/>
+            <a:ext cx="3470478" cy="3347761"/>
+          </a:xfrm>
+          <a:prstGeom prst="ellipse">
+            <a:avLst/>
+          </a:prstGeom>
+          <a:noFill/>
+          <a:ln w="19050">
+            <a:solidFill>
+              <a:schemeClr val="tx1"/>
+            </a:solidFill>
+          </a:ln>
+        </p:spPr>
+        <p:style>
+          <a:lnRef idx="2">
+            <a:schemeClr val="accent1">
+              <a:shade val="15000"/>
+            </a:schemeClr>
+          </a:lnRef>
+          <a:fillRef idx="1">
+            <a:schemeClr val="accent1"/>
+          </a:fillRef>
+          <a:effectRef idx="0">
+            <a:schemeClr val="accent1"/>
+          </a:effectRef>
+          <a:fontRef idx="minor">
+            <a:schemeClr val="lt1"/>
+          </a:fontRef>
+        </p:style>
+        <p:txBody>
+          <a:bodyPr rtlCol="0" anchor="ctr"/>
+          <a:lstStyle/>
+          <a:p>
+            <a:pPr algn="ctr"/>
+            <a:endParaRPr kumimoji="1" lang="ko-Kore-KR" altLang="en-US"/>
+          </a:p>
+        </p:txBody>
+      </p:sp>
+      <p:cxnSp>
+        <p:nvCxnSpPr>
+          <p:cNvPr id="14" name="구부러진 연결선[U] 13">
+            <a:extLst>
+              <a:ext uri="{FF2B5EF4-FFF2-40B4-BE49-F238E27FC236}">
+                <a16:creationId xmlns:a16="http://schemas.microsoft.com/office/drawing/2014/main" id="{2B954181-AE35-70DB-E680-6B87963413D4}"/>
+              </a:ext>
+            </a:extLst>
+          </p:cNvPr>
+          <p:cNvCxnSpPr>
+            <a:cxnSpLocks/>
+            <a:stCxn id="2" idx="5"/>
+            <a:endCxn id="6" idx="2"/>
+          </p:cNvCxnSpPr>
+          <p:nvPr/>
+        </p:nvCxnSpPr>
+        <p:spPr>
+          <a:xfrm rot="16200000" flipH="1">
+            <a:off x="-14357441" y="-13267830"/>
+            <a:ext cx="2220154" cy="1470632"/>
+          </a:xfrm>
+          <a:prstGeom prst="curvedConnector2">
+            <a:avLst/>
+          </a:prstGeom>
+          <a:ln w="12700">
+            <a:solidFill>
+              <a:schemeClr val="tx1"/>
+            </a:solidFill>
+          </a:ln>
+        </p:spPr>
+        <p:style>
+          <a:lnRef idx="1">
+            <a:schemeClr val="accent1"/>
+          </a:lnRef>
+          <a:fillRef idx="0">
+            <a:schemeClr val="accent1"/>
+          </a:fillRef>
+          <a:effectRef idx="0">
+            <a:schemeClr val="accent1"/>
+          </a:effectRef>
+          <a:fontRef idx="minor">
+            <a:schemeClr val="tx1"/>
+          </a:fontRef>
+        </p:style>
+      </p:cxnSp>
+      <p:sp>
+        <p:nvSpPr>
+          <p:cNvPr id="25" name="TextBox 24">
+            <a:extLst>
+              <a:ext uri="{FF2B5EF4-FFF2-40B4-BE49-F238E27FC236}">
+                <a16:creationId xmlns:a16="http://schemas.microsoft.com/office/drawing/2014/main" id="{758AC1A2-CDC9-B7E3-EBE8-BCC2D5E5D2B1}"/>
+              </a:ext>
+            </a:extLst>
+          </p:cNvPr>
+          <p:cNvSpPr txBox="1"/>
+          <p:nvPr/>
+        </p:nvSpPr>
+        <p:spPr>
+          <a:xfrm>
+            <a:off x="-16542221" y="-14475762"/>
+            <a:ext cx="9015787" cy="1323439"/>
+          </a:xfrm>
+          <a:prstGeom prst="rect">
+            <a:avLst/>
+          </a:prstGeom>
+          <a:noFill/>
+        </p:spPr>
+        <p:txBody>
+          <a:bodyPr wrap="square" rtlCol="0">
+            <a:spAutoFit/>
+          </a:bodyPr>
+          <a:lstStyle/>
+          <a:p>
+            <a:pPr algn="ctr"/>
+            <a:r>
+              <a:rPr kumimoji="1" lang="en-US" altLang="ko-Kore-KR" sz="4000">
+                <a:ea typeface="Microsoft Himalaya" pitchFamily="2" charset="0"/>
+                <a:cs typeface="Microsoft Himalaya" pitchFamily="2" charset="0"/>
+              </a:rPr>
+              <a:t>ghOSt</a:t>
+            </a:r>
+            <a:r>
+              <a:rPr kumimoji="1" lang="en-US" altLang="ko-Kore-KR" sz="4000">
+                <a:solidFill>
+                  <a:schemeClr val="bg1">
+                    <a:alpha val="0"/>
+                  </a:schemeClr>
+                </a:solidFill>
+                <a:ea typeface="Microsoft Himalaya" pitchFamily="2" charset="0"/>
+                <a:cs typeface="Microsoft Himalaya" pitchFamily="2" charset="0"/>
+              </a:rPr>
+              <a:t>: Fast &amp; Flexible User-space Delegation of Linux Scheduling </a:t>
+            </a:r>
+            <a:endParaRPr kumimoji="1" lang="ko-Kore-KR" altLang="en-US" sz="4000">
+              <a:solidFill>
+                <a:schemeClr val="bg1">
+                  <a:alpha val="0"/>
+                </a:schemeClr>
+              </a:solidFill>
+              <a:cs typeface="Microsoft Himalaya" pitchFamily="2" charset="0"/>
+            </a:endParaRPr>
+          </a:p>
+        </p:txBody>
+      </p:sp>
+      <p:sp>
+        <p:nvSpPr>
+          <p:cNvPr id="5" name="TextBox 4">
+            <a:extLst>
+              <a:ext uri="{FF2B5EF4-FFF2-40B4-BE49-F238E27FC236}">
+                <a16:creationId xmlns:a16="http://schemas.microsoft.com/office/drawing/2014/main" id="{6654DD5B-363D-007E-134A-CB95D8023FE8}"/>
+              </a:ext>
+            </a:extLst>
+          </p:cNvPr>
+          <p:cNvSpPr txBox="1"/>
+          <p:nvPr/>
+        </p:nvSpPr>
+        <p:spPr>
+          <a:xfrm>
+            <a:off x="-10062416" y="-9477371"/>
+            <a:ext cx="6649080" cy="954107"/>
+          </a:xfrm>
+          <a:prstGeom prst="rect">
+            <a:avLst/>
+          </a:prstGeom>
+          <a:noFill/>
+        </p:spPr>
+        <p:txBody>
+          <a:bodyPr wrap="square" rtlCol="0">
+            <a:spAutoFit/>
+          </a:bodyPr>
+          <a:lstStyle/>
+          <a:p>
+            <a:pPr algn="ctr"/>
+            <a:r>
+              <a:rPr kumimoji="1" lang="en-US" altLang="ko-Kore-KR" sz="2800">
+                <a:ea typeface="Microsoft Himalaya" pitchFamily="2" charset="0"/>
+                <a:cs typeface="Microsoft Himalaya" pitchFamily="2" charset="0"/>
+              </a:rPr>
+              <a:t>Delegating kernel scheduling</a:t>
+            </a:r>
+          </a:p>
+          <a:p>
+            <a:pPr algn="ctr"/>
+            <a:r>
+              <a:rPr kumimoji="1" lang="en-US" altLang="ko-Kore-KR" sz="2800">
+                <a:ea typeface="Microsoft Himalaya" pitchFamily="2" charset="0"/>
+                <a:cs typeface="Microsoft Himalaya" pitchFamily="2" charset="0"/>
+              </a:rPr>
+              <a:t>to userspace code </a:t>
+            </a:r>
+            <a:endParaRPr kumimoji="1" lang="ko-Kore-KR" altLang="en-US" sz="2800">
+              <a:cs typeface="Microsoft Himalaya" pitchFamily="2" charset="0"/>
+            </a:endParaRPr>
+          </a:p>
+        </p:txBody>
+      </p:sp>
+      <p:sp>
+        <p:nvSpPr>
+          <p:cNvPr id="8" name="타원 7">
+            <a:extLst>
+              <a:ext uri="{FF2B5EF4-FFF2-40B4-BE49-F238E27FC236}">
+                <a16:creationId xmlns:a16="http://schemas.microsoft.com/office/drawing/2014/main" id="{CCA7A6FF-A5C1-EE13-DAB5-2A47607E4AA0}"/>
+              </a:ext>
+            </a:extLst>
+          </p:cNvPr>
+          <p:cNvSpPr/>
+          <p:nvPr/>
+        </p:nvSpPr>
+        <p:spPr>
+          <a:xfrm>
+            <a:off x="-9446327" y="-9954162"/>
+            <a:ext cx="5416902" cy="1895475"/>
+          </a:xfrm>
+          <a:prstGeom prst="ellipse">
+            <a:avLst/>
+          </a:prstGeom>
+          <a:noFill/>
+          <a:ln w="19050">
+            <a:solidFill>
+              <a:schemeClr val="tx1"/>
+            </a:solidFill>
+          </a:ln>
+        </p:spPr>
+        <p:style>
+          <a:lnRef idx="2">
+            <a:schemeClr val="accent1">
+              <a:shade val="15000"/>
+            </a:schemeClr>
+          </a:lnRef>
+          <a:fillRef idx="1">
+            <a:schemeClr val="accent1"/>
+          </a:fillRef>
+          <a:effectRef idx="0">
+            <a:schemeClr val="accent1"/>
+          </a:effectRef>
+          <a:fontRef idx="minor">
+            <a:schemeClr val="lt1"/>
+          </a:fontRef>
+        </p:style>
+        <p:txBody>
+          <a:bodyPr rtlCol="0" anchor="ctr"/>
+          <a:lstStyle/>
+          <a:p>
+            <a:pPr algn="ctr"/>
+            <a:endParaRPr kumimoji="1" lang="ko-Kore-KR" altLang="en-US"/>
+          </a:p>
+        </p:txBody>
+      </p:sp>
+      <p:cxnSp>
+        <p:nvCxnSpPr>
+          <p:cNvPr id="9" name="구부러진 연결선[U] 8">
+            <a:extLst>
+              <a:ext uri="{FF2B5EF4-FFF2-40B4-BE49-F238E27FC236}">
+                <a16:creationId xmlns:a16="http://schemas.microsoft.com/office/drawing/2014/main" id="{068EEA84-621C-4582-DC0F-D62A6F3062A3}"/>
+              </a:ext>
+            </a:extLst>
+          </p:cNvPr>
+          <p:cNvCxnSpPr>
+            <a:cxnSpLocks/>
+            <a:stCxn id="6" idx="4"/>
+            <a:endCxn id="8" idx="1"/>
+          </p:cNvCxnSpPr>
+          <p:nvPr/>
+        </p:nvCxnSpPr>
+        <p:spPr>
+          <a:xfrm rot="16200000" flipH="1">
+            <a:off x="-9627381" y="-10650917"/>
+            <a:ext cx="798124" cy="1150557"/>
+          </a:xfrm>
+          <a:prstGeom prst="curvedConnector3">
+            <a:avLst>
+              <a:gd name="adj1" fmla="val 50000"/>
+            </a:avLst>
+          </a:prstGeom>
+          <a:ln w="12700">
+            <a:solidFill>
+              <a:schemeClr val="tx1"/>
+            </a:solidFill>
+          </a:ln>
+        </p:spPr>
+        <p:style>
+          <a:lnRef idx="1">
+            <a:schemeClr val="accent1"/>
+          </a:lnRef>
+          <a:fillRef idx="0">
+            <a:schemeClr val="accent1"/>
+          </a:fillRef>
+          <a:effectRef idx="0">
+            <a:schemeClr val="accent1"/>
+          </a:effectRef>
+          <a:fontRef idx="minor">
+            <a:schemeClr val="tx1"/>
+          </a:fontRef>
+        </p:style>
+      </p:cxnSp>
+      <p:cxnSp>
+        <p:nvCxnSpPr>
+          <p:cNvPr id="3" name="구부러진 연결선[U] 2">
+            <a:extLst>
+              <a:ext uri="{FF2B5EF4-FFF2-40B4-BE49-F238E27FC236}">
+                <a16:creationId xmlns:a16="http://schemas.microsoft.com/office/drawing/2014/main" id="{AC3F9A48-1A19-F6C7-B3C2-CDA39B862C08}"/>
+              </a:ext>
+            </a:extLst>
+          </p:cNvPr>
+          <p:cNvCxnSpPr>
+            <a:cxnSpLocks/>
+            <a:stCxn id="8" idx="4"/>
+            <a:endCxn id="11" idx="1"/>
+          </p:cNvCxnSpPr>
+          <p:nvPr/>
+        </p:nvCxnSpPr>
+        <p:spPr>
+          <a:xfrm rot="16200000" flipH="1">
+            <a:off x="-6532960" y="-8263604"/>
+            <a:ext cx="542943" cy="952775"/>
+          </a:xfrm>
+          <a:prstGeom prst="curvedConnector3">
+            <a:avLst>
+              <a:gd name="adj1" fmla="val 50000"/>
+            </a:avLst>
+          </a:prstGeom>
+          <a:ln w="12700">
+            <a:solidFill>
+              <a:schemeClr val="tx1"/>
+            </a:solidFill>
+          </a:ln>
+        </p:spPr>
+        <p:style>
+          <a:lnRef idx="1">
+            <a:schemeClr val="accent1"/>
+          </a:lnRef>
+          <a:fillRef idx="0">
+            <a:schemeClr val="accent1"/>
+          </a:fillRef>
+          <a:effectRef idx="0">
+            <a:schemeClr val="accent1"/>
+          </a:effectRef>
+          <a:fontRef idx="minor">
+            <a:schemeClr val="tx1"/>
+          </a:fontRef>
+        </p:style>
+      </p:cxnSp>
+      <p:sp>
+        <p:nvSpPr>
+          <p:cNvPr id="10" name="TextBox 9">
+            <a:extLst>
+              <a:ext uri="{FF2B5EF4-FFF2-40B4-BE49-F238E27FC236}">
+                <a16:creationId xmlns:a16="http://schemas.microsoft.com/office/drawing/2014/main" id="{D2C2F8E5-4B8F-C384-0BD1-F8CC7DBBFE31}"/>
+              </a:ext>
+            </a:extLst>
+          </p:cNvPr>
+          <p:cNvSpPr txBox="1"/>
+          <p:nvPr/>
+        </p:nvSpPr>
+        <p:spPr>
+          <a:xfrm>
+            <a:off x="-4250333" y="-4667414"/>
+            <a:ext cx="7214942" cy="1384995"/>
+          </a:xfrm>
+          <a:prstGeom prst="rect">
+            <a:avLst/>
+          </a:prstGeom>
+          <a:noFill/>
+        </p:spPr>
+        <p:txBody>
+          <a:bodyPr wrap="square" rtlCol="0">
+            <a:spAutoFit/>
+          </a:bodyPr>
+          <a:lstStyle/>
+          <a:p>
+            <a:pPr algn="ctr"/>
+            <a:r>
+              <a:rPr kumimoji="1" lang="en-US" altLang="ko-Kore-KR" sz="2800">
+                <a:ea typeface="Microsoft Himalaya" pitchFamily="2" charset="0"/>
+                <a:cs typeface="Microsoft Himalaya" pitchFamily="2" charset="0"/>
+              </a:rPr>
+              <a:t>Because it means that applications can be implemented leveraging the powerful features of the kernel scheduler!!!</a:t>
+            </a:r>
+            <a:endParaRPr kumimoji="1" lang="ko-Kore-KR" altLang="en-US" sz="2800">
+              <a:cs typeface="Microsoft Himalaya" pitchFamily="2" charset="0"/>
+            </a:endParaRPr>
+          </a:p>
+        </p:txBody>
+      </p:sp>
+      <p:sp>
+        <p:nvSpPr>
+          <p:cNvPr id="11" name="타원 10">
+            <a:extLst>
+              <a:ext uri="{FF2B5EF4-FFF2-40B4-BE49-F238E27FC236}">
+                <a16:creationId xmlns:a16="http://schemas.microsoft.com/office/drawing/2014/main" id="{553EEAA2-6F2C-9BFD-E1DC-B64CC11A8B05}"/>
+              </a:ext>
+            </a:extLst>
+          </p:cNvPr>
+          <p:cNvSpPr/>
+          <p:nvPr/>
+        </p:nvSpPr>
+        <p:spPr>
+          <a:xfrm>
+            <a:off x="-6578388" y="-7793330"/>
+            <a:ext cx="5416902" cy="1895475"/>
+          </a:xfrm>
+          <a:prstGeom prst="ellipse">
+            <a:avLst/>
+          </a:prstGeom>
+          <a:noFill/>
+          <a:ln w="19050">
+            <a:solidFill>
+              <a:schemeClr val="tx1"/>
+            </a:solidFill>
+          </a:ln>
+        </p:spPr>
+        <p:style>
+          <a:lnRef idx="2">
+            <a:schemeClr val="accent1">
+              <a:shade val="15000"/>
+            </a:schemeClr>
+          </a:lnRef>
+          <a:fillRef idx="1">
+            <a:schemeClr val="accent1"/>
+          </a:fillRef>
+          <a:effectRef idx="0">
+            <a:schemeClr val="accent1"/>
+          </a:effectRef>
+          <a:fontRef idx="minor">
+            <a:schemeClr val="lt1"/>
+          </a:fontRef>
+        </p:style>
+        <p:txBody>
+          <a:bodyPr rtlCol="0" anchor="ctr"/>
+          <a:lstStyle/>
+          <a:p>
+            <a:pPr algn="ctr"/>
+            <a:endParaRPr kumimoji="1" lang="ko-Kore-KR" altLang="en-US"/>
+          </a:p>
+        </p:txBody>
+      </p:sp>
+      <p:sp>
+        <p:nvSpPr>
+          <p:cNvPr id="12" name="타원 11">
+            <a:extLst>
+              <a:ext uri="{FF2B5EF4-FFF2-40B4-BE49-F238E27FC236}">
+                <a16:creationId xmlns:a16="http://schemas.microsoft.com/office/drawing/2014/main" id="{98BE3455-7E7C-98E6-2F4D-8656076DB122}"/>
+              </a:ext>
+            </a:extLst>
+          </p:cNvPr>
+          <p:cNvSpPr/>
+          <p:nvPr/>
+        </p:nvSpPr>
+        <p:spPr>
+          <a:xfrm>
+            <a:off x="-4398115" y="-5231422"/>
+            <a:ext cx="7510506" cy="2356551"/>
+          </a:xfrm>
+          <a:prstGeom prst="ellipse">
+            <a:avLst/>
+          </a:prstGeom>
+          <a:noFill/>
+          <a:ln w="19050">
+            <a:solidFill>
+              <a:schemeClr val="tx1"/>
+            </a:solidFill>
+          </a:ln>
+        </p:spPr>
+        <p:style>
+          <a:lnRef idx="2">
+            <a:schemeClr val="accent1">
+              <a:shade val="15000"/>
+            </a:schemeClr>
+          </a:lnRef>
+          <a:fillRef idx="1">
+            <a:schemeClr val="accent1"/>
+          </a:fillRef>
+          <a:effectRef idx="0">
+            <a:schemeClr val="accent1"/>
+          </a:effectRef>
+          <a:fontRef idx="minor">
+            <a:schemeClr val="lt1"/>
+          </a:fontRef>
+        </p:style>
+        <p:txBody>
+          <a:bodyPr rtlCol="0" anchor="ctr"/>
+          <a:lstStyle/>
+          <a:p>
+            <a:pPr algn="ctr"/>
+            <a:endParaRPr kumimoji="1" lang="ko-Kore-KR" altLang="en-US"/>
+          </a:p>
+        </p:txBody>
+      </p:sp>
+      <p:cxnSp>
+        <p:nvCxnSpPr>
+          <p:cNvPr id="13" name="구부러진 연결선[U] 12">
+            <a:extLst>
+              <a:ext uri="{FF2B5EF4-FFF2-40B4-BE49-F238E27FC236}">
+                <a16:creationId xmlns:a16="http://schemas.microsoft.com/office/drawing/2014/main" id="{8D73709C-867B-5C3D-0744-BD01319122DC}"/>
+              </a:ext>
+            </a:extLst>
+          </p:cNvPr>
+          <p:cNvCxnSpPr>
+            <a:cxnSpLocks/>
+            <a:stCxn id="11" idx="4"/>
+            <a:endCxn id="12" idx="1"/>
+          </p:cNvCxnSpPr>
+          <p:nvPr/>
+        </p:nvCxnSpPr>
+        <p:spPr>
+          <a:xfrm rot="16200000" flipH="1">
+            <a:off x="-4089853" y="-5677939"/>
+            <a:ext cx="1011542" cy="571710"/>
+          </a:xfrm>
+          <a:prstGeom prst="curvedConnector3">
+            <a:avLst>
+              <a:gd name="adj1" fmla="val 50000"/>
+            </a:avLst>
+          </a:prstGeom>
+          <a:ln w="12700">
+            <a:solidFill>
+              <a:schemeClr val="tx1"/>
+            </a:solidFill>
+          </a:ln>
+        </p:spPr>
+        <p:style>
+          <a:lnRef idx="1">
+            <a:schemeClr val="accent1"/>
+          </a:lnRef>
+          <a:fillRef idx="0">
+            <a:schemeClr val="accent1"/>
+          </a:fillRef>
+          <a:effectRef idx="0">
+            <a:schemeClr val="accent1"/>
+          </a:effectRef>
+          <a:fontRef idx="minor">
+            <a:schemeClr val="tx1"/>
+          </a:fontRef>
+        </p:style>
+      </p:cxnSp>
+      <p:sp>
+        <p:nvSpPr>
+          <p:cNvPr id="17" name="TextBox 16">
+            <a:extLst>
+              <a:ext uri="{FF2B5EF4-FFF2-40B4-BE49-F238E27FC236}">
+                <a16:creationId xmlns:a16="http://schemas.microsoft.com/office/drawing/2014/main" id="{2461D2E0-27C3-B02E-68FA-2F27E0718AE4}"/>
+              </a:ext>
+            </a:extLst>
+          </p:cNvPr>
+          <p:cNvSpPr txBox="1"/>
+          <p:nvPr/>
+        </p:nvSpPr>
+        <p:spPr>
+          <a:xfrm>
+            <a:off x="-7353965" y="-7061358"/>
+            <a:ext cx="6649080" cy="523220"/>
+          </a:xfrm>
+          <a:prstGeom prst="rect">
+            <a:avLst/>
+          </a:prstGeom>
+          <a:noFill/>
+        </p:spPr>
+        <p:txBody>
+          <a:bodyPr wrap="square" rtlCol="0">
+            <a:spAutoFit/>
+          </a:bodyPr>
+          <a:lstStyle/>
+          <a:p>
+            <a:pPr algn="ctr"/>
+            <a:r>
+              <a:rPr kumimoji="1" lang="en-US" altLang="ko-Kore-KR" sz="2800">
+                <a:ea typeface="Microsoft Himalaya" pitchFamily="2" charset="0"/>
+                <a:cs typeface="Microsoft Himalaya" pitchFamily="2" charset="0"/>
+              </a:rPr>
+              <a:t>Why is that important?</a:t>
+            </a:r>
+            <a:endParaRPr kumimoji="1" lang="ko-Kore-KR" altLang="en-US" sz="2800">
+              <a:cs typeface="Microsoft Himalaya" pitchFamily="2" charset="0"/>
+            </a:endParaRPr>
+          </a:p>
+        </p:txBody>
+      </p:sp>
+      <p:sp>
+        <p:nvSpPr>
+          <p:cNvPr id="4" name="TextBox 3">
+            <a:extLst>
+              <a:ext uri="{FF2B5EF4-FFF2-40B4-BE49-F238E27FC236}">
+                <a16:creationId xmlns:a16="http://schemas.microsoft.com/office/drawing/2014/main" id="{09069384-6BDF-4AB8-9E82-55B8B48224F5}"/>
+              </a:ext>
+            </a:extLst>
+          </p:cNvPr>
+          <p:cNvSpPr txBox="1"/>
+          <p:nvPr/>
+        </p:nvSpPr>
+        <p:spPr>
+          <a:xfrm>
+            <a:off x="274043" y="-2085261"/>
+            <a:ext cx="7214942" cy="1384995"/>
+          </a:xfrm>
+          <a:prstGeom prst="rect">
+            <a:avLst/>
+          </a:prstGeom>
+          <a:noFill/>
+        </p:spPr>
+        <p:txBody>
+          <a:bodyPr wrap="square" rtlCol="0">
+            <a:spAutoFit/>
+          </a:bodyPr>
+          <a:lstStyle/>
+          <a:p>
+            <a:pPr algn="ctr"/>
+            <a:r>
+              <a:rPr kumimoji="1" lang="en-US" altLang="ko-Kore-KR" sz="2800">
+                <a:cs typeface="Microsoft Himalaya" pitchFamily="2" charset="0"/>
+              </a:rPr>
+              <a:t>Also, scheduling designs that were previously </a:t>
+            </a:r>
+            <a:r>
+              <a:rPr kumimoji="1" lang="en-US" altLang="ko-KR" sz="2800">
+                <a:cs typeface="Microsoft Himalaya" pitchFamily="2" charset="0"/>
+              </a:rPr>
+              <a:t>unused because they did not fit into the general kernel </a:t>
+            </a:r>
+            <a:r>
+              <a:rPr kumimoji="1" lang="en-US" altLang="ko-Kore-KR" sz="2800">
+                <a:cs typeface="Microsoft Himalaya" pitchFamily="2" charset="0"/>
+              </a:rPr>
+              <a:t>can be used in the userspace!!</a:t>
+            </a:r>
+            <a:endParaRPr kumimoji="1" lang="ko-Kore-KR" altLang="en-US" sz="2800">
+              <a:cs typeface="Microsoft Himalaya" pitchFamily="2" charset="0"/>
+            </a:endParaRPr>
+          </a:p>
+        </p:txBody>
+      </p:sp>
+      <p:cxnSp>
+        <p:nvCxnSpPr>
+          <p:cNvPr id="15" name="구부러진 연결선[U] 14">
+            <a:extLst>
+              <a:ext uri="{FF2B5EF4-FFF2-40B4-BE49-F238E27FC236}">
+                <a16:creationId xmlns:a16="http://schemas.microsoft.com/office/drawing/2014/main" id="{86EB4F29-36E1-ABFE-5C78-E34AEC8E26C2}"/>
+              </a:ext>
+            </a:extLst>
+          </p:cNvPr>
+          <p:cNvCxnSpPr>
+            <a:cxnSpLocks/>
+            <a:stCxn id="12" idx="5"/>
+            <a:endCxn id="16" idx="0"/>
+          </p:cNvCxnSpPr>
+          <p:nvPr/>
+        </p:nvCxnSpPr>
+        <p:spPr>
+          <a:xfrm rot="16200000" flipH="1">
+            <a:off x="2680383" y="-3887861"/>
+            <a:ext cx="501569" cy="1837329"/>
+          </a:xfrm>
+          <a:prstGeom prst="curvedConnector3">
+            <a:avLst>
+              <a:gd name="adj1" fmla="val 50000"/>
+            </a:avLst>
+          </a:prstGeom>
+          <a:ln w="12700">
+            <a:solidFill>
+              <a:schemeClr val="tx1"/>
+            </a:solidFill>
+          </a:ln>
+        </p:spPr>
+        <p:style>
+          <a:lnRef idx="1">
+            <a:schemeClr val="accent1"/>
+          </a:lnRef>
+          <a:fillRef idx="0">
+            <a:schemeClr val="accent1"/>
+          </a:fillRef>
+          <a:effectRef idx="0">
+            <a:schemeClr val="accent1"/>
+          </a:effectRef>
+          <a:fontRef idx="minor">
+            <a:schemeClr val="tx1"/>
+          </a:fontRef>
+        </p:style>
+      </p:cxnSp>
+      <p:sp>
+        <p:nvSpPr>
+          <p:cNvPr id="16" name="타원 15">
+            <a:extLst>
+              <a:ext uri="{FF2B5EF4-FFF2-40B4-BE49-F238E27FC236}">
+                <a16:creationId xmlns:a16="http://schemas.microsoft.com/office/drawing/2014/main" id="{C2E7E2C8-45E7-5C28-C930-10DEF0105BBC}"/>
+              </a:ext>
+            </a:extLst>
+          </p:cNvPr>
+          <p:cNvSpPr/>
+          <p:nvPr/>
+        </p:nvSpPr>
+        <p:spPr>
+          <a:xfrm>
+            <a:off x="-94222" y="-2718411"/>
+            <a:ext cx="7888107" cy="2599856"/>
+          </a:xfrm>
+          <a:prstGeom prst="ellipse">
+            <a:avLst/>
+          </a:prstGeom>
+          <a:noFill/>
+          <a:ln w="19050">
+            <a:solidFill>
+              <a:schemeClr val="tx1"/>
+            </a:solidFill>
+          </a:ln>
+        </p:spPr>
+        <p:style>
+          <a:lnRef idx="2">
+            <a:schemeClr val="accent1">
+              <a:shade val="15000"/>
+            </a:schemeClr>
+          </a:lnRef>
+          <a:fillRef idx="1">
+            <a:schemeClr val="accent1"/>
+          </a:fillRef>
+          <a:effectRef idx="0">
+            <a:schemeClr val="accent1"/>
+          </a:effectRef>
+          <a:fontRef idx="minor">
+            <a:schemeClr val="lt1"/>
+          </a:fontRef>
+        </p:style>
+        <p:txBody>
+          <a:bodyPr rtlCol="0" anchor="ctr"/>
+          <a:lstStyle/>
+          <a:p>
+            <a:pPr algn="ctr"/>
+            <a:endParaRPr kumimoji="1" lang="ko-Kore-KR" altLang="en-US"/>
+          </a:p>
+        </p:txBody>
+      </p:sp>
+      <p:sp>
+        <p:nvSpPr>
+          <p:cNvPr id="18" name="TextBox 17">
+            <a:extLst>
+              <a:ext uri="{FF2B5EF4-FFF2-40B4-BE49-F238E27FC236}">
+                <a16:creationId xmlns:a16="http://schemas.microsoft.com/office/drawing/2014/main" id="{4EF28DD6-7793-8D9A-044F-B978D4AF4B34}"/>
+              </a:ext>
+            </a:extLst>
+          </p:cNvPr>
+          <p:cNvSpPr txBox="1"/>
+          <p:nvPr/>
+        </p:nvSpPr>
+        <p:spPr>
+          <a:xfrm>
+            <a:off x="1894655" y="1064103"/>
+            <a:ext cx="8214246" cy="1384995"/>
+          </a:xfrm>
+          <a:prstGeom prst="rect">
+            <a:avLst/>
+          </a:prstGeom>
+          <a:noFill/>
+        </p:spPr>
+        <p:txBody>
+          <a:bodyPr wrap="square" rtlCol="0">
+            <a:spAutoFit/>
+          </a:bodyPr>
+          <a:lstStyle/>
+          <a:p>
+            <a:pPr algn="ctr"/>
+            <a:r>
+              <a:rPr kumimoji="1" lang="en-US" altLang="ko-Kore-KR" sz="2800">
+                <a:cs typeface="Microsoft Himalaya" pitchFamily="2" charset="0"/>
+              </a:rPr>
+              <a:t>Fundamentally, the ghOSt relaxes restrictions in terms of CPU virtualization, expanding user’s development design freedom</a:t>
+            </a:r>
+            <a:endParaRPr kumimoji="1" lang="ko-Kore-KR" altLang="en-US" sz="2800">
+              <a:cs typeface="Microsoft Himalaya" pitchFamily="2" charset="0"/>
+            </a:endParaRPr>
+          </a:p>
+        </p:txBody>
+      </p:sp>
+      <p:sp>
+        <p:nvSpPr>
+          <p:cNvPr id="19" name="타원 18">
+            <a:extLst>
+              <a:ext uri="{FF2B5EF4-FFF2-40B4-BE49-F238E27FC236}">
+                <a16:creationId xmlns:a16="http://schemas.microsoft.com/office/drawing/2014/main" id="{FA0DF77A-7B58-7DE1-8A3E-0A5DA271ECE9}"/>
+              </a:ext>
+            </a:extLst>
+          </p:cNvPr>
+          <p:cNvSpPr/>
+          <p:nvPr/>
+        </p:nvSpPr>
+        <p:spPr>
+          <a:xfrm>
+            <a:off x="1277088" y="436586"/>
+            <a:ext cx="9637823" cy="2648636"/>
+          </a:xfrm>
+          <a:prstGeom prst="ellipse">
+            <a:avLst/>
+          </a:prstGeom>
+          <a:noFill/>
+          <a:ln w="19050">
+            <a:solidFill>
+              <a:schemeClr val="tx1"/>
+            </a:solidFill>
+          </a:ln>
+        </p:spPr>
+        <p:style>
+          <a:lnRef idx="2">
+            <a:schemeClr val="accent1">
+              <a:shade val="15000"/>
+            </a:schemeClr>
+          </a:lnRef>
+          <a:fillRef idx="1">
+            <a:schemeClr val="accent1"/>
+          </a:fillRef>
+          <a:effectRef idx="0">
+            <a:schemeClr val="accent1"/>
+          </a:effectRef>
+          <a:fontRef idx="minor">
+            <a:schemeClr val="lt1"/>
+          </a:fontRef>
+        </p:style>
+        <p:txBody>
+          <a:bodyPr rtlCol="0" anchor="ctr"/>
+          <a:lstStyle/>
+          <a:p>
+            <a:pPr algn="ctr"/>
+            <a:endParaRPr kumimoji="1" lang="ko-Kore-KR" altLang="en-US"/>
+          </a:p>
+        </p:txBody>
+      </p:sp>
+      <p:cxnSp>
+        <p:nvCxnSpPr>
+          <p:cNvPr id="20" name="구부러진 연결선[U] 19">
+            <a:extLst>
+              <a:ext uri="{FF2B5EF4-FFF2-40B4-BE49-F238E27FC236}">
+                <a16:creationId xmlns:a16="http://schemas.microsoft.com/office/drawing/2014/main" id="{19A5D647-6532-DA56-118D-A70386D6DBB1}"/>
+              </a:ext>
+            </a:extLst>
+          </p:cNvPr>
+          <p:cNvCxnSpPr>
+            <a:cxnSpLocks/>
+            <a:stCxn id="16" idx="4"/>
+            <a:endCxn id="19" idx="0"/>
+          </p:cNvCxnSpPr>
+          <p:nvPr/>
+        </p:nvCxnSpPr>
+        <p:spPr>
+          <a:xfrm rot="16200000" flipH="1">
+            <a:off x="4695346" y="-964069"/>
+            <a:ext cx="555141" cy="2246168"/>
+          </a:xfrm>
+          <a:prstGeom prst="curvedConnector3">
+            <a:avLst>
+              <a:gd name="adj1" fmla="val 50000"/>
+            </a:avLst>
+          </a:prstGeom>
+          <a:ln w="12700">
+            <a:solidFill>
+              <a:schemeClr val="tx1"/>
+            </a:solidFill>
+          </a:ln>
+        </p:spPr>
+        <p:style>
+          <a:lnRef idx="1">
+            <a:schemeClr val="accent1"/>
+          </a:lnRef>
+          <a:fillRef idx="0">
+            <a:schemeClr val="accent1"/>
+          </a:fillRef>
+          <a:effectRef idx="0">
+            <a:schemeClr val="accent1"/>
+          </a:effectRef>
+          <a:fontRef idx="minor">
+            <a:schemeClr val="tx1"/>
+          </a:fontRef>
+        </p:style>
+      </p:cxnSp>
+      <p:sp>
+        <p:nvSpPr>
+          <p:cNvPr id="21" name="TextBox 20">
+            <a:extLst>
+              <a:ext uri="{FF2B5EF4-FFF2-40B4-BE49-F238E27FC236}">
+                <a16:creationId xmlns:a16="http://schemas.microsoft.com/office/drawing/2014/main" id="{A8F0A1E5-1099-7203-EF65-828FC6C9B5A6}"/>
+              </a:ext>
+            </a:extLst>
+          </p:cNvPr>
+          <p:cNvSpPr txBox="1"/>
+          <p:nvPr/>
+        </p:nvSpPr>
+        <p:spPr>
+          <a:xfrm>
+            <a:off x="1807694" y="3982536"/>
+            <a:ext cx="8214246" cy="523220"/>
+          </a:xfrm>
+          <a:prstGeom prst="rect">
+            <a:avLst/>
+          </a:prstGeom>
+          <a:noFill/>
+        </p:spPr>
+        <p:txBody>
+          <a:bodyPr wrap="square" rtlCol="0">
+            <a:spAutoFit/>
+          </a:bodyPr>
+          <a:lstStyle/>
+          <a:p>
+            <a:pPr algn="ctr"/>
+            <a:r>
+              <a:rPr kumimoji="1" lang="en-US" altLang="ko-Kore-KR" sz="2800">
+                <a:cs typeface="Microsoft Himalaya" pitchFamily="2" charset="0"/>
+              </a:rPr>
+              <a:t>Then, is a new insight presented by ghOSt? </a:t>
+            </a:r>
+            <a:endParaRPr kumimoji="1" lang="ko-Kore-KR" altLang="en-US" sz="2800">
+              <a:cs typeface="Microsoft Himalaya" pitchFamily="2" charset="0"/>
+            </a:endParaRPr>
+          </a:p>
+        </p:txBody>
+      </p:sp>
+      <p:sp>
+        <p:nvSpPr>
+          <p:cNvPr id="22" name="타원 21">
+            <a:extLst>
+              <a:ext uri="{FF2B5EF4-FFF2-40B4-BE49-F238E27FC236}">
+                <a16:creationId xmlns:a16="http://schemas.microsoft.com/office/drawing/2014/main" id="{4C508DF5-D81D-1B29-3261-B9B15C155BE4}"/>
+              </a:ext>
+            </a:extLst>
+          </p:cNvPr>
+          <p:cNvSpPr/>
+          <p:nvPr/>
+        </p:nvSpPr>
+        <p:spPr>
+          <a:xfrm>
+            <a:off x="1949921" y="3712739"/>
+            <a:ext cx="7846783" cy="1129346"/>
+          </a:xfrm>
+          <a:prstGeom prst="ellipse">
+            <a:avLst/>
+          </a:prstGeom>
+          <a:noFill/>
+          <a:ln w="19050">
+            <a:solidFill>
+              <a:schemeClr val="tx1"/>
+            </a:solidFill>
+          </a:ln>
+        </p:spPr>
+        <p:style>
+          <a:lnRef idx="2">
+            <a:schemeClr val="accent1">
+              <a:shade val="15000"/>
+            </a:schemeClr>
+          </a:lnRef>
+          <a:fillRef idx="1">
+            <a:schemeClr val="accent1"/>
+          </a:fillRef>
+          <a:effectRef idx="0">
+            <a:schemeClr val="accent1"/>
+          </a:effectRef>
+          <a:fontRef idx="minor">
+            <a:schemeClr val="lt1"/>
+          </a:fontRef>
+        </p:style>
+        <p:txBody>
+          <a:bodyPr rtlCol="0" anchor="ctr"/>
+          <a:lstStyle/>
+          <a:p>
+            <a:pPr algn="ctr"/>
+            <a:endParaRPr kumimoji="1" lang="ko-Kore-KR" altLang="en-US"/>
+          </a:p>
+        </p:txBody>
+      </p:sp>
+      <p:cxnSp>
+        <p:nvCxnSpPr>
+          <p:cNvPr id="23" name="구부러진 연결선[U] 22">
+            <a:extLst>
+              <a:ext uri="{FF2B5EF4-FFF2-40B4-BE49-F238E27FC236}">
+                <a16:creationId xmlns:a16="http://schemas.microsoft.com/office/drawing/2014/main" id="{76975E94-9776-4206-E3F2-A9C416308400}"/>
+              </a:ext>
+            </a:extLst>
+          </p:cNvPr>
+          <p:cNvCxnSpPr>
+            <a:cxnSpLocks/>
+            <a:stCxn id="19" idx="4"/>
+            <a:endCxn id="22" idx="0"/>
+          </p:cNvCxnSpPr>
+          <p:nvPr/>
+        </p:nvCxnSpPr>
+        <p:spPr>
+          <a:xfrm rot="5400000">
+            <a:off x="5670899" y="3287637"/>
+            <a:ext cx="627517" cy="222687"/>
+          </a:xfrm>
+          <a:prstGeom prst="curvedConnector3">
+            <a:avLst>
+              <a:gd name="adj1" fmla="val 50000"/>
+            </a:avLst>
+          </a:prstGeom>
+          <a:ln w="12700">
+            <a:solidFill>
+              <a:schemeClr val="tx1"/>
+            </a:solidFill>
+          </a:ln>
+        </p:spPr>
+        <p:style>
+          <a:lnRef idx="1">
+            <a:schemeClr val="accent1"/>
+          </a:lnRef>
+          <a:fillRef idx="0">
+            <a:schemeClr val="accent1"/>
+          </a:fillRef>
+          <a:effectRef idx="0">
+            <a:schemeClr val="accent1"/>
+          </a:effectRef>
+          <a:fontRef idx="minor">
+            <a:schemeClr val="tx1"/>
+          </a:fontRef>
+        </p:style>
+      </p:cxnSp>
+      <p:sp>
+        <p:nvSpPr>
+          <p:cNvPr id="24" name="TextBox 23">
+            <a:extLst>
+              <a:ext uri="{FF2B5EF4-FFF2-40B4-BE49-F238E27FC236}">
+                <a16:creationId xmlns:a16="http://schemas.microsoft.com/office/drawing/2014/main" id="{D9CCB771-34F4-DECE-EB41-D9D9451BBE6B}"/>
+              </a:ext>
+            </a:extLst>
+          </p:cNvPr>
+          <p:cNvSpPr txBox="1"/>
+          <p:nvPr/>
+        </p:nvSpPr>
+        <p:spPr>
+          <a:xfrm>
+            <a:off x="2348100" y="5398491"/>
+            <a:ext cx="7410059" cy="954107"/>
+          </a:xfrm>
+          <a:prstGeom prst="rect">
+            <a:avLst/>
+          </a:prstGeom>
+          <a:noFill/>
+        </p:spPr>
+        <p:txBody>
+          <a:bodyPr wrap="square" rtlCol="0">
+            <a:spAutoFit/>
+          </a:bodyPr>
+          <a:lstStyle/>
+          <a:p>
+            <a:pPr algn="ctr"/>
+            <a:r>
+              <a:rPr kumimoji="1" lang="en-US" altLang="ko-Kore-KR" sz="2800">
+                <a:cs typeface="Microsoft Himalaya" pitchFamily="2" charset="0"/>
+              </a:rPr>
+              <a:t>To get the unique insights that ghOSt suggests, we need to know differences from previous works</a:t>
+            </a:r>
+            <a:endParaRPr kumimoji="1" lang="ko-Kore-KR" altLang="en-US" sz="2800">
+              <a:cs typeface="Microsoft Himalaya" pitchFamily="2" charset="0"/>
+            </a:endParaRPr>
+          </a:p>
+        </p:txBody>
+      </p:sp>
+      <p:sp>
+        <p:nvSpPr>
+          <p:cNvPr id="26" name="타원 25">
+            <a:extLst>
+              <a:ext uri="{FF2B5EF4-FFF2-40B4-BE49-F238E27FC236}">
+                <a16:creationId xmlns:a16="http://schemas.microsoft.com/office/drawing/2014/main" id="{74D3F31D-3F9C-6321-18F1-2C57945CDF24}"/>
+              </a:ext>
+            </a:extLst>
+          </p:cNvPr>
+          <p:cNvSpPr/>
+          <p:nvPr/>
+        </p:nvSpPr>
+        <p:spPr>
+          <a:xfrm>
+            <a:off x="1573869" y="5174725"/>
+            <a:ext cx="9055117" cy="1401639"/>
+          </a:xfrm>
+          <a:prstGeom prst="ellipse">
+            <a:avLst/>
+          </a:prstGeom>
+          <a:noFill/>
+          <a:ln w="19050">
+            <a:solidFill>
+              <a:schemeClr val="tx1"/>
+            </a:solidFill>
+          </a:ln>
+        </p:spPr>
+        <p:style>
+          <a:lnRef idx="2">
+            <a:schemeClr val="accent1">
+              <a:shade val="15000"/>
+            </a:schemeClr>
+          </a:lnRef>
+          <a:fillRef idx="1">
+            <a:schemeClr val="accent1"/>
+          </a:fillRef>
+          <a:effectRef idx="0">
+            <a:schemeClr val="accent1"/>
+          </a:effectRef>
+          <a:fontRef idx="minor">
+            <a:schemeClr val="lt1"/>
+          </a:fontRef>
+        </p:style>
+        <p:txBody>
+          <a:bodyPr rtlCol="0" anchor="ctr"/>
+          <a:lstStyle/>
+          <a:p>
+            <a:pPr algn="ctr"/>
+            <a:endParaRPr kumimoji="1" lang="ko-Kore-KR" altLang="en-US"/>
+          </a:p>
+        </p:txBody>
+      </p:sp>
+      <p:cxnSp>
+        <p:nvCxnSpPr>
+          <p:cNvPr id="27" name="구부러진 연결선[U] 26">
+            <a:extLst>
+              <a:ext uri="{FF2B5EF4-FFF2-40B4-BE49-F238E27FC236}">
+                <a16:creationId xmlns:a16="http://schemas.microsoft.com/office/drawing/2014/main" id="{9E36E546-0899-D82E-3FE4-1D54F088F523}"/>
+              </a:ext>
+            </a:extLst>
+          </p:cNvPr>
+          <p:cNvCxnSpPr>
+            <a:cxnSpLocks/>
+            <a:stCxn id="22" idx="4"/>
+            <a:endCxn id="26" idx="0"/>
+          </p:cNvCxnSpPr>
+          <p:nvPr/>
+        </p:nvCxnSpPr>
+        <p:spPr>
+          <a:xfrm rot="16200000" flipH="1">
+            <a:off x="5821050" y="4894347"/>
+            <a:ext cx="332640" cy="228115"/>
+          </a:xfrm>
+          <a:prstGeom prst="curvedConnector3">
+            <a:avLst>
+              <a:gd name="adj1" fmla="val 50000"/>
+            </a:avLst>
+          </a:prstGeom>
+          <a:ln w="12700">
+            <a:solidFill>
+              <a:schemeClr val="tx1"/>
+            </a:solidFill>
+          </a:ln>
+        </p:spPr>
+        <p:style>
+          <a:lnRef idx="1">
+            <a:schemeClr val="accent1"/>
+          </a:lnRef>
+          <a:fillRef idx="0">
+            <a:schemeClr val="accent1"/>
+          </a:fillRef>
+          <a:effectRef idx="0">
+            <a:schemeClr val="accent1"/>
+          </a:effectRef>
+          <a:fontRef idx="minor">
+            <a:schemeClr val="tx1"/>
+          </a:fontRef>
+        </p:style>
+      </p:cxnSp>
+    </p:spTree>
+    <p:extLst>
+      <p:ext uri="{BB962C8B-B14F-4D97-AF65-F5344CB8AC3E}">
+        <p14:creationId xmlns:p14="http://schemas.microsoft.com/office/powerpoint/2010/main" val="963774172"/>
+      </p:ext>
+    </p:extLst>
+  </p:cSld>
+  <p:clrMapOvr>
+    <a:masterClrMapping/>
+  </p:clrMapOvr>
+  <mc:AlternateContent xmlns:mc="http://schemas.openxmlformats.org/markup-compatibility/2006" xmlns:p159="http://schemas.microsoft.com/office/powerpoint/2015/09/main">
+    <mc:Choice Requires="p159">
+      <p:transition spd="slow" advClick="0">
+        <p159:morph option="byObject"/>
+      </p:transition>
+    </mc:Choice>
+    <mc:Fallback xmlns="">
+      <p:transition spd="slow" advClick="0">
+        <p:fade/>
+      </p:transition>
+    </mc:Fallback>
+  </mc:AlternateContent>
+</p:sld>
+</file>
+
+<file path=ppt/slides/slide17.xml><?xml version="1.0" encoding="utf-8"?>
+<p:sld xmlns:a="http://schemas.openxmlformats.org/drawingml/2006/main" xmlns:r="http://schemas.openxmlformats.org/officeDocument/2006/relationships" xmlns:p="http://schemas.openxmlformats.org/presentationml/2006/main">
+  <p:cSld>
+    <p:spTree>
+      <p:nvGrpSpPr>
+        <p:cNvPr id="1" name=""/>
+        <p:cNvGrpSpPr/>
+        <p:nvPr/>
+      </p:nvGrpSpPr>
+      <p:grpSpPr>
+        <a:xfrm>
+          <a:off x="0" y="0"/>
+          <a:ext cx="0" cy="0"/>
+          <a:chOff x="0" y="0"/>
+          <a:chExt cx="0" cy="0"/>
+        </a:xfrm>
+      </p:grpSpPr>
+      <p:sp>
+        <p:nvSpPr>
+          <p:cNvPr id="7" name="TextBox 6">
+            <a:extLst>
+              <a:ext uri="{FF2B5EF4-FFF2-40B4-BE49-F238E27FC236}">
+                <a16:creationId xmlns:a16="http://schemas.microsoft.com/office/drawing/2014/main" id="{7432CD06-269D-8519-0178-61F8107F3434}"/>
+              </a:ext>
+            </a:extLst>
+          </p:cNvPr>
+          <p:cNvSpPr txBox="1"/>
+          <p:nvPr/>
+        </p:nvSpPr>
+        <p:spPr>
+          <a:xfrm>
+            <a:off x="-13038277" y="-11704310"/>
+            <a:ext cx="6649080" cy="523220"/>
+          </a:xfrm>
+          <a:prstGeom prst="rect">
+            <a:avLst/>
+          </a:prstGeom>
+          <a:noFill/>
+        </p:spPr>
+        <p:txBody>
+          <a:bodyPr wrap="square" rtlCol="0">
+            <a:spAutoFit/>
+          </a:bodyPr>
+          <a:lstStyle/>
+          <a:p>
+            <a:pPr algn="ctr"/>
+            <a:r>
+              <a:rPr kumimoji="1" lang="en-US" altLang="ko-Kore-KR" sz="2800">
+                <a:ea typeface="Microsoft Himalaya" pitchFamily="2" charset="0"/>
+                <a:cs typeface="Microsoft Himalaya" pitchFamily="2" charset="0"/>
+              </a:rPr>
+              <a:t>What is a purpose of the paper?</a:t>
+            </a:r>
+            <a:endParaRPr kumimoji="1" lang="ko-Kore-KR" altLang="en-US" sz="2800">
+              <a:solidFill>
+                <a:schemeClr val="bg1">
+                  <a:alpha val="0"/>
+                </a:schemeClr>
+              </a:solidFill>
+              <a:cs typeface="Microsoft Himalaya" pitchFamily="2" charset="0"/>
+            </a:endParaRPr>
+          </a:p>
+        </p:txBody>
+      </p:sp>
+      <p:sp>
+        <p:nvSpPr>
+          <p:cNvPr id="6" name="타원 5">
+            <a:extLst>
+              <a:ext uri="{FF2B5EF4-FFF2-40B4-BE49-F238E27FC236}">
+                <a16:creationId xmlns:a16="http://schemas.microsoft.com/office/drawing/2014/main" id="{2EE2381A-BA90-6CCC-E30D-9B8CB7883D9B}"/>
+              </a:ext>
+            </a:extLst>
+          </p:cNvPr>
+          <p:cNvSpPr/>
+          <p:nvPr/>
+        </p:nvSpPr>
+        <p:spPr>
+          <a:xfrm>
+            <a:off x="-12512048" y="-12370175"/>
+            <a:ext cx="5416902" cy="1895475"/>
+          </a:xfrm>
+          <a:prstGeom prst="ellipse">
+            <a:avLst/>
+          </a:prstGeom>
+          <a:noFill/>
+          <a:ln w="19050">
+            <a:solidFill>
+              <a:schemeClr val="tx1"/>
+            </a:solidFill>
+          </a:ln>
+        </p:spPr>
+        <p:style>
+          <a:lnRef idx="2">
+            <a:schemeClr val="accent1">
+              <a:shade val="15000"/>
+            </a:schemeClr>
+          </a:lnRef>
+          <a:fillRef idx="1">
+            <a:schemeClr val="accent1"/>
+          </a:fillRef>
+          <a:effectRef idx="0">
+            <a:schemeClr val="accent1"/>
+          </a:effectRef>
+          <a:fontRef idx="minor">
+            <a:schemeClr val="lt1"/>
+          </a:fontRef>
+        </p:style>
+        <p:txBody>
+          <a:bodyPr rtlCol="0" anchor="ctr"/>
+          <a:lstStyle/>
+          <a:p>
+            <a:pPr algn="ctr"/>
+            <a:endParaRPr kumimoji="1" lang="ko-Kore-KR" altLang="en-US"/>
+          </a:p>
+        </p:txBody>
+      </p:sp>
+      <p:sp>
+        <p:nvSpPr>
+          <p:cNvPr id="2" name="타원 1">
+            <a:extLst>
+              <a:ext uri="{FF2B5EF4-FFF2-40B4-BE49-F238E27FC236}">
+                <a16:creationId xmlns:a16="http://schemas.microsoft.com/office/drawing/2014/main" id="{3537091F-D64C-D90A-CCA1-057FC775DC84}"/>
+              </a:ext>
+            </a:extLst>
+          </p:cNvPr>
+          <p:cNvSpPr/>
+          <p:nvPr/>
+        </p:nvSpPr>
+        <p:spPr>
+          <a:xfrm>
+            <a:off x="-16944918" y="-16500084"/>
+            <a:ext cx="3470478" cy="3347761"/>
+          </a:xfrm>
+          <a:prstGeom prst="ellipse">
+            <a:avLst/>
+          </a:prstGeom>
+          <a:noFill/>
+          <a:ln w="19050">
+            <a:solidFill>
+              <a:schemeClr val="tx1"/>
+            </a:solidFill>
+          </a:ln>
+        </p:spPr>
+        <p:style>
+          <a:lnRef idx="2">
+            <a:schemeClr val="accent1">
+              <a:shade val="15000"/>
+            </a:schemeClr>
+          </a:lnRef>
+          <a:fillRef idx="1">
+            <a:schemeClr val="accent1"/>
+          </a:fillRef>
+          <a:effectRef idx="0">
+            <a:schemeClr val="accent1"/>
+          </a:effectRef>
+          <a:fontRef idx="minor">
+            <a:schemeClr val="lt1"/>
+          </a:fontRef>
+        </p:style>
+        <p:txBody>
+          <a:bodyPr rtlCol="0" anchor="ctr"/>
+          <a:lstStyle/>
+          <a:p>
+            <a:pPr algn="ctr"/>
+            <a:endParaRPr kumimoji="1" lang="ko-Kore-KR" altLang="en-US"/>
+          </a:p>
+        </p:txBody>
+      </p:sp>
+      <p:cxnSp>
+        <p:nvCxnSpPr>
+          <p:cNvPr id="14" name="구부러진 연결선[U] 13">
+            <a:extLst>
+              <a:ext uri="{FF2B5EF4-FFF2-40B4-BE49-F238E27FC236}">
+                <a16:creationId xmlns:a16="http://schemas.microsoft.com/office/drawing/2014/main" id="{2B954181-AE35-70DB-E680-6B87963413D4}"/>
+              </a:ext>
+            </a:extLst>
+          </p:cNvPr>
+          <p:cNvCxnSpPr>
+            <a:cxnSpLocks/>
+            <a:stCxn id="2" idx="5"/>
+            <a:endCxn id="6" idx="2"/>
+          </p:cNvCxnSpPr>
+          <p:nvPr/>
+        </p:nvCxnSpPr>
+        <p:spPr>
+          <a:xfrm rot="16200000" flipH="1">
+            <a:off x="-14357441" y="-13267830"/>
+            <a:ext cx="2220154" cy="1470632"/>
+          </a:xfrm>
+          <a:prstGeom prst="curvedConnector2">
+            <a:avLst/>
+          </a:prstGeom>
+          <a:ln w="12700">
+            <a:solidFill>
+              <a:schemeClr val="tx1"/>
+            </a:solidFill>
+          </a:ln>
+        </p:spPr>
+        <p:style>
+          <a:lnRef idx="1">
+            <a:schemeClr val="accent1"/>
+          </a:lnRef>
+          <a:fillRef idx="0">
+            <a:schemeClr val="accent1"/>
+          </a:fillRef>
+          <a:effectRef idx="0">
+            <a:schemeClr val="accent1"/>
+          </a:effectRef>
+          <a:fontRef idx="minor">
+            <a:schemeClr val="tx1"/>
+          </a:fontRef>
+        </p:style>
+      </p:cxnSp>
+      <p:sp>
+        <p:nvSpPr>
+          <p:cNvPr id="25" name="TextBox 24">
+            <a:extLst>
+              <a:ext uri="{FF2B5EF4-FFF2-40B4-BE49-F238E27FC236}">
+                <a16:creationId xmlns:a16="http://schemas.microsoft.com/office/drawing/2014/main" id="{758AC1A2-CDC9-B7E3-EBE8-BCC2D5E5D2B1}"/>
+              </a:ext>
+            </a:extLst>
+          </p:cNvPr>
+          <p:cNvSpPr txBox="1"/>
+          <p:nvPr/>
+        </p:nvSpPr>
+        <p:spPr>
+          <a:xfrm>
+            <a:off x="-16542221" y="-14475762"/>
+            <a:ext cx="9015787" cy="1323439"/>
+          </a:xfrm>
+          <a:prstGeom prst="rect">
+            <a:avLst/>
+          </a:prstGeom>
+          <a:noFill/>
+        </p:spPr>
+        <p:txBody>
+          <a:bodyPr wrap="square" rtlCol="0">
+            <a:spAutoFit/>
+          </a:bodyPr>
+          <a:lstStyle/>
+          <a:p>
+            <a:pPr algn="ctr"/>
+            <a:r>
+              <a:rPr kumimoji="1" lang="en-US" altLang="ko-Kore-KR" sz="4000">
+                <a:ea typeface="Microsoft Himalaya" pitchFamily="2" charset="0"/>
+                <a:cs typeface="Microsoft Himalaya" pitchFamily="2" charset="0"/>
+              </a:rPr>
+              <a:t>ghOSt</a:t>
+            </a:r>
+            <a:r>
+              <a:rPr kumimoji="1" lang="en-US" altLang="ko-Kore-KR" sz="4000">
+                <a:solidFill>
+                  <a:schemeClr val="bg1">
+                    <a:alpha val="0"/>
+                  </a:schemeClr>
+                </a:solidFill>
+                <a:ea typeface="Microsoft Himalaya" pitchFamily="2" charset="0"/>
+                <a:cs typeface="Microsoft Himalaya" pitchFamily="2" charset="0"/>
+              </a:rPr>
+              <a:t>: Fast &amp; Flexible User-space Delegation of Linux Scheduling </a:t>
+            </a:r>
+            <a:endParaRPr kumimoji="1" lang="ko-Kore-KR" altLang="en-US" sz="4000">
+              <a:solidFill>
+                <a:schemeClr val="bg1">
+                  <a:alpha val="0"/>
+                </a:schemeClr>
+              </a:solidFill>
+              <a:cs typeface="Microsoft Himalaya" pitchFamily="2" charset="0"/>
+            </a:endParaRPr>
+          </a:p>
+        </p:txBody>
+      </p:sp>
+      <p:sp>
+        <p:nvSpPr>
+          <p:cNvPr id="5" name="TextBox 4">
+            <a:extLst>
+              <a:ext uri="{FF2B5EF4-FFF2-40B4-BE49-F238E27FC236}">
+                <a16:creationId xmlns:a16="http://schemas.microsoft.com/office/drawing/2014/main" id="{6654DD5B-363D-007E-134A-CB95D8023FE8}"/>
+              </a:ext>
+            </a:extLst>
+          </p:cNvPr>
+          <p:cNvSpPr txBox="1"/>
+          <p:nvPr/>
+        </p:nvSpPr>
+        <p:spPr>
+          <a:xfrm>
+            <a:off x="-10062416" y="-9477371"/>
+            <a:ext cx="6649080" cy="954107"/>
+          </a:xfrm>
+          <a:prstGeom prst="rect">
+            <a:avLst/>
+          </a:prstGeom>
+          <a:noFill/>
+        </p:spPr>
+        <p:txBody>
+          <a:bodyPr wrap="square" rtlCol="0">
+            <a:spAutoFit/>
+          </a:bodyPr>
+          <a:lstStyle/>
+          <a:p>
+            <a:pPr algn="ctr"/>
+            <a:r>
+              <a:rPr kumimoji="1" lang="en-US" altLang="ko-Kore-KR" sz="2800">
+                <a:ea typeface="Microsoft Himalaya" pitchFamily="2" charset="0"/>
+                <a:cs typeface="Microsoft Himalaya" pitchFamily="2" charset="0"/>
+              </a:rPr>
+              <a:t>Delegating kernel scheduling</a:t>
+            </a:r>
+          </a:p>
+          <a:p>
+            <a:pPr algn="ctr"/>
+            <a:r>
+              <a:rPr kumimoji="1" lang="en-US" altLang="ko-Kore-KR" sz="2800">
+                <a:ea typeface="Microsoft Himalaya" pitchFamily="2" charset="0"/>
+                <a:cs typeface="Microsoft Himalaya" pitchFamily="2" charset="0"/>
+              </a:rPr>
+              <a:t>to userspace code </a:t>
+            </a:r>
+            <a:endParaRPr kumimoji="1" lang="ko-Kore-KR" altLang="en-US" sz="2800">
+              <a:cs typeface="Microsoft Himalaya" pitchFamily="2" charset="0"/>
+            </a:endParaRPr>
+          </a:p>
+        </p:txBody>
+      </p:sp>
+      <p:sp>
+        <p:nvSpPr>
+          <p:cNvPr id="8" name="타원 7">
+            <a:extLst>
+              <a:ext uri="{FF2B5EF4-FFF2-40B4-BE49-F238E27FC236}">
+                <a16:creationId xmlns:a16="http://schemas.microsoft.com/office/drawing/2014/main" id="{CCA7A6FF-A5C1-EE13-DAB5-2A47607E4AA0}"/>
+              </a:ext>
+            </a:extLst>
+          </p:cNvPr>
+          <p:cNvSpPr/>
+          <p:nvPr/>
+        </p:nvSpPr>
+        <p:spPr>
+          <a:xfrm>
+            <a:off x="-9446327" y="-9954162"/>
+            <a:ext cx="5416902" cy="1895475"/>
+          </a:xfrm>
+          <a:prstGeom prst="ellipse">
+            <a:avLst/>
+          </a:prstGeom>
+          <a:noFill/>
+          <a:ln w="19050">
+            <a:solidFill>
+              <a:schemeClr val="tx1"/>
+            </a:solidFill>
+          </a:ln>
+        </p:spPr>
+        <p:style>
+          <a:lnRef idx="2">
+            <a:schemeClr val="accent1">
+              <a:shade val="15000"/>
+            </a:schemeClr>
+          </a:lnRef>
+          <a:fillRef idx="1">
+            <a:schemeClr val="accent1"/>
+          </a:fillRef>
+          <a:effectRef idx="0">
+            <a:schemeClr val="accent1"/>
+          </a:effectRef>
+          <a:fontRef idx="minor">
+            <a:schemeClr val="lt1"/>
+          </a:fontRef>
+        </p:style>
+        <p:txBody>
+          <a:bodyPr rtlCol="0" anchor="ctr"/>
+          <a:lstStyle/>
+          <a:p>
+            <a:pPr algn="ctr"/>
+            <a:endParaRPr kumimoji="1" lang="ko-Kore-KR" altLang="en-US"/>
+          </a:p>
+        </p:txBody>
+      </p:sp>
+      <p:cxnSp>
+        <p:nvCxnSpPr>
+          <p:cNvPr id="9" name="구부러진 연결선[U] 8">
+            <a:extLst>
+              <a:ext uri="{FF2B5EF4-FFF2-40B4-BE49-F238E27FC236}">
+                <a16:creationId xmlns:a16="http://schemas.microsoft.com/office/drawing/2014/main" id="{068EEA84-621C-4582-DC0F-D62A6F3062A3}"/>
+              </a:ext>
+            </a:extLst>
+          </p:cNvPr>
+          <p:cNvCxnSpPr>
+            <a:cxnSpLocks/>
+            <a:stCxn id="6" idx="4"/>
+            <a:endCxn id="8" idx="1"/>
+          </p:cNvCxnSpPr>
+          <p:nvPr/>
+        </p:nvCxnSpPr>
+        <p:spPr>
+          <a:xfrm rot="16200000" flipH="1">
+            <a:off x="-9627381" y="-10650917"/>
+            <a:ext cx="798124" cy="1150557"/>
+          </a:xfrm>
+          <a:prstGeom prst="curvedConnector3">
+            <a:avLst>
+              <a:gd name="adj1" fmla="val 50000"/>
+            </a:avLst>
+          </a:prstGeom>
+          <a:ln w="12700">
+            <a:solidFill>
+              <a:schemeClr val="tx1"/>
+            </a:solidFill>
+          </a:ln>
+        </p:spPr>
+        <p:style>
+          <a:lnRef idx="1">
+            <a:schemeClr val="accent1"/>
+          </a:lnRef>
+          <a:fillRef idx="0">
+            <a:schemeClr val="accent1"/>
+          </a:fillRef>
+          <a:effectRef idx="0">
+            <a:schemeClr val="accent1"/>
+          </a:effectRef>
+          <a:fontRef idx="minor">
+            <a:schemeClr val="tx1"/>
+          </a:fontRef>
+        </p:style>
+      </p:cxnSp>
+      <p:cxnSp>
+        <p:nvCxnSpPr>
+          <p:cNvPr id="3" name="구부러진 연결선[U] 2">
+            <a:extLst>
+              <a:ext uri="{FF2B5EF4-FFF2-40B4-BE49-F238E27FC236}">
+                <a16:creationId xmlns:a16="http://schemas.microsoft.com/office/drawing/2014/main" id="{AC3F9A48-1A19-F6C7-B3C2-CDA39B862C08}"/>
+              </a:ext>
+            </a:extLst>
+          </p:cNvPr>
+          <p:cNvCxnSpPr>
+            <a:cxnSpLocks/>
+            <a:stCxn id="8" idx="4"/>
+            <a:endCxn id="11" idx="1"/>
+          </p:cNvCxnSpPr>
+          <p:nvPr/>
+        </p:nvCxnSpPr>
+        <p:spPr>
+          <a:xfrm rot="16200000" flipH="1">
+            <a:off x="-6532960" y="-8263604"/>
+            <a:ext cx="542943" cy="952775"/>
+          </a:xfrm>
+          <a:prstGeom prst="curvedConnector3">
+            <a:avLst>
+              <a:gd name="adj1" fmla="val 50000"/>
+            </a:avLst>
+          </a:prstGeom>
+          <a:ln w="12700">
+            <a:solidFill>
+              <a:schemeClr val="tx1"/>
+            </a:solidFill>
+          </a:ln>
+        </p:spPr>
+        <p:style>
+          <a:lnRef idx="1">
+            <a:schemeClr val="accent1"/>
+          </a:lnRef>
+          <a:fillRef idx="0">
+            <a:schemeClr val="accent1"/>
+          </a:fillRef>
+          <a:effectRef idx="0">
+            <a:schemeClr val="accent1"/>
+          </a:effectRef>
+          <a:fontRef idx="minor">
+            <a:schemeClr val="tx1"/>
+          </a:fontRef>
+        </p:style>
+      </p:cxnSp>
+      <p:sp>
+        <p:nvSpPr>
+          <p:cNvPr id="10" name="TextBox 9">
+            <a:extLst>
+              <a:ext uri="{FF2B5EF4-FFF2-40B4-BE49-F238E27FC236}">
+                <a16:creationId xmlns:a16="http://schemas.microsoft.com/office/drawing/2014/main" id="{D2C2F8E5-4B8F-C384-0BD1-F8CC7DBBFE31}"/>
+              </a:ext>
+            </a:extLst>
+          </p:cNvPr>
+          <p:cNvSpPr txBox="1"/>
+          <p:nvPr/>
+        </p:nvSpPr>
+        <p:spPr>
+          <a:xfrm>
+            <a:off x="-4250333" y="-4667414"/>
+            <a:ext cx="7214942" cy="1384995"/>
+          </a:xfrm>
+          <a:prstGeom prst="rect">
+            <a:avLst/>
+          </a:prstGeom>
+          <a:noFill/>
+        </p:spPr>
+        <p:txBody>
+          <a:bodyPr wrap="square" rtlCol="0">
+            <a:spAutoFit/>
+          </a:bodyPr>
+          <a:lstStyle/>
+          <a:p>
+            <a:pPr algn="ctr"/>
+            <a:r>
+              <a:rPr kumimoji="1" lang="en-US" altLang="ko-Kore-KR" sz="2800">
+                <a:ea typeface="Microsoft Himalaya" pitchFamily="2" charset="0"/>
+                <a:cs typeface="Microsoft Himalaya" pitchFamily="2" charset="0"/>
+              </a:rPr>
+              <a:t>Because it means that applications can be implemented leveraging the powerful features of the kernel scheduler!!!</a:t>
+            </a:r>
+            <a:endParaRPr kumimoji="1" lang="ko-Kore-KR" altLang="en-US" sz="2800">
+              <a:cs typeface="Microsoft Himalaya" pitchFamily="2" charset="0"/>
+            </a:endParaRPr>
+          </a:p>
+        </p:txBody>
+      </p:sp>
+      <p:sp>
+        <p:nvSpPr>
+          <p:cNvPr id="11" name="타원 10">
+            <a:extLst>
+              <a:ext uri="{FF2B5EF4-FFF2-40B4-BE49-F238E27FC236}">
+                <a16:creationId xmlns:a16="http://schemas.microsoft.com/office/drawing/2014/main" id="{553EEAA2-6F2C-9BFD-E1DC-B64CC11A8B05}"/>
+              </a:ext>
+            </a:extLst>
+          </p:cNvPr>
+          <p:cNvSpPr/>
+          <p:nvPr/>
+        </p:nvSpPr>
+        <p:spPr>
+          <a:xfrm>
+            <a:off x="-6578388" y="-7793330"/>
+            <a:ext cx="5416902" cy="1895475"/>
+          </a:xfrm>
+          <a:prstGeom prst="ellipse">
+            <a:avLst/>
+          </a:prstGeom>
+          <a:noFill/>
+          <a:ln w="19050">
+            <a:solidFill>
+              <a:schemeClr val="tx1"/>
+            </a:solidFill>
+          </a:ln>
+        </p:spPr>
+        <p:style>
+          <a:lnRef idx="2">
+            <a:schemeClr val="accent1">
+              <a:shade val="15000"/>
+            </a:schemeClr>
+          </a:lnRef>
+          <a:fillRef idx="1">
+            <a:schemeClr val="accent1"/>
+          </a:fillRef>
+          <a:effectRef idx="0">
+            <a:schemeClr val="accent1"/>
+          </a:effectRef>
+          <a:fontRef idx="minor">
+            <a:schemeClr val="lt1"/>
+          </a:fontRef>
+        </p:style>
+        <p:txBody>
+          <a:bodyPr rtlCol="0" anchor="ctr"/>
+          <a:lstStyle/>
+          <a:p>
+            <a:pPr algn="ctr"/>
+            <a:endParaRPr kumimoji="1" lang="ko-Kore-KR" altLang="en-US"/>
+          </a:p>
+        </p:txBody>
+      </p:sp>
+      <p:sp>
+        <p:nvSpPr>
+          <p:cNvPr id="12" name="타원 11">
+            <a:extLst>
+              <a:ext uri="{FF2B5EF4-FFF2-40B4-BE49-F238E27FC236}">
+                <a16:creationId xmlns:a16="http://schemas.microsoft.com/office/drawing/2014/main" id="{98BE3455-7E7C-98E6-2F4D-8656076DB122}"/>
+              </a:ext>
+            </a:extLst>
+          </p:cNvPr>
+          <p:cNvSpPr/>
+          <p:nvPr/>
+        </p:nvSpPr>
+        <p:spPr>
+          <a:xfrm>
+            <a:off x="-4398115" y="-5231422"/>
+            <a:ext cx="7510506" cy="2356551"/>
+          </a:xfrm>
+          <a:prstGeom prst="ellipse">
+            <a:avLst/>
+          </a:prstGeom>
+          <a:noFill/>
+          <a:ln w="19050">
+            <a:solidFill>
+              <a:schemeClr val="tx1"/>
+            </a:solidFill>
+          </a:ln>
+        </p:spPr>
+        <p:style>
+          <a:lnRef idx="2">
+            <a:schemeClr val="accent1">
+              <a:shade val="15000"/>
+            </a:schemeClr>
+          </a:lnRef>
+          <a:fillRef idx="1">
+            <a:schemeClr val="accent1"/>
+          </a:fillRef>
+          <a:effectRef idx="0">
+            <a:schemeClr val="accent1"/>
+          </a:effectRef>
+          <a:fontRef idx="minor">
+            <a:schemeClr val="lt1"/>
+          </a:fontRef>
+        </p:style>
+        <p:txBody>
+          <a:bodyPr rtlCol="0" anchor="ctr"/>
+          <a:lstStyle/>
+          <a:p>
+            <a:pPr algn="ctr"/>
+            <a:endParaRPr kumimoji="1" lang="ko-Kore-KR" altLang="en-US"/>
+          </a:p>
+        </p:txBody>
+      </p:sp>
+      <p:cxnSp>
+        <p:nvCxnSpPr>
+          <p:cNvPr id="13" name="구부러진 연결선[U] 12">
+            <a:extLst>
+              <a:ext uri="{FF2B5EF4-FFF2-40B4-BE49-F238E27FC236}">
+                <a16:creationId xmlns:a16="http://schemas.microsoft.com/office/drawing/2014/main" id="{8D73709C-867B-5C3D-0744-BD01319122DC}"/>
+              </a:ext>
+            </a:extLst>
+          </p:cNvPr>
+          <p:cNvCxnSpPr>
+            <a:cxnSpLocks/>
+            <a:stCxn id="11" idx="4"/>
+            <a:endCxn id="12" idx="1"/>
+          </p:cNvCxnSpPr>
+          <p:nvPr/>
+        </p:nvCxnSpPr>
+        <p:spPr>
+          <a:xfrm rot="16200000" flipH="1">
+            <a:off x="-4089853" y="-5677939"/>
+            <a:ext cx="1011542" cy="571710"/>
+          </a:xfrm>
+          <a:prstGeom prst="curvedConnector3">
+            <a:avLst>
+              <a:gd name="adj1" fmla="val 50000"/>
+            </a:avLst>
+          </a:prstGeom>
+          <a:ln w="12700">
+            <a:solidFill>
+              <a:schemeClr val="tx1"/>
+            </a:solidFill>
+          </a:ln>
+        </p:spPr>
+        <p:style>
+          <a:lnRef idx="1">
+            <a:schemeClr val="accent1"/>
+          </a:lnRef>
+          <a:fillRef idx="0">
+            <a:schemeClr val="accent1"/>
+          </a:fillRef>
+          <a:effectRef idx="0">
+            <a:schemeClr val="accent1"/>
+          </a:effectRef>
+          <a:fontRef idx="minor">
+            <a:schemeClr val="tx1"/>
+          </a:fontRef>
+        </p:style>
+      </p:cxnSp>
+      <p:sp>
+        <p:nvSpPr>
+          <p:cNvPr id="17" name="TextBox 16">
+            <a:extLst>
+              <a:ext uri="{FF2B5EF4-FFF2-40B4-BE49-F238E27FC236}">
+                <a16:creationId xmlns:a16="http://schemas.microsoft.com/office/drawing/2014/main" id="{2461D2E0-27C3-B02E-68FA-2F27E0718AE4}"/>
+              </a:ext>
+            </a:extLst>
+          </p:cNvPr>
+          <p:cNvSpPr txBox="1"/>
+          <p:nvPr/>
+        </p:nvSpPr>
+        <p:spPr>
+          <a:xfrm>
+            <a:off x="-7353965" y="-7061358"/>
+            <a:ext cx="6649080" cy="523220"/>
+          </a:xfrm>
+          <a:prstGeom prst="rect">
+            <a:avLst/>
+          </a:prstGeom>
+          <a:noFill/>
+        </p:spPr>
+        <p:txBody>
+          <a:bodyPr wrap="square" rtlCol="0">
+            <a:spAutoFit/>
+          </a:bodyPr>
+          <a:lstStyle/>
+          <a:p>
+            <a:pPr algn="ctr"/>
+            <a:r>
+              <a:rPr kumimoji="1" lang="en-US" altLang="ko-Kore-KR" sz="2800">
+                <a:ea typeface="Microsoft Himalaya" pitchFamily="2" charset="0"/>
+                <a:cs typeface="Microsoft Himalaya" pitchFamily="2" charset="0"/>
+              </a:rPr>
+              <a:t>Why is that important?</a:t>
+            </a:r>
+            <a:endParaRPr kumimoji="1" lang="ko-Kore-KR" altLang="en-US" sz="2800">
+              <a:cs typeface="Microsoft Himalaya" pitchFamily="2" charset="0"/>
+            </a:endParaRPr>
+          </a:p>
+        </p:txBody>
+      </p:sp>
+      <p:sp>
+        <p:nvSpPr>
+          <p:cNvPr id="4" name="TextBox 3">
+            <a:extLst>
+              <a:ext uri="{FF2B5EF4-FFF2-40B4-BE49-F238E27FC236}">
+                <a16:creationId xmlns:a16="http://schemas.microsoft.com/office/drawing/2014/main" id="{09069384-6BDF-4AB8-9E82-55B8B48224F5}"/>
+              </a:ext>
+            </a:extLst>
+          </p:cNvPr>
+          <p:cNvSpPr txBox="1"/>
+          <p:nvPr/>
+        </p:nvSpPr>
+        <p:spPr>
+          <a:xfrm>
+            <a:off x="274043" y="-2085261"/>
+            <a:ext cx="7214942" cy="1384995"/>
+          </a:xfrm>
+          <a:prstGeom prst="rect">
+            <a:avLst/>
+          </a:prstGeom>
+          <a:noFill/>
+        </p:spPr>
+        <p:txBody>
+          <a:bodyPr wrap="square" rtlCol="0">
+            <a:spAutoFit/>
+          </a:bodyPr>
+          <a:lstStyle/>
+          <a:p>
+            <a:pPr algn="ctr"/>
+            <a:r>
+              <a:rPr kumimoji="1" lang="en-US" altLang="ko-Kore-KR" sz="2800">
+                <a:cs typeface="Microsoft Himalaya" pitchFamily="2" charset="0"/>
+              </a:rPr>
+              <a:t>Also, scheduling designs that were previously </a:t>
+            </a:r>
+            <a:r>
+              <a:rPr kumimoji="1" lang="en-US" altLang="ko-KR" sz="2800">
+                <a:cs typeface="Microsoft Himalaya" pitchFamily="2" charset="0"/>
+              </a:rPr>
+              <a:t>unused because they did not fit into the general kernel </a:t>
+            </a:r>
+            <a:r>
+              <a:rPr kumimoji="1" lang="en-US" altLang="ko-Kore-KR" sz="2800">
+                <a:cs typeface="Microsoft Himalaya" pitchFamily="2" charset="0"/>
+              </a:rPr>
+              <a:t>can be used in the userspace!!</a:t>
+            </a:r>
+            <a:endParaRPr kumimoji="1" lang="ko-Kore-KR" altLang="en-US" sz="2800">
+              <a:cs typeface="Microsoft Himalaya" pitchFamily="2" charset="0"/>
+            </a:endParaRPr>
+          </a:p>
+        </p:txBody>
+      </p:sp>
+      <p:cxnSp>
+        <p:nvCxnSpPr>
+          <p:cNvPr id="15" name="구부러진 연결선[U] 14">
+            <a:extLst>
+              <a:ext uri="{FF2B5EF4-FFF2-40B4-BE49-F238E27FC236}">
+                <a16:creationId xmlns:a16="http://schemas.microsoft.com/office/drawing/2014/main" id="{86EB4F29-36E1-ABFE-5C78-E34AEC8E26C2}"/>
+              </a:ext>
+            </a:extLst>
+          </p:cNvPr>
+          <p:cNvCxnSpPr>
+            <a:cxnSpLocks/>
+            <a:stCxn id="12" idx="5"/>
+            <a:endCxn id="16" idx="0"/>
+          </p:cNvCxnSpPr>
+          <p:nvPr/>
+        </p:nvCxnSpPr>
+        <p:spPr>
+          <a:xfrm rot="16200000" flipH="1">
+            <a:off x="2680383" y="-3887861"/>
+            <a:ext cx="501569" cy="1837329"/>
+          </a:xfrm>
+          <a:prstGeom prst="curvedConnector3">
+            <a:avLst>
+              <a:gd name="adj1" fmla="val 50000"/>
+            </a:avLst>
+          </a:prstGeom>
+          <a:ln w="12700">
+            <a:solidFill>
+              <a:schemeClr val="tx1"/>
+            </a:solidFill>
+          </a:ln>
+        </p:spPr>
+        <p:style>
+          <a:lnRef idx="1">
+            <a:schemeClr val="accent1"/>
+          </a:lnRef>
+          <a:fillRef idx="0">
+            <a:schemeClr val="accent1"/>
+          </a:fillRef>
+          <a:effectRef idx="0">
+            <a:schemeClr val="accent1"/>
+          </a:effectRef>
+          <a:fontRef idx="minor">
+            <a:schemeClr val="tx1"/>
+          </a:fontRef>
+        </p:style>
+      </p:cxnSp>
+      <p:sp>
+        <p:nvSpPr>
+          <p:cNvPr id="16" name="타원 15">
+            <a:extLst>
+              <a:ext uri="{FF2B5EF4-FFF2-40B4-BE49-F238E27FC236}">
+                <a16:creationId xmlns:a16="http://schemas.microsoft.com/office/drawing/2014/main" id="{C2E7E2C8-45E7-5C28-C930-10DEF0105BBC}"/>
+              </a:ext>
+            </a:extLst>
+          </p:cNvPr>
+          <p:cNvSpPr/>
+          <p:nvPr/>
+        </p:nvSpPr>
+        <p:spPr>
+          <a:xfrm>
+            <a:off x="-94222" y="-2718411"/>
+            <a:ext cx="7888107" cy="2599856"/>
+          </a:xfrm>
+          <a:prstGeom prst="ellipse">
+            <a:avLst/>
+          </a:prstGeom>
+          <a:noFill/>
+          <a:ln w="19050">
+            <a:solidFill>
+              <a:schemeClr val="tx1"/>
+            </a:solidFill>
+          </a:ln>
+        </p:spPr>
+        <p:style>
+          <a:lnRef idx="2">
+            <a:schemeClr val="accent1">
+              <a:shade val="15000"/>
+            </a:schemeClr>
+          </a:lnRef>
+          <a:fillRef idx="1">
+            <a:schemeClr val="accent1"/>
+          </a:fillRef>
+          <a:effectRef idx="0">
+            <a:schemeClr val="accent1"/>
+          </a:effectRef>
+          <a:fontRef idx="minor">
+            <a:schemeClr val="lt1"/>
+          </a:fontRef>
+        </p:style>
+        <p:txBody>
+          <a:bodyPr rtlCol="0" anchor="ctr"/>
+          <a:lstStyle/>
+          <a:p>
+            <a:pPr algn="ctr"/>
+            <a:endParaRPr kumimoji="1" lang="ko-Kore-KR" altLang="en-US"/>
+          </a:p>
+        </p:txBody>
+      </p:sp>
+      <p:sp>
+        <p:nvSpPr>
+          <p:cNvPr id="18" name="TextBox 17">
+            <a:extLst>
+              <a:ext uri="{FF2B5EF4-FFF2-40B4-BE49-F238E27FC236}">
+                <a16:creationId xmlns:a16="http://schemas.microsoft.com/office/drawing/2014/main" id="{4EF28DD6-7793-8D9A-044F-B978D4AF4B34}"/>
+              </a:ext>
+            </a:extLst>
+          </p:cNvPr>
+          <p:cNvSpPr txBox="1"/>
+          <p:nvPr/>
+        </p:nvSpPr>
+        <p:spPr>
+          <a:xfrm>
+            <a:off x="1894655" y="1064103"/>
+            <a:ext cx="8214246" cy="1384995"/>
+          </a:xfrm>
+          <a:prstGeom prst="rect">
+            <a:avLst/>
+          </a:prstGeom>
+          <a:noFill/>
+        </p:spPr>
+        <p:txBody>
+          <a:bodyPr wrap="square" rtlCol="0">
+            <a:spAutoFit/>
+          </a:bodyPr>
+          <a:lstStyle/>
+          <a:p>
+            <a:pPr algn="ctr"/>
+            <a:r>
+              <a:rPr kumimoji="1" lang="en-US" altLang="ko-Kore-KR" sz="2800">
+                <a:cs typeface="Microsoft Himalaya" pitchFamily="2" charset="0"/>
+              </a:rPr>
+              <a:t>Fundamentally, the ghOSt relaxes restrictions in terms of CPU virtualization, expanding user’s development design freedom</a:t>
+            </a:r>
+            <a:endParaRPr kumimoji="1" lang="ko-Kore-KR" altLang="en-US" sz="2800">
+              <a:cs typeface="Microsoft Himalaya" pitchFamily="2" charset="0"/>
+            </a:endParaRPr>
+          </a:p>
+        </p:txBody>
+      </p:sp>
+      <p:sp>
+        <p:nvSpPr>
+          <p:cNvPr id="19" name="타원 18">
+            <a:extLst>
+              <a:ext uri="{FF2B5EF4-FFF2-40B4-BE49-F238E27FC236}">
+                <a16:creationId xmlns:a16="http://schemas.microsoft.com/office/drawing/2014/main" id="{FA0DF77A-7B58-7DE1-8A3E-0A5DA271ECE9}"/>
+              </a:ext>
+            </a:extLst>
+          </p:cNvPr>
+          <p:cNvSpPr/>
+          <p:nvPr/>
+        </p:nvSpPr>
+        <p:spPr>
+          <a:xfrm>
+            <a:off x="1277088" y="436586"/>
+            <a:ext cx="9637823" cy="2648636"/>
+          </a:xfrm>
+          <a:prstGeom prst="ellipse">
+            <a:avLst/>
+          </a:prstGeom>
+          <a:noFill/>
+          <a:ln w="19050">
+            <a:solidFill>
+              <a:schemeClr val="tx1"/>
+            </a:solidFill>
+          </a:ln>
+        </p:spPr>
+        <p:style>
+          <a:lnRef idx="2">
+            <a:schemeClr val="accent1">
+              <a:shade val="15000"/>
+            </a:schemeClr>
+          </a:lnRef>
+          <a:fillRef idx="1">
+            <a:schemeClr val="accent1"/>
+          </a:fillRef>
+          <a:effectRef idx="0">
+            <a:schemeClr val="accent1"/>
+          </a:effectRef>
+          <a:fontRef idx="minor">
+            <a:schemeClr val="lt1"/>
+          </a:fontRef>
+        </p:style>
+        <p:txBody>
+          <a:bodyPr rtlCol="0" anchor="ctr"/>
+          <a:lstStyle/>
+          <a:p>
+            <a:pPr algn="ctr"/>
+            <a:endParaRPr kumimoji="1" lang="ko-Kore-KR" altLang="en-US"/>
+          </a:p>
+        </p:txBody>
+      </p:sp>
+      <p:cxnSp>
+        <p:nvCxnSpPr>
+          <p:cNvPr id="20" name="구부러진 연결선[U] 19">
+            <a:extLst>
+              <a:ext uri="{FF2B5EF4-FFF2-40B4-BE49-F238E27FC236}">
+                <a16:creationId xmlns:a16="http://schemas.microsoft.com/office/drawing/2014/main" id="{19A5D647-6532-DA56-118D-A70386D6DBB1}"/>
+              </a:ext>
+            </a:extLst>
+          </p:cNvPr>
+          <p:cNvCxnSpPr>
+            <a:cxnSpLocks/>
+            <a:stCxn id="16" idx="4"/>
+            <a:endCxn id="19" idx="0"/>
+          </p:cNvCxnSpPr>
+          <p:nvPr/>
+        </p:nvCxnSpPr>
+        <p:spPr>
+          <a:xfrm rot="16200000" flipH="1">
+            <a:off x="4695346" y="-964069"/>
+            <a:ext cx="555141" cy="2246168"/>
+          </a:xfrm>
+          <a:prstGeom prst="curvedConnector3">
+            <a:avLst>
+              <a:gd name="adj1" fmla="val 50000"/>
+            </a:avLst>
+          </a:prstGeom>
+          <a:ln w="12700">
+            <a:solidFill>
+              <a:schemeClr val="tx1"/>
+            </a:solidFill>
+          </a:ln>
+        </p:spPr>
+        <p:style>
+          <a:lnRef idx="1">
+            <a:schemeClr val="accent1"/>
+          </a:lnRef>
+          <a:fillRef idx="0">
+            <a:schemeClr val="accent1"/>
+          </a:fillRef>
+          <a:effectRef idx="0">
+            <a:schemeClr val="accent1"/>
+          </a:effectRef>
+          <a:fontRef idx="minor">
+            <a:schemeClr val="tx1"/>
+          </a:fontRef>
+        </p:style>
+      </p:cxnSp>
+      <p:sp>
+        <p:nvSpPr>
+          <p:cNvPr id="21" name="TextBox 20">
+            <a:extLst>
+              <a:ext uri="{FF2B5EF4-FFF2-40B4-BE49-F238E27FC236}">
+                <a16:creationId xmlns:a16="http://schemas.microsoft.com/office/drawing/2014/main" id="{A8F0A1E5-1099-7203-EF65-828FC6C9B5A6}"/>
+              </a:ext>
+            </a:extLst>
+          </p:cNvPr>
+          <p:cNvSpPr txBox="1"/>
+          <p:nvPr/>
+        </p:nvSpPr>
+        <p:spPr>
+          <a:xfrm>
+            <a:off x="1807694" y="3982536"/>
+            <a:ext cx="8214246" cy="523220"/>
+          </a:xfrm>
+          <a:prstGeom prst="rect">
+            <a:avLst/>
+          </a:prstGeom>
+          <a:noFill/>
+        </p:spPr>
+        <p:txBody>
+          <a:bodyPr wrap="square" rtlCol="0">
+            <a:spAutoFit/>
+          </a:bodyPr>
+          <a:lstStyle/>
+          <a:p>
+            <a:pPr algn="ctr"/>
+            <a:r>
+              <a:rPr kumimoji="1" lang="en-US" altLang="ko-Kore-KR" sz="2800">
+                <a:cs typeface="Microsoft Himalaya" pitchFamily="2" charset="0"/>
+              </a:rPr>
+              <a:t>Then, is a new insight presented by ghOSt? </a:t>
+            </a:r>
+            <a:endParaRPr kumimoji="1" lang="ko-Kore-KR" altLang="en-US" sz="2800">
+              <a:cs typeface="Microsoft Himalaya" pitchFamily="2" charset="0"/>
+            </a:endParaRPr>
+          </a:p>
+        </p:txBody>
+      </p:sp>
+      <p:sp>
+        <p:nvSpPr>
+          <p:cNvPr id="22" name="타원 21">
+            <a:extLst>
+              <a:ext uri="{FF2B5EF4-FFF2-40B4-BE49-F238E27FC236}">
+                <a16:creationId xmlns:a16="http://schemas.microsoft.com/office/drawing/2014/main" id="{4C508DF5-D81D-1B29-3261-B9B15C155BE4}"/>
+              </a:ext>
+            </a:extLst>
+          </p:cNvPr>
+          <p:cNvSpPr/>
+          <p:nvPr/>
+        </p:nvSpPr>
+        <p:spPr>
+          <a:xfrm>
+            <a:off x="1949921" y="3712739"/>
+            <a:ext cx="7846783" cy="1129346"/>
+          </a:xfrm>
+          <a:prstGeom prst="ellipse">
+            <a:avLst/>
+          </a:prstGeom>
+          <a:noFill/>
+          <a:ln w="19050">
+            <a:solidFill>
+              <a:schemeClr val="tx1"/>
+            </a:solidFill>
+          </a:ln>
+        </p:spPr>
+        <p:style>
+          <a:lnRef idx="2">
+            <a:schemeClr val="accent1">
+              <a:shade val="15000"/>
+            </a:schemeClr>
+          </a:lnRef>
+          <a:fillRef idx="1">
+            <a:schemeClr val="accent1"/>
+          </a:fillRef>
+          <a:effectRef idx="0">
+            <a:schemeClr val="accent1"/>
+          </a:effectRef>
+          <a:fontRef idx="minor">
+            <a:schemeClr val="lt1"/>
+          </a:fontRef>
+        </p:style>
+        <p:txBody>
+          <a:bodyPr rtlCol="0" anchor="ctr"/>
+          <a:lstStyle/>
+          <a:p>
+            <a:pPr algn="ctr"/>
+            <a:endParaRPr kumimoji="1" lang="ko-Kore-KR" altLang="en-US"/>
+          </a:p>
+        </p:txBody>
+      </p:sp>
+      <p:cxnSp>
+        <p:nvCxnSpPr>
+          <p:cNvPr id="23" name="구부러진 연결선[U] 22">
+            <a:extLst>
+              <a:ext uri="{FF2B5EF4-FFF2-40B4-BE49-F238E27FC236}">
+                <a16:creationId xmlns:a16="http://schemas.microsoft.com/office/drawing/2014/main" id="{76975E94-9776-4206-E3F2-A9C416308400}"/>
+              </a:ext>
+            </a:extLst>
+          </p:cNvPr>
+          <p:cNvCxnSpPr>
+            <a:cxnSpLocks/>
+            <a:stCxn id="19" idx="4"/>
+            <a:endCxn id="22" idx="0"/>
+          </p:cNvCxnSpPr>
+          <p:nvPr/>
+        </p:nvCxnSpPr>
+        <p:spPr>
+          <a:xfrm rot="5400000">
+            <a:off x="5670899" y="3287637"/>
+            <a:ext cx="627517" cy="222687"/>
+          </a:xfrm>
+          <a:prstGeom prst="curvedConnector3">
+            <a:avLst>
+              <a:gd name="adj1" fmla="val 50000"/>
+            </a:avLst>
+          </a:prstGeom>
+          <a:ln w="12700">
+            <a:solidFill>
+              <a:schemeClr val="tx1"/>
+            </a:solidFill>
+          </a:ln>
+        </p:spPr>
+        <p:style>
+          <a:lnRef idx="1">
+            <a:schemeClr val="accent1"/>
+          </a:lnRef>
+          <a:fillRef idx="0">
+            <a:schemeClr val="accent1"/>
+          </a:fillRef>
+          <a:effectRef idx="0">
+            <a:schemeClr val="accent1"/>
+          </a:effectRef>
+          <a:fontRef idx="minor">
+            <a:schemeClr val="tx1"/>
+          </a:fontRef>
+        </p:style>
+      </p:cxnSp>
+      <p:sp>
+        <p:nvSpPr>
+          <p:cNvPr id="24" name="TextBox 23">
+            <a:extLst>
+              <a:ext uri="{FF2B5EF4-FFF2-40B4-BE49-F238E27FC236}">
+                <a16:creationId xmlns:a16="http://schemas.microsoft.com/office/drawing/2014/main" id="{D9CCB771-34F4-DECE-EB41-D9D9451BBE6B}"/>
+              </a:ext>
+            </a:extLst>
+          </p:cNvPr>
+          <p:cNvSpPr txBox="1"/>
+          <p:nvPr/>
+        </p:nvSpPr>
+        <p:spPr>
+          <a:xfrm>
+            <a:off x="2146536" y="5469602"/>
+            <a:ext cx="8214246" cy="954107"/>
+          </a:xfrm>
+          <a:prstGeom prst="rect">
+            <a:avLst/>
+          </a:prstGeom>
+          <a:noFill/>
+        </p:spPr>
+        <p:txBody>
+          <a:bodyPr wrap="square" rtlCol="0">
+            <a:spAutoFit/>
+          </a:bodyPr>
+          <a:lstStyle/>
+          <a:p>
+            <a:pPr algn="ctr"/>
+            <a:r>
+              <a:rPr kumimoji="1" lang="en-US" altLang="ko-Kore-KR" sz="2800">
+                <a:cs typeface="Microsoft Himalaya" pitchFamily="2" charset="0"/>
+              </a:rPr>
+              <a:t>What has been done before in the same context as this fundamental insight?</a:t>
+            </a:r>
+            <a:endParaRPr kumimoji="1" lang="ko-Kore-KR" altLang="en-US" sz="2800">
+              <a:cs typeface="Microsoft Himalaya" pitchFamily="2" charset="0"/>
+            </a:endParaRPr>
+          </a:p>
+        </p:txBody>
+      </p:sp>
+      <p:sp>
+        <p:nvSpPr>
+          <p:cNvPr id="26" name="타원 25">
+            <a:extLst>
+              <a:ext uri="{FF2B5EF4-FFF2-40B4-BE49-F238E27FC236}">
+                <a16:creationId xmlns:a16="http://schemas.microsoft.com/office/drawing/2014/main" id="{74D3F31D-3F9C-6321-18F1-2C57945CDF24}"/>
+              </a:ext>
+            </a:extLst>
+          </p:cNvPr>
+          <p:cNvSpPr/>
+          <p:nvPr/>
+        </p:nvSpPr>
+        <p:spPr>
+          <a:xfrm>
+            <a:off x="1573869" y="5174725"/>
+            <a:ext cx="9055117" cy="1401639"/>
+          </a:xfrm>
+          <a:prstGeom prst="ellipse">
+            <a:avLst/>
+          </a:prstGeom>
+          <a:noFill/>
+          <a:ln w="19050">
+            <a:solidFill>
+              <a:schemeClr val="tx1"/>
+            </a:solidFill>
+          </a:ln>
+        </p:spPr>
+        <p:style>
+          <a:lnRef idx="2">
+            <a:schemeClr val="accent1">
+              <a:shade val="15000"/>
+            </a:schemeClr>
+          </a:lnRef>
+          <a:fillRef idx="1">
+            <a:schemeClr val="accent1"/>
+          </a:fillRef>
+          <a:effectRef idx="0">
+            <a:schemeClr val="accent1"/>
+          </a:effectRef>
+          <a:fontRef idx="minor">
+            <a:schemeClr val="lt1"/>
+          </a:fontRef>
+        </p:style>
+        <p:txBody>
+          <a:bodyPr rtlCol="0" anchor="ctr"/>
+          <a:lstStyle/>
+          <a:p>
+            <a:pPr algn="ctr"/>
+            <a:endParaRPr kumimoji="1" lang="ko-Kore-KR" altLang="en-US"/>
+          </a:p>
+        </p:txBody>
+      </p:sp>
+      <p:cxnSp>
+        <p:nvCxnSpPr>
+          <p:cNvPr id="27" name="구부러진 연결선[U] 26">
+            <a:extLst>
+              <a:ext uri="{FF2B5EF4-FFF2-40B4-BE49-F238E27FC236}">
+                <a16:creationId xmlns:a16="http://schemas.microsoft.com/office/drawing/2014/main" id="{9E36E546-0899-D82E-3FE4-1D54F088F523}"/>
+              </a:ext>
+            </a:extLst>
+          </p:cNvPr>
+          <p:cNvCxnSpPr>
+            <a:cxnSpLocks/>
+            <a:stCxn id="22" idx="4"/>
+            <a:endCxn id="26" idx="0"/>
+          </p:cNvCxnSpPr>
+          <p:nvPr/>
+        </p:nvCxnSpPr>
+        <p:spPr>
+          <a:xfrm rot="16200000" flipH="1">
+            <a:off x="5821050" y="4894347"/>
+            <a:ext cx="332640" cy="228115"/>
+          </a:xfrm>
+          <a:prstGeom prst="curvedConnector3">
+            <a:avLst>
+              <a:gd name="adj1" fmla="val 50000"/>
+            </a:avLst>
+          </a:prstGeom>
+          <a:ln w="12700">
+            <a:solidFill>
+              <a:schemeClr val="tx1"/>
+            </a:solidFill>
+          </a:ln>
+        </p:spPr>
+        <p:style>
+          <a:lnRef idx="1">
+            <a:schemeClr val="accent1"/>
+          </a:lnRef>
+          <a:fillRef idx="0">
+            <a:schemeClr val="accent1"/>
+          </a:fillRef>
+          <a:effectRef idx="0">
+            <a:schemeClr val="accent1"/>
+          </a:effectRef>
+          <a:fontRef idx="minor">
+            <a:schemeClr val="tx1"/>
+          </a:fontRef>
+        </p:style>
+      </p:cxnSp>
+    </p:spTree>
+    <p:extLst>
+      <p:ext uri="{BB962C8B-B14F-4D97-AF65-F5344CB8AC3E}">
+        <p14:creationId xmlns:p14="http://schemas.microsoft.com/office/powerpoint/2010/main" val="1582829079"/>
+      </p:ext>
+    </p:extLst>
+  </p:cSld>
+  <p:clrMapOvr>
+    <a:masterClrMapping/>
+  </p:clrMapOvr>
+  <mc:AlternateContent xmlns:mc="http://schemas.openxmlformats.org/markup-compatibility/2006">
+    <mc:Choice xmlns:p159="http://schemas.microsoft.com/office/powerpoint/2015/09/main" Requires="p159">
+      <p:transition spd="slow" advClick="0">
+        <p159:morph option="byObject"/>
+      </p:transition>
+    </mc:Choice>
+    <mc:Fallback>
+      <p:transition spd="slow" advClick="0">
+        <p:fade/>
+      </p:transition>
+    </mc:Fallback>
+  </mc:AlternateContent>
+</p:sld>
+</file>
+
+<file path=ppt/slides/slide18.xml><?xml version="1.0" encoding="utf-8"?>
+<p:sld xmlns:a="http://schemas.openxmlformats.org/drawingml/2006/main" xmlns:r="http://schemas.openxmlformats.org/officeDocument/2006/relationships" xmlns:p="http://schemas.openxmlformats.org/presentationml/2006/main">
+  <p:cSld>
+    <p:spTree>
+      <p:nvGrpSpPr>
+        <p:cNvPr id="1" name=""/>
+        <p:cNvGrpSpPr/>
+        <p:nvPr/>
+      </p:nvGrpSpPr>
+      <p:grpSpPr>
+        <a:xfrm>
+          <a:off x="0" y="0"/>
+          <a:ext cx="0" cy="0"/>
+          <a:chOff x="0" y="0"/>
+          <a:chExt cx="0" cy="0"/>
+        </a:xfrm>
+      </p:grpSpPr>
+      <p:sp>
+        <p:nvSpPr>
+          <p:cNvPr id="7" name="TextBox 6">
+            <a:extLst>
+              <a:ext uri="{FF2B5EF4-FFF2-40B4-BE49-F238E27FC236}">
+                <a16:creationId xmlns:a16="http://schemas.microsoft.com/office/drawing/2014/main" id="{7432CD06-269D-8519-0178-61F8107F3434}"/>
+              </a:ext>
+            </a:extLst>
+          </p:cNvPr>
+          <p:cNvSpPr txBox="1"/>
+          <p:nvPr/>
+        </p:nvSpPr>
+        <p:spPr>
+          <a:xfrm>
+            <a:off x="-12594140" y="-16615945"/>
+            <a:ext cx="6649080" cy="523220"/>
+          </a:xfrm>
+          <a:prstGeom prst="rect">
+            <a:avLst/>
+          </a:prstGeom>
+          <a:noFill/>
+        </p:spPr>
+        <p:txBody>
+          <a:bodyPr wrap="square" rtlCol="0">
+            <a:spAutoFit/>
+          </a:bodyPr>
+          <a:lstStyle/>
+          <a:p>
+            <a:pPr algn="ctr"/>
+            <a:r>
+              <a:rPr kumimoji="1" lang="en-US" altLang="ko-Kore-KR" sz="2800">
+                <a:ea typeface="Microsoft Himalaya" pitchFamily="2" charset="0"/>
+                <a:cs typeface="Microsoft Himalaya" pitchFamily="2" charset="0"/>
+              </a:rPr>
+              <a:t>What is a purpose of the paper?</a:t>
+            </a:r>
+            <a:endParaRPr kumimoji="1" lang="ko-Kore-KR" altLang="en-US" sz="2800">
+              <a:solidFill>
+                <a:schemeClr val="bg1">
+                  <a:alpha val="0"/>
+                </a:schemeClr>
+              </a:solidFill>
+              <a:cs typeface="Microsoft Himalaya" pitchFamily="2" charset="0"/>
+            </a:endParaRPr>
+          </a:p>
+        </p:txBody>
+      </p:sp>
+      <p:sp>
+        <p:nvSpPr>
+          <p:cNvPr id="6" name="타원 5">
+            <a:extLst>
+              <a:ext uri="{FF2B5EF4-FFF2-40B4-BE49-F238E27FC236}">
+                <a16:creationId xmlns:a16="http://schemas.microsoft.com/office/drawing/2014/main" id="{2EE2381A-BA90-6CCC-E30D-9B8CB7883D9B}"/>
+              </a:ext>
+            </a:extLst>
+          </p:cNvPr>
+          <p:cNvSpPr/>
+          <p:nvPr/>
+        </p:nvSpPr>
+        <p:spPr>
+          <a:xfrm>
+            <a:off x="-12067911" y="-17281810"/>
+            <a:ext cx="5416902" cy="1895475"/>
+          </a:xfrm>
+          <a:prstGeom prst="ellipse">
+            <a:avLst/>
+          </a:prstGeom>
+          <a:noFill/>
+          <a:ln w="19050">
+            <a:solidFill>
+              <a:schemeClr val="tx1"/>
+            </a:solidFill>
+          </a:ln>
+        </p:spPr>
+        <p:style>
+          <a:lnRef idx="2">
+            <a:schemeClr val="accent1">
+              <a:shade val="15000"/>
+            </a:schemeClr>
+          </a:lnRef>
+          <a:fillRef idx="1">
+            <a:schemeClr val="accent1"/>
+          </a:fillRef>
+          <a:effectRef idx="0">
+            <a:schemeClr val="accent1"/>
+          </a:effectRef>
+          <a:fontRef idx="minor">
+            <a:schemeClr val="lt1"/>
+          </a:fontRef>
+        </p:style>
+        <p:txBody>
+          <a:bodyPr rtlCol="0" anchor="ctr"/>
+          <a:lstStyle/>
+          <a:p>
+            <a:pPr algn="ctr"/>
+            <a:endParaRPr kumimoji="1" lang="ko-Kore-KR" altLang="en-US"/>
+          </a:p>
+        </p:txBody>
+      </p:sp>
+      <p:sp>
+        <p:nvSpPr>
+          <p:cNvPr id="2" name="타원 1">
+            <a:extLst>
+              <a:ext uri="{FF2B5EF4-FFF2-40B4-BE49-F238E27FC236}">
+                <a16:creationId xmlns:a16="http://schemas.microsoft.com/office/drawing/2014/main" id="{3537091F-D64C-D90A-CCA1-057FC775DC84}"/>
+              </a:ext>
+            </a:extLst>
+          </p:cNvPr>
+          <p:cNvSpPr/>
+          <p:nvPr/>
+        </p:nvSpPr>
+        <p:spPr>
+          <a:xfrm>
+            <a:off x="-16500781" y="-21411719"/>
+            <a:ext cx="3470478" cy="3347761"/>
+          </a:xfrm>
+          <a:prstGeom prst="ellipse">
+            <a:avLst/>
+          </a:prstGeom>
+          <a:noFill/>
+          <a:ln w="19050">
+            <a:solidFill>
+              <a:schemeClr val="tx1"/>
+            </a:solidFill>
+          </a:ln>
+        </p:spPr>
+        <p:style>
+          <a:lnRef idx="2">
+            <a:schemeClr val="accent1">
+              <a:shade val="15000"/>
+            </a:schemeClr>
+          </a:lnRef>
+          <a:fillRef idx="1">
+            <a:schemeClr val="accent1"/>
+          </a:fillRef>
+          <a:effectRef idx="0">
+            <a:schemeClr val="accent1"/>
+          </a:effectRef>
+          <a:fontRef idx="minor">
+            <a:schemeClr val="lt1"/>
+          </a:fontRef>
+        </p:style>
+        <p:txBody>
+          <a:bodyPr rtlCol="0" anchor="ctr"/>
+          <a:lstStyle/>
+          <a:p>
+            <a:pPr algn="ctr"/>
+            <a:endParaRPr kumimoji="1" lang="ko-Kore-KR" altLang="en-US"/>
+          </a:p>
+        </p:txBody>
+      </p:sp>
+      <p:cxnSp>
+        <p:nvCxnSpPr>
+          <p:cNvPr id="14" name="구부러진 연결선[U] 13">
+            <a:extLst>
+              <a:ext uri="{FF2B5EF4-FFF2-40B4-BE49-F238E27FC236}">
+                <a16:creationId xmlns:a16="http://schemas.microsoft.com/office/drawing/2014/main" id="{2B954181-AE35-70DB-E680-6B87963413D4}"/>
+              </a:ext>
+            </a:extLst>
+          </p:cNvPr>
+          <p:cNvCxnSpPr>
+            <a:cxnSpLocks/>
+            <a:stCxn id="2" idx="5"/>
+            <a:endCxn id="6" idx="2"/>
+          </p:cNvCxnSpPr>
+          <p:nvPr/>
+        </p:nvCxnSpPr>
+        <p:spPr>
+          <a:xfrm rot="16200000" flipH="1">
+            <a:off x="-13913304" y="-18179465"/>
+            <a:ext cx="2220154" cy="1470632"/>
+          </a:xfrm>
+          <a:prstGeom prst="curvedConnector2">
+            <a:avLst/>
+          </a:prstGeom>
+          <a:ln w="12700">
+            <a:solidFill>
+              <a:schemeClr val="tx1"/>
+            </a:solidFill>
+          </a:ln>
+        </p:spPr>
+        <p:style>
+          <a:lnRef idx="1">
+            <a:schemeClr val="accent1"/>
+          </a:lnRef>
+          <a:fillRef idx="0">
+            <a:schemeClr val="accent1"/>
+          </a:fillRef>
+          <a:effectRef idx="0">
+            <a:schemeClr val="accent1"/>
+          </a:effectRef>
+          <a:fontRef idx="minor">
+            <a:schemeClr val="tx1"/>
+          </a:fontRef>
+        </p:style>
+      </p:cxnSp>
+      <p:sp>
+        <p:nvSpPr>
+          <p:cNvPr id="25" name="TextBox 24">
+            <a:extLst>
+              <a:ext uri="{FF2B5EF4-FFF2-40B4-BE49-F238E27FC236}">
+                <a16:creationId xmlns:a16="http://schemas.microsoft.com/office/drawing/2014/main" id="{758AC1A2-CDC9-B7E3-EBE8-BCC2D5E5D2B1}"/>
+              </a:ext>
+            </a:extLst>
+          </p:cNvPr>
+          <p:cNvSpPr txBox="1"/>
+          <p:nvPr/>
+        </p:nvSpPr>
+        <p:spPr>
+          <a:xfrm>
+            <a:off x="-16098084" y="-19387397"/>
+            <a:ext cx="9015787" cy="1323439"/>
+          </a:xfrm>
+          <a:prstGeom prst="rect">
+            <a:avLst/>
+          </a:prstGeom>
+          <a:noFill/>
+        </p:spPr>
+        <p:txBody>
+          <a:bodyPr wrap="square" rtlCol="0">
+            <a:spAutoFit/>
+          </a:bodyPr>
+          <a:lstStyle/>
+          <a:p>
+            <a:pPr algn="ctr"/>
+            <a:r>
+              <a:rPr kumimoji="1" lang="en-US" altLang="ko-Kore-KR" sz="4000">
+                <a:ea typeface="Microsoft Himalaya" pitchFamily="2" charset="0"/>
+                <a:cs typeface="Microsoft Himalaya" pitchFamily="2" charset="0"/>
+              </a:rPr>
+              <a:t>ghOSt</a:t>
+            </a:r>
+            <a:r>
+              <a:rPr kumimoji="1" lang="en-US" altLang="ko-Kore-KR" sz="4000">
+                <a:solidFill>
+                  <a:schemeClr val="bg1">
+                    <a:alpha val="0"/>
+                  </a:schemeClr>
+                </a:solidFill>
+                <a:ea typeface="Microsoft Himalaya" pitchFamily="2" charset="0"/>
+                <a:cs typeface="Microsoft Himalaya" pitchFamily="2" charset="0"/>
+              </a:rPr>
+              <a:t>: Fast &amp; Flexible User-space Delegation of Linux Scheduling </a:t>
+            </a:r>
+            <a:endParaRPr kumimoji="1" lang="ko-Kore-KR" altLang="en-US" sz="4000">
+              <a:solidFill>
+                <a:schemeClr val="bg1">
+                  <a:alpha val="0"/>
+                </a:schemeClr>
+              </a:solidFill>
+              <a:cs typeface="Microsoft Himalaya" pitchFamily="2" charset="0"/>
+            </a:endParaRPr>
+          </a:p>
+        </p:txBody>
+      </p:sp>
+      <p:sp>
+        <p:nvSpPr>
+          <p:cNvPr id="5" name="TextBox 4">
+            <a:extLst>
+              <a:ext uri="{FF2B5EF4-FFF2-40B4-BE49-F238E27FC236}">
+                <a16:creationId xmlns:a16="http://schemas.microsoft.com/office/drawing/2014/main" id="{6654DD5B-363D-007E-134A-CB95D8023FE8}"/>
+              </a:ext>
+            </a:extLst>
+          </p:cNvPr>
+          <p:cNvSpPr txBox="1"/>
+          <p:nvPr/>
+        </p:nvSpPr>
+        <p:spPr>
+          <a:xfrm>
+            <a:off x="-9618279" y="-14389006"/>
+            <a:ext cx="6649080" cy="954107"/>
+          </a:xfrm>
+          <a:prstGeom prst="rect">
+            <a:avLst/>
+          </a:prstGeom>
+          <a:noFill/>
+        </p:spPr>
+        <p:txBody>
+          <a:bodyPr wrap="square" rtlCol="0">
+            <a:spAutoFit/>
+          </a:bodyPr>
+          <a:lstStyle/>
+          <a:p>
+            <a:pPr algn="ctr"/>
+            <a:r>
+              <a:rPr kumimoji="1" lang="en-US" altLang="ko-Kore-KR" sz="2800">
+                <a:ea typeface="Microsoft Himalaya" pitchFamily="2" charset="0"/>
+                <a:cs typeface="Microsoft Himalaya" pitchFamily="2" charset="0"/>
+              </a:rPr>
+              <a:t>Delegating kernel scheduling</a:t>
+            </a:r>
+          </a:p>
+          <a:p>
+            <a:pPr algn="ctr"/>
+            <a:r>
+              <a:rPr kumimoji="1" lang="en-US" altLang="ko-Kore-KR" sz="2800">
+                <a:ea typeface="Microsoft Himalaya" pitchFamily="2" charset="0"/>
+                <a:cs typeface="Microsoft Himalaya" pitchFamily="2" charset="0"/>
+              </a:rPr>
+              <a:t>to userspace code </a:t>
+            </a:r>
+            <a:endParaRPr kumimoji="1" lang="ko-Kore-KR" altLang="en-US" sz="2800">
+              <a:cs typeface="Microsoft Himalaya" pitchFamily="2" charset="0"/>
+            </a:endParaRPr>
+          </a:p>
+        </p:txBody>
+      </p:sp>
+      <p:sp>
+        <p:nvSpPr>
+          <p:cNvPr id="8" name="타원 7">
+            <a:extLst>
+              <a:ext uri="{FF2B5EF4-FFF2-40B4-BE49-F238E27FC236}">
+                <a16:creationId xmlns:a16="http://schemas.microsoft.com/office/drawing/2014/main" id="{CCA7A6FF-A5C1-EE13-DAB5-2A47607E4AA0}"/>
+              </a:ext>
+            </a:extLst>
+          </p:cNvPr>
+          <p:cNvSpPr/>
+          <p:nvPr/>
+        </p:nvSpPr>
+        <p:spPr>
+          <a:xfrm>
+            <a:off x="-9002190" y="-14865797"/>
+            <a:ext cx="5416902" cy="1895475"/>
+          </a:xfrm>
+          <a:prstGeom prst="ellipse">
+            <a:avLst/>
+          </a:prstGeom>
+          <a:noFill/>
+          <a:ln w="19050">
+            <a:solidFill>
+              <a:schemeClr val="tx1"/>
+            </a:solidFill>
+          </a:ln>
+        </p:spPr>
+        <p:style>
+          <a:lnRef idx="2">
+            <a:schemeClr val="accent1">
+              <a:shade val="15000"/>
+            </a:schemeClr>
+          </a:lnRef>
+          <a:fillRef idx="1">
+            <a:schemeClr val="accent1"/>
+          </a:fillRef>
+          <a:effectRef idx="0">
+            <a:schemeClr val="accent1"/>
+          </a:effectRef>
+          <a:fontRef idx="minor">
+            <a:schemeClr val="lt1"/>
+          </a:fontRef>
+        </p:style>
+        <p:txBody>
+          <a:bodyPr rtlCol="0" anchor="ctr"/>
+          <a:lstStyle/>
+          <a:p>
+            <a:pPr algn="ctr"/>
+            <a:endParaRPr kumimoji="1" lang="ko-Kore-KR" altLang="en-US"/>
+          </a:p>
+        </p:txBody>
+      </p:sp>
+      <p:cxnSp>
+        <p:nvCxnSpPr>
+          <p:cNvPr id="9" name="구부러진 연결선[U] 8">
+            <a:extLst>
+              <a:ext uri="{FF2B5EF4-FFF2-40B4-BE49-F238E27FC236}">
+                <a16:creationId xmlns:a16="http://schemas.microsoft.com/office/drawing/2014/main" id="{068EEA84-621C-4582-DC0F-D62A6F3062A3}"/>
+              </a:ext>
+            </a:extLst>
+          </p:cNvPr>
+          <p:cNvCxnSpPr>
+            <a:cxnSpLocks/>
+            <a:stCxn id="6" idx="4"/>
+            <a:endCxn id="8" idx="1"/>
+          </p:cNvCxnSpPr>
+          <p:nvPr/>
+        </p:nvCxnSpPr>
+        <p:spPr>
+          <a:xfrm rot="16200000" flipH="1">
+            <a:off x="-9183244" y="-15562552"/>
+            <a:ext cx="798124" cy="1150557"/>
+          </a:xfrm>
+          <a:prstGeom prst="curvedConnector3">
+            <a:avLst>
+              <a:gd name="adj1" fmla="val 50000"/>
+            </a:avLst>
+          </a:prstGeom>
+          <a:ln w="12700">
+            <a:solidFill>
+              <a:schemeClr val="tx1"/>
+            </a:solidFill>
+          </a:ln>
+        </p:spPr>
+        <p:style>
+          <a:lnRef idx="1">
+            <a:schemeClr val="accent1"/>
+          </a:lnRef>
+          <a:fillRef idx="0">
+            <a:schemeClr val="accent1"/>
+          </a:fillRef>
+          <a:effectRef idx="0">
+            <a:schemeClr val="accent1"/>
+          </a:effectRef>
+          <a:fontRef idx="minor">
+            <a:schemeClr val="tx1"/>
+          </a:fontRef>
+        </p:style>
+      </p:cxnSp>
+      <p:cxnSp>
+        <p:nvCxnSpPr>
+          <p:cNvPr id="3" name="구부러진 연결선[U] 2">
+            <a:extLst>
+              <a:ext uri="{FF2B5EF4-FFF2-40B4-BE49-F238E27FC236}">
+                <a16:creationId xmlns:a16="http://schemas.microsoft.com/office/drawing/2014/main" id="{AC3F9A48-1A19-F6C7-B3C2-CDA39B862C08}"/>
+              </a:ext>
+            </a:extLst>
+          </p:cNvPr>
+          <p:cNvCxnSpPr>
+            <a:cxnSpLocks/>
+            <a:stCxn id="8" idx="4"/>
+            <a:endCxn id="11" idx="1"/>
+          </p:cNvCxnSpPr>
+          <p:nvPr/>
+        </p:nvCxnSpPr>
+        <p:spPr>
+          <a:xfrm rot="16200000" flipH="1">
+            <a:off x="-6088823" y="-13175239"/>
+            <a:ext cx="542943" cy="952775"/>
+          </a:xfrm>
+          <a:prstGeom prst="curvedConnector3">
+            <a:avLst>
+              <a:gd name="adj1" fmla="val 50000"/>
+            </a:avLst>
+          </a:prstGeom>
+          <a:ln w="12700">
+            <a:solidFill>
+              <a:schemeClr val="tx1"/>
+            </a:solidFill>
+          </a:ln>
+        </p:spPr>
+        <p:style>
+          <a:lnRef idx="1">
+            <a:schemeClr val="accent1"/>
+          </a:lnRef>
+          <a:fillRef idx="0">
+            <a:schemeClr val="accent1"/>
+          </a:fillRef>
+          <a:effectRef idx="0">
+            <a:schemeClr val="accent1"/>
+          </a:effectRef>
+          <a:fontRef idx="minor">
+            <a:schemeClr val="tx1"/>
+          </a:fontRef>
+        </p:style>
+      </p:cxnSp>
+      <p:sp>
+        <p:nvSpPr>
+          <p:cNvPr id="10" name="TextBox 9">
+            <a:extLst>
+              <a:ext uri="{FF2B5EF4-FFF2-40B4-BE49-F238E27FC236}">
+                <a16:creationId xmlns:a16="http://schemas.microsoft.com/office/drawing/2014/main" id="{D2C2F8E5-4B8F-C384-0BD1-F8CC7DBBFE31}"/>
+              </a:ext>
+            </a:extLst>
+          </p:cNvPr>
+          <p:cNvSpPr txBox="1"/>
+          <p:nvPr/>
+        </p:nvSpPr>
+        <p:spPr>
+          <a:xfrm>
+            <a:off x="-3806196" y="-9579049"/>
+            <a:ext cx="7214942" cy="1384995"/>
+          </a:xfrm>
+          <a:prstGeom prst="rect">
+            <a:avLst/>
+          </a:prstGeom>
+          <a:noFill/>
+        </p:spPr>
+        <p:txBody>
+          <a:bodyPr wrap="square" rtlCol="0">
+            <a:spAutoFit/>
+          </a:bodyPr>
+          <a:lstStyle/>
+          <a:p>
+            <a:pPr algn="ctr"/>
+            <a:r>
+              <a:rPr kumimoji="1" lang="en-US" altLang="ko-Kore-KR" sz="2800">
+                <a:ea typeface="Microsoft Himalaya" pitchFamily="2" charset="0"/>
+                <a:cs typeface="Microsoft Himalaya" pitchFamily="2" charset="0"/>
+              </a:rPr>
+              <a:t>Because it means that applications can be implemented leveraging the powerful features of the kernel scheduler!!!</a:t>
+            </a:r>
+            <a:endParaRPr kumimoji="1" lang="ko-Kore-KR" altLang="en-US" sz="2800">
+              <a:cs typeface="Microsoft Himalaya" pitchFamily="2" charset="0"/>
+            </a:endParaRPr>
+          </a:p>
+        </p:txBody>
+      </p:sp>
+      <p:sp>
+        <p:nvSpPr>
+          <p:cNvPr id="11" name="타원 10">
+            <a:extLst>
+              <a:ext uri="{FF2B5EF4-FFF2-40B4-BE49-F238E27FC236}">
+                <a16:creationId xmlns:a16="http://schemas.microsoft.com/office/drawing/2014/main" id="{553EEAA2-6F2C-9BFD-E1DC-B64CC11A8B05}"/>
+              </a:ext>
+            </a:extLst>
+          </p:cNvPr>
+          <p:cNvSpPr/>
+          <p:nvPr/>
+        </p:nvSpPr>
+        <p:spPr>
+          <a:xfrm>
+            <a:off x="-6134251" y="-12704965"/>
+            <a:ext cx="5416902" cy="1895475"/>
+          </a:xfrm>
+          <a:prstGeom prst="ellipse">
+            <a:avLst/>
+          </a:prstGeom>
+          <a:noFill/>
+          <a:ln w="19050">
+            <a:solidFill>
+              <a:schemeClr val="tx1"/>
+            </a:solidFill>
+          </a:ln>
+        </p:spPr>
+        <p:style>
+          <a:lnRef idx="2">
+            <a:schemeClr val="accent1">
+              <a:shade val="15000"/>
+            </a:schemeClr>
+          </a:lnRef>
+          <a:fillRef idx="1">
+            <a:schemeClr val="accent1"/>
+          </a:fillRef>
+          <a:effectRef idx="0">
+            <a:schemeClr val="accent1"/>
+          </a:effectRef>
+          <a:fontRef idx="minor">
+            <a:schemeClr val="lt1"/>
+          </a:fontRef>
+        </p:style>
+        <p:txBody>
+          <a:bodyPr rtlCol="0" anchor="ctr"/>
+          <a:lstStyle/>
+          <a:p>
+            <a:pPr algn="ctr"/>
+            <a:endParaRPr kumimoji="1" lang="ko-Kore-KR" altLang="en-US"/>
+          </a:p>
+        </p:txBody>
+      </p:sp>
+      <p:sp>
+        <p:nvSpPr>
+          <p:cNvPr id="12" name="타원 11">
+            <a:extLst>
+              <a:ext uri="{FF2B5EF4-FFF2-40B4-BE49-F238E27FC236}">
+                <a16:creationId xmlns:a16="http://schemas.microsoft.com/office/drawing/2014/main" id="{98BE3455-7E7C-98E6-2F4D-8656076DB122}"/>
+              </a:ext>
+            </a:extLst>
+          </p:cNvPr>
+          <p:cNvSpPr/>
+          <p:nvPr/>
+        </p:nvSpPr>
+        <p:spPr>
+          <a:xfrm>
+            <a:off x="-3953978" y="-10143057"/>
+            <a:ext cx="7510506" cy="2356551"/>
+          </a:xfrm>
+          <a:prstGeom prst="ellipse">
+            <a:avLst/>
+          </a:prstGeom>
+          <a:noFill/>
+          <a:ln w="19050">
+            <a:solidFill>
+              <a:schemeClr val="tx1"/>
+            </a:solidFill>
+          </a:ln>
+        </p:spPr>
+        <p:style>
+          <a:lnRef idx="2">
+            <a:schemeClr val="accent1">
+              <a:shade val="15000"/>
+            </a:schemeClr>
+          </a:lnRef>
+          <a:fillRef idx="1">
+            <a:schemeClr val="accent1"/>
+          </a:fillRef>
+          <a:effectRef idx="0">
+            <a:schemeClr val="accent1"/>
+          </a:effectRef>
+          <a:fontRef idx="minor">
+            <a:schemeClr val="lt1"/>
+          </a:fontRef>
+        </p:style>
+        <p:txBody>
+          <a:bodyPr rtlCol="0" anchor="ctr"/>
+          <a:lstStyle/>
+          <a:p>
+            <a:pPr algn="ctr"/>
+            <a:endParaRPr kumimoji="1" lang="ko-Kore-KR" altLang="en-US"/>
+          </a:p>
+        </p:txBody>
+      </p:sp>
+      <p:cxnSp>
+        <p:nvCxnSpPr>
+          <p:cNvPr id="13" name="구부러진 연결선[U] 12">
+            <a:extLst>
+              <a:ext uri="{FF2B5EF4-FFF2-40B4-BE49-F238E27FC236}">
+                <a16:creationId xmlns:a16="http://schemas.microsoft.com/office/drawing/2014/main" id="{8D73709C-867B-5C3D-0744-BD01319122DC}"/>
+              </a:ext>
+            </a:extLst>
+          </p:cNvPr>
+          <p:cNvCxnSpPr>
+            <a:cxnSpLocks/>
+            <a:stCxn id="11" idx="4"/>
+            <a:endCxn id="12" idx="1"/>
+          </p:cNvCxnSpPr>
+          <p:nvPr/>
+        </p:nvCxnSpPr>
+        <p:spPr>
+          <a:xfrm rot="16200000" flipH="1">
+            <a:off x="-3645716" y="-10589574"/>
+            <a:ext cx="1011542" cy="571710"/>
+          </a:xfrm>
+          <a:prstGeom prst="curvedConnector3">
+            <a:avLst>
+              <a:gd name="adj1" fmla="val 50000"/>
+            </a:avLst>
+          </a:prstGeom>
+          <a:ln w="12700">
+            <a:solidFill>
+              <a:schemeClr val="tx1"/>
+            </a:solidFill>
+          </a:ln>
+        </p:spPr>
+        <p:style>
+          <a:lnRef idx="1">
+            <a:schemeClr val="accent1"/>
+          </a:lnRef>
+          <a:fillRef idx="0">
+            <a:schemeClr val="accent1"/>
+          </a:fillRef>
+          <a:effectRef idx="0">
+            <a:schemeClr val="accent1"/>
+          </a:effectRef>
+          <a:fontRef idx="minor">
+            <a:schemeClr val="tx1"/>
+          </a:fontRef>
+        </p:style>
+      </p:cxnSp>
+      <p:sp>
+        <p:nvSpPr>
+          <p:cNvPr id="17" name="TextBox 16">
+            <a:extLst>
+              <a:ext uri="{FF2B5EF4-FFF2-40B4-BE49-F238E27FC236}">
+                <a16:creationId xmlns:a16="http://schemas.microsoft.com/office/drawing/2014/main" id="{2461D2E0-27C3-B02E-68FA-2F27E0718AE4}"/>
+              </a:ext>
+            </a:extLst>
+          </p:cNvPr>
+          <p:cNvSpPr txBox="1"/>
+          <p:nvPr/>
+        </p:nvSpPr>
+        <p:spPr>
+          <a:xfrm>
+            <a:off x="-6909828" y="-11972993"/>
+            <a:ext cx="6649080" cy="523220"/>
+          </a:xfrm>
+          <a:prstGeom prst="rect">
+            <a:avLst/>
+          </a:prstGeom>
+          <a:noFill/>
+        </p:spPr>
+        <p:txBody>
+          <a:bodyPr wrap="square" rtlCol="0">
+            <a:spAutoFit/>
+          </a:bodyPr>
+          <a:lstStyle/>
+          <a:p>
+            <a:pPr algn="ctr"/>
+            <a:r>
+              <a:rPr kumimoji="1" lang="en-US" altLang="ko-Kore-KR" sz="2800">
+                <a:ea typeface="Microsoft Himalaya" pitchFamily="2" charset="0"/>
+                <a:cs typeface="Microsoft Himalaya" pitchFamily="2" charset="0"/>
+              </a:rPr>
+              <a:t>Why is that important?</a:t>
+            </a:r>
+            <a:endParaRPr kumimoji="1" lang="ko-Kore-KR" altLang="en-US" sz="2800">
+              <a:cs typeface="Microsoft Himalaya" pitchFamily="2" charset="0"/>
+            </a:endParaRPr>
+          </a:p>
+        </p:txBody>
+      </p:sp>
+      <p:sp>
+        <p:nvSpPr>
+          <p:cNvPr id="4" name="TextBox 3">
+            <a:extLst>
+              <a:ext uri="{FF2B5EF4-FFF2-40B4-BE49-F238E27FC236}">
+                <a16:creationId xmlns:a16="http://schemas.microsoft.com/office/drawing/2014/main" id="{09069384-6BDF-4AB8-9E82-55B8B48224F5}"/>
+              </a:ext>
+            </a:extLst>
+          </p:cNvPr>
+          <p:cNvSpPr txBox="1"/>
+          <p:nvPr/>
+        </p:nvSpPr>
+        <p:spPr>
+          <a:xfrm>
+            <a:off x="718180" y="-6996896"/>
+            <a:ext cx="7214942" cy="1384995"/>
+          </a:xfrm>
+          <a:prstGeom prst="rect">
+            <a:avLst/>
+          </a:prstGeom>
+          <a:noFill/>
+        </p:spPr>
+        <p:txBody>
+          <a:bodyPr wrap="square" rtlCol="0">
+            <a:spAutoFit/>
+          </a:bodyPr>
+          <a:lstStyle/>
+          <a:p>
+            <a:pPr algn="ctr"/>
+            <a:r>
+              <a:rPr kumimoji="1" lang="en-US" altLang="ko-Kore-KR" sz="2800">
+                <a:cs typeface="Microsoft Himalaya" pitchFamily="2" charset="0"/>
+              </a:rPr>
+              <a:t>Also, scheduling designs that were previously </a:t>
+            </a:r>
+            <a:r>
+              <a:rPr kumimoji="1" lang="en-US" altLang="ko-KR" sz="2800">
+                <a:cs typeface="Microsoft Himalaya" pitchFamily="2" charset="0"/>
+              </a:rPr>
+              <a:t>unused because they did not fit into the general kernel </a:t>
+            </a:r>
+            <a:r>
+              <a:rPr kumimoji="1" lang="en-US" altLang="ko-Kore-KR" sz="2800">
+                <a:cs typeface="Microsoft Himalaya" pitchFamily="2" charset="0"/>
+              </a:rPr>
+              <a:t>can be used in the userspace!!</a:t>
+            </a:r>
+            <a:endParaRPr kumimoji="1" lang="ko-Kore-KR" altLang="en-US" sz="2800">
+              <a:cs typeface="Microsoft Himalaya" pitchFamily="2" charset="0"/>
+            </a:endParaRPr>
+          </a:p>
+        </p:txBody>
+      </p:sp>
+      <p:cxnSp>
+        <p:nvCxnSpPr>
+          <p:cNvPr id="15" name="구부러진 연결선[U] 14">
+            <a:extLst>
+              <a:ext uri="{FF2B5EF4-FFF2-40B4-BE49-F238E27FC236}">
+                <a16:creationId xmlns:a16="http://schemas.microsoft.com/office/drawing/2014/main" id="{86EB4F29-36E1-ABFE-5C78-E34AEC8E26C2}"/>
+              </a:ext>
+            </a:extLst>
+          </p:cNvPr>
+          <p:cNvCxnSpPr>
+            <a:cxnSpLocks/>
+            <a:stCxn id="12" idx="5"/>
+            <a:endCxn id="16" idx="0"/>
+          </p:cNvCxnSpPr>
+          <p:nvPr/>
+        </p:nvCxnSpPr>
+        <p:spPr>
+          <a:xfrm rot="16200000" flipH="1">
+            <a:off x="3124520" y="-8799496"/>
+            <a:ext cx="501569" cy="1837329"/>
+          </a:xfrm>
+          <a:prstGeom prst="curvedConnector3">
+            <a:avLst>
+              <a:gd name="adj1" fmla="val 50000"/>
+            </a:avLst>
+          </a:prstGeom>
+          <a:ln w="12700">
+            <a:solidFill>
+              <a:schemeClr val="tx1"/>
+            </a:solidFill>
+          </a:ln>
+        </p:spPr>
+        <p:style>
+          <a:lnRef idx="1">
+            <a:schemeClr val="accent1"/>
+          </a:lnRef>
+          <a:fillRef idx="0">
+            <a:schemeClr val="accent1"/>
+          </a:fillRef>
+          <a:effectRef idx="0">
+            <a:schemeClr val="accent1"/>
+          </a:effectRef>
+          <a:fontRef idx="minor">
+            <a:schemeClr val="tx1"/>
+          </a:fontRef>
+        </p:style>
+      </p:cxnSp>
+      <p:sp>
+        <p:nvSpPr>
+          <p:cNvPr id="16" name="타원 15">
+            <a:extLst>
+              <a:ext uri="{FF2B5EF4-FFF2-40B4-BE49-F238E27FC236}">
+                <a16:creationId xmlns:a16="http://schemas.microsoft.com/office/drawing/2014/main" id="{C2E7E2C8-45E7-5C28-C930-10DEF0105BBC}"/>
+              </a:ext>
+            </a:extLst>
+          </p:cNvPr>
+          <p:cNvSpPr/>
+          <p:nvPr/>
+        </p:nvSpPr>
+        <p:spPr>
+          <a:xfrm>
+            <a:off x="349915" y="-7630046"/>
+            <a:ext cx="7888107" cy="2599856"/>
+          </a:xfrm>
+          <a:prstGeom prst="ellipse">
+            <a:avLst/>
+          </a:prstGeom>
+          <a:noFill/>
+          <a:ln w="19050">
+            <a:solidFill>
+              <a:schemeClr val="tx1"/>
+            </a:solidFill>
+          </a:ln>
+        </p:spPr>
+        <p:style>
+          <a:lnRef idx="2">
+            <a:schemeClr val="accent1">
+              <a:shade val="15000"/>
+            </a:schemeClr>
+          </a:lnRef>
+          <a:fillRef idx="1">
+            <a:schemeClr val="accent1"/>
+          </a:fillRef>
+          <a:effectRef idx="0">
+            <a:schemeClr val="accent1"/>
+          </a:effectRef>
+          <a:fontRef idx="minor">
+            <a:schemeClr val="lt1"/>
+          </a:fontRef>
+        </p:style>
+        <p:txBody>
+          <a:bodyPr rtlCol="0" anchor="ctr"/>
+          <a:lstStyle/>
+          <a:p>
+            <a:pPr algn="ctr"/>
+            <a:endParaRPr kumimoji="1" lang="ko-Kore-KR" altLang="en-US"/>
+          </a:p>
+        </p:txBody>
+      </p:sp>
+      <p:sp>
+        <p:nvSpPr>
+          <p:cNvPr id="18" name="TextBox 17">
+            <a:extLst>
+              <a:ext uri="{FF2B5EF4-FFF2-40B4-BE49-F238E27FC236}">
+                <a16:creationId xmlns:a16="http://schemas.microsoft.com/office/drawing/2014/main" id="{4EF28DD6-7793-8D9A-044F-B978D4AF4B34}"/>
+              </a:ext>
+            </a:extLst>
+          </p:cNvPr>
+          <p:cNvSpPr txBox="1"/>
+          <p:nvPr/>
+        </p:nvSpPr>
+        <p:spPr>
+          <a:xfrm>
+            <a:off x="2338792" y="-3847532"/>
+            <a:ext cx="8214246" cy="1384995"/>
+          </a:xfrm>
+          <a:prstGeom prst="rect">
+            <a:avLst/>
+          </a:prstGeom>
+          <a:noFill/>
+        </p:spPr>
+        <p:txBody>
+          <a:bodyPr wrap="square" rtlCol="0">
+            <a:spAutoFit/>
+          </a:bodyPr>
+          <a:lstStyle/>
+          <a:p>
+            <a:pPr algn="ctr"/>
+            <a:r>
+              <a:rPr kumimoji="1" lang="en-US" altLang="ko-Kore-KR" sz="2800">
+                <a:cs typeface="Microsoft Himalaya" pitchFamily="2" charset="0"/>
+              </a:rPr>
+              <a:t>Fundamentally, the ghOSt relaxes restrictions in terms of CPU virtualization, expanding user’s development design freedom</a:t>
+            </a:r>
+            <a:endParaRPr kumimoji="1" lang="ko-Kore-KR" altLang="en-US" sz="2800">
+              <a:cs typeface="Microsoft Himalaya" pitchFamily="2" charset="0"/>
+            </a:endParaRPr>
+          </a:p>
+        </p:txBody>
+      </p:sp>
+      <p:sp>
+        <p:nvSpPr>
+          <p:cNvPr id="19" name="타원 18">
+            <a:extLst>
+              <a:ext uri="{FF2B5EF4-FFF2-40B4-BE49-F238E27FC236}">
+                <a16:creationId xmlns:a16="http://schemas.microsoft.com/office/drawing/2014/main" id="{FA0DF77A-7B58-7DE1-8A3E-0A5DA271ECE9}"/>
+              </a:ext>
+            </a:extLst>
+          </p:cNvPr>
+          <p:cNvSpPr/>
+          <p:nvPr/>
+        </p:nvSpPr>
+        <p:spPr>
+          <a:xfrm>
+            <a:off x="1721225" y="-4475049"/>
+            <a:ext cx="9637823" cy="2648636"/>
+          </a:xfrm>
+          <a:prstGeom prst="ellipse">
+            <a:avLst/>
+          </a:prstGeom>
+          <a:noFill/>
+          <a:ln w="19050">
+            <a:solidFill>
+              <a:schemeClr val="tx1"/>
+            </a:solidFill>
+          </a:ln>
+        </p:spPr>
+        <p:style>
+          <a:lnRef idx="2">
+            <a:schemeClr val="accent1">
+              <a:shade val="15000"/>
+            </a:schemeClr>
+          </a:lnRef>
+          <a:fillRef idx="1">
+            <a:schemeClr val="accent1"/>
+          </a:fillRef>
+          <a:effectRef idx="0">
+            <a:schemeClr val="accent1"/>
+          </a:effectRef>
+          <a:fontRef idx="minor">
+            <a:schemeClr val="lt1"/>
+          </a:fontRef>
+        </p:style>
+        <p:txBody>
+          <a:bodyPr rtlCol="0" anchor="ctr"/>
+          <a:lstStyle/>
+          <a:p>
+            <a:pPr algn="ctr"/>
+            <a:endParaRPr kumimoji="1" lang="ko-Kore-KR" altLang="en-US"/>
+          </a:p>
+        </p:txBody>
+      </p:sp>
+      <p:cxnSp>
+        <p:nvCxnSpPr>
+          <p:cNvPr id="20" name="구부러진 연결선[U] 19">
+            <a:extLst>
+              <a:ext uri="{FF2B5EF4-FFF2-40B4-BE49-F238E27FC236}">
+                <a16:creationId xmlns:a16="http://schemas.microsoft.com/office/drawing/2014/main" id="{19A5D647-6532-DA56-118D-A70386D6DBB1}"/>
+              </a:ext>
+            </a:extLst>
+          </p:cNvPr>
+          <p:cNvCxnSpPr>
+            <a:cxnSpLocks/>
+            <a:stCxn id="16" idx="4"/>
+            <a:endCxn id="19" idx="0"/>
+          </p:cNvCxnSpPr>
+          <p:nvPr/>
+        </p:nvCxnSpPr>
+        <p:spPr>
+          <a:xfrm rot="16200000" flipH="1">
+            <a:off x="5139483" y="-5875704"/>
+            <a:ext cx="555141" cy="2246168"/>
+          </a:xfrm>
+          <a:prstGeom prst="curvedConnector3">
+            <a:avLst>
+              <a:gd name="adj1" fmla="val 50000"/>
+            </a:avLst>
+          </a:prstGeom>
+          <a:ln w="12700">
+            <a:solidFill>
+              <a:schemeClr val="tx1"/>
+            </a:solidFill>
+          </a:ln>
+        </p:spPr>
+        <p:style>
+          <a:lnRef idx="1">
+            <a:schemeClr val="accent1"/>
+          </a:lnRef>
+          <a:fillRef idx="0">
+            <a:schemeClr val="accent1"/>
+          </a:fillRef>
+          <a:effectRef idx="0">
+            <a:schemeClr val="accent1"/>
+          </a:effectRef>
+          <a:fontRef idx="minor">
+            <a:schemeClr val="tx1"/>
+          </a:fontRef>
+        </p:style>
+      </p:cxnSp>
+      <p:sp>
+        <p:nvSpPr>
+          <p:cNvPr id="21" name="TextBox 20">
+            <a:extLst>
+              <a:ext uri="{FF2B5EF4-FFF2-40B4-BE49-F238E27FC236}">
+                <a16:creationId xmlns:a16="http://schemas.microsoft.com/office/drawing/2014/main" id="{A8F0A1E5-1099-7203-EF65-828FC6C9B5A6}"/>
+              </a:ext>
+            </a:extLst>
+          </p:cNvPr>
+          <p:cNvSpPr txBox="1"/>
+          <p:nvPr/>
+        </p:nvSpPr>
+        <p:spPr>
+          <a:xfrm>
+            <a:off x="2251831" y="-929099"/>
+            <a:ext cx="8214246" cy="523220"/>
+          </a:xfrm>
+          <a:prstGeom prst="rect">
+            <a:avLst/>
+          </a:prstGeom>
+          <a:noFill/>
+        </p:spPr>
+        <p:txBody>
+          <a:bodyPr wrap="square" rtlCol="0">
+            <a:spAutoFit/>
+          </a:bodyPr>
+          <a:lstStyle/>
+          <a:p>
+            <a:pPr algn="ctr"/>
+            <a:r>
+              <a:rPr kumimoji="1" lang="en-US" altLang="ko-Kore-KR" sz="2800">
+                <a:cs typeface="Microsoft Himalaya" pitchFamily="2" charset="0"/>
+              </a:rPr>
+              <a:t>Then, is a new insight presented by ghOSt? </a:t>
+            </a:r>
+            <a:endParaRPr kumimoji="1" lang="ko-Kore-KR" altLang="en-US" sz="2800">
+              <a:cs typeface="Microsoft Himalaya" pitchFamily="2" charset="0"/>
+            </a:endParaRPr>
+          </a:p>
+        </p:txBody>
+      </p:sp>
+      <p:sp>
+        <p:nvSpPr>
+          <p:cNvPr id="22" name="타원 21">
+            <a:extLst>
+              <a:ext uri="{FF2B5EF4-FFF2-40B4-BE49-F238E27FC236}">
+                <a16:creationId xmlns:a16="http://schemas.microsoft.com/office/drawing/2014/main" id="{4C508DF5-D81D-1B29-3261-B9B15C155BE4}"/>
+              </a:ext>
+            </a:extLst>
+          </p:cNvPr>
+          <p:cNvSpPr/>
+          <p:nvPr/>
+        </p:nvSpPr>
+        <p:spPr>
+          <a:xfrm>
+            <a:off x="2394058" y="-1198896"/>
+            <a:ext cx="7846783" cy="1129346"/>
+          </a:xfrm>
+          <a:prstGeom prst="ellipse">
+            <a:avLst/>
+          </a:prstGeom>
+          <a:noFill/>
+          <a:ln w="19050">
+            <a:solidFill>
+              <a:schemeClr val="tx1"/>
+            </a:solidFill>
+          </a:ln>
+        </p:spPr>
+        <p:style>
+          <a:lnRef idx="2">
+            <a:schemeClr val="accent1">
+              <a:shade val="15000"/>
+            </a:schemeClr>
+          </a:lnRef>
+          <a:fillRef idx="1">
+            <a:schemeClr val="accent1"/>
+          </a:fillRef>
+          <a:effectRef idx="0">
+            <a:schemeClr val="accent1"/>
+          </a:effectRef>
+          <a:fontRef idx="minor">
+            <a:schemeClr val="lt1"/>
+          </a:fontRef>
+        </p:style>
+        <p:txBody>
+          <a:bodyPr rtlCol="0" anchor="ctr"/>
+          <a:lstStyle/>
+          <a:p>
+            <a:pPr algn="ctr"/>
+            <a:endParaRPr kumimoji="1" lang="ko-Kore-KR" altLang="en-US"/>
+          </a:p>
+        </p:txBody>
+      </p:sp>
+      <p:cxnSp>
+        <p:nvCxnSpPr>
+          <p:cNvPr id="23" name="구부러진 연결선[U] 22">
+            <a:extLst>
+              <a:ext uri="{FF2B5EF4-FFF2-40B4-BE49-F238E27FC236}">
+                <a16:creationId xmlns:a16="http://schemas.microsoft.com/office/drawing/2014/main" id="{76975E94-9776-4206-E3F2-A9C416308400}"/>
+              </a:ext>
+            </a:extLst>
+          </p:cNvPr>
+          <p:cNvCxnSpPr>
+            <a:cxnSpLocks/>
+            <a:stCxn id="19" idx="4"/>
+            <a:endCxn id="22" idx="0"/>
+          </p:cNvCxnSpPr>
+          <p:nvPr/>
+        </p:nvCxnSpPr>
+        <p:spPr>
+          <a:xfrm rot="5400000">
+            <a:off x="6115036" y="-1623998"/>
+            <a:ext cx="627517" cy="222687"/>
+          </a:xfrm>
+          <a:prstGeom prst="curvedConnector3">
+            <a:avLst>
+              <a:gd name="adj1" fmla="val 50000"/>
+            </a:avLst>
+          </a:prstGeom>
+          <a:ln w="12700">
+            <a:solidFill>
+              <a:schemeClr val="tx1"/>
+            </a:solidFill>
+          </a:ln>
+        </p:spPr>
+        <p:style>
+          <a:lnRef idx="1">
+            <a:schemeClr val="accent1"/>
+          </a:lnRef>
+          <a:fillRef idx="0">
+            <a:schemeClr val="accent1"/>
+          </a:fillRef>
+          <a:effectRef idx="0">
+            <a:schemeClr val="accent1"/>
+          </a:effectRef>
+          <a:fontRef idx="minor">
+            <a:schemeClr val="tx1"/>
+          </a:fontRef>
+        </p:style>
+      </p:cxnSp>
+      <p:sp>
+        <p:nvSpPr>
+          <p:cNvPr id="24" name="TextBox 23">
+            <a:extLst>
+              <a:ext uri="{FF2B5EF4-FFF2-40B4-BE49-F238E27FC236}">
+                <a16:creationId xmlns:a16="http://schemas.microsoft.com/office/drawing/2014/main" id="{D9CCB771-34F4-DECE-EB41-D9D9451BBE6B}"/>
+              </a:ext>
+            </a:extLst>
+          </p:cNvPr>
+          <p:cNvSpPr txBox="1"/>
+          <p:nvPr/>
+        </p:nvSpPr>
+        <p:spPr>
+          <a:xfrm>
+            <a:off x="2590673" y="557967"/>
+            <a:ext cx="8214246" cy="954107"/>
+          </a:xfrm>
+          <a:prstGeom prst="rect">
+            <a:avLst/>
+          </a:prstGeom>
+          <a:noFill/>
+        </p:spPr>
+        <p:txBody>
+          <a:bodyPr wrap="square" rtlCol="0">
+            <a:spAutoFit/>
+          </a:bodyPr>
+          <a:lstStyle/>
+          <a:p>
+            <a:pPr algn="ctr"/>
+            <a:r>
+              <a:rPr kumimoji="1" lang="en-US" altLang="ko-Kore-KR" sz="2800">
+                <a:cs typeface="Microsoft Himalaya" pitchFamily="2" charset="0"/>
+              </a:rPr>
+              <a:t>What has been done before in the same context as this fundamental insight?</a:t>
+            </a:r>
+            <a:endParaRPr kumimoji="1" lang="ko-Kore-KR" altLang="en-US" sz="2800">
+              <a:cs typeface="Microsoft Himalaya" pitchFamily="2" charset="0"/>
+            </a:endParaRPr>
+          </a:p>
+        </p:txBody>
+      </p:sp>
+      <p:sp>
+        <p:nvSpPr>
+          <p:cNvPr id="26" name="타원 25">
+            <a:extLst>
+              <a:ext uri="{FF2B5EF4-FFF2-40B4-BE49-F238E27FC236}">
+                <a16:creationId xmlns:a16="http://schemas.microsoft.com/office/drawing/2014/main" id="{74D3F31D-3F9C-6321-18F1-2C57945CDF24}"/>
+              </a:ext>
+            </a:extLst>
+          </p:cNvPr>
+          <p:cNvSpPr/>
+          <p:nvPr/>
+        </p:nvSpPr>
+        <p:spPr>
+          <a:xfrm>
+            <a:off x="2018006" y="263090"/>
+            <a:ext cx="9055117" cy="1401639"/>
+          </a:xfrm>
+          <a:prstGeom prst="ellipse">
+            <a:avLst/>
+          </a:prstGeom>
+          <a:noFill/>
+          <a:ln w="19050">
+            <a:solidFill>
+              <a:schemeClr val="tx1"/>
+            </a:solidFill>
+          </a:ln>
+        </p:spPr>
+        <p:style>
+          <a:lnRef idx="2">
+            <a:schemeClr val="accent1">
+              <a:shade val="15000"/>
+            </a:schemeClr>
+          </a:lnRef>
+          <a:fillRef idx="1">
+            <a:schemeClr val="accent1"/>
+          </a:fillRef>
+          <a:effectRef idx="0">
+            <a:schemeClr val="accent1"/>
+          </a:effectRef>
+          <a:fontRef idx="minor">
+            <a:schemeClr val="lt1"/>
+          </a:fontRef>
+        </p:style>
+        <p:txBody>
+          <a:bodyPr rtlCol="0" anchor="ctr"/>
+          <a:lstStyle/>
+          <a:p>
+            <a:pPr algn="ctr"/>
+            <a:endParaRPr kumimoji="1" lang="ko-Kore-KR" altLang="en-US"/>
+          </a:p>
+        </p:txBody>
+      </p:sp>
+      <p:cxnSp>
+        <p:nvCxnSpPr>
+          <p:cNvPr id="27" name="구부러진 연결선[U] 26">
+            <a:extLst>
+              <a:ext uri="{FF2B5EF4-FFF2-40B4-BE49-F238E27FC236}">
+                <a16:creationId xmlns:a16="http://schemas.microsoft.com/office/drawing/2014/main" id="{9E36E546-0899-D82E-3FE4-1D54F088F523}"/>
+              </a:ext>
+            </a:extLst>
+          </p:cNvPr>
+          <p:cNvCxnSpPr>
+            <a:cxnSpLocks/>
+            <a:stCxn id="22" idx="4"/>
+            <a:endCxn id="26" idx="0"/>
+          </p:cNvCxnSpPr>
+          <p:nvPr/>
+        </p:nvCxnSpPr>
+        <p:spPr>
+          <a:xfrm rot="16200000" flipH="1">
+            <a:off x="6265187" y="-17288"/>
+            <a:ext cx="332640" cy="228115"/>
+          </a:xfrm>
+          <a:prstGeom prst="curvedConnector3">
+            <a:avLst>
+              <a:gd name="adj1" fmla="val 50000"/>
+            </a:avLst>
+          </a:prstGeom>
+          <a:ln w="12700">
+            <a:solidFill>
+              <a:schemeClr val="tx1"/>
+            </a:solidFill>
+          </a:ln>
+        </p:spPr>
+        <p:style>
+          <a:lnRef idx="1">
+            <a:schemeClr val="accent1"/>
+          </a:lnRef>
+          <a:fillRef idx="0">
+            <a:schemeClr val="accent1"/>
+          </a:fillRef>
+          <a:effectRef idx="0">
+            <a:schemeClr val="accent1"/>
+          </a:effectRef>
+          <a:fontRef idx="minor">
+            <a:schemeClr val="tx1"/>
+          </a:fontRef>
+        </p:style>
+      </p:cxnSp>
+    </p:spTree>
+    <p:extLst>
+      <p:ext uri="{BB962C8B-B14F-4D97-AF65-F5344CB8AC3E}">
+        <p14:creationId xmlns:p14="http://schemas.microsoft.com/office/powerpoint/2010/main" val="13519296"/>
+      </p:ext>
+    </p:extLst>
+  </p:cSld>
+  <p:clrMapOvr>
+    <a:masterClrMapping/>
+  </p:clrMapOvr>
+  <mc:AlternateContent xmlns:mc="http://schemas.openxmlformats.org/markup-compatibility/2006">
+    <mc:Choice xmlns:p159="http://schemas.microsoft.com/office/powerpoint/2015/09/main" Requires="p159">
+      <p:transition spd="slow" advClick="0">
+        <p159:morph option="byObject"/>
+      </p:transition>
+    </mc:Choice>
+    <mc:Fallback>
+      <p:transition spd="slow" advClick="0">
+        <p:fade/>
+      </p:transition>
+    </mc:Fallback>
+  </mc:AlternateContent>
+</p:sld>
+</file>
+
+<file path=ppt/slides/slide19.xml><?xml version="1.0" encoding="utf-8"?>
+<p:sld xmlns:a="http://schemas.openxmlformats.org/drawingml/2006/main" xmlns:r="http://schemas.openxmlformats.org/officeDocument/2006/relationships" xmlns:p="http://schemas.openxmlformats.org/presentationml/2006/main">
+  <p:cSld>
+    <p:spTree>
+      <p:nvGrpSpPr>
+        <p:cNvPr id="1" name=""/>
+        <p:cNvGrpSpPr/>
+        <p:nvPr/>
+      </p:nvGrpSpPr>
+      <p:grpSpPr>
+        <a:xfrm>
+          <a:off x="0" y="0"/>
+          <a:ext cx="0" cy="0"/>
+          <a:chOff x="0" y="0"/>
+          <a:chExt cx="0" cy="0"/>
+        </a:xfrm>
+      </p:grpSpPr>
+      <p:sp>
+        <p:nvSpPr>
+          <p:cNvPr id="7" name="TextBox 6">
+            <a:extLst>
+              <a:ext uri="{FF2B5EF4-FFF2-40B4-BE49-F238E27FC236}">
+                <a16:creationId xmlns:a16="http://schemas.microsoft.com/office/drawing/2014/main" id="{7432CD06-269D-8519-0178-61F8107F3434}"/>
+              </a:ext>
+            </a:extLst>
+          </p:cNvPr>
+          <p:cNvSpPr txBox="1"/>
+          <p:nvPr/>
+        </p:nvSpPr>
+        <p:spPr>
+          <a:xfrm>
+            <a:off x="-12594140" y="-16615945"/>
+            <a:ext cx="6649080" cy="523220"/>
+          </a:xfrm>
+          <a:prstGeom prst="rect">
+            <a:avLst/>
+          </a:prstGeom>
+          <a:noFill/>
+        </p:spPr>
+        <p:txBody>
+          <a:bodyPr wrap="square" rtlCol="0">
+            <a:spAutoFit/>
+          </a:bodyPr>
+          <a:lstStyle/>
+          <a:p>
+            <a:pPr algn="ctr"/>
+            <a:r>
+              <a:rPr kumimoji="1" lang="en-US" altLang="ko-Kore-KR" sz="2800">
+                <a:ea typeface="Microsoft Himalaya" pitchFamily="2" charset="0"/>
+                <a:cs typeface="Microsoft Himalaya" pitchFamily="2" charset="0"/>
+              </a:rPr>
+              <a:t>What is a purpose of the paper?</a:t>
+            </a:r>
+            <a:endParaRPr kumimoji="1" lang="ko-Kore-KR" altLang="en-US" sz="2800">
+              <a:solidFill>
+                <a:schemeClr val="bg1">
+                  <a:alpha val="0"/>
+                </a:schemeClr>
+              </a:solidFill>
+              <a:cs typeface="Microsoft Himalaya" pitchFamily="2" charset="0"/>
+            </a:endParaRPr>
+          </a:p>
+        </p:txBody>
+      </p:sp>
+      <p:sp>
+        <p:nvSpPr>
+          <p:cNvPr id="6" name="타원 5">
+            <a:extLst>
+              <a:ext uri="{FF2B5EF4-FFF2-40B4-BE49-F238E27FC236}">
+                <a16:creationId xmlns:a16="http://schemas.microsoft.com/office/drawing/2014/main" id="{2EE2381A-BA90-6CCC-E30D-9B8CB7883D9B}"/>
+              </a:ext>
+            </a:extLst>
+          </p:cNvPr>
+          <p:cNvSpPr/>
+          <p:nvPr/>
+        </p:nvSpPr>
+        <p:spPr>
+          <a:xfrm>
+            <a:off x="-12067911" y="-17281810"/>
+            <a:ext cx="5416902" cy="1895475"/>
+          </a:xfrm>
+          <a:prstGeom prst="ellipse">
+            <a:avLst/>
+          </a:prstGeom>
+          <a:noFill/>
+          <a:ln w="19050">
+            <a:solidFill>
+              <a:schemeClr val="tx1"/>
+            </a:solidFill>
+          </a:ln>
+        </p:spPr>
+        <p:style>
+          <a:lnRef idx="2">
+            <a:schemeClr val="accent1">
+              <a:shade val="15000"/>
+            </a:schemeClr>
+          </a:lnRef>
+          <a:fillRef idx="1">
+            <a:schemeClr val="accent1"/>
+          </a:fillRef>
+          <a:effectRef idx="0">
+            <a:schemeClr val="accent1"/>
+          </a:effectRef>
+          <a:fontRef idx="minor">
+            <a:schemeClr val="lt1"/>
+          </a:fontRef>
+        </p:style>
+        <p:txBody>
+          <a:bodyPr rtlCol="0" anchor="ctr"/>
+          <a:lstStyle/>
+          <a:p>
+            <a:pPr algn="ctr"/>
+            <a:endParaRPr kumimoji="1" lang="ko-Kore-KR" altLang="en-US"/>
+          </a:p>
+        </p:txBody>
+      </p:sp>
+      <p:sp>
+        <p:nvSpPr>
+          <p:cNvPr id="2" name="타원 1">
+            <a:extLst>
+              <a:ext uri="{FF2B5EF4-FFF2-40B4-BE49-F238E27FC236}">
+                <a16:creationId xmlns:a16="http://schemas.microsoft.com/office/drawing/2014/main" id="{3537091F-D64C-D90A-CCA1-057FC775DC84}"/>
+              </a:ext>
+            </a:extLst>
+          </p:cNvPr>
+          <p:cNvSpPr/>
+          <p:nvPr/>
+        </p:nvSpPr>
+        <p:spPr>
+          <a:xfrm>
+            <a:off x="-16500781" y="-21411719"/>
+            <a:ext cx="3470478" cy="3347761"/>
+          </a:xfrm>
+          <a:prstGeom prst="ellipse">
+            <a:avLst/>
+          </a:prstGeom>
+          <a:noFill/>
+          <a:ln w="19050">
+            <a:solidFill>
+              <a:schemeClr val="tx1"/>
+            </a:solidFill>
+          </a:ln>
+        </p:spPr>
+        <p:style>
+          <a:lnRef idx="2">
+            <a:schemeClr val="accent1">
+              <a:shade val="15000"/>
+            </a:schemeClr>
+          </a:lnRef>
+          <a:fillRef idx="1">
+            <a:schemeClr val="accent1"/>
+          </a:fillRef>
+          <a:effectRef idx="0">
+            <a:schemeClr val="accent1"/>
+          </a:effectRef>
+          <a:fontRef idx="minor">
+            <a:schemeClr val="lt1"/>
+          </a:fontRef>
+        </p:style>
+        <p:txBody>
+          <a:bodyPr rtlCol="0" anchor="ctr"/>
+          <a:lstStyle/>
+          <a:p>
+            <a:pPr algn="ctr"/>
+            <a:endParaRPr kumimoji="1" lang="ko-Kore-KR" altLang="en-US"/>
+          </a:p>
+        </p:txBody>
+      </p:sp>
+      <p:cxnSp>
+        <p:nvCxnSpPr>
+          <p:cNvPr id="14" name="구부러진 연결선[U] 13">
+            <a:extLst>
+              <a:ext uri="{FF2B5EF4-FFF2-40B4-BE49-F238E27FC236}">
+                <a16:creationId xmlns:a16="http://schemas.microsoft.com/office/drawing/2014/main" id="{2B954181-AE35-70DB-E680-6B87963413D4}"/>
+              </a:ext>
+            </a:extLst>
+          </p:cNvPr>
+          <p:cNvCxnSpPr>
+            <a:cxnSpLocks/>
+            <a:stCxn id="2" idx="5"/>
+            <a:endCxn id="6" idx="2"/>
+          </p:cNvCxnSpPr>
+          <p:nvPr/>
+        </p:nvCxnSpPr>
+        <p:spPr>
+          <a:xfrm rot="16200000" flipH="1">
+            <a:off x="-13913304" y="-18179465"/>
+            <a:ext cx="2220154" cy="1470632"/>
+          </a:xfrm>
+          <a:prstGeom prst="curvedConnector2">
+            <a:avLst/>
+          </a:prstGeom>
+          <a:ln w="12700">
+            <a:solidFill>
+              <a:schemeClr val="tx1"/>
+            </a:solidFill>
+          </a:ln>
+        </p:spPr>
+        <p:style>
+          <a:lnRef idx="1">
+            <a:schemeClr val="accent1"/>
+          </a:lnRef>
+          <a:fillRef idx="0">
+            <a:schemeClr val="accent1"/>
+          </a:fillRef>
+          <a:effectRef idx="0">
+            <a:schemeClr val="accent1"/>
+          </a:effectRef>
+          <a:fontRef idx="minor">
+            <a:schemeClr val="tx1"/>
+          </a:fontRef>
+        </p:style>
+      </p:cxnSp>
+      <p:sp>
+        <p:nvSpPr>
+          <p:cNvPr id="25" name="TextBox 24">
+            <a:extLst>
+              <a:ext uri="{FF2B5EF4-FFF2-40B4-BE49-F238E27FC236}">
+                <a16:creationId xmlns:a16="http://schemas.microsoft.com/office/drawing/2014/main" id="{758AC1A2-CDC9-B7E3-EBE8-BCC2D5E5D2B1}"/>
+              </a:ext>
+            </a:extLst>
+          </p:cNvPr>
+          <p:cNvSpPr txBox="1"/>
+          <p:nvPr/>
+        </p:nvSpPr>
+        <p:spPr>
+          <a:xfrm>
+            <a:off x="-16098084" y="-19387397"/>
+            <a:ext cx="9015787" cy="1323439"/>
+          </a:xfrm>
+          <a:prstGeom prst="rect">
+            <a:avLst/>
+          </a:prstGeom>
+          <a:noFill/>
+        </p:spPr>
+        <p:txBody>
+          <a:bodyPr wrap="square" rtlCol="0">
+            <a:spAutoFit/>
+          </a:bodyPr>
+          <a:lstStyle/>
+          <a:p>
+            <a:pPr algn="ctr"/>
+            <a:r>
+              <a:rPr kumimoji="1" lang="en-US" altLang="ko-Kore-KR" sz="4000">
+                <a:ea typeface="Microsoft Himalaya" pitchFamily="2" charset="0"/>
+                <a:cs typeface="Microsoft Himalaya" pitchFamily="2" charset="0"/>
+              </a:rPr>
+              <a:t>ghOSt</a:t>
+            </a:r>
+            <a:r>
+              <a:rPr kumimoji="1" lang="en-US" altLang="ko-Kore-KR" sz="4000">
+                <a:solidFill>
+                  <a:schemeClr val="bg1">
+                    <a:alpha val="0"/>
+                  </a:schemeClr>
+                </a:solidFill>
+                <a:ea typeface="Microsoft Himalaya" pitchFamily="2" charset="0"/>
+                <a:cs typeface="Microsoft Himalaya" pitchFamily="2" charset="0"/>
+              </a:rPr>
+              <a:t>: Fast &amp; Flexible User-space Delegation of Linux Scheduling </a:t>
+            </a:r>
+            <a:endParaRPr kumimoji="1" lang="ko-Kore-KR" altLang="en-US" sz="4000">
+              <a:solidFill>
+                <a:schemeClr val="bg1">
+                  <a:alpha val="0"/>
+                </a:schemeClr>
+              </a:solidFill>
+              <a:cs typeface="Microsoft Himalaya" pitchFamily="2" charset="0"/>
+            </a:endParaRPr>
+          </a:p>
+        </p:txBody>
+      </p:sp>
+      <p:sp>
+        <p:nvSpPr>
+          <p:cNvPr id="5" name="TextBox 4">
+            <a:extLst>
+              <a:ext uri="{FF2B5EF4-FFF2-40B4-BE49-F238E27FC236}">
+                <a16:creationId xmlns:a16="http://schemas.microsoft.com/office/drawing/2014/main" id="{6654DD5B-363D-007E-134A-CB95D8023FE8}"/>
+              </a:ext>
+            </a:extLst>
+          </p:cNvPr>
+          <p:cNvSpPr txBox="1"/>
+          <p:nvPr/>
+        </p:nvSpPr>
+        <p:spPr>
+          <a:xfrm>
+            <a:off x="-9618279" y="-14389006"/>
+            <a:ext cx="6649080" cy="954107"/>
+          </a:xfrm>
+          <a:prstGeom prst="rect">
+            <a:avLst/>
+          </a:prstGeom>
+          <a:noFill/>
+        </p:spPr>
+        <p:txBody>
+          <a:bodyPr wrap="square" rtlCol="0">
+            <a:spAutoFit/>
+          </a:bodyPr>
+          <a:lstStyle/>
+          <a:p>
+            <a:pPr algn="ctr"/>
+            <a:r>
+              <a:rPr kumimoji="1" lang="en-US" altLang="ko-Kore-KR" sz="2800">
+                <a:ea typeface="Microsoft Himalaya" pitchFamily="2" charset="0"/>
+                <a:cs typeface="Microsoft Himalaya" pitchFamily="2" charset="0"/>
+              </a:rPr>
+              <a:t>Delegating kernel scheduling</a:t>
+            </a:r>
+          </a:p>
+          <a:p>
+            <a:pPr algn="ctr"/>
+            <a:r>
+              <a:rPr kumimoji="1" lang="en-US" altLang="ko-Kore-KR" sz="2800">
+                <a:ea typeface="Microsoft Himalaya" pitchFamily="2" charset="0"/>
+                <a:cs typeface="Microsoft Himalaya" pitchFamily="2" charset="0"/>
+              </a:rPr>
+              <a:t>to userspace code </a:t>
+            </a:r>
+            <a:endParaRPr kumimoji="1" lang="ko-Kore-KR" altLang="en-US" sz="2800">
+              <a:cs typeface="Microsoft Himalaya" pitchFamily="2" charset="0"/>
+            </a:endParaRPr>
+          </a:p>
+        </p:txBody>
+      </p:sp>
+      <p:sp>
+        <p:nvSpPr>
+          <p:cNvPr id="8" name="타원 7">
+            <a:extLst>
+              <a:ext uri="{FF2B5EF4-FFF2-40B4-BE49-F238E27FC236}">
+                <a16:creationId xmlns:a16="http://schemas.microsoft.com/office/drawing/2014/main" id="{CCA7A6FF-A5C1-EE13-DAB5-2A47607E4AA0}"/>
+              </a:ext>
+            </a:extLst>
+          </p:cNvPr>
+          <p:cNvSpPr/>
+          <p:nvPr/>
+        </p:nvSpPr>
+        <p:spPr>
+          <a:xfrm>
+            <a:off x="-9002190" y="-14865797"/>
+            <a:ext cx="5416902" cy="1895475"/>
+          </a:xfrm>
+          <a:prstGeom prst="ellipse">
+            <a:avLst/>
+          </a:prstGeom>
+          <a:noFill/>
+          <a:ln w="19050">
+            <a:solidFill>
+              <a:schemeClr val="tx1"/>
+            </a:solidFill>
+          </a:ln>
+        </p:spPr>
+        <p:style>
+          <a:lnRef idx="2">
+            <a:schemeClr val="accent1">
+              <a:shade val="15000"/>
+            </a:schemeClr>
+          </a:lnRef>
+          <a:fillRef idx="1">
+            <a:schemeClr val="accent1"/>
+          </a:fillRef>
+          <a:effectRef idx="0">
+            <a:schemeClr val="accent1"/>
+          </a:effectRef>
+          <a:fontRef idx="minor">
+            <a:schemeClr val="lt1"/>
+          </a:fontRef>
+        </p:style>
+        <p:txBody>
+          <a:bodyPr rtlCol="0" anchor="ctr"/>
+          <a:lstStyle/>
+          <a:p>
+            <a:pPr algn="ctr"/>
+            <a:endParaRPr kumimoji="1" lang="ko-Kore-KR" altLang="en-US"/>
+          </a:p>
+        </p:txBody>
+      </p:sp>
+      <p:cxnSp>
+        <p:nvCxnSpPr>
+          <p:cNvPr id="9" name="구부러진 연결선[U] 8">
+            <a:extLst>
+              <a:ext uri="{FF2B5EF4-FFF2-40B4-BE49-F238E27FC236}">
+                <a16:creationId xmlns:a16="http://schemas.microsoft.com/office/drawing/2014/main" id="{068EEA84-621C-4582-DC0F-D62A6F3062A3}"/>
+              </a:ext>
+            </a:extLst>
+          </p:cNvPr>
+          <p:cNvCxnSpPr>
+            <a:cxnSpLocks/>
+            <a:stCxn id="6" idx="4"/>
+            <a:endCxn id="8" idx="1"/>
+          </p:cNvCxnSpPr>
+          <p:nvPr/>
+        </p:nvCxnSpPr>
+        <p:spPr>
+          <a:xfrm rot="16200000" flipH="1">
+            <a:off x="-9183244" y="-15562552"/>
+            <a:ext cx="798124" cy="1150557"/>
+          </a:xfrm>
+          <a:prstGeom prst="curvedConnector3">
+            <a:avLst>
+              <a:gd name="adj1" fmla="val 50000"/>
+            </a:avLst>
+          </a:prstGeom>
+          <a:ln w="12700">
+            <a:solidFill>
+              <a:schemeClr val="tx1"/>
+            </a:solidFill>
+          </a:ln>
+        </p:spPr>
+        <p:style>
+          <a:lnRef idx="1">
+            <a:schemeClr val="accent1"/>
+          </a:lnRef>
+          <a:fillRef idx="0">
+            <a:schemeClr val="accent1"/>
+          </a:fillRef>
+          <a:effectRef idx="0">
+            <a:schemeClr val="accent1"/>
+          </a:effectRef>
+          <a:fontRef idx="minor">
+            <a:schemeClr val="tx1"/>
+          </a:fontRef>
+        </p:style>
+      </p:cxnSp>
+      <p:cxnSp>
+        <p:nvCxnSpPr>
+          <p:cNvPr id="3" name="구부러진 연결선[U] 2">
+            <a:extLst>
+              <a:ext uri="{FF2B5EF4-FFF2-40B4-BE49-F238E27FC236}">
+                <a16:creationId xmlns:a16="http://schemas.microsoft.com/office/drawing/2014/main" id="{AC3F9A48-1A19-F6C7-B3C2-CDA39B862C08}"/>
+              </a:ext>
+            </a:extLst>
+          </p:cNvPr>
+          <p:cNvCxnSpPr>
+            <a:cxnSpLocks/>
+            <a:stCxn id="8" idx="4"/>
+            <a:endCxn id="11" idx="1"/>
+          </p:cNvCxnSpPr>
+          <p:nvPr/>
+        </p:nvCxnSpPr>
+        <p:spPr>
+          <a:xfrm rot="16200000" flipH="1">
+            <a:off x="-6088823" y="-13175239"/>
+            <a:ext cx="542943" cy="952775"/>
+          </a:xfrm>
+          <a:prstGeom prst="curvedConnector3">
+            <a:avLst>
+              <a:gd name="adj1" fmla="val 50000"/>
+            </a:avLst>
+          </a:prstGeom>
+          <a:ln w="12700">
+            <a:solidFill>
+              <a:schemeClr val="tx1"/>
+            </a:solidFill>
+          </a:ln>
+        </p:spPr>
+        <p:style>
+          <a:lnRef idx="1">
+            <a:schemeClr val="accent1"/>
+          </a:lnRef>
+          <a:fillRef idx="0">
+            <a:schemeClr val="accent1"/>
+          </a:fillRef>
+          <a:effectRef idx="0">
+            <a:schemeClr val="accent1"/>
+          </a:effectRef>
+          <a:fontRef idx="minor">
+            <a:schemeClr val="tx1"/>
+          </a:fontRef>
+        </p:style>
+      </p:cxnSp>
+      <p:sp>
+        <p:nvSpPr>
+          <p:cNvPr id="10" name="TextBox 9">
+            <a:extLst>
+              <a:ext uri="{FF2B5EF4-FFF2-40B4-BE49-F238E27FC236}">
+                <a16:creationId xmlns:a16="http://schemas.microsoft.com/office/drawing/2014/main" id="{D2C2F8E5-4B8F-C384-0BD1-F8CC7DBBFE31}"/>
+              </a:ext>
+            </a:extLst>
+          </p:cNvPr>
+          <p:cNvSpPr txBox="1"/>
+          <p:nvPr/>
+        </p:nvSpPr>
+        <p:spPr>
+          <a:xfrm>
+            <a:off x="-3806196" y="-9579049"/>
+            <a:ext cx="7214942" cy="1384995"/>
+          </a:xfrm>
+          <a:prstGeom prst="rect">
+            <a:avLst/>
+          </a:prstGeom>
+          <a:noFill/>
+        </p:spPr>
+        <p:txBody>
+          <a:bodyPr wrap="square" rtlCol="0">
+            <a:spAutoFit/>
+          </a:bodyPr>
+          <a:lstStyle/>
+          <a:p>
+            <a:pPr algn="ctr"/>
+            <a:r>
+              <a:rPr kumimoji="1" lang="en-US" altLang="ko-Kore-KR" sz="2800">
+                <a:ea typeface="Microsoft Himalaya" pitchFamily="2" charset="0"/>
+                <a:cs typeface="Microsoft Himalaya" pitchFamily="2" charset="0"/>
+              </a:rPr>
+              <a:t>Because it means that applications can be implemented leveraging the powerful features of the kernel scheduler!!!</a:t>
+            </a:r>
+            <a:endParaRPr kumimoji="1" lang="ko-Kore-KR" altLang="en-US" sz="2800">
+              <a:cs typeface="Microsoft Himalaya" pitchFamily="2" charset="0"/>
+            </a:endParaRPr>
+          </a:p>
+        </p:txBody>
+      </p:sp>
+      <p:sp>
+        <p:nvSpPr>
+          <p:cNvPr id="11" name="타원 10">
+            <a:extLst>
+              <a:ext uri="{FF2B5EF4-FFF2-40B4-BE49-F238E27FC236}">
+                <a16:creationId xmlns:a16="http://schemas.microsoft.com/office/drawing/2014/main" id="{553EEAA2-6F2C-9BFD-E1DC-B64CC11A8B05}"/>
+              </a:ext>
+            </a:extLst>
+          </p:cNvPr>
+          <p:cNvSpPr/>
+          <p:nvPr/>
+        </p:nvSpPr>
+        <p:spPr>
+          <a:xfrm>
+            <a:off x="-6134251" y="-12704965"/>
+            <a:ext cx="5416902" cy="1895475"/>
+          </a:xfrm>
+          <a:prstGeom prst="ellipse">
+            <a:avLst/>
+          </a:prstGeom>
+          <a:noFill/>
+          <a:ln w="19050">
+            <a:solidFill>
+              <a:schemeClr val="tx1"/>
+            </a:solidFill>
+          </a:ln>
+        </p:spPr>
+        <p:style>
+          <a:lnRef idx="2">
+            <a:schemeClr val="accent1">
+              <a:shade val="15000"/>
+            </a:schemeClr>
+          </a:lnRef>
+          <a:fillRef idx="1">
+            <a:schemeClr val="accent1"/>
+          </a:fillRef>
+          <a:effectRef idx="0">
+            <a:schemeClr val="accent1"/>
+          </a:effectRef>
+          <a:fontRef idx="minor">
+            <a:schemeClr val="lt1"/>
+          </a:fontRef>
+        </p:style>
+        <p:txBody>
+          <a:bodyPr rtlCol="0" anchor="ctr"/>
+          <a:lstStyle/>
+          <a:p>
+            <a:pPr algn="ctr"/>
+            <a:endParaRPr kumimoji="1" lang="ko-Kore-KR" altLang="en-US"/>
+          </a:p>
+        </p:txBody>
+      </p:sp>
+      <p:sp>
+        <p:nvSpPr>
+          <p:cNvPr id="12" name="타원 11">
+            <a:extLst>
+              <a:ext uri="{FF2B5EF4-FFF2-40B4-BE49-F238E27FC236}">
+                <a16:creationId xmlns:a16="http://schemas.microsoft.com/office/drawing/2014/main" id="{98BE3455-7E7C-98E6-2F4D-8656076DB122}"/>
+              </a:ext>
+            </a:extLst>
+          </p:cNvPr>
+          <p:cNvSpPr/>
+          <p:nvPr/>
+        </p:nvSpPr>
+        <p:spPr>
+          <a:xfrm>
+            <a:off x="-3953978" y="-10143057"/>
+            <a:ext cx="7510506" cy="2356551"/>
+          </a:xfrm>
+          <a:prstGeom prst="ellipse">
+            <a:avLst/>
+          </a:prstGeom>
+          <a:noFill/>
+          <a:ln w="19050">
+            <a:solidFill>
+              <a:schemeClr val="tx1"/>
+            </a:solidFill>
+          </a:ln>
+        </p:spPr>
+        <p:style>
+          <a:lnRef idx="2">
+            <a:schemeClr val="accent1">
+              <a:shade val="15000"/>
+            </a:schemeClr>
+          </a:lnRef>
+          <a:fillRef idx="1">
+            <a:schemeClr val="accent1"/>
+          </a:fillRef>
+          <a:effectRef idx="0">
+            <a:schemeClr val="accent1"/>
+          </a:effectRef>
+          <a:fontRef idx="minor">
+            <a:schemeClr val="lt1"/>
+          </a:fontRef>
+        </p:style>
+        <p:txBody>
+          <a:bodyPr rtlCol="0" anchor="ctr"/>
+          <a:lstStyle/>
+          <a:p>
+            <a:pPr algn="ctr"/>
+            <a:endParaRPr kumimoji="1" lang="ko-Kore-KR" altLang="en-US"/>
+          </a:p>
+        </p:txBody>
+      </p:sp>
+      <p:cxnSp>
+        <p:nvCxnSpPr>
+          <p:cNvPr id="13" name="구부러진 연결선[U] 12">
+            <a:extLst>
+              <a:ext uri="{FF2B5EF4-FFF2-40B4-BE49-F238E27FC236}">
+                <a16:creationId xmlns:a16="http://schemas.microsoft.com/office/drawing/2014/main" id="{8D73709C-867B-5C3D-0744-BD01319122DC}"/>
+              </a:ext>
+            </a:extLst>
+          </p:cNvPr>
+          <p:cNvCxnSpPr>
+            <a:cxnSpLocks/>
+            <a:stCxn id="11" idx="4"/>
+            <a:endCxn id="12" idx="1"/>
+          </p:cNvCxnSpPr>
+          <p:nvPr/>
+        </p:nvCxnSpPr>
+        <p:spPr>
+          <a:xfrm rot="16200000" flipH="1">
+            <a:off x="-3645716" y="-10589574"/>
+            <a:ext cx="1011542" cy="571710"/>
+          </a:xfrm>
+          <a:prstGeom prst="curvedConnector3">
+            <a:avLst>
+              <a:gd name="adj1" fmla="val 50000"/>
+            </a:avLst>
+          </a:prstGeom>
+          <a:ln w="12700">
+            <a:solidFill>
+              <a:schemeClr val="tx1"/>
+            </a:solidFill>
+          </a:ln>
+        </p:spPr>
+        <p:style>
+          <a:lnRef idx="1">
+            <a:schemeClr val="accent1"/>
+          </a:lnRef>
+          <a:fillRef idx="0">
+            <a:schemeClr val="accent1"/>
+          </a:fillRef>
+          <a:effectRef idx="0">
+            <a:schemeClr val="accent1"/>
+          </a:effectRef>
+          <a:fontRef idx="minor">
+            <a:schemeClr val="tx1"/>
+          </a:fontRef>
+        </p:style>
+      </p:cxnSp>
+      <p:sp>
+        <p:nvSpPr>
+          <p:cNvPr id="17" name="TextBox 16">
+            <a:extLst>
+              <a:ext uri="{FF2B5EF4-FFF2-40B4-BE49-F238E27FC236}">
+                <a16:creationId xmlns:a16="http://schemas.microsoft.com/office/drawing/2014/main" id="{2461D2E0-27C3-B02E-68FA-2F27E0718AE4}"/>
+              </a:ext>
+            </a:extLst>
+          </p:cNvPr>
+          <p:cNvSpPr txBox="1"/>
+          <p:nvPr/>
+        </p:nvSpPr>
+        <p:spPr>
+          <a:xfrm>
+            <a:off x="-6909828" y="-11972993"/>
+            <a:ext cx="6649080" cy="523220"/>
+          </a:xfrm>
+          <a:prstGeom prst="rect">
+            <a:avLst/>
+          </a:prstGeom>
+          <a:noFill/>
+        </p:spPr>
+        <p:txBody>
+          <a:bodyPr wrap="square" rtlCol="0">
+            <a:spAutoFit/>
+          </a:bodyPr>
+          <a:lstStyle/>
+          <a:p>
+            <a:pPr algn="ctr"/>
+            <a:r>
+              <a:rPr kumimoji="1" lang="en-US" altLang="ko-Kore-KR" sz="2800">
+                <a:ea typeface="Microsoft Himalaya" pitchFamily="2" charset="0"/>
+                <a:cs typeface="Microsoft Himalaya" pitchFamily="2" charset="0"/>
+              </a:rPr>
+              <a:t>Why is that important?</a:t>
+            </a:r>
+            <a:endParaRPr kumimoji="1" lang="ko-Kore-KR" altLang="en-US" sz="2800">
+              <a:cs typeface="Microsoft Himalaya" pitchFamily="2" charset="0"/>
+            </a:endParaRPr>
+          </a:p>
+        </p:txBody>
+      </p:sp>
+      <p:sp>
+        <p:nvSpPr>
+          <p:cNvPr id="4" name="TextBox 3">
+            <a:extLst>
+              <a:ext uri="{FF2B5EF4-FFF2-40B4-BE49-F238E27FC236}">
+                <a16:creationId xmlns:a16="http://schemas.microsoft.com/office/drawing/2014/main" id="{09069384-6BDF-4AB8-9E82-55B8B48224F5}"/>
+              </a:ext>
+            </a:extLst>
+          </p:cNvPr>
+          <p:cNvSpPr txBox="1"/>
+          <p:nvPr/>
+        </p:nvSpPr>
+        <p:spPr>
+          <a:xfrm>
+            <a:off x="718180" y="-6996896"/>
+            <a:ext cx="7214942" cy="1384995"/>
+          </a:xfrm>
+          <a:prstGeom prst="rect">
+            <a:avLst/>
+          </a:prstGeom>
+          <a:noFill/>
+        </p:spPr>
+        <p:txBody>
+          <a:bodyPr wrap="square" rtlCol="0">
+            <a:spAutoFit/>
+          </a:bodyPr>
+          <a:lstStyle/>
+          <a:p>
+            <a:pPr algn="ctr"/>
+            <a:r>
+              <a:rPr kumimoji="1" lang="en-US" altLang="ko-Kore-KR" sz="2800">
+                <a:cs typeface="Microsoft Himalaya" pitchFamily="2" charset="0"/>
+              </a:rPr>
+              <a:t>Also, scheduling designs that were previously </a:t>
+            </a:r>
+            <a:r>
+              <a:rPr kumimoji="1" lang="en-US" altLang="ko-KR" sz="2800">
+                <a:cs typeface="Microsoft Himalaya" pitchFamily="2" charset="0"/>
+              </a:rPr>
+              <a:t>unused because they did not fit into the general kernel </a:t>
+            </a:r>
+            <a:r>
+              <a:rPr kumimoji="1" lang="en-US" altLang="ko-Kore-KR" sz="2800">
+                <a:cs typeface="Microsoft Himalaya" pitchFamily="2" charset="0"/>
+              </a:rPr>
+              <a:t>can be used in the userspace!!</a:t>
+            </a:r>
+            <a:endParaRPr kumimoji="1" lang="ko-Kore-KR" altLang="en-US" sz="2800">
+              <a:cs typeface="Microsoft Himalaya" pitchFamily="2" charset="0"/>
+            </a:endParaRPr>
+          </a:p>
+        </p:txBody>
+      </p:sp>
+      <p:cxnSp>
+        <p:nvCxnSpPr>
+          <p:cNvPr id="15" name="구부러진 연결선[U] 14">
+            <a:extLst>
+              <a:ext uri="{FF2B5EF4-FFF2-40B4-BE49-F238E27FC236}">
+                <a16:creationId xmlns:a16="http://schemas.microsoft.com/office/drawing/2014/main" id="{86EB4F29-36E1-ABFE-5C78-E34AEC8E26C2}"/>
+              </a:ext>
+            </a:extLst>
+          </p:cNvPr>
+          <p:cNvCxnSpPr>
+            <a:cxnSpLocks/>
+            <a:stCxn id="12" idx="5"/>
+            <a:endCxn id="16" idx="0"/>
+          </p:cNvCxnSpPr>
+          <p:nvPr/>
+        </p:nvCxnSpPr>
+        <p:spPr>
+          <a:xfrm rot="16200000" flipH="1">
+            <a:off x="3124520" y="-8799496"/>
+            <a:ext cx="501569" cy="1837329"/>
+          </a:xfrm>
+          <a:prstGeom prst="curvedConnector3">
+            <a:avLst>
+              <a:gd name="adj1" fmla="val 50000"/>
+            </a:avLst>
+          </a:prstGeom>
+          <a:ln w="12700">
+            <a:solidFill>
+              <a:schemeClr val="tx1"/>
+            </a:solidFill>
+          </a:ln>
+        </p:spPr>
+        <p:style>
+          <a:lnRef idx="1">
+            <a:schemeClr val="accent1"/>
+          </a:lnRef>
+          <a:fillRef idx="0">
+            <a:schemeClr val="accent1"/>
+          </a:fillRef>
+          <a:effectRef idx="0">
+            <a:schemeClr val="accent1"/>
+          </a:effectRef>
+          <a:fontRef idx="minor">
+            <a:schemeClr val="tx1"/>
+          </a:fontRef>
+        </p:style>
+      </p:cxnSp>
+      <p:sp>
+        <p:nvSpPr>
+          <p:cNvPr id="16" name="타원 15">
+            <a:extLst>
+              <a:ext uri="{FF2B5EF4-FFF2-40B4-BE49-F238E27FC236}">
+                <a16:creationId xmlns:a16="http://schemas.microsoft.com/office/drawing/2014/main" id="{C2E7E2C8-45E7-5C28-C930-10DEF0105BBC}"/>
+              </a:ext>
+            </a:extLst>
+          </p:cNvPr>
+          <p:cNvSpPr/>
+          <p:nvPr/>
+        </p:nvSpPr>
+        <p:spPr>
+          <a:xfrm>
+            <a:off x="349915" y="-7630046"/>
+            <a:ext cx="7888107" cy="2599856"/>
+          </a:xfrm>
+          <a:prstGeom prst="ellipse">
+            <a:avLst/>
+          </a:prstGeom>
+          <a:noFill/>
+          <a:ln w="19050">
+            <a:solidFill>
+              <a:schemeClr val="tx1"/>
+            </a:solidFill>
+          </a:ln>
+        </p:spPr>
+        <p:style>
+          <a:lnRef idx="2">
+            <a:schemeClr val="accent1">
+              <a:shade val="15000"/>
+            </a:schemeClr>
+          </a:lnRef>
+          <a:fillRef idx="1">
+            <a:schemeClr val="accent1"/>
+          </a:fillRef>
+          <a:effectRef idx="0">
+            <a:schemeClr val="accent1"/>
+          </a:effectRef>
+          <a:fontRef idx="minor">
+            <a:schemeClr val="lt1"/>
+          </a:fontRef>
+        </p:style>
+        <p:txBody>
+          <a:bodyPr rtlCol="0" anchor="ctr"/>
+          <a:lstStyle/>
+          <a:p>
+            <a:pPr algn="ctr"/>
+            <a:endParaRPr kumimoji="1" lang="ko-Kore-KR" altLang="en-US"/>
+          </a:p>
+        </p:txBody>
+      </p:sp>
+      <p:sp>
+        <p:nvSpPr>
+          <p:cNvPr id="18" name="TextBox 17">
+            <a:extLst>
+              <a:ext uri="{FF2B5EF4-FFF2-40B4-BE49-F238E27FC236}">
+                <a16:creationId xmlns:a16="http://schemas.microsoft.com/office/drawing/2014/main" id="{4EF28DD6-7793-8D9A-044F-B978D4AF4B34}"/>
+              </a:ext>
+            </a:extLst>
+          </p:cNvPr>
+          <p:cNvSpPr txBox="1"/>
+          <p:nvPr/>
+        </p:nvSpPr>
+        <p:spPr>
+          <a:xfrm>
+            <a:off x="2338792" y="-3847532"/>
+            <a:ext cx="8214246" cy="1384995"/>
+          </a:xfrm>
+          <a:prstGeom prst="rect">
+            <a:avLst/>
+          </a:prstGeom>
+          <a:noFill/>
+        </p:spPr>
+        <p:txBody>
+          <a:bodyPr wrap="square" rtlCol="0">
+            <a:spAutoFit/>
+          </a:bodyPr>
+          <a:lstStyle/>
+          <a:p>
+            <a:pPr algn="ctr"/>
+            <a:r>
+              <a:rPr kumimoji="1" lang="en-US" altLang="ko-Kore-KR" sz="2800">
+                <a:cs typeface="Microsoft Himalaya" pitchFamily="2" charset="0"/>
+              </a:rPr>
+              <a:t>Fundamentally, the ghOSt relaxes restrictions in terms of CPU virtualization, expanding user’s development design freedom</a:t>
+            </a:r>
+            <a:endParaRPr kumimoji="1" lang="ko-Kore-KR" altLang="en-US" sz="2800">
+              <a:cs typeface="Microsoft Himalaya" pitchFamily="2" charset="0"/>
+            </a:endParaRPr>
+          </a:p>
+        </p:txBody>
+      </p:sp>
+      <p:sp>
+        <p:nvSpPr>
+          <p:cNvPr id="19" name="타원 18">
+            <a:extLst>
+              <a:ext uri="{FF2B5EF4-FFF2-40B4-BE49-F238E27FC236}">
+                <a16:creationId xmlns:a16="http://schemas.microsoft.com/office/drawing/2014/main" id="{FA0DF77A-7B58-7DE1-8A3E-0A5DA271ECE9}"/>
+              </a:ext>
+            </a:extLst>
+          </p:cNvPr>
+          <p:cNvSpPr/>
+          <p:nvPr/>
+        </p:nvSpPr>
+        <p:spPr>
+          <a:xfrm>
+            <a:off x="1721225" y="-4475049"/>
+            <a:ext cx="9637823" cy="2648636"/>
+          </a:xfrm>
+          <a:prstGeom prst="ellipse">
+            <a:avLst/>
+          </a:prstGeom>
+          <a:noFill/>
+          <a:ln w="19050">
+            <a:solidFill>
+              <a:schemeClr val="tx1"/>
+            </a:solidFill>
+          </a:ln>
+        </p:spPr>
+        <p:style>
+          <a:lnRef idx="2">
+            <a:schemeClr val="accent1">
+              <a:shade val="15000"/>
+            </a:schemeClr>
+          </a:lnRef>
+          <a:fillRef idx="1">
+            <a:schemeClr val="accent1"/>
+          </a:fillRef>
+          <a:effectRef idx="0">
+            <a:schemeClr val="accent1"/>
+          </a:effectRef>
+          <a:fontRef idx="minor">
+            <a:schemeClr val="lt1"/>
+          </a:fontRef>
+        </p:style>
+        <p:txBody>
+          <a:bodyPr rtlCol="0" anchor="ctr"/>
+          <a:lstStyle/>
+          <a:p>
+            <a:pPr algn="ctr"/>
+            <a:endParaRPr kumimoji="1" lang="ko-Kore-KR" altLang="en-US"/>
+          </a:p>
+        </p:txBody>
+      </p:sp>
+      <p:cxnSp>
+        <p:nvCxnSpPr>
+          <p:cNvPr id="20" name="구부러진 연결선[U] 19">
+            <a:extLst>
+              <a:ext uri="{FF2B5EF4-FFF2-40B4-BE49-F238E27FC236}">
+                <a16:creationId xmlns:a16="http://schemas.microsoft.com/office/drawing/2014/main" id="{19A5D647-6532-DA56-118D-A70386D6DBB1}"/>
+              </a:ext>
+            </a:extLst>
+          </p:cNvPr>
+          <p:cNvCxnSpPr>
+            <a:cxnSpLocks/>
+            <a:stCxn id="16" idx="4"/>
+            <a:endCxn id="19" idx="0"/>
+          </p:cNvCxnSpPr>
+          <p:nvPr/>
+        </p:nvCxnSpPr>
+        <p:spPr>
+          <a:xfrm rot="16200000" flipH="1">
+            <a:off x="5139483" y="-5875704"/>
+            <a:ext cx="555141" cy="2246168"/>
+          </a:xfrm>
+          <a:prstGeom prst="curvedConnector3">
+            <a:avLst>
+              <a:gd name="adj1" fmla="val 50000"/>
+            </a:avLst>
+          </a:prstGeom>
+          <a:ln w="12700">
+            <a:solidFill>
+              <a:schemeClr val="tx1"/>
+            </a:solidFill>
+          </a:ln>
+        </p:spPr>
+        <p:style>
+          <a:lnRef idx="1">
+            <a:schemeClr val="accent1"/>
+          </a:lnRef>
+          <a:fillRef idx="0">
+            <a:schemeClr val="accent1"/>
+          </a:fillRef>
+          <a:effectRef idx="0">
+            <a:schemeClr val="accent1"/>
+          </a:effectRef>
+          <a:fontRef idx="minor">
+            <a:schemeClr val="tx1"/>
+          </a:fontRef>
+        </p:style>
+      </p:cxnSp>
+      <p:sp>
+        <p:nvSpPr>
+          <p:cNvPr id="21" name="TextBox 20">
+            <a:extLst>
+              <a:ext uri="{FF2B5EF4-FFF2-40B4-BE49-F238E27FC236}">
+                <a16:creationId xmlns:a16="http://schemas.microsoft.com/office/drawing/2014/main" id="{A8F0A1E5-1099-7203-EF65-828FC6C9B5A6}"/>
+              </a:ext>
+            </a:extLst>
+          </p:cNvPr>
+          <p:cNvSpPr txBox="1"/>
+          <p:nvPr/>
+        </p:nvSpPr>
+        <p:spPr>
+          <a:xfrm>
+            <a:off x="2251831" y="-929099"/>
+            <a:ext cx="8214246" cy="523220"/>
+          </a:xfrm>
+          <a:prstGeom prst="rect">
+            <a:avLst/>
+          </a:prstGeom>
+          <a:noFill/>
+        </p:spPr>
+        <p:txBody>
+          <a:bodyPr wrap="square" rtlCol="0">
+            <a:spAutoFit/>
+          </a:bodyPr>
+          <a:lstStyle/>
+          <a:p>
+            <a:pPr algn="ctr"/>
+            <a:r>
+              <a:rPr kumimoji="1" lang="en-US" altLang="ko-Kore-KR" sz="2800">
+                <a:cs typeface="Microsoft Himalaya" pitchFamily="2" charset="0"/>
+              </a:rPr>
+              <a:t>Then, is a new insight presented by ghOSt? </a:t>
+            </a:r>
+            <a:endParaRPr kumimoji="1" lang="ko-Kore-KR" altLang="en-US" sz="2800">
+              <a:cs typeface="Microsoft Himalaya" pitchFamily="2" charset="0"/>
+            </a:endParaRPr>
+          </a:p>
+        </p:txBody>
+      </p:sp>
+      <p:sp>
+        <p:nvSpPr>
+          <p:cNvPr id="22" name="타원 21">
+            <a:extLst>
+              <a:ext uri="{FF2B5EF4-FFF2-40B4-BE49-F238E27FC236}">
+                <a16:creationId xmlns:a16="http://schemas.microsoft.com/office/drawing/2014/main" id="{4C508DF5-D81D-1B29-3261-B9B15C155BE4}"/>
+              </a:ext>
+            </a:extLst>
+          </p:cNvPr>
+          <p:cNvSpPr/>
+          <p:nvPr/>
+        </p:nvSpPr>
+        <p:spPr>
+          <a:xfrm>
+            <a:off x="2394058" y="-1198896"/>
+            <a:ext cx="7846783" cy="1129346"/>
+          </a:xfrm>
+          <a:prstGeom prst="ellipse">
+            <a:avLst/>
+          </a:prstGeom>
+          <a:noFill/>
+          <a:ln w="19050">
+            <a:solidFill>
+              <a:schemeClr val="tx1"/>
+            </a:solidFill>
+          </a:ln>
+        </p:spPr>
+        <p:style>
+          <a:lnRef idx="2">
+            <a:schemeClr val="accent1">
+              <a:shade val="15000"/>
+            </a:schemeClr>
+          </a:lnRef>
+          <a:fillRef idx="1">
+            <a:schemeClr val="accent1"/>
+          </a:fillRef>
+          <a:effectRef idx="0">
+            <a:schemeClr val="accent1"/>
+          </a:effectRef>
+          <a:fontRef idx="minor">
+            <a:schemeClr val="lt1"/>
+          </a:fontRef>
+        </p:style>
+        <p:txBody>
+          <a:bodyPr rtlCol="0" anchor="ctr"/>
+          <a:lstStyle/>
+          <a:p>
+            <a:pPr algn="ctr"/>
+            <a:endParaRPr kumimoji="1" lang="ko-Kore-KR" altLang="en-US"/>
+          </a:p>
+        </p:txBody>
+      </p:sp>
+      <p:cxnSp>
+        <p:nvCxnSpPr>
+          <p:cNvPr id="23" name="구부러진 연결선[U] 22">
+            <a:extLst>
+              <a:ext uri="{FF2B5EF4-FFF2-40B4-BE49-F238E27FC236}">
+                <a16:creationId xmlns:a16="http://schemas.microsoft.com/office/drawing/2014/main" id="{76975E94-9776-4206-E3F2-A9C416308400}"/>
+              </a:ext>
+            </a:extLst>
+          </p:cNvPr>
+          <p:cNvCxnSpPr>
+            <a:cxnSpLocks/>
+            <a:stCxn id="19" idx="4"/>
+            <a:endCxn id="22" idx="0"/>
+          </p:cNvCxnSpPr>
+          <p:nvPr/>
+        </p:nvCxnSpPr>
+        <p:spPr>
+          <a:xfrm rot="5400000">
+            <a:off x="6115036" y="-1623998"/>
+            <a:ext cx="627517" cy="222687"/>
+          </a:xfrm>
+          <a:prstGeom prst="curvedConnector3">
+            <a:avLst>
+              <a:gd name="adj1" fmla="val 50000"/>
+            </a:avLst>
+          </a:prstGeom>
+          <a:ln w="12700">
+            <a:solidFill>
+              <a:schemeClr val="tx1"/>
+            </a:solidFill>
+          </a:ln>
+        </p:spPr>
+        <p:style>
+          <a:lnRef idx="1">
+            <a:schemeClr val="accent1"/>
+          </a:lnRef>
+          <a:fillRef idx="0">
+            <a:schemeClr val="accent1"/>
+          </a:fillRef>
+          <a:effectRef idx="0">
+            <a:schemeClr val="accent1"/>
+          </a:effectRef>
+          <a:fontRef idx="minor">
+            <a:schemeClr val="tx1"/>
+          </a:fontRef>
+        </p:style>
+      </p:cxnSp>
+      <p:sp>
+        <p:nvSpPr>
+          <p:cNvPr id="24" name="TextBox 23">
+            <a:extLst>
+              <a:ext uri="{FF2B5EF4-FFF2-40B4-BE49-F238E27FC236}">
+                <a16:creationId xmlns:a16="http://schemas.microsoft.com/office/drawing/2014/main" id="{D9CCB771-34F4-DECE-EB41-D9D9451BBE6B}"/>
+              </a:ext>
+            </a:extLst>
+          </p:cNvPr>
+          <p:cNvSpPr txBox="1"/>
+          <p:nvPr/>
+        </p:nvSpPr>
+        <p:spPr>
+          <a:xfrm>
+            <a:off x="2590673" y="557967"/>
+            <a:ext cx="8214246" cy="954107"/>
+          </a:xfrm>
+          <a:prstGeom prst="rect">
+            <a:avLst/>
+          </a:prstGeom>
+          <a:noFill/>
+        </p:spPr>
+        <p:txBody>
+          <a:bodyPr wrap="square" rtlCol="0">
+            <a:spAutoFit/>
+          </a:bodyPr>
+          <a:lstStyle/>
+          <a:p>
+            <a:pPr algn="ctr"/>
+            <a:r>
+              <a:rPr kumimoji="1" lang="en-US" altLang="ko-Kore-KR" sz="2800">
+                <a:cs typeface="Microsoft Himalaya" pitchFamily="2" charset="0"/>
+              </a:rPr>
+              <a:t>What has been done before in the same context as this fundamental insight?</a:t>
+            </a:r>
+            <a:endParaRPr kumimoji="1" lang="ko-Kore-KR" altLang="en-US" sz="2800">
+              <a:cs typeface="Microsoft Himalaya" pitchFamily="2" charset="0"/>
+            </a:endParaRPr>
+          </a:p>
+        </p:txBody>
+      </p:sp>
+      <p:sp>
+        <p:nvSpPr>
+          <p:cNvPr id="26" name="타원 25">
+            <a:extLst>
+              <a:ext uri="{FF2B5EF4-FFF2-40B4-BE49-F238E27FC236}">
+                <a16:creationId xmlns:a16="http://schemas.microsoft.com/office/drawing/2014/main" id="{74D3F31D-3F9C-6321-18F1-2C57945CDF24}"/>
+              </a:ext>
+            </a:extLst>
+          </p:cNvPr>
+          <p:cNvSpPr/>
+          <p:nvPr/>
+        </p:nvSpPr>
+        <p:spPr>
+          <a:xfrm>
+            <a:off x="2018006" y="263090"/>
+            <a:ext cx="9055117" cy="1401639"/>
+          </a:xfrm>
+          <a:prstGeom prst="ellipse">
+            <a:avLst/>
+          </a:prstGeom>
+          <a:noFill/>
+          <a:ln w="19050">
+            <a:solidFill>
+              <a:schemeClr val="tx1"/>
+            </a:solidFill>
+          </a:ln>
+        </p:spPr>
+        <p:style>
+          <a:lnRef idx="2">
+            <a:schemeClr val="accent1">
+              <a:shade val="15000"/>
+            </a:schemeClr>
+          </a:lnRef>
+          <a:fillRef idx="1">
+            <a:schemeClr val="accent1"/>
+          </a:fillRef>
+          <a:effectRef idx="0">
+            <a:schemeClr val="accent1"/>
+          </a:effectRef>
+          <a:fontRef idx="minor">
+            <a:schemeClr val="lt1"/>
+          </a:fontRef>
+        </p:style>
+        <p:txBody>
+          <a:bodyPr rtlCol="0" anchor="ctr"/>
+          <a:lstStyle/>
+          <a:p>
+            <a:pPr algn="ctr"/>
+            <a:endParaRPr kumimoji="1" lang="ko-Kore-KR" altLang="en-US"/>
+          </a:p>
+        </p:txBody>
+      </p:sp>
+      <p:cxnSp>
+        <p:nvCxnSpPr>
+          <p:cNvPr id="27" name="구부러진 연결선[U] 26">
+            <a:extLst>
+              <a:ext uri="{FF2B5EF4-FFF2-40B4-BE49-F238E27FC236}">
+                <a16:creationId xmlns:a16="http://schemas.microsoft.com/office/drawing/2014/main" id="{9E36E546-0899-D82E-3FE4-1D54F088F523}"/>
+              </a:ext>
+            </a:extLst>
+          </p:cNvPr>
+          <p:cNvCxnSpPr>
+            <a:cxnSpLocks/>
+            <a:stCxn id="22" idx="4"/>
+            <a:endCxn id="26" idx="0"/>
+          </p:cNvCxnSpPr>
+          <p:nvPr/>
+        </p:nvCxnSpPr>
+        <p:spPr>
+          <a:xfrm rot="16200000" flipH="1">
+            <a:off x="6265187" y="-17288"/>
+            <a:ext cx="332640" cy="228115"/>
+          </a:xfrm>
+          <a:prstGeom prst="curvedConnector3">
+            <a:avLst>
+              <a:gd name="adj1" fmla="val 50000"/>
+            </a:avLst>
+          </a:prstGeom>
+          <a:ln w="12700">
+            <a:solidFill>
+              <a:schemeClr val="tx1"/>
+            </a:solidFill>
+          </a:ln>
+        </p:spPr>
+        <p:style>
+          <a:lnRef idx="1">
+            <a:schemeClr val="accent1"/>
+          </a:lnRef>
+          <a:fillRef idx="0">
+            <a:schemeClr val="accent1"/>
+          </a:fillRef>
+          <a:effectRef idx="0">
+            <a:schemeClr val="accent1"/>
+          </a:effectRef>
+          <a:fontRef idx="minor">
+            <a:schemeClr val="tx1"/>
+          </a:fontRef>
+        </p:style>
+      </p:cxnSp>
+      <p:sp>
+        <p:nvSpPr>
+          <p:cNvPr id="28" name="TextBox 27">
+            <a:extLst>
+              <a:ext uri="{FF2B5EF4-FFF2-40B4-BE49-F238E27FC236}">
+                <a16:creationId xmlns:a16="http://schemas.microsoft.com/office/drawing/2014/main" id="{0DDD4D4E-09BB-568F-D1A1-870462406F6C}"/>
+              </a:ext>
+            </a:extLst>
+          </p:cNvPr>
+          <p:cNvSpPr txBox="1"/>
+          <p:nvPr/>
+        </p:nvSpPr>
+        <p:spPr>
+          <a:xfrm>
+            <a:off x="487554" y="2084325"/>
+            <a:ext cx="3204881" cy="523220"/>
+          </a:xfrm>
+          <a:prstGeom prst="rect">
+            <a:avLst/>
+          </a:prstGeom>
+          <a:noFill/>
+        </p:spPr>
+        <p:txBody>
+          <a:bodyPr wrap="square" rtlCol="0">
+            <a:spAutoFit/>
+          </a:bodyPr>
+          <a:lstStyle/>
+          <a:p>
+            <a:pPr algn="ctr"/>
+            <a:r>
+              <a:rPr kumimoji="1" lang="en-US" altLang="ko-Kore-KR" sz="2800">
+                <a:cs typeface="Microsoft Himalaya" pitchFamily="2" charset="0"/>
+              </a:rPr>
+              <a:t>Shinjuku (NSDI’19)</a:t>
+            </a:r>
+            <a:endParaRPr kumimoji="1" lang="ko-Kore-KR" altLang="en-US" sz="2800">
+              <a:cs typeface="Microsoft Himalaya" pitchFamily="2" charset="0"/>
+            </a:endParaRPr>
+          </a:p>
+        </p:txBody>
+      </p:sp>
+      <p:sp>
+        <p:nvSpPr>
+          <p:cNvPr id="29" name="TextBox 28">
+            <a:extLst>
+              <a:ext uri="{FF2B5EF4-FFF2-40B4-BE49-F238E27FC236}">
+                <a16:creationId xmlns:a16="http://schemas.microsoft.com/office/drawing/2014/main" id="{9929AC2D-37DC-DEBA-3CFA-E5625C099E30}"/>
+              </a:ext>
+            </a:extLst>
+          </p:cNvPr>
+          <p:cNvSpPr txBox="1"/>
+          <p:nvPr/>
+        </p:nvSpPr>
+        <p:spPr>
+          <a:xfrm>
+            <a:off x="7933122" y="2160385"/>
+            <a:ext cx="3204881" cy="523220"/>
+          </a:xfrm>
+          <a:prstGeom prst="rect">
+            <a:avLst/>
+          </a:prstGeom>
+          <a:noFill/>
+        </p:spPr>
+        <p:txBody>
+          <a:bodyPr wrap="square" rtlCol="0">
+            <a:spAutoFit/>
+          </a:bodyPr>
+          <a:lstStyle/>
+          <a:p>
+            <a:pPr algn="ctr"/>
+            <a:r>
+              <a:rPr kumimoji="1" lang="en-US" altLang="ko-Kore-KR" sz="2800">
+                <a:cs typeface="Microsoft Himalaya" pitchFamily="2" charset="0"/>
+              </a:rPr>
+              <a:t>Shenango (NSDI’19)</a:t>
+            </a:r>
+            <a:endParaRPr kumimoji="1" lang="ko-Kore-KR" altLang="en-US" sz="2800">
+              <a:cs typeface="Microsoft Himalaya" pitchFamily="2" charset="0"/>
+            </a:endParaRPr>
+          </a:p>
+        </p:txBody>
+      </p:sp>
+      <p:sp>
+        <p:nvSpPr>
+          <p:cNvPr id="30" name="타원 29">
+            <a:extLst>
+              <a:ext uri="{FF2B5EF4-FFF2-40B4-BE49-F238E27FC236}">
+                <a16:creationId xmlns:a16="http://schemas.microsoft.com/office/drawing/2014/main" id="{F166912F-B6E7-5F50-788B-72324B546D7F}"/>
+              </a:ext>
+            </a:extLst>
+          </p:cNvPr>
+          <p:cNvSpPr/>
+          <p:nvPr/>
+        </p:nvSpPr>
+        <p:spPr>
+          <a:xfrm>
+            <a:off x="135905" y="1866624"/>
+            <a:ext cx="3908177" cy="995817"/>
+          </a:xfrm>
+          <a:prstGeom prst="ellipse">
+            <a:avLst/>
+          </a:prstGeom>
+          <a:noFill/>
+          <a:ln w="19050">
+            <a:solidFill>
+              <a:schemeClr val="tx1"/>
+            </a:solidFill>
+          </a:ln>
+        </p:spPr>
+        <p:style>
+          <a:lnRef idx="2">
+            <a:schemeClr val="accent1">
+              <a:shade val="15000"/>
+            </a:schemeClr>
+          </a:lnRef>
+          <a:fillRef idx="1">
+            <a:schemeClr val="accent1"/>
+          </a:fillRef>
+          <a:effectRef idx="0">
+            <a:schemeClr val="accent1"/>
+          </a:effectRef>
+          <a:fontRef idx="minor">
+            <a:schemeClr val="lt1"/>
+          </a:fontRef>
+        </p:style>
+        <p:txBody>
+          <a:bodyPr rtlCol="0" anchor="ctr"/>
+          <a:lstStyle/>
+          <a:p>
+            <a:pPr algn="ctr"/>
+            <a:endParaRPr kumimoji="1" lang="ko-Kore-KR" altLang="en-US"/>
+          </a:p>
+        </p:txBody>
+      </p:sp>
+      <p:sp>
+        <p:nvSpPr>
+          <p:cNvPr id="31" name="타원 30">
+            <a:extLst>
+              <a:ext uri="{FF2B5EF4-FFF2-40B4-BE49-F238E27FC236}">
+                <a16:creationId xmlns:a16="http://schemas.microsoft.com/office/drawing/2014/main" id="{617C82A1-8890-6A0F-E4B7-18F99B206562}"/>
+              </a:ext>
+            </a:extLst>
+          </p:cNvPr>
+          <p:cNvSpPr/>
+          <p:nvPr/>
+        </p:nvSpPr>
+        <p:spPr>
+          <a:xfrm>
+            <a:off x="7581473" y="1862430"/>
+            <a:ext cx="3908177" cy="1119129"/>
+          </a:xfrm>
+          <a:prstGeom prst="ellipse">
+            <a:avLst/>
+          </a:prstGeom>
+          <a:noFill/>
+          <a:ln w="19050">
+            <a:solidFill>
+              <a:schemeClr val="tx1"/>
+            </a:solidFill>
+          </a:ln>
+        </p:spPr>
+        <p:style>
+          <a:lnRef idx="2">
+            <a:schemeClr val="accent1">
+              <a:shade val="15000"/>
+            </a:schemeClr>
+          </a:lnRef>
+          <a:fillRef idx="1">
+            <a:schemeClr val="accent1"/>
+          </a:fillRef>
+          <a:effectRef idx="0">
+            <a:schemeClr val="accent1"/>
+          </a:effectRef>
+          <a:fontRef idx="minor">
+            <a:schemeClr val="lt1"/>
+          </a:fontRef>
+        </p:style>
+        <p:txBody>
+          <a:bodyPr rtlCol="0" anchor="ctr"/>
+          <a:lstStyle/>
+          <a:p>
+            <a:pPr algn="ctr"/>
+            <a:endParaRPr kumimoji="1" lang="ko-Kore-KR" altLang="en-US"/>
+          </a:p>
+        </p:txBody>
+      </p:sp>
+      <p:cxnSp>
+        <p:nvCxnSpPr>
+          <p:cNvPr id="32" name="구부러진 연결선[U] 31">
+            <a:extLst>
+              <a:ext uri="{FF2B5EF4-FFF2-40B4-BE49-F238E27FC236}">
+                <a16:creationId xmlns:a16="http://schemas.microsoft.com/office/drawing/2014/main" id="{0FA6A2C1-43D1-0884-A5FB-038055760498}"/>
+              </a:ext>
+            </a:extLst>
+          </p:cNvPr>
+          <p:cNvCxnSpPr>
+            <a:cxnSpLocks/>
+            <a:stCxn id="26" idx="4"/>
+            <a:endCxn id="30" idx="7"/>
+          </p:cNvCxnSpPr>
+          <p:nvPr/>
+        </p:nvCxnSpPr>
+        <p:spPr>
+          <a:xfrm rot="5400000">
+            <a:off x="4834790" y="301682"/>
+            <a:ext cx="347729" cy="3073822"/>
+          </a:xfrm>
+          <a:prstGeom prst="curvedConnector3">
+            <a:avLst>
+              <a:gd name="adj1" fmla="val 50000"/>
+            </a:avLst>
+          </a:prstGeom>
+          <a:ln w="12700">
+            <a:solidFill>
+              <a:schemeClr val="tx1"/>
+            </a:solidFill>
+          </a:ln>
+        </p:spPr>
+        <p:style>
+          <a:lnRef idx="1">
+            <a:schemeClr val="accent1"/>
+          </a:lnRef>
+          <a:fillRef idx="0">
+            <a:schemeClr val="accent1"/>
+          </a:fillRef>
+          <a:effectRef idx="0">
+            <a:schemeClr val="accent1"/>
+          </a:effectRef>
+          <a:fontRef idx="minor">
+            <a:schemeClr val="tx1"/>
+          </a:fontRef>
+        </p:style>
+      </p:cxnSp>
+      <p:cxnSp>
+        <p:nvCxnSpPr>
+          <p:cNvPr id="36" name="구부러진 연결선[U] 35">
+            <a:extLst>
+              <a:ext uri="{FF2B5EF4-FFF2-40B4-BE49-F238E27FC236}">
+                <a16:creationId xmlns:a16="http://schemas.microsoft.com/office/drawing/2014/main" id="{C5D9A6FC-E9BC-6EBD-9993-BDFAE3CE0B23}"/>
+              </a:ext>
+            </a:extLst>
+          </p:cNvPr>
+          <p:cNvCxnSpPr>
+            <a:cxnSpLocks/>
+            <a:stCxn id="26" idx="4"/>
+            <a:endCxn id="31" idx="1"/>
+          </p:cNvCxnSpPr>
+          <p:nvPr/>
+        </p:nvCxnSpPr>
+        <p:spPr>
+          <a:xfrm rot="16200000" flipH="1">
+            <a:off x="7168891" y="1041402"/>
+            <a:ext cx="361594" cy="1608247"/>
+          </a:xfrm>
+          <a:prstGeom prst="curvedConnector3">
+            <a:avLst>
+              <a:gd name="adj1" fmla="val 50000"/>
+            </a:avLst>
+          </a:prstGeom>
+          <a:ln w="12700">
+            <a:solidFill>
+              <a:schemeClr val="tx1"/>
+            </a:solidFill>
+          </a:ln>
+        </p:spPr>
+        <p:style>
+          <a:lnRef idx="1">
+            <a:schemeClr val="accent1"/>
+          </a:lnRef>
+          <a:fillRef idx="0">
+            <a:schemeClr val="accent1"/>
+          </a:fillRef>
+          <a:effectRef idx="0">
+            <a:schemeClr val="accent1"/>
+          </a:effectRef>
+          <a:fontRef idx="minor">
+            <a:schemeClr val="tx1"/>
+          </a:fontRef>
+        </p:style>
+      </p:cxnSp>
+    </p:spTree>
+    <p:extLst>
+      <p:ext uri="{BB962C8B-B14F-4D97-AF65-F5344CB8AC3E}">
+        <p14:creationId xmlns:p14="http://schemas.microsoft.com/office/powerpoint/2010/main" val="1949205507"/>
+      </p:ext>
+    </p:extLst>
+  </p:cSld>
+  <p:clrMapOvr>
+    <a:masterClrMapping/>
+  </p:clrMapOvr>
+  <mc:AlternateContent xmlns:mc="http://schemas.openxmlformats.org/markup-compatibility/2006">
+    <mc:Choice xmlns:p159="http://schemas.microsoft.com/office/powerpoint/2015/09/main" Requires="p159">
+      <p:transition spd="slow" advClick="0">
+        <p159:morph option="byObject"/>
+      </p:transition>
+    </mc:Choice>
+    <mc:Fallback>
+      <p:transition spd="slow" advClick="0">
+        <p:fade/>
+      </p:transition>
+    </mc:Fallback>
+  </mc:AlternateContent>
+</p:sld>
+</file>
+
 <file path=ppt/slides/slide2.xml><?xml version="1.0" encoding="utf-8"?>
 <p:sld xmlns:a="http://schemas.openxmlformats.org/drawingml/2006/main" xmlns:r="http://schemas.openxmlformats.org/officeDocument/2006/relationships" xmlns:p="http://schemas.openxmlformats.org/presentationml/2006/main">
   <p:cSld>
@@ -7468,6 +15147,2008 @@
       </p:transition>
     </mc:Choice>
     <mc:Fallback xmlns="">
+      <p:transition spd="slow" advClick="0">
+        <p:fade/>
+      </p:transition>
+    </mc:Fallback>
+  </mc:AlternateContent>
+</p:sld>
+</file>
+
+<file path=ppt/slides/slide20.xml><?xml version="1.0" encoding="utf-8"?>
+<p:sld xmlns:a="http://schemas.openxmlformats.org/drawingml/2006/main" xmlns:r="http://schemas.openxmlformats.org/officeDocument/2006/relationships" xmlns:p="http://schemas.openxmlformats.org/presentationml/2006/main">
+  <p:cSld>
+    <p:spTree>
+      <p:nvGrpSpPr>
+        <p:cNvPr id="1" name=""/>
+        <p:cNvGrpSpPr/>
+        <p:nvPr/>
+      </p:nvGrpSpPr>
+      <p:grpSpPr>
+        <a:xfrm>
+          <a:off x="0" y="0"/>
+          <a:ext cx="0" cy="0"/>
+          <a:chOff x="0" y="0"/>
+          <a:chExt cx="0" cy="0"/>
+        </a:xfrm>
+      </p:grpSpPr>
+      <p:sp>
+        <p:nvSpPr>
+          <p:cNvPr id="7" name="TextBox 6">
+            <a:extLst>
+              <a:ext uri="{FF2B5EF4-FFF2-40B4-BE49-F238E27FC236}">
+                <a16:creationId xmlns:a16="http://schemas.microsoft.com/office/drawing/2014/main" id="{7432CD06-269D-8519-0178-61F8107F3434}"/>
+              </a:ext>
+            </a:extLst>
+          </p:cNvPr>
+          <p:cNvSpPr txBox="1"/>
+          <p:nvPr/>
+        </p:nvSpPr>
+        <p:spPr>
+          <a:xfrm>
+            <a:off x="-12594140" y="-16615945"/>
+            <a:ext cx="6649080" cy="523220"/>
+          </a:xfrm>
+          <a:prstGeom prst="rect">
+            <a:avLst/>
+          </a:prstGeom>
+          <a:noFill/>
+        </p:spPr>
+        <p:txBody>
+          <a:bodyPr wrap="square" rtlCol="0">
+            <a:spAutoFit/>
+          </a:bodyPr>
+          <a:lstStyle/>
+          <a:p>
+            <a:pPr algn="ctr"/>
+            <a:r>
+              <a:rPr kumimoji="1" lang="en-US" altLang="ko-Kore-KR" sz="2800">
+                <a:ea typeface="Microsoft Himalaya" pitchFamily="2" charset="0"/>
+                <a:cs typeface="Microsoft Himalaya" pitchFamily="2" charset="0"/>
+              </a:rPr>
+              <a:t>What is a purpose of the paper?</a:t>
+            </a:r>
+            <a:endParaRPr kumimoji="1" lang="ko-Kore-KR" altLang="en-US" sz="2800">
+              <a:solidFill>
+                <a:schemeClr val="bg1">
+                  <a:alpha val="0"/>
+                </a:schemeClr>
+              </a:solidFill>
+              <a:cs typeface="Microsoft Himalaya" pitchFamily="2" charset="0"/>
+            </a:endParaRPr>
+          </a:p>
+        </p:txBody>
+      </p:sp>
+      <p:sp>
+        <p:nvSpPr>
+          <p:cNvPr id="6" name="타원 5">
+            <a:extLst>
+              <a:ext uri="{FF2B5EF4-FFF2-40B4-BE49-F238E27FC236}">
+                <a16:creationId xmlns:a16="http://schemas.microsoft.com/office/drawing/2014/main" id="{2EE2381A-BA90-6CCC-E30D-9B8CB7883D9B}"/>
+              </a:ext>
+            </a:extLst>
+          </p:cNvPr>
+          <p:cNvSpPr/>
+          <p:nvPr/>
+        </p:nvSpPr>
+        <p:spPr>
+          <a:xfrm>
+            <a:off x="-12067911" y="-17281810"/>
+            <a:ext cx="5416902" cy="1895475"/>
+          </a:xfrm>
+          <a:prstGeom prst="ellipse">
+            <a:avLst/>
+          </a:prstGeom>
+          <a:noFill/>
+          <a:ln w="19050">
+            <a:solidFill>
+              <a:schemeClr val="tx1"/>
+            </a:solidFill>
+          </a:ln>
+        </p:spPr>
+        <p:style>
+          <a:lnRef idx="2">
+            <a:schemeClr val="accent1">
+              <a:shade val="15000"/>
+            </a:schemeClr>
+          </a:lnRef>
+          <a:fillRef idx="1">
+            <a:schemeClr val="accent1"/>
+          </a:fillRef>
+          <a:effectRef idx="0">
+            <a:schemeClr val="accent1"/>
+          </a:effectRef>
+          <a:fontRef idx="minor">
+            <a:schemeClr val="lt1"/>
+          </a:fontRef>
+        </p:style>
+        <p:txBody>
+          <a:bodyPr rtlCol="0" anchor="ctr"/>
+          <a:lstStyle/>
+          <a:p>
+            <a:pPr algn="ctr"/>
+            <a:endParaRPr kumimoji="1" lang="ko-Kore-KR" altLang="en-US"/>
+          </a:p>
+        </p:txBody>
+      </p:sp>
+      <p:sp>
+        <p:nvSpPr>
+          <p:cNvPr id="2" name="타원 1">
+            <a:extLst>
+              <a:ext uri="{FF2B5EF4-FFF2-40B4-BE49-F238E27FC236}">
+                <a16:creationId xmlns:a16="http://schemas.microsoft.com/office/drawing/2014/main" id="{3537091F-D64C-D90A-CCA1-057FC775DC84}"/>
+              </a:ext>
+            </a:extLst>
+          </p:cNvPr>
+          <p:cNvSpPr/>
+          <p:nvPr/>
+        </p:nvSpPr>
+        <p:spPr>
+          <a:xfrm>
+            <a:off x="-16500781" y="-21411719"/>
+            <a:ext cx="3470478" cy="3347761"/>
+          </a:xfrm>
+          <a:prstGeom prst="ellipse">
+            <a:avLst/>
+          </a:prstGeom>
+          <a:noFill/>
+          <a:ln w="19050">
+            <a:solidFill>
+              <a:schemeClr val="tx1"/>
+            </a:solidFill>
+          </a:ln>
+        </p:spPr>
+        <p:style>
+          <a:lnRef idx="2">
+            <a:schemeClr val="accent1">
+              <a:shade val="15000"/>
+            </a:schemeClr>
+          </a:lnRef>
+          <a:fillRef idx="1">
+            <a:schemeClr val="accent1"/>
+          </a:fillRef>
+          <a:effectRef idx="0">
+            <a:schemeClr val="accent1"/>
+          </a:effectRef>
+          <a:fontRef idx="minor">
+            <a:schemeClr val="lt1"/>
+          </a:fontRef>
+        </p:style>
+        <p:txBody>
+          <a:bodyPr rtlCol="0" anchor="ctr"/>
+          <a:lstStyle/>
+          <a:p>
+            <a:pPr algn="ctr"/>
+            <a:endParaRPr kumimoji="1" lang="ko-Kore-KR" altLang="en-US"/>
+          </a:p>
+        </p:txBody>
+      </p:sp>
+      <p:cxnSp>
+        <p:nvCxnSpPr>
+          <p:cNvPr id="14" name="구부러진 연결선[U] 13">
+            <a:extLst>
+              <a:ext uri="{FF2B5EF4-FFF2-40B4-BE49-F238E27FC236}">
+                <a16:creationId xmlns:a16="http://schemas.microsoft.com/office/drawing/2014/main" id="{2B954181-AE35-70DB-E680-6B87963413D4}"/>
+              </a:ext>
+            </a:extLst>
+          </p:cNvPr>
+          <p:cNvCxnSpPr>
+            <a:cxnSpLocks/>
+            <a:stCxn id="2" idx="5"/>
+            <a:endCxn id="6" idx="2"/>
+          </p:cNvCxnSpPr>
+          <p:nvPr/>
+        </p:nvCxnSpPr>
+        <p:spPr>
+          <a:xfrm rot="16200000" flipH="1">
+            <a:off x="-13913304" y="-18179465"/>
+            <a:ext cx="2220154" cy="1470632"/>
+          </a:xfrm>
+          <a:prstGeom prst="curvedConnector2">
+            <a:avLst/>
+          </a:prstGeom>
+          <a:ln w="12700">
+            <a:solidFill>
+              <a:schemeClr val="tx1"/>
+            </a:solidFill>
+          </a:ln>
+        </p:spPr>
+        <p:style>
+          <a:lnRef idx="1">
+            <a:schemeClr val="accent1"/>
+          </a:lnRef>
+          <a:fillRef idx="0">
+            <a:schemeClr val="accent1"/>
+          </a:fillRef>
+          <a:effectRef idx="0">
+            <a:schemeClr val="accent1"/>
+          </a:effectRef>
+          <a:fontRef idx="minor">
+            <a:schemeClr val="tx1"/>
+          </a:fontRef>
+        </p:style>
+      </p:cxnSp>
+      <p:sp>
+        <p:nvSpPr>
+          <p:cNvPr id="25" name="TextBox 24">
+            <a:extLst>
+              <a:ext uri="{FF2B5EF4-FFF2-40B4-BE49-F238E27FC236}">
+                <a16:creationId xmlns:a16="http://schemas.microsoft.com/office/drawing/2014/main" id="{758AC1A2-CDC9-B7E3-EBE8-BCC2D5E5D2B1}"/>
+              </a:ext>
+            </a:extLst>
+          </p:cNvPr>
+          <p:cNvSpPr txBox="1"/>
+          <p:nvPr/>
+        </p:nvSpPr>
+        <p:spPr>
+          <a:xfrm>
+            <a:off x="-16098084" y="-19387397"/>
+            <a:ext cx="9015787" cy="1323439"/>
+          </a:xfrm>
+          <a:prstGeom prst="rect">
+            <a:avLst/>
+          </a:prstGeom>
+          <a:noFill/>
+        </p:spPr>
+        <p:txBody>
+          <a:bodyPr wrap="square" rtlCol="0">
+            <a:spAutoFit/>
+          </a:bodyPr>
+          <a:lstStyle/>
+          <a:p>
+            <a:pPr algn="ctr"/>
+            <a:r>
+              <a:rPr kumimoji="1" lang="en-US" altLang="ko-Kore-KR" sz="4000">
+                <a:ea typeface="Microsoft Himalaya" pitchFamily="2" charset="0"/>
+                <a:cs typeface="Microsoft Himalaya" pitchFamily="2" charset="0"/>
+              </a:rPr>
+              <a:t>ghOSt</a:t>
+            </a:r>
+            <a:r>
+              <a:rPr kumimoji="1" lang="en-US" altLang="ko-Kore-KR" sz="4000">
+                <a:solidFill>
+                  <a:schemeClr val="bg1">
+                    <a:alpha val="0"/>
+                  </a:schemeClr>
+                </a:solidFill>
+                <a:ea typeface="Microsoft Himalaya" pitchFamily="2" charset="0"/>
+                <a:cs typeface="Microsoft Himalaya" pitchFamily="2" charset="0"/>
+              </a:rPr>
+              <a:t>: Fast &amp; Flexible User-space Delegation of Linux Scheduling </a:t>
+            </a:r>
+            <a:endParaRPr kumimoji="1" lang="ko-Kore-KR" altLang="en-US" sz="4000">
+              <a:solidFill>
+                <a:schemeClr val="bg1">
+                  <a:alpha val="0"/>
+                </a:schemeClr>
+              </a:solidFill>
+              <a:cs typeface="Microsoft Himalaya" pitchFamily="2" charset="0"/>
+            </a:endParaRPr>
+          </a:p>
+        </p:txBody>
+      </p:sp>
+      <p:sp>
+        <p:nvSpPr>
+          <p:cNvPr id="5" name="TextBox 4">
+            <a:extLst>
+              <a:ext uri="{FF2B5EF4-FFF2-40B4-BE49-F238E27FC236}">
+                <a16:creationId xmlns:a16="http://schemas.microsoft.com/office/drawing/2014/main" id="{6654DD5B-363D-007E-134A-CB95D8023FE8}"/>
+              </a:ext>
+            </a:extLst>
+          </p:cNvPr>
+          <p:cNvSpPr txBox="1"/>
+          <p:nvPr/>
+        </p:nvSpPr>
+        <p:spPr>
+          <a:xfrm>
+            <a:off x="-9618279" y="-14389006"/>
+            <a:ext cx="6649080" cy="954107"/>
+          </a:xfrm>
+          <a:prstGeom prst="rect">
+            <a:avLst/>
+          </a:prstGeom>
+          <a:noFill/>
+        </p:spPr>
+        <p:txBody>
+          <a:bodyPr wrap="square" rtlCol="0">
+            <a:spAutoFit/>
+          </a:bodyPr>
+          <a:lstStyle/>
+          <a:p>
+            <a:pPr algn="ctr"/>
+            <a:r>
+              <a:rPr kumimoji="1" lang="en-US" altLang="ko-Kore-KR" sz="2800">
+                <a:ea typeface="Microsoft Himalaya" pitchFamily="2" charset="0"/>
+                <a:cs typeface="Microsoft Himalaya" pitchFamily="2" charset="0"/>
+              </a:rPr>
+              <a:t>Delegating kernel scheduling</a:t>
+            </a:r>
+          </a:p>
+          <a:p>
+            <a:pPr algn="ctr"/>
+            <a:r>
+              <a:rPr kumimoji="1" lang="en-US" altLang="ko-Kore-KR" sz="2800">
+                <a:ea typeface="Microsoft Himalaya" pitchFamily="2" charset="0"/>
+                <a:cs typeface="Microsoft Himalaya" pitchFamily="2" charset="0"/>
+              </a:rPr>
+              <a:t>to userspace code </a:t>
+            </a:r>
+            <a:endParaRPr kumimoji="1" lang="ko-Kore-KR" altLang="en-US" sz="2800">
+              <a:cs typeface="Microsoft Himalaya" pitchFamily="2" charset="0"/>
+            </a:endParaRPr>
+          </a:p>
+        </p:txBody>
+      </p:sp>
+      <p:sp>
+        <p:nvSpPr>
+          <p:cNvPr id="8" name="타원 7">
+            <a:extLst>
+              <a:ext uri="{FF2B5EF4-FFF2-40B4-BE49-F238E27FC236}">
+                <a16:creationId xmlns:a16="http://schemas.microsoft.com/office/drawing/2014/main" id="{CCA7A6FF-A5C1-EE13-DAB5-2A47607E4AA0}"/>
+              </a:ext>
+            </a:extLst>
+          </p:cNvPr>
+          <p:cNvSpPr/>
+          <p:nvPr/>
+        </p:nvSpPr>
+        <p:spPr>
+          <a:xfrm>
+            <a:off x="-9002190" y="-14865797"/>
+            <a:ext cx="5416902" cy="1895475"/>
+          </a:xfrm>
+          <a:prstGeom prst="ellipse">
+            <a:avLst/>
+          </a:prstGeom>
+          <a:noFill/>
+          <a:ln w="19050">
+            <a:solidFill>
+              <a:schemeClr val="tx1"/>
+            </a:solidFill>
+          </a:ln>
+        </p:spPr>
+        <p:style>
+          <a:lnRef idx="2">
+            <a:schemeClr val="accent1">
+              <a:shade val="15000"/>
+            </a:schemeClr>
+          </a:lnRef>
+          <a:fillRef idx="1">
+            <a:schemeClr val="accent1"/>
+          </a:fillRef>
+          <a:effectRef idx="0">
+            <a:schemeClr val="accent1"/>
+          </a:effectRef>
+          <a:fontRef idx="minor">
+            <a:schemeClr val="lt1"/>
+          </a:fontRef>
+        </p:style>
+        <p:txBody>
+          <a:bodyPr rtlCol="0" anchor="ctr"/>
+          <a:lstStyle/>
+          <a:p>
+            <a:pPr algn="ctr"/>
+            <a:endParaRPr kumimoji="1" lang="ko-Kore-KR" altLang="en-US"/>
+          </a:p>
+        </p:txBody>
+      </p:sp>
+      <p:cxnSp>
+        <p:nvCxnSpPr>
+          <p:cNvPr id="9" name="구부러진 연결선[U] 8">
+            <a:extLst>
+              <a:ext uri="{FF2B5EF4-FFF2-40B4-BE49-F238E27FC236}">
+                <a16:creationId xmlns:a16="http://schemas.microsoft.com/office/drawing/2014/main" id="{068EEA84-621C-4582-DC0F-D62A6F3062A3}"/>
+              </a:ext>
+            </a:extLst>
+          </p:cNvPr>
+          <p:cNvCxnSpPr>
+            <a:cxnSpLocks/>
+            <a:stCxn id="6" idx="4"/>
+            <a:endCxn id="8" idx="1"/>
+          </p:cNvCxnSpPr>
+          <p:nvPr/>
+        </p:nvCxnSpPr>
+        <p:spPr>
+          <a:xfrm rot="16200000" flipH="1">
+            <a:off x="-9183244" y="-15562552"/>
+            <a:ext cx="798124" cy="1150557"/>
+          </a:xfrm>
+          <a:prstGeom prst="curvedConnector3">
+            <a:avLst>
+              <a:gd name="adj1" fmla="val 50000"/>
+            </a:avLst>
+          </a:prstGeom>
+          <a:ln w="12700">
+            <a:solidFill>
+              <a:schemeClr val="tx1"/>
+            </a:solidFill>
+          </a:ln>
+        </p:spPr>
+        <p:style>
+          <a:lnRef idx="1">
+            <a:schemeClr val="accent1"/>
+          </a:lnRef>
+          <a:fillRef idx="0">
+            <a:schemeClr val="accent1"/>
+          </a:fillRef>
+          <a:effectRef idx="0">
+            <a:schemeClr val="accent1"/>
+          </a:effectRef>
+          <a:fontRef idx="minor">
+            <a:schemeClr val="tx1"/>
+          </a:fontRef>
+        </p:style>
+      </p:cxnSp>
+      <p:cxnSp>
+        <p:nvCxnSpPr>
+          <p:cNvPr id="3" name="구부러진 연결선[U] 2">
+            <a:extLst>
+              <a:ext uri="{FF2B5EF4-FFF2-40B4-BE49-F238E27FC236}">
+                <a16:creationId xmlns:a16="http://schemas.microsoft.com/office/drawing/2014/main" id="{AC3F9A48-1A19-F6C7-B3C2-CDA39B862C08}"/>
+              </a:ext>
+            </a:extLst>
+          </p:cNvPr>
+          <p:cNvCxnSpPr>
+            <a:cxnSpLocks/>
+            <a:stCxn id="8" idx="4"/>
+            <a:endCxn id="11" idx="1"/>
+          </p:cNvCxnSpPr>
+          <p:nvPr/>
+        </p:nvCxnSpPr>
+        <p:spPr>
+          <a:xfrm rot="16200000" flipH="1">
+            <a:off x="-6088823" y="-13175239"/>
+            <a:ext cx="542943" cy="952775"/>
+          </a:xfrm>
+          <a:prstGeom prst="curvedConnector3">
+            <a:avLst>
+              <a:gd name="adj1" fmla="val 50000"/>
+            </a:avLst>
+          </a:prstGeom>
+          <a:ln w="12700">
+            <a:solidFill>
+              <a:schemeClr val="tx1"/>
+            </a:solidFill>
+          </a:ln>
+        </p:spPr>
+        <p:style>
+          <a:lnRef idx="1">
+            <a:schemeClr val="accent1"/>
+          </a:lnRef>
+          <a:fillRef idx="0">
+            <a:schemeClr val="accent1"/>
+          </a:fillRef>
+          <a:effectRef idx="0">
+            <a:schemeClr val="accent1"/>
+          </a:effectRef>
+          <a:fontRef idx="minor">
+            <a:schemeClr val="tx1"/>
+          </a:fontRef>
+        </p:style>
+      </p:cxnSp>
+      <p:sp>
+        <p:nvSpPr>
+          <p:cNvPr id="10" name="TextBox 9">
+            <a:extLst>
+              <a:ext uri="{FF2B5EF4-FFF2-40B4-BE49-F238E27FC236}">
+                <a16:creationId xmlns:a16="http://schemas.microsoft.com/office/drawing/2014/main" id="{D2C2F8E5-4B8F-C384-0BD1-F8CC7DBBFE31}"/>
+              </a:ext>
+            </a:extLst>
+          </p:cNvPr>
+          <p:cNvSpPr txBox="1"/>
+          <p:nvPr/>
+        </p:nvSpPr>
+        <p:spPr>
+          <a:xfrm>
+            <a:off x="-3806196" y="-9579049"/>
+            <a:ext cx="7214942" cy="1384995"/>
+          </a:xfrm>
+          <a:prstGeom prst="rect">
+            <a:avLst/>
+          </a:prstGeom>
+          <a:noFill/>
+        </p:spPr>
+        <p:txBody>
+          <a:bodyPr wrap="square" rtlCol="0">
+            <a:spAutoFit/>
+          </a:bodyPr>
+          <a:lstStyle/>
+          <a:p>
+            <a:pPr algn="ctr"/>
+            <a:r>
+              <a:rPr kumimoji="1" lang="en-US" altLang="ko-Kore-KR" sz="2800">
+                <a:ea typeface="Microsoft Himalaya" pitchFamily="2" charset="0"/>
+                <a:cs typeface="Microsoft Himalaya" pitchFamily="2" charset="0"/>
+              </a:rPr>
+              <a:t>Because it means that applications can be implemented leveraging the powerful features of the kernel scheduler!!!</a:t>
+            </a:r>
+            <a:endParaRPr kumimoji="1" lang="ko-Kore-KR" altLang="en-US" sz="2800">
+              <a:cs typeface="Microsoft Himalaya" pitchFamily="2" charset="0"/>
+            </a:endParaRPr>
+          </a:p>
+        </p:txBody>
+      </p:sp>
+      <p:sp>
+        <p:nvSpPr>
+          <p:cNvPr id="11" name="타원 10">
+            <a:extLst>
+              <a:ext uri="{FF2B5EF4-FFF2-40B4-BE49-F238E27FC236}">
+                <a16:creationId xmlns:a16="http://schemas.microsoft.com/office/drawing/2014/main" id="{553EEAA2-6F2C-9BFD-E1DC-B64CC11A8B05}"/>
+              </a:ext>
+            </a:extLst>
+          </p:cNvPr>
+          <p:cNvSpPr/>
+          <p:nvPr/>
+        </p:nvSpPr>
+        <p:spPr>
+          <a:xfrm>
+            <a:off x="-6134251" y="-12704965"/>
+            <a:ext cx="5416902" cy="1895475"/>
+          </a:xfrm>
+          <a:prstGeom prst="ellipse">
+            <a:avLst/>
+          </a:prstGeom>
+          <a:noFill/>
+          <a:ln w="19050">
+            <a:solidFill>
+              <a:schemeClr val="tx1"/>
+            </a:solidFill>
+          </a:ln>
+        </p:spPr>
+        <p:style>
+          <a:lnRef idx="2">
+            <a:schemeClr val="accent1">
+              <a:shade val="15000"/>
+            </a:schemeClr>
+          </a:lnRef>
+          <a:fillRef idx="1">
+            <a:schemeClr val="accent1"/>
+          </a:fillRef>
+          <a:effectRef idx="0">
+            <a:schemeClr val="accent1"/>
+          </a:effectRef>
+          <a:fontRef idx="minor">
+            <a:schemeClr val="lt1"/>
+          </a:fontRef>
+        </p:style>
+        <p:txBody>
+          <a:bodyPr rtlCol="0" anchor="ctr"/>
+          <a:lstStyle/>
+          <a:p>
+            <a:pPr algn="ctr"/>
+            <a:endParaRPr kumimoji="1" lang="ko-Kore-KR" altLang="en-US"/>
+          </a:p>
+        </p:txBody>
+      </p:sp>
+      <p:sp>
+        <p:nvSpPr>
+          <p:cNvPr id="12" name="타원 11">
+            <a:extLst>
+              <a:ext uri="{FF2B5EF4-FFF2-40B4-BE49-F238E27FC236}">
+                <a16:creationId xmlns:a16="http://schemas.microsoft.com/office/drawing/2014/main" id="{98BE3455-7E7C-98E6-2F4D-8656076DB122}"/>
+              </a:ext>
+            </a:extLst>
+          </p:cNvPr>
+          <p:cNvSpPr/>
+          <p:nvPr/>
+        </p:nvSpPr>
+        <p:spPr>
+          <a:xfrm>
+            <a:off x="-3953978" y="-10143057"/>
+            <a:ext cx="7510506" cy="2356551"/>
+          </a:xfrm>
+          <a:prstGeom prst="ellipse">
+            <a:avLst/>
+          </a:prstGeom>
+          <a:noFill/>
+          <a:ln w="19050">
+            <a:solidFill>
+              <a:schemeClr val="tx1"/>
+            </a:solidFill>
+          </a:ln>
+        </p:spPr>
+        <p:style>
+          <a:lnRef idx="2">
+            <a:schemeClr val="accent1">
+              <a:shade val="15000"/>
+            </a:schemeClr>
+          </a:lnRef>
+          <a:fillRef idx="1">
+            <a:schemeClr val="accent1"/>
+          </a:fillRef>
+          <a:effectRef idx="0">
+            <a:schemeClr val="accent1"/>
+          </a:effectRef>
+          <a:fontRef idx="minor">
+            <a:schemeClr val="lt1"/>
+          </a:fontRef>
+        </p:style>
+        <p:txBody>
+          <a:bodyPr rtlCol="0" anchor="ctr"/>
+          <a:lstStyle/>
+          <a:p>
+            <a:pPr algn="ctr"/>
+            <a:endParaRPr kumimoji="1" lang="ko-Kore-KR" altLang="en-US"/>
+          </a:p>
+        </p:txBody>
+      </p:sp>
+      <p:cxnSp>
+        <p:nvCxnSpPr>
+          <p:cNvPr id="13" name="구부러진 연결선[U] 12">
+            <a:extLst>
+              <a:ext uri="{FF2B5EF4-FFF2-40B4-BE49-F238E27FC236}">
+                <a16:creationId xmlns:a16="http://schemas.microsoft.com/office/drawing/2014/main" id="{8D73709C-867B-5C3D-0744-BD01319122DC}"/>
+              </a:ext>
+            </a:extLst>
+          </p:cNvPr>
+          <p:cNvCxnSpPr>
+            <a:cxnSpLocks/>
+            <a:stCxn id="11" idx="4"/>
+            <a:endCxn id="12" idx="1"/>
+          </p:cNvCxnSpPr>
+          <p:nvPr/>
+        </p:nvCxnSpPr>
+        <p:spPr>
+          <a:xfrm rot="16200000" flipH="1">
+            <a:off x="-3645716" y="-10589574"/>
+            <a:ext cx="1011542" cy="571710"/>
+          </a:xfrm>
+          <a:prstGeom prst="curvedConnector3">
+            <a:avLst>
+              <a:gd name="adj1" fmla="val 50000"/>
+            </a:avLst>
+          </a:prstGeom>
+          <a:ln w="12700">
+            <a:solidFill>
+              <a:schemeClr val="tx1"/>
+            </a:solidFill>
+          </a:ln>
+        </p:spPr>
+        <p:style>
+          <a:lnRef idx="1">
+            <a:schemeClr val="accent1"/>
+          </a:lnRef>
+          <a:fillRef idx="0">
+            <a:schemeClr val="accent1"/>
+          </a:fillRef>
+          <a:effectRef idx="0">
+            <a:schemeClr val="accent1"/>
+          </a:effectRef>
+          <a:fontRef idx="minor">
+            <a:schemeClr val="tx1"/>
+          </a:fontRef>
+        </p:style>
+      </p:cxnSp>
+      <p:sp>
+        <p:nvSpPr>
+          <p:cNvPr id="17" name="TextBox 16">
+            <a:extLst>
+              <a:ext uri="{FF2B5EF4-FFF2-40B4-BE49-F238E27FC236}">
+                <a16:creationId xmlns:a16="http://schemas.microsoft.com/office/drawing/2014/main" id="{2461D2E0-27C3-B02E-68FA-2F27E0718AE4}"/>
+              </a:ext>
+            </a:extLst>
+          </p:cNvPr>
+          <p:cNvSpPr txBox="1"/>
+          <p:nvPr/>
+        </p:nvSpPr>
+        <p:spPr>
+          <a:xfrm>
+            <a:off x="-6909828" y="-11972993"/>
+            <a:ext cx="6649080" cy="523220"/>
+          </a:xfrm>
+          <a:prstGeom prst="rect">
+            <a:avLst/>
+          </a:prstGeom>
+          <a:noFill/>
+        </p:spPr>
+        <p:txBody>
+          <a:bodyPr wrap="square" rtlCol="0">
+            <a:spAutoFit/>
+          </a:bodyPr>
+          <a:lstStyle/>
+          <a:p>
+            <a:pPr algn="ctr"/>
+            <a:r>
+              <a:rPr kumimoji="1" lang="en-US" altLang="ko-Kore-KR" sz="2800">
+                <a:ea typeface="Microsoft Himalaya" pitchFamily="2" charset="0"/>
+                <a:cs typeface="Microsoft Himalaya" pitchFamily="2" charset="0"/>
+              </a:rPr>
+              <a:t>Why is that important?</a:t>
+            </a:r>
+            <a:endParaRPr kumimoji="1" lang="ko-Kore-KR" altLang="en-US" sz="2800">
+              <a:cs typeface="Microsoft Himalaya" pitchFamily="2" charset="0"/>
+            </a:endParaRPr>
+          </a:p>
+        </p:txBody>
+      </p:sp>
+      <p:sp>
+        <p:nvSpPr>
+          <p:cNvPr id="4" name="TextBox 3">
+            <a:extLst>
+              <a:ext uri="{FF2B5EF4-FFF2-40B4-BE49-F238E27FC236}">
+                <a16:creationId xmlns:a16="http://schemas.microsoft.com/office/drawing/2014/main" id="{09069384-6BDF-4AB8-9E82-55B8B48224F5}"/>
+              </a:ext>
+            </a:extLst>
+          </p:cNvPr>
+          <p:cNvSpPr txBox="1"/>
+          <p:nvPr/>
+        </p:nvSpPr>
+        <p:spPr>
+          <a:xfrm>
+            <a:off x="718180" y="-6996896"/>
+            <a:ext cx="7214942" cy="1384995"/>
+          </a:xfrm>
+          <a:prstGeom prst="rect">
+            <a:avLst/>
+          </a:prstGeom>
+          <a:noFill/>
+        </p:spPr>
+        <p:txBody>
+          <a:bodyPr wrap="square" rtlCol="0">
+            <a:spAutoFit/>
+          </a:bodyPr>
+          <a:lstStyle/>
+          <a:p>
+            <a:pPr algn="ctr"/>
+            <a:r>
+              <a:rPr kumimoji="1" lang="en-US" altLang="ko-Kore-KR" sz="2800">
+                <a:cs typeface="Microsoft Himalaya" pitchFamily="2" charset="0"/>
+              </a:rPr>
+              <a:t>Also, scheduling designs that were previously </a:t>
+            </a:r>
+            <a:r>
+              <a:rPr kumimoji="1" lang="en-US" altLang="ko-KR" sz="2800">
+                <a:cs typeface="Microsoft Himalaya" pitchFamily="2" charset="0"/>
+              </a:rPr>
+              <a:t>unused because they did not fit into the general kernel </a:t>
+            </a:r>
+            <a:r>
+              <a:rPr kumimoji="1" lang="en-US" altLang="ko-Kore-KR" sz="2800">
+                <a:cs typeface="Microsoft Himalaya" pitchFamily="2" charset="0"/>
+              </a:rPr>
+              <a:t>can be used in the userspace!!</a:t>
+            </a:r>
+            <a:endParaRPr kumimoji="1" lang="ko-Kore-KR" altLang="en-US" sz="2800">
+              <a:cs typeface="Microsoft Himalaya" pitchFamily="2" charset="0"/>
+            </a:endParaRPr>
+          </a:p>
+        </p:txBody>
+      </p:sp>
+      <p:cxnSp>
+        <p:nvCxnSpPr>
+          <p:cNvPr id="15" name="구부러진 연결선[U] 14">
+            <a:extLst>
+              <a:ext uri="{FF2B5EF4-FFF2-40B4-BE49-F238E27FC236}">
+                <a16:creationId xmlns:a16="http://schemas.microsoft.com/office/drawing/2014/main" id="{86EB4F29-36E1-ABFE-5C78-E34AEC8E26C2}"/>
+              </a:ext>
+            </a:extLst>
+          </p:cNvPr>
+          <p:cNvCxnSpPr>
+            <a:cxnSpLocks/>
+            <a:stCxn id="12" idx="5"/>
+            <a:endCxn id="16" idx="0"/>
+          </p:cNvCxnSpPr>
+          <p:nvPr/>
+        </p:nvCxnSpPr>
+        <p:spPr>
+          <a:xfrm rot="16200000" flipH="1">
+            <a:off x="3124520" y="-8799496"/>
+            <a:ext cx="501569" cy="1837329"/>
+          </a:xfrm>
+          <a:prstGeom prst="curvedConnector3">
+            <a:avLst>
+              <a:gd name="adj1" fmla="val 50000"/>
+            </a:avLst>
+          </a:prstGeom>
+          <a:ln w="12700">
+            <a:solidFill>
+              <a:schemeClr val="tx1"/>
+            </a:solidFill>
+          </a:ln>
+        </p:spPr>
+        <p:style>
+          <a:lnRef idx="1">
+            <a:schemeClr val="accent1"/>
+          </a:lnRef>
+          <a:fillRef idx="0">
+            <a:schemeClr val="accent1"/>
+          </a:fillRef>
+          <a:effectRef idx="0">
+            <a:schemeClr val="accent1"/>
+          </a:effectRef>
+          <a:fontRef idx="minor">
+            <a:schemeClr val="tx1"/>
+          </a:fontRef>
+        </p:style>
+      </p:cxnSp>
+      <p:sp>
+        <p:nvSpPr>
+          <p:cNvPr id="16" name="타원 15">
+            <a:extLst>
+              <a:ext uri="{FF2B5EF4-FFF2-40B4-BE49-F238E27FC236}">
+                <a16:creationId xmlns:a16="http://schemas.microsoft.com/office/drawing/2014/main" id="{C2E7E2C8-45E7-5C28-C930-10DEF0105BBC}"/>
+              </a:ext>
+            </a:extLst>
+          </p:cNvPr>
+          <p:cNvSpPr/>
+          <p:nvPr/>
+        </p:nvSpPr>
+        <p:spPr>
+          <a:xfrm>
+            <a:off x="349915" y="-7630046"/>
+            <a:ext cx="7888107" cy="2599856"/>
+          </a:xfrm>
+          <a:prstGeom prst="ellipse">
+            <a:avLst/>
+          </a:prstGeom>
+          <a:noFill/>
+          <a:ln w="19050">
+            <a:solidFill>
+              <a:schemeClr val="tx1"/>
+            </a:solidFill>
+          </a:ln>
+        </p:spPr>
+        <p:style>
+          <a:lnRef idx="2">
+            <a:schemeClr val="accent1">
+              <a:shade val="15000"/>
+            </a:schemeClr>
+          </a:lnRef>
+          <a:fillRef idx="1">
+            <a:schemeClr val="accent1"/>
+          </a:fillRef>
+          <a:effectRef idx="0">
+            <a:schemeClr val="accent1"/>
+          </a:effectRef>
+          <a:fontRef idx="minor">
+            <a:schemeClr val="lt1"/>
+          </a:fontRef>
+        </p:style>
+        <p:txBody>
+          <a:bodyPr rtlCol="0" anchor="ctr"/>
+          <a:lstStyle/>
+          <a:p>
+            <a:pPr algn="ctr"/>
+            <a:endParaRPr kumimoji="1" lang="ko-Kore-KR" altLang="en-US"/>
+          </a:p>
+        </p:txBody>
+      </p:sp>
+      <p:sp>
+        <p:nvSpPr>
+          <p:cNvPr id="18" name="TextBox 17">
+            <a:extLst>
+              <a:ext uri="{FF2B5EF4-FFF2-40B4-BE49-F238E27FC236}">
+                <a16:creationId xmlns:a16="http://schemas.microsoft.com/office/drawing/2014/main" id="{4EF28DD6-7793-8D9A-044F-B978D4AF4B34}"/>
+              </a:ext>
+            </a:extLst>
+          </p:cNvPr>
+          <p:cNvSpPr txBox="1"/>
+          <p:nvPr/>
+        </p:nvSpPr>
+        <p:spPr>
+          <a:xfrm>
+            <a:off x="2338792" y="-3847532"/>
+            <a:ext cx="8214246" cy="1384995"/>
+          </a:xfrm>
+          <a:prstGeom prst="rect">
+            <a:avLst/>
+          </a:prstGeom>
+          <a:noFill/>
+        </p:spPr>
+        <p:txBody>
+          <a:bodyPr wrap="square" rtlCol="0">
+            <a:spAutoFit/>
+          </a:bodyPr>
+          <a:lstStyle/>
+          <a:p>
+            <a:pPr algn="ctr"/>
+            <a:r>
+              <a:rPr kumimoji="1" lang="en-US" altLang="ko-Kore-KR" sz="2800">
+                <a:cs typeface="Microsoft Himalaya" pitchFamily="2" charset="0"/>
+              </a:rPr>
+              <a:t>Fundamentally, the ghOSt relaxes restrictions in terms of CPU virtualization, expanding user’s development design freedom</a:t>
+            </a:r>
+            <a:endParaRPr kumimoji="1" lang="ko-Kore-KR" altLang="en-US" sz="2800">
+              <a:cs typeface="Microsoft Himalaya" pitchFamily="2" charset="0"/>
+            </a:endParaRPr>
+          </a:p>
+        </p:txBody>
+      </p:sp>
+      <p:sp>
+        <p:nvSpPr>
+          <p:cNvPr id="19" name="타원 18">
+            <a:extLst>
+              <a:ext uri="{FF2B5EF4-FFF2-40B4-BE49-F238E27FC236}">
+                <a16:creationId xmlns:a16="http://schemas.microsoft.com/office/drawing/2014/main" id="{FA0DF77A-7B58-7DE1-8A3E-0A5DA271ECE9}"/>
+              </a:ext>
+            </a:extLst>
+          </p:cNvPr>
+          <p:cNvSpPr/>
+          <p:nvPr/>
+        </p:nvSpPr>
+        <p:spPr>
+          <a:xfrm>
+            <a:off x="1721225" y="-4475049"/>
+            <a:ext cx="9637823" cy="2648636"/>
+          </a:xfrm>
+          <a:prstGeom prst="ellipse">
+            <a:avLst/>
+          </a:prstGeom>
+          <a:noFill/>
+          <a:ln w="19050">
+            <a:solidFill>
+              <a:schemeClr val="tx1"/>
+            </a:solidFill>
+          </a:ln>
+        </p:spPr>
+        <p:style>
+          <a:lnRef idx="2">
+            <a:schemeClr val="accent1">
+              <a:shade val="15000"/>
+            </a:schemeClr>
+          </a:lnRef>
+          <a:fillRef idx="1">
+            <a:schemeClr val="accent1"/>
+          </a:fillRef>
+          <a:effectRef idx="0">
+            <a:schemeClr val="accent1"/>
+          </a:effectRef>
+          <a:fontRef idx="minor">
+            <a:schemeClr val="lt1"/>
+          </a:fontRef>
+        </p:style>
+        <p:txBody>
+          <a:bodyPr rtlCol="0" anchor="ctr"/>
+          <a:lstStyle/>
+          <a:p>
+            <a:pPr algn="ctr"/>
+            <a:endParaRPr kumimoji="1" lang="ko-Kore-KR" altLang="en-US"/>
+          </a:p>
+        </p:txBody>
+      </p:sp>
+      <p:cxnSp>
+        <p:nvCxnSpPr>
+          <p:cNvPr id="20" name="구부러진 연결선[U] 19">
+            <a:extLst>
+              <a:ext uri="{FF2B5EF4-FFF2-40B4-BE49-F238E27FC236}">
+                <a16:creationId xmlns:a16="http://schemas.microsoft.com/office/drawing/2014/main" id="{19A5D647-6532-DA56-118D-A70386D6DBB1}"/>
+              </a:ext>
+            </a:extLst>
+          </p:cNvPr>
+          <p:cNvCxnSpPr>
+            <a:cxnSpLocks/>
+            <a:stCxn id="16" idx="4"/>
+            <a:endCxn id="19" idx="0"/>
+          </p:cNvCxnSpPr>
+          <p:nvPr/>
+        </p:nvCxnSpPr>
+        <p:spPr>
+          <a:xfrm rot="16200000" flipH="1">
+            <a:off x="5139483" y="-5875704"/>
+            <a:ext cx="555141" cy="2246168"/>
+          </a:xfrm>
+          <a:prstGeom prst="curvedConnector3">
+            <a:avLst>
+              <a:gd name="adj1" fmla="val 50000"/>
+            </a:avLst>
+          </a:prstGeom>
+          <a:ln w="12700">
+            <a:solidFill>
+              <a:schemeClr val="tx1"/>
+            </a:solidFill>
+          </a:ln>
+        </p:spPr>
+        <p:style>
+          <a:lnRef idx="1">
+            <a:schemeClr val="accent1"/>
+          </a:lnRef>
+          <a:fillRef idx="0">
+            <a:schemeClr val="accent1"/>
+          </a:fillRef>
+          <a:effectRef idx="0">
+            <a:schemeClr val="accent1"/>
+          </a:effectRef>
+          <a:fontRef idx="minor">
+            <a:schemeClr val="tx1"/>
+          </a:fontRef>
+        </p:style>
+      </p:cxnSp>
+      <p:sp>
+        <p:nvSpPr>
+          <p:cNvPr id="21" name="TextBox 20">
+            <a:extLst>
+              <a:ext uri="{FF2B5EF4-FFF2-40B4-BE49-F238E27FC236}">
+                <a16:creationId xmlns:a16="http://schemas.microsoft.com/office/drawing/2014/main" id="{A8F0A1E5-1099-7203-EF65-828FC6C9B5A6}"/>
+              </a:ext>
+            </a:extLst>
+          </p:cNvPr>
+          <p:cNvSpPr txBox="1"/>
+          <p:nvPr/>
+        </p:nvSpPr>
+        <p:spPr>
+          <a:xfrm>
+            <a:off x="2251831" y="-929099"/>
+            <a:ext cx="8214246" cy="523220"/>
+          </a:xfrm>
+          <a:prstGeom prst="rect">
+            <a:avLst/>
+          </a:prstGeom>
+          <a:noFill/>
+        </p:spPr>
+        <p:txBody>
+          <a:bodyPr wrap="square" rtlCol="0">
+            <a:spAutoFit/>
+          </a:bodyPr>
+          <a:lstStyle/>
+          <a:p>
+            <a:pPr algn="ctr"/>
+            <a:r>
+              <a:rPr kumimoji="1" lang="en-US" altLang="ko-Kore-KR" sz="2800">
+                <a:cs typeface="Microsoft Himalaya" pitchFamily="2" charset="0"/>
+              </a:rPr>
+              <a:t>Then, is a new insight presented by ghOSt? </a:t>
+            </a:r>
+            <a:endParaRPr kumimoji="1" lang="ko-Kore-KR" altLang="en-US" sz="2800">
+              <a:cs typeface="Microsoft Himalaya" pitchFamily="2" charset="0"/>
+            </a:endParaRPr>
+          </a:p>
+        </p:txBody>
+      </p:sp>
+      <p:sp>
+        <p:nvSpPr>
+          <p:cNvPr id="22" name="타원 21">
+            <a:extLst>
+              <a:ext uri="{FF2B5EF4-FFF2-40B4-BE49-F238E27FC236}">
+                <a16:creationId xmlns:a16="http://schemas.microsoft.com/office/drawing/2014/main" id="{4C508DF5-D81D-1B29-3261-B9B15C155BE4}"/>
+              </a:ext>
+            </a:extLst>
+          </p:cNvPr>
+          <p:cNvSpPr/>
+          <p:nvPr/>
+        </p:nvSpPr>
+        <p:spPr>
+          <a:xfrm>
+            <a:off x="2394058" y="-1198896"/>
+            <a:ext cx="7846783" cy="1129346"/>
+          </a:xfrm>
+          <a:prstGeom prst="ellipse">
+            <a:avLst/>
+          </a:prstGeom>
+          <a:noFill/>
+          <a:ln w="19050">
+            <a:solidFill>
+              <a:schemeClr val="tx1"/>
+            </a:solidFill>
+          </a:ln>
+        </p:spPr>
+        <p:style>
+          <a:lnRef idx="2">
+            <a:schemeClr val="accent1">
+              <a:shade val="15000"/>
+            </a:schemeClr>
+          </a:lnRef>
+          <a:fillRef idx="1">
+            <a:schemeClr val="accent1"/>
+          </a:fillRef>
+          <a:effectRef idx="0">
+            <a:schemeClr val="accent1"/>
+          </a:effectRef>
+          <a:fontRef idx="minor">
+            <a:schemeClr val="lt1"/>
+          </a:fontRef>
+        </p:style>
+        <p:txBody>
+          <a:bodyPr rtlCol="0" anchor="ctr"/>
+          <a:lstStyle/>
+          <a:p>
+            <a:pPr algn="ctr"/>
+            <a:endParaRPr kumimoji="1" lang="ko-Kore-KR" altLang="en-US"/>
+          </a:p>
+        </p:txBody>
+      </p:sp>
+      <p:cxnSp>
+        <p:nvCxnSpPr>
+          <p:cNvPr id="23" name="구부러진 연결선[U] 22">
+            <a:extLst>
+              <a:ext uri="{FF2B5EF4-FFF2-40B4-BE49-F238E27FC236}">
+                <a16:creationId xmlns:a16="http://schemas.microsoft.com/office/drawing/2014/main" id="{76975E94-9776-4206-E3F2-A9C416308400}"/>
+              </a:ext>
+            </a:extLst>
+          </p:cNvPr>
+          <p:cNvCxnSpPr>
+            <a:cxnSpLocks/>
+            <a:stCxn id="19" idx="4"/>
+            <a:endCxn id="22" idx="0"/>
+          </p:cNvCxnSpPr>
+          <p:nvPr/>
+        </p:nvCxnSpPr>
+        <p:spPr>
+          <a:xfrm rot="5400000">
+            <a:off x="6115036" y="-1623998"/>
+            <a:ext cx="627517" cy="222687"/>
+          </a:xfrm>
+          <a:prstGeom prst="curvedConnector3">
+            <a:avLst>
+              <a:gd name="adj1" fmla="val 50000"/>
+            </a:avLst>
+          </a:prstGeom>
+          <a:ln w="12700">
+            <a:solidFill>
+              <a:schemeClr val="tx1"/>
+            </a:solidFill>
+          </a:ln>
+        </p:spPr>
+        <p:style>
+          <a:lnRef idx="1">
+            <a:schemeClr val="accent1"/>
+          </a:lnRef>
+          <a:fillRef idx="0">
+            <a:schemeClr val="accent1"/>
+          </a:fillRef>
+          <a:effectRef idx="0">
+            <a:schemeClr val="accent1"/>
+          </a:effectRef>
+          <a:fontRef idx="minor">
+            <a:schemeClr val="tx1"/>
+          </a:fontRef>
+        </p:style>
+      </p:cxnSp>
+      <p:sp>
+        <p:nvSpPr>
+          <p:cNvPr id="24" name="TextBox 23">
+            <a:extLst>
+              <a:ext uri="{FF2B5EF4-FFF2-40B4-BE49-F238E27FC236}">
+                <a16:creationId xmlns:a16="http://schemas.microsoft.com/office/drawing/2014/main" id="{D9CCB771-34F4-DECE-EB41-D9D9451BBE6B}"/>
+              </a:ext>
+            </a:extLst>
+          </p:cNvPr>
+          <p:cNvSpPr txBox="1"/>
+          <p:nvPr/>
+        </p:nvSpPr>
+        <p:spPr>
+          <a:xfrm>
+            <a:off x="2590673" y="557967"/>
+            <a:ext cx="8214246" cy="954107"/>
+          </a:xfrm>
+          <a:prstGeom prst="rect">
+            <a:avLst/>
+          </a:prstGeom>
+          <a:noFill/>
+        </p:spPr>
+        <p:txBody>
+          <a:bodyPr wrap="square" rtlCol="0">
+            <a:spAutoFit/>
+          </a:bodyPr>
+          <a:lstStyle/>
+          <a:p>
+            <a:pPr algn="ctr"/>
+            <a:r>
+              <a:rPr kumimoji="1" lang="en-US" altLang="ko-Kore-KR" sz="2800">
+                <a:cs typeface="Microsoft Himalaya" pitchFamily="2" charset="0"/>
+              </a:rPr>
+              <a:t>What has been done before in the same context as this fundamental insight?</a:t>
+            </a:r>
+            <a:endParaRPr kumimoji="1" lang="ko-Kore-KR" altLang="en-US" sz="2800">
+              <a:cs typeface="Microsoft Himalaya" pitchFamily="2" charset="0"/>
+            </a:endParaRPr>
+          </a:p>
+        </p:txBody>
+      </p:sp>
+      <p:sp>
+        <p:nvSpPr>
+          <p:cNvPr id="26" name="타원 25">
+            <a:extLst>
+              <a:ext uri="{FF2B5EF4-FFF2-40B4-BE49-F238E27FC236}">
+                <a16:creationId xmlns:a16="http://schemas.microsoft.com/office/drawing/2014/main" id="{74D3F31D-3F9C-6321-18F1-2C57945CDF24}"/>
+              </a:ext>
+            </a:extLst>
+          </p:cNvPr>
+          <p:cNvSpPr/>
+          <p:nvPr/>
+        </p:nvSpPr>
+        <p:spPr>
+          <a:xfrm>
+            <a:off x="2018006" y="263090"/>
+            <a:ext cx="9055117" cy="1401639"/>
+          </a:xfrm>
+          <a:prstGeom prst="ellipse">
+            <a:avLst/>
+          </a:prstGeom>
+          <a:noFill/>
+          <a:ln w="19050">
+            <a:solidFill>
+              <a:schemeClr val="tx1"/>
+            </a:solidFill>
+          </a:ln>
+        </p:spPr>
+        <p:style>
+          <a:lnRef idx="2">
+            <a:schemeClr val="accent1">
+              <a:shade val="15000"/>
+            </a:schemeClr>
+          </a:lnRef>
+          <a:fillRef idx="1">
+            <a:schemeClr val="accent1"/>
+          </a:fillRef>
+          <a:effectRef idx="0">
+            <a:schemeClr val="accent1"/>
+          </a:effectRef>
+          <a:fontRef idx="minor">
+            <a:schemeClr val="lt1"/>
+          </a:fontRef>
+        </p:style>
+        <p:txBody>
+          <a:bodyPr rtlCol="0" anchor="ctr"/>
+          <a:lstStyle/>
+          <a:p>
+            <a:pPr algn="ctr"/>
+            <a:endParaRPr kumimoji="1" lang="ko-Kore-KR" altLang="en-US"/>
+          </a:p>
+        </p:txBody>
+      </p:sp>
+      <p:cxnSp>
+        <p:nvCxnSpPr>
+          <p:cNvPr id="27" name="구부러진 연결선[U] 26">
+            <a:extLst>
+              <a:ext uri="{FF2B5EF4-FFF2-40B4-BE49-F238E27FC236}">
+                <a16:creationId xmlns:a16="http://schemas.microsoft.com/office/drawing/2014/main" id="{9E36E546-0899-D82E-3FE4-1D54F088F523}"/>
+              </a:ext>
+            </a:extLst>
+          </p:cNvPr>
+          <p:cNvCxnSpPr>
+            <a:cxnSpLocks/>
+            <a:stCxn id="22" idx="4"/>
+            <a:endCxn id="26" idx="0"/>
+          </p:cNvCxnSpPr>
+          <p:nvPr/>
+        </p:nvCxnSpPr>
+        <p:spPr>
+          <a:xfrm rot="16200000" flipH="1">
+            <a:off x="6265187" y="-17288"/>
+            <a:ext cx="332640" cy="228115"/>
+          </a:xfrm>
+          <a:prstGeom prst="curvedConnector3">
+            <a:avLst>
+              <a:gd name="adj1" fmla="val 50000"/>
+            </a:avLst>
+          </a:prstGeom>
+          <a:ln w="12700">
+            <a:solidFill>
+              <a:schemeClr val="tx1"/>
+            </a:solidFill>
+          </a:ln>
+        </p:spPr>
+        <p:style>
+          <a:lnRef idx="1">
+            <a:schemeClr val="accent1"/>
+          </a:lnRef>
+          <a:fillRef idx="0">
+            <a:schemeClr val="accent1"/>
+          </a:fillRef>
+          <a:effectRef idx="0">
+            <a:schemeClr val="accent1"/>
+          </a:effectRef>
+          <a:fontRef idx="minor">
+            <a:schemeClr val="tx1"/>
+          </a:fontRef>
+        </p:style>
+      </p:cxnSp>
+      <p:sp>
+        <p:nvSpPr>
+          <p:cNvPr id="28" name="TextBox 27">
+            <a:extLst>
+              <a:ext uri="{FF2B5EF4-FFF2-40B4-BE49-F238E27FC236}">
+                <a16:creationId xmlns:a16="http://schemas.microsoft.com/office/drawing/2014/main" id="{0DDD4D4E-09BB-568F-D1A1-870462406F6C}"/>
+              </a:ext>
+            </a:extLst>
+          </p:cNvPr>
+          <p:cNvSpPr txBox="1"/>
+          <p:nvPr/>
+        </p:nvSpPr>
+        <p:spPr>
+          <a:xfrm>
+            <a:off x="487554" y="2084325"/>
+            <a:ext cx="3204881" cy="523220"/>
+          </a:xfrm>
+          <a:prstGeom prst="rect">
+            <a:avLst/>
+          </a:prstGeom>
+          <a:noFill/>
+        </p:spPr>
+        <p:txBody>
+          <a:bodyPr wrap="square" rtlCol="0">
+            <a:spAutoFit/>
+          </a:bodyPr>
+          <a:lstStyle/>
+          <a:p>
+            <a:pPr algn="ctr"/>
+            <a:r>
+              <a:rPr kumimoji="1" lang="en-US" altLang="ko-Kore-KR" sz="2800">
+                <a:cs typeface="Microsoft Himalaya" pitchFamily="2" charset="0"/>
+              </a:rPr>
+              <a:t>Shinjuku (NSDI’19)</a:t>
+            </a:r>
+            <a:endParaRPr kumimoji="1" lang="ko-Kore-KR" altLang="en-US" sz="2800">
+              <a:cs typeface="Microsoft Himalaya" pitchFamily="2" charset="0"/>
+            </a:endParaRPr>
+          </a:p>
+        </p:txBody>
+      </p:sp>
+      <p:sp>
+        <p:nvSpPr>
+          <p:cNvPr id="29" name="TextBox 28">
+            <a:extLst>
+              <a:ext uri="{FF2B5EF4-FFF2-40B4-BE49-F238E27FC236}">
+                <a16:creationId xmlns:a16="http://schemas.microsoft.com/office/drawing/2014/main" id="{9929AC2D-37DC-DEBA-3CFA-E5625C099E30}"/>
+              </a:ext>
+            </a:extLst>
+          </p:cNvPr>
+          <p:cNvSpPr txBox="1"/>
+          <p:nvPr/>
+        </p:nvSpPr>
+        <p:spPr>
+          <a:xfrm>
+            <a:off x="7933122" y="2160385"/>
+            <a:ext cx="3204881" cy="523220"/>
+          </a:xfrm>
+          <a:prstGeom prst="rect">
+            <a:avLst/>
+          </a:prstGeom>
+          <a:noFill/>
+        </p:spPr>
+        <p:txBody>
+          <a:bodyPr wrap="square" rtlCol="0">
+            <a:spAutoFit/>
+          </a:bodyPr>
+          <a:lstStyle/>
+          <a:p>
+            <a:pPr algn="ctr"/>
+            <a:r>
+              <a:rPr kumimoji="1" lang="en-US" altLang="ko-Kore-KR" sz="2800">
+                <a:cs typeface="Microsoft Himalaya" pitchFamily="2" charset="0"/>
+              </a:rPr>
+              <a:t>Shenango (NSDI’19)</a:t>
+            </a:r>
+            <a:endParaRPr kumimoji="1" lang="ko-Kore-KR" altLang="en-US" sz="2800">
+              <a:cs typeface="Microsoft Himalaya" pitchFamily="2" charset="0"/>
+            </a:endParaRPr>
+          </a:p>
+        </p:txBody>
+      </p:sp>
+      <p:sp>
+        <p:nvSpPr>
+          <p:cNvPr id="30" name="타원 29">
+            <a:extLst>
+              <a:ext uri="{FF2B5EF4-FFF2-40B4-BE49-F238E27FC236}">
+                <a16:creationId xmlns:a16="http://schemas.microsoft.com/office/drawing/2014/main" id="{F166912F-B6E7-5F50-788B-72324B546D7F}"/>
+              </a:ext>
+            </a:extLst>
+          </p:cNvPr>
+          <p:cNvSpPr/>
+          <p:nvPr/>
+        </p:nvSpPr>
+        <p:spPr>
+          <a:xfrm>
+            <a:off x="135905" y="1866624"/>
+            <a:ext cx="3908177" cy="995817"/>
+          </a:xfrm>
+          <a:prstGeom prst="ellipse">
+            <a:avLst/>
+          </a:prstGeom>
+          <a:noFill/>
+          <a:ln w="19050">
+            <a:solidFill>
+              <a:schemeClr val="tx1"/>
+            </a:solidFill>
+          </a:ln>
+        </p:spPr>
+        <p:style>
+          <a:lnRef idx="2">
+            <a:schemeClr val="accent1">
+              <a:shade val="15000"/>
+            </a:schemeClr>
+          </a:lnRef>
+          <a:fillRef idx="1">
+            <a:schemeClr val="accent1"/>
+          </a:fillRef>
+          <a:effectRef idx="0">
+            <a:schemeClr val="accent1"/>
+          </a:effectRef>
+          <a:fontRef idx="minor">
+            <a:schemeClr val="lt1"/>
+          </a:fontRef>
+        </p:style>
+        <p:txBody>
+          <a:bodyPr rtlCol="0" anchor="ctr"/>
+          <a:lstStyle/>
+          <a:p>
+            <a:pPr algn="ctr"/>
+            <a:endParaRPr kumimoji="1" lang="ko-Kore-KR" altLang="en-US"/>
+          </a:p>
+        </p:txBody>
+      </p:sp>
+      <p:sp>
+        <p:nvSpPr>
+          <p:cNvPr id="31" name="타원 30">
+            <a:extLst>
+              <a:ext uri="{FF2B5EF4-FFF2-40B4-BE49-F238E27FC236}">
+                <a16:creationId xmlns:a16="http://schemas.microsoft.com/office/drawing/2014/main" id="{617C82A1-8890-6A0F-E4B7-18F99B206562}"/>
+              </a:ext>
+            </a:extLst>
+          </p:cNvPr>
+          <p:cNvSpPr/>
+          <p:nvPr/>
+        </p:nvSpPr>
+        <p:spPr>
+          <a:xfrm>
+            <a:off x="7581473" y="1862430"/>
+            <a:ext cx="3908177" cy="1119129"/>
+          </a:xfrm>
+          <a:prstGeom prst="ellipse">
+            <a:avLst/>
+          </a:prstGeom>
+          <a:noFill/>
+          <a:ln w="19050">
+            <a:solidFill>
+              <a:schemeClr val="tx1"/>
+            </a:solidFill>
+          </a:ln>
+        </p:spPr>
+        <p:style>
+          <a:lnRef idx="2">
+            <a:schemeClr val="accent1">
+              <a:shade val="15000"/>
+            </a:schemeClr>
+          </a:lnRef>
+          <a:fillRef idx="1">
+            <a:schemeClr val="accent1"/>
+          </a:fillRef>
+          <a:effectRef idx="0">
+            <a:schemeClr val="accent1"/>
+          </a:effectRef>
+          <a:fontRef idx="minor">
+            <a:schemeClr val="lt1"/>
+          </a:fontRef>
+        </p:style>
+        <p:txBody>
+          <a:bodyPr rtlCol="0" anchor="ctr"/>
+          <a:lstStyle/>
+          <a:p>
+            <a:pPr algn="ctr"/>
+            <a:endParaRPr kumimoji="1" lang="ko-Kore-KR" altLang="en-US"/>
+          </a:p>
+        </p:txBody>
+      </p:sp>
+      <p:cxnSp>
+        <p:nvCxnSpPr>
+          <p:cNvPr id="32" name="구부러진 연결선[U] 31">
+            <a:extLst>
+              <a:ext uri="{FF2B5EF4-FFF2-40B4-BE49-F238E27FC236}">
+                <a16:creationId xmlns:a16="http://schemas.microsoft.com/office/drawing/2014/main" id="{0FA6A2C1-43D1-0884-A5FB-038055760498}"/>
+              </a:ext>
+            </a:extLst>
+          </p:cNvPr>
+          <p:cNvCxnSpPr>
+            <a:cxnSpLocks/>
+            <a:stCxn id="26" idx="4"/>
+            <a:endCxn id="30" idx="7"/>
+          </p:cNvCxnSpPr>
+          <p:nvPr/>
+        </p:nvCxnSpPr>
+        <p:spPr>
+          <a:xfrm rot="5400000">
+            <a:off x="4834790" y="301682"/>
+            <a:ext cx="347729" cy="3073822"/>
+          </a:xfrm>
+          <a:prstGeom prst="curvedConnector3">
+            <a:avLst>
+              <a:gd name="adj1" fmla="val 50000"/>
+            </a:avLst>
+          </a:prstGeom>
+          <a:ln w="12700">
+            <a:solidFill>
+              <a:schemeClr val="tx1"/>
+            </a:solidFill>
+          </a:ln>
+        </p:spPr>
+        <p:style>
+          <a:lnRef idx="1">
+            <a:schemeClr val="accent1"/>
+          </a:lnRef>
+          <a:fillRef idx="0">
+            <a:schemeClr val="accent1"/>
+          </a:fillRef>
+          <a:effectRef idx="0">
+            <a:schemeClr val="accent1"/>
+          </a:effectRef>
+          <a:fontRef idx="minor">
+            <a:schemeClr val="tx1"/>
+          </a:fontRef>
+        </p:style>
+      </p:cxnSp>
+      <p:cxnSp>
+        <p:nvCxnSpPr>
+          <p:cNvPr id="36" name="구부러진 연결선[U] 35">
+            <a:extLst>
+              <a:ext uri="{FF2B5EF4-FFF2-40B4-BE49-F238E27FC236}">
+                <a16:creationId xmlns:a16="http://schemas.microsoft.com/office/drawing/2014/main" id="{C5D9A6FC-E9BC-6EBD-9993-BDFAE3CE0B23}"/>
+              </a:ext>
+            </a:extLst>
+          </p:cNvPr>
+          <p:cNvCxnSpPr>
+            <a:cxnSpLocks/>
+            <a:stCxn id="26" idx="4"/>
+            <a:endCxn id="31" idx="1"/>
+          </p:cNvCxnSpPr>
+          <p:nvPr/>
+        </p:nvCxnSpPr>
+        <p:spPr>
+          <a:xfrm rot="16200000" flipH="1">
+            <a:off x="7168891" y="1041402"/>
+            <a:ext cx="361594" cy="1608247"/>
+          </a:xfrm>
+          <a:prstGeom prst="curvedConnector3">
+            <a:avLst>
+              <a:gd name="adj1" fmla="val 50000"/>
+            </a:avLst>
+          </a:prstGeom>
+          <a:ln w="12700">
+            <a:solidFill>
+              <a:schemeClr val="tx1"/>
+            </a:solidFill>
+          </a:ln>
+        </p:spPr>
+        <p:style>
+          <a:lnRef idx="1">
+            <a:schemeClr val="accent1"/>
+          </a:lnRef>
+          <a:fillRef idx="0">
+            <a:schemeClr val="accent1"/>
+          </a:fillRef>
+          <a:effectRef idx="0">
+            <a:schemeClr val="accent1"/>
+          </a:effectRef>
+          <a:fontRef idx="minor">
+            <a:schemeClr val="tx1"/>
+          </a:fontRef>
+        </p:style>
+      </p:cxnSp>
+      <p:sp>
+        <p:nvSpPr>
+          <p:cNvPr id="33" name="TextBox 32">
+            <a:extLst>
+              <a:ext uri="{FF2B5EF4-FFF2-40B4-BE49-F238E27FC236}">
+                <a16:creationId xmlns:a16="http://schemas.microsoft.com/office/drawing/2014/main" id="{FFA78C2B-2085-4F99-ECBB-8BCB959226F9}"/>
+              </a:ext>
+            </a:extLst>
+          </p:cNvPr>
+          <p:cNvSpPr txBox="1"/>
+          <p:nvPr/>
+        </p:nvSpPr>
+        <p:spPr>
+          <a:xfrm>
+            <a:off x="838015" y="3219966"/>
+            <a:ext cx="3204881" cy="954107"/>
+          </a:xfrm>
+          <a:prstGeom prst="rect">
+            <a:avLst/>
+          </a:prstGeom>
+          <a:noFill/>
+        </p:spPr>
+        <p:txBody>
+          <a:bodyPr wrap="square" rtlCol="0">
+            <a:spAutoFit/>
+          </a:bodyPr>
+          <a:lstStyle/>
+          <a:p>
+            <a:pPr algn="ctr"/>
+            <a:r>
+              <a:rPr kumimoji="1" lang="en-US" altLang="ko-Kore-KR" sz="2800">
+                <a:cs typeface="Microsoft Himalaya" pitchFamily="2" charset="0"/>
+              </a:rPr>
+              <a:t>This aims to reduce tail latency</a:t>
+            </a:r>
+            <a:endParaRPr kumimoji="1" lang="ko-Kore-KR" altLang="en-US" sz="2800">
+              <a:cs typeface="Microsoft Himalaya" pitchFamily="2" charset="0"/>
+            </a:endParaRPr>
+          </a:p>
+        </p:txBody>
+      </p:sp>
+      <p:sp>
+        <p:nvSpPr>
+          <p:cNvPr id="34" name="TextBox 33">
+            <a:extLst>
+              <a:ext uri="{FF2B5EF4-FFF2-40B4-BE49-F238E27FC236}">
+                <a16:creationId xmlns:a16="http://schemas.microsoft.com/office/drawing/2014/main" id="{59BCA000-913F-8261-C36B-17098CC79AC2}"/>
+              </a:ext>
+            </a:extLst>
+          </p:cNvPr>
+          <p:cNvSpPr txBox="1"/>
+          <p:nvPr/>
+        </p:nvSpPr>
+        <p:spPr>
+          <a:xfrm>
+            <a:off x="1089088" y="4633827"/>
+            <a:ext cx="3204881" cy="523220"/>
+          </a:xfrm>
+          <a:prstGeom prst="rect">
+            <a:avLst/>
+          </a:prstGeom>
+          <a:noFill/>
+        </p:spPr>
+        <p:txBody>
+          <a:bodyPr wrap="square" rtlCol="0">
+            <a:spAutoFit/>
+          </a:bodyPr>
+          <a:lstStyle/>
+          <a:p>
+            <a:pPr algn="ctr"/>
+            <a:r>
+              <a:rPr kumimoji="1" lang="en-US" altLang="ko-Kore-KR" sz="2800">
+                <a:cs typeface="Microsoft Himalaya" pitchFamily="2" charset="0"/>
+              </a:rPr>
+              <a:t>by using preemption</a:t>
+            </a:r>
+            <a:endParaRPr kumimoji="1" lang="ko-Kore-KR" altLang="en-US" sz="2800">
+              <a:cs typeface="Microsoft Himalaya" pitchFamily="2" charset="0"/>
+            </a:endParaRPr>
+          </a:p>
+        </p:txBody>
+      </p:sp>
+      <p:sp>
+        <p:nvSpPr>
+          <p:cNvPr id="35" name="타원 34">
+            <a:extLst>
+              <a:ext uri="{FF2B5EF4-FFF2-40B4-BE49-F238E27FC236}">
+                <a16:creationId xmlns:a16="http://schemas.microsoft.com/office/drawing/2014/main" id="{A15D6614-3DB7-201E-F368-7A70F0315F77}"/>
+              </a:ext>
+            </a:extLst>
+          </p:cNvPr>
+          <p:cNvSpPr/>
+          <p:nvPr/>
+        </p:nvSpPr>
+        <p:spPr>
+          <a:xfrm>
+            <a:off x="350347" y="3105973"/>
+            <a:ext cx="4292555" cy="1182095"/>
+          </a:xfrm>
+          <a:prstGeom prst="ellipse">
+            <a:avLst/>
+          </a:prstGeom>
+          <a:noFill/>
+          <a:ln w="19050">
+            <a:solidFill>
+              <a:schemeClr val="tx1"/>
+            </a:solidFill>
+          </a:ln>
+        </p:spPr>
+        <p:style>
+          <a:lnRef idx="2">
+            <a:schemeClr val="accent1">
+              <a:shade val="15000"/>
+            </a:schemeClr>
+          </a:lnRef>
+          <a:fillRef idx="1">
+            <a:schemeClr val="accent1"/>
+          </a:fillRef>
+          <a:effectRef idx="0">
+            <a:schemeClr val="accent1"/>
+          </a:effectRef>
+          <a:fontRef idx="minor">
+            <a:schemeClr val="lt1"/>
+          </a:fontRef>
+        </p:style>
+        <p:txBody>
+          <a:bodyPr rtlCol="0" anchor="ctr"/>
+          <a:lstStyle/>
+          <a:p>
+            <a:pPr algn="ctr"/>
+            <a:endParaRPr kumimoji="1" lang="ko-Kore-KR" altLang="en-US"/>
+          </a:p>
+        </p:txBody>
+      </p:sp>
+      <p:sp>
+        <p:nvSpPr>
+          <p:cNvPr id="37" name="타원 36">
+            <a:extLst>
+              <a:ext uri="{FF2B5EF4-FFF2-40B4-BE49-F238E27FC236}">
+                <a16:creationId xmlns:a16="http://schemas.microsoft.com/office/drawing/2014/main" id="{2690EA10-18E0-A5E0-C3E6-73D7ECE008F3}"/>
+              </a:ext>
+            </a:extLst>
+          </p:cNvPr>
+          <p:cNvSpPr/>
+          <p:nvPr/>
+        </p:nvSpPr>
+        <p:spPr>
+          <a:xfrm>
+            <a:off x="572292" y="4604020"/>
+            <a:ext cx="4292555" cy="658576"/>
+          </a:xfrm>
+          <a:prstGeom prst="ellipse">
+            <a:avLst/>
+          </a:prstGeom>
+          <a:noFill/>
+          <a:ln w="19050">
+            <a:solidFill>
+              <a:schemeClr val="tx1"/>
+            </a:solidFill>
+          </a:ln>
+        </p:spPr>
+        <p:style>
+          <a:lnRef idx="2">
+            <a:schemeClr val="accent1">
+              <a:shade val="15000"/>
+            </a:schemeClr>
+          </a:lnRef>
+          <a:fillRef idx="1">
+            <a:schemeClr val="accent1"/>
+          </a:fillRef>
+          <a:effectRef idx="0">
+            <a:schemeClr val="accent1"/>
+          </a:effectRef>
+          <a:fontRef idx="minor">
+            <a:schemeClr val="lt1"/>
+          </a:fontRef>
+        </p:style>
+        <p:txBody>
+          <a:bodyPr rtlCol="0" anchor="ctr"/>
+          <a:lstStyle/>
+          <a:p>
+            <a:pPr algn="ctr"/>
+            <a:endParaRPr kumimoji="1" lang="ko-Kore-KR" altLang="en-US"/>
+          </a:p>
+        </p:txBody>
+      </p:sp>
+      <p:cxnSp>
+        <p:nvCxnSpPr>
+          <p:cNvPr id="38" name="구부러진 연결선[U] 37">
+            <a:extLst>
+              <a:ext uri="{FF2B5EF4-FFF2-40B4-BE49-F238E27FC236}">
+                <a16:creationId xmlns:a16="http://schemas.microsoft.com/office/drawing/2014/main" id="{13AC39C0-14DB-2AF1-A28B-B9EBBC4A861B}"/>
+              </a:ext>
+            </a:extLst>
+          </p:cNvPr>
+          <p:cNvCxnSpPr>
+            <a:cxnSpLocks/>
+            <a:stCxn id="30" idx="4"/>
+            <a:endCxn id="35" idx="0"/>
+          </p:cNvCxnSpPr>
+          <p:nvPr/>
+        </p:nvCxnSpPr>
+        <p:spPr>
+          <a:xfrm rot="16200000" flipH="1">
+            <a:off x="2171543" y="2780891"/>
+            <a:ext cx="243532" cy="406631"/>
+          </a:xfrm>
+          <a:prstGeom prst="curvedConnector3">
+            <a:avLst>
+              <a:gd name="adj1" fmla="val 50000"/>
+            </a:avLst>
+          </a:prstGeom>
+          <a:ln w="12700">
+            <a:solidFill>
+              <a:schemeClr val="tx1"/>
+            </a:solidFill>
+          </a:ln>
+        </p:spPr>
+        <p:style>
+          <a:lnRef idx="1">
+            <a:schemeClr val="accent1"/>
+          </a:lnRef>
+          <a:fillRef idx="0">
+            <a:schemeClr val="accent1"/>
+          </a:fillRef>
+          <a:effectRef idx="0">
+            <a:schemeClr val="accent1"/>
+          </a:effectRef>
+          <a:fontRef idx="minor">
+            <a:schemeClr val="tx1"/>
+          </a:fontRef>
+        </p:style>
+      </p:cxnSp>
+      <p:cxnSp>
+        <p:nvCxnSpPr>
+          <p:cNvPr id="41" name="구부러진 연결선[U] 40">
+            <a:extLst>
+              <a:ext uri="{FF2B5EF4-FFF2-40B4-BE49-F238E27FC236}">
+                <a16:creationId xmlns:a16="http://schemas.microsoft.com/office/drawing/2014/main" id="{FD9541C7-9994-2CD6-3DDF-B95148A9AAE9}"/>
+              </a:ext>
+            </a:extLst>
+          </p:cNvPr>
+          <p:cNvCxnSpPr>
+            <a:cxnSpLocks/>
+            <a:stCxn id="35" idx="4"/>
+            <a:endCxn id="37" idx="0"/>
+          </p:cNvCxnSpPr>
+          <p:nvPr/>
+        </p:nvCxnSpPr>
+        <p:spPr>
+          <a:xfrm rot="16200000" flipH="1">
+            <a:off x="2449621" y="4335071"/>
+            <a:ext cx="315952" cy="221945"/>
+          </a:xfrm>
+          <a:prstGeom prst="curvedConnector3">
+            <a:avLst>
+              <a:gd name="adj1" fmla="val 50000"/>
+            </a:avLst>
+          </a:prstGeom>
+          <a:ln w="12700">
+            <a:solidFill>
+              <a:schemeClr val="tx1"/>
+            </a:solidFill>
+          </a:ln>
+        </p:spPr>
+        <p:style>
+          <a:lnRef idx="1">
+            <a:schemeClr val="accent1"/>
+          </a:lnRef>
+          <a:fillRef idx="0">
+            <a:schemeClr val="accent1"/>
+          </a:fillRef>
+          <a:effectRef idx="0">
+            <a:schemeClr val="accent1"/>
+          </a:effectRef>
+          <a:fontRef idx="minor">
+            <a:schemeClr val="tx1"/>
+          </a:fontRef>
+        </p:style>
+      </p:cxnSp>
+      <p:sp>
+        <p:nvSpPr>
+          <p:cNvPr id="47" name="TextBox 46">
+            <a:extLst>
+              <a:ext uri="{FF2B5EF4-FFF2-40B4-BE49-F238E27FC236}">
+                <a16:creationId xmlns:a16="http://schemas.microsoft.com/office/drawing/2014/main" id="{33474C49-97E1-CFFB-025F-1FA7B211DA76}"/>
+              </a:ext>
+            </a:extLst>
+          </p:cNvPr>
+          <p:cNvSpPr txBox="1"/>
+          <p:nvPr/>
+        </p:nvSpPr>
+        <p:spPr>
+          <a:xfrm>
+            <a:off x="807957" y="5705495"/>
+            <a:ext cx="4532051" cy="954107"/>
+          </a:xfrm>
+          <a:prstGeom prst="rect">
+            <a:avLst/>
+          </a:prstGeom>
+          <a:noFill/>
+        </p:spPr>
+        <p:txBody>
+          <a:bodyPr wrap="square" rtlCol="0">
+            <a:spAutoFit/>
+          </a:bodyPr>
+          <a:lstStyle/>
+          <a:p>
+            <a:pPr algn="ctr"/>
+            <a:r>
+              <a:rPr kumimoji="1" lang="en-US" altLang="ko-Kore-KR" sz="2800">
+                <a:cs typeface="Microsoft Himalaya" pitchFamily="2" charset="0"/>
+              </a:rPr>
+              <a:t>To do this in microseconds, kernel bypass is used</a:t>
+            </a:r>
+            <a:endParaRPr kumimoji="1" lang="ko-Kore-KR" altLang="en-US" sz="2800">
+              <a:cs typeface="Microsoft Himalaya" pitchFamily="2" charset="0"/>
+            </a:endParaRPr>
+          </a:p>
+        </p:txBody>
+      </p:sp>
+      <p:sp>
+        <p:nvSpPr>
+          <p:cNvPr id="49" name="타원 48">
+            <a:extLst>
+              <a:ext uri="{FF2B5EF4-FFF2-40B4-BE49-F238E27FC236}">
+                <a16:creationId xmlns:a16="http://schemas.microsoft.com/office/drawing/2014/main" id="{64D4E8C8-D197-58E8-4C01-CF7F1EB7A512}"/>
+              </a:ext>
+            </a:extLst>
+          </p:cNvPr>
+          <p:cNvSpPr/>
+          <p:nvPr/>
+        </p:nvSpPr>
+        <p:spPr>
+          <a:xfrm>
+            <a:off x="487554" y="5629754"/>
+            <a:ext cx="5045341" cy="1052113"/>
+          </a:xfrm>
+          <a:prstGeom prst="ellipse">
+            <a:avLst/>
+          </a:prstGeom>
+          <a:noFill/>
+          <a:ln w="19050">
+            <a:solidFill>
+              <a:schemeClr val="tx1"/>
+            </a:solidFill>
+          </a:ln>
+        </p:spPr>
+        <p:style>
+          <a:lnRef idx="2">
+            <a:schemeClr val="accent1">
+              <a:shade val="15000"/>
+            </a:schemeClr>
+          </a:lnRef>
+          <a:fillRef idx="1">
+            <a:schemeClr val="accent1"/>
+          </a:fillRef>
+          <a:effectRef idx="0">
+            <a:schemeClr val="accent1"/>
+          </a:effectRef>
+          <a:fontRef idx="minor">
+            <a:schemeClr val="lt1"/>
+          </a:fontRef>
+        </p:style>
+        <p:txBody>
+          <a:bodyPr rtlCol="0" anchor="ctr"/>
+          <a:lstStyle/>
+          <a:p>
+            <a:pPr algn="ctr"/>
+            <a:endParaRPr kumimoji="1" lang="ko-Kore-KR" altLang="en-US"/>
+          </a:p>
+        </p:txBody>
+      </p:sp>
+      <p:cxnSp>
+        <p:nvCxnSpPr>
+          <p:cNvPr id="51" name="구부러진 연결선[U] 50">
+            <a:extLst>
+              <a:ext uri="{FF2B5EF4-FFF2-40B4-BE49-F238E27FC236}">
+                <a16:creationId xmlns:a16="http://schemas.microsoft.com/office/drawing/2014/main" id="{0E8CC977-565A-FD9E-C784-E67D9ED4EF2D}"/>
+              </a:ext>
+            </a:extLst>
+          </p:cNvPr>
+          <p:cNvCxnSpPr>
+            <a:cxnSpLocks/>
+            <a:stCxn id="37" idx="4"/>
+            <a:endCxn id="49" idx="0"/>
+          </p:cNvCxnSpPr>
+          <p:nvPr/>
+        </p:nvCxnSpPr>
+        <p:spPr>
+          <a:xfrm rot="16200000" flipH="1">
+            <a:off x="2680818" y="5300347"/>
+            <a:ext cx="367158" cy="291655"/>
+          </a:xfrm>
+          <a:prstGeom prst="curvedConnector3">
+            <a:avLst>
+              <a:gd name="adj1" fmla="val 50000"/>
+            </a:avLst>
+          </a:prstGeom>
+          <a:ln w="12700">
+            <a:solidFill>
+              <a:schemeClr val="tx1"/>
+            </a:solidFill>
+          </a:ln>
+        </p:spPr>
+        <p:style>
+          <a:lnRef idx="1">
+            <a:schemeClr val="accent1"/>
+          </a:lnRef>
+          <a:fillRef idx="0">
+            <a:schemeClr val="accent1"/>
+          </a:fillRef>
+          <a:effectRef idx="0">
+            <a:schemeClr val="accent1"/>
+          </a:effectRef>
+          <a:fontRef idx="minor">
+            <a:schemeClr val="tx1"/>
+          </a:fontRef>
+        </p:style>
+      </p:cxnSp>
+    </p:spTree>
+    <p:extLst>
+      <p:ext uri="{BB962C8B-B14F-4D97-AF65-F5344CB8AC3E}">
+        <p14:creationId xmlns:p14="http://schemas.microsoft.com/office/powerpoint/2010/main" val="3395346037"/>
+      </p:ext>
+    </p:extLst>
+  </p:cSld>
+  <p:clrMapOvr>
+    <a:masterClrMapping/>
+  </p:clrMapOvr>
+  <mc:AlternateContent xmlns:mc="http://schemas.openxmlformats.org/markup-compatibility/2006">
+    <mc:Choice xmlns:p159="http://schemas.microsoft.com/office/powerpoint/2015/09/main" Requires="p159">
+      <p:transition spd="slow" advClick="0">
+        <p159:morph option="byObject"/>
+      </p:transition>
+    </mc:Choice>
+    <mc:Fallback>
       <p:transition spd="slow" advClick="0">
         <p:fade/>
       </p:transition>

--- a/operating_system/ghOSt/ghOSt.pptx
+++ b/operating_system/ghOSt/ghOSt.pptx
@@ -25,6 +25,11 @@
     <p:sldId id="284" r:id="rId19"/>
     <p:sldId id="285" r:id="rId20"/>
     <p:sldId id="286" r:id="rId21"/>
+    <p:sldId id="287" r:id="rId22"/>
+    <p:sldId id="288" r:id="rId23"/>
+    <p:sldId id="289" r:id="rId24"/>
+    <p:sldId id="290" r:id="rId25"/>
+    <p:sldId id="291" r:id="rId26"/>
   </p:sldIdLst>
   <p:sldSz cx="12192000" cy="6858000"/>
   <p:notesSz cx="6858000" cy="9144000"/>
@@ -262,7 +267,7 @@
           <a:p>
             <a:fld id="{D2C610EC-66C9-CB43-8861-5B5E0416F5DC}" type="datetimeFigureOut">
               <a:rPr lang="en-US" altLang="ko-Kore-KR"/>
-              <a:t>12/27/23</a:t>
+              <a:t>12/28/23</a:t>
             </a:fld>
             <a:endParaRPr kumimoji="1" lang="ko-Kore-KR" altLang="en-US"/>
           </a:p>
@@ -432,7 +437,7 @@
           <a:p>
             <a:fld id="{D2C610EC-66C9-CB43-8861-5B5E0416F5DC}" type="datetimeFigureOut">
               <a:rPr lang="en-US" altLang="ko-Kore-KR"/>
-              <a:t>12/27/23</a:t>
+              <a:t>12/28/23</a:t>
             </a:fld>
             <a:endParaRPr kumimoji="1" lang="ko-Kore-KR" altLang="en-US"/>
           </a:p>
@@ -612,7 +617,7 @@
           <a:p>
             <a:fld id="{D2C610EC-66C9-CB43-8861-5B5E0416F5DC}" type="datetimeFigureOut">
               <a:rPr lang="en-US" altLang="ko-Kore-KR"/>
-              <a:t>12/27/23</a:t>
+              <a:t>12/28/23</a:t>
             </a:fld>
             <a:endParaRPr kumimoji="1" lang="ko-Kore-KR" altLang="en-US"/>
           </a:p>
@@ -782,7 +787,7 @@
           <a:p>
             <a:fld id="{D2C610EC-66C9-CB43-8861-5B5E0416F5DC}" type="datetimeFigureOut">
               <a:rPr lang="en-US" altLang="ko-Kore-KR"/>
-              <a:t>12/27/23</a:t>
+              <a:t>12/28/23</a:t>
             </a:fld>
             <a:endParaRPr kumimoji="1" lang="ko-Kore-KR" altLang="en-US"/>
           </a:p>
@@ -1028,7 +1033,7 @@
           <a:p>
             <a:fld id="{D2C610EC-66C9-CB43-8861-5B5E0416F5DC}" type="datetimeFigureOut">
               <a:rPr lang="en-US" altLang="ko-Kore-KR"/>
-              <a:t>12/27/23</a:t>
+              <a:t>12/28/23</a:t>
             </a:fld>
             <a:endParaRPr kumimoji="1" lang="ko-Kore-KR" altLang="en-US"/>
           </a:p>
@@ -1260,7 +1265,7 @@
           <a:p>
             <a:fld id="{D2C610EC-66C9-CB43-8861-5B5E0416F5DC}" type="datetimeFigureOut">
               <a:rPr lang="en-US" altLang="ko-Kore-KR"/>
-              <a:t>12/27/23</a:t>
+              <a:t>12/28/23</a:t>
             </a:fld>
             <a:endParaRPr kumimoji="1" lang="ko-Kore-KR" altLang="en-US"/>
           </a:p>
@@ -1627,7 +1632,7 @@
           <a:p>
             <a:fld id="{D2C610EC-66C9-CB43-8861-5B5E0416F5DC}" type="datetimeFigureOut">
               <a:rPr lang="en-US" altLang="ko-Kore-KR"/>
-              <a:t>12/27/23</a:t>
+              <a:t>12/28/23</a:t>
             </a:fld>
             <a:endParaRPr kumimoji="1" lang="ko-Kore-KR" altLang="en-US"/>
           </a:p>
@@ -1745,7 +1750,7 @@
           <a:p>
             <a:fld id="{D2C610EC-66C9-CB43-8861-5B5E0416F5DC}" type="datetimeFigureOut">
               <a:rPr lang="en-US" altLang="ko-Kore-KR"/>
-              <a:t>12/27/23</a:t>
+              <a:t>12/28/23</a:t>
             </a:fld>
             <a:endParaRPr kumimoji="1" lang="ko-Kore-KR" altLang="en-US"/>
           </a:p>
@@ -1840,7 +1845,7 @@
           <a:p>
             <a:fld id="{D2C610EC-66C9-CB43-8861-5B5E0416F5DC}" type="datetimeFigureOut">
               <a:rPr lang="en-US" altLang="ko-Kore-KR"/>
-              <a:t>12/27/23</a:t>
+              <a:t>12/28/23</a:t>
             </a:fld>
             <a:endParaRPr kumimoji="1" lang="ko-Kore-KR" altLang="en-US"/>
           </a:p>
@@ -2117,7 +2122,7 @@
           <a:p>
             <a:fld id="{D2C610EC-66C9-CB43-8861-5B5E0416F5DC}" type="datetimeFigureOut">
               <a:rPr lang="en-US" altLang="ko-Kore-KR"/>
-              <a:t>12/27/23</a:t>
+              <a:t>12/28/23</a:t>
             </a:fld>
             <a:endParaRPr kumimoji="1" lang="ko-Kore-KR" altLang="en-US"/>
           </a:p>
@@ -2374,7 +2379,7 @@
           <a:p>
             <a:fld id="{D2C610EC-66C9-CB43-8861-5B5E0416F5DC}" type="datetimeFigureOut">
               <a:rPr lang="en-US" altLang="ko-Kore-KR"/>
-              <a:t>12/27/23</a:t>
+              <a:t>12/28/23</a:t>
             </a:fld>
             <a:endParaRPr kumimoji="1" lang="ko-Kore-KR" altLang="en-US"/>
           </a:p>
@@ -2587,7 +2592,7 @@
           <a:p>
             <a:fld id="{D2C610EC-66C9-CB43-8861-5B5E0416F5DC}" type="datetimeFigureOut">
               <a:rPr lang="en-US" altLang="ko-Kore-KR"/>
-              <a:t>12/27/23</a:t>
+              <a:t>12/28/23</a:t>
             </a:fld>
             <a:endParaRPr kumimoji="1" lang="ko-Kore-KR" altLang="en-US"/>
           </a:p>
@@ -12103,13 +12108,13 @@
   <p:clrMapOvr>
     <a:masterClrMapping/>
   </p:clrMapOvr>
-  <mc:AlternateContent xmlns:mc="http://schemas.openxmlformats.org/markup-compatibility/2006">
-    <mc:Choice xmlns:p159="http://schemas.microsoft.com/office/powerpoint/2015/09/main" Requires="p159">
+  <mc:AlternateContent xmlns:mc="http://schemas.openxmlformats.org/markup-compatibility/2006" xmlns:p159="http://schemas.microsoft.com/office/powerpoint/2015/09/main">
+    <mc:Choice Requires="p159">
       <p:transition spd="slow" advClick="0">
         <p159:morph option="byObject"/>
       </p:transition>
     </mc:Choice>
-    <mc:Fallback>
+    <mc:Fallback xmlns="">
       <p:transition spd="slow" advClick="0">
         <p:fade/>
       </p:transition>
@@ -13405,13 +13410,13 @@
   <p:clrMapOvr>
     <a:masterClrMapping/>
   </p:clrMapOvr>
-  <mc:AlternateContent xmlns:mc="http://schemas.openxmlformats.org/markup-compatibility/2006">
-    <mc:Choice xmlns:p159="http://schemas.microsoft.com/office/powerpoint/2015/09/main" Requires="p159">
+  <mc:AlternateContent xmlns:mc="http://schemas.openxmlformats.org/markup-compatibility/2006" xmlns:p159="http://schemas.microsoft.com/office/powerpoint/2015/09/main">
+    <mc:Choice Requires="p159">
       <p:transition spd="slow" advClick="0">
         <p159:morph option="byObject"/>
       </p:transition>
     </mc:Choice>
-    <mc:Fallback>
+    <mc:Fallback xmlns="">
       <p:transition spd="slow" advClick="0">
         <p:fade/>
       </p:transition>
@@ -14987,13 +14992,13 @@
   <p:clrMapOvr>
     <a:masterClrMapping/>
   </p:clrMapOvr>
-  <mc:AlternateContent xmlns:mc="http://schemas.openxmlformats.org/markup-compatibility/2006">
-    <mc:Choice xmlns:p159="http://schemas.microsoft.com/office/powerpoint/2015/09/main" Requires="p159">
+  <mc:AlternateContent xmlns:mc="http://schemas.openxmlformats.org/markup-compatibility/2006" xmlns:p159="http://schemas.microsoft.com/office/powerpoint/2015/09/main">
+    <mc:Choice Requires="p159">
       <p:transition spd="slow" advClick="0">
         <p159:morph option="byObject"/>
       </p:transition>
     </mc:Choice>
-    <mc:Fallback>
+    <mc:Fallback xmlns="">
       <p:transition spd="slow" advClick="0">
         <p:fade/>
       </p:transition>
@@ -16767,8 +16772,8 @@
         </p:nvSpPr>
         <p:spPr>
           <a:xfrm>
-            <a:off x="1089088" y="4633827"/>
-            <a:ext cx="3204881" cy="523220"/>
+            <a:off x="1037374" y="4464795"/>
+            <a:ext cx="3204881" cy="954107"/>
           </a:xfrm>
           <a:prstGeom prst="rect">
             <a:avLst/>
@@ -16786,7 +16791,7 @@
               <a:rPr kumimoji="1" lang="en-US" altLang="ko-Kore-KR" sz="2800">
                 <a:cs typeface="Microsoft Himalaya" pitchFamily="2" charset="0"/>
               </a:rPr>
-              <a:t>by using preemption</a:t>
+              <a:t>by using preemption in userspace</a:t>
             </a:r>
             <a:endParaRPr kumimoji="1" lang="ko-Kore-KR" altLang="en-US" sz="2800">
               <a:cs typeface="Microsoft Himalaya" pitchFamily="2" charset="0"/>
@@ -16860,8 +16865,8 @@
         </p:nvSpPr>
         <p:spPr>
           <a:xfrm>
-            <a:off x="572292" y="4604020"/>
-            <a:ext cx="4292555" cy="658576"/>
+            <a:off x="350347" y="4464795"/>
+            <a:ext cx="4578935" cy="916787"/>
           </a:xfrm>
           <a:prstGeom prst="ellipse">
             <a:avLst/>
@@ -16963,8 +16968,8 @@
         </p:nvCxnSpPr>
         <p:spPr>
           <a:xfrm rot="16200000" flipH="1">
-            <a:off x="2449621" y="4335071"/>
-            <a:ext cx="315952" cy="221945"/>
+            <a:off x="2479857" y="4304836"/>
+            <a:ext cx="176727" cy="143190"/>
           </a:xfrm>
           <a:prstGeom prst="curvedConnector3">
             <a:avLst>
@@ -17103,8 +17108,294 @@
         </p:nvCxnSpPr>
         <p:spPr>
           <a:xfrm rot="16200000" flipH="1">
-            <a:off x="2680818" y="5300347"/>
-            <a:ext cx="367158" cy="291655"/>
+            <a:off x="2700934" y="5320463"/>
+            <a:ext cx="248172" cy="370410"/>
+          </a:xfrm>
+          <a:prstGeom prst="curvedConnector3">
+            <a:avLst>
+              <a:gd name="adj1" fmla="val 50000"/>
+            </a:avLst>
+          </a:prstGeom>
+          <a:ln w="12700">
+            <a:solidFill>
+              <a:schemeClr val="tx1"/>
+            </a:solidFill>
+          </a:ln>
+        </p:spPr>
+        <p:style>
+          <a:lnRef idx="1">
+            <a:schemeClr val="accent1"/>
+          </a:lnRef>
+          <a:fillRef idx="0">
+            <a:schemeClr val="accent1"/>
+          </a:fillRef>
+          <a:effectRef idx="0">
+            <a:schemeClr val="accent1"/>
+          </a:effectRef>
+          <a:fontRef idx="minor">
+            <a:schemeClr val="tx1"/>
+          </a:fontRef>
+        </p:style>
+      </p:cxnSp>
+      <p:sp>
+        <p:nvSpPr>
+          <p:cNvPr id="39" name="TextBox 38">
+            <a:extLst>
+              <a:ext uri="{FF2B5EF4-FFF2-40B4-BE49-F238E27FC236}">
+                <a16:creationId xmlns:a16="http://schemas.microsoft.com/office/drawing/2014/main" id="{BB9C248C-3455-AD65-ED4B-E8A3D417CB47}"/>
+              </a:ext>
+            </a:extLst>
+          </p:cNvPr>
+          <p:cNvSpPr txBox="1"/>
+          <p:nvPr/>
+        </p:nvSpPr>
+        <p:spPr>
+          <a:xfrm>
+            <a:off x="7306624" y="3343412"/>
+            <a:ext cx="4292555" cy="954107"/>
+          </a:xfrm>
+          <a:prstGeom prst="rect">
+            <a:avLst/>
+          </a:prstGeom>
+          <a:noFill/>
+        </p:spPr>
+        <p:txBody>
+          <a:bodyPr wrap="square" rtlCol="0">
+            <a:spAutoFit/>
+          </a:bodyPr>
+          <a:lstStyle/>
+          <a:p>
+            <a:pPr algn="ctr"/>
+            <a:r>
+              <a:rPr kumimoji="1" lang="en-US" altLang="ko-Kore-KR" sz="2800">
+                <a:cs typeface="Microsoft Himalaya" pitchFamily="2" charset="0"/>
+              </a:rPr>
+              <a:t>This aims to </a:t>
+            </a:r>
+            <a:r>
+              <a:rPr kumimoji="1" lang="en-US" altLang="ko-KR" sz="2800">
+                <a:cs typeface="Microsoft Himalaya" pitchFamily="2" charset="0"/>
+              </a:rPr>
+              <a:t>rebalance the number of cores</a:t>
+            </a:r>
+            <a:endParaRPr kumimoji="1" lang="ko-Kore-KR" altLang="en-US" sz="2800">
+              <a:cs typeface="Microsoft Himalaya" pitchFamily="2" charset="0"/>
+            </a:endParaRPr>
+          </a:p>
+        </p:txBody>
+      </p:sp>
+      <p:sp>
+        <p:nvSpPr>
+          <p:cNvPr id="40" name="타원 39">
+            <a:extLst>
+              <a:ext uri="{FF2B5EF4-FFF2-40B4-BE49-F238E27FC236}">
+                <a16:creationId xmlns:a16="http://schemas.microsoft.com/office/drawing/2014/main" id="{4F659F89-7FC7-86B5-A0D0-3BC7C812015E}"/>
+              </a:ext>
+            </a:extLst>
+          </p:cNvPr>
+          <p:cNvSpPr/>
+          <p:nvPr/>
+        </p:nvSpPr>
+        <p:spPr>
+          <a:xfrm>
+            <a:off x="7127605" y="3163184"/>
+            <a:ext cx="4650594" cy="1245314"/>
+          </a:xfrm>
+          <a:prstGeom prst="ellipse">
+            <a:avLst/>
+          </a:prstGeom>
+          <a:noFill/>
+          <a:ln w="19050">
+            <a:solidFill>
+              <a:schemeClr val="tx1"/>
+            </a:solidFill>
+          </a:ln>
+        </p:spPr>
+        <p:style>
+          <a:lnRef idx="2">
+            <a:schemeClr val="accent1">
+              <a:shade val="15000"/>
+            </a:schemeClr>
+          </a:lnRef>
+          <a:fillRef idx="1">
+            <a:schemeClr val="accent1"/>
+          </a:fillRef>
+          <a:effectRef idx="0">
+            <a:schemeClr val="accent1"/>
+          </a:effectRef>
+          <a:fontRef idx="minor">
+            <a:schemeClr val="lt1"/>
+          </a:fontRef>
+        </p:style>
+        <p:txBody>
+          <a:bodyPr rtlCol="0" anchor="ctr"/>
+          <a:lstStyle/>
+          <a:p>
+            <a:pPr algn="ctr"/>
+            <a:endParaRPr kumimoji="1" lang="ko-Kore-KR" altLang="en-US"/>
+          </a:p>
+        </p:txBody>
+      </p:sp>
+      <p:sp>
+        <p:nvSpPr>
+          <p:cNvPr id="42" name="TextBox 41">
+            <a:extLst>
+              <a:ext uri="{FF2B5EF4-FFF2-40B4-BE49-F238E27FC236}">
+                <a16:creationId xmlns:a16="http://schemas.microsoft.com/office/drawing/2014/main" id="{AA6842FC-9CBE-C133-BD58-6A557C986E97}"/>
+              </a:ext>
+            </a:extLst>
+          </p:cNvPr>
+          <p:cNvSpPr txBox="1"/>
+          <p:nvPr/>
+        </p:nvSpPr>
+        <p:spPr>
+          <a:xfrm>
+            <a:off x="7135336" y="4711903"/>
+            <a:ext cx="4292555" cy="954107"/>
+          </a:xfrm>
+          <a:prstGeom prst="rect">
+            <a:avLst/>
+          </a:prstGeom>
+          <a:noFill/>
+        </p:spPr>
+        <p:txBody>
+          <a:bodyPr wrap="square" rtlCol="0">
+            <a:spAutoFit/>
+          </a:bodyPr>
+          <a:lstStyle/>
+          <a:p>
+            <a:pPr algn="ctr"/>
+            <a:r>
+              <a:rPr kumimoji="1" lang="en-US" altLang="ko-Kore-KR" sz="2800">
+                <a:cs typeface="Microsoft Himalaya" pitchFamily="2" charset="0"/>
+              </a:rPr>
+              <a:t>Based on user application’s packet load</a:t>
+            </a:r>
+            <a:endParaRPr kumimoji="1" lang="ko-Kore-KR" altLang="en-US" sz="2800">
+              <a:cs typeface="Microsoft Himalaya" pitchFamily="2" charset="0"/>
+            </a:endParaRPr>
+          </a:p>
+        </p:txBody>
+      </p:sp>
+      <p:sp>
+        <p:nvSpPr>
+          <p:cNvPr id="43" name="타원 42">
+            <a:extLst>
+              <a:ext uri="{FF2B5EF4-FFF2-40B4-BE49-F238E27FC236}">
+                <a16:creationId xmlns:a16="http://schemas.microsoft.com/office/drawing/2014/main" id="{8AA78A5A-4204-42CB-B131-F67DBC984A02}"/>
+              </a:ext>
+            </a:extLst>
+          </p:cNvPr>
+          <p:cNvSpPr/>
+          <p:nvPr/>
+        </p:nvSpPr>
+        <p:spPr>
+          <a:xfrm>
+            <a:off x="6942449" y="4566300"/>
+            <a:ext cx="4650594" cy="1245314"/>
+          </a:xfrm>
+          <a:prstGeom prst="ellipse">
+            <a:avLst/>
+          </a:prstGeom>
+          <a:noFill/>
+          <a:ln w="19050">
+            <a:solidFill>
+              <a:schemeClr val="tx1"/>
+            </a:solidFill>
+          </a:ln>
+        </p:spPr>
+        <p:style>
+          <a:lnRef idx="2">
+            <a:schemeClr val="accent1">
+              <a:shade val="15000"/>
+            </a:schemeClr>
+          </a:lnRef>
+          <a:fillRef idx="1">
+            <a:schemeClr val="accent1"/>
+          </a:fillRef>
+          <a:effectRef idx="0">
+            <a:schemeClr val="accent1"/>
+          </a:effectRef>
+          <a:fontRef idx="minor">
+            <a:schemeClr val="lt1"/>
+          </a:fontRef>
+        </p:style>
+        <p:txBody>
+          <a:bodyPr rtlCol="0" anchor="ctr"/>
+          <a:lstStyle/>
+          <a:p>
+            <a:pPr algn="ctr"/>
+            <a:endParaRPr kumimoji="1" lang="ko-Kore-KR" altLang="en-US"/>
+          </a:p>
+        </p:txBody>
+      </p:sp>
+      <p:cxnSp>
+        <p:nvCxnSpPr>
+          <p:cNvPr id="50" name="구부러진 연결선[U] 49">
+            <a:extLst>
+              <a:ext uri="{FF2B5EF4-FFF2-40B4-BE49-F238E27FC236}">
+                <a16:creationId xmlns:a16="http://schemas.microsoft.com/office/drawing/2014/main" id="{5A5345AD-BF7E-C489-1DDF-A8179944624D}"/>
+              </a:ext>
+            </a:extLst>
+          </p:cNvPr>
+          <p:cNvCxnSpPr>
+            <a:cxnSpLocks/>
+            <a:stCxn id="31" idx="4"/>
+            <a:endCxn id="40" idx="0"/>
+          </p:cNvCxnSpPr>
+          <p:nvPr/>
+        </p:nvCxnSpPr>
+        <p:spPr>
+          <a:xfrm rot="5400000">
+            <a:off x="9403420" y="3031041"/>
+            <a:ext cx="181625" cy="82660"/>
+          </a:xfrm>
+          <a:prstGeom prst="curvedConnector3">
+            <a:avLst>
+              <a:gd name="adj1" fmla="val 50000"/>
+            </a:avLst>
+          </a:prstGeom>
+          <a:ln w="12700">
+            <a:solidFill>
+              <a:schemeClr val="tx1"/>
+            </a:solidFill>
+          </a:ln>
+        </p:spPr>
+        <p:style>
+          <a:lnRef idx="1">
+            <a:schemeClr val="accent1"/>
+          </a:lnRef>
+          <a:fillRef idx="0">
+            <a:schemeClr val="accent1"/>
+          </a:fillRef>
+          <a:effectRef idx="0">
+            <a:schemeClr val="accent1"/>
+          </a:effectRef>
+          <a:fontRef idx="minor">
+            <a:schemeClr val="tx1"/>
+          </a:fontRef>
+        </p:style>
+      </p:cxnSp>
+      <p:cxnSp>
+        <p:nvCxnSpPr>
+          <p:cNvPr id="54" name="구부러진 연결선[U] 53">
+            <a:extLst>
+              <a:ext uri="{FF2B5EF4-FFF2-40B4-BE49-F238E27FC236}">
+                <a16:creationId xmlns:a16="http://schemas.microsoft.com/office/drawing/2014/main" id="{253F48EE-D933-BCE9-2C8B-F2EF72CD566A}"/>
+              </a:ext>
+            </a:extLst>
+          </p:cNvPr>
+          <p:cNvCxnSpPr>
+            <a:cxnSpLocks/>
+            <a:stCxn id="40" idx="4"/>
+            <a:endCxn id="43" idx="0"/>
+          </p:cNvCxnSpPr>
+          <p:nvPr/>
+        </p:nvCxnSpPr>
+        <p:spPr>
+          <a:xfrm rot="5400000">
+            <a:off x="9281423" y="4394821"/>
+            <a:ext cx="157802" cy="185156"/>
           </a:xfrm>
           <a:prstGeom prst="curvedConnector3">
             <a:avLst>
@@ -17142,13 +17433,7923 @@
   <p:clrMapOvr>
     <a:masterClrMapping/>
   </p:clrMapOvr>
-  <mc:AlternateContent xmlns:mc="http://schemas.openxmlformats.org/markup-compatibility/2006">
-    <mc:Choice xmlns:p159="http://schemas.microsoft.com/office/powerpoint/2015/09/main" Requires="p159">
+  <mc:AlternateContent xmlns:mc="http://schemas.openxmlformats.org/markup-compatibility/2006" xmlns:p159="http://schemas.microsoft.com/office/powerpoint/2015/09/main">
+    <mc:Choice Requires="p159">
       <p:transition spd="slow" advClick="0">
         <p159:morph option="byObject"/>
       </p:transition>
     </mc:Choice>
-    <mc:Fallback>
+    <mc:Fallback xmlns="">
+      <p:transition spd="slow" advClick="0">
+        <p:fade/>
+      </p:transition>
+    </mc:Fallback>
+  </mc:AlternateContent>
+</p:sld>
+</file>
+
+<file path=ppt/slides/slide21.xml><?xml version="1.0" encoding="utf-8"?>
+<p:sld xmlns:a="http://schemas.openxmlformats.org/drawingml/2006/main" xmlns:r="http://schemas.openxmlformats.org/officeDocument/2006/relationships" xmlns:p="http://schemas.openxmlformats.org/presentationml/2006/main">
+  <p:cSld>
+    <p:spTree>
+      <p:nvGrpSpPr>
+        <p:cNvPr id="1" name=""/>
+        <p:cNvGrpSpPr/>
+        <p:nvPr/>
+      </p:nvGrpSpPr>
+      <p:grpSpPr>
+        <a:xfrm>
+          <a:off x="0" y="0"/>
+          <a:ext cx="0" cy="0"/>
+          <a:chOff x="0" y="0"/>
+          <a:chExt cx="0" cy="0"/>
+        </a:xfrm>
+      </p:grpSpPr>
+      <p:sp>
+        <p:nvSpPr>
+          <p:cNvPr id="7" name="TextBox 6">
+            <a:extLst>
+              <a:ext uri="{FF2B5EF4-FFF2-40B4-BE49-F238E27FC236}">
+                <a16:creationId xmlns:a16="http://schemas.microsoft.com/office/drawing/2014/main" id="{7432CD06-269D-8519-0178-61F8107F3434}"/>
+              </a:ext>
+            </a:extLst>
+          </p:cNvPr>
+          <p:cNvSpPr txBox="1"/>
+          <p:nvPr/>
+        </p:nvSpPr>
+        <p:spPr>
+          <a:xfrm>
+            <a:off x="-12594140" y="-16615945"/>
+            <a:ext cx="6649080" cy="523220"/>
+          </a:xfrm>
+          <a:prstGeom prst="rect">
+            <a:avLst/>
+          </a:prstGeom>
+          <a:noFill/>
+        </p:spPr>
+        <p:txBody>
+          <a:bodyPr wrap="square" rtlCol="0">
+            <a:spAutoFit/>
+          </a:bodyPr>
+          <a:lstStyle/>
+          <a:p>
+            <a:pPr algn="ctr"/>
+            <a:r>
+              <a:rPr kumimoji="1" lang="en-US" altLang="ko-Kore-KR" sz="2800">
+                <a:ea typeface="Microsoft Himalaya" pitchFamily="2" charset="0"/>
+                <a:cs typeface="Microsoft Himalaya" pitchFamily="2" charset="0"/>
+              </a:rPr>
+              <a:t>What is a purpose of the paper?</a:t>
+            </a:r>
+            <a:endParaRPr kumimoji="1" lang="ko-Kore-KR" altLang="en-US" sz="2800">
+              <a:solidFill>
+                <a:schemeClr val="bg1">
+                  <a:alpha val="0"/>
+                </a:schemeClr>
+              </a:solidFill>
+              <a:cs typeface="Microsoft Himalaya" pitchFamily="2" charset="0"/>
+            </a:endParaRPr>
+          </a:p>
+        </p:txBody>
+      </p:sp>
+      <p:sp>
+        <p:nvSpPr>
+          <p:cNvPr id="6" name="타원 5">
+            <a:extLst>
+              <a:ext uri="{FF2B5EF4-FFF2-40B4-BE49-F238E27FC236}">
+                <a16:creationId xmlns:a16="http://schemas.microsoft.com/office/drawing/2014/main" id="{2EE2381A-BA90-6CCC-E30D-9B8CB7883D9B}"/>
+              </a:ext>
+            </a:extLst>
+          </p:cNvPr>
+          <p:cNvSpPr/>
+          <p:nvPr/>
+        </p:nvSpPr>
+        <p:spPr>
+          <a:xfrm>
+            <a:off x="-12067911" y="-17281810"/>
+            <a:ext cx="5416902" cy="1895475"/>
+          </a:xfrm>
+          <a:prstGeom prst="ellipse">
+            <a:avLst/>
+          </a:prstGeom>
+          <a:noFill/>
+          <a:ln w="19050">
+            <a:solidFill>
+              <a:schemeClr val="tx1"/>
+            </a:solidFill>
+          </a:ln>
+        </p:spPr>
+        <p:style>
+          <a:lnRef idx="2">
+            <a:schemeClr val="accent1">
+              <a:shade val="15000"/>
+            </a:schemeClr>
+          </a:lnRef>
+          <a:fillRef idx="1">
+            <a:schemeClr val="accent1"/>
+          </a:fillRef>
+          <a:effectRef idx="0">
+            <a:schemeClr val="accent1"/>
+          </a:effectRef>
+          <a:fontRef idx="minor">
+            <a:schemeClr val="lt1"/>
+          </a:fontRef>
+        </p:style>
+        <p:txBody>
+          <a:bodyPr rtlCol="0" anchor="ctr"/>
+          <a:lstStyle/>
+          <a:p>
+            <a:pPr algn="ctr"/>
+            <a:endParaRPr kumimoji="1" lang="ko-Kore-KR" altLang="en-US"/>
+          </a:p>
+        </p:txBody>
+      </p:sp>
+      <p:sp>
+        <p:nvSpPr>
+          <p:cNvPr id="2" name="타원 1">
+            <a:extLst>
+              <a:ext uri="{FF2B5EF4-FFF2-40B4-BE49-F238E27FC236}">
+                <a16:creationId xmlns:a16="http://schemas.microsoft.com/office/drawing/2014/main" id="{3537091F-D64C-D90A-CCA1-057FC775DC84}"/>
+              </a:ext>
+            </a:extLst>
+          </p:cNvPr>
+          <p:cNvSpPr/>
+          <p:nvPr/>
+        </p:nvSpPr>
+        <p:spPr>
+          <a:xfrm>
+            <a:off x="-16500781" y="-21411719"/>
+            <a:ext cx="3470478" cy="3347761"/>
+          </a:xfrm>
+          <a:prstGeom prst="ellipse">
+            <a:avLst/>
+          </a:prstGeom>
+          <a:noFill/>
+          <a:ln w="19050">
+            <a:solidFill>
+              <a:schemeClr val="tx1"/>
+            </a:solidFill>
+          </a:ln>
+        </p:spPr>
+        <p:style>
+          <a:lnRef idx="2">
+            <a:schemeClr val="accent1">
+              <a:shade val="15000"/>
+            </a:schemeClr>
+          </a:lnRef>
+          <a:fillRef idx="1">
+            <a:schemeClr val="accent1"/>
+          </a:fillRef>
+          <a:effectRef idx="0">
+            <a:schemeClr val="accent1"/>
+          </a:effectRef>
+          <a:fontRef idx="minor">
+            <a:schemeClr val="lt1"/>
+          </a:fontRef>
+        </p:style>
+        <p:txBody>
+          <a:bodyPr rtlCol="0" anchor="ctr"/>
+          <a:lstStyle/>
+          <a:p>
+            <a:pPr algn="ctr"/>
+            <a:endParaRPr kumimoji="1" lang="ko-Kore-KR" altLang="en-US"/>
+          </a:p>
+        </p:txBody>
+      </p:sp>
+      <p:cxnSp>
+        <p:nvCxnSpPr>
+          <p:cNvPr id="14" name="구부러진 연결선[U] 13">
+            <a:extLst>
+              <a:ext uri="{FF2B5EF4-FFF2-40B4-BE49-F238E27FC236}">
+                <a16:creationId xmlns:a16="http://schemas.microsoft.com/office/drawing/2014/main" id="{2B954181-AE35-70DB-E680-6B87963413D4}"/>
+              </a:ext>
+            </a:extLst>
+          </p:cNvPr>
+          <p:cNvCxnSpPr>
+            <a:cxnSpLocks/>
+            <a:stCxn id="2" idx="5"/>
+            <a:endCxn id="6" idx="2"/>
+          </p:cNvCxnSpPr>
+          <p:nvPr/>
+        </p:nvCxnSpPr>
+        <p:spPr>
+          <a:xfrm rot="16200000" flipH="1">
+            <a:off x="-13913304" y="-18179465"/>
+            <a:ext cx="2220154" cy="1470632"/>
+          </a:xfrm>
+          <a:prstGeom prst="curvedConnector2">
+            <a:avLst/>
+          </a:prstGeom>
+          <a:ln w="12700">
+            <a:solidFill>
+              <a:schemeClr val="tx1"/>
+            </a:solidFill>
+          </a:ln>
+        </p:spPr>
+        <p:style>
+          <a:lnRef idx="1">
+            <a:schemeClr val="accent1"/>
+          </a:lnRef>
+          <a:fillRef idx="0">
+            <a:schemeClr val="accent1"/>
+          </a:fillRef>
+          <a:effectRef idx="0">
+            <a:schemeClr val="accent1"/>
+          </a:effectRef>
+          <a:fontRef idx="minor">
+            <a:schemeClr val="tx1"/>
+          </a:fontRef>
+        </p:style>
+      </p:cxnSp>
+      <p:sp>
+        <p:nvSpPr>
+          <p:cNvPr id="25" name="TextBox 24">
+            <a:extLst>
+              <a:ext uri="{FF2B5EF4-FFF2-40B4-BE49-F238E27FC236}">
+                <a16:creationId xmlns:a16="http://schemas.microsoft.com/office/drawing/2014/main" id="{758AC1A2-CDC9-B7E3-EBE8-BCC2D5E5D2B1}"/>
+              </a:ext>
+            </a:extLst>
+          </p:cNvPr>
+          <p:cNvSpPr txBox="1"/>
+          <p:nvPr/>
+        </p:nvSpPr>
+        <p:spPr>
+          <a:xfrm>
+            <a:off x="-16098084" y="-19387397"/>
+            <a:ext cx="9015787" cy="1323439"/>
+          </a:xfrm>
+          <a:prstGeom prst="rect">
+            <a:avLst/>
+          </a:prstGeom>
+          <a:noFill/>
+        </p:spPr>
+        <p:txBody>
+          <a:bodyPr wrap="square" rtlCol="0">
+            <a:spAutoFit/>
+          </a:bodyPr>
+          <a:lstStyle/>
+          <a:p>
+            <a:pPr algn="ctr"/>
+            <a:r>
+              <a:rPr kumimoji="1" lang="en-US" altLang="ko-Kore-KR" sz="4000">
+                <a:ea typeface="Microsoft Himalaya" pitchFamily="2" charset="0"/>
+                <a:cs typeface="Microsoft Himalaya" pitchFamily="2" charset="0"/>
+              </a:rPr>
+              <a:t>ghOSt</a:t>
+            </a:r>
+            <a:r>
+              <a:rPr kumimoji="1" lang="en-US" altLang="ko-Kore-KR" sz="4000">
+                <a:solidFill>
+                  <a:schemeClr val="bg1">
+                    <a:alpha val="0"/>
+                  </a:schemeClr>
+                </a:solidFill>
+                <a:ea typeface="Microsoft Himalaya" pitchFamily="2" charset="0"/>
+                <a:cs typeface="Microsoft Himalaya" pitchFamily="2" charset="0"/>
+              </a:rPr>
+              <a:t>: Fast &amp; Flexible User-space Delegation of Linux Scheduling </a:t>
+            </a:r>
+            <a:endParaRPr kumimoji="1" lang="ko-Kore-KR" altLang="en-US" sz="4000">
+              <a:solidFill>
+                <a:schemeClr val="bg1">
+                  <a:alpha val="0"/>
+                </a:schemeClr>
+              </a:solidFill>
+              <a:cs typeface="Microsoft Himalaya" pitchFamily="2" charset="0"/>
+            </a:endParaRPr>
+          </a:p>
+        </p:txBody>
+      </p:sp>
+      <p:sp>
+        <p:nvSpPr>
+          <p:cNvPr id="5" name="TextBox 4">
+            <a:extLst>
+              <a:ext uri="{FF2B5EF4-FFF2-40B4-BE49-F238E27FC236}">
+                <a16:creationId xmlns:a16="http://schemas.microsoft.com/office/drawing/2014/main" id="{6654DD5B-363D-007E-134A-CB95D8023FE8}"/>
+              </a:ext>
+            </a:extLst>
+          </p:cNvPr>
+          <p:cNvSpPr txBox="1"/>
+          <p:nvPr/>
+        </p:nvSpPr>
+        <p:spPr>
+          <a:xfrm>
+            <a:off x="-9618279" y="-14389006"/>
+            <a:ext cx="6649080" cy="954107"/>
+          </a:xfrm>
+          <a:prstGeom prst="rect">
+            <a:avLst/>
+          </a:prstGeom>
+          <a:noFill/>
+        </p:spPr>
+        <p:txBody>
+          <a:bodyPr wrap="square" rtlCol="0">
+            <a:spAutoFit/>
+          </a:bodyPr>
+          <a:lstStyle/>
+          <a:p>
+            <a:pPr algn="ctr"/>
+            <a:r>
+              <a:rPr kumimoji="1" lang="en-US" altLang="ko-Kore-KR" sz="2800">
+                <a:ea typeface="Microsoft Himalaya" pitchFamily="2" charset="0"/>
+                <a:cs typeface="Microsoft Himalaya" pitchFamily="2" charset="0"/>
+              </a:rPr>
+              <a:t>Delegating kernel scheduling</a:t>
+            </a:r>
+          </a:p>
+          <a:p>
+            <a:pPr algn="ctr"/>
+            <a:r>
+              <a:rPr kumimoji="1" lang="en-US" altLang="ko-Kore-KR" sz="2800">
+                <a:ea typeface="Microsoft Himalaya" pitchFamily="2" charset="0"/>
+                <a:cs typeface="Microsoft Himalaya" pitchFamily="2" charset="0"/>
+              </a:rPr>
+              <a:t>to userspace code </a:t>
+            </a:r>
+            <a:endParaRPr kumimoji="1" lang="ko-Kore-KR" altLang="en-US" sz="2800">
+              <a:cs typeface="Microsoft Himalaya" pitchFamily="2" charset="0"/>
+            </a:endParaRPr>
+          </a:p>
+        </p:txBody>
+      </p:sp>
+      <p:sp>
+        <p:nvSpPr>
+          <p:cNvPr id="8" name="타원 7">
+            <a:extLst>
+              <a:ext uri="{FF2B5EF4-FFF2-40B4-BE49-F238E27FC236}">
+                <a16:creationId xmlns:a16="http://schemas.microsoft.com/office/drawing/2014/main" id="{CCA7A6FF-A5C1-EE13-DAB5-2A47607E4AA0}"/>
+              </a:ext>
+            </a:extLst>
+          </p:cNvPr>
+          <p:cNvSpPr/>
+          <p:nvPr/>
+        </p:nvSpPr>
+        <p:spPr>
+          <a:xfrm>
+            <a:off x="-9002190" y="-14865797"/>
+            <a:ext cx="5416902" cy="1895475"/>
+          </a:xfrm>
+          <a:prstGeom prst="ellipse">
+            <a:avLst/>
+          </a:prstGeom>
+          <a:noFill/>
+          <a:ln w="19050">
+            <a:solidFill>
+              <a:schemeClr val="tx1"/>
+            </a:solidFill>
+          </a:ln>
+        </p:spPr>
+        <p:style>
+          <a:lnRef idx="2">
+            <a:schemeClr val="accent1">
+              <a:shade val="15000"/>
+            </a:schemeClr>
+          </a:lnRef>
+          <a:fillRef idx="1">
+            <a:schemeClr val="accent1"/>
+          </a:fillRef>
+          <a:effectRef idx="0">
+            <a:schemeClr val="accent1"/>
+          </a:effectRef>
+          <a:fontRef idx="minor">
+            <a:schemeClr val="lt1"/>
+          </a:fontRef>
+        </p:style>
+        <p:txBody>
+          <a:bodyPr rtlCol="0" anchor="ctr"/>
+          <a:lstStyle/>
+          <a:p>
+            <a:pPr algn="ctr"/>
+            <a:endParaRPr kumimoji="1" lang="ko-Kore-KR" altLang="en-US"/>
+          </a:p>
+        </p:txBody>
+      </p:sp>
+      <p:cxnSp>
+        <p:nvCxnSpPr>
+          <p:cNvPr id="9" name="구부러진 연결선[U] 8">
+            <a:extLst>
+              <a:ext uri="{FF2B5EF4-FFF2-40B4-BE49-F238E27FC236}">
+                <a16:creationId xmlns:a16="http://schemas.microsoft.com/office/drawing/2014/main" id="{068EEA84-621C-4582-DC0F-D62A6F3062A3}"/>
+              </a:ext>
+            </a:extLst>
+          </p:cNvPr>
+          <p:cNvCxnSpPr>
+            <a:cxnSpLocks/>
+            <a:stCxn id="6" idx="4"/>
+            <a:endCxn id="8" idx="1"/>
+          </p:cNvCxnSpPr>
+          <p:nvPr/>
+        </p:nvCxnSpPr>
+        <p:spPr>
+          <a:xfrm rot="16200000" flipH="1">
+            <a:off x="-9183244" y="-15562552"/>
+            <a:ext cx="798124" cy="1150557"/>
+          </a:xfrm>
+          <a:prstGeom prst="curvedConnector3">
+            <a:avLst>
+              <a:gd name="adj1" fmla="val 50000"/>
+            </a:avLst>
+          </a:prstGeom>
+          <a:ln w="12700">
+            <a:solidFill>
+              <a:schemeClr val="tx1"/>
+            </a:solidFill>
+          </a:ln>
+        </p:spPr>
+        <p:style>
+          <a:lnRef idx="1">
+            <a:schemeClr val="accent1"/>
+          </a:lnRef>
+          <a:fillRef idx="0">
+            <a:schemeClr val="accent1"/>
+          </a:fillRef>
+          <a:effectRef idx="0">
+            <a:schemeClr val="accent1"/>
+          </a:effectRef>
+          <a:fontRef idx="minor">
+            <a:schemeClr val="tx1"/>
+          </a:fontRef>
+        </p:style>
+      </p:cxnSp>
+      <p:cxnSp>
+        <p:nvCxnSpPr>
+          <p:cNvPr id="3" name="구부러진 연결선[U] 2">
+            <a:extLst>
+              <a:ext uri="{FF2B5EF4-FFF2-40B4-BE49-F238E27FC236}">
+                <a16:creationId xmlns:a16="http://schemas.microsoft.com/office/drawing/2014/main" id="{AC3F9A48-1A19-F6C7-B3C2-CDA39B862C08}"/>
+              </a:ext>
+            </a:extLst>
+          </p:cNvPr>
+          <p:cNvCxnSpPr>
+            <a:cxnSpLocks/>
+            <a:stCxn id="8" idx="4"/>
+            <a:endCxn id="11" idx="1"/>
+          </p:cNvCxnSpPr>
+          <p:nvPr/>
+        </p:nvCxnSpPr>
+        <p:spPr>
+          <a:xfrm rot="16200000" flipH="1">
+            <a:off x="-6088823" y="-13175239"/>
+            <a:ext cx="542943" cy="952775"/>
+          </a:xfrm>
+          <a:prstGeom prst="curvedConnector3">
+            <a:avLst>
+              <a:gd name="adj1" fmla="val 50000"/>
+            </a:avLst>
+          </a:prstGeom>
+          <a:ln w="12700">
+            <a:solidFill>
+              <a:schemeClr val="tx1"/>
+            </a:solidFill>
+          </a:ln>
+        </p:spPr>
+        <p:style>
+          <a:lnRef idx="1">
+            <a:schemeClr val="accent1"/>
+          </a:lnRef>
+          <a:fillRef idx="0">
+            <a:schemeClr val="accent1"/>
+          </a:fillRef>
+          <a:effectRef idx="0">
+            <a:schemeClr val="accent1"/>
+          </a:effectRef>
+          <a:fontRef idx="minor">
+            <a:schemeClr val="tx1"/>
+          </a:fontRef>
+        </p:style>
+      </p:cxnSp>
+      <p:sp>
+        <p:nvSpPr>
+          <p:cNvPr id="10" name="TextBox 9">
+            <a:extLst>
+              <a:ext uri="{FF2B5EF4-FFF2-40B4-BE49-F238E27FC236}">
+                <a16:creationId xmlns:a16="http://schemas.microsoft.com/office/drawing/2014/main" id="{D2C2F8E5-4B8F-C384-0BD1-F8CC7DBBFE31}"/>
+              </a:ext>
+            </a:extLst>
+          </p:cNvPr>
+          <p:cNvSpPr txBox="1"/>
+          <p:nvPr/>
+        </p:nvSpPr>
+        <p:spPr>
+          <a:xfrm>
+            <a:off x="-3806196" y="-9579049"/>
+            <a:ext cx="7214942" cy="1384995"/>
+          </a:xfrm>
+          <a:prstGeom prst="rect">
+            <a:avLst/>
+          </a:prstGeom>
+          <a:noFill/>
+        </p:spPr>
+        <p:txBody>
+          <a:bodyPr wrap="square" rtlCol="0">
+            <a:spAutoFit/>
+          </a:bodyPr>
+          <a:lstStyle/>
+          <a:p>
+            <a:pPr algn="ctr"/>
+            <a:r>
+              <a:rPr kumimoji="1" lang="en-US" altLang="ko-Kore-KR" sz="2800">
+                <a:ea typeface="Microsoft Himalaya" pitchFamily="2" charset="0"/>
+                <a:cs typeface="Microsoft Himalaya" pitchFamily="2" charset="0"/>
+              </a:rPr>
+              <a:t>Because it means that applications can be implemented leveraging the powerful features of the kernel scheduler!!!</a:t>
+            </a:r>
+            <a:endParaRPr kumimoji="1" lang="ko-Kore-KR" altLang="en-US" sz="2800">
+              <a:cs typeface="Microsoft Himalaya" pitchFamily="2" charset="0"/>
+            </a:endParaRPr>
+          </a:p>
+        </p:txBody>
+      </p:sp>
+      <p:sp>
+        <p:nvSpPr>
+          <p:cNvPr id="11" name="타원 10">
+            <a:extLst>
+              <a:ext uri="{FF2B5EF4-FFF2-40B4-BE49-F238E27FC236}">
+                <a16:creationId xmlns:a16="http://schemas.microsoft.com/office/drawing/2014/main" id="{553EEAA2-6F2C-9BFD-E1DC-B64CC11A8B05}"/>
+              </a:ext>
+            </a:extLst>
+          </p:cNvPr>
+          <p:cNvSpPr/>
+          <p:nvPr/>
+        </p:nvSpPr>
+        <p:spPr>
+          <a:xfrm>
+            <a:off x="-6134251" y="-12704965"/>
+            <a:ext cx="5416902" cy="1895475"/>
+          </a:xfrm>
+          <a:prstGeom prst="ellipse">
+            <a:avLst/>
+          </a:prstGeom>
+          <a:noFill/>
+          <a:ln w="19050">
+            <a:solidFill>
+              <a:schemeClr val="tx1"/>
+            </a:solidFill>
+          </a:ln>
+        </p:spPr>
+        <p:style>
+          <a:lnRef idx="2">
+            <a:schemeClr val="accent1">
+              <a:shade val="15000"/>
+            </a:schemeClr>
+          </a:lnRef>
+          <a:fillRef idx="1">
+            <a:schemeClr val="accent1"/>
+          </a:fillRef>
+          <a:effectRef idx="0">
+            <a:schemeClr val="accent1"/>
+          </a:effectRef>
+          <a:fontRef idx="minor">
+            <a:schemeClr val="lt1"/>
+          </a:fontRef>
+        </p:style>
+        <p:txBody>
+          <a:bodyPr rtlCol="0" anchor="ctr"/>
+          <a:lstStyle/>
+          <a:p>
+            <a:pPr algn="ctr"/>
+            <a:endParaRPr kumimoji="1" lang="ko-Kore-KR" altLang="en-US"/>
+          </a:p>
+        </p:txBody>
+      </p:sp>
+      <p:sp>
+        <p:nvSpPr>
+          <p:cNvPr id="12" name="타원 11">
+            <a:extLst>
+              <a:ext uri="{FF2B5EF4-FFF2-40B4-BE49-F238E27FC236}">
+                <a16:creationId xmlns:a16="http://schemas.microsoft.com/office/drawing/2014/main" id="{98BE3455-7E7C-98E6-2F4D-8656076DB122}"/>
+              </a:ext>
+            </a:extLst>
+          </p:cNvPr>
+          <p:cNvSpPr/>
+          <p:nvPr/>
+        </p:nvSpPr>
+        <p:spPr>
+          <a:xfrm>
+            <a:off x="-3953978" y="-10143057"/>
+            <a:ext cx="7510506" cy="2356551"/>
+          </a:xfrm>
+          <a:prstGeom prst="ellipse">
+            <a:avLst/>
+          </a:prstGeom>
+          <a:noFill/>
+          <a:ln w="19050">
+            <a:solidFill>
+              <a:schemeClr val="tx1"/>
+            </a:solidFill>
+          </a:ln>
+        </p:spPr>
+        <p:style>
+          <a:lnRef idx="2">
+            <a:schemeClr val="accent1">
+              <a:shade val="15000"/>
+            </a:schemeClr>
+          </a:lnRef>
+          <a:fillRef idx="1">
+            <a:schemeClr val="accent1"/>
+          </a:fillRef>
+          <a:effectRef idx="0">
+            <a:schemeClr val="accent1"/>
+          </a:effectRef>
+          <a:fontRef idx="minor">
+            <a:schemeClr val="lt1"/>
+          </a:fontRef>
+        </p:style>
+        <p:txBody>
+          <a:bodyPr rtlCol="0" anchor="ctr"/>
+          <a:lstStyle/>
+          <a:p>
+            <a:pPr algn="ctr"/>
+            <a:endParaRPr kumimoji="1" lang="ko-Kore-KR" altLang="en-US"/>
+          </a:p>
+        </p:txBody>
+      </p:sp>
+      <p:cxnSp>
+        <p:nvCxnSpPr>
+          <p:cNvPr id="13" name="구부러진 연결선[U] 12">
+            <a:extLst>
+              <a:ext uri="{FF2B5EF4-FFF2-40B4-BE49-F238E27FC236}">
+                <a16:creationId xmlns:a16="http://schemas.microsoft.com/office/drawing/2014/main" id="{8D73709C-867B-5C3D-0744-BD01319122DC}"/>
+              </a:ext>
+            </a:extLst>
+          </p:cNvPr>
+          <p:cNvCxnSpPr>
+            <a:cxnSpLocks/>
+            <a:stCxn id="11" idx="4"/>
+            <a:endCxn id="12" idx="1"/>
+          </p:cNvCxnSpPr>
+          <p:nvPr/>
+        </p:nvCxnSpPr>
+        <p:spPr>
+          <a:xfrm rot="16200000" flipH="1">
+            <a:off x="-3645716" y="-10589574"/>
+            <a:ext cx="1011542" cy="571710"/>
+          </a:xfrm>
+          <a:prstGeom prst="curvedConnector3">
+            <a:avLst>
+              <a:gd name="adj1" fmla="val 50000"/>
+            </a:avLst>
+          </a:prstGeom>
+          <a:ln w="12700">
+            <a:solidFill>
+              <a:schemeClr val="tx1"/>
+            </a:solidFill>
+          </a:ln>
+        </p:spPr>
+        <p:style>
+          <a:lnRef idx="1">
+            <a:schemeClr val="accent1"/>
+          </a:lnRef>
+          <a:fillRef idx="0">
+            <a:schemeClr val="accent1"/>
+          </a:fillRef>
+          <a:effectRef idx="0">
+            <a:schemeClr val="accent1"/>
+          </a:effectRef>
+          <a:fontRef idx="minor">
+            <a:schemeClr val="tx1"/>
+          </a:fontRef>
+        </p:style>
+      </p:cxnSp>
+      <p:sp>
+        <p:nvSpPr>
+          <p:cNvPr id="17" name="TextBox 16">
+            <a:extLst>
+              <a:ext uri="{FF2B5EF4-FFF2-40B4-BE49-F238E27FC236}">
+                <a16:creationId xmlns:a16="http://schemas.microsoft.com/office/drawing/2014/main" id="{2461D2E0-27C3-B02E-68FA-2F27E0718AE4}"/>
+              </a:ext>
+            </a:extLst>
+          </p:cNvPr>
+          <p:cNvSpPr txBox="1"/>
+          <p:nvPr/>
+        </p:nvSpPr>
+        <p:spPr>
+          <a:xfrm>
+            <a:off x="-6909828" y="-11972993"/>
+            <a:ext cx="6649080" cy="523220"/>
+          </a:xfrm>
+          <a:prstGeom prst="rect">
+            <a:avLst/>
+          </a:prstGeom>
+          <a:noFill/>
+        </p:spPr>
+        <p:txBody>
+          <a:bodyPr wrap="square" rtlCol="0">
+            <a:spAutoFit/>
+          </a:bodyPr>
+          <a:lstStyle/>
+          <a:p>
+            <a:pPr algn="ctr"/>
+            <a:r>
+              <a:rPr kumimoji="1" lang="en-US" altLang="ko-Kore-KR" sz="2800">
+                <a:ea typeface="Microsoft Himalaya" pitchFamily="2" charset="0"/>
+                <a:cs typeface="Microsoft Himalaya" pitchFamily="2" charset="0"/>
+              </a:rPr>
+              <a:t>Why is that important?</a:t>
+            </a:r>
+            <a:endParaRPr kumimoji="1" lang="ko-Kore-KR" altLang="en-US" sz="2800">
+              <a:cs typeface="Microsoft Himalaya" pitchFamily="2" charset="0"/>
+            </a:endParaRPr>
+          </a:p>
+        </p:txBody>
+      </p:sp>
+      <p:sp>
+        <p:nvSpPr>
+          <p:cNvPr id="4" name="TextBox 3">
+            <a:extLst>
+              <a:ext uri="{FF2B5EF4-FFF2-40B4-BE49-F238E27FC236}">
+                <a16:creationId xmlns:a16="http://schemas.microsoft.com/office/drawing/2014/main" id="{09069384-6BDF-4AB8-9E82-55B8B48224F5}"/>
+              </a:ext>
+            </a:extLst>
+          </p:cNvPr>
+          <p:cNvSpPr txBox="1"/>
+          <p:nvPr/>
+        </p:nvSpPr>
+        <p:spPr>
+          <a:xfrm>
+            <a:off x="718180" y="-6996896"/>
+            <a:ext cx="7214942" cy="1384995"/>
+          </a:xfrm>
+          <a:prstGeom prst="rect">
+            <a:avLst/>
+          </a:prstGeom>
+          <a:noFill/>
+        </p:spPr>
+        <p:txBody>
+          <a:bodyPr wrap="square" rtlCol="0">
+            <a:spAutoFit/>
+          </a:bodyPr>
+          <a:lstStyle/>
+          <a:p>
+            <a:pPr algn="ctr"/>
+            <a:r>
+              <a:rPr kumimoji="1" lang="en-US" altLang="ko-Kore-KR" sz="2800">
+                <a:cs typeface="Microsoft Himalaya" pitchFamily="2" charset="0"/>
+              </a:rPr>
+              <a:t>Also, scheduling designs that were previously </a:t>
+            </a:r>
+            <a:r>
+              <a:rPr kumimoji="1" lang="en-US" altLang="ko-KR" sz="2800">
+                <a:cs typeface="Microsoft Himalaya" pitchFamily="2" charset="0"/>
+              </a:rPr>
+              <a:t>unused because they did not fit into the general kernel </a:t>
+            </a:r>
+            <a:r>
+              <a:rPr kumimoji="1" lang="en-US" altLang="ko-Kore-KR" sz="2800">
+                <a:cs typeface="Microsoft Himalaya" pitchFamily="2" charset="0"/>
+              </a:rPr>
+              <a:t>can be used in the userspace!!</a:t>
+            </a:r>
+            <a:endParaRPr kumimoji="1" lang="ko-Kore-KR" altLang="en-US" sz="2800">
+              <a:cs typeface="Microsoft Himalaya" pitchFamily="2" charset="0"/>
+            </a:endParaRPr>
+          </a:p>
+        </p:txBody>
+      </p:sp>
+      <p:cxnSp>
+        <p:nvCxnSpPr>
+          <p:cNvPr id="15" name="구부러진 연결선[U] 14">
+            <a:extLst>
+              <a:ext uri="{FF2B5EF4-FFF2-40B4-BE49-F238E27FC236}">
+                <a16:creationId xmlns:a16="http://schemas.microsoft.com/office/drawing/2014/main" id="{86EB4F29-36E1-ABFE-5C78-E34AEC8E26C2}"/>
+              </a:ext>
+            </a:extLst>
+          </p:cNvPr>
+          <p:cNvCxnSpPr>
+            <a:cxnSpLocks/>
+            <a:stCxn id="12" idx="5"/>
+            <a:endCxn id="16" idx="0"/>
+          </p:cNvCxnSpPr>
+          <p:nvPr/>
+        </p:nvCxnSpPr>
+        <p:spPr>
+          <a:xfrm rot="16200000" flipH="1">
+            <a:off x="3124520" y="-8799496"/>
+            <a:ext cx="501569" cy="1837329"/>
+          </a:xfrm>
+          <a:prstGeom prst="curvedConnector3">
+            <a:avLst>
+              <a:gd name="adj1" fmla="val 50000"/>
+            </a:avLst>
+          </a:prstGeom>
+          <a:ln w="12700">
+            <a:solidFill>
+              <a:schemeClr val="tx1"/>
+            </a:solidFill>
+          </a:ln>
+        </p:spPr>
+        <p:style>
+          <a:lnRef idx="1">
+            <a:schemeClr val="accent1"/>
+          </a:lnRef>
+          <a:fillRef idx="0">
+            <a:schemeClr val="accent1"/>
+          </a:fillRef>
+          <a:effectRef idx="0">
+            <a:schemeClr val="accent1"/>
+          </a:effectRef>
+          <a:fontRef idx="minor">
+            <a:schemeClr val="tx1"/>
+          </a:fontRef>
+        </p:style>
+      </p:cxnSp>
+      <p:sp>
+        <p:nvSpPr>
+          <p:cNvPr id="16" name="타원 15">
+            <a:extLst>
+              <a:ext uri="{FF2B5EF4-FFF2-40B4-BE49-F238E27FC236}">
+                <a16:creationId xmlns:a16="http://schemas.microsoft.com/office/drawing/2014/main" id="{C2E7E2C8-45E7-5C28-C930-10DEF0105BBC}"/>
+              </a:ext>
+            </a:extLst>
+          </p:cNvPr>
+          <p:cNvSpPr/>
+          <p:nvPr/>
+        </p:nvSpPr>
+        <p:spPr>
+          <a:xfrm>
+            <a:off x="349915" y="-7630046"/>
+            <a:ext cx="7888107" cy="2599856"/>
+          </a:xfrm>
+          <a:prstGeom prst="ellipse">
+            <a:avLst/>
+          </a:prstGeom>
+          <a:noFill/>
+          <a:ln w="19050">
+            <a:solidFill>
+              <a:schemeClr val="tx1"/>
+            </a:solidFill>
+          </a:ln>
+        </p:spPr>
+        <p:style>
+          <a:lnRef idx="2">
+            <a:schemeClr val="accent1">
+              <a:shade val="15000"/>
+            </a:schemeClr>
+          </a:lnRef>
+          <a:fillRef idx="1">
+            <a:schemeClr val="accent1"/>
+          </a:fillRef>
+          <a:effectRef idx="0">
+            <a:schemeClr val="accent1"/>
+          </a:effectRef>
+          <a:fontRef idx="minor">
+            <a:schemeClr val="lt1"/>
+          </a:fontRef>
+        </p:style>
+        <p:txBody>
+          <a:bodyPr rtlCol="0" anchor="ctr"/>
+          <a:lstStyle/>
+          <a:p>
+            <a:pPr algn="ctr"/>
+            <a:endParaRPr kumimoji="1" lang="ko-Kore-KR" altLang="en-US"/>
+          </a:p>
+        </p:txBody>
+      </p:sp>
+      <p:sp>
+        <p:nvSpPr>
+          <p:cNvPr id="18" name="TextBox 17">
+            <a:extLst>
+              <a:ext uri="{FF2B5EF4-FFF2-40B4-BE49-F238E27FC236}">
+                <a16:creationId xmlns:a16="http://schemas.microsoft.com/office/drawing/2014/main" id="{4EF28DD6-7793-8D9A-044F-B978D4AF4B34}"/>
+              </a:ext>
+            </a:extLst>
+          </p:cNvPr>
+          <p:cNvSpPr txBox="1"/>
+          <p:nvPr/>
+        </p:nvSpPr>
+        <p:spPr>
+          <a:xfrm>
+            <a:off x="2338792" y="-3847532"/>
+            <a:ext cx="8214246" cy="1384995"/>
+          </a:xfrm>
+          <a:prstGeom prst="rect">
+            <a:avLst/>
+          </a:prstGeom>
+          <a:noFill/>
+        </p:spPr>
+        <p:txBody>
+          <a:bodyPr wrap="square" rtlCol="0">
+            <a:spAutoFit/>
+          </a:bodyPr>
+          <a:lstStyle/>
+          <a:p>
+            <a:pPr algn="ctr"/>
+            <a:r>
+              <a:rPr kumimoji="1" lang="en-US" altLang="ko-Kore-KR" sz="2800">
+                <a:cs typeface="Microsoft Himalaya" pitchFamily="2" charset="0"/>
+              </a:rPr>
+              <a:t>Fundamentally, the ghOSt relaxes restrictions in terms of CPU virtualization, expanding user’s development design freedom</a:t>
+            </a:r>
+            <a:endParaRPr kumimoji="1" lang="ko-Kore-KR" altLang="en-US" sz="2800">
+              <a:cs typeface="Microsoft Himalaya" pitchFamily="2" charset="0"/>
+            </a:endParaRPr>
+          </a:p>
+        </p:txBody>
+      </p:sp>
+      <p:sp>
+        <p:nvSpPr>
+          <p:cNvPr id="19" name="타원 18">
+            <a:extLst>
+              <a:ext uri="{FF2B5EF4-FFF2-40B4-BE49-F238E27FC236}">
+                <a16:creationId xmlns:a16="http://schemas.microsoft.com/office/drawing/2014/main" id="{FA0DF77A-7B58-7DE1-8A3E-0A5DA271ECE9}"/>
+              </a:ext>
+            </a:extLst>
+          </p:cNvPr>
+          <p:cNvSpPr/>
+          <p:nvPr/>
+        </p:nvSpPr>
+        <p:spPr>
+          <a:xfrm>
+            <a:off x="1721225" y="-4475049"/>
+            <a:ext cx="9637823" cy="2648636"/>
+          </a:xfrm>
+          <a:prstGeom prst="ellipse">
+            <a:avLst/>
+          </a:prstGeom>
+          <a:noFill/>
+          <a:ln w="19050">
+            <a:solidFill>
+              <a:schemeClr val="tx1"/>
+            </a:solidFill>
+          </a:ln>
+        </p:spPr>
+        <p:style>
+          <a:lnRef idx="2">
+            <a:schemeClr val="accent1">
+              <a:shade val="15000"/>
+            </a:schemeClr>
+          </a:lnRef>
+          <a:fillRef idx="1">
+            <a:schemeClr val="accent1"/>
+          </a:fillRef>
+          <a:effectRef idx="0">
+            <a:schemeClr val="accent1"/>
+          </a:effectRef>
+          <a:fontRef idx="minor">
+            <a:schemeClr val="lt1"/>
+          </a:fontRef>
+        </p:style>
+        <p:txBody>
+          <a:bodyPr rtlCol="0" anchor="ctr"/>
+          <a:lstStyle/>
+          <a:p>
+            <a:pPr algn="ctr"/>
+            <a:endParaRPr kumimoji="1" lang="ko-Kore-KR" altLang="en-US"/>
+          </a:p>
+        </p:txBody>
+      </p:sp>
+      <p:cxnSp>
+        <p:nvCxnSpPr>
+          <p:cNvPr id="20" name="구부러진 연결선[U] 19">
+            <a:extLst>
+              <a:ext uri="{FF2B5EF4-FFF2-40B4-BE49-F238E27FC236}">
+                <a16:creationId xmlns:a16="http://schemas.microsoft.com/office/drawing/2014/main" id="{19A5D647-6532-DA56-118D-A70386D6DBB1}"/>
+              </a:ext>
+            </a:extLst>
+          </p:cNvPr>
+          <p:cNvCxnSpPr>
+            <a:cxnSpLocks/>
+            <a:stCxn id="16" idx="4"/>
+            <a:endCxn id="19" idx="0"/>
+          </p:cNvCxnSpPr>
+          <p:nvPr/>
+        </p:nvCxnSpPr>
+        <p:spPr>
+          <a:xfrm rot="16200000" flipH="1">
+            <a:off x="5139483" y="-5875704"/>
+            <a:ext cx="555141" cy="2246168"/>
+          </a:xfrm>
+          <a:prstGeom prst="curvedConnector3">
+            <a:avLst>
+              <a:gd name="adj1" fmla="val 50000"/>
+            </a:avLst>
+          </a:prstGeom>
+          <a:ln w="12700">
+            <a:solidFill>
+              <a:schemeClr val="tx1"/>
+            </a:solidFill>
+          </a:ln>
+        </p:spPr>
+        <p:style>
+          <a:lnRef idx="1">
+            <a:schemeClr val="accent1"/>
+          </a:lnRef>
+          <a:fillRef idx="0">
+            <a:schemeClr val="accent1"/>
+          </a:fillRef>
+          <a:effectRef idx="0">
+            <a:schemeClr val="accent1"/>
+          </a:effectRef>
+          <a:fontRef idx="minor">
+            <a:schemeClr val="tx1"/>
+          </a:fontRef>
+        </p:style>
+      </p:cxnSp>
+      <p:sp>
+        <p:nvSpPr>
+          <p:cNvPr id="21" name="TextBox 20">
+            <a:extLst>
+              <a:ext uri="{FF2B5EF4-FFF2-40B4-BE49-F238E27FC236}">
+                <a16:creationId xmlns:a16="http://schemas.microsoft.com/office/drawing/2014/main" id="{A8F0A1E5-1099-7203-EF65-828FC6C9B5A6}"/>
+              </a:ext>
+            </a:extLst>
+          </p:cNvPr>
+          <p:cNvSpPr txBox="1"/>
+          <p:nvPr/>
+        </p:nvSpPr>
+        <p:spPr>
+          <a:xfrm>
+            <a:off x="2251831" y="-929099"/>
+            <a:ext cx="8214246" cy="523220"/>
+          </a:xfrm>
+          <a:prstGeom prst="rect">
+            <a:avLst/>
+          </a:prstGeom>
+          <a:noFill/>
+        </p:spPr>
+        <p:txBody>
+          <a:bodyPr wrap="square" rtlCol="0">
+            <a:spAutoFit/>
+          </a:bodyPr>
+          <a:lstStyle/>
+          <a:p>
+            <a:pPr algn="ctr"/>
+            <a:r>
+              <a:rPr kumimoji="1" lang="en-US" altLang="ko-Kore-KR" sz="2800">
+                <a:cs typeface="Microsoft Himalaya" pitchFamily="2" charset="0"/>
+              </a:rPr>
+              <a:t>Then, is a new insight presented by ghOSt? </a:t>
+            </a:r>
+            <a:endParaRPr kumimoji="1" lang="ko-Kore-KR" altLang="en-US" sz="2800">
+              <a:cs typeface="Microsoft Himalaya" pitchFamily="2" charset="0"/>
+            </a:endParaRPr>
+          </a:p>
+        </p:txBody>
+      </p:sp>
+      <p:sp>
+        <p:nvSpPr>
+          <p:cNvPr id="22" name="타원 21">
+            <a:extLst>
+              <a:ext uri="{FF2B5EF4-FFF2-40B4-BE49-F238E27FC236}">
+                <a16:creationId xmlns:a16="http://schemas.microsoft.com/office/drawing/2014/main" id="{4C508DF5-D81D-1B29-3261-B9B15C155BE4}"/>
+              </a:ext>
+            </a:extLst>
+          </p:cNvPr>
+          <p:cNvSpPr/>
+          <p:nvPr/>
+        </p:nvSpPr>
+        <p:spPr>
+          <a:xfrm>
+            <a:off x="2394058" y="-1198896"/>
+            <a:ext cx="7846783" cy="1129346"/>
+          </a:xfrm>
+          <a:prstGeom prst="ellipse">
+            <a:avLst/>
+          </a:prstGeom>
+          <a:noFill/>
+          <a:ln w="19050">
+            <a:solidFill>
+              <a:schemeClr val="tx1"/>
+            </a:solidFill>
+          </a:ln>
+        </p:spPr>
+        <p:style>
+          <a:lnRef idx="2">
+            <a:schemeClr val="accent1">
+              <a:shade val="15000"/>
+            </a:schemeClr>
+          </a:lnRef>
+          <a:fillRef idx="1">
+            <a:schemeClr val="accent1"/>
+          </a:fillRef>
+          <a:effectRef idx="0">
+            <a:schemeClr val="accent1"/>
+          </a:effectRef>
+          <a:fontRef idx="minor">
+            <a:schemeClr val="lt1"/>
+          </a:fontRef>
+        </p:style>
+        <p:txBody>
+          <a:bodyPr rtlCol="0" anchor="ctr"/>
+          <a:lstStyle/>
+          <a:p>
+            <a:pPr algn="ctr"/>
+            <a:endParaRPr kumimoji="1" lang="ko-Kore-KR" altLang="en-US"/>
+          </a:p>
+        </p:txBody>
+      </p:sp>
+      <p:cxnSp>
+        <p:nvCxnSpPr>
+          <p:cNvPr id="23" name="구부러진 연결선[U] 22">
+            <a:extLst>
+              <a:ext uri="{FF2B5EF4-FFF2-40B4-BE49-F238E27FC236}">
+                <a16:creationId xmlns:a16="http://schemas.microsoft.com/office/drawing/2014/main" id="{76975E94-9776-4206-E3F2-A9C416308400}"/>
+              </a:ext>
+            </a:extLst>
+          </p:cNvPr>
+          <p:cNvCxnSpPr>
+            <a:cxnSpLocks/>
+            <a:stCxn id="19" idx="4"/>
+            <a:endCxn id="22" idx="0"/>
+          </p:cNvCxnSpPr>
+          <p:nvPr/>
+        </p:nvCxnSpPr>
+        <p:spPr>
+          <a:xfrm rot="5400000">
+            <a:off x="6115036" y="-1623998"/>
+            <a:ext cx="627517" cy="222687"/>
+          </a:xfrm>
+          <a:prstGeom prst="curvedConnector3">
+            <a:avLst>
+              <a:gd name="adj1" fmla="val 50000"/>
+            </a:avLst>
+          </a:prstGeom>
+          <a:ln w="12700">
+            <a:solidFill>
+              <a:schemeClr val="tx1"/>
+            </a:solidFill>
+          </a:ln>
+        </p:spPr>
+        <p:style>
+          <a:lnRef idx="1">
+            <a:schemeClr val="accent1"/>
+          </a:lnRef>
+          <a:fillRef idx="0">
+            <a:schemeClr val="accent1"/>
+          </a:fillRef>
+          <a:effectRef idx="0">
+            <a:schemeClr val="accent1"/>
+          </a:effectRef>
+          <a:fontRef idx="minor">
+            <a:schemeClr val="tx1"/>
+          </a:fontRef>
+        </p:style>
+      </p:cxnSp>
+      <p:sp>
+        <p:nvSpPr>
+          <p:cNvPr id="24" name="TextBox 23">
+            <a:extLst>
+              <a:ext uri="{FF2B5EF4-FFF2-40B4-BE49-F238E27FC236}">
+                <a16:creationId xmlns:a16="http://schemas.microsoft.com/office/drawing/2014/main" id="{D9CCB771-34F4-DECE-EB41-D9D9451BBE6B}"/>
+              </a:ext>
+            </a:extLst>
+          </p:cNvPr>
+          <p:cNvSpPr txBox="1"/>
+          <p:nvPr/>
+        </p:nvSpPr>
+        <p:spPr>
+          <a:xfrm>
+            <a:off x="2590673" y="557967"/>
+            <a:ext cx="8214246" cy="954107"/>
+          </a:xfrm>
+          <a:prstGeom prst="rect">
+            <a:avLst/>
+          </a:prstGeom>
+          <a:noFill/>
+        </p:spPr>
+        <p:txBody>
+          <a:bodyPr wrap="square" rtlCol="0">
+            <a:spAutoFit/>
+          </a:bodyPr>
+          <a:lstStyle/>
+          <a:p>
+            <a:pPr algn="ctr"/>
+            <a:r>
+              <a:rPr kumimoji="1" lang="en-US" altLang="ko-Kore-KR" sz="2800">
+                <a:cs typeface="Microsoft Himalaya" pitchFamily="2" charset="0"/>
+              </a:rPr>
+              <a:t>What has been done before in the same context as this fundamental insight?</a:t>
+            </a:r>
+            <a:endParaRPr kumimoji="1" lang="ko-Kore-KR" altLang="en-US" sz="2800">
+              <a:cs typeface="Microsoft Himalaya" pitchFamily="2" charset="0"/>
+            </a:endParaRPr>
+          </a:p>
+        </p:txBody>
+      </p:sp>
+      <p:sp>
+        <p:nvSpPr>
+          <p:cNvPr id="26" name="타원 25">
+            <a:extLst>
+              <a:ext uri="{FF2B5EF4-FFF2-40B4-BE49-F238E27FC236}">
+                <a16:creationId xmlns:a16="http://schemas.microsoft.com/office/drawing/2014/main" id="{74D3F31D-3F9C-6321-18F1-2C57945CDF24}"/>
+              </a:ext>
+            </a:extLst>
+          </p:cNvPr>
+          <p:cNvSpPr/>
+          <p:nvPr/>
+        </p:nvSpPr>
+        <p:spPr>
+          <a:xfrm>
+            <a:off x="2018006" y="263090"/>
+            <a:ext cx="9055117" cy="1401639"/>
+          </a:xfrm>
+          <a:prstGeom prst="ellipse">
+            <a:avLst/>
+          </a:prstGeom>
+          <a:noFill/>
+          <a:ln w="19050">
+            <a:solidFill>
+              <a:schemeClr val="tx1"/>
+            </a:solidFill>
+          </a:ln>
+        </p:spPr>
+        <p:style>
+          <a:lnRef idx="2">
+            <a:schemeClr val="accent1">
+              <a:shade val="15000"/>
+            </a:schemeClr>
+          </a:lnRef>
+          <a:fillRef idx="1">
+            <a:schemeClr val="accent1"/>
+          </a:fillRef>
+          <a:effectRef idx="0">
+            <a:schemeClr val="accent1"/>
+          </a:effectRef>
+          <a:fontRef idx="minor">
+            <a:schemeClr val="lt1"/>
+          </a:fontRef>
+        </p:style>
+        <p:txBody>
+          <a:bodyPr rtlCol="0" anchor="ctr"/>
+          <a:lstStyle/>
+          <a:p>
+            <a:pPr algn="ctr"/>
+            <a:endParaRPr kumimoji="1" lang="ko-Kore-KR" altLang="en-US"/>
+          </a:p>
+        </p:txBody>
+      </p:sp>
+      <p:cxnSp>
+        <p:nvCxnSpPr>
+          <p:cNvPr id="27" name="구부러진 연결선[U] 26">
+            <a:extLst>
+              <a:ext uri="{FF2B5EF4-FFF2-40B4-BE49-F238E27FC236}">
+                <a16:creationId xmlns:a16="http://schemas.microsoft.com/office/drawing/2014/main" id="{9E36E546-0899-D82E-3FE4-1D54F088F523}"/>
+              </a:ext>
+            </a:extLst>
+          </p:cNvPr>
+          <p:cNvCxnSpPr>
+            <a:cxnSpLocks/>
+            <a:stCxn id="22" idx="4"/>
+            <a:endCxn id="26" idx="0"/>
+          </p:cNvCxnSpPr>
+          <p:nvPr/>
+        </p:nvCxnSpPr>
+        <p:spPr>
+          <a:xfrm rot="16200000" flipH="1">
+            <a:off x="6265187" y="-17288"/>
+            <a:ext cx="332640" cy="228115"/>
+          </a:xfrm>
+          <a:prstGeom prst="curvedConnector3">
+            <a:avLst>
+              <a:gd name="adj1" fmla="val 50000"/>
+            </a:avLst>
+          </a:prstGeom>
+          <a:ln w="12700">
+            <a:solidFill>
+              <a:schemeClr val="tx1"/>
+            </a:solidFill>
+          </a:ln>
+        </p:spPr>
+        <p:style>
+          <a:lnRef idx="1">
+            <a:schemeClr val="accent1"/>
+          </a:lnRef>
+          <a:fillRef idx="0">
+            <a:schemeClr val="accent1"/>
+          </a:fillRef>
+          <a:effectRef idx="0">
+            <a:schemeClr val="accent1"/>
+          </a:effectRef>
+          <a:fontRef idx="minor">
+            <a:schemeClr val="tx1"/>
+          </a:fontRef>
+        </p:style>
+      </p:cxnSp>
+    </p:spTree>
+    <p:extLst>
+      <p:ext uri="{BB962C8B-B14F-4D97-AF65-F5344CB8AC3E}">
+        <p14:creationId xmlns:p14="http://schemas.microsoft.com/office/powerpoint/2010/main" val="1959312401"/>
+      </p:ext>
+    </p:extLst>
+  </p:cSld>
+  <p:clrMapOvr>
+    <a:masterClrMapping/>
+  </p:clrMapOvr>
+  <mc:AlternateContent xmlns:mc="http://schemas.openxmlformats.org/markup-compatibility/2006" xmlns:p159="http://schemas.microsoft.com/office/powerpoint/2015/09/main">
+    <mc:Choice Requires="p159">
+      <p:transition spd="slow" advClick="0">
+        <p159:morph option="byObject"/>
+      </p:transition>
+    </mc:Choice>
+    <mc:Fallback xmlns="">
+      <p:transition spd="slow" advClick="0">
+        <p:fade/>
+      </p:transition>
+    </mc:Fallback>
+  </mc:AlternateContent>
+</p:sld>
+</file>
+
+<file path=ppt/slides/slide22.xml><?xml version="1.0" encoding="utf-8"?>
+<p:sld xmlns:a="http://schemas.openxmlformats.org/drawingml/2006/main" xmlns:r="http://schemas.openxmlformats.org/officeDocument/2006/relationships" xmlns:p="http://schemas.openxmlformats.org/presentationml/2006/main">
+  <p:cSld>
+    <p:spTree>
+      <p:nvGrpSpPr>
+        <p:cNvPr id="1" name=""/>
+        <p:cNvGrpSpPr/>
+        <p:nvPr/>
+      </p:nvGrpSpPr>
+      <p:grpSpPr>
+        <a:xfrm>
+          <a:off x="0" y="0"/>
+          <a:ext cx="0" cy="0"/>
+          <a:chOff x="0" y="0"/>
+          <a:chExt cx="0" cy="0"/>
+        </a:xfrm>
+      </p:grpSpPr>
+      <p:sp>
+        <p:nvSpPr>
+          <p:cNvPr id="7" name="TextBox 6">
+            <a:extLst>
+              <a:ext uri="{FF2B5EF4-FFF2-40B4-BE49-F238E27FC236}">
+                <a16:creationId xmlns:a16="http://schemas.microsoft.com/office/drawing/2014/main" id="{7432CD06-269D-8519-0178-61F8107F3434}"/>
+              </a:ext>
+            </a:extLst>
+          </p:cNvPr>
+          <p:cNvSpPr txBox="1"/>
+          <p:nvPr/>
+        </p:nvSpPr>
+        <p:spPr>
+          <a:xfrm>
+            <a:off x="-12594140" y="-16615945"/>
+            <a:ext cx="6649080" cy="523220"/>
+          </a:xfrm>
+          <a:prstGeom prst="rect">
+            <a:avLst/>
+          </a:prstGeom>
+          <a:noFill/>
+        </p:spPr>
+        <p:txBody>
+          <a:bodyPr wrap="square" rtlCol="0">
+            <a:spAutoFit/>
+          </a:bodyPr>
+          <a:lstStyle/>
+          <a:p>
+            <a:pPr algn="ctr"/>
+            <a:r>
+              <a:rPr kumimoji="1" lang="en-US" altLang="ko-Kore-KR" sz="2800">
+                <a:ea typeface="Microsoft Himalaya" pitchFamily="2" charset="0"/>
+                <a:cs typeface="Microsoft Himalaya" pitchFamily="2" charset="0"/>
+              </a:rPr>
+              <a:t>What is a purpose of the paper?</a:t>
+            </a:r>
+            <a:endParaRPr kumimoji="1" lang="ko-Kore-KR" altLang="en-US" sz="2800">
+              <a:solidFill>
+                <a:schemeClr val="bg1">
+                  <a:alpha val="0"/>
+                </a:schemeClr>
+              </a:solidFill>
+              <a:cs typeface="Microsoft Himalaya" pitchFamily="2" charset="0"/>
+            </a:endParaRPr>
+          </a:p>
+        </p:txBody>
+      </p:sp>
+      <p:sp>
+        <p:nvSpPr>
+          <p:cNvPr id="6" name="타원 5">
+            <a:extLst>
+              <a:ext uri="{FF2B5EF4-FFF2-40B4-BE49-F238E27FC236}">
+                <a16:creationId xmlns:a16="http://schemas.microsoft.com/office/drawing/2014/main" id="{2EE2381A-BA90-6CCC-E30D-9B8CB7883D9B}"/>
+              </a:ext>
+            </a:extLst>
+          </p:cNvPr>
+          <p:cNvSpPr/>
+          <p:nvPr/>
+        </p:nvSpPr>
+        <p:spPr>
+          <a:xfrm>
+            <a:off x="-12067911" y="-17281810"/>
+            <a:ext cx="5416902" cy="1895475"/>
+          </a:xfrm>
+          <a:prstGeom prst="ellipse">
+            <a:avLst/>
+          </a:prstGeom>
+          <a:noFill/>
+          <a:ln w="19050">
+            <a:solidFill>
+              <a:schemeClr val="tx1"/>
+            </a:solidFill>
+          </a:ln>
+        </p:spPr>
+        <p:style>
+          <a:lnRef idx="2">
+            <a:schemeClr val="accent1">
+              <a:shade val="15000"/>
+            </a:schemeClr>
+          </a:lnRef>
+          <a:fillRef idx="1">
+            <a:schemeClr val="accent1"/>
+          </a:fillRef>
+          <a:effectRef idx="0">
+            <a:schemeClr val="accent1"/>
+          </a:effectRef>
+          <a:fontRef idx="minor">
+            <a:schemeClr val="lt1"/>
+          </a:fontRef>
+        </p:style>
+        <p:txBody>
+          <a:bodyPr rtlCol="0" anchor="ctr"/>
+          <a:lstStyle/>
+          <a:p>
+            <a:pPr algn="ctr"/>
+            <a:endParaRPr kumimoji="1" lang="ko-Kore-KR" altLang="en-US"/>
+          </a:p>
+        </p:txBody>
+      </p:sp>
+      <p:sp>
+        <p:nvSpPr>
+          <p:cNvPr id="2" name="타원 1">
+            <a:extLst>
+              <a:ext uri="{FF2B5EF4-FFF2-40B4-BE49-F238E27FC236}">
+                <a16:creationId xmlns:a16="http://schemas.microsoft.com/office/drawing/2014/main" id="{3537091F-D64C-D90A-CCA1-057FC775DC84}"/>
+              </a:ext>
+            </a:extLst>
+          </p:cNvPr>
+          <p:cNvSpPr/>
+          <p:nvPr/>
+        </p:nvSpPr>
+        <p:spPr>
+          <a:xfrm>
+            <a:off x="-16500781" y="-21411719"/>
+            <a:ext cx="3470478" cy="3347761"/>
+          </a:xfrm>
+          <a:prstGeom prst="ellipse">
+            <a:avLst/>
+          </a:prstGeom>
+          <a:noFill/>
+          <a:ln w="19050">
+            <a:solidFill>
+              <a:schemeClr val="tx1"/>
+            </a:solidFill>
+          </a:ln>
+        </p:spPr>
+        <p:style>
+          <a:lnRef idx="2">
+            <a:schemeClr val="accent1">
+              <a:shade val="15000"/>
+            </a:schemeClr>
+          </a:lnRef>
+          <a:fillRef idx="1">
+            <a:schemeClr val="accent1"/>
+          </a:fillRef>
+          <a:effectRef idx="0">
+            <a:schemeClr val="accent1"/>
+          </a:effectRef>
+          <a:fontRef idx="minor">
+            <a:schemeClr val="lt1"/>
+          </a:fontRef>
+        </p:style>
+        <p:txBody>
+          <a:bodyPr rtlCol="0" anchor="ctr"/>
+          <a:lstStyle/>
+          <a:p>
+            <a:pPr algn="ctr"/>
+            <a:endParaRPr kumimoji="1" lang="ko-Kore-KR" altLang="en-US"/>
+          </a:p>
+        </p:txBody>
+      </p:sp>
+      <p:cxnSp>
+        <p:nvCxnSpPr>
+          <p:cNvPr id="14" name="구부러진 연결선[U] 13">
+            <a:extLst>
+              <a:ext uri="{FF2B5EF4-FFF2-40B4-BE49-F238E27FC236}">
+                <a16:creationId xmlns:a16="http://schemas.microsoft.com/office/drawing/2014/main" id="{2B954181-AE35-70DB-E680-6B87963413D4}"/>
+              </a:ext>
+            </a:extLst>
+          </p:cNvPr>
+          <p:cNvCxnSpPr>
+            <a:cxnSpLocks/>
+            <a:stCxn id="2" idx="5"/>
+            <a:endCxn id="6" idx="2"/>
+          </p:cNvCxnSpPr>
+          <p:nvPr/>
+        </p:nvCxnSpPr>
+        <p:spPr>
+          <a:xfrm rot="16200000" flipH="1">
+            <a:off x="-13913304" y="-18179465"/>
+            <a:ext cx="2220154" cy="1470632"/>
+          </a:xfrm>
+          <a:prstGeom prst="curvedConnector2">
+            <a:avLst/>
+          </a:prstGeom>
+          <a:ln w="12700">
+            <a:solidFill>
+              <a:schemeClr val="tx1"/>
+            </a:solidFill>
+          </a:ln>
+        </p:spPr>
+        <p:style>
+          <a:lnRef idx="1">
+            <a:schemeClr val="accent1"/>
+          </a:lnRef>
+          <a:fillRef idx="0">
+            <a:schemeClr val="accent1"/>
+          </a:fillRef>
+          <a:effectRef idx="0">
+            <a:schemeClr val="accent1"/>
+          </a:effectRef>
+          <a:fontRef idx="minor">
+            <a:schemeClr val="tx1"/>
+          </a:fontRef>
+        </p:style>
+      </p:cxnSp>
+      <p:sp>
+        <p:nvSpPr>
+          <p:cNvPr id="25" name="TextBox 24">
+            <a:extLst>
+              <a:ext uri="{FF2B5EF4-FFF2-40B4-BE49-F238E27FC236}">
+                <a16:creationId xmlns:a16="http://schemas.microsoft.com/office/drawing/2014/main" id="{758AC1A2-CDC9-B7E3-EBE8-BCC2D5E5D2B1}"/>
+              </a:ext>
+            </a:extLst>
+          </p:cNvPr>
+          <p:cNvSpPr txBox="1"/>
+          <p:nvPr/>
+        </p:nvSpPr>
+        <p:spPr>
+          <a:xfrm>
+            <a:off x="-16098084" y="-19387397"/>
+            <a:ext cx="9015787" cy="1323439"/>
+          </a:xfrm>
+          <a:prstGeom prst="rect">
+            <a:avLst/>
+          </a:prstGeom>
+          <a:noFill/>
+        </p:spPr>
+        <p:txBody>
+          <a:bodyPr wrap="square" rtlCol="0">
+            <a:spAutoFit/>
+          </a:bodyPr>
+          <a:lstStyle/>
+          <a:p>
+            <a:pPr algn="ctr"/>
+            <a:r>
+              <a:rPr kumimoji="1" lang="en-US" altLang="ko-Kore-KR" sz="4000">
+                <a:ea typeface="Microsoft Himalaya" pitchFamily="2" charset="0"/>
+                <a:cs typeface="Microsoft Himalaya" pitchFamily="2" charset="0"/>
+              </a:rPr>
+              <a:t>ghOSt</a:t>
+            </a:r>
+            <a:r>
+              <a:rPr kumimoji="1" lang="en-US" altLang="ko-Kore-KR" sz="4000">
+                <a:solidFill>
+                  <a:schemeClr val="bg1">
+                    <a:alpha val="0"/>
+                  </a:schemeClr>
+                </a:solidFill>
+                <a:ea typeface="Microsoft Himalaya" pitchFamily="2" charset="0"/>
+                <a:cs typeface="Microsoft Himalaya" pitchFamily="2" charset="0"/>
+              </a:rPr>
+              <a:t>: Fast &amp; Flexible User-space Delegation of Linux Scheduling </a:t>
+            </a:r>
+            <a:endParaRPr kumimoji="1" lang="ko-Kore-KR" altLang="en-US" sz="4000">
+              <a:solidFill>
+                <a:schemeClr val="bg1">
+                  <a:alpha val="0"/>
+                </a:schemeClr>
+              </a:solidFill>
+              <a:cs typeface="Microsoft Himalaya" pitchFamily="2" charset="0"/>
+            </a:endParaRPr>
+          </a:p>
+        </p:txBody>
+      </p:sp>
+      <p:sp>
+        <p:nvSpPr>
+          <p:cNvPr id="5" name="TextBox 4">
+            <a:extLst>
+              <a:ext uri="{FF2B5EF4-FFF2-40B4-BE49-F238E27FC236}">
+                <a16:creationId xmlns:a16="http://schemas.microsoft.com/office/drawing/2014/main" id="{6654DD5B-363D-007E-134A-CB95D8023FE8}"/>
+              </a:ext>
+            </a:extLst>
+          </p:cNvPr>
+          <p:cNvSpPr txBox="1"/>
+          <p:nvPr/>
+        </p:nvSpPr>
+        <p:spPr>
+          <a:xfrm>
+            <a:off x="-9618279" y="-14389006"/>
+            <a:ext cx="6649080" cy="954107"/>
+          </a:xfrm>
+          <a:prstGeom prst="rect">
+            <a:avLst/>
+          </a:prstGeom>
+          <a:noFill/>
+        </p:spPr>
+        <p:txBody>
+          <a:bodyPr wrap="square" rtlCol="0">
+            <a:spAutoFit/>
+          </a:bodyPr>
+          <a:lstStyle/>
+          <a:p>
+            <a:pPr algn="ctr"/>
+            <a:r>
+              <a:rPr kumimoji="1" lang="en-US" altLang="ko-Kore-KR" sz="2800">
+                <a:ea typeface="Microsoft Himalaya" pitchFamily="2" charset="0"/>
+                <a:cs typeface="Microsoft Himalaya" pitchFamily="2" charset="0"/>
+              </a:rPr>
+              <a:t>Delegating kernel scheduling</a:t>
+            </a:r>
+          </a:p>
+          <a:p>
+            <a:pPr algn="ctr"/>
+            <a:r>
+              <a:rPr kumimoji="1" lang="en-US" altLang="ko-Kore-KR" sz="2800">
+                <a:ea typeface="Microsoft Himalaya" pitchFamily="2" charset="0"/>
+                <a:cs typeface="Microsoft Himalaya" pitchFamily="2" charset="0"/>
+              </a:rPr>
+              <a:t>to userspace code </a:t>
+            </a:r>
+            <a:endParaRPr kumimoji="1" lang="ko-Kore-KR" altLang="en-US" sz="2800">
+              <a:cs typeface="Microsoft Himalaya" pitchFamily="2" charset="0"/>
+            </a:endParaRPr>
+          </a:p>
+        </p:txBody>
+      </p:sp>
+      <p:sp>
+        <p:nvSpPr>
+          <p:cNvPr id="8" name="타원 7">
+            <a:extLst>
+              <a:ext uri="{FF2B5EF4-FFF2-40B4-BE49-F238E27FC236}">
+                <a16:creationId xmlns:a16="http://schemas.microsoft.com/office/drawing/2014/main" id="{CCA7A6FF-A5C1-EE13-DAB5-2A47607E4AA0}"/>
+              </a:ext>
+            </a:extLst>
+          </p:cNvPr>
+          <p:cNvSpPr/>
+          <p:nvPr/>
+        </p:nvSpPr>
+        <p:spPr>
+          <a:xfrm>
+            <a:off x="-9002190" y="-14865797"/>
+            <a:ext cx="5416902" cy="1895475"/>
+          </a:xfrm>
+          <a:prstGeom prst="ellipse">
+            <a:avLst/>
+          </a:prstGeom>
+          <a:noFill/>
+          <a:ln w="19050">
+            <a:solidFill>
+              <a:schemeClr val="tx1"/>
+            </a:solidFill>
+          </a:ln>
+        </p:spPr>
+        <p:style>
+          <a:lnRef idx="2">
+            <a:schemeClr val="accent1">
+              <a:shade val="15000"/>
+            </a:schemeClr>
+          </a:lnRef>
+          <a:fillRef idx="1">
+            <a:schemeClr val="accent1"/>
+          </a:fillRef>
+          <a:effectRef idx="0">
+            <a:schemeClr val="accent1"/>
+          </a:effectRef>
+          <a:fontRef idx="minor">
+            <a:schemeClr val="lt1"/>
+          </a:fontRef>
+        </p:style>
+        <p:txBody>
+          <a:bodyPr rtlCol="0" anchor="ctr"/>
+          <a:lstStyle/>
+          <a:p>
+            <a:pPr algn="ctr"/>
+            <a:endParaRPr kumimoji="1" lang="ko-Kore-KR" altLang="en-US"/>
+          </a:p>
+        </p:txBody>
+      </p:sp>
+      <p:cxnSp>
+        <p:nvCxnSpPr>
+          <p:cNvPr id="9" name="구부러진 연결선[U] 8">
+            <a:extLst>
+              <a:ext uri="{FF2B5EF4-FFF2-40B4-BE49-F238E27FC236}">
+                <a16:creationId xmlns:a16="http://schemas.microsoft.com/office/drawing/2014/main" id="{068EEA84-621C-4582-DC0F-D62A6F3062A3}"/>
+              </a:ext>
+            </a:extLst>
+          </p:cNvPr>
+          <p:cNvCxnSpPr>
+            <a:cxnSpLocks/>
+            <a:stCxn id="6" idx="4"/>
+            <a:endCxn id="8" idx="1"/>
+          </p:cNvCxnSpPr>
+          <p:nvPr/>
+        </p:nvCxnSpPr>
+        <p:spPr>
+          <a:xfrm rot="16200000" flipH="1">
+            <a:off x="-9183244" y="-15562552"/>
+            <a:ext cx="798124" cy="1150557"/>
+          </a:xfrm>
+          <a:prstGeom prst="curvedConnector3">
+            <a:avLst>
+              <a:gd name="adj1" fmla="val 50000"/>
+            </a:avLst>
+          </a:prstGeom>
+          <a:ln w="12700">
+            <a:solidFill>
+              <a:schemeClr val="tx1"/>
+            </a:solidFill>
+          </a:ln>
+        </p:spPr>
+        <p:style>
+          <a:lnRef idx="1">
+            <a:schemeClr val="accent1"/>
+          </a:lnRef>
+          <a:fillRef idx="0">
+            <a:schemeClr val="accent1"/>
+          </a:fillRef>
+          <a:effectRef idx="0">
+            <a:schemeClr val="accent1"/>
+          </a:effectRef>
+          <a:fontRef idx="minor">
+            <a:schemeClr val="tx1"/>
+          </a:fontRef>
+        </p:style>
+      </p:cxnSp>
+      <p:cxnSp>
+        <p:nvCxnSpPr>
+          <p:cNvPr id="3" name="구부러진 연결선[U] 2">
+            <a:extLst>
+              <a:ext uri="{FF2B5EF4-FFF2-40B4-BE49-F238E27FC236}">
+                <a16:creationId xmlns:a16="http://schemas.microsoft.com/office/drawing/2014/main" id="{AC3F9A48-1A19-F6C7-B3C2-CDA39B862C08}"/>
+              </a:ext>
+            </a:extLst>
+          </p:cNvPr>
+          <p:cNvCxnSpPr>
+            <a:cxnSpLocks/>
+            <a:stCxn id="8" idx="4"/>
+            <a:endCxn id="11" idx="1"/>
+          </p:cNvCxnSpPr>
+          <p:nvPr/>
+        </p:nvCxnSpPr>
+        <p:spPr>
+          <a:xfrm rot="16200000" flipH="1">
+            <a:off x="-6088823" y="-13175239"/>
+            <a:ext cx="542943" cy="952775"/>
+          </a:xfrm>
+          <a:prstGeom prst="curvedConnector3">
+            <a:avLst>
+              <a:gd name="adj1" fmla="val 50000"/>
+            </a:avLst>
+          </a:prstGeom>
+          <a:ln w="12700">
+            <a:solidFill>
+              <a:schemeClr val="tx1"/>
+            </a:solidFill>
+          </a:ln>
+        </p:spPr>
+        <p:style>
+          <a:lnRef idx="1">
+            <a:schemeClr val="accent1"/>
+          </a:lnRef>
+          <a:fillRef idx="0">
+            <a:schemeClr val="accent1"/>
+          </a:fillRef>
+          <a:effectRef idx="0">
+            <a:schemeClr val="accent1"/>
+          </a:effectRef>
+          <a:fontRef idx="minor">
+            <a:schemeClr val="tx1"/>
+          </a:fontRef>
+        </p:style>
+      </p:cxnSp>
+      <p:sp>
+        <p:nvSpPr>
+          <p:cNvPr id="10" name="TextBox 9">
+            <a:extLst>
+              <a:ext uri="{FF2B5EF4-FFF2-40B4-BE49-F238E27FC236}">
+                <a16:creationId xmlns:a16="http://schemas.microsoft.com/office/drawing/2014/main" id="{D2C2F8E5-4B8F-C384-0BD1-F8CC7DBBFE31}"/>
+              </a:ext>
+            </a:extLst>
+          </p:cNvPr>
+          <p:cNvSpPr txBox="1"/>
+          <p:nvPr/>
+        </p:nvSpPr>
+        <p:spPr>
+          <a:xfrm>
+            <a:off x="-3806196" y="-9579049"/>
+            <a:ext cx="7214942" cy="1384995"/>
+          </a:xfrm>
+          <a:prstGeom prst="rect">
+            <a:avLst/>
+          </a:prstGeom>
+          <a:noFill/>
+        </p:spPr>
+        <p:txBody>
+          <a:bodyPr wrap="square" rtlCol="0">
+            <a:spAutoFit/>
+          </a:bodyPr>
+          <a:lstStyle/>
+          <a:p>
+            <a:pPr algn="ctr"/>
+            <a:r>
+              <a:rPr kumimoji="1" lang="en-US" altLang="ko-Kore-KR" sz="2800">
+                <a:ea typeface="Microsoft Himalaya" pitchFamily="2" charset="0"/>
+                <a:cs typeface="Microsoft Himalaya" pitchFamily="2" charset="0"/>
+              </a:rPr>
+              <a:t>Because it means that applications can be implemented leveraging the powerful features of the kernel scheduler!!!</a:t>
+            </a:r>
+            <a:endParaRPr kumimoji="1" lang="ko-Kore-KR" altLang="en-US" sz="2800">
+              <a:cs typeface="Microsoft Himalaya" pitchFamily="2" charset="0"/>
+            </a:endParaRPr>
+          </a:p>
+        </p:txBody>
+      </p:sp>
+      <p:sp>
+        <p:nvSpPr>
+          <p:cNvPr id="11" name="타원 10">
+            <a:extLst>
+              <a:ext uri="{FF2B5EF4-FFF2-40B4-BE49-F238E27FC236}">
+                <a16:creationId xmlns:a16="http://schemas.microsoft.com/office/drawing/2014/main" id="{553EEAA2-6F2C-9BFD-E1DC-B64CC11A8B05}"/>
+              </a:ext>
+            </a:extLst>
+          </p:cNvPr>
+          <p:cNvSpPr/>
+          <p:nvPr/>
+        </p:nvSpPr>
+        <p:spPr>
+          <a:xfrm>
+            <a:off x="-6134251" y="-12704965"/>
+            <a:ext cx="5416902" cy="1895475"/>
+          </a:xfrm>
+          <a:prstGeom prst="ellipse">
+            <a:avLst/>
+          </a:prstGeom>
+          <a:noFill/>
+          <a:ln w="19050">
+            <a:solidFill>
+              <a:schemeClr val="tx1"/>
+            </a:solidFill>
+          </a:ln>
+        </p:spPr>
+        <p:style>
+          <a:lnRef idx="2">
+            <a:schemeClr val="accent1">
+              <a:shade val="15000"/>
+            </a:schemeClr>
+          </a:lnRef>
+          <a:fillRef idx="1">
+            <a:schemeClr val="accent1"/>
+          </a:fillRef>
+          <a:effectRef idx="0">
+            <a:schemeClr val="accent1"/>
+          </a:effectRef>
+          <a:fontRef idx="minor">
+            <a:schemeClr val="lt1"/>
+          </a:fontRef>
+        </p:style>
+        <p:txBody>
+          <a:bodyPr rtlCol="0" anchor="ctr"/>
+          <a:lstStyle/>
+          <a:p>
+            <a:pPr algn="ctr"/>
+            <a:endParaRPr kumimoji="1" lang="ko-Kore-KR" altLang="en-US"/>
+          </a:p>
+        </p:txBody>
+      </p:sp>
+      <p:sp>
+        <p:nvSpPr>
+          <p:cNvPr id="12" name="타원 11">
+            <a:extLst>
+              <a:ext uri="{FF2B5EF4-FFF2-40B4-BE49-F238E27FC236}">
+                <a16:creationId xmlns:a16="http://schemas.microsoft.com/office/drawing/2014/main" id="{98BE3455-7E7C-98E6-2F4D-8656076DB122}"/>
+              </a:ext>
+            </a:extLst>
+          </p:cNvPr>
+          <p:cNvSpPr/>
+          <p:nvPr/>
+        </p:nvSpPr>
+        <p:spPr>
+          <a:xfrm>
+            <a:off x="-3953978" y="-10143057"/>
+            <a:ext cx="7510506" cy="2356551"/>
+          </a:xfrm>
+          <a:prstGeom prst="ellipse">
+            <a:avLst/>
+          </a:prstGeom>
+          <a:noFill/>
+          <a:ln w="19050">
+            <a:solidFill>
+              <a:schemeClr val="tx1"/>
+            </a:solidFill>
+          </a:ln>
+        </p:spPr>
+        <p:style>
+          <a:lnRef idx="2">
+            <a:schemeClr val="accent1">
+              <a:shade val="15000"/>
+            </a:schemeClr>
+          </a:lnRef>
+          <a:fillRef idx="1">
+            <a:schemeClr val="accent1"/>
+          </a:fillRef>
+          <a:effectRef idx="0">
+            <a:schemeClr val="accent1"/>
+          </a:effectRef>
+          <a:fontRef idx="minor">
+            <a:schemeClr val="lt1"/>
+          </a:fontRef>
+        </p:style>
+        <p:txBody>
+          <a:bodyPr rtlCol="0" anchor="ctr"/>
+          <a:lstStyle/>
+          <a:p>
+            <a:pPr algn="ctr"/>
+            <a:endParaRPr kumimoji="1" lang="ko-Kore-KR" altLang="en-US"/>
+          </a:p>
+        </p:txBody>
+      </p:sp>
+      <p:cxnSp>
+        <p:nvCxnSpPr>
+          <p:cNvPr id="13" name="구부러진 연결선[U] 12">
+            <a:extLst>
+              <a:ext uri="{FF2B5EF4-FFF2-40B4-BE49-F238E27FC236}">
+                <a16:creationId xmlns:a16="http://schemas.microsoft.com/office/drawing/2014/main" id="{8D73709C-867B-5C3D-0744-BD01319122DC}"/>
+              </a:ext>
+            </a:extLst>
+          </p:cNvPr>
+          <p:cNvCxnSpPr>
+            <a:cxnSpLocks/>
+            <a:stCxn id="11" idx="4"/>
+            <a:endCxn id="12" idx="1"/>
+          </p:cNvCxnSpPr>
+          <p:nvPr/>
+        </p:nvCxnSpPr>
+        <p:spPr>
+          <a:xfrm rot="16200000" flipH="1">
+            <a:off x="-3645716" y="-10589574"/>
+            <a:ext cx="1011542" cy="571710"/>
+          </a:xfrm>
+          <a:prstGeom prst="curvedConnector3">
+            <a:avLst>
+              <a:gd name="adj1" fmla="val 50000"/>
+            </a:avLst>
+          </a:prstGeom>
+          <a:ln w="12700">
+            <a:solidFill>
+              <a:schemeClr val="tx1"/>
+            </a:solidFill>
+          </a:ln>
+        </p:spPr>
+        <p:style>
+          <a:lnRef idx="1">
+            <a:schemeClr val="accent1"/>
+          </a:lnRef>
+          <a:fillRef idx="0">
+            <a:schemeClr val="accent1"/>
+          </a:fillRef>
+          <a:effectRef idx="0">
+            <a:schemeClr val="accent1"/>
+          </a:effectRef>
+          <a:fontRef idx="minor">
+            <a:schemeClr val="tx1"/>
+          </a:fontRef>
+        </p:style>
+      </p:cxnSp>
+      <p:sp>
+        <p:nvSpPr>
+          <p:cNvPr id="17" name="TextBox 16">
+            <a:extLst>
+              <a:ext uri="{FF2B5EF4-FFF2-40B4-BE49-F238E27FC236}">
+                <a16:creationId xmlns:a16="http://schemas.microsoft.com/office/drawing/2014/main" id="{2461D2E0-27C3-B02E-68FA-2F27E0718AE4}"/>
+              </a:ext>
+            </a:extLst>
+          </p:cNvPr>
+          <p:cNvSpPr txBox="1"/>
+          <p:nvPr/>
+        </p:nvSpPr>
+        <p:spPr>
+          <a:xfrm>
+            <a:off x="-6909828" y="-11972993"/>
+            <a:ext cx="6649080" cy="523220"/>
+          </a:xfrm>
+          <a:prstGeom prst="rect">
+            <a:avLst/>
+          </a:prstGeom>
+          <a:noFill/>
+        </p:spPr>
+        <p:txBody>
+          <a:bodyPr wrap="square" rtlCol="0">
+            <a:spAutoFit/>
+          </a:bodyPr>
+          <a:lstStyle/>
+          <a:p>
+            <a:pPr algn="ctr"/>
+            <a:r>
+              <a:rPr kumimoji="1" lang="en-US" altLang="ko-Kore-KR" sz="2800">
+                <a:ea typeface="Microsoft Himalaya" pitchFamily="2" charset="0"/>
+                <a:cs typeface="Microsoft Himalaya" pitchFamily="2" charset="0"/>
+              </a:rPr>
+              <a:t>Why is that important?</a:t>
+            </a:r>
+            <a:endParaRPr kumimoji="1" lang="ko-Kore-KR" altLang="en-US" sz="2800">
+              <a:cs typeface="Microsoft Himalaya" pitchFamily="2" charset="0"/>
+            </a:endParaRPr>
+          </a:p>
+        </p:txBody>
+      </p:sp>
+      <p:sp>
+        <p:nvSpPr>
+          <p:cNvPr id="4" name="TextBox 3">
+            <a:extLst>
+              <a:ext uri="{FF2B5EF4-FFF2-40B4-BE49-F238E27FC236}">
+                <a16:creationId xmlns:a16="http://schemas.microsoft.com/office/drawing/2014/main" id="{09069384-6BDF-4AB8-9E82-55B8B48224F5}"/>
+              </a:ext>
+            </a:extLst>
+          </p:cNvPr>
+          <p:cNvSpPr txBox="1"/>
+          <p:nvPr/>
+        </p:nvSpPr>
+        <p:spPr>
+          <a:xfrm>
+            <a:off x="718180" y="-6996896"/>
+            <a:ext cx="7214942" cy="1384995"/>
+          </a:xfrm>
+          <a:prstGeom prst="rect">
+            <a:avLst/>
+          </a:prstGeom>
+          <a:noFill/>
+        </p:spPr>
+        <p:txBody>
+          <a:bodyPr wrap="square" rtlCol="0">
+            <a:spAutoFit/>
+          </a:bodyPr>
+          <a:lstStyle/>
+          <a:p>
+            <a:pPr algn="ctr"/>
+            <a:r>
+              <a:rPr kumimoji="1" lang="en-US" altLang="ko-Kore-KR" sz="2800">
+                <a:cs typeface="Microsoft Himalaya" pitchFamily="2" charset="0"/>
+              </a:rPr>
+              <a:t>Also, scheduling designs that were previously </a:t>
+            </a:r>
+            <a:r>
+              <a:rPr kumimoji="1" lang="en-US" altLang="ko-KR" sz="2800">
+                <a:cs typeface="Microsoft Himalaya" pitchFamily="2" charset="0"/>
+              </a:rPr>
+              <a:t>unused because they did not fit into the general kernel </a:t>
+            </a:r>
+            <a:r>
+              <a:rPr kumimoji="1" lang="en-US" altLang="ko-Kore-KR" sz="2800">
+                <a:cs typeface="Microsoft Himalaya" pitchFamily="2" charset="0"/>
+              </a:rPr>
+              <a:t>can be used in the userspace!!</a:t>
+            </a:r>
+            <a:endParaRPr kumimoji="1" lang="ko-Kore-KR" altLang="en-US" sz="2800">
+              <a:cs typeface="Microsoft Himalaya" pitchFamily="2" charset="0"/>
+            </a:endParaRPr>
+          </a:p>
+        </p:txBody>
+      </p:sp>
+      <p:cxnSp>
+        <p:nvCxnSpPr>
+          <p:cNvPr id="15" name="구부러진 연결선[U] 14">
+            <a:extLst>
+              <a:ext uri="{FF2B5EF4-FFF2-40B4-BE49-F238E27FC236}">
+                <a16:creationId xmlns:a16="http://schemas.microsoft.com/office/drawing/2014/main" id="{86EB4F29-36E1-ABFE-5C78-E34AEC8E26C2}"/>
+              </a:ext>
+            </a:extLst>
+          </p:cNvPr>
+          <p:cNvCxnSpPr>
+            <a:cxnSpLocks/>
+            <a:stCxn id="12" idx="5"/>
+            <a:endCxn id="16" idx="0"/>
+          </p:cNvCxnSpPr>
+          <p:nvPr/>
+        </p:nvCxnSpPr>
+        <p:spPr>
+          <a:xfrm rot="16200000" flipH="1">
+            <a:off x="3124520" y="-8799496"/>
+            <a:ext cx="501569" cy="1837329"/>
+          </a:xfrm>
+          <a:prstGeom prst="curvedConnector3">
+            <a:avLst>
+              <a:gd name="adj1" fmla="val 50000"/>
+            </a:avLst>
+          </a:prstGeom>
+          <a:ln w="12700">
+            <a:solidFill>
+              <a:schemeClr val="tx1"/>
+            </a:solidFill>
+          </a:ln>
+        </p:spPr>
+        <p:style>
+          <a:lnRef idx="1">
+            <a:schemeClr val="accent1"/>
+          </a:lnRef>
+          <a:fillRef idx="0">
+            <a:schemeClr val="accent1"/>
+          </a:fillRef>
+          <a:effectRef idx="0">
+            <a:schemeClr val="accent1"/>
+          </a:effectRef>
+          <a:fontRef idx="minor">
+            <a:schemeClr val="tx1"/>
+          </a:fontRef>
+        </p:style>
+      </p:cxnSp>
+      <p:sp>
+        <p:nvSpPr>
+          <p:cNvPr id="16" name="타원 15">
+            <a:extLst>
+              <a:ext uri="{FF2B5EF4-FFF2-40B4-BE49-F238E27FC236}">
+                <a16:creationId xmlns:a16="http://schemas.microsoft.com/office/drawing/2014/main" id="{C2E7E2C8-45E7-5C28-C930-10DEF0105BBC}"/>
+              </a:ext>
+            </a:extLst>
+          </p:cNvPr>
+          <p:cNvSpPr/>
+          <p:nvPr/>
+        </p:nvSpPr>
+        <p:spPr>
+          <a:xfrm>
+            <a:off x="349915" y="-7630046"/>
+            <a:ext cx="7888107" cy="2599856"/>
+          </a:xfrm>
+          <a:prstGeom prst="ellipse">
+            <a:avLst/>
+          </a:prstGeom>
+          <a:noFill/>
+          <a:ln w="19050">
+            <a:solidFill>
+              <a:schemeClr val="tx1"/>
+            </a:solidFill>
+          </a:ln>
+        </p:spPr>
+        <p:style>
+          <a:lnRef idx="2">
+            <a:schemeClr val="accent1">
+              <a:shade val="15000"/>
+            </a:schemeClr>
+          </a:lnRef>
+          <a:fillRef idx="1">
+            <a:schemeClr val="accent1"/>
+          </a:fillRef>
+          <a:effectRef idx="0">
+            <a:schemeClr val="accent1"/>
+          </a:effectRef>
+          <a:fontRef idx="minor">
+            <a:schemeClr val="lt1"/>
+          </a:fontRef>
+        </p:style>
+        <p:txBody>
+          <a:bodyPr rtlCol="0" anchor="ctr"/>
+          <a:lstStyle/>
+          <a:p>
+            <a:pPr algn="ctr"/>
+            <a:endParaRPr kumimoji="1" lang="ko-Kore-KR" altLang="en-US"/>
+          </a:p>
+        </p:txBody>
+      </p:sp>
+      <p:sp>
+        <p:nvSpPr>
+          <p:cNvPr id="18" name="TextBox 17">
+            <a:extLst>
+              <a:ext uri="{FF2B5EF4-FFF2-40B4-BE49-F238E27FC236}">
+                <a16:creationId xmlns:a16="http://schemas.microsoft.com/office/drawing/2014/main" id="{4EF28DD6-7793-8D9A-044F-B978D4AF4B34}"/>
+              </a:ext>
+            </a:extLst>
+          </p:cNvPr>
+          <p:cNvSpPr txBox="1"/>
+          <p:nvPr/>
+        </p:nvSpPr>
+        <p:spPr>
+          <a:xfrm>
+            <a:off x="2338792" y="-3847532"/>
+            <a:ext cx="8214246" cy="1384995"/>
+          </a:xfrm>
+          <a:prstGeom prst="rect">
+            <a:avLst/>
+          </a:prstGeom>
+          <a:noFill/>
+        </p:spPr>
+        <p:txBody>
+          <a:bodyPr wrap="square" rtlCol="0">
+            <a:spAutoFit/>
+          </a:bodyPr>
+          <a:lstStyle/>
+          <a:p>
+            <a:pPr algn="ctr"/>
+            <a:r>
+              <a:rPr kumimoji="1" lang="en-US" altLang="ko-Kore-KR" sz="2800">
+                <a:cs typeface="Microsoft Himalaya" pitchFamily="2" charset="0"/>
+              </a:rPr>
+              <a:t>Fundamentally, the ghOSt relaxes restrictions in terms of CPU virtualization, expanding user’s development design freedom</a:t>
+            </a:r>
+            <a:endParaRPr kumimoji="1" lang="ko-Kore-KR" altLang="en-US" sz="2800">
+              <a:cs typeface="Microsoft Himalaya" pitchFamily="2" charset="0"/>
+            </a:endParaRPr>
+          </a:p>
+        </p:txBody>
+      </p:sp>
+      <p:sp>
+        <p:nvSpPr>
+          <p:cNvPr id="19" name="타원 18">
+            <a:extLst>
+              <a:ext uri="{FF2B5EF4-FFF2-40B4-BE49-F238E27FC236}">
+                <a16:creationId xmlns:a16="http://schemas.microsoft.com/office/drawing/2014/main" id="{FA0DF77A-7B58-7DE1-8A3E-0A5DA271ECE9}"/>
+              </a:ext>
+            </a:extLst>
+          </p:cNvPr>
+          <p:cNvSpPr/>
+          <p:nvPr/>
+        </p:nvSpPr>
+        <p:spPr>
+          <a:xfrm>
+            <a:off x="1721225" y="-4475049"/>
+            <a:ext cx="9637823" cy="2648636"/>
+          </a:xfrm>
+          <a:prstGeom prst="ellipse">
+            <a:avLst/>
+          </a:prstGeom>
+          <a:noFill/>
+          <a:ln w="19050">
+            <a:solidFill>
+              <a:schemeClr val="tx1"/>
+            </a:solidFill>
+          </a:ln>
+        </p:spPr>
+        <p:style>
+          <a:lnRef idx="2">
+            <a:schemeClr val="accent1">
+              <a:shade val="15000"/>
+            </a:schemeClr>
+          </a:lnRef>
+          <a:fillRef idx="1">
+            <a:schemeClr val="accent1"/>
+          </a:fillRef>
+          <a:effectRef idx="0">
+            <a:schemeClr val="accent1"/>
+          </a:effectRef>
+          <a:fontRef idx="minor">
+            <a:schemeClr val="lt1"/>
+          </a:fontRef>
+        </p:style>
+        <p:txBody>
+          <a:bodyPr rtlCol="0" anchor="ctr"/>
+          <a:lstStyle/>
+          <a:p>
+            <a:pPr algn="ctr"/>
+            <a:endParaRPr kumimoji="1" lang="ko-Kore-KR" altLang="en-US"/>
+          </a:p>
+        </p:txBody>
+      </p:sp>
+      <p:cxnSp>
+        <p:nvCxnSpPr>
+          <p:cNvPr id="20" name="구부러진 연결선[U] 19">
+            <a:extLst>
+              <a:ext uri="{FF2B5EF4-FFF2-40B4-BE49-F238E27FC236}">
+                <a16:creationId xmlns:a16="http://schemas.microsoft.com/office/drawing/2014/main" id="{19A5D647-6532-DA56-118D-A70386D6DBB1}"/>
+              </a:ext>
+            </a:extLst>
+          </p:cNvPr>
+          <p:cNvCxnSpPr>
+            <a:cxnSpLocks/>
+            <a:stCxn id="16" idx="4"/>
+            <a:endCxn id="19" idx="0"/>
+          </p:cNvCxnSpPr>
+          <p:nvPr/>
+        </p:nvCxnSpPr>
+        <p:spPr>
+          <a:xfrm rot="16200000" flipH="1">
+            <a:off x="5139483" y="-5875704"/>
+            <a:ext cx="555141" cy="2246168"/>
+          </a:xfrm>
+          <a:prstGeom prst="curvedConnector3">
+            <a:avLst>
+              <a:gd name="adj1" fmla="val 50000"/>
+            </a:avLst>
+          </a:prstGeom>
+          <a:ln w="12700">
+            <a:solidFill>
+              <a:schemeClr val="tx1"/>
+            </a:solidFill>
+          </a:ln>
+        </p:spPr>
+        <p:style>
+          <a:lnRef idx="1">
+            <a:schemeClr val="accent1"/>
+          </a:lnRef>
+          <a:fillRef idx="0">
+            <a:schemeClr val="accent1"/>
+          </a:fillRef>
+          <a:effectRef idx="0">
+            <a:schemeClr val="accent1"/>
+          </a:effectRef>
+          <a:fontRef idx="minor">
+            <a:schemeClr val="tx1"/>
+          </a:fontRef>
+        </p:style>
+      </p:cxnSp>
+      <p:sp>
+        <p:nvSpPr>
+          <p:cNvPr id="21" name="TextBox 20">
+            <a:extLst>
+              <a:ext uri="{FF2B5EF4-FFF2-40B4-BE49-F238E27FC236}">
+                <a16:creationId xmlns:a16="http://schemas.microsoft.com/office/drawing/2014/main" id="{A8F0A1E5-1099-7203-EF65-828FC6C9B5A6}"/>
+              </a:ext>
+            </a:extLst>
+          </p:cNvPr>
+          <p:cNvSpPr txBox="1"/>
+          <p:nvPr/>
+        </p:nvSpPr>
+        <p:spPr>
+          <a:xfrm>
+            <a:off x="2251831" y="-929099"/>
+            <a:ext cx="8214246" cy="523220"/>
+          </a:xfrm>
+          <a:prstGeom prst="rect">
+            <a:avLst/>
+          </a:prstGeom>
+          <a:noFill/>
+        </p:spPr>
+        <p:txBody>
+          <a:bodyPr wrap="square" rtlCol="0">
+            <a:spAutoFit/>
+          </a:bodyPr>
+          <a:lstStyle/>
+          <a:p>
+            <a:pPr algn="ctr"/>
+            <a:r>
+              <a:rPr kumimoji="1" lang="en-US" altLang="ko-Kore-KR" sz="2800">
+                <a:cs typeface="Microsoft Himalaya" pitchFamily="2" charset="0"/>
+              </a:rPr>
+              <a:t>Then, is a new insight presented by ghOSt? </a:t>
+            </a:r>
+            <a:endParaRPr kumimoji="1" lang="ko-Kore-KR" altLang="en-US" sz="2800">
+              <a:cs typeface="Microsoft Himalaya" pitchFamily="2" charset="0"/>
+            </a:endParaRPr>
+          </a:p>
+        </p:txBody>
+      </p:sp>
+      <p:sp>
+        <p:nvSpPr>
+          <p:cNvPr id="22" name="타원 21">
+            <a:extLst>
+              <a:ext uri="{FF2B5EF4-FFF2-40B4-BE49-F238E27FC236}">
+                <a16:creationId xmlns:a16="http://schemas.microsoft.com/office/drawing/2014/main" id="{4C508DF5-D81D-1B29-3261-B9B15C155BE4}"/>
+              </a:ext>
+            </a:extLst>
+          </p:cNvPr>
+          <p:cNvSpPr/>
+          <p:nvPr/>
+        </p:nvSpPr>
+        <p:spPr>
+          <a:xfrm>
+            <a:off x="2394058" y="-1198896"/>
+            <a:ext cx="7846783" cy="1129346"/>
+          </a:xfrm>
+          <a:prstGeom prst="ellipse">
+            <a:avLst/>
+          </a:prstGeom>
+          <a:noFill/>
+          <a:ln w="19050">
+            <a:solidFill>
+              <a:schemeClr val="tx1"/>
+            </a:solidFill>
+          </a:ln>
+        </p:spPr>
+        <p:style>
+          <a:lnRef idx="2">
+            <a:schemeClr val="accent1">
+              <a:shade val="15000"/>
+            </a:schemeClr>
+          </a:lnRef>
+          <a:fillRef idx="1">
+            <a:schemeClr val="accent1"/>
+          </a:fillRef>
+          <a:effectRef idx="0">
+            <a:schemeClr val="accent1"/>
+          </a:effectRef>
+          <a:fontRef idx="minor">
+            <a:schemeClr val="lt1"/>
+          </a:fontRef>
+        </p:style>
+        <p:txBody>
+          <a:bodyPr rtlCol="0" anchor="ctr"/>
+          <a:lstStyle/>
+          <a:p>
+            <a:pPr algn="ctr"/>
+            <a:endParaRPr kumimoji="1" lang="ko-Kore-KR" altLang="en-US"/>
+          </a:p>
+        </p:txBody>
+      </p:sp>
+      <p:cxnSp>
+        <p:nvCxnSpPr>
+          <p:cNvPr id="23" name="구부러진 연결선[U] 22">
+            <a:extLst>
+              <a:ext uri="{FF2B5EF4-FFF2-40B4-BE49-F238E27FC236}">
+                <a16:creationId xmlns:a16="http://schemas.microsoft.com/office/drawing/2014/main" id="{76975E94-9776-4206-E3F2-A9C416308400}"/>
+              </a:ext>
+            </a:extLst>
+          </p:cNvPr>
+          <p:cNvCxnSpPr>
+            <a:cxnSpLocks/>
+            <a:stCxn id="19" idx="4"/>
+            <a:endCxn id="22" idx="0"/>
+          </p:cNvCxnSpPr>
+          <p:nvPr/>
+        </p:nvCxnSpPr>
+        <p:spPr>
+          <a:xfrm rot="5400000">
+            <a:off x="6115036" y="-1623998"/>
+            <a:ext cx="627517" cy="222687"/>
+          </a:xfrm>
+          <a:prstGeom prst="curvedConnector3">
+            <a:avLst>
+              <a:gd name="adj1" fmla="val 50000"/>
+            </a:avLst>
+          </a:prstGeom>
+          <a:ln w="12700">
+            <a:solidFill>
+              <a:schemeClr val="tx1"/>
+            </a:solidFill>
+          </a:ln>
+        </p:spPr>
+        <p:style>
+          <a:lnRef idx="1">
+            <a:schemeClr val="accent1"/>
+          </a:lnRef>
+          <a:fillRef idx="0">
+            <a:schemeClr val="accent1"/>
+          </a:fillRef>
+          <a:effectRef idx="0">
+            <a:schemeClr val="accent1"/>
+          </a:effectRef>
+          <a:fontRef idx="minor">
+            <a:schemeClr val="tx1"/>
+          </a:fontRef>
+        </p:style>
+      </p:cxnSp>
+      <p:sp>
+        <p:nvSpPr>
+          <p:cNvPr id="24" name="TextBox 23">
+            <a:extLst>
+              <a:ext uri="{FF2B5EF4-FFF2-40B4-BE49-F238E27FC236}">
+                <a16:creationId xmlns:a16="http://schemas.microsoft.com/office/drawing/2014/main" id="{D9CCB771-34F4-DECE-EB41-D9D9451BBE6B}"/>
+              </a:ext>
+            </a:extLst>
+          </p:cNvPr>
+          <p:cNvSpPr txBox="1"/>
+          <p:nvPr/>
+        </p:nvSpPr>
+        <p:spPr>
+          <a:xfrm>
+            <a:off x="2590673" y="557967"/>
+            <a:ext cx="8214246" cy="954107"/>
+          </a:xfrm>
+          <a:prstGeom prst="rect">
+            <a:avLst/>
+          </a:prstGeom>
+          <a:noFill/>
+        </p:spPr>
+        <p:txBody>
+          <a:bodyPr wrap="square" rtlCol="0">
+            <a:spAutoFit/>
+          </a:bodyPr>
+          <a:lstStyle/>
+          <a:p>
+            <a:pPr algn="ctr"/>
+            <a:r>
+              <a:rPr kumimoji="1" lang="en-US" altLang="ko-Kore-KR" sz="2800">
+                <a:cs typeface="Microsoft Himalaya" pitchFamily="2" charset="0"/>
+              </a:rPr>
+              <a:t>What has been done before in the same context as this fundamental insight?</a:t>
+            </a:r>
+            <a:endParaRPr kumimoji="1" lang="ko-Kore-KR" altLang="en-US" sz="2800">
+              <a:cs typeface="Microsoft Himalaya" pitchFamily="2" charset="0"/>
+            </a:endParaRPr>
+          </a:p>
+        </p:txBody>
+      </p:sp>
+      <p:sp>
+        <p:nvSpPr>
+          <p:cNvPr id="26" name="타원 25">
+            <a:extLst>
+              <a:ext uri="{FF2B5EF4-FFF2-40B4-BE49-F238E27FC236}">
+                <a16:creationId xmlns:a16="http://schemas.microsoft.com/office/drawing/2014/main" id="{74D3F31D-3F9C-6321-18F1-2C57945CDF24}"/>
+              </a:ext>
+            </a:extLst>
+          </p:cNvPr>
+          <p:cNvSpPr/>
+          <p:nvPr/>
+        </p:nvSpPr>
+        <p:spPr>
+          <a:xfrm>
+            <a:off x="2018006" y="263090"/>
+            <a:ext cx="9055117" cy="1401639"/>
+          </a:xfrm>
+          <a:prstGeom prst="ellipse">
+            <a:avLst/>
+          </a:prstGeom>
+          <a:noFill/>
+          <a:ln w="19050">
+            <a:solidFill>
+              <a:schemeClr val="tx1"/>
+            </a:solidFill>
+          </a:ln>
+        </p:spPr>
+        <p:style>
+          <a:lnRef idx="2">
+            <a:schemeClr val="accent1">
+              <a:shade val="15000"/>
+            </a:schemeClr>
+          </a:lnRef>
+          <a:fillRef idx="1">
+            <a:schemeClr val="accent1"/>
+          </a:fillRef>
+          <a:effectRef idx="0">
+            <a:schemeClr val="accent1"/>
+          </a:effectRef>
+          <a:fontRef idx="minor">
+            <a:schemeClr val="lt1"/>
+          </a:fontRef>
+        </p:style>
+        <p:txBody>
+          <a:bodyPr rtlCol="0" anchor="ctr"/>
+          <a:lstStyle/>
+          <a:p>
+            <a:pPr algn="ctr"/>
+            <a:endParaRPr kumimoji="1" lang="ko-Kore-KR" altLang="en-US"/>
+          </a:p>
+        </p:txBody>
+      </p:sp>
+      <p:cxnSp>
+        <p:nvCxnSpPr>
+          <p:cNvPr id="27" name="구부러진 연결선[U] 26">
+            <a:extLst>
+              <a:ext uri="{FF2B5EF4-FFF2-40B4-BE49-F238E27FC236}">
+                <a16:creationId xmlns:a16="http://schemas.microsoft.com/office/drawing/2014/main" id="{9E36E546-0899-D82E-3FE4-1D54F088F523}"/>
+              </a:ext>
+            </a:extLst>
+          </p:cNvPr>
+          <p:cNvCxnSpPr>
+            <a:cxnSpLocks/>
+            <a:stCxn id="22" idx="4"/>
+            <a:endCxn id="26" idx="0"/>
+          </p:cNvCxnSpPr>
+          <p:nvPr/>
+        </p:nvCxnSpPr>
+        <p:spPr>
+          <a:xfrm rot="16200000" flipH="1">
+            <a:off x="6265187" y="-17288"/>
+            <a:ext cx="332640" cy="228115"/>
+          </a:xfrm>
+          <a:prstGeom prst="curvedConnector3">
+            <a:avLst>
+              <a:gd name="adj1" fmla="val 50000"/>
+            </a:avLst>
+          </a:prstGeom>
+          <a:ln w="12700">
+            <a:solidFill>
+              <a:schemeClr val="tx1"/>
+            </a:solidFill>
+          </a:ln>
+        </p:spPr>
+        <p:style>
+          <a:lnRef idx="1">
+            <a:schemeClr val="accent1"/>
+          </a:lnRef>
+          <a:fillRef idx="0">
+            <a:schemeClr val="accent1"/>
+          </a:fillRef>
+          <a:effectRef idx="0">
+            <a:schemeClr val="accent1"/>
+          </a:effectRef>
+          <a:fontRef idx="minor">
+            <a:schemeClr val="tx1"/>
+          </a:fontRef>
+        </p:style>
+      </p:cxnSp>
+      <p:sp>
+        <p:nvSpPr>
+          <p:cNvPr id="28" name="TextBox 27">
+            <a:extLst>
+              <a:ext uri="{FF2B5EF4-FFF2-40B4-BE49-F238E27FC236}">
+                <a16:creationId xmlns:a16="http://schemas.microsoft.com/office/drawing/2014/main" id="{E8534B9F-7211-6895-994D-EE1F30F8D69D}"/>
+              </a:ext>
+            </a:extLst>
+          </p:cNvPr>
+          <p:cNvSpPr txBox="1"/>
+          <p:nvPr/>
+        </p:nvSpPr>
+        <p:spPr>
+          <a:xfrm>
+            <a:off x="2338792" y="2497128"/>
+            <a:ext cx="8214246" cy="954107"/>
+          </a:xfrm>
+          <a:prstGeom prst="rect">
+            <a:avLst/>
+          </a:prstGeom>
+          <a:noFill/>
+        </p:spPr>
+        <p:txBody>
+          <a:bodyPr wrap="square" rtlCol="0">
+            <a:spAutoFit/>
+          </a:bodyPr>
+          <a:lstStyle/>
+          <a:p>
+            <a:pPr algn="ctr"/>
+            <a:r>
+              <a:rPr kumimoji="1" lang="en-US" altLang="ko-Kore-KR" sz="2800">
+                <a:cs typeface="Microsoft Himalaya" pitchFamily="2" charset="0"/>
+              </a:rPr>
+              <a:t>All these things are focusing on relaxing CPU virtualization itself</a:t>
+            </a:r>
+            <a:endParaRPr kumimoji="1" lang="ko-Kore-KR" altLang="en-US" sz="2800">
+              <a:cs typeface="Microsoft Himalaya" pitchFamily="2" charset="0"/>
+            </a:endParaRPr>
+          </a:p>
+        </p:txBody>
+      </p:sp>
+      <p:sp>
+        <p:nvSpPr>
+          <p:cNvPr id="29" name="타원 28">
+            <a:extLst>
+              <a:ext uri="{FF2B5EF4-FFF2-40B4-BE49-F238E27FC236}">
+                <a16:creationId xmlns:a16="http://schemas.microsoft.com/office/drawing/2014/main" id="{E3A1A664-3E77-01B5-65C2-80AFA2CDD22C}"/>
+              </a:ext>
+            </a:extLst>
+          </p:cNvPr>
+          <p:cNvSpPr/>
+          <p:nvPr/>
+        </p:nvSpPr>
+        <p:spPr>
+          <a:xfrm>
+            <a:off x="2170237" y="2273363"/>
+            <a:ext cx="9055117" cy="1401639"/>
+          </a:xfrm>
+          <a:prstGeom prst="ellipse">
+            <a:avLst/>
+          </a:prstGeom>
+          <a:noFill/>
+          <a:ln w="19050">
+            <a:solidFill>
+              <a:schemeClr val="tx1"/>
+            </a:solidFill>
+          </a:ln>
+        </p:spPr>
+        <p:style>
+          <a:lnRef idx="2">
+            <a:schemeClr val="accent1">
+              <a:shade val="15000"/>
+            </a:schemeClr>
+          </a:lnRef>
+          <a:fillRef idx="1">
+            <a:schemeClr val="accent1"/>
+          </a:fillRef>
+          <a:effectRef idx="0">
+            <a:schemeClr val="accent1"/>
+          </a:effectRef>
+          <a:fontRef idx="minor">
+            <a:schemeClr val="lt1"/>
+          </a:fontRef>
+        </p:style>
+        <p:txBody>
+          <a:bodyPr rtlCol="0" anchor="ctr"/>
+          <a:lstStyle/>
+          <a:p>
+            <a:pPr algn="ctr"/>
+            <a:endParaRPr kumimoji="1" lang="ko-Kore-KR" altLang="en-US"/>
+          </a:p>
+        </p:txBody>
+      </p:sp>
+      <p:cxnSp>
+        <p:nvCxnSpPr>
+          <p:cNvPr id="30" name="구부러진 연결선[U] 29">
+            <a:extLst>
+              <a:ext uri="{FF2B5EF4-FFF2-40B4-BE49-F238E27FC236}">
+                <a16:creationId xmlns:a16="http://schemas.microsoft.com/office/drawing/2014/main" id="{5880DCAE-E4E6-A983-8FE9-2A8D3336CBE3}"/>
+              </a:ext>
+            </a:extLst>
+          </p:cNvPr>
+          <p:cNvCxnSpPr>
+            <a:cxnSpLocks/>
+            <a:stCxn id="26" idx="4"/>
+            <a:endCxn id="29" idx="0"/>
+          </p:cNvCxnSpPr>
+          <p:nvPr/>
+        </p:nvCxnSpPr>
+        <p:spPr>
+          <a:xfrm rot="16200000" flipH="1">
+            <a:off x="6317363" y="1892930"/>
+            <a:ext cx="608634" cy="152231"/>
+          </a:xfrm>
+          <a:prstGeom prst="curvedConnector3">
+            <a:avLst>
+              <a:gd name="adj1" fmla="val 50000"/>
+            </a:avLst>
+          </a:prstGeom>
+          <a:ln w="12700">
+            <a:solidFill>
+              <a:schemeClr val="tx1"/>
+            </a:solidFill>
+          </a:ln>
+        </p:spPr>
+        <p:style>
+          <a:lnRef idx="1">
+            <a:schemeClr val="accent1"/>
+          </a:lnRef>
+          <a:fillRef idx="0">
+            <a:schemeClr val="accent1"/>
+          </a:fillRef>
+          <a:effectRef idx="0">
+            <a:schemeClr val="accent1"/>
+          </a:effectRef>
+          <a:fontRef idx="minor">
+            <a:schemeClr val="tx1"/>
+          </a:fontRef>
+        </p:style>
+      </p:cxnSp>
+    </p:spTree>
+    <p:extLst>
+      <p:ext uri="{BB962C8B-B14F-4D97-AF65-F5344CB8AC3E}">
+        <p14:creationId xmlns:p14="http://schemas.microsoft.com/office/powerpoint/2010/main" val="1473907309"/>
+      </p:ext>
+    </p:extLst>
+  </p:cSld>
+  <p:clrMapOvr>
+    <a:masterClrMapping/>
+  </p:clrMapOvr>
+  <mc:AlternateContent xmlns:mc="http://schemas.openxmlformats.org/markup-compatibility/2006" xmlns:p159="http://schemas.microsoft.com/office/powerpoint/2015/09/main">
+    <mc:Choice Requires="p159">
+      <p:transition spd="slow" advClick="0">
+        <p159:morph option="byObject"/>
+      </p:transition>
+    </mc:Choice>
+    <mc:Fallback xmlns="">
+      <p:transition spd="slow" advClick="0">
+        <p:fade/>
+      </p:transition>
+    </mc:Fallback>
+  </mc:AlternateContent>
+</p:sld>
+</file>
+
+<file path=ppt/slides/slide23.xml><?xml version="1.0" encoding="utf-8"?>
+<p:sld xmlns:a="http://schemas.openxmlformats.org/drawingml/2006/main" xmlns:r="http://schemas.openxmlformats.org/officeDocument/2006/relationships" xmlns:p="http://schemas.openxmlformats.org/presentationml/2006/main">
+  <p:cSld>
+    <p:spTree>
+      <p:nvGrpSpPr>
+        <p:cNvPr id="1" name=""/>
+        <p:cNvGrpSpPr/>
+        <p:nvPr/>
+      </p:nvGrpSpPr>
+      <p:grpSpPr>
+        <a:xfrm>
+          <a:off x="0" y="0"/>
+          <a:ext cx="0" cy="0"/>
+          <a:chOff x="0" y="0"/>
+          <a:chExt cx="0" cy="0"/>
+        </a:xfrm>
+      </p:grpSpPr>
+      <p:sp>
+        <p:nvSpPr>
+          <p:cNvPr id="7" name="TextBox 6">
+            <a:extLst>
+              <a:ext uri="{FF2B5EF4-FFF2-40B4-BE49-F238E27FC236}">
+                <a16:creationId xmlns:a16="http://schemas.microsoft.com/office/drawing/2014/main" id="{7432CD06-269D-8519-0178-61F8107F3434}"/>
+              </a:ext>
+            </a:extLst>
+          </p:cNvPr>
+          <p:cNvSpPr txBox="1"/>
+          <p:nvPr/>
+        </p:nvSpPr>
+        <p:spPr>
+          <a:xfrm>
+            <a:off x="-12594140" y="-16615945"/>
+            <a:ext cx="6649080" cy="523220"/>
+          </a:xfrm>
+          <a:prstGeom prst="rect">
+            <a:avLst/>
+          </a:prstGeom>
+          <a:noFill/>
+        </p:spPr>
+        <p:txBody>
+          <a:bodyPr wrap="square" rtlCol="0">
+            <a:spAutoFit/>
+          </a:bodyPr>
+          <a:lstStyle/>
+          <a:p>
+            <a:pPr algn="ctr"/>
+            <a:r>
+              <a:rPr kumimoji="1" lang="en-US" altLang="ko-Kore-KR" sz="2800">
+                <a:ea typeface="Microsoft Himalaya" pitchFamily="2" charset="0"/>
+                <a:cs typeface="Microsoft Himalaya" pitchFamily="2" charset="0"/>
+              </a:rPr>
+              <a:t>What is a purpose of the paper?</a:t>
+            </a:r>
+            <a:endParaRPr kumimoji="1" lang="ko-Kore-KR" altLang="en-US" sz="2800">
+              <a:solidFill>
+                <a:schemeClr val="bg1">
+                  <a:alpha val="0"/>
+                </a:schemeClr>
+              </a:solidFill>
+              <a:cs typeface="Microsoft Himalaya" pitchFamily="2" charset="0"/>
+            </a:endParaRPr>
+          </a:p>
+        </p:txBody>
+      </p:sp>
+      <p:sp>
+        <p:nvSpPr>
+          <p:cNvPr id="6" name="타원 5">
+            <a:extLst>
+              <a:ext uri="{FF2B5EF4-FFF2-40B4-BE49-F238E27FC236}">
+                <a16:creationId xmlns:a16="http://schemas.microsoft.com/office/drawing/2014/main" id="{2EE2381A-BA90-6CCC-E30D-9B8CB7883D9B}"/>
+              </a:ext>
+            </a:extLst>
+          </p:cNvPr>
+          <p:cNvSpPr/>
+          <p:nvPr/>
+        </p:nvSpPr>
+        <p:spPr>
+          <a:xfrm>
+            <a:off x="-12067911" y="-17281810"/>
+            <a:ext cx="5416902" cy="1895475"/>
+          </a:xfrm>
+          <a:prstGeom prst="ellipse">
+            <a:avLst/>
+          </a:prstGeom>
+          <a:noFill/>
+          <a:ln w="19050">
+            <a:solidFill>
+              <a:schemeClr val="tx1"/>
+            </a:solidFill>
+          </a:ln>
+        </p:spPr>
+        <p:style>
+          <a:lnRef idx="2">
+            <a:schemeClr val="accent1">
+              <a:shade val="15000"/>
+            </a:schemeClr>
+          </a:lnRef>
+          <a:fillRef idx="1">
+            <a:schemeClr val="accent1"/>
+          </a:fillRef>
+          <a:effectRef idx="0">
+            <a:schemeClr val="accent1"/>
+          </a:effectRef>
+          <a:fontRef idx="minor">
+            <a:schemeClr val="lt1"/>
+          </a:fontRef>
+        </p:style>
+        <p:txBody>
+          <a:bodyPr rtlCol="0" anchor="ctr"/>
+          <a:lstStyle/>
+          <a:p>
+            <a:pPr algn="ctr"/>
+            <a:endParaRPr kumimoji="1" lang="ko-Kore-KR" altLang="en-US"/>
+          </a:p>
+        </p:txBody>
+      </p:sp>
+      <p:sp>
+        <p:nvSpPr>
+          <p:cNvPr id="2" name="타원 1">
+            <a:extLst>
+              <a:ext uri="{FF2B5EF4-FFF2-40B4-BE49-F238E27FC236}">
+                <a16:creationId xmlns:a16="http://schemas.microsoft.com/office/drawing/2014/main" id="{3537091F-D64C-D90A-CCA1-057FC775DC84}"/>
+              </a:ext>
+            </a:extLst>
+          </p:cNvPr>
+          <p:cNvSpPr/>
+          <p:nvPr/>
+        </p:nvSpPr>
+        <p:spPr>
+          <a:xfrm>
+            <a:off x="-16500781" y="-21411719"/>
+            <a:ext cx="3470478" cy="3347761"/>
+          </a:xfrm>
+          <a:prstGeom prst="ellipse">
+            <a:avLst/>
+          </a:prstGeom>
+          <a:noFill/>
+          <a:ln w="19050">
+            <a:solidFill>
+              <a:schemeClr val="tx1"/>
+            </a:solidFill>
+          </a:ln>
+        </p:spPr>
+        <p:style>
+          <a:lnRef idx="2">
+            <a:schemeClr val="accent1">
+              <a:shade val="15000"/>
+            </a:schemeClr>
+          </a:lnRef>
+          <a:fillRef idx="1">
+            <a:schemeClr val="accent1"/>
+          </a:fillRef>
+          <a:effectRef idx="0">
+            <a:schemeClr val="accent1"/>
+          </a:effectRef>
+          <a:fontRef idx="minor">
+            <a:schemeClr val="lt1"/>
+          </a:fontRef>
+        </p:style>
+        <p:txBody>
+          <a:bodyPr rtlCol="0" anchor="ctr"/>
+          <a:lstStyle/>
+          <a:p>
+            <a:pPr algn="ctr"/>
+            <a:endParaRPr kumimoji="1" lang="ko-Kore-KR" altLang="en-US"/>
+          </a:p>
+        </p:txBody>
+      </p:sp>
+      <p:cxnSp>
+        <p:nvCxnSpPr>
+          <p:cNvPr id="14" name="구부러진 연결선[U] 13">
+            <a:extLst>
+              <a:ext uri="{FF2B5EF4-FFF2-40B4-BE49-F238E27FC236}">
+                <a16:creationId xmlns:a16="http://schemas.microsoft.com/office/drawing/2014/main" id="{2B954181-AE35-70DB-E680-6B87963413D4}"/>
+              </a:ext>
+            </a:extLst>
+          </p:cNvPr>
+          <p:cNvCxnSpPr>
+            <a:cxnSpLocks/>
+            <a:stCxn id="2" idx="5"/>
+            <a:endCxn id="6" idx="2"/>
+          </p:cNvCxnSpPr>
+          <p:nvPr/>
+        </p:nvCxnSpPr>
+        <p:spPr>
+          <a:xfrm rot="16200000" flipH="1">
+            <a:off x="-13913304" y="-18179465"/>
+            <a:ext cx="2220154" cy="1470632"/>
+          </a:xfrm>
+          <a:prstGeom prst="curvedConnector2">
+            <a:avLst/>
+          </a:prstGeom>
+          <a:ln w="12700">
+            <a:solidFill>
+              <a:schemeClr val="tx1"/>
+            </a:solidFill>
+          </a:ln>
+        </p:spPr>
+        <p:style>
+          <a:lnRef idx="1">
+            <a:schemeClr val="accent1"/>
+          </a:lnRef>
+          <a:fillRef idx="0">
+            <a:schemeClr val="accent1"/>
+          </a:fillRef>
+          <a:effectRef idx="0">
+            <a:schemeClr val="accent1"/>
+          </a:effectRef>
+          <a:fontRef idx="minor">
+            <a:schemeClr val="tx1"/>
+          </a:fontRef>
+        </p:style>
+      </p:cxnSp>
+      <p:sp>
+        <p:nvSpPr>
+          <p:cNvPr id="25" name="TextBox 24">
+            <a:extLst>
+              <a:ext uri="{FF2B5EF4-FFF2-40B4-BE49-F238E27FC236}">
+                <a16:creationId xmlns:a16="http://schemas.microsoft.com/office/drawing/2014/main" id="{758AC1A2-CDC9-B7E3-EBE8-BCC2D5E5D2B1}"/>
+              </a:ext>
+            </a:extLst>
+          </p:cNvPr>
+          <p:cNvSpPr txBox="1"/>
+          <p:nvPr/>
+        </p:nvSpPr>
+        <p:spPr>
+          <a:xfrm>
+            <a:off x="-16098084" y="-19387397"/>
+            <a:ext cx="9015787" cy="1323439"/>
+          </a:xfrm>
+          <a:prstGeom prst="rect">
+            <a:avLst/>
+          </a:prstGeom>
+          <a:noFill/>
+        </p:spPr>
+        <p:txBody>
+          <a:bodyPr wrap="square" rtlCol="0">
+            <a:spAutoFit/>
+          </a:bodyPr>
+          <a:lstStyle/>
+          <a:p>
+            <a:pPr algn="ctr"/>
+            <a:r>
+              <a:rPr kumimoji="1" lang="en-US" altLang="ko-Kore-KR" sz="4000">
+                <a:ea typeface="Microsoft Himalaya" pitchFamily="2" charset="0"/>
+                <a:cs typeface="Microsoft Himalaya" pitchFamily="2" charset="0"/>
+              </a:rPr>
+              <a:t>ghOSt</a:t>
+            </a:r>
+            <a:r>
+              <a:rPr kumimoji="1" lang="en-US" altLang="ko-Kore-KR" sz="4000">
+                <a:solidFill>
+                  <a:schemeClr val="bg1">
+                    <a:alpha val="0"/>
+                  </a:schemeClr>
+                </a:solidFill>
+                <a:ea typeface="Microsoft Himalaya" pitchFamily="2" charset="0"/>
+                <a:cs typeface="Microsoft Himalaya" pitchFamily="2" charset="0"/>
+              </a:rPr>
+              <a:t>: Fast &amp; Flexible User-space Delegation of Linux Scheduling </a:t>
+            </a:r>
+            <a:endParaRPr kumimoji="1" lang="ko-Kore-KR" altLang="en-US" sz="4000">
+              <a:solidFill>
+                <a:schemeClr val="bg1">
+                  <a:alpha val="0"/>
+                </a:schemeClr>
+              </a:solidFill>
+              <a:cs typeface="Microsoft Himalaya" pitchFamily="2" charset="0"/>
+            </a:endParaRPr>
+          </a:p>
+        </p:txBody>
+      </p:sp>
+      <p:sp>
+        <p:nvSpPr>
+          <p:cNvPr id="5" name="TextBox 4">
+            <a:extLst>
+              <a:ext uri="{FF2B5EF4-FFF2-40B4-BE49-F238E27FC236}">
+                <a16:creationId xmlns:a16="http://schemas.microsoft.com/office/drawing/2014/main" id="{6654DD5B-363D-007E-134A-CB95D8023FE8}"/>
+              </a:ext>
+            </a:extLst>
+          </p:cNvPr>
+          <p:cNvSpPr txBox="1"/>
+          <p:nvPr/>
+        </p:nvSpPr>
+        <p:spPr>
+          <a:xfrm>
+            <a:off x="-9618279" y="-14389006"/>
+            <a:ext cx="6649080" cy="954107"/>
+          </a:xfrm>
+          <a:prstGeom prst="rect">
+            <a:avLst/>
+          </a:prstGeom>
+          <a:noFill/>
+        </p:spPr>
+        <p:txBody>
+          <a:bodyPr wrap="square" rtlCol="0">
+            <a:spAutoFit/>
+          </a:bodyPr>
+          <a:lstStyle/>
+          <a:p>
+            <a:pPr algn="ctr"/>
+            <a:r>
+              <a:rPr kumimoji="1" lang="en-US" altLang="ko-Kore-KR" sz="2800">
+                <a:ea typeface="Microsoft Himalaya" pitchFamily="2" charset="0"/>
+                <a:cs typeface="Microsoft Himalaya" pitchFamily="2" charset="0"/>
+              </a:rPr>
+              <a:t>Delegating kernel scheduling</a:t>
+            </a:r>
+          </a:p>
+          <a:p>
+            <a:pPr algn="ctr"/>
+            <a:r>
+              <a:rPr kumimoji="1" lang="en-US" altLang="ko-Kore-KR" sz="2800">
+                <a:ea typeface="Microsoft Himalaya" pitchFamily="2" charset="0"/>
+                <a:cs typeface="Microsoft Himalaya" pitchFamily="2" charset="0"/>
+              </a:rPr>
+              <a:t>to userspace code </a:t>
+            </a:r>
+            <a:endParaRPr kumimoji="1" lang="ko-Kore-KR" altLang="en-US" sz="2800">
+              <a:cs typeface="Microsoft Himalaya" pitchFamily="2" charset="0"/>
+            </a:endParaRPr>
+          </a:p>
+        </p:txBody>
+      </p:sp>
+      <p:sp>
+        <p:nvSpPr>
+          <p:cNvPr id="8" name="타원 7">
+            <a:extLst>
+              <a:ext uri="{FF2B5EF4-FFF2-40B4-BE49-F238E27FC236}">
+                <a16:creationId xmlns:a16="http://schemas.microsoft.com/office/drawing/2014/main" id="{CCA7A6FF-A5C1-EE13-DAB5-2A47607E4AA0}"/>
+              </a:ext>
+            </a:extLst>
+          </p:cNvPr>
+          <p:cNvSpPr/>
+          <p:nvPr/>
+        </p:nvSpPr>
+        <p:spPr>
+          <a:xfrm>
+            <a:off x="-9002190" y="-14865797"/>
+            <a:ext cx="5416902" cy="1895475"/>
+          </a:xfrm>
+          <a:prstGeom prst="ellipse">
+            <a:avLst/>
+          </a:prstGeom>
+          <a:noFill/>
+          <a:ln w="19050">
+            <a:solidFill>
+              <a:schemeClr val="tx1"/>
+            </a:solidFill>
+          </a:ln>
+        </p:spPr>
+        <p:style>
+          <a:lnRef idx="2">
+            <a:schemeClr val="accent1">
+              <a:shade val="15000"/>
+            </a:schemeClr>
+          </a:lnRef>
+          <a:fillRef idx="1">
+            <a:schemeClr val="accent1"/>
+          </a:fillRef>
+          <a:effectRef idx="0">
+            <a:schemeClr val="accent1"/>
+          </a:effectRef>
+          <a:fontRef idx="minor">
+            <a:schemeClr val="lt1"/>
+          </a:fontRef>
+        </p:style>
+        <p:txBody>
+          <a:bodyPr rtlCol="0" anchor="ctr"/>
+          <a:lstStyle/>
+          <a:p>
+            <a:pPr algn="ctr"/>
+            <a:endParaRPr kumimoji="1" lang="ko-Kore-KR" altLang="en-US"/>
+          </a:p>
+        </p:txBody>
+      </p:sp>
+      <p:cxnSp>
+        <p:nvCxnSpPr>
+          <p:cNvPr id="9" name="구부러진 연결선[U] 8">
+            <a:extLst>
+              <a:ext uri="{FF2B5EF4-FFF2-40B4-BE49-F238E27FC236}">
+                <a16:creationId xmlns:a16="http://schemas.microsoft.com/office/drawing/2014/main" id="{068EEA84-621C-4582-DC0F-D62A6F3062A3}"/>
+              </a:ext>
+            </a:extLst>
+          </p:cNvPr>
+          <p:cNvCxnSpPr>
+            <a:cxnSpLocks/>
+            <a:stCxn id="6" idx="4"/>
+            <a:endCxn id="8" idx="1"/>
+          </p:cNvCxnSpPr>
+          <p:nvPr/>
+        </p:nvCxnSpPr>
+        <p:spPr>
+          <a:xfrm rot="16200000" flipH="1">
+            <a:off x="-9183244" y="-15562552"/>
+            <a:ext cx="798124" cy="1150557"/>
+          </a:xfrm>
+          <a:prstGeom prst="curvedConnector3">
+            <a:avLst>
+              <a:gd name="adj1" fmla="val 50000"/>
+            </a:avLst>
+          </a:prstGeom>
+          <a:ln w="12700">
+            <a:solidFill>
+              <a:schemeClr val="tx1"/>
+            </a:solidFill>
+          </a:ln>
+        </p:spPr>
+        <p:style>
+          <a:lnRef idx="1">
+            <a:schemeClr val="accent1"/>
+          </a:lnRef>
+          <a:fillRef idx="0">
+            <a:schemeClr val="accent1"/>
+          </a:fillRef>
+          <a:effectRef idx="0">
+            <a:schemeClr val="accent1"/>
+          </a:effectRef>
+          <a:fontRef idx="minor">
+            <a:schemeClr val="tx1"/>
+          </a:fontRef>
+        </p:style>
+      </p:cxnSp>
+      <p:cxnSp>
+        <p:nvCxnSpPr>
+          <p:cNvPr id="3" name="구부러진 연결선[U] 2">
+            <a:extLst>
+              <a:ext uri="{FF2B5EF4-FFF2-40B4-BE49-F238E27FC236}">
+                <a16:creationId xmlns:a16="http://schemas.microsoft.com/office/drawing/2014/main" id="{AC3F9A48-1A19-F6C7-B3C2-CDA39B862C08}"/>
+              </a:ext>
+            </a:extLst>
+          </p:cNvPr>
+          <p:cNvCxnSpPr>
+            <a:cxnSpLocks/>
+            <a:stCxn id="8" idx="4"/>
+            <a:endCxn id="11" idx="1"/>
+          </p:cNvCxnSpPr>
+          <p:nvPr/>
+        </p:nvCxnSpPr>
+        <p:spPr>
+          <a:xfrm rot="16200000" flipH="1">
+            <a:off x="-6088823" y="-13175239"/>
+            <a:ext cx="542943" cy="952775"/>
+          </a:xfrm>
+          <a:prstGeom prst="curvedConnector3">
+            <a:avLst>
+              <a:gd name="adj1" fmla="val 50000"/>
+            </a:avLst>
+          </a:prstGeom>
+          <a:ln w="12700">
+            <a:solidFill>
+              <a:schemeClr val="tx1"/>
+            </a:solidFill>
+          </a:ln>
+        </p:spPr>
+        <p:style>
+          <a:lnRef idx="1">
+            <a:schemeClr val="accent1"/>
+          </a:lnRef>
+          <a:fillRef idx="0">
+            <a:schemeClr val="accent1"/>
+          </a:fillRef>
+          <a:effectRef idx="0">
+            <a:schemeClr val="accent1"/>
+          </a:effectRef>
+          <a:fontRef idx="minor">
+            <a:schemeClr val="tx1"/>
+          </a:fontRef>
+        </p:style>
+      </p:cxnSp>
+      <p:sp>
+        <p:nvSpPr>
+          <p:cNvPr id="10" name="TextBox 9">
+            <a:extLst>
+              <a:ext uri="{FF2B5EF4-FFF2-40B4-BE49-F238E27FC236}">
+                <a16:creationId xmlns:a16="http://schemas.microsoft.com/office/drawing/2014/main" id="{D2C2F8E5-4B8F-C384-0BD1-F8CC7DBBFE31}"/>
+              </a:ext>
+            </a:extLst>
+          </p:cNvPr>
+          <p:cNvSpPr txBox="1"/>
+          <p:nvPr/>
+        </p:nvSpPr>
+        <p:spPr>
+          <a:xfrm>
+            <a:off x="-3806196" y="-9579049"/>
+            <a:ext cx="7214942" cy="1384995"/>
+          </a:xfrm>
+          <a:prstGeom prst="rect">
+            <a:avLst/>
+          </a:prstGeom>
+          <a:noFill/>
+        </p:spPr>
+        <p:txBody>
+          <a:bodyPr wrap="square" rtlCol="0">
+            <a:spAutoFit/>
+          </a:bodyPr>
+          <a:lstStyle/>
+          <a:p>
+            <a:pPr algn="ctr"/>
+            <a:r>
+              <a:rPr kumimoji="1" lang="en-US" altLang="ko-Kore-KR" sz="2800">
+                <a:ea typeface="Microsoft Himalaya" pitchFamily="2" charset="0"/>
+                <a:cs typeface="Microsoft Himalaya" pitchFamily="2" charset="0"/>
+              </a:rPr>
+              <a:t>Because it means that applications can be implemented leveraging the powerful features of the kernel scheduler!!!</a:t>
+            </a:r>
+            <a:endParaRPr kumimoji="1" lang="ko-Kore-KR" altLang="en-US" sz="2800">
+              <a:cs typeface="Microsoft Himalaya" pitchFamily="2" charset="0"/>
+            </a:endParaRPr>
+          </a:p>
+        </p:txBody>
+      </p:sp>
+      <p:sp>
+        <p:nvSpPr>
+          <p:cNvPr id="11" name="타원 10">
+            <a:extLst>
+              <a:ext uri="{FF2B5EF4-FFF2-40B4-BE49-F238E27FC236}">
+                <a16:creationId xmlns:a16="http://schemas.microsoft.com/office/drawing/2014/main" id="{553EEAA2-6F2C-9BFD-E1DC-B64CC11A8B05}"/>
+              </a:ext>
+            </a:extLst>
+          </p:cNvPr>
+          <p:cNvSpPr/>
+          <p:nvPr/>
+        </p:nvSpPr>
+        <p:spPr>
+          <a:xfrm>
+            <a:off x="-6134251" y="-12704965"/>
+            <a:ext cx="5416902" cy="1895475"/>
+          </a:xfrm>
+          <a:prstGeom prst="ellipse">
+            <a:avLst/>
+          </a:prstGeom>
+          <a:noFill/>
+          <a:ln w="19050">
+            <a:solidFill>
+              <a:schemeClr val="tx1"/>
+            </a:solidFill>
+          </a:ln>
+        </p:spPr>
+        <p:style>
+          <a:lnRef idx="2">
+            <a:schemeClr val="accent1">
+              <a:shade val="15000"/>
+            </a:schemeClr>
+          </a:lnRef>
+          <a:fillRef idx="1">
+            <a:schemeClr val="accent1"/>
+          </a:fillRef>
+          <a:effectRef idx="0">
+            <a:schemeClr val="accent1"/>
+          </a:effectRef>
+          <a:fontRef idx="minor">
+            <a:schemeClr val="lt1"/>
+          </a:fontRef>
+        </p:style>
+        <p:txBody>
+          <a:bodyPr rtlCol="0" anchor="ctr"/>
+          <a:lstStyle/>
+          <a:p>
+            <a:pPr algn="ctr"/>
+            <a:endParaRPr kumimoji="1" lang="ko-Kore-KR" altLang="en-US"/>
+          </a:p>
+        </p:txBody>
+      </p:sp>
+      <p:sp>
+        <p:nvSpPr>
+          <p:cNvPr id="12" name="타원 11">
+            <a:extLst>
+              <a:ext uri="{FF2B5EF4-FFF2-40B4-BE49-F238E27FC236}">
+                <a16:creationId xmlns:a16="http://schemas.microsoft.com/office/drawing/2014/main" id="{98BE3455-7E7C-98E6-2F4D-8656076DB122}"/>
+              </a:ext>
+            </a:extLst>
+          </p:cNvPr>
+          <p:cNvSpPr/>
+          <p:nvPr/>
+        </p:nvSpPr>
+        <p:spPr>
+          <a:xfrm>
+            <a:off x="-3953978" y="-10143057"/>
+            <a:ext cx="7510506" cy="2356551"/>
+          </a:xfrm>
+          <a:prstGeom prst="ellipse">
+            <a:avLst/>
+          </a:prstGeom>
+          <a:noFill/>
+          <a:ln w="19050">
+            <a:solidFill>
+              <a:schemeClr val="tx1"/>
+            </a:solidFill>
+          </a:ln>
+        </p:spPr>
+        <p:style>
+          <a:lnRef idx="2">
+            <a:schemeClr val="accent1">
+              <a:shade val="15000"/>
+            </a:schemeClr>
+          </a:lnRef>
+          <a:fillRef idx="1">
+            <a:schemeClr val="accent1"/>
+          </a:fillRef>
+          <a:effectRef idx="0">
+            <a:schemeClr val="accent1"/>
+          </a:effectRef>
+          <a:fontRef idx="minor">
+            <a:schemeClr val="lt1"/>
+          </a:fontRef>
+        </p:style>
+        <p:txBody>
+          <a:bodyPr rtlCol="0" anchor="ctr"/>
+          <a:lstStyle/>
+          <a:p>
+            <a:pPr algn="ctr"/>
+            <a:endParaRPr kumimoji="1" lang="ko-Kore-KR" altLang="en-US"/>
+          </a:p>
+        </p:txBody>
+      </p:sp>
+      <p:cxnSp>
+        <p:nvCxnSpPr>
+          <p:cNvPr id="13" name="구부러진 연결선[U] 12">
+            <a:extLst>
+              <a:ext uri="{FF2B5EF4-FFF2-40B4-BE49-F238E27FC236}">
+                <a16:creationId xmlns:a16="http://schemas.microsoft.com/office/drawing/2014/main" id="{8D73709C-867B-5C3D-0744-BD01319122DC}"/>
+              </a:ext>
+            </a:extLst>
+          </p:cNvPr>
+          <p:cNvCxnSpPr>
+            <a:cxnSpLocks/>
+            <a:stCxn id="11" idx="4"/>
+            <a:endCxn id="12" idx="1"/>
+          </p:cNvCxnSpPr>
+          <p:nvPr/>
+        </p:nvCxnSpPr>
+        <p:spPr>
+          <a:xfrm rot="16200000" flipH="1">
+            <a:off x="-3645716" y="-10589574"/>
+            <a:ext cx="1011542" cy="571710"/>
+          </a:xfrm>
+          <a:prstGeom prst="curvedConnector3">
+            <a:avLst>
+              <a:gd name="adj1" fmla="val 50000"/>
+            </a:avLst>
+          </a:prstGeom>
+          <a:ln w="12700">
+            <a:solidFill>
+              <a:schemeClr val="tx1"/>
+            </a:solidFill>
+          </a:ln>
+        </p:spPr>
+        <p:style>
+          <a:lnRef idx="1">
+            <a:schemeClr val="accent1"/>
+          </a:lnRef>
+          <a:fillRef idx="0">
+            <a:schemeClr val="accent1"/>
+          </a:fillRef>
+          <a:effectRef idx="0">
+            <a:schemeClr val="accent1"/>
+          </a:effectRef>
+          <a:fontRef idx="minor">
+            <a:schemeClr val="tx1"/>
+          </a:fontRef>
+        </p:style>
+      </p:cxnSp>
+      <p:sp>
+        <p:nvSpPr>
+          <p:cNvPr id="17" name="TextBox 16">
+            <a:extLst>
+              <a:ext uri="{FF2B5EF4-FFF2-40B4-BE49-F238E27FC236}">
+                <a16:creationId xmlns:a16="http://schemas.microsoft.com/office/drawing/2014/main" id="{2461D2E0-27C3-B02E-68FA-2F27E0718AE4}"/>
+              </a:ext>
+            </a:extLst>
+          </p:cNvPr>
+          <p:cNvSpPr txBox="1"/>
+          <p:nvPr/>
+        </p:nvSpPr>
+        <p:spPr>
+          <a:xfrm>
+            <a:off x="-6909828" y="-11972993"/>
+            <a:ext cx="6649080" cy="523220"/>
+          </a:xfrm>
+          <a:prstGeom prst="rect">
+            <a:avLst/>
+          </a:prstGeom>
+          <a:noFill/>
+        </p:spPr>
+        <p:txBody>
+          <a:bodyPr wrap="square" rtlCol="0">
+            <a:spAutoFit/>
+          </a:bodyPr>
+          <a:lstStyle/>
+          <a:p>
+            <a:pPr algn="ctr"/>
+            <a:r>
+              <a:rPr kumimoji="1" lang="en-US" altLang="ko-Kore-KR" sz="2800">
+                <a:ea typeface="Microsoft Himalaya" pitchFamily="2" charset="0"/>
+                <a:cs typeface="Microsoft Himalaya" pitchFamily="2" charset="0"/>
+              </a:rPr>
+              <a:t>Why is that important?</a:t>
+            </a:r>
+            <a:endParaRPr kumimoji="1" lang="ko-Kore-KR" altLang="en-US" sz="2800">
+              <a:cs typeface="Microsoft Himalaya" pitchFamily="2" charset="0"/>
+            </a:endParaRPr>
+          </a:p>
+        </p:txBody>
+      </p:sp>
+      <p:sp>
+        <p:nvSpPr>
+          <p:cNvPr id="4" name="TextBox 3">
+            <a:extLst>
+              <a:ext uri="{FF2B5EF4-FFF2-40B4-BE49-F238E27FC236}">
+                <a16:creationId xmlns:a16="http://schemas.microsoft.com/office/drawing/2014/main" id="{09069384-6BDF-4AB8-9E82-55B8B48224F5}"/>
+              </a:ext>
+            </a:extLst>
+          </p:cNvPr>
+          <p:cNvSpPr txBox="1"/>
+          <p:nvPr/>
+        </p:nvSpPr>
+        <p:spPr>
+          <a:xfrm>
+            <a:off x="718180" y="-6996896"/>
+            <a:ext cx="7214942" cy="1384995"/>
+          </a:xfrm>
+          <a:prstGeom prst="rect">
+            <a:avLst/>
+          </a:prstGeom>
+          <a:noFill/>
+        </p:spPr>
+        <p:txBody>
+          <a:bodyPr wrap="square" rtlCol="0">
+            <a:spAutoFit/>
+          </a:bodyPr>
+          <a:lstStyle/>
+          <a:p>
+            <a:pPr algn="ctr"/>
+            <a:r>
+              <a:rPr kumimoji="1" lang="en-US" altLang="ko-Kore-KR" sz="2800">
+                <a:cs typeface="Microsoft Himalaya" pitchFamily="2" charset="0"/>
+              </a:rPr>
+              <a:t>Also, scheduling designs that were previously </a:t>
+            </a:r>
+            <a:r>
+              <a:rPr kumimoji="1" lang="en-US" altLang="ko-KR" sz="2800">
+                <a:cs typeface="Microsoft Himalaya" pitchFamily="2" charset="0"/>
+              </a:rPr>
+              <a:t>unused because they did not fit into the general kernel </a:t>
+            </a:r>
+            <a:r>
+              <a:rPr kumimoji="1" lang="en-US" altLang="ko-Kore-KR" sz="2800">
+                <a:cs typeface="Microsoft Himalaya" pitchFamily="2" charset="0"/>
+              </a:rPr>
+              <a:t>can be used in the userspace!!</a:t>
+            </a:r>
+            <a:endParaRPr kumimoji="1" lang="ko-Kore-KR" altLang="en-US" sz="2800">
+              <a:cs typeface="Microsoft Himalaya" pitchFamily="2" charset="0"/>
+            </a:endParaRPr>
+          </a:p>
+        </p:txBody>
+      </p:sp>
+      <p:cxnSp>
+        <p:nvCxnSpPr>
+          <p:cNvPr id="15" name="구부러진 연결선[U] 14">
+            <a:extLst>
+              <a:ext uri="{FF2B5EF4-FFF2-40B4-BE49-F238E27FC236}">
+                <a16:creationId xmlns:a16="http://schemas.microsoft.com/office/drawing/2014/main" id="{86EB4F29-36E1-ABFE-5C78-E34AEC8E26C2}"/>
+              </a:ext>
+            </a:extLst>
+          </p:cNvPr>
+          <p:cNvCxnSpPr>
+            <a:cxnSpLocks/>
+            <a:stCxn id="12" idx="5"/>
+            <a:endCxn id="16" idx="0"/>
+          </p:cNvCxnSpPr>
+          <p:nvPr/>
+        </p:nvCxnSpPr>
+        <p:spPr>
+          <a:xfrm rot="16200000" flipH="1">
+            <a:off x="3124520" y="-8799496"/>
+            <a:ext cx="501569" cy="1837329"/>
+          </a:xfrm>
+          <a:prstGeom prst="curvedConnector3">
+            <a:avLst>
+              <a:gd name="adj1" fmla="val 50000"/>
+            </a:avLst>
+          </a:prstGeom>
+          <a:ln w="12700">
+            <a:solidFill>
+              <a:schemeClr val="tx1"/>
+            </a:solidFill>
+          </a:ln>
+        </p:spPr>
+        <p:style>
+          <a:lnRef idx="1">
+            <a:schemeClr val="accent1"/>
+          </a:lnRef>
+          <a:fillRef idx="0">
+            <a:schemeClr val="accent1"/>
+          </a:fillRef>
+          <a:effectRef idx="0">
+            <a:schemeClr val="accent1"/>
+          </a:effectRef>
+          <a:fontRef idx="minor">
+            <a:schemeClr val="tx1"/>
+          </a:fontRef>
+        </p:style>
+      </p:cxnSp>
+      <p:sp>
+        <p:nvSpPr>
+          <p:cNvPr id="16" name="타원 15">
+            <a:extLst>
+              <a:ext uri="{FF2B5EF4-FFF2-40B4-BE49-F238E27FC236}">
+                <a16:creationId xmlns:a16="http://schemas.microsoft.com/office/drawing/2014/main" id="{C2E7E2C8-45E7-5C28-C930-10DEF0105BBC}"/>
+              </a:ext>
+            </a:extLst>
+          </p:cNvPr>
+          <p:cNvSpPr/>
+          <p:nvPr/>
+        </p:nvSpPr>
+        <p:spPr>
+          <a:xfrm>
+            <a:off x="349915" y="-7630046"/>
+            <a:ext cx="7888107" cy="2599856"/>
+          </a:xfrm>
+          <a:prstGeom prst="ellipse">
+            <a:avLst/>
+          </a:prstGeom>
+          <a:noFill/>
+          <a:ln w="19050">
+            <a:solidFill>
+              <a:schemeClr val="tx1"/>
+            </a:solidFill>
+          </a:ln>
+        </p:spPr>
+        <p:style>
+          <a:lnRef idx="2">
+            <a:schemeClr val="accent1">
+              <a:shade val="15000"/>
+            </a:schemeClr>
+          </a:lnRef>
+          <a:fillRef idx="1">
+            <a:schemeClr val="accent1"/>
+          </a:fillRef>
+          <a:effectRef idx="0">
+            <a:schemeClr val="accent1"/>
+          </a:effectRef>
+          <a:fontRef idx="minor">
+            <a:schemeClr val="lt1"/>
+          </a:fontRef>
+        </p:style>
+        <p:txBody>
+          <a:bodyPr rtlCol="0" anchor="ctr"/>
+          <a:lstStyle/>
+          <a:p>
+            <a:pPr algn="ctr"/>
+            <a:endParaRPr kumimoji="1" lang="ko-Kore-KR" altLang="en-US"/>
+          </a:p>
+        </p:txBody>
+      </p:sp>
+      <p:sp>
+        <p:nvSpPr>
+          <p:cNvPr id="18" name="TextBox 17">
+            <a:extLst>
+              <a:ext uri="{FF2B5EF4-FFF2-40B4-BE49-F238E27FC236}">
+                <a16:creationId xmlns:a16="http://schemas.microsoft.com/office/drawing/2014/main" id="{4EF28DD6-7793-8D9A-044F-B978D4AF4B34}"/>
+              </a:ext>
+            </a:extLst>
+          </p:cNvPr>
+          <p:cNvSpPr txBox="1"/>
+          <p:nvPr/>
+        </p:nvSpPr>
+        <p:spPr>
+          <a:xfrm>
+            <a:off x="2338792" y="-3847532"/>
+            <a:ext cx="8214246" cy="1384995"/>
+          </a:xfrm>
+          <a:prstGeom prst="rect">
+            <a:avLst/>
+          </a:prstGeom>
+          <a:noFill/>
+        </p:spPr>
+        <p:txBody>
+          <a:bodyPr wrap="square" rtlCol="0">
+            <a:spAutoFit/>
+          </a:bodyPr>
+          <a:lstStyle/>
+          <a:p>
+            <a:pPr algn="ctr"/>
+            <a:r>
+              <a:rPr kumimoji="1" lang="en-US" altLang="ko-Kore-KR" sz="2800">
+                <a:cs typeface="Microsoft Himalaya" pitchFamily="2" charset="0"/>
+              </a:rPr>
+              <a:t>Fundamentally, the ghOSt relaxes restrictions in terms of CPU virtualization, expanding user’s development design freedom</a:t>
+            </a:r>
+            <a:endParaRPr kumimoji="1" lang="ko-Kore-KR" altLang="en-US" sz="2800">
+              <a:cs typeface="Microsoft Himalaya" pitchFamily="2" charset="0"/>
+            </a:endParaRPr>
+          </a:p>
+        </p:txBody>
+      </p:sp>
+      <p:sp>
+        <p:nvSpPr>
+          <p:cNvPr id="19" name="타원 18">
+            <a:extLst>
+              <a:ext uri="{FF2B5EF4-FFF2-40B4-BE49-F238E27FC236}">
+                <a16:creationId xmlns:a16="http://schemas.microsoft.com/office/drawing/2014/main" id="{FA0DF77A-7B58-7DE1-8A3E-0A5DA271ECE9}"/>
+              </a:ext>
+            </a:extLst>
+          </p:cNvPr>
+          <p:cNvSpPr/>
+          <p:nvPr/>
+        </p:nvSpPr>
+        <p:spPr>
+          <a:xfrm>
+            <a:off x="1721225" y="-4475049"/>
+            <a:ext cx="9637823" cy="2648636"/>
+          </a:xfrm>
+          <a:prstGeom prst="ellipse">
+            <a:avLst/>
+          </a:prstGeom>
+          <a:noFill/>
+          <a:ln w="19050">
+            <a:solidFill>
+              <a:schemeClr val="tx1"/>
+            </a:solidFill>
+          </a:ln>
+        </p:spPr>
+        <p:style>
+          <a:lnRef idx="2">
+            <a:schemeClr val="accent1">
+              <a:shade val="15000"/>
+            </a:schemeClr>
+          </a:lnRef>
+          <a:fillRef idx="1">
+            <a:schemeClr val="accent1"/>
+          </a:fillRef>
+          <a:effectRef idx="0">
+            <a:schemeClr val="accent1"/>
+          </a:effectRef>
+          <a:fontRef idx="minor">
+            <a:schemeClr val="lt1"/>
+          </a:fontRef>
+        </p:style>
+        <p:txBody>
+          <a:bodyPr rtlCol="0" anchor="ctr"/>
+          <a:lstStyle/>
+          <a:p>
+            <a:pPr algn="ctr"/>
+            <a:endParaRPr kumimoji="1" lang="ko-Kore-KR" altLang="en-US"/>
+          </a:p>
+        </p:txBody>
+      </p:sp>
+      <p:cxnSp>
+        <p:nvCxnSpPr>
+          <p:cNvPr id="20" name="구부러진 연결선[U] 19">
+            <a:extLst>
+              <a:ext uri="{FF2B5EF4-FFF2-40B4-BE49-F238E27FC236}">
+                <a16:creationId xmlns:a16="http://schemas.microsoft.com/office/drawing/2014/main" id="{19A5D647-6532-DA56-118D-A70386D6DBB1}"/>
+              </a:ext>
+            </a:extLst>
+          </p:cNvPr>
+          <p:cNvCxnSpPr>
+            <a:cxnSpLocks/>
+            <a:stCxn id="16" idx="4"/>
+            <a:endCxn id="19" idx="0"/>
+          </p:cNvCxnSpPr>
+          <p:nvPr/>
+        </p:nvCxnSpPr>
+        <p:spPr>
+          <a:xfrm rot="16200000" flipH="1">
+            <a:off x="5139483" y="-5875704"/>
+            <a:ext cx="555141" cy="2246168"/>
+          </a:xfrm>
+          <a:prstGeom prst="curvedConnector3">
+            <a:avLst>
+              <a:gd name="adj1" fmla="val 50000"/>
+            </a:avLst>
+          </a:prstGeom>
+          <a:ln w="12700">
+            <a:solidFill>
+              <a:schemeClr val="tx1"/>
+            </a:solidFill>
+          </a:ln>
+        </p:spPr>
+        <p:style>
+          <a:lnRef idx="1">
+            <a:schemeClr val="accent1"/>
+          </a:lnRef>
+          <a:fillRef idx="0">
+            <a:schemeClr val="accent1"/>
+          </a:fillRef>
+          <a:effectRef idx="0">
+            <a:schemeClr val="accent1"/>
+          </a:effectRef>
+          <a:fontRef idx="minor">
+            <a:schemeClr val="tx1"/>
+          </a:fontRef>
+        </p:style>
+      </p:cxnSp>
+      <p:sp>
+        <p:nvSpPr>
+          <p:cNvPr id="21" name="TextBox 20">
+            <a:extLst>
+              <a:ext uri="{FF2B5EF4-FFF2-40B4-BE49-F238E27FC236}">
+                <a16:creationId xmlns:a16="http://schemas.microsoft.com/office/drawing/2014/main" id="{A8F0A1E5-1099-7203-EF65-828FC6C9B5A6}"/>
+              </a:ext>
+            </a:extLst>
+          </p:cNvPr>
+          <p:cNvSpPr txBox="1"/>
+          <p:nvPr/>
+        </p:nvSpPr>
+        <p:spPr>
+          <a:xfrm>
+            <a:off x="2251831" y="-929099"/>
+            <a:ext cx="8214246" cy="523220"/>
+          </a:xfrm>
+          <a:prstGeom prst="rect">
+            <a:avLst/>
+          </a:prstGeom>
+          <a:noFill/>
+        </p:spPr>
+        <p:txBody>
+          <a:bodyPr wrap="square" rtlCol="0">
+            <a:spAutoFit/>
+          </a:bodyPr>
+          <a:lstStyle/>
+          <a:p>
+            <a:pPr algn="ctr"/>
+            <a:r>
+              <a:rPr kumimoji="1" lang="en-US" altLang="ko-Kore-KR" sz="2800">
+                <a:cs typeface="Microsoft Himalaya" pitchFamily="2" charset="0"/>
+              </a:rPr>
+              <a:t>Then, is a new insight presented by ghOSt? </a:t>
+            </a:r>
+            <a:endParaRPr kumimoji="1" lang="ko-Kore-KR" altLang="en-US" sz="2800">
+              <a:cs typeface="Microsoft Himalaya" pitchFamily="2" charset="0"/>
+            </a:endParaRPr>
+          </a:p>
+        </p:txBody>
+      </p:sp>
+      <p:sp>
+        <p:nvSpPr>
+          <p:cNvPr id="22" name="타원 21">
+            <a:extLst>
+              <a:ext uri="{FF2B5EF4-FFF2-40B4-BE49-F238E27FC236}">
+                <a16:creationId xmlns:a16="http://schemas.microsoft.com/office/drawing/2014/main" id="{4C508DF5-D81D-1B29-3261-B9B15C155BE4}"/>
+              </a:ext>
+            </a:extLst>
+          </p:cNvPr>
+          <p:cNvSpPr/>
+          <p:nvPr/>
+        </p:nvSpPr>
+        <p:spPr>
+          <a:xfrm>
+            <a:off x="2394058" y="-1198896"/>
+            <a:ext cx="7846783" cy="1129346"/>
+          </a:xfrm>
+          <a:prstGeom prst="ellipse">
+            <a:avLst/>
+          </a:prstGeom>
+          <a:noFill/>
+          <a:ln w="19050">
+            <a:solidFill>
+              <a:schemeClr val="tx1"/>
+            </a:solidFill>
+          </a:ln>
+        </p:spPr>
+        <p:style>
+          <a:lnRef idx="2">
+            <a:schemeClr val="accent1">
+              <a:shade val="15000"/>
+            </a:schemeClr>
+          </a:lnRef>
+          <a:fillRef idx="1">
+            <a:schemeClr val="accent1"/>
+          </a:fillRef>
+          <a:effectRef idx="0">
+            <a:schemeClr val="accent1"/>
+          </a:effectRef>
+          <a:fontRef idx="minor">
+            <a:schemeClr val="lt1"/>
+          </a:fontRef>
+        </p:style>
+        <p:txBody>
+          <a:bodyPr rtlCol="0" anchor="ctr"/>
+          <a:lstStyle/>
+          <a:p>
+            <a:pPr algn="ctr"/>
+            <a:endParaRPr kumimoji="1" lang="ko-Kore-KR" altLang="en-US"/>
+          </a:p>
+        </p:txBody>
+      </p:sp>
+      <p:cxnSp>
+        <p:nvCxnSpPr>
+          <p:cNvPr id="23" name="구부러진 연결선[U] 22">
+            <a:extLst>
+              <a:ext uri="{FF2B5EF4-FFF2-40B4-BE49-F238E27FC236}">
+                <a16:creationId xmlns:a16="http://schemas.microsoft.com/office/drawing/2014/main" id="{76975E94-9776-4206-E3F2-A9C416308400}"/>
+              </a:ext>
+            </a:extLst>
+          </p:cNvPr>
+          <p:cNvCxnSpPr>
+            <a:cxnSpLocks/>
+            <a:stCxn id="19" idx="4"/>
+            <a:endCxn id="22" idx="0"/>
+          </p:cNvCxnSpPr>
+          <p:nvPr/>
+        </p:nvCxnSpPr>
+        <p:spPr>
+          <a:xfrm rot="5400000">
+            <a:off x="6115036" y="-1623998"/>
+            <a:ext cx="627517" cy="222687"/>
+          </a:xfrm>
+          <a:prstGeom prst="curvedConnector3">
+            <a:avLst>
+              <a:gd name="adj1" fmla="val 50000"/>
+            </a:avLst>
+          </a:prstGeom>
+          <a:ln w="12700">
+            <a:solidFill>
+              <a:schemeClr val="tx1"/>
+            </a:solidFill>
+          </a:ln>
+        </p:spPr>
+        <p:style>
+          <a:lnRef idx="1">
+            <a:schemeClr val="accent1"/>
+          </a:lnRef>
+          <a:fillRef idx="0">
+            <a:schemeClr val="accent1"/>
+          </a:fillRef>
+          <a:effectRef idx="0">
+            <a:schemeClr val="accent1"/>
+          </a:effectRef>
+          <a:fontRef idx="minor">
+            <a:schemeClr val="tx1"/>
+          </a:fontRef>
+        </p:style>
+      </p:cxnSp>
+      <p:sp>
+        <p:nvSpPr>
+          <p:cNvPr id="24" name="TextBox 23">
+            <a:extLst>
+              <a:ext uri="{FF2B5EF4-FFF2-40B4-BE49-F238E27FC236}">
+                <a16:creationId xmlns:a16="http://schemas.microsoft.com/office/drawing/2014/main" id="{D9CCB771-34F4-DECE-EB41-D9D9451BBE6B}"/>
+              </a:ext>
+            </a:extLst>
+          </p:cNvPr>
+          <p:cNvSpPr txBox="1"/>
+          <p:nvPr/>
+        </p:nvSpPr>
+        <p:spPr>
+          <a:xfrm>
+            <a:off x="2590673" y="557967"/>
+            <a:ext cx="8214246" cy="954107"/>
+          </a:xfrm>
+          <a:prstGeom prst="rect">
+            <a:avLst/>
+          </a:prstGeom>
+          <a:noFill/>
+        </p:spPr>
+        <p:txBody>
+          <a:bodyPr wrap="square" rtlCol="0">
+            <a:spAutoFit/>
+          </a:bodyPr>
+          <a:lstStyle/>
+          <a:p>
+            <a:pPr algn="ctr"/>
+            <a:r>
+              <a:rPr kumimoji="1" lang="en-US" altLang="ko-Kore-KR" sz="2800">
+                <a:cs typeface="Microsoft Himalaya" pitchFamily="2" charset="0"/>
+              </a:rPr>
+              <a:t>What has been done before in the same context as this fundamental insight?</a:t>
+            </a:r>
+            <a:endParaRPr kumimoji="1" lang="ko-Kore-KR" altLang="en-US" sz="2800">
+              <a:cs typeface="Microsoft Himalaya" pitchFamily="2" charset="0"/>
+            </a:endParaRPr>
+          </a:p>
+        </p:txBody>
+      </p:sp>
+      <p:sp>
+        <p:nvSpPr>
+          <p:cNvPr id="26" name="타원 25">
+            <a:extLst>
+              <a:ext uri="{FF2B5EF4-FFF2-40B4-BE49-F238E27FC236}">
+                <a16:creationId xmlns:a16="http://schemas.microsoft.com/office/drawing/2014/main" id="{74D3F31D-3F9C-6321-18F1-2C57945CDF24}"/>
+              </a:ext>
+            </a:extLst>
+          </p:cNvPr>
+          <p:cNvSpPr/>
+          <p:nvPr/>
+        </p:nvSpPr>
+        <p:spPr>
+          <a:xfrm>
+            <a:off x="2018006" y="263090"/>
+            <a:ext cx="9055117" cy="1401639"/>
+          </a:xfrm>
+          <a:prstGeom prst="ellipse">
+            <a:avLst/>
+          </a:prstGeom>
+          <a:noFill/>
+          <a:ln w="19050">
+            <a:solidFill>
+              <a:schemeClr val="tx1"/>
+            </a:solidFill>
+          </a:ln>
+        </p:spPr>
+        <p:style>
+          <a:lnRef idx="2">
+            <a:schemeClr val="accent1">
+              <a:shade val="15000"/>
+            </a:schemeClr>
+          </a:lnRef>
+          <a:fillRef idx="1">
+            <a:schemeClr val="accent1"/>
+          </a:fillRef>
+          <a:effectRef idx="0">
+            <a:schemeClr val="accent1"/>
+          </a:effectRef>
+          <a:fontRef idx="minor">
+            <a:schemeClr val="lt1"/>
+          </a:fontRef>
+        </p:style>
+        <p:txBody>
+          <a:bodyPr rtlCol="0" anchor="ctr"/>
+          <a:lstStyle/>
+          <a:p>
+            <a:pPr algn="ctr"/>
+            <a:endParaRPr kumimoji="1" lang="ko-Kore-KR" altLang="en-US"/>
+          </a:p>
+        </p:txBody>
+      </p:sp>
+      <p:cxnSp>
+        <p:nvCxnSpPr>
+          <p:cNvPr id="27" name="구부러진 연결선[U] 26">
+            <a:extLst>
+              <a:ext uri="{FF2B5EF4-FFF2-40B4-BE49-F238E27FC236}">
+                <a16:creationId xmlns:a16="http://schemas.microsoft.com/office/drawing/2014/main" id="{9E36E546-0899-D82E-3FE4-1D54F088F523}"/>
+              </a:ext>
+            </a:extLst>
+          </p:cNvPr>
+          <p:cNvCxnSpPr>
+            <a:cxnSpLocks/>
+            <a:stCxn id="22" idx="4"/>
+            <a:endCxn id="26" idx="0"/>
+          </p:cNvCxnSpPr>
+          <p:nvPr/>
+        </p:nvCxnSpPr>
+        <p:spPr>
+          <a:xfrm rot="16200000" flipH="1">
+            <a:off x="6265187" y="-17288"/>
+            <a:ext cx="332640" cy="228115"/>
+          </a:xfrm>
+          <a:prstGeom prst="curvedConnector3">
+            <a:avLst>
+              <a:gd name="adj1" fmla="val 50000"/>
+            </a:avLst>
+          </a:prstGeom>
+          <a:ln w="12700">
+            <a:solidFill>
+              <a:schemeClr val="tx1"/>
+            </a:solidFill>
+          </a:ln>
+        </p:spPr>
+        <p:style>
+          <a:lnRef idx="1">
+            <a:schemeClr val="accent1"/>
+          </a:lnRef>
+          <a:fillRef idx="0">
+            <a:schemeClr val="accent1"/>
+          </a:fillRef>
+          <a:effectRef idx="0">
+            <a:schemeClr val="accent1"/>
+          </a:effectRef>
+          <a:fontRef idx="minor">
+            <a:schemeClr val="tx1"/>
+          </a:fontRef>
+        </p:style>
+      </p:cxnSp>
+      <p:sp>
+        <p:nvSpPr>
+          <p:cNvPr id="28" name="TextBox 27">
+            <a:extLst>
+              <a:ext uri="{FF2B5EF4-FFF2-40B4-BE49-F238E27FC236}">
+                <a16:creationId xmlns:a16="http://schemas.microsoft.com/office/drawing/2014/main" id="{E8534B9F-7211-6895-994D-EE1F30F8D69D}"/>
+              </a:ext>
+            </a:extLst>
+          </p:cNvPr>
+          <p:cNvSpPr txBox="1"/>
+          <p:nvPr/>
+        </p:nvSpPr>
+        <p:spPr>
+          <a:xfrm>
+            <a:off x="2338792" y="2497128"/>
+            <a:ext cx="8214246" cy="954107"/>
+          </a:xfrm>
+          <a:prstGeom prst="rect">
+            <a:avLst/>
+          </a:prstGeom>
+          <a:noFill/>
+        </p:spPr>
+        <p:txBody>
+          <a:bodyPr wrap="square" rtlCol="0">
+            <a:spAutoFit/>
+          </a:bodyPr>
+          <a:lstStyle/>
+          <a:p>
+            <a:pPr algn="ctr"/>
+            <a:r>
+              <a:rPr kumimoji="1" lang="en-US" altLang="ko-Kore-KR" sz="2800">
+                <a:cs typeface="Microsoft Himalaya" pitchFamily="2" charset="0"/>
+              </a:rPr>
+              <a:t>All these things are focusing on relaxing CPU virtualization itself</a:t>
+            </a:r>
+            <a:endParaRPr kumimoji="1" lang="ko-Kore-KR" altLang="en-US" sz="2800">
+              <a:cs typeface="Microsoft Himalaya" pitchFamily="2" charset="0"/>
+            </a:endParaRPr>
+          </a:p>
+        </p:txBody>
+      </p:sp>
+      <p:sp>
+        <p:nvSpPr>
+          <p:cNvPr id="29" name="타원 28">
+            <a:extLst>
+              <a:ext uri="{FF2B5EF4-FFF2-40B4-BE49-F238E27FC236}">
+                <a16:creationId xmlns:a16="http://schemas.microsoft.com/office/drawing/2014/main" id="{E3A1A664-3E77-01B5-65C2-80AFA2CDD22C}"/>
+              </a:ext>
+            </a:extLst>
+          </p:cNvPr>
+          <p:cNvSpPr/>
+          <p:nvPr/>
+        </p:nvSpPr>
+        <p:spPr>
+          <a:xfrm>
+            <a:off x="2170237" y="2273363"/>
+            <a:ext cx="9055117" cy="1401639"/>
+          </a:xfrm>
+          <a:prstGeom prst="ellipse">
+            <a:avLst/>
+          </a:prstGeom>
+          <a:noFill/>
+          <a:ln w="19050">
+            <a:solidFill>
+              <a:schemeClr val="tx1"/>
+            </a:solidFill>
+          </a:ln>
+        </p:spPr>
+        <p:style>
+          <a:lnRef idx="2">
+            <a:schemeClr val="accent1">
+              <a:shade val="15000"/>
+            </a:schemeClr>
+          </a:lnRef>
+          <a:fillRef idx="1">
+            <a:schemeClr val="accent1"/>
+          </a:fillRef>
+          <a:effectRef idx="0">
+            <a:schemeClr val="accent1"/>
+          </a:effectRef>
+          <a:fontRef idx="minor">
+            <a:schemeClr val="lt1"/>
+          </a:fontRef>
+        </p:style>
+        <p:txBody>
+          <a:bodyPr rtlCol="0" anchor="ctr"/>
+          <a:lstStyle/>
+          <a:p>
+            <a:pPr algn="ctr"/>
+            <a:endParaRPr kumimoji="1" lang="ko-Kore-KR" altLang="en-US"/>
+          </a:p>
+        </p:txBody>
+      </p:sp>
+      <p:cxnSp>
+        <p:nvCxnSpPr>
+          <p:cNvPr id="30" name="구부러진 연결선[U] 29">
+            <a:extLst>
+              <a:ext uri="{FF2B5EF4-FFF2-40B4-BE49-F238E27FC236}">
+                <a16:creationId xmlns:a16="http://schemas.microsoft.com/office/drawing/2014/main" id="{5880DCAE-E4E6-A983-8FE9-2A8D3336CBE3}"/>
+              </a:ext>
+            </a:extLst>
+          </p:cNvPr>
+          <p:cNvCxnSpPr>
+            <a:cxnSpLocks/>
+            <a:stCxn id="26" idx="4"/>
+            <a:endCxn id="29" idx="0"/>
+          </p:cNvCxnSpPr>
+          <p:nvPr/>
+        </p:nvCxnSpPr>
+        <p:spPr>
+          <a:xfrm rot="16200000" flipH="1">
+            <a:off x="6317363" y="1892930"/>
+            <a:ext cx="608634" cy="152231"/>
+          </a:xfrm>
+          <a:prstGeom prst="curvedConnector3">
+            <a:avLst>
+              <a:gd name="adj1" fmla="val 50000"/>
+            </a:avLst>
+          </a:prstGeom>
+          <a:ln w="12700">
+            <a:solidFill>
+              <a:schemeClr val="tx1"/>
+            </a:solidFill>
+          </a:ln>
+        </p:spPr>
+        <p:style>
+          <a:lnRef idx="1">
+            <a:schemeClr val="accent1"/>
+          </a:lnRef>
+          <a:fillRef idx="0">
+            <a:schemeClr val="accent1"/>
+          </a:fillRef>
+          <a:effectRef idx="0">
+            <a:schemeClr val="accent1"/>
+          </a:effectRef>
+          <a:fontRef idx="minor">
+            <a:schemeClr val="tx1"/>
+          </a:fontRef>
+        </p:style>
+      </p:cxnSp>
+      <p:sp>
+        <p:nvSpPr>
+          <p:cNvPr id="31" name="TextBox 30">
+            <a:extLst>
+              <a:ext uri="{FF2B5EF4-FFF2-40B4-BE49-F238E27FC236}">
+                <a16:creationId xmlns:a16="http://schemas.microsoft.com/office/drawing/2014/main" id="{7C615279-869D-34FB-C6EE-541848B073FA}"/>
+              </a:ext>
+            </a:extLst>
+          </p:cNvPr>
+          <p:cNvSpPr txBox="1"/>
+          <p:nvPr/>
+        </p:nvSpPr>
+        <p:spPr>
+          <a:xfrm>
+            <a:off x="2026595" y="4283636"/>
+            <a:ext cx="8214246" cy="954107"/>
+          </a:xfrm>
+          <a:prstGeom prst="rect">
+            <a:avLst/>
+          </a:prstGeom>
+          <a:noFill/>
+        </p:spPr>
+        <p:txBody>
+          <a:bodyPr wrap="square" rtlCol="0">
+            <a:spAutoFit/>
+          </a:bodyPr>
+          <a:lstStyle/>
+          <a:p>
+            <a:pPr algn="ctr"/>
+            <a:r>
+              <a:rPr kumimoji="1" lang="en-US" altLang="ko-Kore-KR" sz="2800">
+                <a:cs typeface="Microsoft Himalaya" pitchFamily="2" charset="0"/>
+              </a:rPr>
+              <a:t>But the ghOSt is focusing on how to include this in the development space of user applications </a:t>
+            </a:r>
+            <a:endParaRPr kumimoji="1" lang="ko-Kore-KR" altLang="en-US" sz="2800">
+              <a:cs typeface="Microsoft Himalaya" pitchFamily="2" charset="0"/>
+            </a:endParaRPr>
+          </a:p>
+        </p:txBody>
+      </p:sp>
+      <p:sp>
+        <p:nvSpPr>
+          <p:cNvPr id="32" name="타원 31">
+            <a:extLst>
+              <a:ext uri="{FF2B5EF4-FFF2-40B4-BE49-F238E27FC236}">
+                <a16:creationId xmlns:a16="http://schemas.microsoft.com/office/drawing/2014/main" id="{392C49AD-AF56-39A6-84FA-55E03C057065}"/>
+              </a:ext>
+            </a:extLst>
+          </p:cNvPr>
+          <p:cNvSpPr/>
+          <p:nvPr/>
+        </p:nvSpPr>
+        <p:spPr>
+          <a:xfrm>
+            <a:off x="1568441" y="4047628"/>
+            <a:ext cx="9055117" cy="1401639"/>
+          </a:xfrm>
+          <a:prstGeom prst="ellipse">
+            <a:avLst/>
+          </a:prstGeom>
+          <a:noFill/>
+          <a:ln w="19050">
+            <a:solidFill>
+              <a:schemeClr val="tx1"/>
+            </a:solidFill>
+          </a:ln>
+        </p:spPr>
+        <p:style>
+          <a:lnRef idx="2">
+            <a:schemeClr val="accent1">
+              <a:shade val="15000"/>
+            </a:schemeClr>
+          </a:lnRef>
+          <a:fillRef idx="1">
+            <a:schemeClr val="accent1"/>
+          </a:fillRef>
+          <a:effectRef idx="0">
+            <a:schemeClr val="accent1"/>
+          </a:effectRef>
+          <a:fontRef idx="minor">
+            <a:schemeClr val="lt1"/>
+          </a:fontRef>
+        </p:style>
+        <p:txBody>
+          <a:bodyPr rtlCol="0" anchor="ctr"/>
+          <a:lstStyle/>
+          <a:p>
+            <a:pPr algn="ctr"/>
+            <a:endParaRPr kumimoji="1" lang="ko-Kore-KR" altLang="en-US"/>
+          </a:p>
+        </p:txBody>
+      </p:sp>
+      <p:cxnSp>
+        <p:nvCxnSpPr>
+          <p:cNvPr id="33" name="구부러진 연결선[U] 32">
+            <a:extLst>
+              <a:ext uri="{FF2B5EF4-FFF2-40B4-BE49-F238E27FC236}">
+                <a16:creationId xmlns:a16="http://schemas.microsoft.com/office/drawing/2014/main" id="{579C83DA-62B4-E2FF-2491-92B140F10AA0}"/>
+              </a:ext>
+            </a:extLst>
+          </p:cNvPr>
+          <p:cNvCxnSpPr>
+            <a:cxnSpLocks/>
+            <a:stCxn id="29" idx="4"/>
+            <a:endCxn id="32" idx="0"/>
+          </p:cNvCxnSpPr>
+          <p:nvPr/>
+        </p:nvCxnSpPr>
+        <p:spPr>
+          <a:xfrm rot="5400000">
+            <a:off x="6210585" y="3560417"/>
+            <a:ext cx="372626" cy="601796"/>
+          </a:xfrm>
+          <a:prstGeom prst="curvedConnector3">
+            <a:avLst>
+              <a:gd name="adj1" fmla="val 50000"/>
+            </a:avLst>
+          </a:prstGeom>
+          <a:ln w="12700">
+            <a:solidFill>
+              <a:schemeClr val="tx1"/>
+            </a:solidFill>
+          </a:ln>
+        </p:spPr>
+        <p:style>
+          <a:lnRef idx="1">
+            <a:schemeClr val="accent1"/>
+          </a:lnRef>
+          <a:fillRef idx="0">
+            <a:schemeClr val="accent1"/>
+          </a:fillRef>
+          <a:effectRef idx="0">
+            <a:schemeClr val="accent1"/>
+          </a:effectRef>
+          <a:fontRef idx="minor">
+            <a:schemeClr val="tx1"/>
+          </a:fontRef>
+        </p:style>
+      </p:cxnSp>
+    </p:spTree>
+    <p:extLst>
+      <p:ext uri="{BB962C8B-B14F-4D97-AF65-F5344CB8AC3E}">
+        <p14:creationId xmlns:p14="http://schemas.microsoft.com/office/powerpoint/2010/main" val="3641665998"/>
+      </p:ext>
+    </p:extLst>
+  </p:cSld>
+  <p:clrMapOvr>
+    <a:masterClrMapping/>
+  </p:clrMapOvr>
+  <mc:AlternateContent xmlns:mc="http://schemas.openxmlformats.org/markup-compatibility/2006" xmlns:p159="http://schemas.microsoft.com/office/powerpoint/2015/09/main">
+    <mc:Choice Requires="p159">
+      <p:transition spd="slow" advClick="0">
+        <p159:morph option="byObject"/>
+      </p:transition>
+    </mc:Choice>
+    <mc:Fallback xmlns="">
+      <p:transition spd="slow" advClick="0">
+        <p:fade/>
+      </p:transition>
+    </mc:Fallback>
+  </mc:AlternateContent>
+</p:sld>
+</file>
+
+<file path=ppt/slides/slide24.xml><?xml version="1.0" encoding="utf-8"?>
+<p:sld xmlns:a="http://schemas.openxmlformats.org/drawingml/2006/main" xmlns:r="http://schemas.openxmlformats.org/officeDocument/2006/relationships" xmlns:p="http://schemas.openxmlformats.org/presentationml/2006/main">
+  <p:cSld>
+    <p:spTree>
+      <p:nvGrpSpPr>
+        <p:cNvPr id="1" name=""/>
+        <p:cNvGrpSpPr/>
+        <p:nvPr/>
+      </p:nvGrpSpPr>
+      <p:grpSpPr>
+        <a:xfrm>
+          <a:off x="0" y="0"/>
+          <a:ext cx="0" cy="0"/>
+          <a:chOff x="0" y="0"/>
+          <a:chExt cx="0" cy="0"/>
+        </a:xfrm>
+      </p:grpSpPr>
+      <p:sp>
+        <p:nvSpPr>
+          <p:cNvPr id="7" name="TextBox 6">
+            <a:extLst>
+              <a:ext uri="{FF2B5EF4-FFF2-40B4-BE49-F238E27FC236}">
+                <a16:creationId xmlns:a16="http://schemas.microsoft.com/office/drawing/2014/main" id="{7432CD06-269D-8519-0178-61F8107F3434}"/>
+              </a:ext>
+            </a:extLst>
+          </p:cNvPr>
+          <p:cNvSpPr txBox="1"/>
+          <p:nvPr/>
+        </p:nvSpPr>
+        <p:spPr>
+          <a:xfrm>
+            <a:off x="-12630716" y="-20419849"/>
+            <a:ext cx="6649080" cy="523220"/>
+          </a:xfrm>
+          <a:prstGeom prst="rect">
+            <a:avLst/>
+          </a:prstGeom>
+          <a:noFill/>
+        </p:spPr>
+        <p:txBody>
+          <a:bodyPr wrap="square" rtlCol="0">
+            <a:spAutoFit/>
+          </a:bodyPr>
+          <a:lstStyle/>
+          <a:p>
+            <a:pPr algn="ctr"/>
+            <a:r>
+              <a:rPr kumimoji="1" lang="en-US" altLang="ko-Kore-KR" sz="2800">
+                <a:ea typeface="Microsoft Himalaya" pitchFamily="2" charset="0"/>
+                <a:cs typeface="Microsoft Himalaya" pitchFamily="2" charset="0"/>
+              </a:rPr>
+              <a:t>What is a purpose of the paper?</a:t>
+            </a:r>
+            <a:endParaRPr kumimoji="1" lang="ko-Kore-KR" altLang="en-US" sz="2800">
+              <a:solidFill>
+                <a:schemeClr val="bg1">
+                  <a:alpha val="0"/>
+                </a:schemeClr>
+              </a:solidFill>
+              <a:cs typeface="Microsoft Himalaya" pitchFamily="2" charset="0"/>
+            </a:endParaRPr>
+          </a:p>
+        </p:txBody>
+      </p:sp>
+      <p:sp>
+        <p:nvSpPr>
+          <p:cNvPr id="6" name="타원 5">
+            <a:extLst>
+              <a:ext uri="{FF2B5EF4-FFF2-40B4-BE49-F238E27FC236}">
+                <a16:creationId xmlns:a16="http://schemas.microsoft.com/office/drawing/2014/main" id="{2EE2381A-BA90-6CCC-E30D-9B8CB7883D9B}"/>
+              </a:ext>
+            </a:extLst>
+          </p:cNvPr>
+          <p:cNvSpPr/>
+          <p:nvPr/>
+        </p:nvSpPr>
+        <p:spPr>
+          <a:xfrm>
+            <a:off x="-12104487" y="-21085714"/>
+            <a:ext cx="5416902" cy="1895475"/>
+          </a:xfrm>
+          <a:prstGeom prst="ellipse">
+            <a:avLst/>
+          </a:prstGeom>
+          <a:noFill/>
+          <a:ln w="19050">
+            <a:solidFill>
+              <a:schemeClr val="tx1"/>
+            </a:solidFill>
+          </a:ln>
+        </p:spPr>
+        <p:style>
+          <a:lnRef idx="2">
+            <a:schemeClr val="accent1">
+              <a:shade val="15000"/>
+            </a:schemeClr>
+          </a:lnRef>
+          <a:fillRef idx="1">
+            <a:schemeClr val="accent1"/>
+          </a:fillRef>
+          <a:effectRef idx="0">
+            <a:schemeClr val="accent1"/>
+          </a:effectRef>
+          <a:fontRef idx="minor">
+            <a:schemeClr val="lt1"/>
+          </a:fontRef>
+        </p:style>
+        <p:txBody>
+          <a:bodyPr rtlCol="0" anchor="ctr"/>
+          <a:lstStyle/>
+          <a:p>
+            <a:pPr algn="ctr"/>
+            <a:endParaRPr kumimoji="1" lang="ko-Kore-KR" altLang="en-US"/>
+          </a:p>
+        </p:txBody>
+      </p:sp>
+      <p:sp>
+        <p:nvSpPr>
+          <p:cNvPr id="2" name="타원 1">
+            <a:extLst>
+              <a:ext uri="{FF2B5EF4-FFF2-40B4-BE49-F238E27FC236}">
+                <a16:creationId xmlns:a16="http://schemas.microsoft.com/office/drawing/2014/main" id="{3537091F-D64C-D90A-CCA1-057FC775DC84}"/>
+              </a:ext>
+            </a:extLst>
+          </p:cNvPr>
+          <p:cNvSpPr/>
+          <p:nvPr/>
+        </p:nvSpPr>
+        <p:spPr>
+          <a:xfrm>
+            <a:off x="-16537357" y="-25215623"/>
+            <a:ext cx="3470478" cy="3347761"/>
+          </a:xfrm>
+          <a:prstGeom prst="ellipse">
+            <a:avLst/>
+          </a:prstGeom>
+          <a:noFill/>
+          <a:ln w="19050">
+            <a:solidFill>
+              <a:schemeClr val="tx1"/>
+            </a:solidFill>
+          </a:ln>
+        </p:spPr>
+        <p:style>
+          <a:lnRef idx="2">
+            <a:schemeClr val="accent1">
+              <a:shade val="15000"/>
+            </a:schemeClr>
+          </a:lnRef>
+          <a:fillRef idx="1">
+            <a:schemeClr val="accent1"/>
+          </a:fillRef>
+          <a:effectRef idx="0">
+            <a:schemeClr val="accent1"/>
+          </a:effectRef>
+          <a:fontRef idx="minor">
+            <a:schemeClr val="lt1"/>
+          </a:fontRef>
+        </p:style>
+        <p:txBody>
+          <a:bodyPr rtlCol="0" anchor="ctr"/>
+          <a:lstStyle/>
+          <a:p>
+            <a:pPr algn="ctr"/>
+            <a:endParaRPr kumimoji="1" lang="ko-Kore-KR" altLang="en-US"/>
+          </a:p>
+        </p:txBody>
+      </p:sp>
+      <p:cxnSp>
+        <p:nvCxnSpPr>
+          <p:cNvPr id="14" name="구부러진 연결선[U] 13">
+            <a:extLst>
+              <a:ext uri="{FF2B5EF4-FFF2-40B4-BE49-F238E27FC236}">
+                <a16:creationId xmlns:a16="http://schemas.microsoft.com/office/drawing/2014/main" id="{2B954181-AE35-70DB-E680-6B87963413D4}"/>
+              </a:ext>
+            </a:extLst>
+          </p:cNvPr>
+          <p:cNvCxnSpPr>
+            <a:cxnSpLocks/>
+            <a:stCxn id="2" idx="5"/>
+            <a:endCxn id="6" idx="2"/>
+          </p:cNvCxnSpPr>
+          <p:nvPr/>
+        </p:nvCxnSpPr>
+        <p:spPr>
+          <a:xfrm rot="16200000" flipH="1">
+            <a:off x="-13949880" y="-21983369"/>
+            <a:ext cx="2220154" cy="1470632"/>
+          </a:xfrm>
+          <a:prstGeom prst="curvedConnector2">
+            <a:avLst/>
+          </a:prstGeom>
+          <a:ln w="12700">
+            <a:solidFill>
+              <a:schemeClr val="tx1"/>
+            </a:solidFill>
+          </a:ln>
+        </p:spPr>
+        <p:style>
+          <a:lnRef idx="1">
+            <a:schemeClr val="accent1"/>
+          </a:lnRef>
+          <a:fillRef idx="0">
+            <a:schemeClr val="accent1"/>
+          </a:fillRef>
+          <a:effectRef idx="0">
+            <a:schemeClr val="accent1"/>
+          </a:effectRef>
+          <a:fontRef idx="minor">
+            <a:schemeClr val="tx1"/>
+          </a:fontRef>
+        </p:style>
+      </p:cxnSp>
+      <p:sp>
+        <p:nvSpPr>
+          <p:cNvPr id="25" name="TextBox 24">
+            <a:extLst>
+              <a:ext uri="{FF2B5EF4-FFF2-40B4-BE49-F238E27FC236}">
+                <a16:creationId xmlns:a16="http://schemas.microsoft.com/office/drawing/2014/main" id="{758AC1A2-CDC9-B7E3-EBE8-BCC2D5E5D2B1}"/>
+              </a:ext>
+            </a:extLst>
+          </p:cNvPr>
+          <p:cNvSpPr txBox="1"/>
+          <p:nvPr/>
+        </p:nvSpPr>
+        <p:spPr>
+          <a:xfrm>
+            <a:off x="-16134660" y="-23191301"/>
+            <a:ext cx="9015787" cy="1323439"/>
+          </a:xfrm>
+          <a:prstGeom prst="rect">
+            <a:avLst/>
+          </a:prstGeom>
+          <a:noFill/>
+        </p:spPr>
+        <p:txBody>
+          <a:bodyPr wrap="square" rtlCol="0">
+            <a:spAutoFit/>
+          </a:bodyPr>
+          <a:lstStyle/>
+          <a:p>
+            <a:pPr algn="ctr"/>
+            <a:r>
+              <a:rPr kumimoji="1" lang="en-US" altLang="ko-Kore-KR" sz="4000">
+                <a:ea typeface="Microsoft Himalaya" pitchFamily="2" charset="0"/>
+                <a:cs typeface="Microsoft Himalaya" pitchFamily="2" charset="0"/>
+              </a:rPr>
+              <a:t>ghOSt</a:t>
+            </a:r>
+            <a:r>
+              <a:rPr kumimoji="1" lang="en-US" altLang="ko-Kore-KR" sz="4000">
+                <a:solidFill>
+                  <a:schemeClr val="bg1">
+                    <a:alpha val="0"/>
+                  </a:schemeClr>
+                </a:solidFill>
+                <a:ea typeface="Microsoft Himalaya" pitchFamily="2" charset="0"/>
+                <a:cs typeface="Microsoft Himalaya" pitchFamily="2" charset="0"/>
+              </a:rPr>
+              <a:t>: Fast &amp; Flexible User-space Delegation of Linux Scheduling </a:t>
+            </a:r>
+            <a:endParaRPr kumimoji="1" lang="ko-Kore-KR" altLang="en-US" sz="4000">
+              <a:solidFill>
+                <a:schemeClr val="bg1">
+                  <a:alpha val="0"/>
+                </a:schemeClr>
+              </a:solidFill>
+              <a:cs typeface="Microsoft Himalaya" pitchFamily="2" charset="0"/>
+            </a:endParaRPr>
+          </a:p>
+        </p:txBody>
+      </p:sp>
+      <p:sp>
+        <p:nvSpPr>
+          <p:cNvPr id="5" name="TextBox 4">
+            <a:extLst>
+              <a:ext uri="{FF2B5EF4-FFF2-40B4-BE49-F238E27FC236}">
+                <a16:creationId xmlns:a16="http://schemas.microsoft.com/office/drawing/2014/main" id="{6654DD5B-363D-007E-134A-CB95D8023FE8}"/>
+              </a:ext>
+            </a:extLst>
+          </p:cNvPr>
+          <p:cNvSpPr txBox="1"/>
+          <p:nvPr/>
+        </p:nvSpPr>
+        <p:spPr>
+          <a:xfrm>
+            <a:off x="-9654855" y="-18192910"/>
+            <a:ext cx="6649080" cy="954107"/>
+          </a:xfrm>
+          <a:prstGeom prst="rect">
+            <a:avLst/>
+          </a:prstGeom>
+          <a:noFill/>
+        </p:spPr>
+        <p:txBody>
+          <a:bodyPr wrap="square" rtlCol="0">
+            <a:spAutoFit/>
+          </a:bodyPr>
+          <a:lstStyle/>
+          <a:p>
+            <a:pPr algn="ctr"/>
+            <a:r>
+              <a:rPr kumimoji="1" lang="en-US" altLang="ko-Kore-KR" sz="2800">
+                <a:ea typeface="Microsoft Himalaya" pitchFamily="2" charset="0"/>
+                <a:cs typeface="Microsoft Himalaya" pitchFamily="2" charset="0"/>
+              </a:rPr>
+              <a:t>Delegating kernel scheduling</a:t>
+            </a:r>
+          </a:p>
+          <a:p>
+            <a:pPr algn="ctr"/>
+            <a:r>
+              <a:rPr kumimoji="1" lang="en-US" altLang="ko-Kore-KR" sz="2800">
+                <a:ea typeface="Microsoft Himalaya" pitchFamily="2" charset="0"/>
+                <a:cs typeface="Microsoft Himalaya" pitchFamily="2" charset="0"/>
+              </a:rPr>
+              <a:t>to userspace code </a:t>
+            </a:r>
+            <a:endParaRPr kumimoji="1" lang="ko-Kore-KR" altLang="en-US" sz="2800">
+              <a:cs typeface="Microsoft Himalaya" pitchFamily="2" charset="0"/>
+            </a:endParaRPr>
+          </a:p>
+        </p:txBody>
+      </p:sp>
+      <p:sp>
+        <p:nvSpPr>
+          <p:cNvPr id="8" name="타원 7">
+            <a:extLst>
+              <a:ext uri="{FF2B5EF4-FFF2-40B4-BE49-F238E27FC236}">
+                <a16:creationId xmlns:a16="http://schemas.microsoft.com/office/drawing/2014/main" id="{CCA7A6FF-A5C1-EE13-DAB5-2A47607E4AA0}"/>
+              </a:ext>
+            </a:extLst>
+          </p:cNvPr>
+          <p:cNvSpPr/>
+          <p:nvPr/>
+        </p:nvSpPr>
+        <p:spPr>
+          <a:xfrm>
+            <a:off x="-9038766" y="-18669701"/>
+            <a:ext cx="5416902" cy="1895475"/>
+          </a:xfrm>
+          <a:prstGeom prst="ellipse">
+            <a:avLst/>
+          </a:prstGeom>
+          <a:noFill/>
+          <a:ln w="19050">
+            <a:solidFill>
+              <a:schemeClr val="tx1"/>
+            </a:solidFill>
+          </a:ln>
+        </p:spPr>
+        <p:style>
+          <a:lnRef idx="2">
+            <a:schemeClr val="accent1">
+              <a:shade val="15000"/>
+            </a:schemeClr>
+          </a:lnRef>
+          <a:fillRef idx="1">
+            <a:schemeClr val="accent1"/>
+          </a:fillRef>
+          <a:effectRef idx="0">
+            <a:schemeClr val="accent1"/>
+          </a:effectRef>
+          <a:fontRef idx="minor">
+            <a:schemeClr val="lt1"/>
+          </a:fontRef>
+        </p:style>
+        <p:txBody>
+          <a:bodyPr rtlCol="0" anchor="ctr"/>
+          <a:lstStyle/>
+          <a:p>
+            <a:pPr algn="ctr"/>
+            <a:endParaRPr kumimoji="1" lang="ko-Kore-KR" altLang="en-US"/>
+          </a:p>
+        </p:txBody>
+      </p:sp>
+      <p:cxnSp>
+        <p:nvCxnSpPr>
+          <p:cNvPr id="9" name="구부러진 연결선[U] 8">
+            <a:extLst>
+              <a:ext uri="{FF2B5EF4-FFF2-40B4-BE49-F238E27FC236}">
+                <a16:creationId xmlns:a16="http://schemas.microsoft.com/office/drawing/2014/main" id="{068EEA84-621C-4582-DC0F-D62A6F3062A3}"/>
+              </a:ext>
+            </a:extLst>
+          </p:cNvPr>
+          <p:cNvCxnSpPr>
+            <a:cxnSpLocks/>
+            <a:stCxn id="6" idx="4"/>
+            <a:endCxn id="8" idx="1"/>
+          </p:cNvCxnSpPr>
+          <p:nvPr/>
+        </p:nvCxnSpPr>
+        <p:spPr>
+          <a:xfrm rot="16200000" flipH="1">
+            <a:off x="-9219820" y="-19366456"/>
+            <a:ext cx="798124" cy="1150557"/>
+          </a:xfrm>
+          <a:prstGeom prst="curvedConnector3">
+            <a:avLst>
+              <a:gd name="adj1" fmla="val 50000"/>
+            </a:avLst>
+          </a:prstGeom>
+          <a:ln w="12700">
+            <a:solidFill>
+              <a:schemeClr val="tx1"/>
+            </a:solidFill>
+          </a:ln>
+        </p:spPr>
+        <p:style>
+          <a:lnRef idx="1">
+            <a:schemeClr val="accent1"/>
+          </a:lnRef>
+          <a:fillRef idx="0">
+            <a:schemeClr val="accent1"/>
+          </a:fillRef>
+          <a:effectRef idx="0">
+            <a:schemeClr val="accent1"/>
+          </a:effectRef>
+          <a:fontRef idx="minor">
+            <a:schemeClr val="tx1"/>
+          </a:fontRef>
+        </p:style>
+      </p:cxnSp>
+      <p:cxnSp>
+        <p:nvCxnSpPr>
+          <p:cNvPr id="3" name="구부러진 연결선[U] 2">
+            <a:extLst>
+              <a:ext uri="{FF2B5EF4-FFF2-40B4-BE49-F238E27FC236}">
+                <a16:creationId xmlns:a16="http://schemas.microsoft.com/office/drawing/2014/main" id="{AC3F9A48-1A19-F6C7-B3C2-CDA39B862C08}"/>
+              </a:ext>
+            </a:extLst>
+          </p:cNvPr>
+          <p:cNvCxnSpPr>
+            <a:cxnSpLocks/>
+            <a:stCxn id="8" idx="4"/>
+            <a:endCxn id="11" idx="1"/>
+          </p:cNvCxnSpPr>
+          <p:nvPr/>
+        </p:nvCxnSpPr>
+        <p:spPr>
+          <a:xfrm rot="16200000" flipH="1">
+            <a:off x="-6125399" y="-16979143"/>
+            <a:ext cx="542943" cy="952775"/>
+          </a:xfrm>
+          <a:prstGeom prst="curvedConnector3">
+            <a:avLst>
+              <a:gd name="adj1" fmla="val 50000"/>
+            </a:avLst>
+          </a:prstGeom>
+          <a:ln w="12700">
+            <a:solidFill>
+              <a:schemeClr val="tx1"/>
+            </a:solidFill>
+          </a:ln>
+        </p:spPr>
+        <p:style>
+          <a:lnRef idx="1">
+            <a:schemeClr val="accent1"/>
+          </a:lnRef>
+          <a:fillRef idx="0">
+            <a:schemeClr val="accent1"/>
+          </a:fillRef>
+          <a:effectRef idx="0">
+            <a:schemeClr val="accent1"/>
+          </a:effectRef>
+          <a:fontRef idx="minor">
+            <a:schemeClr val="tx1"/>
+          </a:fontRef>
+        </p:style>
+      </p:cxnSp>
+      <p:sp>
+        <p:nvSpPr>
+          <p:cNvPr id="10" name="TextBox 9">
+            <a:extLst>
+              <a:ext uri="{FF2B5EF4-FFF2-40B4-BE49-F238E27FC236}">
+                <a16:creationId xmlns:a16="http://schemas.microsoft.com/office/drawing/2014/main" id="{D2C2F8E5-4B8F-C384-0BD1-F8CC7DBBFE31}"/>
+              </a:ext>
+            </a:extLst>
+          </p:cNvPr>
+          <p:cNvSpPr txBox="1"/>
+          <p:nvPr/>
+        </p:nvSpPr>
+        <p:spPr>
+          <a:xfrm>
+            <a:off x="-3842772" y="-13382953"/>
+            <a:ext cx="7214942" cy="1384995"/>
+          </a:xfrm>
+          <a:prstGeom prst="rect">
+            <a:avLst/>
+          </a:prstGeom>
+          <a:noFill/>
+        </p:spPr>
+        <p:txBody>
+          <a:bodyPr wrap="square" rtlCol="0">
+            <a:spAutoFit/>
+          </a:bodyPr>
+          <a:lstStyle/>
+          <a:p>
+            <a:pPr algn="ctr"/>
+            <a:r>
+              <a:rPr kumimoji="1" lang="en-US" altLang="ko-Kore-KR" sz="2800">
+                <a:ea typeface="Microsoft Himalaya" pitchFamily="2" charset="0"/>
+                <a:cs typeface="Microsoft Himalaya" pitchFamily="2" charset="0"/>
+              </a:rPr>
+              <a:t>Because it means that applications can be implemented leveraging the powerful features of the kernel scheduler!!!</a:t>
+            </a:r>
+            <a:endParaRPr kumimoji="1" lang="ko-Kore-KR" altLang="en-US" sz="2800">
+              <a:cs typeface="Microsoft Himalaya" pitchFamily="2" charset="0"/>
+            </a:endParaRPr>
+          </a:p>
+        </p:txBody>
+      </p:sp>
+      <p:sp>
+        <p:nvSpPr>
+          <p:cNvPr id="11" name="타원 10">
+            <a:extLst>
+              <a:ext uri="{FF2B5EF4-FFF2-40B4-BE49-F238E27FC236}">
+                <a16:creationId xmlns:a16="http://schemas.microsoft.com/office/drawing/2014/main" id="{553EEAA2-6F2C-9BFD-E1DC-B64CC11A8B05}"/>
+              </a:ext>
+            </a:extLst>
+          </p:cNvPr>
+          <p:cNvSpPr/>
+          <p:nvPr/>
+        </p:nvSpPr>
+        <p:spPr>
+          <a:xfrm>
+            <a:off x="-6170827" y="-16508869"/>
+            <a:ext cx="5416902" cy="1895475"/>
+          </a:xfrm>
+          <a:prstGeom prst="ellipse">
+            <a:avLst/>
+          </a:prstGeom>
+          <a:noFill/>
+          <a:ln w="19050">
+            <a:solidFill>
+              <a:schemeClr val="tx1"/>
+            </a:solidFill>
+          </a:ln>
+        </p:spPr>
+        <p:style>
+          <a:lnRef idx="2">
+            <a:schemeClr val="accent1">
+              <a:shade val="15000"/>
+            </a:schemeClr>
+          </a:lnRef>
+          <a:fillRef idx="1">
+            <a:schemeClr val="accent1"/>
+          </a:fillRef>
+          <a:effectRef idx="0">
+            <a:schemeClr val="accent1"/>
+          </a:effectRef>
+          <a:fontRef idx="minor">
+            <a:schemeClr val="lt1"/>
+          </a:fontRef>
+        </p:style>
+        <p:txBody>
+          <a:bodyPr rtlCol="0" anchor="ctr"/>
+          <a:lstStyle/>
+          <a:p>
+            <a:pPr algn="ctr"/>
+            <a:endParaRPr kumimoji="1" lang="ko-Kore-KR" altLang="en-US"/>
+          </a:p>
+        </p:txBody>
+      </p:sp>
+      <p:sp>
+        <p:nvSpPr>
+          <p:cNvPr id="12" name="타원 11">
+            <a:extLst>
+              <a:ext uri="{FF2B5EF4-FFF2-40B4-BE49-F238E27FC236}">
+                <a16:creationId xmlns:a16="http://schemas.microsoft.com/office/drawing/2014/main" id="{98BE3455-7E7C-98E6-2F4D-8656076DB122}"/>
+              </a:ext>
+            </a:extLst>
+          </p:cNvPr>
+          <p:cNvSpPr/>
+          <p:nvPr/>
+        </p:nvSpPr>
+        <p:spPr>
+          <a:xfrm>
+            <a:off x="-3990554" y="-13946961"/>
+            <a:ext cx="7510506" cy="2356551"/>
+          </a:xfrm>
+          <a:prstGeom prst="ellipse">
+            <a:avLst/>
+          </a:prstGeom>
+          <a:noFill/>
+          <a:ln w="19050">
+            <a:solidFill>
+              <a:schemeClr val="tx1"/>
+            </a:solidFill>
+          </a:ln>
+        </p:spPr>
+        <p:style>
+          <a:lnRef idx="2">
+            <a:schemeClr val="accent1">
+              <a:shade val="15000"/>
+            </a:schemeClr>
+          </a:lnRef>
+          <a:fillRef idx="1">
+            <a:schemeClr val="accent1"/>
+          </a:fillRef>
+          <a:effectRef idx="0">
+            <a:schemeClr val="accent1"/>
+          </a:effectRef>
+          <a:fontRef idx="minor">
+            <a:schemeClr val="lt1"/>
+          </a:fontRef>
+        </p:style>
+        <p:txBody>
+          <a:bodyPr rtlCol="0" anchor="ctr"/>
+          <a:lstStyle/>
+          <a:p>
+            <a:pPr algn="ctr"/>
+            <a:endParaRPr kumimoji="1" lang="ko-Kore-KR" altLang="en-US"/>
+          </a:p>
+        </p:txBody>
+      </p:sp>
+      <p:cxnSp>
+        <p:nvCxnSpPr>
+          <p:cNvPr id="13" name="구부러진 연결선[U] 12">
+            <a:extLst>
+              <a:ext uri="{FF2B5EF4-FFF2-40B4-BE49-F238E27FC236}">
+                <a16:creationId xmlns:a16="http://schemas.microsoft.com/office/drawing/2014/main" id="{8D73709C-867B-5C3D-0744-BD01319122DC}"/>
+              </a:ext>
+            </a:extLst>
+          </p:cNvPr>
+          <p:cNvCxnSpPr>
+            <a:cxnSpLocks/>
+            <a:stCxn id="11" idx="4"/>
+            <a:endCxn id="12" idx="1"/>
+          </p:cNvCxnSpPr>
+          <p:nvPr/>
+        </p:nvCxnSpPr>
+        <p:spPr>
+          <a:xfrm rot="16200000" flipH="1">
+            <a:off x="-3682292" y="-14393478"/>
+            <a:ext cx="1011542" cy="571710"/>
+          </a:xfrm>
+          <a:prstGeom prst="curvedConnector3">
+            <a:avLst>
+              <a:gd name="adj1" fmla="val 50000"/>
+            </a:avLst>
+          </a:prstGeom>
+          <a:ln w="12700">
+            <a:solidFill>
+              <a:schemeClr val="tx1"/>
+            </a:solidFill>
+          </a:ln>
+        </p:spPr>
+        <p:style>
+          <a:lnRef idx="1">
+            <a:schemeClr val="accent1"/>
+          </a:lnRef>
+          <a:fillRef idx="0">
+            <a:schemeClr val="accent1"/>
+          </a:fillRef>
+          <a:effectRef idx="0">
+            <a:schemeClr val="accent1"/>
+          </a:effectRef>
+          <a:fontRef idx="minor">
+            <a:schemeClr val="tx1"/>
+          </a:fontRef>
+        </p:style>
+      </p:cxnSp>
+      <p:sp>
+        <p:nvSpPr>
+          <p:cNvPr id="17" name="TextBox 16">
+            <a:extLst>
+              <a:ext uri="{FF2B5EF4-FFF2-40B4-BE49-F238E27FC236}">
+                <a16:creationId xmlns:a16="http://schemas.microsoft.com/office/drawing/2014/main" id="{2461D2E0-27C3-B02E-68FA-2F27E0718AE4}"/>
+              </a:ext>
+            </a:extLst>
+          </p:cNvPr>
+          <p:cNvSpPr txBox="1"/>
+          <p:nvPr/>
+        </p:nvSpPr>
+        <p:spPr>
+          <a:xfrm>
+            <a:off x="-6946404" y="-15776897"/>
+            <a:ext cx="6649080" cy="523220"/>
+          </a:xfrm>
+          <a:prstGeom prst="rect">
+            <a:avLst/>
+          </a:prstGeom>
+          <a:noFill/>
+        </p:spPr>
+        <p:txBody>
+          <a:bodyPr wrap="square" rtlCol="0">
+            <a:spAutoFit/>
+          </a:bodyPr>
+          <a:lstStyle/>
+          <a:p>
+            <a:pPr algn="ctr"/>
+            <a:r>
+              <a:rPr kumimoji="1" lang="en-US" altLang="ko-Kore-KR" sz="2800">
+                <a:ea typeface="Microsoft Himalaya" pitchFamily="2" charset="0"/>
+                <a:cs typeface="Microsoft Himalaya" pitchFamily="2" charset="0"/>
+              </a:rPr>
+              <a:t>Why is that important?</a:t>
+            </a:r>
+            <a:endParaRPr kumimoji="1" lang="ko-Kore-KR" altLang="en-US" sz="2800">
+              <a:cs typeface="Microsoft Himalaya" pitchFamily="2" charset="0"/>
+            </a:endParaRPr>
+          </a:p>
+        </p:txBody>
+      </p:sp>
+      <p:sp>
+        <p:nvSpPr>
+          <p:cNvPr id="4" name="TextBox 3">
+            <a:extLst>
+              <a:ext uri="{FF2B5EF4-FFF2-40B4-BE49-F238E27FC236}">
+                <a16:creationId xmlns:a16="http://schemas.microsoft.com/office/drawing/2014/main" id="{09069384-6BDF-4AB8-9E82-55B8B48224F5}"/>
+              </a:ext>
+            </a:extLst>
+          </p:cNvPr>
+          <p:cNvSpPr txBox="1"/>
+          <p:nvPr/>
+        </p:nvSpPr>
+        <p:spPr>
+          <a:xfrm>
+            <a:off x="681604" y="-10800800"/>
+            <a:ext cx="7214942" cy="1384995"/>
+          </a:xfrm>
+          <a:prstGeom prst="rect">
+            <a:avLst/>
+          </a:prstGeom>
+          <a:noFill/>
+        </p:spPr>
+        <p:txBody>
+          <a:bodyPr wrap="square" rtlCol="0">
+            <a:spAutoFit/>
+          </a:bodyPr>
+          <a:lstStyle/>
+          <a:p>
+            <a:pPr algn="ctr"/>
+            <a:r>
+              <a:rPr kumimoji="1" lang="en-US" altLang="ko-Kore-KR" sz="2800">
+                <a:cs typeface="Microsoft Himalaya" pitchFamily="2" charset="0"/>
+              </a:rPr>
+              <a:t>Also, scheduling designs that were previously </a:t>
+            </a:r>
+            <a:r>
+              <a:rPr kumimoji="1" lang="en-US" altLang="ko-KR" sz="2800">
+                <a:cs typeface="Microsoft Himalaya" pitchFamily="2" charset="0"/>
+              </a:rPr>
+              <a:t>unused because they did not fit into the general kernel </a:t>
+            </a:r>
+            <a:r>
+              <a:rPr kumimoji="1" lang="en-US" altLang="ko-Kore-KR" sz="2800">
+                <a:cs typeface="Microsoft Himalaya" pitchFamily="2" charset="0"/>
+              </a:rPr>
+              <a:t>can be used in the userspace!!</a:t>
+            </a:r>
+            <a:endParaRPr kumimoji="1" lang="ko-Kore-KR" altLang="en-US" sz="2800">
+              <a:cs typeface="Microsoft Himalaya" pitchFamily="2" charset="0"/>
+            </a:endParaRPr>
+          </a:p>
+        </p:txBody>
+      </p:sp>
+      <p:cxnSp>
+        <p:nvCxnSpPr>
+          <p:cNvPr id="15" name="구부러진 연결선[U] 14">
+            <a:extLst>
+              <a:ext uri="{FF2B5EF4-FFF2-40B4-BE49-F238E27FC236}">
+                <a16:creationId xmlns:a16="http://schemas.microsoft.com/office/drawing/2014/main" id="{86EB4F29-36E1-ABFE-5C78-E34AEC8E26C2}"/>
+              </a:ext>
+            </a:extLst>
+          </p:cNvPr>
+          <p:cNvCxnSpPr>
+            <a:cxnSpLocks/>
+            <a:stCxn id="12" idx="5"/>
+            <a:endCxn id="16" idx="0"/>
+          </p:cNvCxnSpPr>
+          <p:nvPr/>
+        </p:nvCxnSpPr>
+        <p:spPr>
+          <a:xfrm rot="16200000" flipH="1">
+            <a:off x="3087944" y="-12603400"/>
+            <a:ext cx="501569" cy="1837329"/>
+          </a:xfrm>
+          <a:prstGeom prst="curvedConnector3">
+            <a:avLst>
+              <a:gd name="adj1" fmla="val 50000"/>
+            </a:avLst>
+          </a:prstGeom>
+          <a:ln w="12700">
+            <a:solidFill>
+              <a:schemeClr val="tx1"/>
+            </a:solidFill>
+          </a:ln>
+        </p:spPr>
+        <p:style>
+          <a:lnRef idx="1">
+            <a:schemeClr val="accent1"/>
+          </a:lnRef>
+          <a:fillRef idx="0">
+            <a:schemeClr val="accent1"/>
+          </a:fillRef>
+          <a:effectRef idx="0">
+            <a:schemeClr val="accent1"/>
+          </a:effectRef>
+          <a:fontRef idx="minor">
+            <a:schemeClr val="tx1"/>
+          </a:fontRef>
+        </p:style>
+      </p:cxnSp>
+      <p:sp>
+        <p:nvSpPr>
+          <p:cNvPr id="16" name="타원 15">
+            <a:extLst>
+              <a:ext uri="{FF2B5EF4-FFF2-40B4-BE49-F238E27FC236}">
+                <a16:creationId xmlns:a16="http://schemas.microsoft.com/office/drawing/2014/main" id="{C2E7E2C8-45E7-5C28-C930-10DEF0105BBC}"/>
+              </a:ext>
+            </a:extLst>
+          </p:cNvPr>
+          <p:cNvSpPr/>
+          <p:nvPr/>
+        </p:nvSpPr>
+        <p:spPr>
+          <a:xfrm>
+            <a:off x="313339" y="-11433950"/>
+            <a:ext cx="7888107" cy="2599856"/>
+          </a:xfrm>
+          <a:prstGeom prst="ellipse">
+            <a:avLst/>
+          </a:prstGeom>
+          <a:noFill/>
+          <a:ln w="19050">
+            <a:solidFill>
+              <a:schemeClr val="tx1"/>
+            </a:solidFill>
+          </a:ln>
+        </p:spPr>
+        <p:style>
+          <a:lnRef idx="2">
+            <a:schemeClr val="accent1">
+              <a:shade val="15000"/>
+            </a:schemeClr>
+          </a:lnRef>
+          <a:fillRef idx="1">
+            <a:schemeClr val="accent1"/>
+          </a:fillRef>
+          <a:effectRef idx="0">
+            <a:schemeClr val="accent1"/>
+          </a:effectRef>
+          <a:fontRef idx="minor">
+            <a:schemeClr val="lt1"/>
+          </a:fontRef>
+        </p:style>
+        <p:txBody>
+          <a:bodyPr rtlCol="0" anchor="ctr"/>
+          <a:lstStyle/>
+          <a:p>
+            <a:pPr algn="ctr"/>
+            <a:endParaRPr kumimoji="1" lang="ko-Kore-KR" altLang="en-US"/>
+          </a:p>
+        </p:txBody>
+      </p:sp>
+      <p:sp>
+        <p:nvSpPr>
+          <p:cNvPr id="18" name="TextBox 17">
+            <a:extLst>
+              <a:ext uri="{FF2B5EF4-FFF2-40B4-BE49-F238E27FC236}">
+                <a16:creationId xmlns:a16="http://schemas.microsoft.com/office/drawing/2014/main" id="{4EF28DD6-7793-8D9A-044F-B978D4AF4B34}"/>
+              </a:ext>
+            </a:extLst>
+          </p:cNvPr>
+          <p:cNvSpPr txBox="1"/>
+          <p:nvPr/>
+        </p:nvSpPr>
+        <p:spPr>
+          <a:xfrm>
+            <a:off x="2302216" y="-7651436"/>
+            <a:ext cx="8214246" cy="1384995"/>
+          </a:xfrm>
+          <a:prstGeom prst="rect">
+            <a:avLst/>
+          </a:prstGeom>
+          <a:noFill/>
+        </p:spPr>
+        <p:txBody>
+          <a:bodyPr wrap="square" rtlCol="0">
+            <a:spAutoFit/>
+          </a:bodyPr>
+          <a:lstStyle/>
+          <a:p>
+            <a:pPr algn="ctr"/>
+            <a:r>
+              <a:rPr kumimoji="1" lang="en-US" altLang="ko-Kore-KR" sz="2800">
+                <a:cs typeface="Microsoft Himalaya" pitchFamily="2" charset="0"/>
+              </a:rPr>
+              <a:t>Fundamentally, the ghOSt relaxes restrictions in terms of CPU virtualization, expanding user’s development design freedom</a:t>
+            </a:r>
+            <a:endParaRPr kumimoji="1" lang="ko-Kore-KR" altLang="en-US" sz="2800">
+              <a:cs typeface="Microsoft Himalaya" pitchFamily="2" charset="0"/>
+            </a:endParaRPr>
+          </a:p>
+        </p:txBody>
+      </p:sp>
+      <p:sp>
+        <p:nvSpPr>
+          <p:cNvPr id="19" name="타원 18">
+            <a:extLst>
+              <a:ext uri="{FF2B5EF4-FFF2-40B4-BE49-F238E27FC236}">
+                <a16:creationId xmlns:a16="http://schemas.microsoft.com/office/drawing/2014/main" id="{FA0DF77A-7B58-7DE1-8A3E-0A5DA271ECE9}"/>
+              </a:ext>
+            </a:extLst>
+          </p:cNvPr>
+          <p:cNvSpPr/>
+          <p:nvPr/>
+        </p:nvSpPr>
+        <p:spPr>
+          <a:xfrm>
+            <a:off x="1684649" y="-8278953"/>
+            <a:ext cx="9637823" cy="2648636"/>
+          </a:xfrm>
+          <a:prstGeom prst="ellipse">
+            <a:avLst/>
+          </a:prstGeom>
+          <a:noFill/>
+          <a:ln w="19050">
+            <a:solidFill>
+              <a:schemeClr val="tx1"/>
+            </a:solidFill>
+          </a:ln>
+        </p:spPr>
+        <p:style>
+          <a:lnRef idx="2">
+            <a:schemeClr val="accent1">
+              <a:shade val="15000"/>
+            </a:schemeClr>
+          </a:lnRef>
+          <a:fillRef idx="1">
+            <a:schemeClr val="accent1"/>
+          </a:fillRef>
+          <a:effectRef idx="0">
+            <a:schemeClr val="accent1"/>
+          </a:effectRef>
+          <a:fontRef idx="minor">
+            <a:schemeClr val="lt1"/>
+          </a:fontRef>
+        </p:style>
+        <p:txBody>
+          <a:bodyPr rtlCol="0" anchor="ctr"/>
+          <a:lstStyle/>
+          <a:p>
+            <a:pPr algn="ctr"/>
+            <a:endParaRPr kumimoji="1" lang="ko-Kore-KR" altLang="en-US"/>
+          </a:p>
+        </p:txBody>
+      </p:sp>
+      <p:cxnSp>
+        <p:nvCxnSpPr>
+          <p:cNvPr id="20" name="구부러진 연결선[U] 19">
+            <a:extLst>
+              <a:ext uri="{FF2B5EF4-FFF2-40B4-BE49-F238E27FC236}">
+                <a16:creationId xmlns:a16="http://schemas.microsoft.com/office/drawing/2014/main" id="{19A5D647-6532-DA56-118D-A70386D6DBB1}"/>
+              </a:ext>
+            </a:extLst>
+          </p:cNvPr>
+          <p:cNvCxnSpPr>
+            <a:cxnSpLocks/>
+            <a:stCxn id="16" idx="4"/>
+            <a:endCxn id="19" idx="0"/>
+          </p:cNvCxnSpPr>
+          <p:nvPr/>
+        </p:nvCxnSpPr>
+        <p:spPr>
+          <a:xfrm rot="16200000" flipH="1">
+            <a:off x="5102907" y="-9679608"/>
+            <a:ext cx="555141" cy="2246168"/>
+          </a:xfrm>
+          <a:prstGeom prst="curvedConnector3">
+            <a:avLst>
+              <a:gd name="adj1" fmla="val 50000"/>
+            </a:avLst>
+          </a:prstGeom>
+          <a:ln w="12700">
+            <a:solidFill>
+              <a:schemeClr val="tx1"/>
+            </a:solidFill>
+          </a:ln>
+        </p:spPr>
+        <p:style>
+          <a:lnRef idx="1">
+            <a:schemeClr val="accent1"/>
+          </a:lnRef>
+          <a:fillRef idx="0">
+            <a:schemeClr val="accent1"/>
+          </a:fillRef>
+          <a:effectRef idx="0">
+            <a:schemeClr val="accent1"/>
+          </a:effectRef>
+          <a:fontRef idx="minor">
+            <a:schemeClr val="tx1"/>
+          </a:fontRef>
+        </p:style>
+      </p:cxnSp>
+      <p:sp>
+        <p:nvSpPr>
+          <p:cNvPr id="21" name="TextBox 20">
+            <a:extLst>
+              <a:ext uri="{FF2B5EF4-FFF2-40B4-BE49-F238E27FC236}">
+                <a16:creationId xmlns:a16="http://schemas.microsoft.com/office/drawing/2014/main" id="{A8F0A1E5-1099-7203-EF65-828FC6C9B5A6}"/>
+              </a:ext>
+            </a:extLst>
+          </p:cNvPr>
+          <p:cNvSpPr txBox="1"/>
+          <p:nvPr/>
+        </p:nvSpPr>
+        <p:spPr>
+          <a:xfrm>
+            <a:off x="2215255" y="-4733003"/>
+            <a:ext cx="8214246" cy="523220"/>
+          </a:xfrm>
+          <a:prstGeom prst="rect">
+            <a:avLst/>
+          </a:prstGeom>
+          <a:noFill/>
+        </p:spPr>
+        <p:txBody>
+          <a:bodyPr wrap="square" rtlCol="0">
+            <a:spAutoFit/>
+          </a:bodyPr>
+          <a:lstStyle/>
+          <a:p>
+            <a:pPr algn="ctr"/>
+            <a:r>
+              <a:rPr kumimoji="1" lang="en-US" altLang="ko-Kore-KR" sz="2800">
+                <a:cs typeface="Microsoft Himalaya" pitchFamily="2" charset="0"/>
+              </a:rPr>
+              <a:t>Then, is a new insight presented by ghOSt? </a:t>
+            </a:r>
+            <a:endParaRPr kumimoji="1" lang="ko-Kore-KR" altLang="en-US" sz="2800">
+              <a:cs typeface="Microsoft Himalaya" pitchFamily="2" charset="0"/>
+            </a:endParaRPr>
+          </a:p>
+        </p:txBody>
+      </p:sp>
+      <p:sp>
+        <p:nvSpPr>
+          <p:cNvPr id="22" name="타원 21">
+            <a:extLst>
+              <a:ext uri="{FF2B5EF4-FFF2-40B4-BE49-F238E27FC236}">
+                <a16:creationId xmlns:a16="http://schemas.microsoft.com/office/drawing/2014/main" id="{4C508DF5-D81D-1B29-3261-B9B15C155BE4}"/>
+              </a:ext>
+            </a:extLst>
+          </p:cNvPr>
+          <p:cNvSpPr/>
+          <p:nvPr/>
+        </p:nvSpPr>
+        <p:spPr>
+          <a:xfrm>
+            <a:off x="2357482" y="-5002800"/>
+            <a:ext cx="7846783" cy="1129346"/>
+          </a:xfrm>
+          <a:prstGeom prst="ellipse">
+            <a:avLst/>
+          </a:prstGeom>
+          <a:noFill/>
+          <a:ln w="19050">
+            <a:solidFill>
+              <a:schemeClr val="tx1"/>
+            </a:solidFill>
+          </a:ln>
+        </p:spPr>
+        <p:style>
+          <a:lnRef idx="2">
+            <a:schemeClr val="accent1">
+              <a:shade val="15000"/>
+            </a:schemeClr>
+          </a:lnRef>
+          <a:fillRef idx="1">
+            <a:schemeClr val="accent1"/>
+          </a:fillRef>
+          <a:effectRef idx="0">
+            <a:schemeClr val="accent1"/>
+          </a:effectRef>
+          <a:fontRef idx="minor">
+            <a:schemeClr val="lt1"/>
+          </a:fontRef>
+        </p:style>
+        <p:txBody>
+          <a:bodyPr rtlCol="0" anchor="ctr"/>
+          <a:lstStyle/>
+          <a:p>
+            <a:pPr algn="ctr"/>
+            <a:endParaRPr kumimoji="1" lang="ko-Kore-KR" altLang="en-US"/>
+          </a:p>
+        </p:txBody>
+      </p:sp>
+      <p:cxnSp>
+        <p:nvCxnSpPr>
+          <p:cNvPr id="23" name="구부러진 연결선[U] 22">
+            <a:extLst>
+              <a:ext uri="{FF2B5EF4-FFF2-40B4-BE49-F238E27FC236}">
+                <a16:creationId xmlns:a16="http://schemas.microsoft.com/office/drawing/2014/main" id="{76975E94-9776-4206-E3F2-A9C416308400}"/>
+              </a:ext>
+            </a:extLst>
+          </p:cNvPr>
+          <p:cNvCxnSpPr>
+            <a:cxnSpLocks/>
+            <a:stCxn id="19" idx="4"/>
+            <a:endCxn id="22" idx="0"/>
+          </p:cNvCxnSpPr>
+          <p:nvPr/>
+        </p:nvCxnSpPr>
+        <p:spPr>
+          <a:xfrm rot="5400000">
+            <a:off x="6078460" y="-5427902"/>
+            <a:ext cx="627517" cy="222687"/>
+          </a:xfrm>
+          <a:prstGeom prst="curvedConnector3">
+            <a:avLst>
+              <a:gd name="adj1" fmla="val 50000"/>
+            </a:avLst>
+          </a:prstGeom>
+          <a:ln w="12700">
+            <a:solidFill>
+              <a:schemeClr val="tx1"/>
+            </a:solidFill>
+          </a:ln>
+        </p:spPr>
+        <p:style>
+          <a:lnRef idx="1">
+            <a:schemeClr val="accent1"/>
+          </a:lnRef>
+          <a:fillRef idx="0">
+            <a:schemeClr val="accent1"/>
+          </a:fillRef>
+          <a:effectRef idx="0">
+            <a:schemeClr val="accent1"/>
+          </a:effectRef>
+          <a:fontRef idx="minor">
+            <a:schemeClr val="tx1"/>
+          </a:fontRef>
+        </p:style>
+      </p:cxnSp>
+      <p:sp>
+        <p:nvSpPr>
+          <p:cNvPr id="24" name="TextBox 23">
+            <a:extLst>
+              <a:ext uri="{FF2B5EF4-FFF2-40B4-BE49-F238E27FC236}">
+                <a16:creationId xmlns:a16="http://schemas.microsoft.com/office/drawing/2014/main" id="{D9CCB771-34F4-DECE-EB41-D9D9451BBE6B}"/>
+              </a:ext>
+            </a:extLst>
+          </p:cNvPr>
+          <p:cNvSpPr txBox="1"/>
+          <p:nvPr/>
+        </p:nvSpPr>
+        <p:spPr>
+          <a:xfrm>
+            <a:off x="2554097" y="-3245937"/>
+            <a:ext cx="8214246" cy="954107"/>
+          </a:xfrm>
+          <a:prstGeom prst="rect">
+            <a:avLst/>
+          </a:prstGeom>
+          <a:noFill/>
+        </p:spPr>
+        <p:txBody>
+          <a:bodyPr wrap="square" rtlCol="0">
+            <a:spAutoFit/>
+          </a:bodyPr>
+          <a:lstStyle/>
+          <a:p>
+            <a:pPr algn="ctr"/>
+            <a:r>
+              <a:rPr kumimoji="1" lang="en-US" altLang="ko-Kore-KR" sz="2800">
+                <a:cs typeface="Microsoft Himalaya" pitchFamily="2" charset="0"/>
+              </a:rPr>
+              <a:t>What has been done before in the same context as this fundamental insight?</a:t>
+            </a:r>
+            <a:endParaRPr kumimoji="1" lang="ko-Kore-KR" altLang="en-US" sz="2800">
+              <a:cs typeface="Microsoft Himalaya" pitchFamily="2" charset="0"/>
+            </a:endParaRPr>
+          </a:p>
+        </p:txBody>
+      </p:sp>
+      <p:sp>
+        <p:nvSpPr>
+          <p:cNvPr id="26" name="타원 25">
+            <a:extLst>
+              <a:ext uri="{FF2B5EF4-FFF2-40B4-BE49-F238E27FC236}">
+                <a16:creationId xmlns:a16="http://schemas.microsoft.com/office/drawing/2014/main" id="{74D3F31D-3F9C-6321-18F1-2C57945CDF24}"/>
+              </a:ext>
+            </a:extLst>
+          </p:cNvPr>
+          <p:cNvSpPr/>
+          <p:nvPr/>
+        </p:nvSpPr>
+        <p:spPr>
+          <a:xfrm>
+            <a:off x="1981430" y="-3540814"/>
+            <a:ext cx="9055117" cy="1401639"/>
+          </a:xfrm>
+          <a:prstGeom prst="ellipse">
+            <a:avLst/>
+          </a:prstGeom>
+          <a:noFill/>
+          <a:ln w="19050">
+            <a:solidFill>
+              <a:schemeClr val="tx1"/>
+            </a:solidFill>
+          </a:ln>
+        </p:spPr>
+        <p:style>
+          <a:lnRef idx="2">
+            <a:schemeClr val="accent1">
+              <a:shade val="15000"/>
+            </a:schemeClr>
+          </a:lnRef>
+          <a:fillRef idx="1">
+            <a:schemeClr val="accent1"/>
+          </a:fillRef>
+          <a:effectRef idx="0">
+            <a:schemeClr val="accent1"/>
+          </a:effectRef>
+          <a:fontRef idx="minor">
+            <a:schemeClr val="lt1"/>
+          </a:fontRef>
+        </p:style>
+        <p:txBody>
+          <a:bodyPr rtlCol="0" anchor="ctr"/>
+          <a:lstStyle/>
+          <a:p>
+            <a:pPr algn="ctr"/>
+            <a:endParaRPr kumimoji="1" lang="ko-Kore-KR" altLang="en-US"/>
+          </a:p>
+        </p:txBody>
+      </p:sp>
+      <p:cxnSp>
+        <p:nvCxnSpPr>
+          <p:cNvPr id="27" name="구부러진 연결선[U] 26">
+            <a:extLst>
+              <a:ext uri="{FF2B5EF4-FFF2-40B4-BE49-F238E27FC236}">
+                <a16:creationId xmlns:a16="http://schemas.microsoft.com/office/drawing/2014/main" id="{9E36E546-0899-D82E-3FE4-1D54F088F523}"/>
+              </a:ext>
+            </a:extLst>
+          </p:cNvPr>
+          <p:cNvCxnSpPr>
+            <a:cxnSpLocks/>
+            <a:stCxn id="22" idx="4"/>
+            <a:endCxn id="26" idx="0"/>
+          </p:cNvCxnSpPr>
+          <p:nvPr/>
+        </p:nvCxnSpPr>
+        <p:spPr>
+          <a:xfrm rot="16200000" flipH="1">
+            <a:off x="6228611" y="-3821192"/>
+            <a:ext cx="332640" cy="228115"/>
+          </a:xfrm>
+          <a:prstGeom prst="curvedConnector3">
+            <a:avLst>
+              <a:gd name="adj1" fmla="val 50000"/>
+            </a:avLst>
+          </a:prstGeom>
+          <a:ln w="12700">
+            <a:solidFill>
+              <a:schemeClr val="tx1"/>
+            </a:solidFill>
+          </a:ln>
+        </p:spPr>
+        <p:style>
+          <a:lnRef idx="1">
+            <a:schemeClr val="accent1"/>
+          </a:lnRef>
+          <a:fillRef idx="0">
+            <a:schemeClr val="accent1"/>
+          </a:fillRef>
+          <a:effectRef idx="0">
+            <a:schemeClr val="accent1"/>
+          </a:effectRef>
+          <a:fontRef idx="minor">
+            <a:schemeClr val="tx1"/>
+          </a:fontRef>
+        </p:style>
+      </p:cxnSp>
+      <p:sp>
+        <p:nvSpPr>
+          <p:cNvPr id="28" name="TextBox 27">
+            <a:extLst>
+              <a:ext uri="{FF2B5EF4-FFF2-40B4-BE49-F238E27FC236}">
+                <a16:creationId xmlns:a16="http://schemas.microsoft.com/office/drawing/2014/main" id="{E8534B9F-7211-6895-994D-EE1F30F8D69D}"/>
+              </a:ext>
+            </a:extLst>
+          </p:cNvPr>
+          <p:cNvSpPr txBox="1"/>
+          <p:nvPr/>
+        </p:nvSpPr>
+        <p:spPr>
+          <a:xfrm>
+            <a:off x="2302216" y="-1306776"/>
+            <a:ext cx="8214246" cy="954107"/>
+          </a:xfrm>
+          <a:prstGeom prst="rect">
+            <a:avLst/>
+          </a:prstGeom>
+          <a:noFill/>
+        </p:spPr>
+        <p:txBody>
+          <a:bodyPr wrap="square" rtlCol="0">
+            <a:spAutoFit/>
+          </a:bodyPr>
+          <a:lstStyle/>
+          <a:p>
+            <a:pPr algn="ctr"/>
+            <a:r>
+              <a:rPr kumimoji="1" lang="en-US" altLang="ko-Kore-KR" sz="2800">
+                <a:cs typeface="Microsoft Himalaya" pitchFamily="2" charset="0"/>
+              </a:rPr>
+              <a:t>All these things are focusing on relaxing CPU virtualization itself</a:t>
+            </a:r>
+            <a:endParaRPr kumimoji="1" lang="ko-Kore-KR" altLang="en-US" sz="2800">
+              <a:cs typeface="Microsoft Himalaya" pitchFamily="2" charset="0"/>
+            </a:endParaRPr>
+          </a:p>
+        </p:txBody>
+      </p:sp>
+      <p:sp>
+        <p:nvSpPr>
+          <p:cNvPr id="29" name="타원 28">
+            <a:extLst>
+              <a:ext uri="{FF2B5EF4-FFF2-40B4-BE49-F238E27FC236}">
+                <a16:creationId xmlns:a16="http://schemas.microsoft.com/office/drawing/2014/main" id="{E3A1A664-3E77-01B5-65C2-80AFA2CDD22C}"/>
+              </a:ext>
+            </a:extLst>
+          </p:cNvPr>
+          <p:cNvSpPr/>
+          <p:nvPr/>
+        </p:nvSpPr>
+        <p:spPr>
+          <a:xfrm>
+            <a:off x="2133661" y="-1530541"/>
+            <a:ext cx="9055117" cy="1401639"/>
+          </a:xfrm>
+          <a:prstGeom prst="ellipse">
+            <a:avLst/>
+          </a:prstGeom>
+          <a:noFill/>
+          <a:ln w="19050">
+            <a:solidFill>
+              <a:schemeClr val="tx1"/>
+            </a:solidFill>
+          </a:ln>
+        </p:spPr>
+        <p:style>
+          <a:lnRef idx="2">
+            <a:schemeClr val="accent1">
+              <a:shade val="15000"/>
+            </a:schemeClr>
+          </a:lnRef>
+          <a:fillRef idx="1">
+            <a:schemeClr val="accent1"/>
+          </a:fillRef>
+          <a:effectRef idx="0">
+            <a:schemeClr val="accent1"/>
+          </a:effectRef>
+          <a:fontRef idx="minor">
+            <a:schemeClr val="lt1"/>
+          </a:fontRef>
+        </p:style>
+        <p:txBody>
+          <a:bodyPr rtlCol="0" anchor="ctr"/>
+          <a:lstStyle/>
+          <a:p>
+            <a:pPr algn="ctr"/>
+            <a:endParaRPr kumimoji="1" lang="ko-Kore-KR" altLang="en-US"/>
+          </a:p>
+        </p:txBody>
+      </p:sp>
+      <p:cxnSp>
+        <p:nvCxnSpPr>
+          <p:cNvPr id="30" name="구부러진 연결선[U] 29">
+            <a:extLst>
+              <a:ext uri="{FF2B5EF4-FFF2-40B4-BE49-F238E27FC236}">
+                <a16:creationId xmlns:a16="http://schemas.microsoft.com/office/drawing/2014/main" id="{5880DCAE-E4E6-A983-8FE9-2A8D3336CBE3}"/>
+              </a:ext>
+            </a:extLst>
+          </p:cNvPr>
+          <p:cNvCxnSpPr>
+            <a:cxnSpLocks/>
+            <a:stCxn id="26" idx="4"/>
+            <a:endCxn id="29" idx="0"/>
+          </p:cNvCxnSpPr>
+          <p:nvPr/>
+        </p:nvCxnSpPr>
+        <p:spPr>
+          <a:xfrm rot="16200000" flipH="1">
+            <a:off x="6280787" y="-1910974"/>
+            <a:ext cx="608634" cy="152231"/>
+          </a:xfrm>
+          <a:prstGeom prst="curvedConnector3">
+            <a:avLst>
+              <a:gd name="adj1" fmla="val 50000"/>
+            </a:avLst>
+          </a:prstGeom>
+          <a:ln w="12700">
+            <a:solidFill>
+              <a:schemeClr val="tx1"/>
+            </a:solidFill>
+          </a:ln>
+        </p:spPr>
+        <p:style>
+          <a:lnRef idx="1">
+            <a:schemeClr val="accent1"/>
+          </a:lnRef>
+          <a:fillRef idx="0">
+            <a:schemeClr val="accent1"/>
+          </a:fillRef>
+          <a:effectRef idx="0">
+            <a:schemeClr val="accent1"/>
+          </a:effectRef>
+          <a:fontRef idx="minor">
+            <a:schemeClr val="tx1"/>
+          </a:fontRef>
+        </p:style>
+      </p:cxnSp>
+      <p:sp>
+        <p:nvSpPr>
+          <p:cNvPr id="31" name="TextBox 30">
+            <a:extLst>
+              <a:ext uri="{FF2B5EF4-FFF2-40B4-BE49-F238E27FC236}">
+                <a16:creationId xmlns:a16="http://schemas.microsoft.com/office/drawing/2014/main" id="{7C615279-869D-34FB-C6EE-541848B073FA}"/>
+              </a:ext>
+            </a:extLst>
+          </p:cNvPr>
+          <p:cNvSpPr txBox="1"/>
+          <p:nvPr/>
+        </p:nvSpPr>
+        <p:spPr>
+          <a:xfrm>
+            <a:off x="1990019" y="479732"/>
+            <a:ext cx="8214246" cy="954107"/>
+          </a:xfrm>
+          <a:prstGeom prst="rect">
+            <a:avLst/>
+          </a:prstGeom>
+          <a:noFill/>
+        </p:spPr>
+        <p:txBody>
+          <a:bodyPr wrap="square" rtlCol="0">
+            <a:spAutoFit/>
+          </a:bodyPr>
+          <a:lstStyle/>
+          <a:p>
+            <a:pPr algn="ctr"/>
+            <a:r>
+              <a:rPr kumimoji="1" lang="en-US" altLang="ko-Kore-KR" sz="2800">
+                <a:cs typeface="Microsoft Himalaya" pitchFamily="2" charset="0"/>
+              </a:rPr>
+              <a:t>But the ghOSt is focusing on how to include this in the development space of user applications </a:t>
+            </a:r>
+            <a:endParaRPr kumimoji="1" lang="ko-Kore-KR" altLang="en-US" sz="2800">
+              <a:cs typeface="Microsoft Himalaya" pitchFamily="2" charset="0"/>
+            </a:endParaRPr>
+          </a:p>
+        </p:txBody>
+      </p:sp>
+      <p:sp>
+        <p:nvSpPr>
+          <p:cNvPr id="32" name="타원 31">
+            <a:extLst>
+              <a:ext uri="{FF2B5EF4-FFF2-40B4-BE49-F238E27FC236}">
+                <a16:creationId xmlns:a16="http://schemas.microsoft.com/office/drawing/2014/main" id="{392C49AD-AF56-39A6-84FA-55E03C057065}"/>
+              </a:ext>
+            </a:extLst>
+          </p:cNvPr>
+          <p:cNvSpPr/>
+          <p:nvPr/>
+        </p:nvSpPr>
+        <p:spPr>
+          <a:xfrm>
+            <a:off x="1531865" y="243724"/>
+            <a:ext cx="9055117" cy="1401639"/>
+          </a:xfrm>
+          <a:prstGeom prst="ellipse">
+            <a:avLst/>
+          </a:prstGeom>
+          <a:noFill/>
+          <a:ln w="19050">
+            <a:solidFill>
+              <a:schemeClr val="tx1"/>
+            </a:solidFill>
+          </a:ln>
+        </p:spPr>
+        <p:style>
+          <a:lnRef idx="2">
+            <a:schemeClr val="accent1">
+              <a:shade val="15000"/>
+            </a:schemeClr>
+          </a:lnRef>
+          <a:fillRef idx="1">
+            <a:schemeClr val="accent1"/>
+          </a:fillRef>
+          <a:effectRef idx="0">
+            <a:schemeClr val="accent1"/>
+          </a:effectRef>
+          <a:fontRef idx="minor">
+            <a:schemeClr val="lt1"/>
+          </a:fontRef>
+        </p:style>
+        <p:txBody>
+          <a:bodyPr rtlCol="0" anchor="ctr"/>
+          <a:lstStyle/>
+          <a:p>
+            <a:pPr algn="ctr"/>
+            <a:endParaRPr kumimoji="1" lang="ko-Kore-KR" altLang="en-US"/>
+          </a:p>
+        </p:txBody>
+      </p:sp>
+      <p:cxnSp>
+        <p:nvCxnSpPr>
+          <p:cNvPr id="33" name="구부러진 연결선[U] 32">
+            <a:extLst>
+              <a:ext uri="{FF2B5EF4-FFF2-40B4-BE49-F238E27FC236}">
+                <a16:creationId xmlns:a16="http://schemas.microsoft.com/office/drawing/2014/main" id="{579C83DA-62B4-E2FF-2491-92B140F10AA0}"/>
+              </a:ext>
+            </a:extLst>
+          </p:cNvPr>
+          <p:cNvCxnSpPr>
+            <a:cxnSpLocks/>
+            <a:stCxn id="29" idx="4"/>
+            <a:endCxn id="32" idx="0"/>
+          </p:cNvCxnSpPr>
+          <p:nvPr/>
+        </p:nvCxnSpPr>
+        <p:spPr>
+          <a:xfrm rot="5400000">
+            <a:off x="6174009" y="-243487"/>
+            <a:ext cx="372626" cy="601796"/>
+          </a:xfrm>
+          <a:prstGeom prst="curvedConnector3">
+            <a:avLst>
+              <a:gd name="adj1" fmla="val 50000"/>
+            </a:avLst>
+          </a:prstGeom>
+          <a:ln w="12700">
+            <a:solidFill>
+              <a:schemeClr val="tx1"/>
+            </a:solidFill>
+          </a:ln>
+        </p:spPr>
+        <p:style>
+          <a:lnRef idx="1">
+            <a:schemeClr val="accent1"/>
+          </a:lnRef>
+          <a:fillRef idx="0">
+            <a:schemeClr val="accent1"/>
+          </a:fillRef>
+          <a:effectRef idx="0">
+            <a:schemeClr val="accent1"/>
+          </a:effectRef>
+          <a:fontRef idx="minor">
+            <a:schemeClr val="tx1"/>
+          </a:fontRef>
+        </p:style>
+      </p:cxnSp>
+    </p:spTree>
+    <p:extLst>
+      <p:ext uri="{BB962C8B-B14F-4D97-AF65-F5344CB8AC3E}">
+        <p14:creationId xmlns:p14="http://schemas.microsoft.com/office/powerpoint/2010/main" val="3218674024"/>
+      </p:ext>
+    </p:extLst>
+  </p:cSld>
+  <p:clrMapOvr>
+    <a:masterClrMapping/>
+  </p:clrMapOvr>
+  <mc:AlternateContent xmlns:mc="http://schemas.openxmlformats.org/markup-compatibility/2006" xmlns:p159="http://schemas.microsoft.com/office/powerpoint/2015/09/main">
+    <mc:Choice Requires="p159">
+      <p:transition spd="slow" advClick="0">
+        <p159:morph option="byObject"/>
+      </p:transition>
+    </mc:Choice>
+    <mc:Fallback xmlns="">
+      <p:transition spd="slow" advClick="0">
+        <p:fade/>
+      </p:transition>
+    </mc:Fallback>
+  </mc:AlternateContent>
+</p:sld>
+</file>
+
+<file path=ppt/slides/slide25.xml><?xml version="1.0" encoding="utf-8"?>
+<p:sld xmlns:a="http://schemas.openxmlformats.org/drawingml/2006/main" xmlns:r="http://schemas.openxmlformats.org/officeDocument/2006/relationships" xmlns:p="http://schemas.openxmlformats.org/presentationml/2006/main">
+  <p:cSld>
+    <p:spTree>
+      <p:nvGrpSpPr>
+        <p:cNvPr id="1" name=""/>
+        <p:cNvGrpSpPr/>
+        <p:nvPr/>
+      </p:nvGrpSpPr>
+      <p:grpSpPr>
+        <a:xfrm>
+          <a:off x="0" y="0"/>
+          <a:ext cx="0" cy="0"/>
+          <a:chOff x="0" y="0"/>
+          <a:chExt cx="0" cy="0"/>
+        </a:xfrm>
+      </p:grpSpPr>
+      <p:sp>
+        <p:nvSpPr>
+          <p:cNvPr id="7" name="TextBox 6">
+            <a:extLst>
+              <a:ext uri="{FF2B5EF4-FFF2-40B4-BE49-F238E27FC236}">
+                <a16:creationId xmlns:a16="http://schemas.microsoft.com/office/drawing/2014/main" id="{7432CD06-269D-8519-0178-61F8107F3434}"/>
+              </a:ext>
+            </a:extLst>
+          </p:cNvPr>
+          <p:cNvSpPr txBox="1"/>
+          <p:nvPr/>
+        </p:nvSpPr>
+        <p:spPr>
+          <a:xfrm>
+            <a:off x="-12630716" y="-20419849"/>
+            <a:ext cx="6649080" cy="523220"/>
+          </a:xfrm>
+          <a:prstGeom prst="rect">
+            <a:avLst/>
+          </a:prstGeom>
+          <a:noFill/>
+        </p:spPr>
+        <p:txBody>
+          <a:bodyPr wrap="square" rtlCol="0">
+            <a:spAutoFit/>
+          </a:bodyPr>
+          <a:lstStyle/>
+          <a:p>
+            <a:pPr algn="ctr"/>
+            <a:r>
+              <a:rPr kumimoji="1" lang="en-US" altLang="ko-Kore-KR" sz="2800">
+                <a:ea typeface="Microsoft Himalaya" pitchFamily="2" charset="0"/>
+                <a:cs typeface="Microsoft Himalaya" pitchFamily="2" charset="0"/>
+              </a:rPr>
+              <a:t>What is a purpose of the paper?</a:t>
+            </a:r>
+            <a:endParaRPr kumimoji="1" lang="ko-Kore-KR" altLang="en-US" sz="2800">
+              <a:solidFill>
+                <a:schemeClr val="bg1">
+                  <a:alpha val="0"/>
+                </a:schemeClr>
+              </a:solidFill>
+              <a:cs typeface="Microsoft Himalaya" pitchFamily="2" charset="0"/>
+            </a:endParaRPr>
+          </a:p>
+        </p:txBody>
+      </p:sp>
+      <p:sp>
+        <p:nvSpPr>
+          <p:cNvPr id="6" name="타원 5">
+            <a:extLst>
+              <a:ext uri="{FF2B5EF4-FFF2-40B4-BE49-F238E27FC236}">
+                <a16:creationId xmlns:a16="http://schemas.microsoft.com/office/drawing/2014/main" id="{2EE2381A-BA90-6CCC-E30D-9B8CB7883D9B}"/>
+              </a:ext>
+            </a:extLst>
+          </p:cNvPr>
+          <p:cNvSpPr/>
+          <p:nvPr/>
+        </p:nvSpPr>
+        <p:spPr>
+          <a:xfrm>
+            <a:off x="-12104487" y="-21085714"/>
+            <a:ext cx="5416902" cy="1895475"/>
+          </a:xfrm>
+          <a:prstGeom prst="ellipse">
+            <a:avLst/>
+          </a:prstGeom>
+          <a:noFill/>
+          <a:ln w="19050">
+            <a:solidFill>
+              <a:schemeClr val="tx1"/>
+            </a:solidFill>
+          </a:ln>
+        </p:spPr>
+        <p:style>
+          <a:lnRef idx="2">
+            <a:schemeClr val="accent1">
+              <a:shade val="15000"/>
+            </a:schemeClr>
+          </a:lnRef>
+          <a:fillRef idx="1">
+            <a:schemeClr val="accent1"/>
+          </a:fillRef>
+          <a:effectRef idx="0">
+            <a:schemeClr val="accent1"/>
+          </a:effectRef>
+          <a:fontRef idx="minor">
+            <a:schemeClr val="lt1"/>
+          </a:fontRef>
+        </p:style>
+        <p:txBody>
+          <a:bodyPr rtlCol="0" anchor="ctr"/>
+          <a:lstStyle/>
+          <a:p>
+            <a:pPr algn="ctr"/>
+            <a:endParaRPr kumimoji="1" lang="ko-Kore-KR" altLang="en-US"/>
+          </a:p>
+        </p:txBody>
+      </p:sp>
+      <p:sp>
+        <p:nvSpPr>
+          <p:cNvPr id="2" name="타원 1">
+            <a:extLst>
+              <a:ext uri="{FF2B5EF4-FFF2-40B4-BE49-F238E27FC236}">
+                <a16:creationId xmlns:a16="http://schemas.microsoft.com/office/drawing/2014/main" id="{3537091F-D64C-D90A-CCA1-057FC775DC84}"/>
+              </a:ext>
+            </a:extLst>
+          </p:cNvPr>
+          <p:cNvSpPr/>
+          <p:nvPr/>
+        </p:nvSpPr>
+        <p:spPr>
+          <a:xfrm>
+            <a:off x="-16537357" y="-25215623"/>
+            <a:ext cx="3470478" cy="3347761"/>
+          </a:xfrm>
+          <a:prstGeom prst="ellipse">
+            <a:avLst/>
+          </a:prstGeom>
+          <a:noFill/>
+          <a:ln w="19050">
+            <a:solidFill>
+              <a:schemeClr val="tx1"/>
+            </a:solidFill>
+          </a:ln>
+        </p:spPr>
+        <p:style>
+          <a:lnRef idx="2">
+            <a:schemeClr val="accent1">
+              <a:shade val="15000"/>
+            </a:schemeClr>
+          </a:lnRef>
+          <a:fillRef idx="1">
+            <a:schemeClr val="accent1"/>
+          </a:fillRef>
+          <a:effectRef idx="0">
+            <a:schemeClr val="accent1"/>
+          </a:effectRef>
+          <a:fontRef idx="minor">
+            <a:schemeClr val="lt1"/>
+          </a:fontRef>
+        </p:style>
+        <p:txBody>
+          <a:bodyPr rtlCol="0" anchor="ctr"/>
+          <a:lstStyle/>
+          <a:p>
+            <a:pPr algn="ctr"/>
+            <a:endParaRPr kumimoji="1" lang="ko-Kore-KR" altLang="en-US"/>
+          </a:p>
+        </p:txBody>
+      </p:sp>
+      <p:cxnSp>
+        <p:nvCxnSpPr>
+          <p:cNvPr id="14" name="구부러진 연결선[U] 13">
+            <a:extLst>
+              <a:ext uri="{FF2B5EF4-FFF2-40B4-BE49-F238E27FC236}">
+                <a16:creationId xmlns:a16="http://schemas.microsoft.com/office/drawing/2014/main" id="{2B954181-AE35-70DB-E680-6B87963413D4}"/>
+              </a:ext>
+            </a:extLst>
+          </p:cNvPr>
+          <p:cNvCxnSpPr>
+            <a:cxnSpLocks/>
+            <a:stCxn id="2" idx="5"/>
+            <a:endCxn id="6" idx="2"/>
+          </p:cNvCxnSpPr>
+          <p:nvPr/>
+        </p:nvCxnSpPr>
+        <p:spPr>
+          <a:xfrm rot="16200000" flipH="1">
+            <a:off x="-13949880" y="-21983369"/>
+            <a:ext cx="2220154" cy="1470632"/>
+          </a:xfrm>
+          <a:prstGeom prst="curvedConnector2">
+            <a:avLst/>
+          </a:prstGeom>
+          <a:ln w="12700">
+            <a:solidFill>
+              <a:schemeClr val="tx1"/>
+            </a:solidFill>
+          </a:ln>
+        </p:spPr>
+        <p:style>
+          <a:lnRef idx="1">
+            <a:schemeClr val="accent1"/>
+          </a:lnRef>
+          <a:fillRef idx="0">
+            <a:schemeClr val="accent1"/>
+          </a:fillRef>
+          <a:effectRef idx="0">
+            <a:schemeClr val="accent1"/>
+          </a:effectRef>
+          <a:fontRef idx="minor">
+            <a:schemeClr val="tx1"/>
+          </a:fontRef>
+        </p:style>
+      </p:cxnSp>
+      <p:sp>
+        <p:nvSpPr>
+          <p:cNvPr id="25" name="TextBox 24">
+            <a:extLst>
+              <a:ext uri="{FF2B5EF4-FFF2-40B4-BE49-F238E27FC236}">
+                <a16:creationId xmlns:a16="http://schemas.microsoft.com/office/drawing/2014/main" id="{758AC1A2-CDC9-B7E3-EBE8-BCC2D5E5D2B1}"/>
+              </a:ext>
+            </a:extLst>
+          </p:cNvPr>
+          <p:cNvSpPr txBox="1"/>
+          <p:nvPr/>
+        </p:nvSpPr>
+        <p:spPr>
+          <a:xfrm>
+            <a:off x="-16134660" y="-23191301"/>
+            <a:ext cx="9015787" cy="1323439"/>
+          </a:xfrm>
+          <a:prstGeom prst="rect">
+            <a:avLst/>
+          </a:prstGeom>
+          <a:noFill/>
+        </p:spPr>
+        <p:txBody>
+          <a:bodyPr wrap="square" rtlCol="0">
+            <a:spAutoFit/>
+          </a:bodyPr>
+          <a:lstStyle/>
+          <a:p>
+            <a:pPr algn="ctr"/>
+            <a:r>
+              <a:rPr kumimoji="1" lang="en-US" altLang="ko-Kore-KR" sz="4000">
+                <a:ea typeface="Microsoft Himalaya" pitchFamily="2" charset="0"/>
+                <a:cs typeface="Microsoft Himalaya" pitchFamily="2" charset="0"/>
+              </a:rPr>
+              <a:t>ghOSt</a:t>
+            </a:r>
+            <a:r>
+              <a:rPr kumimoji="1" lang="en-US" altLang="ko-Kore-KR" sz="4000">
+                <a:solidFill>
+                  <a:schemeClr val="bg1">
+                    <a:alpha val="0"/>
+                  </a:schemeClr>
+                </a:solidFill>
+                <a:ea typeface="Microsoft Himalaya" pitchFamily="2" charset="0"/>
+                <a:cs typeface="Microsoft Himalaya" pitchFamily="2" charset="0"/>
+              </a:rPr>
+              <a:t>: Fast &amp; Flexible User-space Delegation of Linux Scheduling </a:t>
+            </a:r>
+            <a:endParaRPr kumimoji="1" lang="ko-Kore-KR" altLang="en-US" sz="4000">
+              <a:solidFill>
+                <a:schemeClr val="bg1">
+                  <a:alpha val="0"/>
+                </a:schemeClr>
+              </a:solidFill>
+              <a:cs typeface="Microsoft Himalaya" pitchFamily="2" charset="0"/>
+            </a:endParaRPr>
+          </a:p>
+        </p:txBody>
+      </p:sp>
+      <p:sp>
+        <p:nvSpPr>
+          <p:cNvPr id="5" name="TextBox 4">
+            <a:extLst>
+              <a:ext uri="{FF2B5EF4-FFF2-40B4-BE49-F238E27FC236}">
+                <a16:creationId xmlns:a16="http://schemas.microsoft.com/office/drawing/2014/main" id="{6654DD5B-363D-007E-134A-CB95D8023FE8}"/>
+              </a:ext>
+            </a:extLst>
+          </p:cNvPr>
+          <p:cNvSpPr txBox="1"/>
+          <p:nvPr/>
+        </p:nvSpPr>
+        <p:spPr>
+          <a:xfrm>
+            <a:off x="-9654855" y="-18192910"/>
+            <a:ext cx="6649080" cy="954107"/>
+          </a:xfrm>
+          <a:prstGeom prst="rect">
+            <a:avLst/>
+          </a:prstGeom>
+          <a:noFill/>
+        </p:spPr>
+        <p:txBody>
+          <a:bodyPr wrap="square" rtlCol="0">
+            <a:spAutoFit/>
+          </a:bodyPr>
+          <a:lstStyle/>
+          <a:p>
+            <a:pPr algn="ctr"/>
+            <a:r>
+              <a:rPr kumimoji="1" lang="en-US" altLang="ko-Kore-KR" sz="2800">
+                <a:ea typeface="Microsoft Himalaya" pitchFamily="2" charset="0"/>
+                <a:cs typeface="Microsoft Himalaya" pitchFamily="2" charset="0"/>
+              </a:rPr>
+              <a:t>Delegating kernel scheduling</a:t>
+            </a:r>
+          </a:p>
+          <a:p>
+            <a:pPr algn="ctr"/>
+            <a:r>
+              <a:rPr kumimoji="1" lang="en-US" altLang="ko-Kore-KR" sz="2800">
+                <a:ea typeface="Microsoft Himalaya" pitchFamily="2" charset="0"/>
+                <a:cs typeface="Microsoft Himalaya" pitchFamily="2" charset="0"/>
+              </a:rPr>
+              <a:t>to userspace code </a:t>
+            </a:r>
+            <a:endParaRPr kumimoji="1" lang="ko-Kore-KR" altLang="en-US" sz="2800">
+              <a:cs typeface="Microsoft Himalaya" pitchFamily="2" charset="0"/>
+            </a:endParaRPr>
+          </a:p>
+        </p:txBody>
+      </p:sp>
+      <p:sp>
+        <p:nvSpPr>
+          <p:cNvPr id="8" name="타원 7">
+            <a:extLst>
+              <a:ext uri="{FF2B5EF4-FFF2-40B4-BE49-F238E27FC236}">
+                <a16:creationId xmlns:a16="http://schemas.microsoft.com/office/drawing/2014/main" id="{CCA7A6FF-A5C1-EE13-DAB5-2A47607E4AA0}"/>
+              </a:ext>
+            </a:extLst>
+          </p:cNvPr>
+          <p:cNvSpPr/>
+          <p:nvPr/>
+        </p:nvSpPr>
+        <p:spPr>
+          <a:xfrm>
+            <a:off x="-9038766" y="-18669701"/>
+            <a:ext cx="5416902" cy="1895475"/>
+          </a:xfrm>
+          <a:prstGeom prst="ellipse">
+            <a:avLst/>
+          </a:prstGeom>
+          <a:noFill/>
+          <a:ln w="19050">
+            <a:solidFill>
+              <a:schemeClr val="tx1"/>
+            </a:solidFill>
+          </a:ln>
+        </p:spPr>
+        <p:style>
+          <a:lnRef idx="2">
+            <a:schemeClr val="accent1">
+              <a:shade val="15000"/>
+            </a:schemeClr>
+          </a:lnRef>
+          <a:fillRef idx="1">
+            <a:schemeClr val="accent1"/>
+          </a:fillRef>
+          <a:effectRef idx="0">
+            <a:schemeClr val="accent1"/>
+          </a:effectRef>
+          <a:fontRef idx="minor">
+            <a:schemeClr val="lt1"/>
+          </a:fontRef>
+        </p:style>
+        <p:txBody>
+          <a:bodyPr rtlCol="0" anchor="ctr"/>
+          <a:lstStyle/>
+          <a:p>
+            <a:pPr algn="ctr"/>
+            <a:endParaRPr kumimoji="1" lang="ko-Kore-KR" altLang="en-US"/>
+          </a:p>
+        </p:txBody>
+      </p:sp>
+      <p:cxnSp>
+        <p:nvCxnSpPr>
+          <p:cNvPr id="9" name="구부러진 연결선[U] 8">
+            <a:extLst>
+              <a:ext uri="{FF2B5EF4-FFF2-40B4-BE49-F238E27FC236}">
+                <a16:creationId xmlns:a16="http://schemas.microsoft.com/office/drawing/2014/main" id="{068EEA84-621C-4582-DC0F-D62A6F3062A3}"/>
+              </a:ext>
+            </a:extLst>
+          </p:cNvPr>
+          <p:cNvCxnSpPr>
+            <a:cxnSpLocks/>
+            <a:stCxn id="6" idx="4"/>
+            <a:endCxn id="8" idx="1"/>
+          </p:cNvCxnSpPr>
+          <p:nvPr/>
+        </p:nvCxnSpPr>
+        <p:spPr>
+          <a:xfrm rot="16200000" flipH="1">
+            <a:off x="-9219820" y="-19366456"/>
+            <a:ext cx="798124" cy="1150557"/>
+          </a:xfrm>
+          <a:prstGeom prst="curvedConnector3">
+            <a:avLst>
+              <a:gd name="adj1" fmla="val 50000"/>
+            </a:avLst>
+          </a:prstGeom>
+          <a:ln w="12700">
+            <a:solidFill>
+              <a:schemeClr val="tx1"/>
+            </a:solidFill>
+          </a:ln>
+        </p:spPr>
+        <p:style>
+          <a:lnRef idx="1">
+            <a:schemeClr val="accent1"/>
+          </a:lnRef>
+          <a:fillRef idx="0">
+            <a:schemeClr val="accent1"/>
+          </a:fillRef>
+          <a:effectRef idx="0">
+            <a:schemeClr val="accent1"/>
+          </a:effectRef>
+          <a:fontRef idx="minor">
+            <a:schemeClr val="tx1"/>
+          </a:fontRef>
+        </p:style>
+      </p:cxnSp>
+      <p:cxnSp>
+        <p:nvCxnSpPr>
+          <p:cNvPr id="3" name="구부러진 연결선[U] 2">
+            <a:extLst>
+              <a:ext uri="{FF2B5EF4-FFF2-40B4-BE49-F238E27FC236}">
+                <a16:creationId xmlns:a16="http://schemas.microsoft.com/office/drawing/2014/main" id="{AC3F9A48-1A19-F6C7-B3C2-CDA39B862C08}"/>
+              </a:ext>
+            </a:extLst>
+          </p:cNvPr>
+          <p:cNvCxnSpPr>
+            <a:cxnSpLocks/>
+            <a:stCxn id="8" idx="4"/>
+            <a:endCxn id="11" idx="1"/>
+          </p:cNvCxnSpPr>
+          <p:nvPr/>
+        </p:nvCxnSpPr>
+        <p:spPr>
+          <a:xfrm rot="16200000" flipH="1">
+            <a:off x="-6125399" y="-16979143"/>
+            <a:ext cx="542943" cy="952775"/>
+          </a:xfrm>
+          <a:prstGeom prst="curvedConnector3">
+            <a:avLst>
+              <a:gd name="adj1" fmla="val 50000"/>
+            </a:avLst>
+          </a:prstGeom>
+          <a:ln w="12700">
+            <a:solidFill>
+              <a:schemeClr val="tx1"/>
+            </a:solidFill>
+          </a:ln>
+        </p:spPr>
+        <p:style>
+          <a:lnRef idx="1">
+            <a:schemeClr val="accent1"/>
+          </a:lnRef>
+          <a:fillRef idx="0">
+            <a:schemeClr val="accent1"/>
+          </a:fillRef>
+          <a:effectRef idx="0">
+            <a:schemeClr val="accent1"/>
+          </a:effectRef>
+          <a:fontRef idx="minor">
+            <a:schemeClr val="tx1"/>
+          </a:fontRef>
+        </p:style>
+      </p:cxnSp>
+      <p:sp>
+        <p:nvSpPr>
+          <p:cNvPr id="10" name="TextBox 9">
+            <a:extLst>
+              <a:ext uri="{FF2B5EF4-FFF2-40B4-BE49-F238E27FC236}">
+                <a16:creationId xmlns:a16="http://schemas.microsoft.com/office/drawing/2014/main" id="{D2C2F8E5-4B8F-C384-0BD1-F8CC7DBBFE31}"/>
+              </a:ext>
+            </a:extLst>
+          </p:cNvPr>
+          <p:cNvSpPr txBox="1"/>
+          <p:nvPr/>
+        </p:nvSpPr>
+        <p:spPr>
+          <a:xfrm>
+            <a:off x="-3842772" y="-13382953"/>
+            <a:ext cx="7214942" cy="1384995"/>
+          </a:xfrm>
+          <a:prstGeom prst="rect">
+            <a:avLst/>
+          </a:prstGeom>
+          <a:noFill/>
+        </p:spPr>
+        <p:txBody>
+          <a:bodyPr wrap="square" rtlCol="0">
+            <a:spAutoFit/>
+          </a:bodyPr>
+          <a:lstStyle/>
+          <a:p>
+            <a:pPr algn="ctr"/>
+            <a:r>
+              <a:rPr kumimoji="1" lang="en-US" altLang="ko-Kore-KR" sz="2800">
+                <a:ea typeface="Microsoft Himalaya" pitchFamily="2" charset="0"/>
+                <a:cs typeface="Microsoft Himalaya" pitchFamily="2" charset="0"/>
+              </a:rPr>
+              <a:t>Because it means that applications can be implemented leveraging the powerful features of the kernel scheduler!!!</a:t>
+            </a:r>
+            <a:endParaRPr kumimoji="1" lang="ko-Kore-KR" altLang="en-US" sz="2800">
+              <a:cs typeface="Microsoft Himalaya" pitchFamily="2" charset="0"/>
+            </a:endParaRPr>
+          </a:p>
+        </p:txBody>
+      </p:sp>
+      <p:sp>
+        <p:nvSpPr>
+          <p:cNvPr id="11" name="타원 10">
+            <a:extLst>
+              <a:ext uri="{FF2B5EF4-FFF2-40B4-BE49-F238E27FC236}">
+                <a16:creationId xmlns:a16="http://schemas.microsoft.com/office/drawing/2014/main" id="{553EEAA2-6F2C-9BFD-E1DC-B64CC11A8B05}"/>
+              </a:ext>
+            </a:extLst>
+          </p:cNvPr>
+          <p:cNvSpPr/>
+          <p:nvPr/>
+        </p:nvSpPr>
+        <p:spPr>
+          <a:xfrm>
+            <a:off x="-6170827" y="-16508869"/>
+            <a:ext cx="5416902" cy="1895475"/>
+          </a:xfrm>
+          <a:prstGeom prst="ellipse">
+            <a:avLst/>
+          </a:prstGeom>
+          <a:noFill/>
+          <a:ln w="19050">
+            <a:solidFill>
+              <a:schemeClr val="tx1"/>
+            </a:solidFill>
+          </a:ln>
+        </p:spPr>
+        <p:style>
+          <a:lnRef idx="2">
+            <a:schemeClr val="accent1">
+              <a:shade val="15000"/>
+            </a:schemeClr>
+          </a:lnRef>
+          <a:fillRef idx="1">
+            <a:schemeClr val="accent1"/>
+          </a:fillRef>
+          <a:effectRef idx="0">
+            <a:schemeClr val="accent1"/>
+          </a:effectRef>
+          <a:fontRef idx="minor">
+            <a:schemeClr val="lt1"/>
+          </a:fontRef>
+        </p:style>
+        <p:txBody>
+          <a:bodyPr rtlCol="0" anchor="ctr"/>
+          <a:lstStyle/>
+          <a:p>
+            <a:pPr algn="ctr"/>
+            <a:endParaRPr kumimoji="1" lang="ko-Kore-KR" altLang="en-US"/>
+          </a:p>
+        </p:txBody>
+      </p:sp>
+      <p:sp>
+        <p:nvSpPr>
+          <p:cNvPr id="12" name="타원 11">
+            <a:extLst>
+              <a:ext uri="{FF2B5EF4-FFF2-40B4-BE49-F238E27FC236}">
+                <a16:creationId xmlns:a16="http://schemas.microsoft.com/office/drawing/2014/main" id="{98BE3455-7E7C-98E6-2F4D-8656076DB122}"/>
+              </a:ext>
+            </a:extLst>
+          </p:cNvPr>
+          <p:cNvSpPr/>
+          <p:nvPr/>
+        </p:nvSpPr>
+        <p:spPr>
+          <a:xfrm>
+            <a:off x="-3990554" y="-13946961"/>
+            <a:ext cx="7510506" cy="2356551"/>
+          </a:xfrm>
+          <a:prstGeom prst="ellipse">
+            <a:avLst/>
+          </a:prstGeom>
+          <a:noFill/>
+          <a:ln w="19050">
+            <a:solidFill>
+              <a:schemeClr val="tx1"/>
+            </a:solidFill>
+          </a:ln>
+        </p:spPr>
+        <p:style>
+          <a:lnRef idx="2">
+            <a:schemeClr val="accent1">
+              <a:shade val="15000"/>
+            </a:schemeClr>
+          </a:lnRef>
+          <a:fillRef idx="1">
+            <a:schemeClr val="accent1"/>
+          </a:fillRef>
+          <a:effectRef idx="0">
+            <a:schemeClr val="accent1"/>
+          </a:effectRef>
+          <a:fontRef idx="minor">
+            <a:schemeClr val="lt1"/>
+          </a:fontRef>
+        </p:style>
+        <p:txBody>
+          <a:bodyPr rtlCol="0" anchor="ctr"/>
+          <a:lstStyle/>
+          <a:p>
+            <a:pPr algn="ctr"/>
+            <a:endParaRPr kumimoji="1" lang="ko-Kore-KR" altLang="en-US"/>
+          </a:p>
+        </p:txBody>
+      </p:sp>
+      <p:cxnSp>
+        <p:nvCxnSpPr>
+          <p:cNvPr id="13" name="구부러진 연결선[U] 12">
+            <a:extLst>
+              <a:ext uri="{FF2B5EF4-FFF2-40B4-BE49-F238E27FC236}">
+                <a16:creationId xmlns:a16="http://schemas.microsoft.com/office/drawing/2014/main" id="{8D73709C-867B-5C3D-0744-BD01319122DC}"/>
+              </a:ext>
+            </a:extLst>
+          </p:cNvPr>
+          <p:cNvCxnSpPr>
+            <a:cxnSpLocks/>
+            <a:stCxn id="11" idx="4"/>
+            <a:endCxn id="12" idx="1"/>
+          </p:cNvCxnSpPr>
+          <p:nvPr/>
+        </p:nvCxnSpPr>
+        <p:spPr>
+          <a:xfrm rot="16200000" flipH="1">
+            <a:off x="-3682292" y="-14393478"/>
+            <a:ext cx="1011542" cy="571710"/>
+          </a:xfrm>
+          <a:prstGeom prst="curvedConnector3">
+            <a:avLst>
+              <a:gd name="adj1" fmla="val 50000"/>
+            </a:avLst>
+          </a:prstGeom>
+          <a:ln w="12700">
+            <a:solidFill>
+              <a:schemeClr val="tx1"/>
+            </a:solidFill>
+          </a:ln>
+        </p:spPr>
+        <p:style>
+          <a:lnRef idx="1">
+            <a:schemeClr val="accent1"/>
+          </a:lnRef>
+          <a:fillRef idx="0">
+            <a:schemeClr val="accent1"/>
+          </a:fillRef>
+          <a:effectRef idx="0">
+            <a:schemeClr val="accent1"/>
+          </a:effectRef>
+          <a:fontRef idx="minor">
+            <a:schemeClr val="tx1"/>
+          </a:fontRef>
+        </p:style>
+      </p:cxnSp>
+      <p:sp>
+        <p:nvSpPr>
+          <p:cNvPr id="17" name="TextBox 16">
+            <a:extLst>
+              <a:ext uri="{FF2B5EF4-FFF2-40B4-BE49-F238E27FC236}">
+                <a16:creationId xmlns:a16="http://schemas.microsoft.com/office/drawing/2014/main" id="{2461D2E0-27C3-B02E-68FA-2F27E0718AE4}"/>
+              </a:ext>
+            </a:extLst>
+          </p:cNvPr>
+          <p:cNvSpPr txBox="1"/>
+          <p:nvPr/>
+        </p:nvSpPr>
+        <p:spPr>
+          <a:xfrm>
+            <a:off x="-6946404" y="-15776897"/>
+            <a:ext cx="6649080" cy="523220"/>
+          </a:xfrm>
+          <a:prstGeom prst="rect">
+            <a:avLst/>
+          </a:prstGeom>
+          <a:noFill/>
+        </p:spPr>
+        <p:txBody>
+          <a:bodyPr wrap="square" rtlCol="0">
+            <a:spAutoFit/>
+          </a:bodyPr>
+          <a:lstStyle/>
+          <a:p>
+            <a:pPr algn="ctr"/>
+            <a:r>
+              <a:rPr kumimoji="1" lang="en-US" altLang="ko-Kore-KR" sz="2800">
+                <a:ea typeface="Microsoft Himalaya" pitchFamily="2" charset="0"/>
+                <a:cs typeface="Microsoft Himalaya" pitchFamily="2" charset="0"/>
+              </a:rPr>
+              <a:t>Why is that important?</a:t>
+            </a:r>
+            <a:endParaRPr kumimoji="1" lang="ko-Kore-KR" altLang="en-US" sz="2800">
+              <a:cs typeface="Microsoft Himalaya" pitchFamily="2" charset="0"/>
+            </a:endParaRPr>
+          </a:p>
+        </p:txBody>
+      </p:sp>
+      <p:sp>
+        <p:nvSpPr>
+          <p:cNvPr id="4" name="TextBox 3">
+            <a:extLst>
+              <a:ext uri="{FF2B5EF4-FFF2-40B4-BE49-F238E27FC236}">
+                <a16:creationId xmlns:a16="http://schemas.microsoft.com/office/drawing/2014/main" id="{09069384-6BDF-4AB8-9E82-55B8B48224F5}"/>
+              </a:ext>
+            </a:extLst>
+          </p:cNvPr>
+          <p:cNvSpPr txBox="1"/>
+          <p:nvPr/>
+        </p:nvSpPr>
+        <p:spPr>
+          <a:xfrm>
+            <a:off x="681604" y="-10800800"/>
+            <a:ext cx="7214942" cy="1384995"/>
+          </a:xfrm>
+          <a:prstGeom prst="rect">
+            <a:avLst/>
+          </a:prstGeom>
+          <a:noFill/>
+        </p:spPr>
+        <p:txBody>
+          <a:bodyPr wrap="square" rtlCol="0">
+            <a:spAutoFit/>
+          </a:bodyPr>
+          <a:lstStyle/>
+          <a:p>
+            <a:pPr algn="ctr"/>
+            <a:r>
+              <a:rPr kumimoji="1" lang="en-US" altLang="ko-Kore-KR" sz="2800">
+                <a:cs typeface="Microsoft Himalaya" pitchFamily="2" charset="0"/>
+              </a:rPr>
+              <a:t>Also, scheduling designs that were previously </a:t>
+            </a:r>
+            <a:r>
+              <a:rPr kumimoji="1" lang="en-US" altLang="ko-KR" sz="2800">
+                <a:cs typeface="Microsoft Himalaya" pitchFamily="2" charset="0"/>
+              </a:rPr>
+              <a:t>unused because they did not fit into the general kernel </a:t>
+            </a:r>
+            <a:r>
+              <a:rPr kumimoji="1" lang="en-US" altLang="ko-Kore-KR" sz="2800">
+                <a:cs typeface="Microsoft Himalaya" pitchFamily="2" charset="0"/>
+              </a:rPr>
+              <a:t>can be used in the userspace!!</a:t>
+            </a:r>
+            <a:endParaRPr kumimoji="1" lang="ko-Kore-KR" altLang="en-US" sz="2800">
+              <a:cs typeface="Microsoft Himalaya" pitchFamily="2" charset="0"/>
+            </a:endParaRPr>
+          </a:p>
+        </p:txBody>
+      </p:sp>
+      <p:cxnSp>
+        <p:nvCxnSpPr>
+          <p:cNvPr id="15" name="구부러진 연결선[U] 14">
+            <a:extLst>
+              <a:ext uri="{FF2B5EF4-FFF2-40B4-BE49-F238E27FC236}">
+                <a16:creationId xmlns:a16="http://schemas.microsoft.com/office/drawing/2014/main" id="{86EB4F29-36E1-ABFE-5C78-E34AEC8E26C2}"/>
+              </a:ext>
+            </a:extLst>
+          </p:cNvPr>
+          <p:cNvCxnSpPr>
+            <a:cxnSpLocks/>
+            <a:stCxn id="12" idx="5"/>
+            <a:endCxn id="16" idx="0"/>
+          </p:cNvCxnSpPr>
+          <p:nvPr/>
+        </p:nvCxnSpPr>
+        <p:spPr>
+          <a:xfrm rot="16200000" flipH="1">
+            <a:off x="3087944" y="-12603400"/>
+            <a:ext cx="501569" cy="1837329"/>
+          </a:xfrm>
+          <a:prstGeom prst="curvedConnector3">
+            <a:avLst>
+              <a:gd name="adj1" fmla="val 50000"/>
+            </a:avLst>
+          </a:prstGeom>
+          <a:ln w="12700">
+            <a:solidFill>
+              <a:schemeClr val="tx1"/>
+            </a:solidFill>
+          </a:ln>
+        </p:spPr>
+        <p:style>
+          <a:lnRef idx="1">
+            <a:schemeClr val="accent1"/>
+          </a:lnRef>
+          <a:fillRef idx="0">
+            <a:schemeClr val="accent1"/>
+          </a:fillRef>
+          <a:effectRef idx="0">
+            <a:schemeClr val="accent1"/>
+          </a:effectRef>
+          <a:fontRef idx="minor">
+            <a:schemeClr val="tx1"/>
+          </a:fontRef>
+        </p:style>
+      </p:cxnSp>
+      <p:sp>
+        <p:nvSpPr>
+          <p:cNvPr id="16" name="타원 15">
+            <a:extLst>
+              <a:ext uri="{FF2B5EF4-FFF2-40B4-BE49-F238E27FC236}">
+                <a16:creationId xmlns:a16="http://schemas.microsoft.com/office/drawing/2014/main" id="{C2E7E2C8-45E7-5C28-C930-10DEF0105BBC}"/>
+              </a:ext>
+            </a:extLst>
+          </p:cNvPr>
+          <p:cNvSpPr/>
+          <p:nvPr/>
+        </p:nvSpPr>
+        <p:spPr>
+          <a:xfrm>
+            <a:off x="313339" y="-11433950"/>
+            <a:ext cx="7888107" cy="2599856"/>
+          </a:xfrm>
+          <a:prstGeom prst="ellipse">
+            <a:avLst/>
+          </a:prstGeom>
+          <a:noFill/>
+          <a:ln w="19050">
+            <a:solidFill>
+              <a:schemeClr val="tx1"/>
+            </a:solidFill>
+          </a:ln>
+        </p:spPr>
+        <p:style>
+          <a:lnRef idx="2">
+            <a:schemeClr val="accent1">
+              <a:shade val="15000"/>
+            </a:schemeClr>
+          </a:lnRef>
+          <a:fillRef idx="1">
+            <a:schemeClr val="accent1"/>
+          </a:fillRef>
+          <a:effectRef idx="0">
+            <a:schemeClr val="accent1"/>
+          </a:effectRef>
+          <a:fontRef idx="minor">
+            <a:schemeClr val="lt1"/>
+          </a:fontRef>
+        </p:style>
+        <p:txBody>
+          <a:bodyPr rtlCol="0" anchor="ctr"/>
+          <a:lstStyle/>
+          <a:p>
+            <a:pPr algn="ctr"/>
+            <a:endParaRPr kumimoji="1" lang="ko-Kore-KR" altLang="en-US"/>
+          </a:p>
+        </p:txBody>
+      </p:sp>
+      <p:sp>
+        <p:nvSpPr>
+          <p:cNvPr id="18" name="TextBox 17">
+            <a:extLst>
+              <a:ext uri="{FF2B5EF4-FFF2-40B4-BE49-F238E27FC236}">
+                <a16:creationId xmlns:a16="http://schemas.microsoft.com/office/drawing/2014/main" id="{4EF28DD6-7793-8D9A-044F-B978D4AF4B34}"/>
+              </a:ext>
+            </a:extLst>
+          </p:cNvPr>
+          <p:cNvSpPr txBox="1"/>
+          <p:nvPr/>
+        </p:nvSpPr>
+        <p:spPr>
+          <a:xfrm>
+            <a:off x="2302216" y="-7651436"/>
+            <a:ext cx="8214246" cy="1384995"/>
+          </a:xfrm>
+          <a:prstGeom prst="rect">
+            <a:avLst/>
+          </a:prstGeom>
+          <a:noFill/>
+        </p:spPr>
+        <p:txBody>
+          <a:bodyPr wrap="square" rtlCol="0">
+            <a:spAutoFit/>
+          </a:bodyPr>
+          <a:lstStyle/>
+          <a:p>
+            <a:pPr algn="ctr"/>
+            <a:r>
+              <a:rPr kumimoji="1" lang="en-US" altLang="ko-Kore-KR" sz="2800">
+                <a:cs typeface="Microsoft Himalaya" pitchFamily="2" charset="0"/>
+              </a:rPr>
+              <a:t>Fundamentally, the ghOSt relaxes restrictions in terms of CPU virtualization, expanding user’s development design freedom</a:t>
+            </a:r>
+            <a:endParaRPr kumimoji="1" lang="ko-Kore-KR" altLang="en-US" sz="2800">
+              <a:cs typeface="Microsoft Himalaya" pitchFamily="2" charset="0"/>
+            </a:endParaRPr>
+          </a:p>
+        </p:txBody>
+      </p:sp>
+      <p:sp>
+        <p:nvSpPr>
+          <p:cNvPr id="19" name="타원 18">
+            <a:extLst>
+              <a:ext uri="{FF2B5EF4-FFF2-40B4-BE49-F238E27FC236}">
+                <a16:creationId xmlns:a16="http://schemas.microsoft.com/office/drawing/2014/main" id="{FA0DF77A-7B58-7DE1-8A3E-0A5DA271ECE9}"/>
+              </a:ext>
+            </a:extLst>
+          </p:cNvPr>
+          <p:cNvSpPr/>
+          <p:nvPr/>
+        </p:nvSpPr>
+        <p:spPr>
+          <a:xfrm>
+            <a:off x="1684649" y="-8278953"/>
+            <a:ext cx="9637823" cy="2648636"/>
+          </a:xfrm>
+          <a:prstGeom prst="ellipse">
+            <a:avLst/>
+          </a:prstGeom>
+          <a:noFill/>
+          <a:ln w="19050">
+            <a:solidFill>
+              <a:schemeClr val="tx1"/>
+            </a:solidFill>
+          </a:ln>
+        </p:spPr>
+        <p:style>
+          <a:lnRef idx="2">
+            <a:schemeClr val="accent1">
+              <a:shade val="15000"/>
+            </a:schemeClr>
+          </a:lnRef>
+          <a:fillRef idx="1">
+            <a:schemeClr val="accent1"/>
+          </a:fillRef>
+          <a:effectRef idx="0">
+            <a:schemeClr val="accent1"/>
+          </a:effectRef>
+          <a:fontRef idx="minor">
+            <a:schemeClr val="lt1"/>
+          </a:fontRef>
+        </p:style>
+        <p:txBody>
+          <a:bodyPr rtlCol="0" anchor="ctr"/>
+          <a:lstStyle/>
+          <a:p>
+            <a:pPr algn="ctr"/>
+            <a:endParaRPr kumimoji="1" lang="ko-Kore-KR" altLang="en-US"/>
+          </a:p>
+        </p:txBody>
+      </p:sp>
+      <p:cxnSp>
+        <p:nvCxnSpPr>
+          <p:cNvPr id="20" name="구부러진 연결선[U] 19">
+            <a:extLst>
+              <a:ext uri="{FF2B5EF4-FFF2-40B4-BE49-F238E27FC236}">
+                <a16:creationId xmlns:a16="http://schemas.microsoft.com/office/drawing/2014/main" id="{19A5D647-6532-DA56-118D-A70386D6DBB1}"/>
+              </a:ext>
+            </a:extLst>
+          </p:cNvPr>
+          <p:cNvCxnSpPr>
+            <a:cxnSpLocks/>
+            <a:stCxn id="16" idx="4"/>
+            <a:endCxn id="19" idx="0"/>
+          </p:cNvCxnSpPr>
+          <p:nvPr/>
+        </p:nvCxnSpPr>
+        <p:spPr>
+          <a:xfrm rot="16200000" flipH="1">
+            <a:off x="5102907" y="-9679608"/>
+            <a:ext cx="555141" cy="2246168"/>
+          </a:xfrm>
+          <a:prstGeom prst="curvedConnector3">
+            <a:avLst>
+              <a:gd name="adj1" fmla="val 50000"/>
+            </a:avLst>
+          </a:prstGeom>
+          <a:ln w="12700">
+            <a:solidFill>
+              <a:schemeClr val="tx1"/>
+            </a:solidFill>
+          </a:ln>
+        </p:spPr>
+        <p:style>
+          <a:lnRef idx="1">
+            <a:schemeClr val="accent1"/>
+          </a:lnRef>
+          <a:fillRef idx="0">
+            <a:schemeClr val="accent1"/>
+          </a:fillRef>
+          <a:effectRef idx="0">
+            <a:schemeClr val="accent1"/>
+          </a:effectRef>
+          <a:fontRef idx="minor">
+            <a:schemeClr val="tx1"/>
+          </a:fontRef>
+        </p:style>
+      </p:cxnSp>
+      <p:sp>
+        <p:nvSpPr>
+          <p:cNvPr id="21" name="TextBox 20">
+            <a:extLst>
+              <a:ext uri="{FF2B5EF4-FFF2-40B4-BE49-F238E27FC236}">
+                <a16:creationId xmlns:a16="http://schemas.microsoft.com/office/drawing/2014/main" id="{A8F0A1E5-1099-7203-EF65-828FC6C9B5A6}"/>
+              </a:ext>
+            </a:extLst>
+          </p:cNvPr>
+          <p:cNvSpPr txBox="1"/>
+          <p:nvPr/>
+        </p:nvSpPr>
+        <p:spPr>
+          <a:xfrm>
+            <a:off x="2215255" y="-4733003"/>
+            <a:ext cx="8214246" cy="523220"/>
+          </a:xfrm>
+          <a:prstGeom prst="rect">
+            <a:avLst/>
+          </a:prstGeom>
+          <a:noFill/>
+        </p:spPr>
+        <p:txBody>
+          <a:bodyPr wrap="square" rtlCol="0">
+            <a:spAutoFit/>
+          </a:bodyPr>
+          <a:lstStyle/>
+          <a:p>
+            <a:pPr algn="ctr"/>
+            <a:r>
+              <a:rPr kumimoji="1" lang="en-US" altLang="ko-Kore-KR" sz="2800">
+                <a:cs typeface="Microsoft Himalaya" pitchFamily="2" charset="0"/>
+              </a:rPr>
+              <a:t>Then, is a new insight presented by ghOSt? </a:t>
+            </a:r>
+            <a:endParaRPr kumimoji="1" lang="ko-Kore-KR" altLang="en-US" sz="2800">
+              <a:cs typeface="Microsoft Himalaya" pitchFamily="2" charset="0"/>
+            </a:endParaRPr>
+          </a:p>
+        </p:txBody>
+      </p:sp>
+      <p:sp>
+        <p:nvSpPr>
+          <p:cNvPr id="22" name="타원 21">
+            <a:extLst>
+              <a:ext uri="{FF2B5EF4-FFF2-40B4-BE49-F238E27FC236}">
+                <a16:creationId xmlns:a16="http://schemas.microsoft.com/office/drawing/2014/main" id="{4C508DF5-D81D-1B29-3261-B9B15C155BE4}"/>
+              </a:ext>
+            </a:extLst>
+          </p:cNvPr>
+          <p:cNvSpPr/>
+          <p:nvPr/>
+        </p:nvSpPr>
+        <p:spPr>
+          <a:xfrm>
+            <a:off x="2357482" y="-5002800"/>
+            <a:ext cx="7846783" cy="1129346"/>
+          </a:xfrm>
+          <a:prstGeom prst="ellipse">
+            <a:avLst/>
+          </a:prstGeom>
+          <a:noFill/>
+          <a:ln w="19050">
+            <a:solidFill>
+              <a:schemeClr val="tx1"/>
+            </a:solidFill>
+          </a:ln>
+        </p:spPr>
+        <p:style>
+          <a:lnRef idx="2">
+            <a:schemeClr val="accent1">
+              <a:shade val="15000"/>
+            </a:schemeClr>
+          </a:lnRef>
+          <a:fillRef idx="1">
+            <a:schemeClr val="accent1"/>
+          </a:fillRef>
+          <a:effectRef idx="0">
+            <a:schemeClr val="accent1"/>
+          </a:effectRef>
+          <a:fontRef idx="minor">
+            <a:schemeClr val="lt1"/>
+          </a:fontRef>
+        </p:style>
+        <p:txBody>
+          <a:bodyPr rtlCol="0" anchor="ctr"/>
+          <a:lstStyle/>
+          <a:p>
+            <a:pPr algn="ctr"/>
+            <a:endParaRPr kumimoji="1" lang="ko-Kore-KR" altLang="en-US"/>
+          </a:p>
+        </p:txBody>
+      </p:sp>
+      <p:cxnSp>
+        <p:nvCxnSpPr>
+          <p:cNvPr id="23" name="구부러진 연결선[U] 22">
+            <a:extLst>
+              <a:ext uri="{FF2B5EF4-FFF2-40B4-BE49-F238E27FC236}">
+                <a16:creationId xmlns:a16="http://schemas.microsoft.com/office/drawing/2014/main" id="{76975E94-9776-4206-E3F2-A9C416308400}"/>
+              </a:ext>
+            </a:extLst>
+          </p:cNvPr>
+          <p:cNvCxnSpPr>
+            <a:cxnSpLocks/>
+            <a:stCxn id="19" idx="4"/>
+            <a:endCxn id="22" idx="0"/>
+          </p:cNvCxnSpPr>
+          <p:nvPr/>
+        </p:nvCxnSpPr>
+        <p:spPr>
+          <a:xfrm rot="5400000">
+            <a:off x="6078460" y="-5427902"/>
+            <a:ext cx="627517" cy="222687"/>
+          </a:xfrm>
+          <a:prstGeom prst="curvedConnector3">
+            <a:avLst>
+              <a:gd name="adj1" fmla="val 50000"/>
+            </a:avLst>
+          </a:prstGeom>
+          <a:ln w="12700">
+            <a:solidFill>
+              <a:schemeClr val="tx1"/>
+            </a:solidFill>
+          </a:ln>
+        </p:spPr>
+        <p:style>
+          <a:lnRef idx="1">
+            <a:schemeClr val="accent1"/>
+          </a:lnRef>
+          <a:fillRef idx="0">
+            <a:schemeClr val="accent1"/>
+          </a:fillRef>
+          <a:effectRef idx="0">
+            <a:schemeClr val="accent1"/>
+          </a:effectRef>
+          <a:fontRef idx="minor">
+            <a:schemeClr val="tx1"/>
+          </a:fontRef>
+        </p:style>
+      </p:cxnSp>
+      <p:sp>
+        <p:nvSpPr>
+          <p:cNvPr id="24" name="TextBox 23">
+            <a:extLst>
+              <a:ext uri="{FF2B5EF4-FFF2-40B4-BE49-F238E27FC236}">
+                <a16:creationId xmlns:a16="http://schemas.microsoft.com/office/drawing/2014/main" id="{D9CCB771-34F4-DECE-EB41-D9D9451BBE6B}"/>
+              </a:ext>
+            </a:extLst>
+          </p:cNvPr>
+          <p:cNvSpPr txBox="1"/>
+          <p:nvPr/>
+        </p:nvSpPr>
+        <p:spPr>
+          <a:xfrm>
+            <a:off x="2554097" y="-3245937"/>
+            <a:ext cx="8214246" cy="954107"/>
+          </a:xfrm>
+          <a:prstGeom prst="rect">
+            <a:avLst/>
+          </a:prstGeom>
+          <a:noFill/>
+        </p:spPr>
+        <p:txBody>
+          <a:bodyPr wrap="square" rtlCol="0">
+            <a:spAutoFit/>
+          </a:bodyPr>
+          <a:lstStyle/>
+          <a:p>
+            <a:pPr algn="ctr"/>
+            <a:r>
+              <a:rPr kumimoji="1" lang="en-US" altLang="ko-Kore-KR" sz="2800">
+                <a:cs typeface="Microsoft Himalaya" pitchFamily="2" charset="0"/>
+              </a:rPr>
+              <a:t>What has been done before in the same context as this fundamental insight?</a:t>
+            </a:r>
+            <a:endParaRPr kumimoji="1" lang="ko-Kore-KR" altLang="en-US" sz="2800">
+              <a:cs typeface="Microsoft Himalaya" pitchFamily="2" charset="0"/>
+            </a:endParaRPr>
+          </a:p>
+        </p:txBody>
+      </p:sp>
+      <p:sp>
+        <p:nvSpPr>
+          <p:cNvPr id="26" name="타원 25">
+            <a:extLst>
+              <a:ext uri="{FF2B5EF4-FFF2-40B4-BE49-F238E27FC236}">
+                <a16:creationId xmlns:a16="http://schemas.microsoft.com/office/drawing/2014/main" id="{74D3F31D-3F9C-6321-18F1-2C57945CDF24}"/>
+              </a:ext>
+            </a:extLst>
+          </p:cNvPr>
+          <p:cNvSpPr/>
+          <p:nvPr/>
+        </p:nvSpPr>
+        <p:spPr>
+          <a:xfrm>
+            <a:off x="1981430" y="-3540814"/>
+            <a:ext cx="9055117" cy="1401639"/>
+          </a:xfrm>
+          <a:prstGeom prst="ellipse">
+            <a:avLst/>
+          </a:prstGeom>
+          <a:noFill/>
+          <a:ln w="19050">
+            <a:solidFill>
+              <a:schemeClr val="tx1"/>
+            </a:solidFill>
+          </a:ln>
+        </p:spPr>
+        <p:style>
+          <a:lnRef idx="2">
+            <a:schemeClr val="accent1">
+              <a:shade val="15000"/>
+            </a:schemeClr>
+          </a:lnRef>
+          <a:fillRef idx="1">
+            <a:schemeClr val="accent1"/>
+          </a:fillRef>
+          <a:effectRef idx="0">
+            <a:schemeClr val="accent1"/>
+          </a:effectRef>
+          <a:fontRef idx="minor">
+            <a:schemeClr val="lt1"/>
+          </a:fontRef>
+        </p:style>
+        <p:txBody>
+          <a:bodyPr rtlCol="0" anchor="ctr"/>
+          <a:lstStyle/>
+          <a:p>
+            <a:pPr algn="ctr"/>
+            <a:endParaRPr kumimoji="1" lang="ko-Kore-KR" altLang="en-US"/>
+          </a:p>
+        </p:txBody>
+      </p:sp>
+      <p:cxnSp>
+        <p:nvCxnSpPr>
+          <p:cNvPr id="27" name="구부러진 연결선[U] 26">
+            <a:extLst>
+              <a:ext uri="{FF2B5EF4-FFF2-40B4-BE49-F238E27FC236}">
+                <a16:creationId xmlns:a16="http://schemas.microsoft.com/office/drawing/2014/main" id="{9E36E546-0899-D82E-3FE4-1D54F088F523}"/>
+              </a:ext>
+            </a:extLst>
+          </p:cNvPr>
+          <p:cNvCxnSpPr>
+            <a:cxnSpLocks/>
+            <a:stCxn id="22" idx="4"/>
+            <a:endCxn id="26" idx="0"/>
+          </p:cNvCxnSpPr>
+          <p:nvPr/>
+        </p:nvCxnSpPr>
+        <p:spPr>
+          <a:xfrm rot="16200000" flipH="1">
+            <a:off x="6228611" y="-3821192"/>
+            <a:ext cx="332640" cy="228115"/>
+          </a:xfrm>
+          <a:prstGeom prst="curvedConnector3">
+            <a:avLst>
+              <a:gd name="adj1" fmla="val 50000"/>
+            </a:avLst>
+          </a:prstGeom>
+          <a:ln w="12700">
+            <a:solidFill>
+              <a:schemeClr val="tx1"/>
+            </a:solidFill>
+          </a:ln>
+        </p:spPr>
+        <p:style>
+          <a:lnRef idx="1">
+            <a:schemeClr val="accent1"/>
+          </a:lnRef>
+          <a:fillRef idx="0">
+            <a:schemeClr val="accent1"/>
+          </a:fillRef>
+          <a:effectRef idx="0">
+            <a:schemeClr val="accent1"/>
+          </a:effectRef>
+          <a:fontRef idx="minor">
+            <a:schemeClr val="tx1"/>
+          </a:fontRef>
+        </p:style>
+      </p:cxnSp>
+      <p:sp>
+        <p:nvSpPr>
+          <p:cNvPr id="28" name="TextBox 27">
+            <a:extLst>
+              <a:ext uri="{FF2B5EF4-FFF2-40B4-BE49-F238E27FC236}">
+                <a16:creationId xmlns:a16="http://schemas.microsoft.com/office/drawing/2014/main" id="{E8534B9F-7211-6895-994D-EE1F30F8D69D}"/>
+              </a:ext>
+            </a:extLst>
+          </p:cNvPr>
+          <p:cNvSpPr txBox="1"/>
+          <p:nvPr/>
+        </p:nvSpPr>
+        <p:spPr>
+          <a:xfrm>
+            <a:off x="2302216" y="-1306776"/>
+            <a:ext cx="8214246" cy="954107"/>
+          </a:xfrm>
+          <a:prstGeom prst="rect">
+            <a:avLst/>
+          </a:prstGeom>
+          <a:noFill/>
+        </p:spPr>
+        <p:txBody>
+          <a:bodyPr wrap="square" rtlCol="0">
+            <a:spAutoFit/>
+          </a:bodyPr>
+          <a:lstStyle/>
+          <a:p>
+            <a:pPr algn="ctr"/>
+            <a:r>
+              <a:rPr kumimoji="1" lang="en-US" altLang="ko-Kore-KR" sz="2800">
+                <a:cs typeface="Microsoft Himalaya" pitchFamily="2" charset="0"/>
+              </a:rPr>
+              <a:t>All these things are focusing on relaxing CPU virtualization itself</a:t>
+            </a:r>
+            <a:endParaRPr kumimoji="1" lang="ko-Kore-KR" altLang="en-US" sz="2800">
+              <a:cs typeface="Microsoft Himalaya" pitchFamily="2" charset="0"/>
+            </a:endParaRPr>
+          </a:p>
+        </p:txBody>
+      </p:sp>
+      <p:sp>
+        <p:nvSpPr>
+          <p:cNvPr id="29" name="타원 28">
+            <a:extLst>
+              <a:ext uri="{FF2B5EF4-FFF2-40B4-BE49-F238E27FC236}">
+                <a16:creationId xmlns:a16="http://schemas.microsoft.com/office/drawing/2014/main" id="{E3A1A664-3E77-01B5-65C2-80AFA2CDD22C}"/>
+              </a:ext>
+            </a:extLst>
+          </p:cNvPr>
+          <p:cNvSpPr/>
+          <p:nvPr/>
+        </p:nvSpPr>
+        <p:spPr>
+          <a:xfrm>
+            <a:off x="2133661" y="-1530541"/>
+            <a:ext cx="9055117" cy="1401639"/>
+          </a:xfrm>
+          <a:prstGeom prst="ellipse">
+            <a:avLst/>
+          </a:prstGeom>
+          <a:noFill/>
+          <a:ln w="19050">
+            <a:solidFill>
+              <a:schemeClr val="tx1"/>
+            </a:solidFill>
+          </a:ln>
+        </p:spPr>
+        <p:style>
+          <a:lnRef idx="2">
+            <a:schemeClr val="accent1">
+              <a:shade val="15000"/>
+            </a:schemeClr>
+          </a:lnRef>
+          <a:fillRef idx="1">
+            <a:schemeClr val="accent1"/>
+          </a:fillRef>
+          <a:effectRef idx="0">
+            <a:schemeClr val="accent1"/>
+          </a:effectRef>
+          <a:fontRef idx="minor">
+            <a:schemeClr val="lt1"/>
+          </a:fontRef>
+        </p:style>
+        <p:txBody>
+          <a:bodyPr rtlCol="0" anchor="ctr"/>
+          <a:lstStyle/>
+          <a:p>
+            <a:pPr algn="ctr"/>
+            <a:endParaRPr kumimoji="1" lang="ko-Kore-KR" altLang="en-US"/>
+          </a:p>
+        </p:txBody>
+      </p:sp>
+      <p:cxnSp>
+        <p:nvCxnSpPr>
+          <p:cNvPr id="30" name="구부러진 연결선[U] 29">
+            <a:extLst>
+              <a:ext uri="{FF2B5EF4-FFF2-40B4-BE49-F238E27FC236}">
+                <a16:creationId xmlns:a16="http://schemas.microsoft.com/office/drawing/2014/main" id="{5880DCAE-E4E6-A983-8FE9-2A8D3336CBE3}"/>
+              </a:ext>
+            </a:extLst>
+          </p:cNvPr>
+          <p:cNvCxnSpPr>
+            <a:cxnSpLocks/>
+            <a:stCxn id="26" idx="4"/>
+            <a:endCxn id="29" idx="0"/>
+          </p:cNvCxnSpPr>
+          <p:nvPr/>
+        </p:nvCxnSpPr>
+        <p:spPr>
+          <a:xfrm rot="16200000" flipH="1">
+            <a:off x="6280787" y="-1910974"/>
+            <a:ext cx="608634" cy="152231"/>
+          </a:xfrm>
+          <a:prstGeom prst="curvedConnector3">
+            <a:avLst>
+              <a:gd name="adj1" fmla="val 50000"/>
+            </a:avLst>
+          </a:prstGeom>
+          <a:ln w="12700">
+            <a:solidFill>
+              <a:schemeClr val="tx1"/>
+            </a:solidFill>
+          </a:ln>
+        </p:spPr>
+        <p:style>
+          <a:lnRef idx="1">
+            <a:schemeClr val="accent1"/>
+          </a:lnRef>
+          <a:fillRef idx="0">
+            <a:schemeClr val="accent1"/>
+          </a:fillRef>
+          <a:effectRef idx="0">
+            <a:schemeClr val="accent1"/>
+          </a:effectRef>
+          <a:fontRef idx="minor">
+            <a:schemeClr val="tx1"/>
+          </a:fontRef>
+        </p:style>
+      </p:cxnSp>
+      <p:sp>
+        <p:nvSpPr>
+          <p:cNvPr id="31" name="TextBox 30">
+            <a:extLst>
+              <a:ext uri="{FF2B5EF4-FFF2-40B4-BE49-F238E27FC236}">
+                <a16:creationId xmlns:a16="http://schemas.microsoft.com/office/drawing/2014/main" id="{7C615279-869D-34FB-C6EE-541848B073FA}"/>
+              </a:ext>
+            </a:extLst>
+          </p:cNvPr>
+          <p:cNvSpPr txBox="1"/>
+          <p:nvPr/>
+        </p:nvSpPr>
+        <p:spPr>
+          <a:xfrm>
+            <a:off x="1990019" y="479732"/>
+            <a:ext cx="8214246" cy="954107"/>
+          </a:xfrm>
+          <a:prstGeom prst="rect">
+            <a:avLst/>
+          </a:prstGeom>
+          <a:noFill/>
+        </p:spPr>
+        <p:txBody>
+          <a:bodyPr wrap="square" rtlCol="0">
+            <a:spAutoFit/>
+          </a:bodyPr>
+          <a:lstStyle/>
+          <a:p>
+            <a:pPr algn="ctr"/>
+            <a:r>
+              <a:rPr kumimoji="1" lang="en-US" altLang="ko-Kore-KR" sz="2800">
+                <a:cs typeface="Microsoft Himalaya" pitchFamily="2" charset="0"/>
+              </a:rPr>
+              <a:t>But the ghOSt is focusing on how to include this in the development space of user applications </a:t>
+            </a:r>
+            <a:endParaRPr kumimoji="1" lang="ko-Kore-KR" altLang="en-US" sz="2800">
+              <a:cs typeface="Microsoft Himalaya" pitchFamily="2" charset="0"/>
+            </a:endParaRPr>
+          </a:p>
+        </p:txBody>
+      </p:sp>
+      <p:sp>
+        <p:nvSpPr>
+          <p:cNvPr id="32" name="타원 31">
+            <a:extLst>
+              <a:ext uri="{FF2B5EF4-FFF2-40B4-BE49-F238E27FC236}">
+                <a16:creationId xmlns:a16="http://schemas.microsoft.com/office/drawing/2014/main" id="{392C49AD-AF56-39A6-84FA-55E03C057065}"/>
+              </a:ext>
+            </a:extLst>
+          </p:cNvPr>
+          <p:cNvSpPr/>
+          <p:nvPr/>
+        </p:nvSpPr>
+        <p:spPr>
+          <a:xfrm>
+            <a:off x="1531865" y="243724"/>
+            <a:ext cx="9055117" cy="1401639"/>
+          </a:xfrm>
+          <a:prstGeom prst="ellipse">
+            <a:avLst/>
+          </a:prstGeom>
+          <a:noFill/>
+          <a:ln w="19050">
+            <a:solidFill>
+              <a:schemeClr val="tx1"/>
+            </a:solidFill>
+          </a:ln>
+        </p:spPr>
+        <p:style>
+          <a:lnRef idx="2">
+            <a:schemeClr val="accent1">
+              <a:shade val="15000"/>
+            </a:schemeClr>
+          </a:lnRef>
+          <a:fillRef idx="1">
+            <a:schemeClr val="accent1"/>
+          </a:fillRef>
+          <a:effectRef idx="0">
+            <a:schemeClr val="accent1"/>
+          </a:effectRef>
+          <a:fontRef idx="minor">
+            <a:schemeClr val="lt1"/>
+          </a:fontRef>
+        </p:style>
+        <p:txBody>
+          <a:bodyPr rtlCol="0" anchor="ctr"/>
+          <a:lstStyle/>
+          <a:p>
+            <a:pPr algn="ctr"/>
+            <a:endParaRPr kumimoji="1" lang="ko-Kore-KR" altLang="en-US"/>
+          </a:p>
+        </p:txBody>
+      </p:sp>
+      <p:cxnSp>
+        <p:nvCxnSpPr>
+          <p:cNvPr id="33" name="구부러진 연결선[U] 32">
+            <a:extLst>
+              <a:ext uri="{FF2B5EF4-FFF2-40B4-BE49-F238E27FC236}">
+                <a16:creationId xmlns:a16="http://schemas.microsoft.com/office/drawing/2014/main" id="{579C83DA-62B4-E2FF-2491-92B140F10AA0}"/>
+              </a:ext>
+            </a:extLst>
+          </p:cNvPr>
+          <p:cNvCxnSpPr>
+            <a:cxnSpLocks/>
+            <a:stCxn id="29" idx="4"/>
+            <a:endCxn id="32" idx="0"/>
+          </p:cNvCxnSpPr>
+          <p:nvPr/>
+        </p:nvCxnSpPr>
+        <p:spPr>
+          <a:xfrm rot="5400000">
+            <a:off x="6174009" y="-243487"/>
+            <a:ext cx="372626" cy="601796"/>
+          </a:xfrm>
+          <a:prstGeom prst="curvedConnector3">
+            <a:avLst>
+              <a:gd name="adj1" fmla="val 50000"/>
+            </a:avLst>
+          </a:prstGeom>
+          <a:ln w="12700">
+            <a:solidFill>
+              <a:schemeClr val="tx1"/>
+            </a:solidFill>
+          </a:ln>
+        </p:spPr>
+        <p:style>
+          <a:lnRef idx="1">
+            <a:schemeClr val="accent1"/>
+          </a:lnRef>
+          <a:fillRef idx="0">
+            <a:schemeClr val="accent1"/>
+          </a:fillRef>
+          <a:effectRef idx="0">
+            <a:schemeClr val="accent1"/>
+          </a:effectRef>
+          <a:fontRef idx="minor">
+            <a:schemeClr val="tx1"/>
+          </a:fontRef>
+        </p:style>
+      </p:cxnSp>
+      <p:sp>
+        <p:nvSpPr>
+          <p:cNvPr id="34" name="TextBox 33">
+            <a:extLst>
+              <a:ext uri="{FF2B5EF4-FFF2-40B4-BE49-F238E27FC236}">
+                <a16:creationId xmlns:a16="http://schemas.microsoft.com/office/drawing/2014/main" id="{CD99CF95-3D37-9673-31EE-B0449720CA99}"/>
+              </a:ext>
+            </a:extLst>
+          </p:cNvPr>
+          <p:cNvSpPr txBox="1"/>
+          <p:nvPr/>
+        </p:nvSpPr>
+        <p:spPr>
+          <a:xfrm>
+            <a:off x="1436506" y="2333227"/>
+            <a:ext cx="8214246" cy="523220"/>
+          </a:xfrm>
+          <a:prstGeom prst="rect">
+            <a:avLst/>
+          </a:prstGeom>
+          <a:noFill/>
+        </p:spPr>
+        <p:txBody>
+          <a:bodyPr wrap="square" rtlCol="0">
+            <a:spAutoFit/>
+          </a:bodyPr>
+          <a:lstStyle/>
+          <a:p>
+            <a:pPr algn="ctr"/>
+            <a:r>
+              <a:rPr kumimoji="1" lang="en-US" altLang="ko-Kore-KR" sz="2800">
+                <a:cs typeface="Microsoft Himalaya" pitchFamily="2" charset="0"/>
+              </a:rPr>
+              <a:t>Then what we can futher?</a:t>
+            </a:r>
+            <a:endParaRPr kumimoji="1" lang="ko-Kore-KR" altLang="en-US" sz="2800">
+              <a:cs typeface="Microsoft Himalaya" pitchFamily="2" charset="0"/>
+            </a:endParaRPr>
+          </a:p>
+        </p:txBody>
+      </p:sp>
+      <p:sp>
+        <p:nvSpPr>
+          <p:cNvPr id="35" name="타원 34">
+            <a:extLst>
+              <a:ext uri="{FF2B5EF4-FFF2-40B4-BE49-F238E27FC236}">
+                <a16:creationId xmlns:a16="http://schemas.microsoft.com/office/drawing/2014/main" id="{CB64BC28-1D51-130F-2ED3-2E30D44A66E2}"/>
+              </a:ext>
+            </a:extLst>
+          </p:cNvPr>
+          <p:cNvSpPr/>
+          <p:nvPr/>
+        </p:nvSpPr>
+        <p:spPr>
+          <a:xfrm>
+            <a:off x="2896423" y="2062907"/>
+            <a:ext cx="5630743" cy="1147183"/>
+          </a:xfrm>
+          <a:prstGeom prst="ellipse">
+            <a:avLst/>
+          </a:prstGeom>
+          <a:noFill/>
+          <a:ln w="19050">
+            <a:solidFill>
+              <a:schemeClr val="tx1"/>
+            </a:solidFill>
+          </a:ln>
+        </p:spPr>
+        <p:style>
+          <a:lnRef idx="2">
+            <a:schemeClr val="accent1">
+              <a:shade val="15000"/>
+            </a:schemeClr>
+          </a:lnRef>
+          <a:fillRef idx="1">
+            <a:schemeClr val="accent1"/>
+          </a:fillRef>
+          <a:effectRef idx="0">
+            <a:schemeClr val="accent1"/>
+          </a:effectRef>
+          <a:fontRef idx="minor">
+            <a:schemeClr val="lt1"/>
+          </a:fontRef>
+        </p:style>
+        <p:txBody>
+          <a:bodyPr rtlCol="0" anchor="ctr"/>
+          <a:lstStyle/>
+          <a:p>
+            <a:pPr algn="ctr"/>
+            <a:endParaRPr kumimoji="1" lang="ko-Kore-KR" altLang="en-US"/>
+          </a:p>
+        </p:txBody>
+      </p:sp>
+      <p:cxnSp>
+        <p:nvCxnSpPr>
+          <p:cNvPr id="36" name="구부러진 연결선[U] 35">
+            <a:extLst>
+              <a:ext uri="{FF2B5EF4-FFF2-40B4-BE49-F238E27FC236}">
+                <a16:creationId xmlns:a16="http://schemas.microsoft.com/office/drawing/2014/main" id="{B646F417-B9DB-DE06-6E1A-2BEC4CEB2AC0}"/>
+              </a:ext>
+            </a:extLst>
+          </p:cNvPr>
+          <p:cNvCxnSpPr>
+            <a:cxnSpLocks/>
+            <a:stCxn id="32" idx="4"/>
+            <a:endCxn id="35" idx="0"/>
+          </p:cNvCxnSpPr>
+          <p:nvPr/>
+        </p:nvCxnSpPr>
+        <p:spPr>
+          <a:xfrm rot="5400000">
+            <a:off x="5676838" y="1680321"/>
+            <a:ext cx="417544" cy="347629"/>
+          </a:xfrm>
+          <a:prstGeom prst="curvedConnector3">
+            <a:avLst>
+              <a:gd name="adj1" fmla="val 50000"/>
+            </a:avLst>
+          </a:prstGeom>
+          <a:ln w="12700">
+            <a:solidFill>
+              <a:schemeClr val="tx1"/>
+            </a:solidFill>
+          </a:ln>
+        </p:spPr>
+        <p:style>
+          <a:lnRef idx="1">
+            <a:schemeClr val="accent1"/>
+          </a:lnRef>
+          <a:fillRef idx="0">
+            <a:schemeClr val="accent1"/>
+          </a:fillRef>
+          <a:effectRef idx="0">
+            <a:schemeClr val="accent1"/>
+          </a:effectRef>
+          <a:fontRef idx="minor">
+            <a:schemeClr val="tx1"/>
+          </a:fontRef>
+        </p:style>
+      </p:cxnSp>
+      <p:sp>
+        <p:nvSpPr>
+          <p:cNvPr id="41" name="TextBox 40">
+            <a:extLst>
+              <a:ext uri="{FF2B5EF4-FFF2-40B4-BE49-F238E27FC236}">
+                <a16:creationId xmlns:a16="http://schemas.microsoft.com/office/drawing/2014/main" id="{FCC13E05-015C-7227-12B1-26FF9AE63AB5}"/>
+              </a:ext>
+            </a:extLst>
+          </p:cNvPr>
+          <p:cNvSpPr txBox="1"/>
+          <p:nvPr/>
+        </p:nvSpPr>
+        <p:spPr>
+          <a:xfrm>
+            <a:off x="313339" y="3647911"/>
+            <a:ext cx="5737877" cy="954107"/>
+          </a:xfrm>
+          <a:prstGeom prst="rect">
+            <a:avLst/>
+          </a:prstGeom>
+          <a:noFill/>
+        </p:spPr>
+        <p:txBody>
+          <a:bodyPr wrap="square" rtlCol="0">
+            <a:spAutoFit/>
+          </a:bodyPr>
+          <a:lstStyle/>
+          <a:p>
+            <a:pPr algn="ctr"/>
+            <a:r>
+              <a:rPr kumimoji="1" lang="en-US" altLang="ko-Kore-KR" sz="2800">
+                <a:cs typeface="Microsoft Himalaya" pitchFamily="2" charset="0"/>
+              </a:rPr>
+              <a:t>Are ther other aspects to achieving relaxing virtualization?</a:t>
+            </a:r>
+            <a:endParaRPr kumimoji="1" lang="ko-Kore-KR" altLang="en-US" sz="2800">
+              <a:cs typeface="Microsoft Himalaya" pitchFamily="2" charset="0"/>
+            </a:endParaRPr>
+          </a:p>
+        </p:txBody>
+      </p:sp>
+      <p:sp>
+        <p:nvSpPr>
+          <p:cNvPr id="42" name="타원 41">
+            <a:extLst>
+              <a:ext uri="{FF2B5EF4-FFF2-40B4-BE49-F238E27FC236}">
+                <a16:creationId xmlns:a16="http://schemas.microsoft.com/office/drawing/2014/main" id="{3B6F2E6B-8E69-86A3-26CA-1EACFEF96595}"/>
+              </a:ext>
+            </a:extLst>
+          </p:cNvPr>
+          <p:cNvSpPr/>
+          <p:nvPr/>
+        </p:nvSpPr>
+        <p:spPr>
+          <a:xfrm>
+            <a:off x="231503" y="3429000"/>
+            <a:ext cx="5864497" cy="1300655"/>
+          </a:xfrm>
+          <a:prstGeom prst="ellipse">
+            <a:avLst/>
+          </a:prstGeom>
+          <a:noFill/>
+          <a:ln w="19050">
+            <a:solidFill>
+              <a:schemeClr val="tx1"/>
+            </a:solidFill>
+          </a:ln>
+        </p:spPr>
+        <p:style>
+          <a:lnRef idx="2">
+            <a:schemeClr val="accent1">
+              <a:shade val="15000"/>
+            </a:schemeClr>
+          </a:lnRef>
+          <a:fillRef idx="1">
+            <a:schemeClr val="accent1"/>
+          </a:fillRef>
+          <a:effectRef idx="0">
+            <a:schemeClr val="accent1"/>
+          </a:effectRef>
+          <a:fontRef idx="minor">
+            <a:schemeClr val="lt1"/>
+          </a:fontRef>
+        </p:style>
+        <p:txBody>
+          <a:bodyPr rtlCol="0" anchor="ctr"/>
+          <a:lstStyle/>
+          <a:p>
+            <a:pPr algn="ctr"/>
+            <a:endParaRPr kumimoji="1" lang="ko-Kore-KR" altLang="en-US"/>
+          </a:p>
+        </p:txBody>
+      </p:sp>
+      <p:cxnSp>
+        <p:nvCxnSpPr>
+          <p:cNvPr id="43" name="구부러진 연결선[U] 42">
+            <a:extLst>
+              <a:ext uri="{FF2B5EF4-FFF2-40B4-BE49-F238E27FC236}">
+                <a16:creationId xmlns:a16="http://schemas.microsoft.com/office/drawing/2014/main" id="{940FC50D-55A0-3923-05DF-6ACF578E418C}"/>
+              </a:ext>
+            </a:extLst>
+          </p:cNvPr>
+          <p:cNvCxnSpPr>
+            <a:cxnSpLocks/>
+            <a:stCxn id="35" idx="4"/>
+            <a:endCxn id="42" idx="0"/>
+          </p:cNvCxnSpPr>
+          <p:nvPr/>
+        </p:nvCxnSpPr>
+        <p:spPr>
+          <a:xfrm rot="5400000">
+            <a:off x="4328319" y="2045524"/>
+            <a:ext cx="218910" cy="2548043"/>
+          </a:xfrm>
+          <a:prstGeom prst="curvedConnector3">
+            <a:avLst>
+              <a:gd name="adj1" fmla="val 50000"/>
+            </a:avLst>
+          </a:prstGeom>
+          <a:ln w="12700">
+            <a:solidFill>
+              <a:schemeClr val="tx1"/>
+            </a:solidFill>
+          </a:ln>
+        </p:spPr>
+        <p:style>
+          <a:lnRef idx="1">
+            <a:schemeClr val="accent1"/>
+          </a:lnRef>
+          <a:fillRef idx="0">
+            <a:schemeClr val="accent1"/>
+          </a:fillRef>
+          <a:effectRef idx="0">
+            <a:schemeClr val="accent1"/>
+          </a:effectRef>
+          <a:fontRef idx="minor">
+            <a:schemeClr val="tx1"/>
+          </a:fontRef>
+        </p:style>
+      </p:cxnSp>
+      <p:sp>
+        <p:nvSpPr>
+          <p:cNvPr id="46" name="TextBox 45">
+            <a:extLst>
+              <a:ext uri="{FF2B5EF4-FFF2-40B4-BE49-F238E27FC236}">
+                <a16:creationId xmlns:a16="http://schemas.microsoft.com/office/drawing/2014/main" id="{3A6EF266-1487-3E1C-C812-161FC9C28042}"/>
+              </a:ext>
+            </a:extLst>
+          </p:cNvPr>
+          <p:cNvSpPr txBox="1"/>
+          <p:nvPr/>
+        </p:nvSpPr>
+        <p:spPr>
+          <a:xfrm>
+            <a:off x="231503" y="5231557"/>
+            <a:ext cx="5737877" cy="954107"/>
+          </a:xfrm>
+          <a:prstGeom prst="rect">
+            <a:avLst/>
+          </a:prstGeom>
+          <a:noFill/>
+        </p:spPr>
+        <p:txBody>
+          <a:bodyPr wrap="square" rtlCol="0">
+            <a:spAutoFit/>
+          </a:bodyPr>
+          <a:lstStyle/>
+          <a:p>
+            <a:pPr algn="ctr"/>
+            <a:r>
+              <a:rPr kumimoji="1" lang="en-US" altLang="ko-Kore-KR" sz="2800">
+                <a:cs typeface="Microsoft Himalaya" pitchFamily="2" charset="0"/>
+              </a:rPr>
+              <a:t>As ghOSt approached from the aspect of development freedom</a:t>
+            </a:r>
+            <a:endParaRPr kumimoji="1" lang="ko-Kore-KR" altLang="en-US" sz="2800">
+              <a:cs typeface="Microsoft Himalaya" pitchFamily="2" charset="0"/>
+            </a:endParaRPr>
+          </a:p>
+        </p:txBody>
+      </p:sp>
+      <p:sp>
+        <p:nvSpPr>
+          <p:cNvPr id="47" name="타원 46">
+            <a:extLst>
+              <a:ext uri="{FF2B5EF4-FFF2-40B4-BE49-F238E27FC236}">
+                <a16:creationId xmlns:a16="http://schemas.microsoft.com/office/drawing/2014/main" id="{3F9F4454-6A2E-942D-49C7-9709D0E18388}"/>
+              </a:ext>
+            </a:extLst>
+          </p:cNvPr>
+          <p:cNvSpPr/>
+          <p:nvPr/>
+        </p:nvSpPr>
+        <p:spPr>
+          <a:xfrm>
+            <a:off x="104883" y="4917937"/>
+            <a:ext cx="5991117" cy="1460331"/>
+          </a:xfrm>
+          <a:prstGeom prst="ellipse">
+            <a:avLst/>
+          </a:prstGeom>
+          <a:noFill/>
+          <a:ln w="19050">
+            <a:solidFill>
+              <a:schemeClr val="tx1"/>
+            </a:solidFill>
+          </a:ln>
+        </p:spPr>
+        <p:style>
+          <a:lnRef idx="2">
+            <a:schemeClr val="accent1">
+              <a:shade val="15000"/>
+            </a:schemeClr>
+          </a:lnRef>
+          <a:fillRef idx="1">
+            <a:schemeClr val="accent1"/>
+          </a:fillRef>
+          <a:effectRef idx="0">
+            <a:schemeClr val="accent1"/>
+          </a:effectRef>
+          <a:fontRef idx="minor">
+            <a:schemeClr val="lt1"/>
+          </a:fontRef>
+        </p:style>
+        <p:txBody>
+          <a:bodyPr rtlCol="0" anchor="ctr"/>
+          <a:lstStyle/>
+          <a:p>
+            <a:pPr algn="ctr"/>
+            <a:endParaRPr kumimoji="1" lang="ko-Kore-KR" altLang="en-US"/>
+          </a:p>
+        </p:txBody>
+      </p:sp>
+      <p:cxnSp>
+        <p:nvCxnSpPr>
+          <p:cNvPr id="48" name="구부러진 연결선[U] 47">
+            <a:extLst>
+              <a:ext uri="{FF2B5EF4-FFF2-40B4-BE49-F238E27FC236}">
+                <a16:creationId xmlns:a16="http://schemas.microsoft.com/office/drawing/2014/main" id="{4F211501-2131-A7BF-31CB-1CF5BE3CC6C4}"/>
+              </a:ext>
+            </a:extLst>
+          </p:cNvPr>
+          <p:cNvCxnSpPr>
+            <a:cxnSpLocks/>
+            <a:stCxn id="42" idx="4"/>
+            <a:endCxn id="47" idx="0"/>
+          </p:cNvCxnSpPr>
+          <p:nvPr/>
+        </p:nvCxnSpPr>
+        <p:spPr>
+          <a:xfrm rot="5400000">
+            <a:off x="3037956" y="4792141"/>
+            <a:ext cx="188282" cy="63310"/>
+          </a:xfrm>
+          <a:prstGeom prst="curvedConnector3">
+            <a:avLst>
+              <a:gd name="adj1" fmla="val 50000"/>
+            </a:avLst>
+          </a:prstGeom>
+          <a:ln w="12700">
+            <a:solidFill>
+              <a:schemeClr val="tx1"/>
+            </a:solidFill>
+          </a:ln>
+        </p:spPr>
+        <p:style>
+          <a:lnRef idx="1">
+            <a:schemeClr val="accent1"/>
+          </a:lnRef>
+          <a:fillRef idx="0">
+            <a:schemeClr val="accent1"/>
+          </a:fillRef>
+          <a:effectRef idx="0">
+            <a:schemeClr val="accent1"/>
+          </a:effectRef>
+          <a:fontRef idx="minor">
+            <a:schemeClr val="tx1"/>
+          </a:fontRef>
+        </p:style>
+      </p:cxnSp>
+    </p:spTree>
+    <p:extLst>
+      <p:ext uri="{BB962C8B-B14F-4D97-AF65-F5344CB8AC3E}">
+        <p14:creationId xmlns:p14="http://schemas.microsoft.com/office/powerpoint/2010/main" val="2755833984"/>
+      </p:ext>
+    </p:extLst>
+  </p:cSld>
+  <p:clrMapOvr>
+    <a:masterClrMapping/>
+  </p:clrMapOvr>
+  <mc:AlternateContent xmlns:mc="http://schemas.openxmlformats.org/markup-compatibility/2006" xmlns:p159="http://schemas.microsoft.com/office/powerpoint/2015/09/main">
+    <mc:Choice Requires="p159">
+      <p:transition spd="slow" advClick="0">
+        <p159:morph option="byObject"/>
+      </p:transition>
+    </mc:Choice>
+    <mc:Fallback xmlns="">
       <p:transition spd="slow" advClick="0">
         <p:fade/>
       </p:transition>

--- a/operating_system/ghOSt/ghOSt.pptx
+++ b/operating_system/ghOSt/ghOSt.pptx
@@ -267,7 +267,7 @@
           <a:p>
             <a:fld id="{D2C610EC-66C9-CB43-8861-5B5E0416F5DC}" type="datetimeFigureOut">
               <a:rPr lang="en-US" altLang="ko-Kore-KR"/>
-              <a:t>12/28/23</a:t>
+              <a:t>12/29/23</a:t>
             </a:fld>
             <a:endParaRPr kumimoji="1" lang="ko-Kore-KR" altLang="en-US"/>
           </a:p>
@@ -437,7 +437,7 @@
           <a:p>
             <a:fld id="{D2C610EC-66C9-CB43-8861-5B5E0416F5DC}" type="datetimeFigureOut">
               <a:rPr lang="en-US" altLang="ko-Kore-KR"/>
-              <a:t>12/28/23</a:t>
+              <a:t>12/29/23</a:t>
             </a:fld>
             <a:endParaRPr kumimoji="1" lang="ko-Kore-KR" altLang="en-US"/>
           </a:p>
@@ -617,7 +617,7 @@
           <a:p>
             <a:fld id="{D2C610EC-66C9-CB43-8861-5B5E0416F5DC}" type="datetimeFigureOut">
               <a:rPr lang="en-US" altLang="ko-Kore-KR"/>
-              <a:t>12/28/23</a:t>
+              <a:t>12/29/23</a:t>
             </a:fld>
             <a:endParaRPr kumimoji="1" lang="ko-Kore-KR" altLang="en-US"/>
           </a:p>
@@ -787,7 +787,7 @@
           <a:p>
             <a:fld id="{D2C610EC-66C9-CB43-8861-5B5E0416F5DC}" type="datetimeFigureOut">
               <a:rPr lang="en-US" altLang="ko-Kore-KR"/>
-              <a:t>12/28/23</a:t>
+              <a:t>12/29/23</a:t>
             </a:fld>
             <a:endParaRPr kumimoji="1" lang="ko-Kore-KR" altLang="en-US"/>
           </a:p>
@@ -1033,7 +1033,7 @@
           <a:p>
             <a:fld id="{D2C610EC-66C9-CB43-8861-5B5E0416F5DC}" type="datetimeFigureOut">
               <a:rPr lang="en-US" altLang="ko-Kore-KR"/>
-              <a:t>12/28/23</a:t>
+              <a:t>12/29/23</a:t>
             </a:fld>
             <a:endParaRPr kumimoji="1" lang="ko-Kore-KR" altLang="en-US"/>
           </a:p>
@@ -1265,7 +1265,7 @@
           <a:p>
             <a:fld id="{D2C610EC-66C9-CB43-8861-5B5E0416F5DC}" type="datetimeFigureOut">
               <a:rPr lang="en-US" altLang="ko-Kore-KR"/>
-              <a:t>12/28/23</a:t>
+              <a:t>12/29/23</a:t>
             </a:fld>
             <a:endParaRPr kumimoji="1" lang="ko-Kore-KR" altLang="en-US"/>
           </a:p>
@@ -1632,7 +1632,7 @@
           <a:p>
             <a:fld id="{D2C610EC-66C9-CB43-8861-5B5E0416F5DC}" type="datetimeFigureOut">
               <a:rPr lang="en-US" altLang="ko-Kore-KR"/>
-              <a:t>12/28/23</a:t>
+              <a:t>12/29/23</a:t>
             </a:fld>
             <a:endParaRPr kumimoji="1" lang="ko-Kore-KR" altLang="en-US"/>
           </a:p>
@@ -1750,7 +1750,7 @@
           <a:p>
             <a:fld id="{D2C610EC-66C9-CB43-8861-5B5E0416F5DC}" type="datetimeFigureOut">
               <a:rPr lang="en-US" altLang="ko-Kore-KR"/>
-              <a:t>12/28/23</a:t>
+              <a:t>12/29/23</a:t>
             </a:fld>
             <a:endParaRPr kumimoji="1" lang="ko-Kore-KR" altLang="en-US"/>
           </a:p>
@@ -1845,7 +1845,7 @@
           <a:p>
             <a:fld id="{D2C610EC-66C9-CB43-8861-5B5E0416F5DC}" type="datetimeFigureOut">
               <a:rPr lang="en-US" altLang="ko-Kore-KR"/>
-              <a:t>12/28/23</a:t>
+              <a:t>12/29/23</a:t>
             </a:fld>
             <a:endParaRPr kumimoji="1" lang="ko-Kore-KR" altLang="en-US"/>
           </a:p>
@@ -2122,7 +2122,7 @@
           <a:p>
             <a:fld id="{D2C610EC-66C9-CB43-8861-5B5E0416F5DC}" type="datetimeFigureOut">
               <a:rPr lang="en-US" altLang="ko-Kore-KR"/>
-              <a:t>12/28/23</a:t>
+              <a:t>12/29/23</a:t>
             </a:fld>
             <a:endParaRPr kumimoji="1" lang="ko-Kore-KR" altLang="en-US"/>
           </a:p>
@@ -2379,7 +2379,7 @@
           <a:p>
             <a:fld id="{D2C610EC-66C9-CB43-8861-5B5E0416F5DC}" type="datetimeFigureOut">
               <a:rPr lang="en-US" altLang="ko-Kore-KR"/>
-              <a:t>12/28/23</a:t>
+              <a:t>12/29/23</a:t>
             </a:fld>
             <a:endParaRPr kumimoji="1" lang="ko-Kore-KR" altLang="en-US"/>
           </a:p>
@@ -2592,7 +2592,7 @@
           <a:p>
             <a:fld id="{D2C610EC-66C9-CB43-8861-5B5E0416F5DC}" type="datetimeFigureOut">
               <a:rPr lang="en-US" altLang="ko-Kore-KR"/>
-              <a:t>12/28/23</a:t>
+              <a:t>12/29/23</a:t>
             </a:fld>
             <a:endParaRPr kumimoji="1" lang="ko-Kore-KR" altLang="en-US"/>
           </a:p>
@@ -25086,7 +25086,7 @@
               <a:rPr kumimoji="1" lang="en-US" altLang="ko-Kore-KR" sz="2800">
                 <a:cs typeface="Microsoft Himalaya" pitchFamily="2" charset="0"/>
               </a:rPr>
-              <a:t>Are ther other aspects to achieving relaxing virtualization?</a:t>
+              <a:t>Are there other aspects to achieving relaxing virtualization?</a:t>
             </a:r>
             <a:endParaRPr kumimoji="1" lang="ko-Kore-KR" altLang="en-US" sz="2800">
               <a:cs typeface="Microsoft Himalaya" pitchFamily="2" charset="0"/>

--- a/operating_system/ghOSt/ghOSt.pptx
+++ b/operating_system/ghOSt/ghOSt.pptx
@@ -7203,7 +7203,7 @@
               <a:rPr kumimoji="1" lang="en-US" altLang="ko-Kore-KR" sz="2800">
                 <a:cs typeface="Microsoft Himalaya" pitchFamily="2" charset="0"/>
               </a:rPr>
-              <a:t>Fundamentally, the ghOSt relaxes restrictions in terms of CPU virtualization, expanding user’s development design freedom</a:t>
+              <a:t>Fundamentally, the ghOSt relaxes abstraction of CPU virtualization, expanding user’s development design freedom</a:t>
             </a:r>
             <a:endParaRPr kumimoji="1" lang="ko-Kore-KR" altLang="en-US" sz="2800">
               <a:cs typeface="Microsoft Himalaya" pitchFamily="2" charset="0"/>
@@ -8225,7 +8225,7 @@
               <a:rPr kumimoji="1" lang="en-US" altLang="ko-Kore-KR" sz="2800">
                 <a:cs typeface="Microsoft Himalaya" pitchFamily="2" charset="0"/>
               </a:rPr>
-              <a:t>Fundamentally, the ghOSt relaxes restrictions in terms of CPU virtualization, expanding user’s development design freedom</a:t>
+              <a:t>Fundamentally, the ghOSt relaxes abstraction of CPU virtualization, expanding user’s development design freedom</a:t>
             </a:r>
             <a:endParaRPr kumimoji="1" lang="ko-Kore-KR" altLang="en-US" sz="2800">
               <a:cs typeface="Microsoft Himalaya" pitchFamily="2" charset="0"/>
@@ -9247,7 +9247,7 @@
               <a:rPr kumimoji="1" lang="en-US" altLang="ko-Kore-KR" sz="2800">
                 <a:cs typeface="Microsoft Himalaya" pitchFamily="2" charset="0"/>
               </a:rPr>
-              <a:t>Fundamentally, the ghOSt relaxes restrictions in terms of CPU virtualization, expanding user’s development design freedom</a:t>
+              <a:t>Fundamentally, the ghOSt relaxes abstraction of CPU virtualization, expanding user’s development design freedom</a:t>
             </a:r>
             <a:endParaRPr kumimoji="1" lang="ko-Kore-KR" altLang="en-US" sz="2800">
               <a:cs typeface="Microsoft Himalaya" pitchFamily="2" charset="0"/>
@@ -10409,7 +10409,7 @@
               <a:rPr kumimoji="1" lang="en-US" altLang="ko-Kore-KR" sz="2800">
                 <a:cs typeface="Microsoft Himalaya" pitchFamily="2" charset="0"/>
               </a:rPr>
-              <a:t>Fundamentally, the ghOSt relaxes restrictions in terms of CPU virtualization, expanding user’s development design freedom</a:t>
+              <a:t>Fundamentally, the ghOSt relaxes abstraction of CPU virtualization, expanding user’s development design freedom</a:t>
             </a:r>
             <a:endParaRPr kumimoji="1" lang="ko-Kore-KR" altLang="en-US" sz="2800">
               <a:cs typeface="Microsoft Himalaya" pitchFamily="2" charset="0"/>
@@ -11711,7 +11711,7 @@
               <a:rPr kumimoji="1" lang="en-US" altLang="ko-Kore-KR" sz="2800">
                 <a:cs typeface="Microsoft Himalaya" pitchFamily="2" charset="0"/>
               </a:rPr>
-              <a:t>Fundamentally, the ghOSt relaxes restrictions in terms of CPU virtualization, expanding user’s development design freedom</a:t>
+              <a:t>Fundamentally, the ghOSt relaxes abstraction of CPU virtualization, expanding user’s development design freedom</a:t>
             </a:r>
             <a:endParaRPr kumimoji="1" lang="ko-Kore-KR" altLang="en-US" sz="2800">
               <a:cs typeface="Microsoft Himalaya" pitchFamily="2" charset="0"/>
@@ -13013,7 +13013,7 @@
               <a:rPr kumimoji="1" lang="en-US" altLang="ko-Kore-KR" sz="2800">
                 <a:cs typeface="Microsoft Himalaya" pitchFamily="2" charset="0"/>
               </a:rPr>
-              <a:t>Fundamentally, the ghOSt relaxes restrictions in terms of CPU virtualization, expanding user’s development design freedom</a:t>
+              <a:t>Fundamentally, the ghOSt relaxes abstraction of CPU virtualization, expanding user’s development design freedom</a:t>
             </a:r>
             <a:endParaRPr kumimoji="1" lang="ko-Kore-KR" altLang="en-US" sz="2800">
               <a:cs typeface="Microsoft Himalaya" pitchFamily="2" charset="0"/>
@@ -14315,7 +14315,7 @@
               <a:rPr kumimoji="1" lang="en-US" altLang="ko-Kore-KR" sz="2800">
                 <a:cs typeface="Microsoft Himalaya" pitchFamily="2" charset="0"/>
               </a:rPr>
-              <a:t>Fundamentally, the ghOSt relaxes restrictions in terms of CPU virtualization, expanding user’s development design freedom</a:t>
+              <a:t>Fundamentally, the ghOSt relaxes abstraction of CPU virtualization, expanding user’s development design freedom</a:t>
             </a:r>
             <a:endParaRPr kumimoji="1" lang="ko-Kore-KR" altLang="en-US" sz="2800">
               <a:cs typeface="Microsoft Himalaya" pitchFamily="2" charset="0"/>
@@ -16050,7 +16050,7 @@
               <a:rPr kumimoji="1" lang="en-US" altLang="ko-Kore-KR" sz="2800">
                 <a:cs typeface="Microsoft Himalaya" pitchFamily="2" charset="0"/>
               </a:rPr>
-              <a:t>Fundamentally, the ghOSt relaxes restrictions in terms of CPU virtualization, expanding user’s development design freedom</a:t>
+              <a:t>Fundamentally, the ghOSt relaxes abstraction of CPU virtualization, expanding user’s development design freedom</a:t>
             </a:r>
             <a:endParaRPr kumimoji="1" lang="ko-Kore-KR" altLang="en-US" sz="2800">
               <a:cs typeface="Microsoft Himalaya" pitchFamily="2" charset="0"/>
@@ -18338,7 +18338,7 @@
               <a:rPr kumimoji="1" lang="en-US" altLang="ko-Kore-KR" sz="2800">
                 <a:cs typeface="Microsoft Himalaya" pitchFamily="2" charset="0"/>
               </a:rPr>
-              <a:t>Fundamentally, the ghOSt relaxes restrictions in terms of CPU virtualization, expanding user’s development design freedom</a:t>
+              <a:t>Fundamentally, the ghOSt relaxes abstraction of CPU virtualization, expanding user’s development design freedom</a:t>
             </a:r>
             <a:endParaRPr kumimoji="1" lang="ko-Kore-KR" altLang="en-US" sz="2800">
               <a:cs typeface="Microsoft Himalaya" pitchFamily="2" charset="0"/>
@@ -19640,7 +19640,7 @@
               <a:rPr kumimoji="1" lang="en-US" altLang="ko-Kore-KR" sz="2800">
                 <a:cs typeface="Microsoft Himalaya" pitchFamily="2" charset="0"/>
               </a:rPr>
-              <a:t>Fundamentally, the ghOSt relaxes restrictions in terms of CPU virtualization, expanding user’s development design freedom</a:t>
+              <a:t>Fundamentally, the ghOSt relaxes abstraction of CPU virtualization, expanding user’s development design freedom</a:t>
             </a:r>
             <a:endParaRPr kumimoji="1" lang="ko-Kore-KR" altLang="en-US" sz="2800">
               <a:cs typeface="Microsoft Himalaya" pitchFamily="2" charset="0"/>
@@ -21082,7 +21082,7 @@
               <a:rPr kumimoji="1" lang="en-US" altLang="ko-Kore-KR" sz="2800">
                 <a:cs typeface="Microsoft Himalaya" pitchFamily="2" charset="0"/>
               </a:rPr>
-              <a:t>Fundamentally, the ghOSt relaxes restrictions in terms of CPU virtualization, expanding user’s development design freedom</a:t>
+              <a:t>Fundamentally, the ghOSt relaxes abstraction of CPU virtualization, expanding user’s development design freedom</a:t>
             </a:r>
             <a:endParaRPr kumimoji="1" lang="ko-Kore-KR" altLang="en-US" sz="2800">
               <a:cs typeface="Microsoft Himalaya" pitchFamily="2" charset="0"/>
@@ -22664,7 +22664,7 @@
               <a:rPr kumimoji="1" lang="en-US" altLang="ko-Kore-KR" sz="2800">
                 <a:cs typeface="Microsoft Himalaya" pitchFamily="2" charset="0"/>
               </a:rPr>
-              <a:t>Fundamentally, the ghOSt relaxes restrictions in terms of CPU virtualization, expanding user’s development design freedom</a:t>
+              <a:t>Fundamentally, the ghOSt relaxes abstraction of CPU virtualization, expanding user’s development design freedom</a:t>
             </a:r>
             <a:endParaRPr kumimoji="1" lang="ko-Kore-KR" altLang="en-US" sz="2800">
               <a:cs typeface="Microsoft Himalaya" pitchFamily="2" charset="0"/>
@@ -24246,7 +24246,7 @@
               <a:rPr kumimoji="1" lang="en-US" altLang="ko-Kore-KR" sz="2800">
                 <a:cs typeface="Microsoft Himalaya" pitchFamily="2" charset="0"/>
               </a:rPr>
-              <a:t>Fundamentally, the ghOSt relaxes restrictions in terms of CPU virtualization, expanding user’s development design freedom</a:t>
+              <a:t>Fundamentally, the ghOSt relaxes abstraction of CPU virtualization, expanding user’s development design freedom</a:t>
             </a:r>
             <a:endParaRPr kumimoji="1" lang="ko-Kore-KR" altLang="en-US" sz="2800">
               <a:cs typeface="Microsoft Himalaya" pitchFamily="2" charset="0"/>

--- a/operating_system/ghOSt/ghOSt.pptx
+++ b/operating_system/ghOSt/ghOSt.pptx
@@ -7203,7 +7203,7 @@
               <a:rPr kumimoji="1" lang="en-US" altLang="ko-Kore-KR" sz="2800">
                 <a:cs typeface="Microsoft Himalaya" pitchFamily="2" charset="0"/>
               </a:rPr>
-              <a:t>Fundamentally, the ghOSt relaxes abstraction of CPU virtualization, expanding user’s development design freedom</a:t>
+              <a:t>Fundamentally, the ghOSt releases CPU virtualization methods, expanding user’s development design freedom</a:t>
             </a:r>
             <a:endParaRPr kumimoji="1" lang="ko-Kore-KR" altLang="en-US" sz="2800">
               <a:cs typeface="Microsoft Himalaya" pitchFamily="2" charset="0"/>
@@ -8225,7 +8225,7 @@
               <a:rPr kumimoji="1" lang="en-US" altLang="ko-Kore-KR" sz="2800">
                 <a:cs typeface="Microsoft Himalaya" pitchFamily="2" charset="0"/>
               </a:rPr>
-              <a:t>Fundamentally, the ghOSt relaxes abstraction of CPU virtualization, expanding user’s development design freedom</a:t>
+              <a:t>Fundamentally, the ghOSt releases CPU virtualization methods, expanding user’s development design freedom</a:t>
             </a:r>
             <a:endParaRPr kumimoji="1" lang="ko-Kore-KR" altLang="en-US" sz="2800">
               <a:cs typeface="Microsoft Himalaya" pitchFamily="2" charset="0"/>
@@ -9247,7 +9247,7 @@
               <a:rPr kumimoji="1" lang="en-US" altLang="ko-Kore-KR" sz="2800">
                 <a:cs typeface="Microsoft Himalaya" pitchFamily="2" charset="0"/>
               </a:rPr>
-              <a:t>Fundamentally, the ghOSt relaxes abstraction of CPU virtualization, expanding user’s development design freedom</a:t>
+              <a:t>Fundamentally, the ghOSt releases CPU virtualization methods, expanding user’s development design freedom</a:t>
             </a:r>
             <a:endParaRPr kumimoji="1" lang="ko-Kore-KR" altLang="en-US" sz="2800">
               <a:cs typeface="Microsoft Himalaya" pitchFamily="2" charset="0"/>
@@ -10409,7 +10409,7 @@
               <a:rPr kumimoji="1" lang="en-US" altLang="ko-Kore-KR" sz="2800">
                 <a:cs typeface="Microsoft Himalaya" pitchFamily="2" charset="0"/>
               </a:rPr>
-              <a:t>Fundamentally, the ghOSt relaxes abstraction of CPU virtualization, expanding user’s development design freedom</a:t>
+              <a:t>Fundamentally, the ghOSt releases CPU virtualization methods, expanding user’s development design freedom</a:t>
             </a:r>
             <a:endParaRPr kumimoji="1" lang="ko-Kore-KR" altLang="en-US" sz="2800">
               <a:cs typeface="Microsoft Himalaya" pitchFamily="2" charset="0"/>
@@ -11711,7 +11711,7 @@
               <a:rPr kumimoji="1" lang="en-US" altLang="ko-Kore-KR" sz="2800">
                 <a:cs typeface="Microsoft Himalaya" pitchFamily="2" charset="0"/>
               </a:rPr>
-              <a:t>Fundamentally, the ghOSt relaxes abstraction of CPU virtualization, expanding user’s development design freedom</a:t>
+              <a:t>Fundamentally, the ghOSt releases CPU virtualization methods, expanding user’s development design freedom</a:t>
             </a:r>
             <a:endParaRPr kumimoji="1" lang="ko-Kore-KR" altLang="en-US" sz="2800">
               <a:cs typeface="Microsoft Himalaya" pitchFamily="2" charset="0"/>
@@ -13013,7 +13013,7 @@
               <a:rPr kumimoji="1" lang="en-US" altLang="ko-Kore-KR" sz="2800">
                 <a:cs typeface="Microsoft Himalaya" pitchFamily="2" charset="0"/>
               </a:rPr>
-              <a:t>Fundamentally, the ghOSt relaxes abstraction of CPU virtualization, expanding user’s development design freedom</a:t>
+              <a:t>Fundamentally, the ghOSt releases CPU virtualization methods, expanding user’s development design freedom</a:t>
             </a:r>
             <a:endParaRPr kumimoji="1" lang="ko-Kore-KR" altLang="en-US" sz="2800">
               <a:cs typeface="Microsoft Himalaya" pitchFamily="2" charset="0"/>
@@ -14315,7 +14315,7 @@
               <a:rPr kumimoji="1" lang="en-US" altLang="ko-Kore-KR" sz="2800">
                 <a:cs typeface="Microsoft Himalaya" pitchFamily="2" charset="0"/>
               </a:rPr>
-              <a:t>Fundamentally, the ghOSt relaxes abstraction of CPU virtualization, expanding user’s development design freedom</a:t>
+              <a:t>Fundamentally, the ghOSt releases CPU virtualization methods, expanding user’s development design freedom</a:t>
             </a:r>
             <a:endParaRPr kumimoji="1" lang="ko-Kore-KR" altLang="en-US" sz="2800">
               <a:cs typeface="Microsoft Himalaya" pitchFamily="2" charset="0"/>
@@ -16050,7 +16050,7 @@
               <a:rPr kumimoji="1" lang="en-US" altLang="ko-Kore-KR" sz="2800">
                 <a:cs typeface="Microsoft Himalaya" pitchFamily="2" charset="0"/>
               </a:rPr>
-              <a:t>Fundamentally, the ghOSt relaxes abstraction of CPU virtualization, expanding user’s development design freedom</a:t>
+              <a:t>Fundamentally, the ghOSt releases CPU virtualization methods, expanding user’s development design freedom</a:t>
             </a:r>
             <a:endParaRPr kumimoji="1" lang="ko-Kore-KR" altLang="en-US" sz="2800">
               <a:cs typeface="Microsoft Himalaya" pitchFamily="2" charset="0"/>
@@ -18338,7 +18338,7 @@
               <a:rPr kumimoji="1" lang="en-US" altLang="ko-Kore-KR" sz="2800">
                 <a:cs typeface="Microsoft Himalaya" pitchFamily="2" charset="0"/>
               </a:rPr>
-              <a:t>Fundamentally, the ghOSt relaxes abstraction of CPU virtualization, expanding user’s development design freedom</a:t>
+              <a:t>Fundamentally, the ghOSt releases CPU virtualization methods, expanding user’s development design freedom</a:t>
             </a:r>
             <a:endParaRPr kumimoji="1" lang="ko-Kore-KR" altLang="en-US" sz="2800">
               <a:cs typeface="Microsoft Himalaya" pitchFamily="2" charset="0"/>
@@ -19640,7 +19640,7 @@
               <a:rPr kumimoji="1" lang="en-US" altLang="ko-Kore-KR" sz="2800">
                 <a:cs typeface="Microsoft Himalaya" pitchFamily="2" charset="0"/>
               </a:rPr>
-              <a:t>Fundamentally, the ghOSt relaxes abstraction of CPU virtualization, expanding user’s development design freedom</a:t>
+              <a:t>Fundamentally, the ghOSt releases CPU virtualization methods, expanding user’s development design freedom</a:t>
             </a:r>
             <a:endParaRPr kumimoji="1" lang="ko-Kore-KR" altLang="en-US" sz="2800">
               <a:cs typeface="Microsoft Himalaya" pitchFamily="2" charset="0"/>
@@ -20060,7 +20060,7 @@
               <a:rPr kumimoji="1" lang="en-US" altLang="ko-Kore-KR" sz="2800">
                 <a:cs typeface="Microsoft Himalaya" pitchFamily="2" charset="0"/>
               </a:rPr>
-              <a:t>All these things are focusing on relaxing CPU virtualization itself</a:t>
+              <a:t>All these things are focusing on releasing CPU virtualization method itself</a:t>
             </a:r>
             <a:endParaRPr kumimoji="1" lang="ko-Kore-KR" altLang="en-US" sz="2800">
               <a:cs typeface="Microsoft Himalaya" pitchFamily="2" charset="0"/>
@@ -21082,7 +21082,7 @@
               <a:rPr kumimoji="1" lang="en-US" altLang="ko-Kore-KR" sz="2800">
                 <a:cs typeface="Microsoft Himalaya" pitchFamily="2" charset="0"/>
               </a:rPr>
-              <a:t>Fundamentally, the ghOSt relaxes abstraction of CPU virtualization, expanding user’s development design freedom</a:t>
+              <a:t>Fundamentally, the ghOSt releases CPU virtualization methods, expanding user’s development design freedom</a:t>
             </a:r>
             <a:endParaRPr kumimoji="1" lang="ko-Kore-KR" altLang="en-US" sz="2800">
               <a:cs typeface="Microsoft Himalaya" pitchFamily="2" charset="0"/>
@@ -21502,7 +21502,7 @@
               <a:rPr kumimoji="1" lang="en-US" altLang="ko-Kore-KR" sz="2800">
                 <a:cs typeface="Microsoft Himalaya" pitchFamily="2" charset="0"/>
               </a:rPr>
-              <a:t>All these things are focusing on relaxing CPU virtualization itself</a:t>
+              <a:t>All these things are focusing on releasing CPU virtualization method itself</a:t>
             </a:r>
             <a:endParaRPr kumimoji="1" lang="ko-Kore-KR" altLang="en-US" sz="2800">
               <a:cs typeface="Microsoft Himalaya" pitchFamily="2" charset="0"/>
@@ -22664,7 +22664,7 @@
               <a:rPr kumimoji="1" lang="en-US" altLang="ko-Kore-KR" sz="2800">
                 <a:cs typeface="Microsoft Himalaya" pitchFamily="2" charset="0"/>
               </a:rPr>
-              <a:t>Fundamentally, the ghOSt relaxes abstraction of CPU virtualization, expanding user’s development design freedom</a:t>
+              <a:t>Fundamentally, the ghOSt releases CPU virtualization methods, expanding user’s development design freedom</a:t>
             </a:r>
             <a:endParaRPr kumimoji="1" lang="ko-Kore-KR" altLang="en-US" sz="2800">
               <a:cs typeface="Microsoft Himalaya" pitchFamily="2" charset="0"/>
@@ -23084,7 +23084,7 @@
               <a:rPr kumimoji="1" lang="en-US" altLang="ko-Kore-KR" sz="2800">
                 <a:cs typeface="Microsoft Himalaya" pitchFamily="2" charset="0"/>
               </a:rPr>
-              <a:t>All these things are focusing on relaxing CPU virtualization itself</a:t>
+              <a:t>All these things are focusing on releasing CPU virtualization method itself</a:t>
             </a:r>
             <a:endParaRPr kumimoji="1" lang="ko-Kore-KR" altLang="en-US" sz="2800">
               <a:cs typeface="Microsoft Himalaya" pitchFamily="2" charset="0"/>
@@ -24246,7 +24246,7 @@
               <a:rPr kumimoji="1" lang="en-US" altLang="ko-Kore-KR" sz="2800">
                 <a:cs typeface="Microsoft Himalaya" pitchFamily="2" charset="0"/>
               </a:rPr>
-              <a:t>Fundamentally, the ghOSt relaxes abstraction of CPU virtualization, expanding user’s development design freedom</a:t>
+              <a:t>Fundamentally, the ghOSt releases CPU virtualization methods, expanding user’s development design freedom</a:t>
             </a:r>
             <a:endParaRPr kumimoji="1" lang="ko-Kore-KR" altLang="en-US" sz="2800">
               <a:cs typeface="Microsoft Himalaya" pitchFamily="2" charset="0"/>
@@ -24666,7 +24666,7 @@
               <a:rPr kumimoji="1" lang="en-US" altLang="ko-Kore-KR" sz="2800">
                 <a:cs typeface="Microsoft Himalaya" pitchFamily="2" charset="0"/>
               </a:rPr>
-              <a:t>All these things are focusing on relaxing CPU virtualization itself</a:t>
+              <a:t>All these things are focusing on releasing CPU virtualization method itself</a:t>
             </a:r>
             <a:endParaRPr kumimoji="1" lang="ko-Kore-KR" altLang="en-US" sz="2800">
               <a:cs typeface="Microsoft Himalaya" pitchFamily="2" charset="0"/>
@@ -25086,7 +25086,7 @@
               <a:rPr kumimoji="1" lang="en-US" altLang="ko-Kore-KR" sz="2800">
                 <a:cs typeface="Microsoft Himalaya" pitchFamily="2" charset="0"/>
               </a:rPr>
-              <a:t>Are there other aspects to achieving relaxing virtualization?</a:t>
+              <a:t>Are there other aspects to achieving releasing virtualization method?</a:t>
             </a:r>
             <a:endParaRPr kumimoji="1" lang="ko-Kore-KR" altLang="en-US" sz="2800">
               <a:cs typeface="Microsoft Himalaya" pitchFamily="2" charset="0"/>

--- a/operating_system/ghOSt/ghOSt.pptx
+++ b/operating_system/ghOSt/ghOSt.pptx
@@ -267,7 +267,7 @@
           <a:p>
             <a:fld id="{D2C610EC-66C9-CB43-8861-5B5E0416F5DC}" type="datetimeFigureOut">
               <a:rPr lang="en-US" altLang="ko-Kore-KR"/>
-              <a:t>12/29/23</a:t>
+              <a:t>12/30/23</a:t>
             </a:fld>
             <a:endParaRPr kumimoji="1" lang="ko-Kore-KR" altLang="en-US"/>
           </a:p>
@@ -437,7 +437,7 @@
           <a:p>
             <a:fld id="{D2C610EC-66C9-CB43-8861-5B5E0416F5DC}" type="datetimeFigureOut">
               <a:rPr lang="en-US" altLang="ko-Kore-KR"/>
-              <a:t>12/29/23</a:t>
+              <a:t>12/30/23</a:t>
             </a:fld>
             <a:endParaRPr kumimoji="1" lang="ko-Kore-KR" altLang="en-US"/>
           </a:p>
@@ -617,7 +617,7 @@
           <a:p>
             <a:fld id="{D2C610EC-66C9-CB43-8861-5B5E0416F5DC}" type="datetimeFigureOut">
               <a:rPr lang="en-US" altLang="ko-Kore-KR"/>
-              <a:t>12/29/23</a:t>
+              <a:t>12/30/23</a:t>
             </a:fld>
             <a:endParaRPr kumimoji="1" lang="ko-Kore-KR" altLang="en-US"/>
           </a:p>
@@ -787,7 +787,7 @@
           <a:p>
             <a:fld id="{D2C610EC-66C9-CB43-8861-5B5E0416F5DC}" type="datetimeFigureOut">
               <a:rPr lang="en-US" altLang="ko-Kore-KR"/>
-              <a:t>12/29/23</a:t>
+              <a:t>12/30/23</a:t>
             </a:fld>
             <a:endParaRPr kumimoji="1" lang="ko-Kore-KR" altLang="en-US"/>
           </a:p>
@@ -1033,7 +1033,7 @@
           <a:p>
             <a:fld id="{D2C610EC-66C9-CB43-8861-5B5E0416F5DC}" type="datetimeFigureOut">
               <a:rPr lang="en-US" altLang="ko-Kore-KR"/>
-              <a:t>12/29/23</a:t>
+              <a:t>12/30/23</a:t>
             </a:fld>
             <a:endParaRPr kumimoji="1" lang="ko-Kore-KR" altLang="en-US"/>
           </a:p>
@@ -1265,7 +1265,7 @@
           <a:p>
             <a:fld id="{D2C610EC-66C9-CB43-8861-5B5E0416F5DC}" type="datetimeFigureOut">
               <a:rPr lang="en-US" altLang="ko-Kore-KR"/>
-              <a:t>12/29/23</a:t>
+              <a:t>12/30/23</a:t>
             </a:fld>
             <a:endParaRPr kumimoji="1" lang="ko-Kore-KR" altLang="en-US"/>
           </a:p>
@@ -1632,7 +1632,7 @@
           <a:p>
             <a:fld id="{D2C610EC-66C9-CB43-8861-5B5E0416F5DC}" type="datetimeFigureOut">
               <a:rPr lang="en-US" altLang="ko-Kore-KR"/>
-              <a:t>12/29/23</a:t>
+              <a:t>12/30/23</a:t>
             </a:fld>
             <a:endParaRPr kumimoji="1" lang="ko-Kore-KR" altLang="en-US"/>
           </a:p>
@@ -1750,7 +1750,7 @@
           <a:p>
             <a:fld id="{D2C610EC-66C9-CB43-8861-5B5E0416F5DC}" type="datetimeFigureOut">
               <a:rPr lang="en-US" altLang="ko-Kore-KR"/>
-              <a:t>12/29/23</a:t>
+              <a:t>12/30/23</a:t>
             </a:fld>
             <a:endParaRPr kumimoji="1" lang="ko-Kore-KR" altLang="en-US"/>
           </a:p>
@@ -1845,7 +1845,7 @@
           <a:p>
             <a:fld id="{D2C610EC-66C9-CB43-8861-5B5E0416F5DC}" type="datetimeFigureOut">
               <a:rPr lang="en-US" altLang="ko-Kore-KR"/>
-              <a:t>12/29/23</a:t>
+              <a:t>12/30/23</a:t>
             </a:fld>
             <a:endParaRPr kumimoji="1" lang="ko-Kore-KR" altLang="en-US"/>
           </a:p>
@@ -2122,7 +2122,7 @@
           <a:p>
             <a:fld id="{D2C610EC-66C9-CB43-8861-5B5E0416F5DC}" type="datetimeFigureOut">
               <a:rPr lang="en-US" altLang="ko-Kore-KR"/>
-              <a:t>12/29/23</a:t>
+              <a:t>12/30/23</a:t>
             </a:fld>
             <a:endParaRPr kumimoji="1" lang="ko-Kore-KR" altLang="en-US"/>
           </a:p>
@@ -2379,7 +2379,7 @@
           <a:p>
             <a:fld id="{D2C610EC-66C9-CB43-8861-5B5E0416F5DC}" type="datetimeFigureOut">
               <a:rPr lang="en-US" altLang="ko-Kore-KR"/>
-              <a:t>12/29/23</a:t>
+              <a:t>12/30/23</a:t>
             </a:fld>
             <a:endParaRPr kumimoji="1" lang="ko-Kore-KR" altLang="en-US"/>
           </a:p>
@@ -2592,7 +2592,7 @@
           <a:p>
             <a:fld id="{D2C610EC-66C9-CB43-8861-5B5E0416F5DC}" type="datetimeFigureOut">
               <a:rPr lang="en-US" altLang="ko-Kore-KR"/>
-              <a:t>12/29/23</a:t>
+              <a:t>12/30/23</a:t>
             </a:fld>
             <a:endParaRPr kumimoji="1" lang="ko-Kore-KR" altLang="en-US"/>
           </a:p>
@@ -24946,7 +24946,7 @@
               <a:rPr kumimoji="1" lang="en-US" altLang="ko-Kore-KR" sz="2800">
                 <a:cs typeface="Microsoft Himalaya" pitchFamily="2" charset="0"/>
               </a:rPr>
-              <a:t>Then what we can futher?</a:t>
+              <a:t>Then what we can further?</a:t>
             </a:r>
             <a:endParaRPr kumimoji="1" lang="ko-Kore-KR" altLang="en-US" sz="2800">
               <a:cs typeface="Microsoft Himalaya" pitchFamily="2" charset="0"/>
